--- a/Introducing SQL Operations Studio.pptx
+++ b/Introducing SQL Operations Studio.pptx
@@ -5,7 +5,7 @@
     <p:sldMasterId id="2147483648" r:id="rId1"/>
   </p:sldMasterIdLst>
   <p:notesMasterIdLst>
-    <p:notesMasterId r:id="rId24"/>
+    <p:notesMasterId r:id="rId23"/>
   </p:notesMasterIdLst>
   <p:sldIdLst>
     <p:sldId id="263" r:id="rId2"/>
@@ -19,17 +19,16 @@
     <p:sldId id="274" r:id="rId10"/>
     <p:sldId id="273" r:id="rId11"/>
     <p:sldId id="277" r:id="rId12"/>
-    <p:sldId id="288" r:id="rId13"/>
-    <p:sldId id="283" r:id="rId14"/>
-    <p:sldId id="275" r:id="rId15"/>
-    <p:sldId id="285" r:id="rId16"/>
-    <p:sldId id="284" r:id="rId17"/>
-    <p:sldId id="286" r:id="rId18"/>
-    <p:sldId id="276" r:id="rId19"/>
-    <p:sldId id="289" r:id="rId20"/>
-    <p:sldId id="281" r:id="rId21"/>
-    <p:sldId id="266" r:id="rId22"/>
-    <p:sldId id="282" r:id="rId23"/>
+    <p:sldId id="283" r:id="rId13"/>
+    <p:sldId id="275" r:id="rId14"/>
+    <p:sldId id="285" r:id="rId15"/>
+    <p:sldId id="284" r:id="rId16"/>
+    <p:sldId id="286" r:id="rId17"/>
+    <p:sldId id="276" r:id="rId18"/>
+    <p:sldId id="289" r:id="rId19"/>
+    <p:sldId id="281" r:id="rId20"/>
+    <p:sldId id="266" r:id="rId21"/>
+    <p:sldId id="282" r:id="rId22"/>
   </p:sldIdLst>
   <p:sldSz cx="11520488" cy="6480175"/>
   <p:notesSz cx="6858000" cy="9144000"/>
@@ -328,7 +327,7 @@
           <a:p>
             <a:fld id="{377FC722-9CC1-4B1C-A1B8-303C8AB43F42}" type="datetimeFigureOut">
               <a:rPr lang="it-IT" smtClean="0"/>
-              <a:t>25/01/2018</a:t>
+              <a:t>27/01/2018</a:t>
             </a:fld>
             <a:endParaRPr lang="it-IT"/>
           </a:p>
@@ -1694,7 +1693,7 @@
           <a:graphicData uri="http://schemas.openxmlformats.org/presentationml/2006/ole">
             <mc:AlternateContent xmlns:mc="http://schemas.openxmlformats.org/markup-compatibility/2006">
               <mc:Choice xmlns:v="urn:schemas-microsoft-com:vml" Requires="v">
-                <p:oleObj spid="_x0000_s1046" name="Image" r:id="rId10" imgW="2279520" imgH="1310400" progId="Photoshop.Image.18">
+                <p:oleObj spid="_x0000_s1048" name="Image" r:id="rId10" imgW="2279520" imgH="1310400" progId="Photoshop.Image.18">
                   <p:embed/>
                 </p:oleObj>
               </mc:Choice>
@@ -2898,7 +2897,7 @@
       </p:grpSpPr>
       <p:sp>
         <p:nvSpPr>
-          <p:cNvPr id="2" name="Title 1"/>
+          <p:cNvPr id="18" name="Title 17"/>
           <p:cNvSpPr>
             <a:spLocks noGrp="1"/>
           </p:cNvSpPr>
@@ -2912,24 +2911,275 @@
           <a:lstStyle/>
           <a:p>
             <a:r>
-              <a:rPr lang="it-IT" dirty="0" smtClean="0"/>
-              <a:t>DEMO</a:t>
-            </a:r>
-            <a:br>
-              <a:rPr lang="it-IT" dirty="0" smtClean="0"/>
-            </a:br>
-            <a:r>
-              <a:rPr lang="it-IT" sz="3600" dirty="0" smtClean="0"/>
-              <a:t>Introduzione al tool</a:t>
-            </a:r>
-            <a:endParaRPr lang="it-IT" dirty="0"/>
+              <a:rPr lang="en-US" dirty="0" smtClean="0"/>
+              <a:t>Focus del team di </a:t>
+            </a:r>
+            <a:r>
+              <a:rPr lang="en-US" dirty="0" err="1" smtClean="0"/>
+              <a:t>sviluppo</a:t>
+            </a:r>
+            <a:endParaRPr lang="en-US" dirty="0"/>
+          </a:p>
+        </p:txBody>
+      </p:sp>
+      <p:sp>
+        <p:nvSpPr>
+          <p:cNvPr id="19" name="Content Placeholder 18"/>
+          <p:cNvSpPr>
+            <a:spLocks noGrp="1"/>
+          </p:cNvSpPr>
+          <p:nvPr>
+            <p:ph idx="1"/>
+          </p:nvPr>
+        </p:nvSpPr>
+        <p:spPr/>
+        <p:txBody>
+          <a:bodyPr>
+            <a:normAutofit fontScale="85000" lnSpcReduction="20000"/>
+          </a:bodyPr>
+          <a:lstStyle/>
+          <a:p>
+            <a:r>
+              <a:rPr lang="en-US" dirty="0" err="1" smtClean="0"/>
+              <a:t>Sviluppo</a:t>
+            </a:r>
+            <a:r>
+              <a:rPr lang="en-US" dirty="0" smtClean="0"/>
+              <a:t> </a:t>
+            </a:r>
+            <a:r>
+              <a:rPr lang="en-US" dirty="0" err="1" smtClean="0"/>
+              <a:t>delle</a:t>
+            </a:r>
+            <a:r>
+              <a:rPr lang="en-US" dirty="0" smtClean="0"/>
+              <a:t> Core Functionalities</a:t>
+            </a:r>
+          </a:p>
+          <a:p>
+            <a:endParaRPr lang="en-US" dirty="0"/>
+          </a:p>
+          <a:p>
+            <a:r>
+              <a:rPr lang="en-US" dirty="0" err="1" smtClean="0"/>
+              <a:t>Sviluppo</a:t>
+            </a:r>
+            <a:r>
+              <a:rPr lang="en-US" dirty="0" smtClean="0"/>
+              <a:t> del </a:t>
+            </a:r>
+            <a:r>
+              <a:rPr lang="en-US" dirty="0" err="1" smtClean="0"/>
+              <a:t>sistema</a:t>
+            </a:r>
+            <a:r>
+              <a:rPr lang="en-US" dirty="0" smtClean="0"/>
+              <a:t> di Extensibility</a:t>
+            </a:r>
+          </a:p>
+          <a:p>
+            <a:endParaRPr lang="en-US" dirty="0"/>
+          </a:p>
+          <a:p>
+            <a:r>
+              <a:rPr lang="en-US" dirty="0" err="1" smtClean="0"/>
+              <a:t>Mettere</a:t>
+            </a:r>
+            <a:r>
+              <a:rPr lang="en-US" dirty="0" smtClean="0"/>
+              <a:t> a </a:t>
+            </a:r>
+            <a:r>
+              <a:rPr lang="en-US" dirty="0" err="1" smtClean="0"/>
+              <a:t>disposizione</a:t>
+            </a:r>
+            <a:r>
+              <a:rPr lang="en-US" dirty="0" smtClean="0"/>
+              <a:t> un </a:t>
+            </a:r>
+            <a:r>
+              <a:rPr lang="en-US" dirty="0" err="1" smtClean="0"/>
+              <a:t>ambiente</a:t>
+            </a:r>
+            <a:r>
+              <a:rPr lang="en-US" dirty="0" smtClean="0"/>
+              <a:t> </a:t>
+            </a:r>
+            <a:r>
+              <a:rPr lang="en-US" dirty="0" err="1" smtClean="0"/>
+              <a:t>ottimale</a:t>
+            </a:r>
+            <a:r>
+              <a:rPr lang="en-US" dirty="0" smtClean="0"/>
+              <a:t>, stabile e “</a:t>
+            </a:r>
+            <a:r>
+              <a:rPr lang="en-US" dirty="0" err="1" smtClean="0"/>
+              <a:t>ricco</a:t>
+            </a:r>
+            <a:r>
+              <a:rPr lang="en-US" dirty="0" smtClean="0"/>
+              <a:t>” per lo </a:t>
+            </a:r>
+            <a:r>
+              <a:rPr lang="en-US" dirty="0" err="1" smtClean="0"/>
+              <a:t>sviluppo</a:t>
+            </a:r>
+            <a:r>
+              <a:rPr lang="en-US" dirty="0" smtClean="0"/>
+              <a:t> e la </a:t>
+            </a:r>
+            <a:r>
+              <a:rPr lang="en-US" dirty="0" err="1" smtClean="0"/>
+              <a:t>gestione</a:t>
+            </a:r>
+            <a:r>
+              <a:rPr lang="en-US" dirty="0" smtClean="0"/>
+              <a:t> </a:t>
+            </a:r>
+            <a:r>
+              <a:rPr lang="en-US" dirty="0" err="1" smtClean="0"/>
+              <a:t>delle</a:t>
+            </a:r>
+            <a:r>
+              <a:rPr lang="en-US" dirty="0" smtClean="0"/>
+              <a:t> </a:t>
+            </a:r>
+            <a:r>
+              <a:rPr lang="en-US" dirty="0" err="1" smtClean="0"/>
+              <a:t>basi</a:t>
+            </a:r>
+            <a:r>
+              <a:rPr lang="en-US" dirty="0" smtClean="0"/>
+              <a:t> </a:t>
+            </a:r>
+            <a:r>
+              <a:rPr lang="en-US" dirty="0" err="1" smtClean="0"/>
+              <a:t>dati</a:t>
+            </a:r>
+            <a:r>
+              <a:rPr lang="en-US" dirty="0" smtClean="0"/>
+              <a:t> </a:t>
+            </a:r>
+            <a:r>
+              <a:rPr lang="en-US" dirty="0" err="1" smtClean="0"/>
+              <a:t>attraverso</a:t>
+            </a:r>
+            <a:r>
+              <a:rPr lang="en-US" dirty="0" smtClean="0"/>
+              <a:t> un </a:t>
+            </a:r>
+            <a:r>
+              <a:rPr lang="en-US" dirty="0" err="1" smtClean="0"/>
+              <a:t>sistema</a:t>
+            </a:r>
+            <a:r>
+              <a:rPr lang="en-US" dirty="0" smtClean="0"/>
+              <a:t> </a:t>
+            </a:r>
+            <a:r>
+              <a:rPr lang="en-US" dirty="0" err="1" smtClean="0"/>
+              <a:t>fortemente</a:t>
+            </a:r>
+            <a:r>
+              <a:rPr lang="en-US" dirty="0" smtClean="0"/>
+              <a:t> </a:t>
+            </a:r>
+            <a:r>
+              <a:rPr lang="en-US" dirty="0" err="1" smtClean="0"/>
+              <a:t>orientato</a:t>
+            </a:r>
+            <a:r>
+              <a:rPr lang="en-US" dirty="0" smtClean="0"/>
+              <a:t> </a:t>
+            </a:r>
+            <a:r>
+              <a:rPr lang="en-US" dirty="0" err="1" smtClean="0"/>
+              <a:t>all’estendibilità</a:t>
+            </a:r>
+            <a:r>
+              <a:rPr lang="en-US" dirty="0" smtClean="0"/>
+              <a:t>. </a:t>
+            </a:r>
+          </a:p>
+          <a:p>
+            <a:endParaRPr lang="en-US" dirty="0"/>
+          </a:p>
+          <a:p>
+            <a:r>
+              <a:rPr lang="en-US" dirty="0" err="1" smtClean="0"/>
+              <a:t>Mettere</a:t>
+            </a:r>
+            <a:r>
+              <a:rPr lang="en-US" dirty="0" smtClean="0"/>
+              <a:t> in </a:t>
+            </a:r>
+            <a:r>
+              <a:rPr lang="en-US" dirty="0" err="1" smtClean="0"/>
+              <a:t>grado</a:t>
+            </a:r>
+            <a:r>
+              <a:rPr lang="en-US" dirty="0" smtClean="0"/>
+              <a:t> </a:t>
+            </a:r>
+            <a:r>
+              <a:rPr lang="en-US" dirty="0" err="1" smtClean="0"/>
+              <a:t>chiunque</a:t>
+            </a:r>
+            <a:r>
+              <a:rPr lang="en-US" dirty="0" smtClean="0"/>
+              <a:t> di </a:t>
+            </a:r>
+            <a:r>
+              <a:rPr lang="en-US" dirty="0" err="1" smtClean="0"/>
+              <a:t>poter</a:t>
+            </a:r>
+            <a:r>
+              <a:rPr lang="en-US" dirty="0" smtClean="0"/>
+              <a:t> </a:t>
+            </a:r>
+            <a:r>
+              <a:rPr lang="en-US" dirty="0" err="1" smtClean="0"/>
+              <a:t>sviluppare</a:t>
+            </a:r>
+            <a:r>
+              <a:rPr lang="en-US" dirty="0" smtClean="0"/>
+              <a:t> le </a:t>
+            </a:r>
+            <a:r>
+              <a:rPr lang="en-US" dirty="0" err="1" smtClean="0"/>
+              <a:t>proprie</a:t>
+            </a:r>
+            <a:r>
+              <a:rPr lang="en-US" dirty="0" smtClean="0"/>
+              <a:t> </a:t>
+            </a:r>
+            <a:r>
+              <a:rPr lang="en-US" dirty="0" err="1" smtClean="0"/>
+              <a:t>estensioni</a:t>
+            </a:r>
+            <a:r>
+              <a:rPr lang="en-US" dirty="0" smtClean="0"/>
+              <a:t> (Microsoft </a:t>
+            </a:r>
+            <a:r>
+              <a:rPr lang="en-US" dirty="0" err="1" smtClean="0"/>
+              <a:t>stessa</a:t>
+            </a:r>
+            <a:r>
+              <a:rPr lang="en-US" dirty="0" smtClean="0"/>
+              <a:t>, ISV e community members)</a:t>
+            </a:r>
+          </a:p>
+          <a:p>
+            <a:endParaRPr lang="en-US" dirty="0"/>
           </a:p>
         </p:txBody>
       </p:sp>
     </p:spTree>
     <p:extLst>
       <p:ext uri="{BB962C8B-B14F-4D97-AF65-F5344CB8AC3E}">
-        <p14:creationId xmlns:p14="http://schemas.microsoft.com/office/powerpoint/2010/main" val="2470089503"/>
+        <p14:creationId xmlns:p14="http://schemas.microsoft.com/office/powerpoint/2010/main" val="3328459220"/>
       </p:ext>
     </p:extLst>
   </p:cSld>
@@ -2980,11 +3230,11 @@
           <a:p>
             <a:r>
               <a:rPr lang="en-US" dirty="0" smtClean="0"/>
-              <a:t>Focus del team di </a:t>
-            </a:r>
-            <a:r>
-              <a:rPr lang="en-US" dirty="0" err="1" smtClean="0"/>
-              <a:t>sviluppo</a:t>
+              <a:t>Core </a:t>
+            </a:r>
+            <a:r>
+              <a:rPr lang="en-US" dirty="0" smtClean="0"/>
+              <a:t>functionalities</a:t>
             </a:r>
             <a:endParaRPr lang="en-US" dirty="0"/>
           </a:p>
@@ -3003,269 +3253,159 @@
         <p:spPr/>
         <p:txBody>
           <a:bodyPr>
-            <a:normAutofit fontScale="85000" lnSpcReduction="20000"/>
+            <a:noAutofit/>
           </a:bodyPr>
           <a:lstStyle/>
           <a:p>
-            <a:r>
-              <a:rPr lang="en-US" dirty="0" err="1" smtClean="0"/>
-              <a:t>Sviluppo</a:t>
-            </a:r>
-            <a:r>
-              <a:rPr lang="en-US" dirty="0" smtClean="0"/>
+            <a:pPr marL="685800" indent="-685800">
+              <a:buFont typeface="Arial" panose="020B0604020202020204" pitchFamily="34" charset="0"/>
+              <a:buChar char="•"/>
+            </a:pPr>
+            <a:r>
+              <a:rPr lang="en-US" sz="2800" dirty="0" err="1" smtClean="0"/>
+              <a:t>Connettersi</a:t>
+            </a:r>
+            <a:r>
+              <a:rPr lang="en-US" sz="2800" dirty="0" smtClean="0"/>
+              <a:t> a SQL Server</a:t>
+            </a:r>
+          </a:p>
+          <a:p>
+            <a:pPr marL="685800" indent="-685800">
+              <a:buFont typeface="Arial" panose="020B0604020202020204" pitchFamily="34" charset="0"/>
+              <a:buChar char="•"/>
+            </a:pPr>
+            <a:endParaRPr lang="en-US" sz="2800" dirty="0" smtClean="0"/>
+          </a:p>
+          <a:p>
+            <a:pPr marL="685800" indent="-685800">
+              <a:buFont typeface="Arial" panose="020B0604020202020204" pitchFamily="34" charset="0"/>
+              <a:buChar char="•"/>
+            </a:pPr>
+            <a:r>
+              <a:rPr lang="en-US" sz="2800" dirty="0" err="1" smtClean="0"/>
+              <a:t>Esplorazione</a:t>
+            </a:r>
+            <a:r>
+              <a:rPr lang="en-US" sz="2800" dirty="0" smtClean="0"/>
               <a:t> </a:t>
             </a:r>
             <a:r>
-              <a:rPr lang="en-US" dirty="0" err="1" smtClean="0"/>
-              <a:t>delle</a:t>
-            </a:r>
-            <a:r>
-              <a:rPr lang="en-US" dirty="0" smtClean="0"/>
-              <a:t> Core Functionalities</a:t>
-            </a:r>
-          </a:p>
-          <a:p>
-            <a:endParaRPr lang="en-US" dirty="0"/>
-          </a:p>
-          <a:p>
-            <a:r>
-              <a:rPr lang="en-US" dirty="0" err="1" smtClean="0"/>
-              <a:t>Sviluppo</a:t>
-            </a:r>
-            <a:r>
-              <a:rPr lang="en-US" dirty="0" smtClean="0"/>
-              <a:t> del </a:t>
-            </a:r>
-            <a:r>
-              <a:rPr lang="en-US" dirty="0" err="1" smtClean="0"/>
-              <a:t>sistema</a:t>
-            </a:r>
-            <a:r>
-              <a:rPr lang="en-US" dirty="0" smtClean="0"/>
-              <a:t> di </a:t>
-            </a:r>
-            <a:r>
-              <a:rPr lang="en-US" dirty="0" smtClean="0"/>
-              <a:t>Extensibility</a:t>
-            </a:r>
-            <a:endParaRPr lang="en-US" dirty="0" smtClean="0"/>
-          </a:p>
-          <a:p>
-            <a:endParaRPr lang="en-US" dirty="0"/>
-          </a:p>
-          <a:p>
-            <a:r>
-              <a:rPr lang="en-US" dirty="0" err="1" smtClean="0"/>
-              <a:t>Mettere</a:t>
-            </a:r>
-            <a:r>
-              <a:rPr lang="en-US" dirty="0" smtClean="0"/>
-              <a:t> a </a:t>
-            </a:r>
-            <a:r>
-              <a:rPr lang="en-US" dirty="0" err="1" smtClean="0"/>
-              <a:t>disposizione</a:t>
-            </a:r>
-            <a:r>
-              <a:rPr lang="en-US" dirty="0" smtClean="0"/>
+              <a:rPr lang="en-US" sz="2800" dirty="0" err="1" smtClean="0"/>
+              <a:t>degli</a:t>
+            </a:r>
+            <a:r>
+              <a:rPr lang="en-US" sz="2800" dirty="0" smtClean="0"/>
               <a:t> </a:t>
             </a:r>
             <a:r>
-              <a:rPr lang="en-US" dirty="0" smtClean="0"/>
-              <a:t>un </a:t>
-            </a:r>
-            <a:r>
-              <a:rPr lang="en-US" dirty="0" err="1" smtClean="0"/>
-              <a:t>ambiente</a:t>
-            </a:r>
-            <a:r>
-              <a:rPr lang="en-US" dirty="0" smtClean="0"/>
+              <a:rPr lang="en-US" sz="2800" dirty="0" err="1" smtClean="0"/>
+              <a:t>oggetti</a:t>
+            </a:r>
+            <a:endParaRPr lang="en-US" sz="2800" dirty="0"/>
+          </a:p>
+          <a:p>
+            <a:pPr marL="685800" indent="-685800">
+              <a:buFont typeface="Arial" panose="020B0604020202020204" pitchFamily="34" charset="0"/>
+              <a:buChar char="•"/>
+            </a:pPr>
+            <a:endParaRPr lang="en-US" sz="2800" dirty="0" smtClean="0"/>
+          </a:p>
+          <a:p>
+            <a:pPr marL="685800" indent="-685800">
+              <a:buFont typeface="Arial" panose="020B0604020202020204" pitchFamily="34" charset="0"/>
+              <a:buChar char="•"/>
+            </a:pPr>
+            <a:r>
+              <a:rPr lang="en-US" sz="2800" dirty="0" err="1" smtClean="0"/>
+              <a:t>Intellisense</a:t>
+            </a:r>
+            <a:r>
+              <a:rPr lang="en-US" sz="2800" dirty="0" smtClean="0"/>
+              <a:t> (</a:t>
+            </a:r>
+            <a:r>
+              <a:rPr lang="en-US" sz="2800" dirty="0" err="1" smtClean="0"/>
+              <a:t>anche</a:t>
+            </a:r>
+            <a:r>
+              <a:rPr lang="en-US" sz="2800" dirty="0" smtClean="0"/>
+              <a:t> per Azure SQLDB)</a:t>
+            </a:r>
+          </a:p>
+          <a:p>
+            <a:pPr marL="685800" indent="-685800">
+              <a:buFont typeface="Arial" panose="020B0604020202020204" pitchFamily="34" charset="0"/>
+              <a:buChar char="•"/>
+            </a:pPr>
+            <a:endParaRPr lang="en-US" sz="2800" dirty="0" smtClean="0"/>
+          </a:p>
+          <a:p>
+            <a:pPr marL="685800" indent="-685800">
+              <a:buFont typeface="Arial" panose="020B0604020202020204" pitchFamily="34" charset="0"/>
+              <a:buChar char="•"/>
+            </a:pPr>
+            <a:r>
+              <a:rPr lang="en-US" sz="2800" dirty="0" smtClean="0"/>
+              <a:t>Editing </a:t>
+            </a:r>
+            <a:r>
+              <a:rPr lang="en-US" sz="2800" dirty="0" err="1" smtClean="0"/>
+              <a:t>avanzato</a:t>
+            </a:r>
+            <a:r>
+              <a:rPr lang="en-US" sz="2800" dirty="0" smtClean="0"/>
+              <a:t> per T-SQL</a:t>
+            </a:r>
+          </a:p>
+          <a:p>
+            <a:pPr marL="685800" indent="-685800">
+              <a:buFont typeface="Arial" panose="020B0604020202020204" pitchFamily="34" charset="0"/>
+              <a:buChar char="•"/>
+            </a:pPr>
+            <a:endParaRPr lang="en-US" sz="2800" dirty="0" smtClean="0"/>
+          </a:p>
+          <a:p>
+            <a:pPr marL="685800" indent="-685800">
+              <a:buFont typeface="Arial" panose="020B0604020202020204" pitchFamily="34" charset="0"/>
+              <a:buChar char="•"/>
+            </a:pPr>
+            <a:r>
+              <a:rPr lang="en-US" sz="2800" dirty="0" err="1" smtClean="0"/>
+              <a:t>Esecuzione</a:t>
+            </a:r>
+            <a:r>
+              <a:rPr lang="en-US" sz="2800" dirty="0" smtClean="0"/>
+              <a:t> e </a:t>
+            </a:r>
+            <a:r>
+              <a:rPr lang="en-US" sz="2800" dirty="0" err="1" smtClean="0"/>
+              <a:t>visualizzazione</a:t>
+            </a:r>
+            <a:r>
+              <a:rPr lang="en-US" sz="2800" dirty="0" smtClean="0"/>
               <a:t> </a:t>
             </a:r>
             <a:r>
-              <a:rPr lang="en-US" dirty="0" err="1" smtClean="0"/>
-              <a:t>ottimale</a:t>
-            </a:r>
-            <a:r>
-              <a:rPr lang="en-US" dirty="0" smtClean="0"/>
-              <a:t>, stabile e </a:t>
-            </a:r>
-            <a:r>
-              <a:rPr lang="en-US" dirty="0" smtClean="0"/>
-              <a:t>“</a:t>
-            </a:r>
-            <a:r>
-              <a:rPr lang="en-US" dirty="0" err="1" smtClean="0"/>
-              <a:t>ricco</a:t>
-            </a:r>
-            <a:r>
-              <a:rPr lang="en-US" dirty="0" smtClean="0"/>
-              <a:t>” </a:t>
-            </a:r>
-            <a:r>
-              <a:rPr lang="en-US" dirty="0" smtClean="0"/>
-              <a:t>per lo </a:t>
-            </a:r>
-            <a:r>
-              <a:rPr lang="en-US" dirty="0" err="1" smtClean="0"/>
-              <a:t>sviluppo</a:t>
-            </a:r>
-            <a:r>
-              <a:rPr lang="en-US" dirty="0" smtClean="0"/>
-              <a:t> e la </a:t>
-            </a:r>
-            <a:r>
-              <a:rPr lang="en-US" dirty="0" err="1" smtClean="0"/>
-              <a:t>gestione</a:t>
-            </a:r>
-            <a:r>
-              <a:rPr lang="en-US" dirty="0" smtClean="0"/>
+              <a:rPr lang="en-US" sz="2800" dirty="0" err="1" smtClean="0"/>
+              <a:t>dei</a:t>
+            </a:r>
+            <a:r>
+              <a:rPr lang="en-US" sz="2800" dirty="0" smtClean="0"/>
               <a:t> </a:t>
             </a:r>
             <a:r>
-              <a:rPr lang="en-US" dirty="0" err="1" smtClean="0"/>
-              <a:t>delle</a:t>
-            </a:r>
-            <a:r>
-              <a:rPr lang="en-US" dirty="0" smtClean="0"/>
-              <a:t> </a:t>
-            </a:r>
-            <a:r>
-              <a:rPr lang="en-US" dirty="0" err="1" smtClean="0"/>
-              <a:t>basi</a:t>
-            </a:r>
-            <a:r>
-              <a:rPr lang="en-US" dirty="0" smtClean="0"/>
-              <a:t> </a:t>
-            </a:r>
-            <a:r>
-              <a:rPr lang="en-US" dirty="0" err="1" smtClean="0"/>
-              <a:t>dati</a:t>
-            </a:r>
-            <a:r>
-              <a:rPr lang="en-US" dirty="0" smtClean="0"/>
-              <a:t> </a:t>
-            </a:r>
-            <a:r>
-              <a:rPr lang="en-US" dirty="0" err="1" smtClean="0"/>
-              <a:t>attraverso</a:t>
-            </a:r>
-            <a:r>
-              <a:rPr lang="en-US" dirty="0" smtClean="0"/>
-              <a:t> un </a:t>
-            </a:r>
-            <a:r>
-              <a:rPr lang="en-US" dirty="0" err="1" smtClean="0"/>
-              <a:t>sistema</a:t>
-            </a:r>
-            <a:r>
-              <a:rPr lang="en-US" dirty="0" smtClean="0"/>
-              <a:t> </a:t>
-            </a:r>
-            <a:r>
-              <a:rPr lang="en-US" dirty="0" err="1" smtClean="0"/>
-              <a:t>fortemente</a:t>
-            </a:r>
-            <a:r>
-              <a:rPr lang="en-US" dirty="0" smtClean="0"/>
-              <a:t> </a:t>
-            </a:r>
-            <a:r>
-              <a:rPr lang="en-US" dirty="0" err="1" smtClean="0"/>
-              <a:t>orientato</a:t>
-            </a:r>
-            <a:r>
-              <a:rPr lang="en-US" dirty="0" smtClean="0"/>
-              <a:t> </a:t>
-            </a:r>
-            <a:r>
-              <a:rPr lang="en-US" dirty="0" err="1" smtClean="0"/>
-              <a:t>all’estendibilità</a:t>
-            </a:r>
-            <a:r>
-              <a:rPr lang="en-US" dirty="0" smtClean="0"/>
-              <a:t>. </a:t>
-            </a:r>
-            <a:endParaRPr lang="en-US" dirty="0" smtClean="0"/>
-          </a:p>
-          <a:p>
-            <a:endParaRPr lang="en-US" dirty="0"/>
-          </a:p>
-          <a:p>
-            <a:r>
-              <a:rPr lang="en-US" dirty="0" err="1" smtClean="0"/>
-              <a:t>Mettere</a:t>
-            </a:r>
-            <a:r>
-              <a:rPr lang="en-US" dirty="0" smtClean="0"/>
-              <a:t> in </a:t>
-            </a:r>
-            <a:r>
-              <a:rPr lang="en-US" dirty="0" err="1" smtClean="0"/>
-              <a:t>grado</a:t>
-            </a:r>
-            <a:r>
-              <a:rPr lang="en-US" dirty="0" smtClean="0"/>
-              <a:t> </a:t>
-            </a:r>
-            <a:r>
-              <a:rPr lang="en-US" dirty="0" err="1" smtClean="0"/>
-              <a:t>chiunque</a:t>
-            </a:r>
-            <a:r>
-              <a:rPr lang="en-US" dirty="0" smtClean="0"/>
-              <a:t> di </a:t>
-            </a:r>
-            <a:r>
-              <a:rPr lang="en-US" dirty="0" err="1" smtClean="0"/>
-              <a:t>poter</a:t>
-            </a:r>
-            <a:r>
-              <a:rPr lang="en-US" dirty="0" smtClean="0"/>
-              <a:t> </a:t>
-            </a:r>
-            <a:r>
-              <a:rPr lang="en-US" dirty="0" err="1" smtClean="0"/>
-              <a:t>sviluppare</a:t>
-            </a:r>
-            <a:r>
-              <a:rPr lang="en-US" dirty="0" smtClean="0"/>
-              <a:t> le </a:t>
-            </a:r>
-            <a:r>
-              <a:rPr lang="en-US" dirty="0" err="1" smtClean="0"/>
-              <a:t>proprie</a:t>
-            </a:r>
-            <a:r>
-              <a:rPr lang="en-US" dirty="0" smtClean="0"/>
-              <a:t> </a:t>
-            </a:r>
-            <a:r>
-              <a:rPr lang="en-US" dirty="0" err="1" smtClean="0"/>
-              <a:t>estensioni</a:t>
-            </a:r>
-            <a:r>
-              <a:rPr lang="en-US" dirty="0" smtClean="0"/>
-              <a:t> (Microsoft </a:t>
-            </a:r>
-            <a:r>
-              <a:rPr lang="en-US" dirty="0" err="1" smtClean="0"/>
-              <a:t>stessa</a:t>
-            </a:r>
-            <a:r>
-              <a:rPr lang="en-US" dirty="0" smtClean="0"/>
-              <a:t>, ISV e community members)</a:t>
-            </a:r>
-          </a:p>
-          <a:p>
-            <a:endParaRPr lang="en-US" dirty="0"/>
+              <a:rPr lang="en-US" sz="2800" dirty="0" err="1" smtClean="0"/>
+              <a:t>risultati</a:t>
+            </a:r>
+            <a:endParaRPr lang="en-US" sz="2800" dirty="0"/>
           </a:p>
         </p:txBody>
       </p:sp>
     </p:spTree>
     <p:extLst>
       <p:ext uri="{BB962C8B-B14F-4D97-AF65-F5344CB8AC3E}">
-        <p14:creationId xmlns:p14="http://schemas.microsoft.com/office/powerpoint/2010/main" val="3328459220"/>
+        <p14:creationId xmlns:p14="http://schemas.microsoft.com/office/powerpoint/2010/main" val="1448985056"/>
       </p:ext>
     </p:extLst>
   </p:cSld>
@@ -3301,228 +3441,6 @@
       </p:grpSpPr>
       <p:sp>
         <p:nvSpPr>
-          <p:cNvPr id="18" name="Title 17"/>
-          <p:cNvSpPr>
-            <a:spLocks noGrp="1"/>
-          </p:cNvSpPr>
-          <p:nvPr>
-            <p:ph type="title"/>
-          </p:nvPr>
-        </p:nvSpPr>
-        <p:spPr/>
-        <p:txBody>
-          <a:bodyPr/>
-          <a:lstStyle/>
-          <a:p>
-            <a:r>
-              <a:rPr lang="en-US" dirty="0" smtClean="0"/>
-              <a:t>Core functionalities (la parte Dev)</a:t>
-            </a:r>
-            <a:endParaRPr lang="en-US" dirty="0"/>
-          </a:p>
-        </p:txBody>
-      </p:sp>
-      <p:sp>
-        <p:nvSpPr>
-          <p:cNvPr id="19" name="Content Placeholder 18"/>
-          <p:cNvSpPr>
-            <a:spLocks noGrp="1"/>
-          </p:cNvSpPr>
-          <p:nvPr>
-            <p:ph idx="1"/>
-          </p:nvPr>
-        </p:nvSpPr>
-        <p:spPr/>
-        <p:txBody>
-          <a:bodyPr>
-            <a:noAutofit/>
-          </a:bodyPr>
-          <a:lstStyle/>
-          <a:p>
-            <a:pPr marL="685800" indent="-685800">
-              <a:buFont typeface="Arial" panose="020B0604020202020204" pitchFamily="34" charset="0"/>
-              <a:buChar char="•"/>
-            </a:pPr>
-            <a:r>
-              <a:rPr lang="en-US" sz="2800" dirty="0" err="1" smtClean="0"/>
-              <a:t>Connettersi</a:t>
-            </a:r>
-            <a:r>
-              <a:rPr lang="en-US" sz="2800" dirty="0" smtClean="0"/>
-              <a:t> a SQL Server</a:t>
-            </a:r>
-          </a:p>
-          <a:p>
-            <a:pPr marL="685800" indent="-685800">
-              <a:buFont typeface="Arial" panose="020B0604020202020204" pitchFamily="34" charset="0"/>
-              <a:buChar char="•"/>
-            </a:pPr>
-            <a:endParaRPr lang="en-US" sz="2800" dirty="0" smtClean="0"/>
-          </a:p>
-          <a:p>
-            <a:pPr marL="685800" indent="-685800">
-              <a:buFont typeface="Arial" panose="020B0604020202020204" pitchFamily="34" charset="0"/>
-              <a:buChar char="•"/>
-            </a:pPr>
-            <a:r>
-              <a:rPr lang="en-US" sz="2800" dirty="0" err="1" smtClean="0"/>
-              <a:t>Esplorazione</a:t>
-            </a:r>
-            <a:r>
-              <a:rPr lang="en-US" sz="2800" dirty="0" smtClean="0"/>
-              <a:t> </a:t>
-            </a:r>
-            <a:r>
-              <a:rPr lang="en-US" sz="2800" dirty="0" err="1" smtClean="0"/>
-              <a:t>degli</a:t>
-            </a:r>
-            <a:r>
-              <a:rPr lang="en-US" sz="2800" dirty="0" smtClean="0"/>
-              <a:t> </a:t>
-            </a:r>
-            <a:r>
-              <a:rPr lang="en-US" sz="2800" dirty="0" err="1" smtClean="0"/>
-              <a:t>oggetti</a:t>
-            </a:r>
-            <a:endParaRPr lang="en-US" sz="2800" dirty="0"/>
-          </a:p>
-          <a:p>
-            <a:pPr marL="685800" indent="-685800">
-              <a:buFont typeface="Arial" panose="020B0604020202020204" pitchFamily="34" charset="0"/>
-              <a:buChar char="•"/>
-            </a:pPr>
-            <a:endParaRPr lang="en-US" sz="2800" dirty="0" smtClean="0"/>
-          </a:p>
-          <a:p>
-            <a:pPr marL="685800" indent="-685800">
-              <a:buFont typeface="Arial" panose="020B0604020202020204" pitchFamily="34" charset="0"/>
-              <a:buChar char="•"/>
-            </a:pPr>
-            <a:r>
-              <a:rPr lang="en-US" sz="2800" dirty="0" err="1" smtClean="0"/>
-              <a:t>Intellisense</a:t>
-            </a:r>
-            <a:r>
-              <a:rPr lang="en-US" sz="2800" dirty="0" smtClean="0"/>
-              <a:t> (</a:t>
-            </a:r>
-            <a:r>
-              <a:rPr lang="en-US" sz="2800" dirty="0" err="1" smtClean="0"/>
-              <a:t>anche</a:t>
-            </a:r>
-            <a:r>
-              <a:rPr lang="en-US" sz="2800" dirty="0" smtClean="0"/>
-              <a:t> per Azure SQLDB)</a:t>
-            </a:r>
-          </a:p>
-          <a:p>
-            <a:pPr marL="685800" indent="-685800">
-              <a:buFont typeface="Arial" panose="020B0604020202020204" pitchFamily="34" charset="0"/>
-              <a:buChar char="•"/>
-            </a:pPr>
-            <a:endParaRPr lang="en-US" sz="2800" dirty="0" smtClean="0"/>
-          </a:p>
-          <a:p>
-            <a:pPr marL="685800" indent="-685800">
-              <a:buFont typeface="Arial" panose="020B0604020202020204" pitchFamily="34" charset="0"/>
-              <a:buChar char="•"/>
-            </a:pPr>
-            <a:r>
-              <a:rPr lang="en-US" sz="2800" dirty="0" smtClean="0"/>
-              <a:t>Editing </a:t>
-            </a:r>
-            <a:r>
-              <a:rPr lang="en-US" sz="2800" dirty="0" err="1" smtClean="0"/>
-              <a:t>avanzato</a:t>
-            </a:r>
-            <a:r>
-              <a:rPr lang="en-US" sz="2800" dirty="0" smtClean="0"/>
-              <a:t> per T-SQL</a:t>
-            </a:r>
-          </a:p>
-          <a:p>
-            <a:pPr marL="685800" indent="-685800">
-              <a:buFont typeface="Arial" panose="020B0604020202020204" pitchFamily="34" charset="0"/>
-              <a:buChar char="•"/>
-            </a:pPr>
-            <a:endParaRPr lang="en-US" sz="2800" dirty="0" smtClean="0"/>
-          </a:p>
-          <a:p>
-            <a:pPr marL="685800" indent="-685800">
-              <a:buFont typeface="Arial" panose="020B0604020202020204" pitchFamily="34" charset="0"/>
-              <a:buChar char="•"/>
-            </a:pPr>
-            <a:r>
-              <a:rPr lang="en-US" sz="2800" dirty="0" err="1" smtClean="0"/>
-              <a:t>Esecuzione</a:t>
-            </a:r>
-            <a:r>
-              <a:rPr lang="en-US" sz="2800" dirty="0" smtClean="0"/>
-              <a:t> e </a:t>
-            </a:r>
-            <a:r>
-              <a:rPr lang="en-US" sz="2800" dirty="0" err="1" smtClean="0"/>
-              <a:t>visualizzazione</a:t>
-            </a:r>
-            <a:r>
-              <a:rPr lang="en-US" sz="2800" dirty="0" smtClean="0"/>
-              <a:t> </a:t>
-            </a:r>
-            <a:r>
-              <a:rPr lang="en-US" sz="2800" dirty="0" err="1" smtClean="0"/>
-              <a:t>dei</a:t>
-            </a:r>
-            <a:r>
-              <a:rPr lang="en-US" sz="2800" dirty="0" smtClean="0"/>
-              <a:t> </a:t>
-            </a:r>
-            <a:r>
-              <a:rPr lang="en-US" sz="2800" dirty="0" err="1" smtClean="0"/>
-              <a:t>risultati</a:t>
-            </a:r>
-            <a:endParaRPr lang="en-US" sz="2800" dirty="0"/>
-          </a:p>
-        </p:txBody>
-      </p:sp>
-    </p:spTree>
-    <p:extLst>
-      <p:ext uri="{BB962C8B-B14F-4D97-AF65-F5344CB8AC3E}">
-        <p14:creationId xmlns:p14="http://schemas.microsoft.com/office/powerpoint/2010/main" val="1448985056"/>
-      </p:ext>
-    </p:extLst>
-  </p:cSld>
-  <p:clrMapOvr>
-    <a:masterClrMapping/>
-  </p:clrMapOvr>
-  <p:timing>
-    <p:tnLst>
-      <p:par>
-        <p:cTn id="1" dur="indefinite" restart="never" nodeType="tmRoot"/>
-      </p:par>
-    </p:tnLst>
-  </p:timing>
-</p:sld>
-</file>
-
-<file path=ppt/slides/slide15.xml><?xml version="1.0" encoding="utf-8"?>
-<p:sld xmlns:a="http://schemas.openxmlformats.org/drawingml/2006/main" xmlns:r="http://schemas.openxmlformats.org/officeDocument/2006/relationships" xmlns:p="http://schemas.openxmlformats.org/presentationml/2006/main">
-  <p:cSld>
-    <p:spTree>
-      <p:nvGrpSpPr>
-        <p:cNvPr id="1" name=""/>
-        <p:cNvGrpSpPr/>
-        <p:nvPr/>
-      </p:nvGrpSpPr>
-      <p:grpSpPr>
-        <a:xfrm>
-          <a:off x="0" y="0"/>
-          <a:ext cx="0" cy="0"/>
-          <a:chOff x="0" y="0"/>
-          <a:chExt cx="0" cy="0"/>
-        </a:xfrm>
-      </p:grpSpPr>
-      <p:sp>
-        <p:nvSpPr>
           <p:cNvPr id="2" name="Title 1"/>
           <p:cNvSpPr>
             <a:spLocks noGrp="1"/>
@@ -3571,7 +3489,7 @@
 </p:sld>
 </file>
 
-<file path=ppt/slides/slide16.xml><?xml version="1.0" encoding="utf-8"?>
+<file path=ppt/slides/slide15.xml><?xml version="1.0" encoding="utf-8"?>
 <p:sld xmlns:a="http://schemas.openxmlformats.org/drawingml/2006/main" xmlns:r="http://schemas.openxmlformats.org/officeDocument/2006/relationships" xmlns:p="http://schemas.openxmlformats.org/presentationml/2006/main">
   <p:cSld>
     <p:spTree>
@@ -3852,7 +3770,7 @@
 </p:sld>
 </file>
 
-<file path=ppt/slides/slide17.xml><?xml version="1.0" encoding="utf-8"?>
+<file path=ppt/slides/slide16.xml><?xml version="1.0" encoding="utf-8"?>
 <p:sld xmlns:a="http://schemas.openxmlformats.org/drawingml/2006/main" xmlns:r="http://schemas.openxmlformats.org/officeDocument/2006/relationships" xmlns:p="http://schemas.openxmlformats.org/presentationml/2006/main">
   <p:cSld>
     <p:spTree>
@@ -3903,6 +3821,113 @@
     <p:extLst>
       <p:ext uri="{BB962C8B-B14F-4D97-AF65-F5344CB8AC3E}">
         <p14:creationId xmlns:p14="http://schemas.microsoft.com/office/powerpoint/2010/main" val="4027935791"/>
+      </p:ext>
+    </p:extLst>
+  </p:cSld>
+  <p:clrMapOvr>
+    <a:masterClrMapping/>
+  </p:clrMapOvr>
+  <p:timing>
+    <p:tnLst>
+      <p:par>
+        <p:cTn id="1" dur="indefinite" restart="never" nodeType="tmRoot"/>
+      </p:par>
+    </p:tnLst>
+  </p:timing>
+</p:sld>
+</file>
+
+<file path=ppt/slides/slide17.xml><?xml version="1.0" encoding="utf-8"?>
+<p:sld xmlns:a="http://schemas.openxmlformats.org/drawingml/2006/main" xmlns:r="http://schemas.openxmlformats.org/officeDocument/2006/relationships" xmlns:p="http://schemas.openxmlformats.org/presentationml/2006/main">
+  <p:cSld>
+    <p:spTree>
+      <p:nvGrpSpPr>
+        <p:cNvPr id="1" name=""/>
+        <p:cNvGrpSpPr/>
+        <p:nvPr/>
+      </p:nvGrpSpPr>
+      <p:grpSpPr>
+        <a:xfrm>
+          <a:off x="0" y="0"/>
+          <a:ext cx="0" cy="0"/>
+          <a:chOff x="0" y="0"/>
+          <a:chExt cx="0" cy="0"/>
+        </a:xfrm>
+      </p:grpSpPr>
+      <p:sp>
+        <p:nvSpPr>
+          <p:cNvPr id="18" name="Title 17"/>
+          <p:cNvSpPr>
+            <a:spLocks noGrp="1"/>
+          </p:cNvSpPr>
+          <p:nvPr>
+            <p:ph type="title"/>
+          </p:nvPr>
+        </p:nvSpPr>
+        <p:spPr/>
+        <p:txBody>
+          <a:bodyPr/>
+          <a:lstStyle/>
+          <a:p>
+            <a:r>
+              <a:rPr lang="en-US" dirty="0" smtClean="0"/>
+              <a:t>Extensibility</a:t>
+            </a:r>
+            <a:endParaRPr lang="en-US" dirty="0"/>
+          </a:p>
+        </p:txBody>
+      </p:sp>
+      <p:sp>
+        <p:nvSpPr>
+          <p:cNvPr id="19" name="Content Placeholder 18"/>
+          <p:cNvSpPr>
+            <a:spLocks noGrp="1"/>
+          </p:cNvSpPr>
+          <p:nvPr>
+            <p:ph idx="1"/>
+          </p:nvPr>
+        </p:nvSpPr>
+        <p:spPr/>
+        <p:txBody>
+          <a:bodyPr/>
+          <a:lstStyle/>
+          <a:p>
+            <a:r>
+              <a:rPr lang="en-US" dirty="0" smtClean="0"/>
+              <a:t>Insight Extensibility</a:t>
+            </a:r>
+          </a:p>
+          <a:p>
+            <a:endParaRPr lang="en-US" dirty="0"/>
+          </a:p>
+          <a:p>
+            <a:r>
+              <a:rPr lang="en-US" dirty="0" smtClean="0"/>
+              <a:t>UI Extensibility</a:t>
+            </a:r>
+          </a:p>
+          <a:p>
+            <a:endParaRPr lang="en-US" dirty="0" smtClean="0"/>
+          </a:p>
+          <a:p>
+            <a:r>
+              <a:rPr lang="en-US" dirty="0" smtClean="0"/>
+              <a:t>Database Management Protocol (DMP) Extensibility</a:t>
+            </a:r>
+          </a:p>
+          <a:p>
+            <a:pPr marL="571500" indent="-571500">
+              <a:buFont typeface="Arial" panose="020B0604020202020204" pitchFamily="34" charset="0"/>
+              <a:buChar char="•"/>
+            </a:pPr>
+            <a:endParaRPr lang="en-US" dirty="0"/>
+          </a:p>
+        </p:txBody>
+      </p:sp>
+    </p:spTree>
+    <p:extLst>
+      <p:ext uri="{BB962C8B-B14F-4D97-AF65-F5344CB8AC3E}">
+        <p14:creationId xmlns:p14="http://schemas.microsoft.com/office/powerpoint/2010/main" val="2286132528"/>
       </p:ext>
     </p:extLst>
   </p:cSld>
@@ -3938,7 +3963,7 @@
       </p:grpSpPr>
       <p:sp>
         <p:nvSpPr>
-          <p:cNvPr id="18" name="Title 17"/>
+          <p:cNvPr id="2" name="Title 1"/>
           <p:cNvSpPr>
             <a:spLocks noGrp="1"/>
           </p:cNvSpPr>
@@ -3952,64 +3977,24 @@
           <a:lstStyle/>
           <a:p>
             <a:r>
-              <a:rPr lang="en-US" dirty="0" smtClean="0"/>
+              <a:rPr lang="it-IT" dirty="0" smtClean="0"/>
+              <a:t>DEMO</a:t>
+            </a:r>
+            <a:br>
+              <a:rPr lang="it-IT" dirty="0" smtClean="0"/>
+            </a:br>
+            <a:r>
+              <a:rPr lang="it-IT" sz="3600" dirty="0" smtClean="0"/>
               <a:t>Extensibility</a:t>
             </a:r>
-            <a:endParaRPr lang="en-US" dirty="0"/>
-          </a:p>
-        </p:txBody>
-      </p:sp>
-      <p:sp>
-        <p:nvSpPr>
-          <p:cNvPr id="19" name="Content Placeholder 18"/>
-          <p:cNvSpPr>
-            <a:spLocks noGrp="1"/>
-          </p:cNvSpPr>
-          <p:nvPr>
-            <p:ph idx="1"/>
-          </p:nvPr>
-        </p:nvSpPr>
-        <p:spPr/>
-        <p:txBody>
-          <a:bodyPr/>
-          <a:lstStyle/>
-          <a:p>
-            <a:r>
-              <a:rPr lang="en-US" dirty="0" smtClean="0"/>
-              <a:t>Insight Extensibility</a:t>
-            </a:r>
-          </a:p>
-          <a:p>
-            <a:endParaRPr lang="en-US" dirty="0"/>
-          </a:p>
-          <a:p>
-            <a:r>
-              <a:rPr lang="en-US" dirty="0" smtClean="0"/>
-              <a:t>UI Extensibility</a:t>
-            </a:r>
-          </a:p>
-          <a:p>
-            <a:endParaRPr lang="en-US" dirty="0" smtClean="0"/>
-          </a:p>
-          <a:p>
-            <a:r>
-              <a:rPr lang="en-US" dirty="0" smtClean="0"/>
-              <a:t>Database Management Protocol (DMP) Extensibility</a:t>
-            </a:r>
-          </a:p>
-          <a:p>
-            <a:pPr marL="571500" indent="-571500">
-              <a:buFont typeface="Arial" panose="020B0604020202020204" pitchFamily="34" charset="0"/>
-              <a:buChar char="•"/>
-            </a:pPr>
-            <a:endParaRPr lang="en-US" dirty="0"/>
+            <a:endParaRPr lang="it-IT" dirty="0"/>
           </a:p>
         </p:txBody>
       </p:sp>
     </p:spTree>
     <p:extLst>
       <p:ext uri="{BB962C8B-B14F-4D97-AF65-F5344CB8AC3E}">
-        <p14:creationId xmlns:p14="http://schemas.microsoft.com/office/powerpoint/2010/main" val="2286132528"/>
+        <p14:creationId xmlns:p14="http://schemas.microsoft.com/office/powerpoint/2010/main" val="1526354462"/>
       </p:ext>
     </p:extLst>
   </p:cSld>
@@ -4045,7 +4030,7 @@
       </p:grpSpPr>
       <p:sp>
         <p:nvSpPr>
-          <p:cNvPr id="2" name="Title 1"/>
+          <p:cNvPr id="18" name="Title 17"/>
           <p:cNvSpPr>
             <a:spLocks noGrp="1"/>
           </p:cNvSpPr>
@@ -4059,24 +4044,196 @@
           <a:lstStyle/>
           <a:p>
             <a:r>
-              <a:rPr lang="it-IT" dirty="0" smtClean="0"/>
-              <a:t>DEMO</a:t>
-            </a:r>
-            <a:br>
-              <a:rPr lang="it-IT" dirty="0" smtClean="0"/>
-            </a:br>
-            <a:r>
-              <a:rPr lang="it-IT" sz="3600" dirty="0" smtClean="0"/>
-              <a:t>Extensibility</a:t>
-            </a:r>
-            <a:endParaRPr lang="it-IT" dirty="0"/>
+              <a:rPr lang="en-US" dirty="0" err="1" smtClean="0"/>
+              <a:t>Prospettive</a:t>
+            </a:r>
+            <a:r>
+              <a:rPr lang="en-US" dirty="0" smtClean="0"/>
+              <a:t> future e </a:t>
+            </a:r>
+            <a:r>
+              <a:rPr lang="en-US" dirty="0" err="1" smtClean="0"/>
+              <a:t>domande</a:t>
+            </a:r>
+            <a:r>
+              <a:rPr lang="en-US" dirty="0" smtClean="0"/>
+              <a:t> </a:t>
+            </a:r>
+            <a:r>
+              <a:rPr lang="en-US" dirty="0" err="1" smtClean="0"/>
+              <a:t>comuni</a:t>
+            </a:r>
+            <a:endParaRPr lang="en-US" dirty="0"/>
+          </a:p>
+        </p:txBody>
+      </p:sp>
+      <p:sp>
+        <p:nvSpPr>
+          <p:cNvPr id="19" name="Content Placeholder 18"/>
+          <p:cNvSpPr>
+            <a:spLocks noGrp="1"/>
+          </p:cNvSpPr>
+          <p:nvPr>
+            <p:ph idx="1"/>
+          </p:nvPr>
+        </p:nvSpPr>
+        <p:spPr/>
+        <p:txBody>
+          <a:bodyPr>
+            <a:normAutofit/>
+          </a:bodyPr>
+          <a:lstStyle/>
+          <a:p>
+            <a:r>
+              <a:rPr lang="en-US" dirty="0" err="1" smtClean="0"/>
+              <a:t>Indicativamente</a:t>
+            </a:r>
+            <a:r>
+              <a:rPr lang="en-US" dirty="0" smtClean="0"/>
+              <a:t> </a:t>
+            </a:r>
+            <a:r>
+              <a:rPr lang="en-US" dirty="0" err="1" smtClean="0"/>
+              <a:t>una</a:t>
+            </a:r>
+            <a:r>
+              <a:rPr lang="en-US" dirty="0" smtClean="0"/>
+              <a:t> release al </a:t>
+            </a:r>
+            <a:r>
+              <a:rPr lang="en-US" dirty="0" err="1" smtClean="0"/>
+              <a:t>mese</a:t>
+            </a:r>
+            <a:endParaRPr lang="en-US" dirty="0" smtClean="0"/>
+          </a:p>
+          <a:p>
+            <a:endParaRPr lang="en-US" dirty="0" smtClean="0"/>
+          </a:p>
+          <a:p>
+            <a:r>
+              <a:rPr lang="en-US" dirty="0" smtClean="0"/>
+              <a:t>E </a:t>
+            </a:r>
+            <a:r>
+              <a:rPr lang="en-US" dirty="0" err="1" smtClean="0"/>
+              <a:t>quando</a:t>
+            </a:r>
+            <a:r>
+              <a:rPr lang="en-US" dirty="0" smtClean="0"/>
+              <a:t> la GA? … </a:t>
+            </a:r>
+          </a:p>
+          <a:p>
+            <a:r>
+              <a:rPr lang="en-US" dirty="0" smtClean="0"/>
+              <a:t>In via </a:t>
+            </a:r>
+            <a:r>
+              <a:rPr lang="en-US" dirty="0" err="1" smtClean="0"/>
+              <a:t>ufficiosa</a:t>
+            </a:r>
+            <a:r>
+              <a:rPr lang="en-US" dirty="0" smtClean="0"/>
+              <a:t> </a:t>
+            </a:r>
+            <a:r>
+              <a:rPr lang="en-US" dirty="0" err="1" smtClean="0"/>
+              <a:t>tra</a:t>
+            </a:r>
+            <a:r>
+              <a:rPr lang="en-US" dirty="0" smtClean="0"/>
+              <a:t> </a:t>
+            </a:r>
+            <a:r>
+              <a:rPr lang="en-US" dirty="0" err="1" smtClean="0"/>
+              <a:t>Aprile</a:t>
+            </a:r>
+            <a:r>
+              <a:rPr lang="en-US" dirty="0" smtClean="0"/>
+              <a:t> e </a:t>
+            </a:r>
+            <a:r>
+              <a:rPr lang="en-US" dirty="0" err="1" smtClean="0"/>
+              <a:t>Giugno</a:t>
+            </a:r>
+            <a:r>
+              <a:rPr lang="en-US" dirty="0" smtClean="0"/>
+              <a:t>.. (??)</a:t>
+            </a:r>
+            <a:endParaRPr lang="en-US" dirty="0"/>
+          </a:p>
+          <a:p>
+            <a:endParaRPr lang="en-US" dirty="0" smtClean="0"/>
+          </a:p>
+          <a:p>
+            <a:r>
+              <a:rPr lang="en-US" dirty="0" smtClean="0"/>
+              <a:t>SQL </a:t>
+            </a:r>
+            <a:r>
+              <a:rPr lang="en-US" dirty="0" smtClean="0"/>
+              <a:t>Ops Studio </a:t>
+            </a:r>
+            <a:r>
+              <a:rPr lang="en-US" dirty="0" err="1" smtClean="0"/>
+              <a:t>sostituirà</a:t>
+            </a:r>
+            <a:r>
+              <a:rPr lang="en-US" dirty="0" smtClean="0"/>
+              <a:t> SSMS?</a:t>
+            </a:r>
+          </a:p>
+          <a:p>
+            <a:r>
+              <a:rPr lang="en-US" dirty="0" err="1" smtClean="0"/>
+              <a:t>Che</a:t>
+            </a:r>
+            <a:r>
+              <a:rPr lang="en-US" dirty="0" smtClean="0"/>
+              <a:t> ne è </a:t>
+            </a:r>
+            <a:r>
+              <a:rPr lang="en-US" dirty="0" err="1" smtClean="0"/>
+              <a:t>delle</a:t>
+            </a:r>
+            <a:r>
+              <a:rPr lang="en-US" dirty="0" smtClean="0"/>
+              <a:t> </a:t>
+            </a:r>
+            <a:r>
+              <a:rPr lang="en-US" dirty="0" err="1" smtClean="0"/>
+              <a:t>altre</a:t>
+            </a:r>
+            <a:r>
+              <a:rPr lang="en-US" dirty="0" smtClean="0"/>
+              <a:t> </a:t>
+            </a:r>
+            <a:r>
+              <a:rPr lang="en-US" dirty="0" err="1" smtClean="0"/>
+              <a:t>componenti</a:t>
+            </a:r>
+            <a:r>
+              <a:rPr lang="en-US" dirty="0" smtClean="0"/>
+              <a:t> (SSRS, SSIS, </a:t>
+            </a:r>
+            <a:r>
+              <a:rPr lang="en-US" dirty="0" err="1" smtClean="0"/>
+              <a:t>etc</a:t>
+            </a:r>
+            <a:r>
+              <a:rPr lang="en-US" dirty="0" smtClean="0"/>
+              <a:t>) ?</a:t>
+            </a:r>
+          </a:p>
+          <a:p>
+            <a:endParaRPr lang="en-US" dirty="0"/>
           </a:p>
         </p:txBody>
       </p:sp>
     </p:spTree>
     <p:extLst>
       <p:ext uri="{BB962C8B-B14F-4D97-AF65-F5344CB8AC3E}">
-        <p14:creationId xmlns:p14="http://schemas.microsoft.com/office/powerpoint/2010/main" val="1526354462"/>
+        <p14:creationId xmlns:p14="http://schemas.microsoft.com/office/powerpoint/2010/main" val="4239411042"/>
       </p:ext>
     </p:extLst>
   </p:cSld>
@@ -4519,157 +4676,6 @@
       </p:grpSpPr>
       <p:sp>
         <p:nvSpPr>
-          <p:cNvPr id="18" name="Title 17"/>
-          <p:cNvSpPr>
-            <a:spLocks noGrp="1"/>
-          </p:cNvSpPr>
-          <p:nvPr>
-            <p:ph type="title"/>
-          </p:nvPr>
-        </p:nvSpPr>
-        <p:spPr/>
-        <p:txBody>
-          <a:bodyPr/>
-          <a:lstStyle/>
-          <a:p>
-            <a:r>
-              <a:rPr lang="en-US" dirty="0" err="1" smtClean="0"/>
-              <a:t>Prospettive</a:t>
-            </a:r>
-            <a:r>
-              <a:rPr lang="en-US" dirty="0" smtClean="0"/>
-              <a:t> future e </a:t>
-            </a:r>
-            <a:r>
-              <a:rPr lang="en-US" dirty="0" err="1" smtClean="0"/>
-              <a:t>domande</a:t>
-            </a:r>
-            <a:r>
-              <a:rPr lang="en-US" dirty="0" smtClean="0"/>
-              <a:t> </a:t>
-            </a:r>
-            <a:r>
-              <a:rPr lang="en-US" dirty="0" err="1" smtClean="0"/>
-              <a:t>comuni</a:t>
-            </a:r>
-            <a:endParaRPr lang="en-US" dirty="0"/>
-          </a:p>
-        </p:txBody>
-      </p:sp>
-      <p:sp>
-        <p:nvSpPr>
-          <p:cNvPr id="19" name="Content Placeholder 18"/>
-          <p:cNvSpPr>
-            <a:spLocks noGrp="1"/>
-          </p:cNvSpPr>
-          <p:nvPr>
-            <p:ph idx="1"/>
-          </p:nvPr>
-        </p:nvSpPr>
-        <p:spPr/>
-        <p:txBody>
-          <a:bodyPr/>
-          <a:lstStyle/>
-          <a:p>
-            <a:r>
-              <a:rPr lang="en-US" dirty="0" smtClean="0"/>
-              <a:t>SQL Ops Studio </a:t>
-            </a:r>
-            <a:r>
-              <a:rPr lang="en-US" dirty="0" err="1" smtClean="0"/>
-              <a:t>sostituirà</a:t>
-            </a:r>
-            <a:r>
-              <a:rPr lang="en-US" dirty="0" smtClean="0"/>
-              <a:t> SSMS?</a:t>
-            </a:r>
-          </a:p>
-          <a:p>
-            <a:r>
-              <a:rPr lang="en-US" dirty="0" err="1" smtClean="0"/>
-              <a:t>Che</a:t>
-            </a:r>
-            <a:r>
-              <a:rPr lang="en-US" dirty="0" smtClean="0"/>
-              <a:t> ne è </a:t>
-            </a:r>
-            <a:r>
-              <a:rPr lang="en-US" dirty="0" err="1" smtClean="0"/>
-              <a:t>delle</a:t>
-            </a:r>
-            <a:r>
-              <a:rPr lang="en-US" dirty="0" smtClean="0"/>
-              <a:t> </a:t>
-            </a:r>
-            <a:r>
-              <a:rPr lang="en-US" dirty="0" err="1" smtClean="0"/>
-              <a:t>altre</a:t>
-            </a:r>
-            <a:r>
-              <a:rPr lang="en-US" dirty="0" smtClean="0"/>
-              <a:t> </a:t>
-            </a:r>
-            <a:r>
-              <a:rPr lang="en-US" dirty="0" err="1" smtClean="0"/>
-              <a:t>componenti</a:t>
-            </a:r>
-            <a:r>
-              <a:rPr lang="en-US" dirty="0" smtClean="0"/>
-              <a:t> (SSRS, SSIS, </a:t>
-            </a:r>
-            <a:r>
-              <a:rPr lang="en-US" dirty="0" err="1" smtClean="0"/>
-              <a:t>etc</a:t>
-            </a:r>
-            <a:r>
-              <a:rPr lang="en-US" dirty="0" smtClean="0"/>
-              <a:t>) ?</a:t>
-            </a:r>
-          </a:p>
-          <a:p>
-            <a:endParaRPr lang="en-US" dirty="0"/>
-          </a:p>
-        </p:txBody>
-      </p:sp>
-    </p:spTree>
-    <p:extLst>
-      <p:ext uri="{BB962C8B-B14F-4D97-AF65-F5344CB8AC3E}">
-        <p14:creationId xmlns:p14="http://schemas.microsoft.com/office/powerpoint/2010/main" val="4239411042"/>
-      </p:ext>
-    </p:extLst>
-  </p:cSld>
-  <p:clrMapOvr>
-    <a:masterClrMapping/>
-  </p:clrMapOvr>
-  <p:timing>
-    <p:tnLst>
-      <p:par>
-        <p:cTn id="1" dur="indefinite" restart="never" nodeType="tmRoot"/>
-      </p:par>
-    </p:tnLst>
-  </p:timing>
-</p:sld>
-</file>
-
-<file path=ppt/slides/slide21.xml><?xml version="1.0" encoding="utf-8"?>
-<p:sld xmlns:a="http://schemas.openxmlformats.org/drawingml/2006/main" xmlns:r="http://schemas.openxmlformats.org/officeDocument/2006/relationships" xmlns:p="http://schemas.openxmlformats.org/presentationml/2006/main">
-  <p:cSld>
-    <p:spTree>
-      <p:nvGrpSpPr>
-        <p:cNvPr id="1" name=""/>
-        <p:cNvGrpSpPr/>
-        <p:nvPr/>
-      </p:nvGrpSpPr>
-      <p:grpSpPr>
-        <a:xfrm>
-          <a:off x="0" y="0"/>
-          <a:ext cx="0" cy="0"/>
-          <a:chOff x="0" y="0"/>
-          <a:chExt cx="0" cy="0"/>
-        </a:xfrm>
-      </p:grpSpPr>
-      <p:sp>
-        <p:nvSpPr>
           <p:cNvPr id="2" name="Title 1"/>
           <p:cNvSpPr>
             <a:spLocks noGrp="1"/>
@@ -4792,7 +4798,7 @@
 </p:sld>
 </file>
 
-<file path=ppt/slides/slide22.xml><?xml version="1.0" encoding="utf-8"?>
+<file path=ppt/slides/slide21.xml><?xml version="1.0" encoding="utf-8"?>
 <p:sld xmlns:a="http://schemas.openxmlformats.org/drawingml/2006/main" xmlns:r="http://schemas.openxmlformats.org/officeDocument/2006/relationships" xmlns:p="http://schemas.openxmlformats.org/presentationml/2006/main">
   <p:cSld>
     <p:spTree>
@@ -5844,10 +5850,19 @@
                 </a:solidFill>
                 <a:latin typeface="inherit"/>
               </a:rPr>
-              <a:t>Ok.. Il server! E per </a:t>
-            </a:r>
-            <a:r>
-              <a:rPr lang="en-US" altLang="en-US" dirty="0" err="1">
+              <a:t>Ok.. Il server! </a:t>
+            </a:r>
+            <a:r>
+              <a:rPr lang="en-US" altLang="en-US" dirty="0" smtClean="0">
+                <a:solidFill>
+                  <a:srgbClr val="293338"/>
+                </a:solidFill>
+                <a:latin typeface="inherit"/>
+              </a:rPr>
+              <a:t>Ed </a:t>
+            </a:r>
+            <a:r>
+              <a:rPr lang="en-US" altLang="en-US" dirty="0" err="1" smtClean="0">
                 <a:solidFill>
                   <a:srgbClr val="293338"/>
                 </a:solidFill>
@@ -5862,7 +5877,16 @@
                 </a:solidFill>
                 <a:latin typeface="inherit"/>
               </a:rPr>
-              <a:t> client?</a:t>
+              <a:t> </a:t>
+            </a:r>
+            <a:r>
+              <a:rPr lang="en-US" altLang="en-US" dirty="0" smtClean="0">
+                <a:solidFill>
+                  <a:srgbClr val="293338"/>
+                </a:solidFill>
+                <a:latin typeface="inherit"/>
+              </a:rPr>
+              <a:t>client?</a:t>
             </a:r>
           </a:p>
           <a:p>
@@ -6142,7 +6166,6 @@
               <a:rPr lang="en-US" sz="2800" dirty="0" smtClean="0"/>
               <a:t> a SQL Operations Studio</a:t>
             </a:r>
-            <a:endParaRPr lang="en-US" sz="2800" dirty="0" smtClean="0"/>
           </a:p>
           <a:p>
             <a:pPr marL="685800" indent="-685800">
@@ -6158,35 +6181,11 @@
             </a:pPr>
             <a:r>
               <a:rPr lang="en-US" sz="2800" dirty="0" err="1" smtClean="0"/>
-              <a:t>Presentazione</a:t>
+              <a:t>Connettersi</a:t>
             </a:r>
             <a:r>
               <a:rPr lang="en-US" sz="2800" dirty="0" smtClean="0"/>
-              <a:t> </a:t>
-            </a:r>
-            <a:r>
-              <a:rPr lang="en-US" sz="2800" dirty="0" err="1" smtClean="0"/>
-              <a:t>funzionalità</a:t>
-            </a:r>
-            <a:r>
-              <a:rPr lang="en-US" sz="2800" dirty="0" smtClean="0"/>
-              <a:t> dal </a:t>
-            </a:r>
-            <a:r>
-              <a:rPr lang="en-US" sz="2800" dirty="0" err="1" smtClean="0"/>
-              <a:t>punto</a:t>
-            </a:r>
-            <a:r>
-              <a:rPr lang="en-US" sz="2800" dirty="0" smtClean="0"/>
-              <a:t> di vista </a:t>
-            </a:r>
-            <a:r>
-              <a:rPr lang="en-US" sz="2800" dirty="0" err="1" smtClean="0"/>
-              <a:t>dei</a:t>
-            </a:r>
-            <a:r>
-              <a:rPr lang="en-US" sz="2800" dirty="0" smtClean="0"/>
-              <a:t> Dev</a:t>
+              <a:t> a SQL Server, SQL Azure DB e SQL Azure DW</a:t>
             </a:r>
             <a:endParaRPr lang="en-US" sz="2800" dirty="0" smtClean="0"/>
           </a:p>

--- a/Introducing SQL Operations Studio.pptx
+++ b/Introducing SQL Operations Studio.pptx
@@ -4,31 +4,32 @@
   <p:sldMasterIdLst>
     <p:sldMasterId id="2147483648" r:id="rId1"/>
   </p:sldMasterIdLst>
-  <p:notesMasterIdLst>
-    <p:notesMasterId r:id="rId23"/>
-  </p:notesMasterIdLst>
   <p:sldIdLst>
     <p:sldId id="263" r:id="rId2"/>
-    <p:sldId id="267" r:id="rId3"/>
-    <p:sldId id="268" r:id="rId4"/>
-    <p:sldId id="269" r:id="rId5"/>
-    <p:sldId id="278" r:id="rId6"/>
-    <p:sldId id="279" r:id="rId7"/>
-    <p:sldId id="280" r:id="rId8"/>
-    <p:sldId id="287" r:id="rId9"/>
-    <p:sldId id="274" r:id="rId10"/>
-    <p:sldId id="273" r:id="rId11"/>
-    <p:sldId id="277" r:id="rId12"/>
-    <p:sldId id="283" r:id="rId13"/>
+    <p:sldId id="264" r:id="rId3"/>
+    <p:sldId id="265" r:id="rId4"/>
+    <p:sldId id="266" r:id="rId5"/>
+    <p:sldId id="262" r:id="rId6"/>
+    <p:sldId id="282" r:id="rId7"/>
+    <p:sldId id="287" r:id="rId8"/>
+    <p:sldId id="285" r:id="rId9"/>
+    <p:sldId id="270" r:id="rId10"/>
+    <p:sldId id="271" r:id="rId11"/>
+    <p:sldId id="272" r:id="rId12"/>
+    <p:sldId id="274" r:id="rId13"/>
     <p:sldId id="275" r:id="rId14"/>
-    <p:sldId id="285" r:id="rId15"/>
-    <p:sldId id="284" r:id="rId16"/>
-    <p:sldId id="286" r:id="rId17"/>
-    <p:sldId id="276" r:id="rId18"/>
-    <p:sldId id="289" r:id="rId19"/>
-    <p:sldId id="281" r:id="rId20"/>
-    <p:sldId id="266" r:id="rId21"/>
-    <p:sldId id="282" r:id="rId22"/>
+    <p:sldId id="276" r:id="rId15"/>
+    <p:sldId id="277" r:id="rId16"/>
+    <p:sldId id="278" r:id="rId17"/>
+    <p:sldId id="288" r:id="rId18"/>
+    <p:sldId id="279" r:id="rId19"/>
+    <p:sldId id="267" r:id="rId20"/>
+    <p:sldId id="283" r:id="rId21"/>
+    <p:sldId id="273" r:id="rId22"/>
+    <p:sldId id="280" r:id="rId23"/>
+    <p:sldId id="284" r:id="rId24"/>
+    <p:sldId id="281" r:id="rId25"/>
+    <p:sldId id="269" r:id="rId26"/>
   </p:sldIdLst>
   <p:sldSz cx="11520488" cy="6480175"/>
   <p:notesSz cx="6858000" cy="9144000"/>
@@ -142,9 +143,6 @@
         </p15:guide>
       </p15:sldGuideLst>
     </p:ext>
-    <p:ext uri="{2D200454-40CA-4A62-9FC3-DE9A4176ACB9}">
-      <p15:notesGuideLst xmlns:p15="http://schemas.microsoft.com/office/powerpoint/2012/main"/>
-    </p:ext>
   </p:extLst>
 </p:presentation>
 </file>
@@ -152,531 +150,615 @@
 <file path=ppt/changesInfos/changesInfo1.xml><?xml version="1.0" encoding="utf-8"?>
 <pc:chgInfo xmlns:a="http://schemas.openxmlformats.org/drawingml/2006/main" xmlns:r="http://schemas.openxmlformats.org/officeDocument/2006/relationships" xmlns:ac="http://schemas.microsoft.com/office/drawing/2013/main/command" xmlns:pc="http://schemas.microsoft.com/office/powerpoint/2013/main/command">
   <pc:docChgLst>
-    <pc:chgData name="Cathrine Wilhelmsen" userId="c6973458-3efe-4c06-aec0-db88ac9e247c" providerId="ADAL" clId="{3DD560E9-C4C8-43FF-BDE1-9148666DF594}"/>
-    <pc:docChg chg="undo custSel modSld modMainMaster">
-      <pc:chgData name="Cathrine Wilhelmsen" userId="c6973458-3efe-4c06-aec0-db88ac9e247c" providerId="ADAL" clId="{3DD560E9-C4C8-43FF-BDE1-9148666DF594}" dt="2017-09-15T02:24:48.041" v="17"/>
+    <pc:chgData name="Marco Parenzan" userId="a83bbb23f3e251dc" providerId="LiveId" clId="{A71725CA-7230-40B2-978E-3893882E604B}"/>
+    <pc:docChg chg="custSel addSld delSld modSld sldOrd modMainMaster">
+      <pc:chgData name="Marco Parenzan" userId="a83bbb23f3e251dc" providerId="LiveId" clId="{A71725CA-7230-40B2-978E-3893882E604B}" dt="2018-01-27T17:58:25.234" v="334" actId="11529"/>
       <pc:docMkLst>
         <pc:docMk/>
       </pc:docMkLst>
-      <pc:sldChg chg="addSp delSp modSp">
-        <pc:chgData name="Cathrine Wilhelmsen" userId="c6973458-3efe-4c06-aec0-db88ac9e247c" providerId="ADAL" clId="{3DD560E9-C4C8-43FF-BDE1-9148666DF594}" dt="2017-08-26T22:25:42.543" v="1" actId="478"/>
+      <pc:sldChg chg="del">
+        <pc:chgData name="Marco Parenzan" userId="a83bbb23f3e251dc" providerId="LiveId" clId="{A71725CA-7230-40B2-978E-3893882E604B}" dt="2018-01-27T17:51:18.771" v="241" actId="2696"/>
         <pc:sldMkLst>
           <pc:docMk/>
-          <pc:sldMk cId="3947886400" sldId="263"/>
+          <pc:sldMk cId="3880213463" sldId="257"/>
         </pc:sldMkLst>
+      </pc:sldChg>
+      <pc:sldChg chg="del">
+        <pc:chgData name="Marco Parenzan" userId="a83bbb23f3e251dc" providerId="LiveId" clId="{A71725CA-7230-40B2-978E-3893882E604B}" dt="2018-01-27T17:51:19.083" v="242" actId="2696"/>
+        <pc:sldMkLst>
+          <pc:docMk/>
+          <pc:sldMk cId="2956876836" sldId="258"/>
+        </pc:sldMkLst>
+      </pc:sldChg>
+      <pc:sldChg chg="del">
+        <pc:chgData name="Marco Parenzan" userId="a83bbb23f3e251dc" providerId="LiveId" clId="{A71725CA-7230-40B2-978E-3893882E604B}" dt="2018-01-27T17:51:19.368" v="243" actId="2696"/>
+        <pc:sldMkLst>
+          <pc:docMk/>
+          <pc:sldMk cId="1121946899" sldId="259"/>
+        </pc:sldMkLst>
+      </pc:sldChg>
+      <pc:sldChg chg="del">
+        <pc:chgData name="Marco Parenzan" userId="a83bbb23f3e251dc" providerId="LiveId" clId="{A71725CA-7230-40B2-978E-3893882E604B}" dt="2018-01-27T17:51:19.589" v="244" actId="2696"/>
+        <pc:sldMkLst>
+          <pc:docMk/>
+          <pc:sldMk cId="1780864053" sldId="260"/>
+        </pc:sldMkLst>
+      </pc:sldChg>
+      <pc:sldChg chg="del">
+        <pc:chgData name="Marco Parenzan" userId="a83bbb23f3e251dc" providerId="LiveId" clId="{A71725CA-7230-40B2-978E-3893882E604B}" dt="2018-01-27T17:51:19.916" v="245" actId="2696"/>
+        <pc:sldMkLst>
+          <pc:docMk/>
+          <pc:sldMk cId="958443292" sldId="261"/>
+        </pc:sldMkLst>
+      </pc:sldChg>
+      <pc:sldChg chg="modSp ord">
+        <pc:chgData name="Marco Parenzan" userId="a83bbb23f3e251dc" providerId="LiveId" clId="{A71725CA-7230-40B2-978E-3893882E604B}" dt="2018-01-27T17:52:11.564" v="306" actId="20577"/>
+        <pc:sldMkLst>
+          <pc:docMk/>
+          <pc:sldMk cId="148607444" sldId="262"/>
+        </pc:sldMkLst>
+        <pc:spChg chg="mod">
+          <ac:chgData name="Marco Parenzan" userId="a83bbb23f3e251dc" providerId="LiveId" clId="{A71725CA-7230-40B2-978E-3893882E604B}" dt="2018-01-27T17:52:11.564" v="306" actId="20577"/>
+          <ac:spMkLst>
+            <pc:docMk/>
+            <pc:sldMk cId="148607444" sldId="262"/>
+            <ac:spMk id="2" creationId="{00000000-0000-0000-0000-000000000000}"/>
+          </ac:spMkLst>
+        </pc:spChg>
+      </pc:sldChg>
+      <pc:sldChg chg="addSp delSp modSp add ord">
+        <pc:chgData name="Marco Parenzan" userId="a83bbb23f3e251dc" providerId="LiveId" clId="{A71725CA-7230-40B2-978E-3893882E604B}" dt="2018-01-27T17:48:50.945" v="222" actId="20577"/>
+        <pc:sldMkLst>
+          <pc:docMk/>
+          <pc:sldMk cId="1237612111" sldId="264"/>
+        </pc:sldMkLst>
+        <pc:spChg chg="del">
+          <ac:chgData name="Marco Parenzan" userId="a83bbb23f3e251dc" providerId="LiveId" clId="{A71725CA-7230-40B2-978E-3893882E604B}" dt="2018-01-22T23:41:46.766" v="65"/>
+          <ac:spMkLst>
+            <pc:docMk/>
+            <pc:sldMk cId="1237612111" sldId="264"/>
+            <ac:spMk id="2" creationId="{344EBC7C-35D1-4D69-8ABD-2AA0BC287131}"/>
+          </ac:spMkLst>
+        </pc:spChg>
+        <pc:spChg chg="add mod">
+          <ac:chgData name="Marco Parenzan" userId="a83bbb23f3e251dc" providerId="LiveId" clId="{A71725CA-7230-40B2-978E-3893882E604B}" dt="2018-01-27T17:48:50.945" v="222" actId="20577"/>
+          <ac:spMkLst>
+            <pc:docMk/>
+            <pc:sldMk cId="1237612111" sldId="264"/>
+            <ac:spMk id="3" creationId="{076E1894-9F6B-4181-A582-1E7EDF3748CA}"/>
+          </ac:spMkLst>
+        </pc:spChg>
         <pc:picChg chg="add del mod">
-          <ac:chgData name="Cathrine Wilhelmsen" userId="c6973458-3efe-4c06-aec0-db88ac9e247c" providerId="ADAL" clId="{3DD560E9-C4C8-43FF-BDE1-9148666DF594}" dt="2017-08-26T22:25:42.543" v="1" actId="478"/>
+          <ac:chgData name="Marco Parenzan" userId="a83bbb23f3e251dc" providerId="LiveId" clId="{A71725CA-7230-40B2-978E-3893882E604B}" dt="2018-01-27T16:20:25.353" v="71"/>
           <ac:picMkLst>
             <pc:docMk/>
-            <pc:sldMk cId="3947886400" sldId="263"/>
-            <ac:picMk id="5" creationId="{AF8056B2-4696-41A5-8737-CF2D341C8131}"/>
+            <pc:sldMk cId="1237612111" sldId="264"/>
+            <ac:picMk id="4" creationId="{26B84414-04F9-4412-8599-B353149A6D2B}"/>
           </ac:picMkLst>
         </pc:picChg>
       </pc:sldChg>
-      <pc:sldMasterChg chg="modSp modSldLayout">
-        <pc:chgData name="Cathrine Wilhelmsen" userId="c6973458-3efe-4c06-aec0-db88ac9e247c" providerId="ADAL" clId="{3DD560E9-C4C8-43FF-BDE1-9148666DF594}" dt="2017-09-15T02:24:48.041" v="17"/>
+      <pc:sldChg chg="addSp delSp modSp add ord">
+        <pc:chgData name="Marco Parenzan" userId="a83bbb23f3e251dc" providerId="LiveId" clId="{A71725CA-7230-40B2-978E-3893882E604B}" dt="2018-01-27T17:51:50.494" v="269" actId="20577"/>
+        <pc:sldMkLst>
+          <pc:docMk/>
+          <pc:sldMk cId="557766459" sldId="265"/>
+        </pc:sldMkLst>
+        <pc:spChg chg="del">
+          <ac:chgData name="Marco Parenzan" userId="a83bbb23f3e251dc" providerId="LiveId" clId="{A71725CA-7230-40B2-978E-3893882E604B}" dt="2018-01-27T17:51:46.259" v="259"/>
+          <ac:spMkLst>
+            <pc:docMk/>
+            <pc:sldMk cId="557766459" sldId="265"/>
+            <ac:spMk id="2" creationId="{31CA47DC-2826-4746-AB6D-381D0E9DF858}"/>
+          </ac:spMkLst>
+        </pc:spChg>
+        <pc:spChg chg="add mod">
+          <ac:chgData name="Marco Parenzan" userId="a83bbb23f3e251dc" providerId="LiveId" clId="{A71725CA-7230-40B2-978E-3893882E604B}" dt="2018-01-27T17:51:50.494" v="269" actId="20577"/>
+          <ac:spMkLst>
+            <pc:docMk/>
+            <pc:sldMk cId="557766459" sldId="265"/>
+            <ac:spMk id="3" creationId="{A805D390-CE5E-4829-8124-C08D4640D56E}"/>
+          </ac:spMkLst>
+        </pc:spChg>
+        <pc:spChg chg="add mod">
+          <ac:chgData name="Marco Parenzan" userId="a83bbb23f3e251dc" providerId="LiveId" clId="{A71725CA-7230-40B2-978E-3893882E604B}" dt="2018-01-27T17:51:46.259" v="259"/>
+          <ac:spMkLst>
+            <pc:docMk/>
+            <pc:sldMk cId="557766459" sldId="265"/>
+            <ac:spMk id="4" creationId="{DBCC85F6-35D9-4917-8010-AEEE737ED681}"/>
+          </ac:spMkLst>
+        </pc:spChg>
+      </pc:sldChg>
+      <pc:sldChg chg="modSp add">
+        <pc:chgData name="Marco Parenzan" userId="a83bbb23f3e251dc" providerId="LiveId" clId="{A71725CA-7230-40B2-978E-3893882E604B}" dt="2018-01-27T17:51:58.932" v="280" actId="20577"/>
+        <pc:sldMkLst>
+          <pc:docMk/>
+          <pc:sldMk cId="2778591220" sldId="266"/>
+        </pc:sldMkLst>
+        <pc:spChg chg="mod">
+          <ac:chgData name="Marco Parenzan" userId="a83bbb23f3e251dc" providerId="LiveId" clId="{A71725CA-7230-40B2-978E-3893882E604B}" dt="2018-01-27T17:51:58.932" v="280" actId="20577"/>
+          <ac:spMkLst>
+            <pc:docMk/>
+            <pc:sldMk cId="2778591220" sldId="266"/>
+            <ac:spMk id="3" creationId="{A805D390-CE5E-4829-8124-C08D4640D56E}"/>
+          </ac:spMkLst>
+        </pc:spChg>
+      </pc:sldChg>
+      <pc:sldChg chg="add">
+        <pc:chgData name="Marco Parenzan" userId="a83bbb23f3e251dc" providerId="LiveId" clId="{A71725CA-7230-40B2-978E-3893882E604B}" dt="2018-01-27T17:52:02.915" v="282"/>
+        <pc:sldMkLst>
+          <pc:docMk/>
+          <pc:sldMk cId="416632458" sldId="267"/>
+        </pc:sldMkLst>
+      </pc:sldChg>
+      <pc:sldChg chg="addSp delSp modSp add">
+        <pc:chgData name="Marco Parenzan" userId="a83bbb23f3e251dc" providerId="LiveId" clId="{A71725CA-7230-40B2-978E-3893882E604B}" dt="2018-01-27T17:57:59.254" v="320" actId="20577"/>
+        <pc:sldMkLst>
+          <pc:docMk/>
+          <pc:sldMk cId="500338814" sldId="268"/>
+        </pc:sldMkLst>
+        <pc:spChg chg="del">
+          <ac:chgData name="Marco Parenzan" userId="a83bbb23f3e251dc" providerId="LiveId" clId="{A71725CA-7230-40B2-978E-3893882E604B}" dt="2018-01-27T17:57:56.698" v="308"/>
+          <ac:spMkLst>
+            <pc:docMk/>
+            <pc:sldMk cId="500338814" sldId="268"/>
+            <ac:spMk id="2" creationId="{E6B64416-44CB-4B3A-9608-9DBB4705D001}"/>
+          </ac:spMkLst>
+        </pc:spChg>
+        <pc:spChg chg="add mod">
+          <ac:chgData name="Marco Parenzan" userId="a83bbb23f3e251dc" providerId="LiveId" clId="{A71725CA-7230-40B2-978E-3893882E604B}" dt="2018-01-27T17:57:59.254" v="320" actId="20577"/>
+          <ac:spMkLst>
+            <pc:docMk/>
+            <pc:sldMk cId="500338814" sldId="268"/>
+            <ac:spMk id="3" creationId="{D47299C5-8483-467B-8C49-C16E68DC1374}"/>
+          </ac:spMkLst>
+        </pc:spChg>
+        <pc:spChg chg="add mod">
+          <ac:chgData name="Marco Parenzan" userId="a83bbb23f3e251dc" providerId="LiveId" clId="{A71725CA-7230-40B2-978E-3893882E604B}" dt="2018-01-27T17:57:56.698" v="308"/>
+          <ac:spMkLst>
+            <pc:docMk/>
+            <pc:sldMk cId="500338814" sldId="268"/>
+            <ac:spMk id="4" creationId="{7218A010-E06F-414D-A589-4DC9321FFF64}"/>
+          </ac:spMkLst>
+        </pc:spChg>
+      </pc:sldChg>
+      <pc:sldChg chg="modSp add">
+        <pc:chgData name="Marco Parenzan" userId="a83bbb23f3e251dc" providerId="LiveId" clId="{A71725CA-7230-40B2-978E-3893882E604B}" dt="2018-01-27T17:58:05.874" v="332" actId="20577"/>
+        <pc:sldMkLst>
+          <pc:docMk/>
+          <pc:sldMk cId="3112197977" sldId="269"/>
+        </pc:sldMkLst>
+        <pc:spChg chg="mod">
+          <ac:chgData name="Marco Parenzan" userId="a83bbb23f3e251dc" providerId="LiveId" clId="{A71725CA-7230-40B2-978E-3893882E604B}" dt="2018-01-27T17:58:05.874" v="332" actId="20577"/>
+          <ac:spMkLst>
+            <pc:docMk/>
+            <pc:sldMk cId="3112197977" sldId="269"/>
+            <ac:spMk id="3" creationId="{D47299C5-8483-467B-8C49-C16E68DC1374}"/>
+          </ac:spMkLst>
+        </pc:spChg>
+      </pc:sldChg>
+      <pc:sldMasterChg chg="addSp delSp modSp modSldLayout">
+        <pc:chgData name="Marco Parenzan" userId="a83bbb23f3e251dc" providerId="LiveId" clId="{A71725CA-7230-40B2-978E-3893882E604B}" dt="2018-01-27T17:58:25.234" v="334" actId="11529"/>
         <pc:sldMasterMkLst>
           <pc:docMk/>
           <pc:sldMasterMk cId="517766698" sldId="2147483648"/>
         </pc:sldMasterMkLst>
         <pc:spChg chg="mod">
-          <ac:chgData name="Cathrine Wilhelmsen" userId="c6973458-3efe-4c06-aec0-db88ac9e247c" providerId="ADAL" clId="{3DD560E9-C4C8-43FF-BDE1-9148666DF594}" dt="2017-09-15T02:24:48.041" v="17"/>
+          <ac:chgData name="Marco Parenzan" userId="a83bbb23f3e251dc" providerId="LiveId" clId="{A71725CA-7230-40B2-978E-3893882E604B}" dt="2018-01-22T23:38:59.739" v="12" actId="14100"/>
           <ac:spMkLst>
             <pc:docMk/>
             <pc:sldMasterMk cId="517766698" sldId="2147483648"/>
-            <ac:spMk id="2" creationId="{00000000-0000-0000-0000-000000000000}"/>
+            <ac:spMk id="3" creationId="{00000000-0000-0000-0000-000000000000}"/>
           </ac:spMkLst>
         </pc:spChg>
+        <pc:graphicFrameChg chg="del">
+          <ac:chgData name="Marco Parenzan" userId="a83bbb23f3e251dc" providerId="LiveId" clId="{A71725CA-7230-40B2-978E-3893882E604B}" dt="2018-01-22T23:38:14.181" v="4" actId="478"/>
+          <ac:graphicFrameMkLst>
+            <pc:docMk/>
+            <pc:sldMasterMk cId="517766698" sldId="2147483648"/>
+            <ac:graphicFrameMk id="9" creationId="{00000000-0000-0000-0000-000000000000}"/>
+          </ac:graphicFrameMkLst>
+        </pc:graphicFrameChg>
+        <pc:picChg chg="add del">
+          <ac:chgData name="Marco Parenzan" userId="a83bbb23f3e251dc" providerId="LiveId" clId="{A71725CA-7230-40B2-978E-3893882E604B}" dt="2018-01-27T17:49:21.617" v="229"/>
+          <ac:picMkLst>
+            <pc:docMk/>
+            <pc:sldMasterMk cId="517766698" sldId="2147483648"/>
+            <ac:picMk id="6" creationId="{AA4A70D5-AA1A-498F-945B-1B116A3F4A16}"/>
+          </ac:picMkLst>
+        </pc:picChg>
+        <pc:picChg chg="add mod">
+          <ac:chgData name="Marco Parenzan" userId="a83bbb23f3e251dc" providerId="LiveId" clId="{A71725CA-7230-40B2-978E-3893882E604B}" dt="2018-01-22T23:38:21.938" v="8" actId="1076"/>
+          <ac:picMkLst>
+            <pc:docMk/>
+            <pc:sldMasterMk cId="517766698" sldId="2147483648"/>
+            <ac:picMk id="8" creationId="{6F2FA913-5A52-42F8-955F-7A9B03F37923}"/>
+          </ac:picMkLst>
+        </pc:picChg>
+        <pc:picChg chg="add del">
+          <ac:chgData name="Marco Parenzan" userId="a83bbb23f3e251dc" providerId="LiveId" clId="{A71725CA-7230-40B2-978E-3893882E604B}" dt="2018-01-22T23:38:16.087" v="6" actId="20577"/>
+          <ac:picMkLst>
+            <pc:docMk/>
+            <pc:sldMasterMk cId="517766698" sldId="2147483648"/>
+            <ac:picMk id="1028" creationId="{9E95798F-80EC-4731-BF1C-4470766C72FC}"/>
+          </ac:picMkLst>
+        </pc:picChg>
         <pc:sldLayoutChg chg="addSp delSp modSp">
-          <pc:chgData name="Cathrine Wilhelmsen" userId="c6973458-3efe-4c06-aec0-db88ac9e247c" providerId="ADAL" clId="{3DD560E9-C4C8-43FF-BDE1-9148666DF594}" dt="2017-08-26T22:26:27.446" v="11" actId="478"/>
+          <pc:chgData name="Marco Parenzan" userId="a83bbb23f3e251dc" providerId="LiveId" clId="{A71725CA-7230-40B2-978E-3893882E604B}" dt="2018-01-27T17:49:32.239" v="231" actId="1076"/>
           <pc:sldLayoutMkLst>
             <pc:docMk/>
             <pc:sldMasterMk cId="517766698" sldId="2147483648"/>
             <pc:sldLayoutMk cId="800730336" sldId="2147483649"/>
           </pc:sldLayoutMkLst>
-          <pc:spChg chg="del">
-            <ac:chgData name="Cathrine Wilhelmsen" userId="c6973458-3efe-4c06-aec0-db88ac9e247c" providerId="ADAL" clId="{3DD560E9-C4C8-43FF-BDE1-9148666DF594}" dt="2017-08-26T22:26:27.446" v="11" actId="478"/>
-            <ac:spMkLst>
-              <pc:docMk/>
-              <pc:sldMasterMk cId="517766698" sldId="2147483648"/>
-              <pc:sldLayoutMk cId="800730336" sldId="2147483649"/>
-              <ac:spMk id="33" creationId="{00000000-0000-0000-0000-000000000000}"/>
-            </ac:spMkLst>
-          </pc:spChg>
-          <pc:picChg chg="add mod ord">
-            <ac:chgData name="Cathrine Wilhelmsen" userId="c6973458-3efe-4c06-aec0-db88ac9e247c" providerId="ADAL" clId="{3DD560E9-C4C8-43FF-BDE1-9148666DF594}" dt="2017-08-26T22:26:21.543" v="10" actId="167"/>
+          <pc:picChg chg="del">
+            <ac:chgData name="Marco Parenzan" userId="a83bbb23f3e251dc" providerId="LiveId" clId="{A71725CA-7230-40B2-978E-3893882E604B}" dt="2018-01-22T23:37:56.554" v="0" actId="478"/>
             <ac:picMkLst>
               <pc:docMk/>
               <pc:sldMasterMk cId="517766698" sldId="2147483648"/>
               <pc:sldLayoutMk cId="800730336" sldId="2147483649"/>
-              <ac:picMk id="7" creationId="{682245BA-3E6C-4FAA-8C55-9232354DEFFB}"/>
+              <ac:picMk id="6" creationId="{00000000-0000-0000-0000-000000000000}"/>
+            </ac:picMkLst>
+          </pc:picChg>
+          <pc:picChg chg="add mod">
+            <ac:chgData name="Marco Parenzan" userId="a83bbb23f3e251dc" providerId="LiveId" clId="{A71725CA-7230-40B2-978E-3893882E604B}" dt="2018-01-27T17:49:32.239" v="231" actId="1076"/>
+            <ac:picMkLst>
+              <pc:docMk/>
+              <pc:sldMasterMk cId="517766698" sldId="2147483648"/>
+              <pc:sldLayoutMk cId="800730336" sldId="2147483649"/>
+              <ac:picMk id="6" creationId="{ADEB4E77-701E-43A3-8F9E-4D10DB6B0795}"/>
+            </ac:picMkLst>
+          </pc:picChg>
+          <pc:picChg chg="add mod">
+            <ac:chgData name="Marco Parenzan" userId="a83bbb23f3e251dc" providerId="LiveId" clId="{A71725CA-7230-40B2-978E-3893882E604B}" dt="2018-01-22T23:38:01.656" v="3" actId="1076"/>
+            <ac:picMkLst>
+              <pc:docMk/>
+              <pc:sldMasterMk cId="517766698" sldId="2147483648"/>
+              <pc:sldLayoutMk cId="800730336" sldId="2147483649"/>
+              <ac:picMk id="2050" creationId="{1A9D911E-79B9-46F6-BDC8-938570820574}"/>
             </ac:picMkLst>
           </pc:picChg>
         </pc:sldLayoutChg>
         <pc:sldLayoutChg chg="addSp delSp modSp">
-          <pc:chgData name="Cathrine Wilhelmsen" userId="c6973458-3efe-4c06-aec0-db88ac9e247c" providerId="ADAL" clId="{3DD560E9-C4C8-43FF-BDE1-9148666DF594}" dt="2017-08-26T22:26:59.798" v="16" actId="478"/>
+          <pc:chgData name="Marco Parenzan" userId="a83bbb23f3e251dc" providerId="LiveId" clId="{A71725CA-7230-40B2-978E-3893882E604B}" dt="2018-01-27T17:49:38.188" v="236" actId="1038"/>
+          <pc:sldLayoutMkLst>
+            <pc:docMk/>
+            <pc:sldMasterMk cId="517766698" sldId="2147483648"/>
+            <pc:sldLayoutMk cId="4065140645" sldId="2147483650"/>
+          </pc:sldLayoutMkLst>
+          <pc:spChg chg="mod">
+            <ac:chgData name="Marco Parenzan" userId="a83bbb23f3e251dc" providerId="LiveId" clId="{A71725CA-7230-40B2-978E-3893882E604B}" dt="2018-01-22T23:38:37.814" v="9" actId="14100"/>
+            <ac:spMkLst>
+              <pc:docMk/>
+              <pc:sldMasterMk cId="517766698" sldId="2147483648"/>
+              <pc:sldLayoutMk cId="4065140645" sldId="2147483650"/>
+              <ac:spMk id="3" creationId="{00000000-0000-0000-0000-000000000000}"/>
+            </ac:spMkLst>
+          </pc:spChg>
+          <pc:picChg chg="add del mod">
+            <ac:chgData name="Marco Parenzan" userId="a83bbb23f3e251dc" providerId="LiveId" clId="{A71725CA-7230-40B2-978E-3893882E604B}" dt="2018-01-27T17:49:18.247" v="227"/>
+            <ac:picMkLst>
+              <pc:docMk/>
+              <pc:sldMasterMk cId="517766698" sldId="2147483648"/>
+              <pc:sldLayoutMk cId="4065140645" sldId="2147483650"/>
+              <ac:picMk id="4" creationId="{A8865F01-D244-4754-B1EB-A2C715246D4E}"/>
+            </ac:picMkLst>
+          </pc:picChg>
+          <pc:picChg chg="add mod">
+            <ac:chgData name="Marco Parenzan" userId="a83bbb23f3e251dc" providerId="LiveId" clId="{A71725CA-7230-40B2-978E-3893882E604B}" dt="2018-01-27T17:49:38.188" v="236" actId="1038"/>
+            <ac:picMkLst>
+              <pc:docMk/>
+              <pc:sldMasterMk cId="517766698" sldId="2147483648"/>
+              <pc:sldLayoutMk cId="4065140645" sldId="2147483650"/>
+              <ac:picMk id="5" creationId="{B54F5555-BC20-4DEB-B8C9-1448EEBFC074}"/>
+            </ac:picMkLst>
+          </pc:picChg>
+        </pc:sldLayoutChg>
+        <pc:sldLayoutChg chg="addSp delSp modSp">
+          <pc:chgData name="Marco Parenzan" userId="a83bbb23f3e251dc" providerId="LiveId" clId="{A71725CA-7230-40B2-978E-3893882E604B}" dt="2018-01-27T17:58:25.234" v="334" actId="11529"/>
           <pc:sldLayoutMkLst>
             <pc:docMk/>
             <pc:sldMasterMk cId="517766698" sldId="2147483648"/>
             <pc:sldLayoutMk cId="3510596381" sldId="2147483651"/>
           </pc:sldLayoutMkLst>
-          <pc:spChg chg="del">
-            <ac:chgData name="Cathrine Wilhelmsen" userId="c6973458-3efe-4c06-aec0-db88ac9e247c" providerId="ADAL" clId="{3DD560E9-C4C8-43FF-BDE1-9148666DF594}" dt="2017-08-26T22:26:59.798" v="16" actId="478"/>
+          <pc:spChg chg="add del">
+            <ac:chgData name="Marco Parenzan" userId="a83bbb23f3e251dc" providerId="LiveId" clId="{A71725CA-7230-40B2-978E-3893882E604B}" dt="2018-01-27T17:58:25.234" v="334" actId="11529"/>
             <ac:spMkLst>
               <pc:docMk/>
               <pc:sldMasterMk cId="517766698" sldId="2147483648"/>
               <pc:sldLayoutMk cId="3510596381" sldId="2147483651"/>
-              <ac:spMk id="23" creationId="{00000000-0000-0000-0000-000000000000}"/>
+              <ac:spMk id="3" creationId="{66FAF76C-FD8C-4777-8B39-12160FB53801}"/>
             </ac:spMkLst>
           </pc:spChg>
-          <pc:picChg chg="add mod ord">
-            <ac:chgData name="Cathrine Wilhelmsen" userId="c6973458-3efe-4c06-aec0-db88ac9e247c" providerId="ADAL" clId="{3DD560E9-C4C8-43FF-BDE1-9148666DF594}" dt="2017-08-26T22:26:57.037" v="15" actId="167"/>
+          <pc:spChg chg="add del mod">
+            <ac:chgData name="Marco Parenzan" userId="a83bbb23f3e251dc" providerId="LiveId" clId="{A71725CA-7230-40B2-978E-3893882E604B}" dt="2018-01-27T17:58:25.234" v="334" actId="11529"/>
+            <ac:spMkLst>
+              <pc:docMk/>
+              <pc:sldMasterMk cId="517766698" sldId="2147483648"/>
+              <pc:sldLayoutMk cId="3510596381" sldId="2147483651"/>
+              <ac:spMk id="5" creationId="{8A5289E7-780C-4A91-80DC-58EF90ADAD88}"/>
+            </ac:spMkLst>
+          </pc:spChg>
+        </pc:sldLayoutChg>
+        <pc:sldLayoutChg chg="addSp modSp">
+          <pc:chgData name="Marco Parenzan" userId="a83bbb23f3e251dc" providerId="LiveId" clId="{A71725CA-7230-40B2-978E-3893882E604B}" dt="2018-01-27T17:49:45.182" v="239"/>
+          <pc:sldLayoutMkLst>
+            <pc:docMk/>
+            <pc:sldMasterMk cId="517766698" sldId="2147483648"/>
+            <pc:sldLayoutMk cId="2062983015" sldId="2147483652"/>
+          </pc:sldLayoutMkLst>
+          <pc:spChg chg="mod">
+            <ac:chgData name="Marco Parenzan" userId="a83bbb23f3e251dc" providerId="LiveId" clId="{A71725CA-7230-40B2-978E-3893882E604B}" dt="2018-01-22T23:38:50.454" v="11" actId="14100"/>
+            <ac:spMkLst>
+              <pc:docMk/>
+              <pc:sldMasterMk cId="517766698" sldId="2147483648"/>
+              <pc:sldLayoutMk cId="2062983015" sldId="2147483652"/>
+              <ac:spMk id="3" creationId="{00000000-0000-0000-0000-000000000000}"/>
+            </ac:spMkLst>
+          </pc:spChg>
+          <pc:spChg chg="mod">
+            <ac:chgData name="Marco Parenzan" userId="a83bbb23f3e251dc" providerId="LiveId" clId="{A71725CA-7230-40B2-978E-3893882E604B}" dt="2018-01-22T23:38:50.454" v="11" actId="14100"/>
+            <ac:spMkLst>
+              <pc:docMk/>
+              <pc:sldMasterMk cId="517766698" sldId="2147483648"/>
+              <pc:sldLayoutMk cId="2062983015" sldId="2147483652"/>
+              <ac:spMk id="4" creationId="{00000000-0000-0000-0000-000000000000}"/>
+            </ac:spMkLst>
+          </pc:spChg>
+          <pc:picChg chg="add">
+            <ac:chgData name="Marco Parenzan" userId="a83bbb23f3e251dc" providerId="LiveId" clId="{A71725CA-7230-40B2-978E-3893882E604B}" dt="2018-01-27T17:49:45.182" v="239"/>
             <ac:picMkLst>
               <pc:docMk/>
               <pc:sldMasterMk cId="517766698" sldId="2147483648"/>
-              <pc:sldLayoutMk cId="3510596381" sldId="2147483651"/>
-              <ac:picMk id="4" creationId="{097E2290-D773-46C2-A868-25CAA97A1972}"/>
+              <pc:sldLayoutMk cId="2062983015" sldId="2147483652"/>
+              <ac:picMk id="5" creationId="{119A93BF-EBAB-44A6-96EC-0A763074C832}"/>
             </ac:picMkLst>
           </pc:picChg>
+        </pc:sldLayoutChg>
+        <pc:sldLayoutChg chg="addSp">
+          <pc:chgData name="Marco Parenzan" userId="a83bbb23f3e251dc" providerId="LiveId" clId="{A71725CA-7230-40B2-978E-3893882E604B}" dt="2018-01-27T17:49:39.785" v="237"/>
+          <pc:sldLayoutMkLst>
+            <pc:docMk/>
+            <pc:sldMasterMk cId="517766698" sldId="2147483648"/>
+            <pc:sldLayoutMk cId="1721537737" sldId="2147483654"/>
+          </pc:sldLayoutMkLst>
+          <pc:picChg chg="add">
+            <ac:chgData name="Marco Parenzan" userId="a83bbb23f3e251dc" providerId="LiveId" clId="{A71725CA-7230-40B2-978E-3893882E604B}" dt="2018-01-27T17:49:39.785" v="237"/>
+            <ac:picMkLst>
+              <pc:docMk/>
+              <pc:sldMasterMk cId="517766698" sldId="2147483648"/>
+              <pc:sldLayoutMk cId="1721537737" sldId="2147483654"/>
+              <ac:picMk id="3" creationId="{CAE904F6-65DA-428E-85CD-DF4DEDA25976}"/>
+            </ac:picMkLst>
+          </pc:picChg>
+        </pc:sldLayoutChg>
+        <pc:sldLayoutChg chg="addSp">
+          <pc:chgData name="Marco Parenzan" userId="a83bbb23f3e251dc" providerId="LiveId" clId="{A71725CA-7230-40B2-978E-3893882E604B}" dt="2018-01-27T17:49:46.476" v="240"/>
+          <pc:sldLayoutMkLst>
+            <pc:docMk/>
+            <pc:sldMasterMk cId="517766698" sldId="2147483648"/>
+            <pc:sldLayoutMk cId="4186986387" sldId="2147483655"/>
+          </pc:sldLayoutMkLst>
+          <pc:picChg chg="add">
+            <ac:chgData name="Marco Parenzan" userId="a83bbb23f3e251dc" providerId="LiveId" clId="{A71725CA-7230-40B2-978E-3893882E604B}" dt="2018-01-27T17:49:46.476" v="240"/>
+            <ac:picMkLst>
+              <pc:docMk/>
+              <pc:sldMasterMk cId="517766698" sldId="2147483648"/>
+              <pc:sldLayoutMk cId="4186986387" sldId="2147483655"/>
+              <ac:picMk id="2" creationId="{AE1A4486-77FD-4561-ADB8-987DF2F05698}"/>
+            </ac:picMkLst>
+          </pc:picChg>
+        </pc:sldLayoutChg>
+        <pc:sldLayoutChg chg="addSp modSp">
+          <pc:chgData name="Marco Parenzan" userId="a83bbb23f3e251dc" providerId="LiveId" clId="{A71725CA-7230-40B2-978E-3893882E604B}" dt="2018-01-27T17:49:43.362" v="238"/>
+          <pc:sldLayoutMkLst>
+            <pc:docMk/>
+            <pc:sldMasterMk cId="517766698" sldId="2147483648"/>
+            <pc:sldLayoutMk cId="1890547697" sldId="2147483656"/>
+          </pc:sldLayoutMkLst>
+          <pc:spChg chg="mod">
+            <ac:chgData name="Marco Parenzan" userId="a83bbb23f3e251dc" providerId="LiveId" clId="{A71725CA-7230-40B2-978E-3893882E604B}" dt="2018-01-22T23:38:44.002" v="10" actId="14100"/>
+            <ac:spMkLst>
+              <pc:docMk/>
+              <pc:sldMasterMk cId="517766698" sldId="2147483648"/>
+              <pc:sldLayoutMk cId="1890547697" sldId="2147483656"/>
+              <ac:spMk id="3" creationId="{00000000-0000-0000-0000-000000000000}"/>
+            </ac:spMkLst>
+          </pc:spChg>
+          <pc:picChg chg="add">
+            <ac:chgData name="Marco Parenzan" userId="a83bbb23f3e251dc" providerId="LiveId" clId="{A71725CA-7230-40B2-978E-3893882E604B}" dt="2018-01-27T17:49:43.362" v="238"/>
+            <ac:picMkLst>
+              <pc:docMk/>
+              <pc:sldMasterMk cId="517766698" sldId="2147483648"/>
+              <pc:sldLayoutMk cId="1890547697" sldId="2147483656"/>
+              <ac:picMk id="4" creationId="{397981D8-E0E5-4BFF-BD31-4A3614B88A33}"/>
+            </ac:picMkLst>
+          </pc:picChg>
+        </pc:sldLayoutChg>
+        <pc:sldLayoutChg chg="addSp delSp modSp">
+          <pc:chgData name="Marco Parenzan" userId="a83bbb23f3e251dc" providerId="LiveId" clId="{A71725CA-7230-40B2-978E-3893882E604B}" dt="2018-01-27T17:48:28.285" v="215" actId="692"/>
+          <pc:sldLayoutMkLst>
+            <pc:docMk/>
+            <pc:sldMasterMk cId="517766698" sldId="2147483648"/>
+            <pc:sldLayoutMk cId="590573853" sldId="2147483657"/>
+          </pc:sldLayoutMkLst>
+          <pc:spChg chg="mod">
+            <ac:chgData name="Marco Parenzan" userId="a83bbb23f3e251dc" providerId="LiveId" clId="{A71725CA-7230-40B2-978E-3893882E604B}" dt="2018-01-22T23:41:30.735" v="63" actId="20577"/>
+            <ac:spMkLst>
+              <pc:docMk/>
+              <pc:sldMasterMk cId="517766698" sldId="2147483648"/>
+              <pc:sldLayoutMk cId="590573853" sldId="2147483657"/>
+              <ac:spMk id="2" creationId="{00000000-0000-0000-0000-000000000000}"/>
+            </ac:spMkLst>
+          </pc:spChg>
+          <pc:picChg chg="add del mod">
+            <ac:chgData name="Marco Parenzan" userId="a83bbb23f3e251dc" providerId="LiveId" clId="{A71725CA-7230-40B2-978E-3893882E604B}" dt="2018-01-27T17:46:05.811" v="144" actId="478"/>
+            <ac:picMkLst>
+              <pc:docMk/>
+              <pc:sldMasterMk cId="517766698" sldId="2147483648"/>
+              <pc:sldLayoutMk cId="590573853" sldId="2147483657"/>
+              <ac:picMk id="6" creationId="{905AC2F9-5B69-419F-88D1-09EFB57B1D90}"/>
+            </ac:picMkLst>
+          </pc:picChg>
+          <pc:picChg chg="add del mod">
+            <ac:chgData name="Marco Parenzan" userId="a83bbb23f3e251dc" providerId="LiveId" clId="{A71725CA-7230-40B2-978E-3893882E604B}" dt="2018-01-27T17:46:44.161" v="146" actId="478"/>
+            <ac:picMkLst>
+              <pc:docMk/>
+              <pc:sldMasterMk cId="517766698" sldId="2147483648"/>
+              <pc:sldLayoutMk cId="590573853" sldId="2147483657"/>
+              <ac:picMk id="8" creationId="{F94524E7-4F00-472E-8AA2-269A626BE3EA}"/>
+            </ac:picMkLst>
+          </pc:picChg>
+          <pc:picChg chg="add mod">
+            <ac:chgData name="Marco Parenzan" userId="a83bbb23f3e251dc" providerId="LiveId" clId="{A71725CA-7230-40B2-978E-3893882E604B}" dt="2018-01-27T17:48:01.208" v="174" actId="1037"/>
+            <ac:picMkLst>
+              <pc:docMk/>
+              <pc:sldMasterMk cId="517766698" sldId="2147483648"/>
+              <pc:sldLayoutMk cId="590573853" sldId="2147483657"/>
+              <ac:picMk id="10" creationId="{314ED9A4-7D50-4789-9E3C-6BDD1DCE8C6A}"/>
+            </ac:picMkLst>
+          </pc:picChg>
+          <pc:picChg chg="add mod">
+            <ac:chgData name="Marco Parenzan" userId="a83bbb23f3e251dc" providerId="LiveId" clId="{A71725CA-7230-40B2-978E-3893882E604B}" dt="2018-01-27T16:21:08.102" v="81" actId="571"/>
+            <ac:picMkLst>
+              <pc:docMk/>
+              <pc:sldMasterMk cId="517766698" sldId="2147483648"/>
+              <pc:sldLayoutMk cId="590573853" sldId="2147483657"/>
+              <ac:picMk id="13" creationId="{07BF4B9B-5C08-42FC-B9FB-9DFAF6DD1159}"/>
+            </ac:picMkLst>
+          </pc:picChg>
+          <pc:picChg chg="add mod">
+            <ac:chgData name="Marco Parenzan" userId="a83bbb23f3e251dc" providerId="LiveId" clId="{A71725CA-7230-40B2-978E-3893882E604B}" dt="2018-01-27T16:21:08.102" v="81" actId="571"/>
+            <ac:picMkLst>
+              <pc:docMk/>
+              <pc:sldMasterMk cId="517766698" sldId="2147483648"/>
+              <pc:sldLayoutMk cId="590573853" sldId="2147483657"/>
+              <ac:picMk id="14" creationId="{8F5032CD-3A19-4941-8800-795048C4A1F0}"/>
+            </ac:picMkLst>
+          </pc:picChg>
+          <pc:picChg chg="add del mod modCrop">
+            <ac:chgData name="Marco Parenzan" userId="a83bbb23f3e251dc" providerId="LiveId" clId="{A71725CA-7230-40B2-978E-3893882E604B}" dt="2018-01-27T17:47:13.758" v="150"/>
+            <ac:picMkLst>
+              <pc:docMk/>
+              <pc:sldMasterMk cId="517766698" sldId="2147483648"/>
+              <pc:sldLayoutMk cId="590573853" sldId="2147483657"/>
+              <ac:picMk id="22" creationId="{FA94341C-EECA-4623-BD54-59D1E71FAC52}"/>
+            </ac:picMkLst>
+          </pc:picChg>
+          <pc:picChg chg="add mod">
+            <ac:chgData name="Marco Parenzan" userId="a83bbb23f3e251dc" providerId="LiveId" clId="{A71725CA-7230-40B2-978E-3893882E604B}" dt="2018-01-27T17:48:09.224" v="175" actId="12788"/>
+            <ac:picMkLst>
+              <pc:docMk/>
+              <pc:sldMasterMk cId="517766698" sldId="2147483648"/>
+              <pc:sldLayoutMk cId="590573853" sldId="2147483657"/>
+              <ac:picMk id="23" creationId="{9C561837-1BC2-41EE-9C8E-057DB9F92C55}"/>
+            </ac:picMkLst>
+          </pc:picChg>
+          <pc:picChg chg="add mod">
+            <ac:chgData name="Marco Parenzan" userId="a83bbb23f3e251dc" providerId="LiveId" clId="{A71725CA-7230-40B2-978E-3893882E604B}" dt="2018-01-27T17:48:01.208" v="174" actId="1037"/>
+            <ac:picMkLst>
+              <pc:docMk/>
+              <pc:sldMasterMk cId="517766698" sldId="2147483648"/>
+              <pc:sldLayoutMk cId="590573853" sldId="2147483657"/>
+              <ac:picMk id="3074" creationId="{1624D99F-7DDA-4526-B079-9FBA0DA7BF39}"/>
+            </ac:picMkLst>
+          </pc:picChg>
+          <pc:picChg chg="add mod">
+            <ac:chgData name="Marco Parenzan" userId="a83bbb23f3e251dc" providerId="LiveId" clId="{A71725CA-7230-40B2-978E-3893882E604B}" dt="2018-01-27T17:48:19.364" v="184" actId="1036"/>
+            <ac:picMkLst>
+              <pc:docMk/>
+              <pc:sldMasterMk cId="517766698" sldId="2147483648"/>
+              <pc:sldLayoutMk cId="590573853" sldId="2147483657"/>
+              <ac:picMk id="3076" creationId="{F611AACC-9EA2-42C0-A07E-7E2E94181954}"/>
+            </ac:picMkLst>
+          </pc:picChg>
+          <pc:picChg chg="add mod">
+            <ac:chgData name="Marco Parenzan" userId="a83bbb23f3e251dc" providerId="LiveId" clId="{A71725CA-7230-40B2-978E-3893882E604B}" dt="2018-01-27T17:48:01.208" v="174" actId="1037"/>
+            <ac:picMkLst>
+              <pc:docMk/>
+              <pc:sldMasterMk cId="517766698" sldId="2147483648"/>
+              <pc:sldLayoutMk cId="590573853" sldId="2147483657"/>
+              <ac:picMk id="3078" creationId="{2AF7ECE7-09C1-4659-8248-3F66E46B2270}"/>
+            </ac:picMkLst>
+          </pc:picChg>
+          <pc:picChg chg="add mod">
+            <ac:chgData name="Marco Parenzan" userId="a83bbb23f3e251dc" providerId="LiveId" clId="{A71725CA-7230-40B2-978E-3893882E604B}" dt="2018-01-27T17:48:01.208" v="174" actId="1037"/>
+            <ac:picMkLst>
+              <pc:docMk/>
+              <pc:sldMasterMk cId="517766698" sldId="2147483648"/>
+              <pc:sldLayoutMk cId="590573853" sldId="2147483657"/>
+              <ac:picMk id="3080" creationId="{9662600D-1B4E-4881-BD0F-49038FEB9E1D}"/>
+            </ac:picMkLst>
+          </pc:picChg>
+          <pc:picChg chg="add mod">
+            <ac:chgData name="Marco Parenzan" userId="a83bbb23f3e251dc" providerId="LiveId" clId="{A71725CA-7230-40B2-978E-3893882E604B}" dt="2018-01-27T17:48:01.208" v="174" actId="1037"/>
+            <ac:picMkLst>
+              <pc:docMk/>
+              <pc:sldMasterMk cId="517766698" sldId="2147483648"/>
+              <pc:sldLayoutMk cId="590573853" sldId="2147483657"/>
+              <ac:picMk id="3082" creationId="{D3B5DF13-7309-438B-AF7D-CB64812E647D}"/>
+            </ac:picMkLst>
+          </pc:picChg>
+          <pc:picChg chg="add mod">
+            <ac:chgData name="Marco Parenzan" userId="a83bbb23f3e251dc" providerId="LiveId" clId="{A71725CA-7230-40B2-978E-3893882E604B}" dt="2018-01-27T17:48:01.208" v="174" actId="1037"/>
+            <ac:picMkLst>
+              <pc:docMk/>
+              <pc:sldMasterMk cId="517766698" sldId="2147483648"/>
+              <pc:sldLayoutMk cId="590573853" sldId="2147483657"/>
+              <ac:picMk id="3084" creationId="{2E3FE5E1-05A5-4EE6-99AE-A9209FD4DEFF}"/>
+            </ac:picMkLst>
+          </pc:picChg>
+          <pc:picChg chg="add mod">
+            <ac:chgData name="Marco Parenzan" userId="a83bbb23f3e251dc" providerId="LiveId" clId="{A71725CA-7230-40B2-978E-3893882E604B}" dt="2018-01-27T17:48:09.224" v="175" actId="12788"/>
+            <ac:picMkLst>
+              <pc:docMk/>
+              <pc:sldMasterMk cId="517766698" sldId="2147483648"/>
+              <pc:sldLayoutMk cId="590573853" sldId="2147483657"/>
+              <ac:picMk id="3086" creationId="{7F514B4F-394A-4017-88B0-1118A5E74F02}"/>
+            </ac:picMkLst>
+          </pc:picChg>
+          <pc:cxnChg chg="add mod">
+            <ac:chgData name="Marco Parenzan" userId="a83bbb23f3e251dc" providerId="LiveId" clId="{A71725CA-7230-40B2-978E-3893882E604B}" dt="2018-01-27T17:48:28.285" v="215" actId="692"/>
+            <ac:cxnSpMkLst>
+              <pc:docMk/>
+              <pc:sldMasterMk cId="517766698" sldId="2147483648"/>
+              <pc:sldLayoutMk cId="590573853" sldId="2147483657"/>
+              <ac:cxnSpMk id="4" creationId="{03386B52-5D1B-4B5A-B1AD-E071951ACA23}"/>
+            </ac:cxnSpMkLst>
+          </pc:cxnChg>
+          <pc:cxnChg chg="add mod">
+            <ac:chgData name="Marco Parenzan" userId="a83bbb23f3e251dc" providerId="LiveId" clId="{A71725CA-7230-40B2-978E-3893882E604B}" dt="2018-01-27T16:21:08.102" v="81" actId="571"/>
+            <ac:cxnSpMkLst>
+              <pc:docMk/>
+              <pc:sldMasterMk cId="517766698" sldId="2147483648"/>
+              <pc:sldLayoutMk cId="590573853" sldId="2147483657"/>
+              <ac:cxnSpMk id="15" creationId="{5269E11D-41DD-4277-8749-767E2E8801F3}"/>
+            </ac:cxnSpMkLst>
+          </pc:cxnChg>
+          <pc:cxnChg chg="add mod">
+            <ac:chgData name="Marco Parenzan" userId="a83bbb23f3e251dc" providerId="LiveId" clId="{A71725CA-7230-40B2-978E-3893882E604B}" dt="2018-01-27T17:48:28.285" v="215" actId="692"/>
+            <ac:cxnSpMkLst>
+              <pc:docMk/>
+              <pc:sldMasterMk cId="517766698" sldId="2147483648"/>
+              <pc:sldLayoutMk cId="590573853" sldId="2147483657"/>
+              <ac:cxnSpMk id="16" creationId="{91957C17-AF2C-49A7-9A27-81C898E57324}"/>
+            </ac:cxnSpMkLst>
+          </pc:cxnChg>
+          <pc:cxnChg chg="add del mod">
+            <ac:chgData name="Marco Parenzan" userId="a83bbb23f3e251dc" providerId="LiveId" clId="{A71725CA-7230-40B2-978E-3893882E604B}" dt="2018-01-27T17:45:22.012" v="136" actId="478"/>
+            <ac:cxnSpMkLst>
+              <pc:docMk/>
+              <pc:sldMasterMk cId="517766698" sldId="2147483648"/>
+              <pc:sldLayoutMk cId="590573853" sldId="2147483657"/>
+              <ac:cxnSpMk id="17" creationId="{1D8A46F6-5CB3-4EBC-BDD2-6B4452F15DF0}"/>
+            </ac:cxnSpMkLst>
+          </pc:cxnChg>
         </pc:sldLayoutChg>
       </pc:sldMasterChg>
     </pc:docChg>
   </pc:docChgLst>
+  <pc:docChgLst>
+    <pc:chgData name="Cathrine Wilhelmsen" userId="c6973458-3efe-4c06-aec0-db88ac9e247c" providerId="ADAL" clId="{3DD560E9-C4C8-43FF-BDE1-9148666DF594}"/>
+  </pc:docChgLst>
 </pc:chgInfo>
-</file>
-
-<file path=ppt/notesMasters/notesMaster1.xml><?xml version="1.0" encoding="utf-8"?>
-<p:notesMaster xmlns:a="http://schemas.openxmlformats.org/drawingml/2006/main" xmlns:r="http://schemas.openxmlformats.org/officeDocument/2006/relationships" xmlns:p="http://schemas.openxmlformats.org/presentationml/2006/main">
-  <p:cSld>
-    <p:bg>
-      <p:bgRef idx="1001">
-        <a:schemeClr val="bg1"/>
-      </p:bgRef>
-    </p:bg>
-    <p:spTree>
-      <p:nvGrpSpPr>
-        <p:cNvPr id="1" name=""/>
-        <p:cNvGrpSpPr/>
-        <p:nvPr/>
-      </p:nvGrpSpPr>
-      <p:grpSpPr>
-        <a:xfrm>
-          <a:off x="0" y="0"/>
-          <a:ext cx="0" cy="0"/>
-          <a:chOff x="0" y="0"/>
-          <a:chExt cx="0" cy="0"/>
-        </a:xfrm>
-      </p:grpSpPr>
-      <p:sp>
-        <p:nvSpPr>
-          <p:cNvPr id="2" name="Header Placeholder 1"/>
-          <p:cNvSpPr>
-            <a:spLocks noGrp="1"/>
-          </p:cNvSpPr>
-          <p:nvPr>
-            <p:ph type="hdr" sz="quarter"/>
-          </p:nvPr>
-        </p:nvSpPr>
-        <p:spPr>
-          <a:xfrm>
-            <a:off x="0" y="0"/>
-            <a:ext cx="2971800" cy="458788"/>
-          </a:xfrm>
-          <a:prstGeom prst="rect">
-            <a:avLst/>
-          </a:prstGeom>
-        </p:spPr>
-        <p:txBody>
-          <a:bodyPr vert="horz" lIns="91440" tIns="45720" rIns="91440" bIns="45720" rtlCol="0"/>
-          <a:lstStyle>
-            <a:lvl1pPr algn="l">
-              <a:defRPr sz="1200"/>
-            </a:lvl1pPr>
-          </a:lstStyle>
-          <a:p>
-            <a:endParaRPr lang="it-IT"/>
-          </a:p>
-        </p:txBody>
-      </p:sp>
-      <p:sp>
-        <p:nvSpPr>
-          <p:cNvPr id="3" name="Date Placeholder 2"/>
-          <p:cNvSpPr>
-            <a:spLocks noGrp="1"/>
-          </p:cNvSpPr>
-          <p:nvPr>
-            <p:ph type="dt" idx="1"/>
-          </p:nvPr>
-        </p:nvSpPr>
-        <p:spPr>
-          <a:xfrm>
-            <a:off x="3884613" y="0"/>
-            <a:ext cx="2971800" cy="458788"/>
-          </a:xfrm>
-          <a:prstGeom prst="rect">
-            <a:avLst/>
-          </a:prstGeom>
-        </p:spPr>
-        <p:txBody>
-          <a:bodyPr vert="horz" lIns="91440" tIns="45720" rIns="91440" bIns="45720" rtlCol="0"/>
-          <a:lstStyle>
-            <a:lvl1pPr algn="r">
-              <a:defRPr sz="1200"/>
-            </a:lvl1pPr>
-          </a:lstStyle>
-          <a:p>
-            <a:fld id="{377FC722-9CC1-4B1C-A1B8-303C8AB43F42}" type="datetimeFigureOut">
-              <a:rPr lang="it-IT" smtClean="0"/>
-              <a:t>27/01/2018</a:t>
-            </a:fld>
-            <a:endParaRPr lang="it-IT"/>
-          </a:p>
-        </p:txBody>
-      </p:sp>
-      <p:sp>
-        <p:nvSpPr>
-          <p:cNvPr id="4" name="Slide Image Placeholder 3"/>
-          <p:cNvSpPr>
-            <a:spLocks noGrp="1" noRot="1" noChangeAspect="1"/>
-          </p:cNvSpPr>
-          <p:nvPr>
-            <p:ph type="sldImg" idx="2"/>
-          </p:nvPr>
-        </p:nvSpPr>
-        <p:spPr>
-          <a:xfrm>
-            <a:off x="685800" y="1143000"/>
-            <a:ext cx="5486400" cy="3086100"/>
-          </a:xfrm>
-          <a:prstGeom prst="rect">
-            <a:avLst/>
-          </a:prstGeom>
-          <a:noFill/>
-          <a:ln w="12700">
-            <a:solidFill>
-              <a:prstClr val="black"/>
-            </a:solidFill>
-          </a:ln>
-        </p:spPr>
-        <p:txBody>
-          <a:bodyPr vert="horz" lIns="91440" tIns="45720" rIns="91440" bIns="45720" rtlCol="0" anchor="ctr"/>
-          <a:lstStyle/>
-          <a:p>
-            <a:endParaRPr lang="it-IT"/>
-          </a:p>
-        </p:txBody>
-      </p:sp>
-      <p:sp>
-        <p:nvSpPr>
-          <p:cNvPr id="5" name="Notes Placeholder 4"/>
-          <p:cNvSpPr>
-            <a:spLocks noGrp="1"/>
-          </p:cNvSpPr>
-          <p:nvPr>
-            <p:ph type="body" sz="quarter" idx="3"/>
-          </p:nvPr>
-        </p:nvSpPr>
-        <p:spPr>
-          <a:xfrm>
-            <a:off x="685800" y="4400550"/>
-            <a:ext cx="5486400" cy="3600450"/>
-          </a:xfrm>
-          <a:prstGeom prst="rect">
-            <a:avLst/>
-          </a:prstGeom>
-        </p:spPr>
-        <p:txBody>
-          <a:bodyPr vert="horz" lIns="91440" tIns="45720" rIns="91440" bIns="45720" rtlCol="0"/>
-          <a:lstStyle/>
-          <a:p>
-            <a:pPr lvl="0"/>
-            <a:r>
-              <a:rPr lang="en-US" smtClean="0"/>
-              <a:t>Edit Master text styles</a:t>
-            </a:r>
-          </a:p>
-          <a:p>
-            <a:pPr lvl="1"/>
-            <a:r>
-              <a:rPr lang="en-US" smtClean="0"/>
-              <a:t>Second level</a:t>
-            </a:r>
-          </a:p>
-          <a:p>
-            <a:pPr lvl="2"/>
-            <a:r>
-              <a:rPr lang="en-US" smtClean="0"/>
-              <a:t>Third level</a:t>
-            </a:r>
-          </a:p>
-          <a:p>
-            <a:pPr lvl="3"/>
-            <a:r>
-              <a:rPr lang="en-US" smtClean="0"/>
-              <a:t>Fourth level</a:t>
-            </a:r>
-          </a:p>
-          <a:p>
-            <a:pPr lvl="4"/>
-            <a:r>
-              <a:rPr lang="en-US" smtClean="0"/>
-              <a:t>Fifth level</a:t>
-            </a:r>
-            <a:endParaRPr lang="it-IT"/>
-          </a:p>
-        </p:txBody>
-      </p:sp>
-      <p:sp>
-        <p:nvSpPr>
-          <p:cNvPr id="6" name="Footer Placeholder 5"/>
-          <p:cNvSpPr>
-            <a:spLocks noGrp="1"/>
-          </p:cNvSpPr>
-          <p:nvPr>
-            <p:ph type="ftr" sz="quarter" idx="4"/>
-          </p:nvPr>
-        </p:nvSpPr>
-        <p:spPr>
-          <a:xfrm>
-            <a:off x="0" y="8685213"/>
-            <a:ext cx="2971800" cy="458787"/>
-          </a:xfrm>
-          <a:prstGeom prst="rect">
-            <a:avLst/>
-          </a:prstGeom>
-        </p:spPr>
-        <p:txBody>
-          <a:bodyPr vert="horz" lIns="91440" tIns="45720" rIns="91440" bIns="45720" rtlCol="0" anchor="b"/>
-          <a:lstStyle>
-            <a:lvl1pPr algn="l">
-              <a:defRPr sz="1200"/>
-            </a:lvl1pPr>
-          </a:lstStyle>
-          <a:p>
-            <a:endParaRPr lang="it-IT"/>
-          </a:p>
-        </p:txBody>
-      </p:sp>
-      <p:sp>
-        <p:nvSpPr>
-          <p:cNvPr id="7" name="Slide Number Placeholder 6"/>
-          <p:cNvSpPr>
-            <a:spLocks noGrp="1"/>
-          </p:cNvSpPr>
-          <p:nvPr>
-            <p:ph type="sldNum" sz="quarter" idx="5"/>
-          </p:nvPr>
-        </p:nvSpPr>
-        <p:spPr>
-          <a:xfrm>
-            <a:off x="3884613" y="8685213"/>
-            <a:ext cx="2971800" cy="458787"/>
-          </a:xfrm>
-          <a:prstGeom prst="rect">
-            <a:avLst/>
-          </a:prstGeom>
-        </p:spPr>
-        <p:txBody>
-          <a:bodyPr vert="horz" lIns="91440" tIns="45720" rIns="91440" bIns="45720" rtlCol="0" anchor="b"/>
-          <a:lstStyle>
-            <a:lvl1pPr algn="r">
-              <a:defRPr sz="1200"/>
-            </a:lvl1pPr>
-          </a:lstStyle>
-          <a:p>
-            <a:fld id="{A05FA2E9-D4FD-4073-8A18-D402F070A217}" type="slidenum">
-              <a:rPr lang="it-IT" smtClean="0"/>
-              <a:t>‹#›</a:t>
-            </a:fld>
-            <a:endParaRPr lang="it-IT"/>
-          </a:p>
-        </p:txBody>
-      </p:sp>
-    </p:spTree>
-    <p:extLst>
-      <p:ext uri="{BB962C8B-B14F-4D97-AF65-F5344CB8AC3E}">
-        <p14:creationId xmlns:p14="http://schemas.microsoft.com/office/powerpoint/2010/main" val="3272312639"/>
-      </p:ext>
-    </p:extLst>
-  </p:cSld>
-  <p:clrMap bg1="lt1" tx1="dk1" bg2="lt2" tx2="dk2" accent1="accent1" accent2="accent2" accent3="accent3" accent4="accent4" accent5="accent5" accent6="accent6" hlink="hlink" folHlink="folHlink"/>
-  <p:notesStyle>
-    <a:lvl1pPr marL="0" algn="l" defTabSz="914400" rtl="0" eaLnBrk="1" latinLnBrk="0" hangingPunct="1">
-      <a:defRPr sz="1200" kern="1200">
-        <a:solidFill>
-          <a:schemeClr val="tx1"/>
-        </a:solidFill>
-        <a:latin typeface="+mn-lt"/>
-        <a:ea typeface="+mn-ea"/>
-        <a:cs typeface="+mn-cs"/>
-      </a:defRPr>
-    </a:lvl1pPr>
-    <a:lvl2pPr marL="457200" algn="l" defTabSz="914400" rtl="0" eaLnBrk="1" latinLnBrk="0" hangingPunct="1">
-      <a:defRPr sz="1200" kern="1200">
-        <a:solidFill>
-          <a:schemeClr val="tx1"/>
-        </a:solidFill>
-        <a:latin typeface="+mn-lt"/>
-        <a:ea typeface="+mn-ea"/>
-        <a:cs typeface="+mn-cs"/>
-      </a:defRPr>
-    </a:lvl2pPr>
-    <a:lvl3pPr marL="914400" algn="l" defTabSz="914400" rtl="0" eaLnBrk="1" latinLnBrk="0" hangingPunct="1">
-      <a:defRPr sz="1200" kern="1200">
-        <a:solidFill>
-          <a:schemeClr val="tx1"/>
-        </a:solidFill>
-        <a:latin typeface="+mn-lt"/>
-        <a:ea typeface="+mn-ea"/>
-        <a:cs typeface="+mn-cs"/>
-      </a:defRPr>
-    </a:lvl3pPr>
-    <a:lvl4pPr marL="1371600" algn="l" defTabSz="914400" rtl="0" eaLnBrk="1" latinLnBrk="0" hangingPunct="1">
-      <a:defRPr sz="1200" kern="1200">
-        <a:solidFill>
-          <a:schemeClr val="tx1"/>
-        </a:solidFill>
-        <a:latin typeface="+mn-lt"/>
-        <a:ea typeface="+mn-ea"/>
-        <a:cs typeface="+mn-cs"/>
-      </a:defRPr>
-    </a:lvl4pPr>
-    <a:lvl5pPr marL="1828800" algn="l" defTabSz="914400" rtl="0" eaLnBrk="1" latinLnBrk="0" hangingPunct="1">
-      <a:defRPr sz="1200" kern="1200">
-        <a:solidFill>
-          <a:schemeClr val="tx1"/>
-        </a:solidFill>
-        <a:latin typeface="+mn-lt"/>
-        <a:ea typeface="+mn-ea"/>
-        <a:cs typeface="+mn-cs"/>
-      </a:defRPr>
-    </a:lvl5pPr>
-    <a:lvl6pPr marL="2286000" algn="l" defTabSz="914400" rtl="0" eaLnBrk="1" latinLnBrk="0" hangingPunct="1">
-      <a:defRPr sz="1200" kern="1200">
-        <a:solidFill>
-          <a:schemeClr val="tx1"/>
-        </a:solidFill>
-        <a:latin typeface="+mn-lt"/>
-        <a:ea typeface="+mn-ea"/>
-        <a:cs typeface="+mn-cs"/>
-      </a:defRPr>
-    </a:lvl6pPr>
-    <a:lvl7pPr marL="2743200" algn="l" defTabSz="914400" rtl="0" eaLnBrk="1" latinLnBrk="0" hangingPunct="1">
-      <a:defRPr sz="1200" kern="1200">
-        <a:solidFill>
-          <a:schemeClr val="tx1"/>
-        </a:solidFill>
-        <a:latin typeface="+mn-lt"/>
-        <a:ea typeface="+mn-ea"/>
-        <a:cs typeface="+mn-cs"/>
-      </a:defRPr>
-    </a:lvl7pPr>
-    <a:lvl8pPr marL="3200400" algn="l" defTabSz="914400" rtl="0" eaLnBrk="1" latinLnBrk="0" hangingPunct="1">
-      <a:defRPr sz="1200" kern="1200">
-        <a:solidFill>
-          <a:schemeClr val="tx1"/>
-        </a:solidFill>
-        <a:latin typeface="+mn-lt"/>
-        <a:ea typeface="+mn-ea"/>
-        <a:cs typeface="+mn-cs"/>
-      </a:defRPr>
-    </a:lvl8pPr>
-    <a:lvl9pPr marL="3657600" algn="l" defTabSz="914400" rtl="0" eaLnBrk="1" latinLnBrk="0" hangingPunct="1">
-      <a:defRPr sz="1200" kern="1200">
-        <a:solidFill>
-          <a:schemeClr val="tx1"/>
-        </a:solidFill>
-        <a:latin typeface="+mn-lt"/>
-        <a:ea typeface="+mn-ea"/>
-        <a:cs typeface="+mn-cs"/>
-      </a:defRPr>
-    </a:lvl9pPr>
-  </p:notesStyle>
-</p:notesMaster>
-</file>
-
-<file path=ppt/notesSlides/notesSlide1.xml><?xml version="1.0" encoding="utf-8"?>
-<p:notes xmlns:a="http://schemas.openxmlformats.org/drawingml/2006/main" xmlns:r="http://schemas.openxmlformats.org/officeDocument/2006/relationships" xmlns:p="http://schemas.openxmlformats.org/presentationml/2006/main">
-  <p:cSld>
-    <p:spTree>
-      <p:nvGrpSpPr>
-        <p:cNvPr id="1" name=""/>
-        <p:cNvGrpSpPr/>
-        <p:nvPr/>
-      </p:nvGrpSpPr>
-      <p:grpSpPr>
-        <a:xfrm>
-          <a:off x="0" y="0"/>
-          <a:ext cx="0" cy="0"/>
-          <a:chOff x="0" y="0"/>
-          <a:chExt cx="0" cy="0"/>
-        </a:xfrm>
-      </p:grpSpPr>
-      <p:sp>
-        <p:nvSpPr>
-          <p:cNvPr id="2" name="Slide Image Placeholder 1"/>
-          <p:cNvSpPr>
-            <a:spLocks noGrp="1" noRot="1" noChangeAspect="1"/>
-          </p:cNvSpPr>
-          <p:nvPr>
-            <p:ph type="sldImg"/>
-          </p:nvPr>
-        </p:nvSpPr>
-        <p:spPr/>
-      </p:sp>
-      <p:sp>
-        <p:nvSpPr>
-          <p:cNvPr id="3" name="Notes Placeholder 2"/>
-          <p:cNvSpPr>
-            <a:spLocks noGrp="1"/>
-          </p:cNvSpPr>
-          <p:nvPr>
-            <p:ph type="body" idx="1"/>
-          </p:nvPr>
-        </p:nvSpPr>
-        <p:spPr/>
-        <p:txBody>
-          <a:bodyPr/>
-          <a:lstStyle/>
-          <a:p>
-            <a:endParaRPr lang="it-IT"/>
-          </a:p>
-        </p:txBody>
-      </p:sp>
-      <p:sp>
-        <p:nvSpPr>
-          <p:cNvPr id="4" name="Slide Number Placeholder 3"/>
-          <p:cNvSpPr>
-            <a:spLocks noGrp="1"/>
-          </p:cNvSpPr>
-          <p:nvPr>
-            <p:ph type="sldNum" sz="quarter" idx="10"/>
-          </p:nvPr>
-        </p:nvSpPr>
-        <p:spPr/>
-        <p:txBody>
-          <a:bodyPr/>
-          <a:lstStyle/>
-          <a:p>
-            <a:fld id="{A05FA2E9-D4FD-4073-8A18-D402F070A217}" type="slidenum">
-              <a:rPr lang="it-IT" smtClean="0"/>
-              <a:t>1</a:t>
-            </a:fld>
-            <a:endParaRPr lang="it-IT"/>
-          </a:p>
-        </p:txBody>
-      </p:sp>
-    </p:spTree>
-    <p:extLst>
-      <p:ext uri="{BB962C8B-B14F-4D97-AF65-F5344CB8AC3E}">
-        <p14:creationId xmlns:p14="http://schemas.microsoft.com/office/powerpoint/2010/main" val="3631346336"/>
-      </p:ext>
-    </p:extLst>
-  </p:cSld>
-  <p:clrMapOvr>
-    <a:masterClrMapping/>
-  </p:clrMapOvr>
-</p:notes>
 </file>
 
 <file path=ppt/slideLayouts/slideLayout1.xml><?xml version="1.0" encoding="utf-8"?>
@@ -807,22 +889,74 @@
       </p:sp>
       <p:pic>
         <p:nvPicPr>
-          <p:cNvPr id="6" name="Picture 5"/>
+          <p:cNvPr id="2050" name="Picture 2" descr="http://www.sqlsaturday.com/images/sqlsat707_web.png">
+            <a:extLst>
+              <a:ext uri="{FF2B5EF4-FFF2-40B4-BE49-F238E27FC236}">
+                <a16:creationId xmlns:a16="http://schemas.microsoft.com/office/drawing/2014/main" id="{1A9D911E-79B9-46F6-BDC8-938570820574}"/>
+              </a:ext>
+            </a:extLst>
+          </p:cNvPr>
+          <p:cNvPicPr>
+            <a:picLocks noChangeAspect="1" noChangeArrowheads="1"/>
+          </p:cNvPicPr>
+          <p:nvPr userDrawn="1"/>
+        </p:nvPicPr>
+        <p:blipFill>
+          <a:blip r:embed="rId3">
+            <a:extLst>
+              <a:ext uri="{28A0092B-C50C-407E-A947-70E740481C1C}">
+                <a14:useLocalDpi xmlns:a14="http://schemas.microsoft.com/office/drawing/2010/main" val="0"/>
+              </a:ext>
+            </a:extLst>
+          </a:blip>
+          <a:srcRect/>
+          <a:stretch>
+            <a:fillRect/>
+          </a:stretch>
+        </p:blipFill>
+        <p:spPr bwMode="auto">
+          <a:xfrm>
+            <a:off x="8547731" y="2778704"/>
+            <a:ext cx="2972757" cy="748144"/>
+          </a:xfrm>
+          <a:prstGeom prst="rect">
+            <a:avLst/>
+          </a:prstGeom>
+          <a:noFill/>
+          <a:extLst>
+            <a:ext uri="{909E8E84-426E-40DD-AFC4-6F175D3DCCD1}">
+              <a14:hiddenFill xmlns:a14="http://schemas.microsoft.com/office/drawing/2010/main">
+                <a:solidFill>
+                  <a:srgbClr val="FFFFFF"/>
+                </a:solidFill>
+              </a14:hiddenFill>
+            </a:ext>
+          </a:extLst>
+        </p:spPr>
+      </p:pic>
+      <p:pic>
+        <p:nvPicPr>
+          <p:cNvPr id="6" name="Picture 5">
+            <a:extLst>
+              <a:ext uri="{FF2B5EF4-FFF2-40B4-BE49-F238E27FC236}">
+                <a16:creationId xmlns:a16="http://schemas.microsoft.com/office/drawing/2014/main" id="{ADEB4E77-701E-43A3-8F9E-4D10DB6B0795}"/>
+              </a:ext>
+            </a:extLst>
+          </p:cNvPr>
           <p:cNvPicPr>
             <a:picLocks noChangeAspect="1"/>
           </p:cNvPicPr>
           <p:nvPr userDrawn="1"/>
         </p:nvPicPr>
-        <p:blipFill>
-          <a:blip r:embed="rId3"/>
-          <a:stretch>
-            <a:fillRect/>
-          </a:stretch>
+        <p:blipFill rotWithShape="1">
+          <a:blip r:embed="rId4"/>
+          <a:srcRect r="49693"/>
+          <a:stretch/>
         </p:blipFill>
         <p:spPr>
           <a:xfrm>
-            <a:off x="8673244" y="3060087"/>
-            <a:ext cx="2486881" cy="360000"/>
+            <a:off x="9656162" y="2160588"/>
+            <a:ext cx="1504757" cy="594530"/>
           </a:xfrm>
           <a:prstGeom prst="rect">
             <a:avLst/>
@@ -988,189 +1122,10 @@
             <p:ph idx="1"/>
           </p:nvPr>
         </p:nvSpPr>
-        <p:spPr/>
-        <p:txBody>
-          <a:bodyPr/>
-          <a:lstStyle>
-            <a:lvl1pPr marL="0" indent="0">
-              <a:buFont typeface="Wingdings" charset="2"/>
-              <a:buNone/>
-              <a:defRPr>
-                <a:solidFill>
-                  <a:schemeClr val="tx2"/>
-                </a:solidFill>
-              </a:defRPr>
-            </a:lvl1pPr>
-            <a:lvl2pPr marL="576027" indent="0">
-              <a:buFont typeface="Wingdings" charset="2"/>
-              <a:buNone/>
-              <a:defRPr>
-                <a:solidFill>
-                  <a:srgbClr val="474947"/>
-                </a:solidFill>
-              </a:defRPr>
-            </a:lvl2pPr>
-            <a:lvl3pPr marL="1152053" indent="0">
-              <a:buFont typeface="Wingdings" charset="2"/>
-              <a:buNone/>
-              <a:defRPr>
-                <a:solidFill>
-                  <a:srgbClr val="474947"/>
-                </a:solidFill>
-              </a:defRPr>
-            </a:lvl3pPr>
-            <a:lvl4pPr marL="1728079" indent="0">
-              <a:buFont typeface="Wingdings" charset="2"/>
-              <a:buNone/>
-              <a:defRPr>
-                <a:solidFill>
-                  <a:srgbClr val="474947"/>
-                </a:solidFill>
-              </a:defRPr>
-            </a:lvl4pPr>
-            <a:lvl5pPr marL="2304105" indent="0">
-              <a:buFont typeface="Wingdings" charset="2"/>
-              <a:buNone/>
-              <a:defRPr>
-                <a:solidFill>
-                  <a:srgbClr val="474947"/>
-                </a:solidFill>
-              </a:defRPr>
-            </a:lvl5pPr>
-          </a:lstStyle>
-          <a:p>
-            <a:pPr lvl="0"/>
-            <a:r>
-              <a:rPr lang="en-US" dirty="0"/>
-              <a:t>Click to edit Master text styles</a:t>
-            </a:r>
-          </a:p>
-          <a:p>
-            <a:pPr lvl="1"/>
-            <a:r>
-              <a:rPr lang="en-US" dirty="0"/>
-              <a:t>Second level</a:t>
-            </a:r>
-          </a:p>
-          <a:p>
-            <a:pPr lvl="2"/>
-            <a:r>
-              <a:rPr lang="en-US" dirty="0"/>
-              <a:t>Third level</a:t>
-            </a:r>
-          </a:p>
-          <a:p>
-            <a:pPr lvl="3"/>
-            <a:r>
-              <a:rPr lang="en-US" dirty="0"/>
-              <a:t>Fourth level</a:t>
-            </a:r>
-          </a:p>
-          <a:p>
-            <a:pPr lvl="4"/>
-            <a:r>
-              <a:rPr lang="en-US" dirty="0"/>
-              <a:t>Fifth level</a:t>
-            </a:r>
-          </a:p>
-        </p:txBody>
-      </p:sp>
-    </p:spTree>
-    <p:extLst>
-      <p:ext uri="{BB962C8B-B14F-4D97-AF65-F5344CB8AC3E}">
-        <p14:creationId xmlns:p14="http://schemas.microsoft.com/office/powerpoint/2010/main" val="4065140645"/>
-      </p:ext>
-    </p:extLst>
-  </p:cSld>
-  <p:clrMapOvr>
-    <a:masterClrMapping/>
-  </p:clrMapOvr>
-</p:sldLayout>
-</file>
-
-<file path=ppt/slideLayouts/slideLayout4.xml><?xml version="1.0" encoding="utf-8"?>
-<p:sldLayout xmlns:a="http://schemas.openxmlformats.org/drawingml/2006/main" xmlns:r="http://schemas.openxmlformats.org/officeDocument/2006/relationships" xmlns:p="http://schemas.openxmlformats.org/presentationml/2006/main" type="titleOnly" preserve="1">
-  <p:cSld name="Title Only">
-    <p:spTree>
-      <p:nvGrpSpPr>
-        <p:cNvPr id="1" name=""/>
-        <p:cNvGrpSpPr/>
-        <p:nvPr/>
-      </p:nvGrpSpPr>
-      <p:grpSpPr>
-        <a:xfrm>
-          <a:off x="0" y="0"/>
-          <a:ext cx="0" cy="0"/>
-          <a:chOff x="0" y="0"/>
-          <a:chExt cx="0" cy="0"/>
-        </a:xfrm>
-      </p:grpSpPr>
-      <p:sp>
-        <p:nvSpPr>
-          <p:cNvPr id="2" name="Title 1"/>
-          <p:cNvSpPr>
-            <a:spLocks noGrp="1"/>
-          </p:cNvSpPr>
-          <p:nvPr>
-            <p:ph type="title"/>
-          </p:nvPr>
-        </p:nvSpPr>
-        <p:spPr/>
-        <p:txBody>
-          <a:bodyPr/>
-          <a:lstStyle/>
-          <a:p>
-            <a:r>
-              <a:rPr lang="en-US"/>
-              <a:t>Click to edit Master title style</a:t>
-            </a:r>
-          </a:p>
-        </p:txBody>
-      </p:sp>
-    </p:spTree>
-    <p:extLst>
-      <p:ext uri="{BB962C8B-B14F-4D97-AF65-F5344CB8AC3E}">
-        <p14:creationId xmlns:p14="http://schemas.microsoft.com/office/powerpoint/2010/main" val="1721537737"/>
-      </p:ext>
-    </p:extLst>
-  </p:cSld>
-  <p:clrMapOvr>
-    <a:masterClrMapping/>
-  </p:clrMapOvr>
-</p:sldLayout>
-</file>
-
-<file path=ppt/slideLayouts/slideLayout5.xml><?xml version="1.0" encoding="utf-8"?>
-<p:sldLayout xmlns:a="http://schemas.openxmlformats.org/drawingml/2006/main" xmlns:r="http://schemas.openxmlformats.org/officeDocument/2006/relationships" xmlns:p="http://schemas.openxmlformats.org/presentationml/2006/main" preserve="1" userDrawn="1">
-  <p:cSld name="Content Only">
-    <p:spTree>
-      <p:nvGrpSpPr>
-        <p:cNvPr id="1" name=""/>
-        <p:cNvGrpSpPr/>
-        <p:nvPr/>
-      </p:nvGrpSpPr>
-      <p:grpSpPr>
-        <a:xfrm>
-          <a:off x="0" y="0"/>
-          <a:ext cx="0" cy="0"/>
-          <a:chOff x="0" y="0"/>
-          <a:chExt cx="0" cy="0"/>
-        </a:xfrm>
-      </p:grpSpPr>
-      <p:sp>
-        <p:nvSpPr>
-          <p:cNvPr id="3" name="Content Placeholder 2"/>
-          <p:cNvSpPr>
-            <a:spLocks noGrp="1"/>
-          </p:cNvSpPr>
-          <p:nvPr>
-            <p:ph idx="1"/>
-          </p:nvPr>
-        </p:nvSpPr>
         <p:spPr>
           <a:xfrm>
-            <a:off x="360125" y="360363"/>
-            <a:ext cx="10800000" cy="5759450"/>
+            <a:off x="360125" y="1439813"/>
+            <a:ext cx="10800000" cy="4297108"/>
           </a:xfrm>
         </p:spPr>
         <p:txBody>
@@ -1259,6 +1214,824 @@
           </a:p>
         </p:txBody>
       </p:sp>
+      <p:pic>
+        <p:nvPicPr>
+          <p:cNvPr id="5" name="Picture 4">
+            <a:extLst>
+              <a:ext uri="{FF2B5EF4-FFF2-40B4-BE49-F238E27FC236}">
+                <a16:creationId xmlns:a16="http://schemas.microsoft.com/office/drawing/2014/main" id="{B54F5555-BC20-4DEB-B8C9-1448EEBFC074}"/>
+              </a:ext>
+            </a:extLst>
+          </p:cNvPr>
+          <p:cNvPicPr>
+            <a:picLocks noChangeAspect="1"/>
+          </p:cNvPicPr>
+          <p:nvPr userDrawn="1"/>
+        </p:nvPicPr>
+        <p:blipFill rotWithShape="1">
+          <a:blip r:embed="rId2"/>
+          <a:srcRect r="49693"/>
+          <a:stretch/>
+        </p:blipFill>
+        <p:spPr>
+          <a:xfrm>
+            <a:off x="321489" y="5823598"/>
+            <a:ext cx="1504757" cy="594530"/>
+          </a:xfrm>
+          <a:prstGeom prst="rect">
+            <a:avLst/>
+          </a:prstGeom>
+        </p:spPr>
+      </p:pic>
+    </p:spTree>
+    <p:extLst>
+      <p:ext uri="{BB962C8B-B14F-4D97-AF65-F5344CB8AC3E}">
+        <p14:creationId xmlns:p14="http://schemas.microsoft.com/office/powerpoint/2010/main" val="4065140645"/>
+      </p:ext>
+    </p:extLst>
+  </p:cSld>
+  <p:clrMapOvr>
+    <a:masterClrMapping/>
+  </p:clrMapOvr>
+</p:sldLayout>
+</file>
+
+<file path=ppt/slideLayouts/slideLayout4.xml><?xml version="1.0" encoding="utf-8"?>
+<p:sldLayout xmlns:a="http://schemas.openxmlformats.org/drawingml/2006/main" xmlns:r="http://schemas.openxmlformats.org/officeDocument/2006/relationships" xmlns:p="http://schemas.openxmlformats.org/presentationml/2006/main" type="titleOnly" preserve="1">
+  <p:cSld name="Title Only">
+    <p:spTree>
+      <p:nvGrpSpPr>
+        <p:cNvPr id="1" name=""/>
+        <p:cNvGrpSpPr/>
+        <p:nvPr/>
+      </p:nvGrpSpPr>
+      <p:grpSpPr>
+        <a:xfrm>
+          <a:off x="0" y="0"/>
+          <a:ext cx="0" cy="0"/>
+          <a:chOff x="0" y="0"/>
+          <a:chExt cx="0" cy="0"/>
+        </a:xfrm>
+      </p:grpSpPr>
+      <p:sp>
+        <p:nvSpPr>
+          <p:cNvPr id="2" name="Title 1"/>
+          <p:cNvSpPr>
+            <a:spLocks noGrp="1"/>
+          </p:cNvSpPr>
+          <p:nvPr>
+            <p:ph type="title"/>
+          </p:nvPr>
+        </p:nvSpPr>
+        <p:spPr/>
+        <p:txBody>
+          <a:bodyPr/>
+          <a:lstStyle/>
+          <a:p>
+            <a:r>
+              <a:rPr lang="en-US"/>
+              <a:t>Click to edit Master title style</a:t>
+            </a:r>
+          </a:p>
+        </p:txBody>
+      </p:sp>
+      <p:pic>
+        <p:nvPicPr>
+          <p:cNvPr id="3" name="Picture 2">
+            <a:extLst>
+              <a:ext uri="{FF2B5EF4-FFF2-40B4-BE49-F238E27FC236}">
+                <a16:creationId xmlns:a16="http://schemas.microsoft.com/office/drawing/2014/main" id="{CAE904F6-65DA-428E-85CD-DF4DEDA25976}"/>
+              </a:ext>
+            </a:extLst>
+          </p:cNvPr>
+          <p:cNvPicPr>
+            <a:picLocks noChangeAspect="1"/>
+          </p:cNvPicPr>
+          <p:nvPr userDrawn="1"/>
+        </p:nvPicPr>
+        <p:blipFill rotWithShape="1">
+          <a:blip r:embed="rId2"/>
+          <a:srcRect r="49693"/>
+          <a:stretch/>
+        </p:blipFill>
+        <p:spPr>
+          <a:xfrm>
+            <a:off x="269973" y="5823598"/>
+            <a:ext cx="1504757" cy="594530"/>
+          </a:xfrm>
+          <a:prstGeom prst="rect">
+            <a:avLst/>
+          </a:prstGeom>
+        </p:spPr>
+      </p:pic>
+    </p:spTree>
+    <p:extLst>
+      <p:ext uri="{BB962C8B-B14F-4D97-AF65-F5344CB8AC3E}">
+        <p14:creationId xmlns:p14="http://schemas.microsoft.com/office/powerpoint/2010/main" val="1721537737"/>
+      </p:ext>
+    </p:extLst>
+  </p:cSld>
+  <p:clrMapOvr>
+    <a:masterClrMapping/>
+  </p:clrMapOvr>
+</p:sldLayout>
+</file>
+
+<file path=ppt/slideLayouts/slideLayout5.xml><?xml version="1.0" encoding="utf-8"?>
+<p:sldLayout xmlns:a="http://schemas.openxmlformats.org/drawingml/2006/main" xmlns:r="http://schemas.openxmlformats.org/officeDocument/2006/relationships" xmlns:p="http://schemas.openxmlformats.org/presentationml/2006/main" type="titleOnly" preserve="1">
+  <p:cSld name="Sponsors">
+    <p:spTree>
+      <p:nvGrpSpPr>
+        <p:cNvPr id="1" name=""/>
+        <p:cNvGrpSpPr/>
+        <p:nvPr/>
+      </p:nvGrpSpPr>
+      <p:grpSpPr>
+        <a:xfrm>
+          <a:off x="0" y="0"/>
+          <a:ext cx="0" cy="0"/>
+          <a:chOff x="0" y="0"/>
+          <a:chExt cx="0" cy="0"/>
+        </a:xfrm>
+      </p:grpSpPr>
+      <p:sp>
+        <p:nvSpPr>
+          <p:cNvPr id="2" name="Title 1"/>
+          <p:cNvSpPr>
+            <a:spLocks noGrp="1"/>
+          </p:cNvSpPr>
+          <p:nvPr>
+            <p:ph type="title" hasCustomPrompt="1"/>
+          </p:nvPr>
+        </p:nvSpPr>
+        <p:spPr/>
+        <p:txBody>
+          <a:bodyPr/>
+          <a:lstStyle>
+            <a:lvl1pPr>
+              <a:defRPr/>
+            </a:lvl1pPr>
+          </a:lstStyle>
+          <a:p>
+            <a:r>
+              <a:rPr lang="en-US" dirty="0"/>
+              <a:t>Sponsors</a:t>
+            </a:r>
+          </a:p>
+        </p:txBody>
+      </p:sp>
+      <p:pic>
+        <p:nvPicPr>
+          <p:cNvPr id="3074" name="Picture 2" descr="Beantech">
+            <a:extLst>
+              <a:ext uri="{FF2B5EF4-FFF2-40B4-BE49-F238E27FC236}">
+                <a16:creationId xmlns:a16="http://schemas.microsoft.com/office/drawing/2014/main" id="{1624D99F-7DDA-4526-B079-9FBA0DA7BF39}"/>
+              </a:ext>
+            </a:extLst>
+          </p:cNvPr>
+          <p:cNvPicPr>
+            <a:picLocks noChangeAspect="1" noChangeArrowheads="1"/>
+          </p:cNvPicPr>
+          <p:nvPr userDrawn="1"/>
+        </p:nvPicPr>
+        <p:blipFill>
+          <a:blip r:embed="rId2">
+            <a:extLst>
+              <a:ext uri="{28A0092B-C50C-407E-A947-70E740481C1C}">
+                <a14:useLocalDpi xmlns:a14="http://schemas.microsoft.com/office/drawing/2010/main" val="0"/>
+              </a:ext>
+            </a:extLst>
+          </a:blip>
+          <a:srcRect/>
+          <a:stretch>
+            <a:fillRect/>
+          </a:stretch>
+        </p:blipFill>
+        <p:spPr bwMode="auto">
+          <a:xfrm>
+            <a:off x="2974666" y="4845502"/>
+            <a:ext cx="1619250" cy="571500"/>
+          </a:xfrm>
+          <a:prstGeom prst="rect">
+            <a:avLst/>
+          </a:prstGeom>
+          <a:noFill/>
+          <a:extLst>
+            <a:ext uri="{909E8E84-426E-40DD-AFC4-6F175D3DCCD1}">
+              <a14:hiddenFill xmlns:a14="http://schemas.microsoft.com/office/drawing/2010/main">
+                <a:solidFill>
+                  <a:srgbClr val="FFFFFF"/>
+                </a:solidFill>
+              </a14:hiddenFill>
+            </a:ext>
+          </a:extLst>
+        </p:spPr>
+      </p:pic>
+      <p:pic>
+        <p:nvPicPr>
+          <p:cNvPr id="3076" name="Picture 4" descr="Microsoft Corporation (GAP) (GAP Sponsor)">
+            <a:extLst>
+              <a:ext uri="{FF2B5EF4-FFF2-40B4-BE49-F238E27FC236}">
+                <a16:creationId xmlns:a16="http://schemas.microsoft.com/office/drawing/2014/main" id="{F611AACC-9EA2-42C0-A07E-7E2E94181954}"/>
+              </a:ext>
+            </a:extLst>
+          </p:cNvPr>
+          <p:cNvPicPr>
+            <a:picLocks noChangeAspect="1" noChangeArrowheads="1"/>
+          </p:cNvPicPr>
+          <p:nvPr userDrawn="1"/>
+        </p:nvPicPr>
+        <p:blipFill>
+          <a:blip r:embed="rId3">
+            <a:extLst>
+              <a:ext uri="{28A0092B-C50C-407E-A947-70E740481C1C}">
+                <a14:useLocalDpi xmlns:a14="http://schemas.microsoft.com/office/drawing/2010/main" val="0"/>
+              </a:ext>
+            </a:extLst>
+          </a:blip>
+          <a:srcRect/>
+          <a:stretch>
+            <a:fillRect/>
+          </a:stretch>
+        </p:blipFill>
+        <p:spPr bwMode="auto">
+          <a:xfrm>
+            <a:off x="4480207" y="2976311"/>
+            <a:ext cx="2286000" cy="485775"/>
+          </a:xfrm>
+          <a:prstGeom prst="rect">
+            <a:avLst/>
+          </a:prstGeom>
+          <a:noFill/>
+          <a:extLst>
+            <a:ext uri="{909E8E84-426E-40DD-AFC4-6F175D3DCCD1}">
+              <a14:hiddenFill xmlns:a14="http://schemas.microsoft.com/office/drawing/2010/main">
+                <a:solidFill>
+                  <a:srgbClr val="FFFFFF"/>
+                </a:solidFill>
+              </a14:hiddenFill>
+            </a:ext>
+          </a:extLst>
+        </p:spPr>
+      </p:pic>
+      <p:pic>
+        <p:nvPicPr>
+          <p:cNvPr id="3078" name="Picture 6" descr="Realcomm Srl">
+            <a:extLst>
+              <a:ext uri="{FF2B5EF4-FFF2-40B4-BE49-F238E27FC236}">
+                <a16:creationId xmlns:a16="http://schemas.microsoft.com/office/drawing/2014/main" id="{2AF7ECE7-09C1-4659-8248-3F66E46B2270}"/>
+              </a:ext>
+            </a:extLst>
+          </p:cNvPr>
+          <p:cNvPicPr>
+            <a:picLocks noChangeAspect="1" noChangeArrowheads="1"/>
+          </p:cNvPicPr>
+          <p:nvPr userDrawn="1"/>
+        </p:nvPicPr>
+        <p:blipFill>
+          <a:blip r:embed="rId4">
+            <a:extLst>
+              <a:ext uri="{28A0092B-C50C-407E-A947-70E740481C1C}">
+                <a14:useLocalDpi xmlns:a14="http://schemas.microsoft.com/office/drawing/2010/main" val="0"/>
+              </a:ext>
+            </a:extLst>
+          </a:blip>
+          <a:srcRect/>
+          <a:stretch>
+            <a:fillRect/>
+          </a:stretch>
+        </p:blipFill>
+        <p:spPr bwMode="auto">
+          <a:xfrm>
+            <a:off x="8406428" y="4126009"/>
+            <a:ext cx="1619250" cy="571500"/>
+          </a:xfrm>
+          <a:prstGeom prst="rect">
+            <a:avLst/>
+          </a:prstGeom>
+          <a:noFill/>
+          <a:extLst>
+            <a:ext uri="{909E8E84-426E-40DD-AFC4-6F175D3DCCD1}">
+              <a14:hiddenFill xmlns:a14="http://schemas.microsoft.com/office/drawing/2010/main">
+                <a:solidFill>
+                  <a:srgbClr val="FFFFFF"/>
+                </a:solidFill>
+              </a14:hiddenFill>
+            </a:ext>
+          </a:extLst>
+        </p:spPr>
+      </p:pic>
+      <p:pic>
+        <p:nvPicPr>
+          <p:cNvPr id="3080" name="Picture 8" descr="Quest Software (GAP Sponsor)">
+            <a:extLst>
+              <a:ext uri="{FF2B5EF4-FFF2-40B4-BE49-F238E27FC236}">
+                <a16:creationId xmlns:a16="http://schemas.microsoft.com/office/drawing/2014/main" id="{9662600D-1B4E-4881-BD0F-49038FEB9E1D}"/>
+              </a:ext>
+            </a:extLst>
+          </p:cNvPr>
+          <p:cNvPicPr>
+            <a:picLocks noChangeAspect="1" noChangeArrowheads="1"/>
+          </p:cNvPicPr>
+          <p:nvPr userDrawn="1"/>
+        </p:nvPicPr>
+        <p:blipFill>
+          <a:blip r:embed="rId5">
+            <a:extLst>
+              <a:ext uri="{28A0092B-C50C-407E-A947-70E740481C1C}">
+                <a14:useLocalDpi xmlns:a14="http://schemas.microsoft.com/office/drawing/2010/main" val="0"/>
+              </a:ext>
+            </a:extLst>
+          </a:blip>
+          <a:srcRect/>
+          <a:stretch>
+            <a:fillRect/>
+          </a:stretch>
+        </p:blipFill>
+        <p:spPr bwMode="auto">
+          <a:xfrm>
+            <a:off x="6475695" y="4845502"/>
+            <a:ext cx="1619250" cy="571500"/>
+          </a:xfrm>
+          <a:prstGeom prst="rect">
+            <a:avLst/>
+          </a:prstGeom>
+          <a:noFill/>
+          <a:extLst>
+            <a:ext uri="{909E8E84-426E-40DD-AFC4-6F175D3DCCD1}">
+              <a14:hiddenFill xmlns:a14="http://schemas.microsoft.com/office/drawing/2010/main">
+                <a:solidFill>
+                  <a:srgbClr val="FFFFFF"/>
+                </a:solidFill>
+              </a14:hiddenFill>
+            </a:ext>
+          </a:extLst>
+        </p:spPr>
+      </p:pic>
+      <p:pic>
+        <p:nvPicPr>
+          <p:cNvPr id="3082" name="Picture 10" descr="Datamaze">
+            <a:extLst>
+              <a:ext uri="{FF2B5EF4-FFF2-40B4-BE49-F238E27FC236}">
+                <a16:creationId xmlns:a16="http://schemas.microsoft.com/office/drawing/2014/main" id="{D3B5DF13-7309-438B-AF7D-CB64812E647D}"/>
+              </a:ext>
+            </a:extLst>
+          </p:cNvPr>
+          <p:cNvPicPr>
+            <a:picLocks noChangeAspect="1" noChangeArrowheads="1"/>
+          </p:cNvPicPr>
+          <p:nvPr userDrawn="1"/>
+        </p:nvPicPr>
+        <p:blipFill>
+          <a:blip r:embed="rId6">
+            <a:extLst>
+              <a:ext uri="{28A0092B-C50C-407E-A947-70E740481C1C}">
+                <a14:useLocalDpi xmlns:a14="http://schemas.microsoft.com/office/drawing/2010/main" val="0"/>
+              </a:ext>
+            </a:extLst>
+          </a:blip>
+          <a:srcRect/>
+          <a:stretch>
+            <a:fillRect/>
+          </a:stretch>
+        </p:blipFill>
+        <p:spPr bwMode="auto">
+          <a:xfrm>
+            <a:off x="877355" y="3914847"/>
+            <a:ext cx="2286000" cy="809625"/>
+          </a:xfrm>
+          <a:prstGeom prst="rect">
+            <a:avLst/>
+          </a:prstGeom>
+          <a:noFill/>
+          <a:extLst>
+            <a:ext uri="{909E8E84-426E-40DD-AFC4-6F175D3DCCD1}">
+              <a14:hiddenFill xmlns:a14="http://schemas.microsoft.com/office/drawing/2010/main">
+                <a:solidFill>
+                  <a:srgbClr val="FFFFFF"/>
+                </a:solidFill>
+              </a14:hiddenFill>
+            </a:ext>
+          </a:extLst>
+        </p:spPr>
+      </p:pic>
+      <p:pic>
+        <p:nvPicPr>
+          <p:cNvPr id="3084" name="Picture 12" descr="thinkIT">
+            <a:extLst>
+              <a:ext uri="{FF2B5EF4-FFF2-40B4-BE49-F238E27FC236}">
+                <a16:creationId xmlns:a16="http://schemas.microsoft.com/office/drawing/2014/main" id="{2E3FE5E1-05A5-4EE6-99AE-A9209FD4DEFF}"/>
+              </a:ext>
+            </a:extLst>
+          </p:cNvPr>
+          <p:cNvPicPr>
+            <a:picLocks noChangeAspect="1" noChangeArrowheads="1"/>
+          </p:cNvPicPr>
+          <p:nvPr userDrawn="1"/>
+        </p:nvPicPr>
+        <p:blipFill>
+          <a:blip r:embed="rId7">
+            <a:extLst>
+              <a:ext uri="{28A0092B-C50C-407E-A947-70E740481C1C}">
+                <a14:useLocalDpi xmlns:a14="http://schemas.microsoft.com/office/drawing/2010/main" val="0"/>
+              </a:ext>
+            </a:extLst>
+          </a:blip>
+          <a:srcRect/>
+          <a:stretch>
+            <a:fillRect/>
+          </a:stretch>
+        </p:blipFill>
+        <p:spPr bwMode="auto">
+          <a:xfrm>
+            <a:off x="1807075" y="1503935"/>
+            <a:ext cx="1019175" cy="838200"/>
+          </a:xfrm>
+          <a:prstGeom prst="rect">
+            <a:avLst/>
+          </a:prstGeom>
+          <a:noFill/>
+          <a:extLst>
+            <a:ext uri="{909E8E84-426E-40DD-AFC4-6F175D3DCCD1}">
+              <a14:hiddenFill xmlns:a14="http://schemas.microsoft.com/office/drawing/2010/main">
+                <a:solidFill>
+                  <a:srgbClr val="FFFFFF"/>
+                </a:solidFill>
+              </a14:hiddenFill>
+            </a:ext>
+          </a:extLst>
+        </p:spPr>
+      </p:pic>
+      <p:pic>
+        <p:nvPicPr>
+          <p:cNvPr id="3086" name="Picture 14" descr="TimeXtender">
+            <a:extLst>
+              <a:ext uri="{FF2B5EF4-FFF2-40B4-BE49-F238E27FC236}">
+                <a16:creationId xmlns:a16="http://schemas.microsoft.com/office/drawing/2014/main" id="{7F514B4F-394A-4017-88B0-1118A5E74F02}"/>
+              </a:ext>
+            </a:extLst>
+          </p:cNvPr>
+          <p:cNvPicPr>
+            <a:picLocks noChangeAspect="1" noChangeArrowheads="1"/>
+          </p:cNvPicPr>
+          <p:nvPr userDrawn="1"/>
+        </p:nvPicPr>
+        <p:blipFill>
+          <a:blip r:embed="rId8">
+            <a:extLst>
+              <a:ext uri="{28A0092B-C50C-407E-A947-70E740481C1C}">
+                <a14:useLocalDpi xmlns:a14="http://schemas.microsoft.com/office/drawing/2010/main" val="0"/>
+              </a:ext>
+            </a:extLst>
+          </a:blip>
+          <a:srcRect/>
+          <a:stretch>
+            <a:fillRect/>
+          </a:stretch>
+        </p:blipFill>
+        <p:spPr bwMode="auto">
+          <a:xfrm>
+            <a:off x="3961095" y="4128549"/>
+            <a:ext cx="3324225" cy="390525"/>
+          </a:xfrm>
+          <a:prstGeom prst="rect">
+            <a:avLst/>
+          </a:prstGeom>
+          <a:noFill/>
+          <a:extLst>
+            <a:ext uri="{909E8E84-426E-40DD-AFC4-6F175D3DCCD1}">
+              <a14:hiddenFill xmlns:a14="http://schemas.microsoft.com/office/drawing/2010/main">
+                <a:solidFill>
+                  <a:srgbClr val="FFFFFF"/>
+                </a:solidFill>
+              </a14:hiddenFill>
+            </a:ext>
+          </a:extLst>
+        </p:spPr>
+      </p:pic>
+      <p:pic>
+        <p:nvPicPr>
+          <p:cNvPr id="10" name="Picture 6" descr="http://www.security-research-map.eu/files/225.jpg">
+            <a:extLst>
+              <a:ext uri="{FF2B5EF4-FFF2-40B4-BE49-F238E27FC236}">
+                <a16:creationId xmlns:a16="http://schemas.microsoft.com/office/drawing/2014/main" id="{314ED9A4-7D50-4789-9E3C-6BDD1DCE8C6A}"/>
+              </a:ext>
+            </a:extLst>
+          </p:cNvPr>
+          <p:cNvPicPr>
+            <a:picLocks noChangeAspect="1" noChangeArrowheads="1"/>
+          </p:cNvPicPr>
+          <p:nvPr userDrawn="1"/>
+        </p:nvPicPr>
+        <p:blipFill>
+          <a:blip r:embed="rId9">
+            <a:extLst>
+              <a:ext uri="{28A0092B-C50C-407E-A947-70E740481C1C}">
+                <a14:useLocalDpi xmlns:a14="http://schemas.microsoft.com/office/drawing/2010/main" val="0"/>
+              </a:ext>
+            </a:extLst>
+          </a:blip>
+          <a:srcRect/>
+          <a:stretch>
+            <a:fillRect/>
+          </a:stretch>
+        </p:blipFill>
+        <p:spPr bwMode="auto">
+          <a:xfrm>
+            <a:off x="8705357" y="1370298"/>
+            <a:ext cx="827750" cy="1183934"/>
+          </a:xfrm>
+          <a:prstGeom prst="rect">
+            <a:avLst/>
+          </a:prstGeom>
+          <a:noFill/>
+          <a:extLst>
+            <a:ext uri="{909E8E84-426E-40DD-AFC4-6F175D3DCCD1}">
+              <a14:hiddenFill xmlns:a14="http://schemas.microsoft.com/office/drawing/2010/main">
+                <a:solidFill>
+                  <a:srgbClr val="FFFFFF"/>
+                </a:solidFill>
+              </a14:hiddenFill>
+            </a:ext>
+          </a:extLst>
+        </p:spPr>
+      </p:pic>
+      <p:cxnSp>
+        <p:nvCxnSpPr>
+          <p:cNvPr id="4" name="Straight Connector 3">
+            <a:extLst>
+              <a:ext uri="{FF2B5EF4-FFF2-40B4-BE49-F238E27FC236}">
+                <a16:creationId xmlns:a16="http://schemas.microsoft.com/office/drawing/2014/main" id="{03386B52-5D1B-4B5A-B1AD-E071951ACA23}"/>
+              </a:ext>
+            </a:extLst>
+          </p:cNvPr>
+          <p:cNvCxnSpPr/>
+          <p:nvPr userDrawn="1"/>
+        </p:nvCxnSpPr>
+        <p:spPr>
+          <a:xfrm>
+            <a:off x="399673" y="2660104"/>
+            <a:ext cx="10800000" cy="0"/>
+          </a:xfrm>
+          <a:prstGeom prst="line">
+            <a:avLst/>
+          </a:prstGeom>
+          <a:ln w="3175">
+            <a:solidFill>
+              <a:schemeClr val="accent1">
+                <a:alpha val="26000"/>
+              </a:schemeClr>
+            </a:solidFill>
+          </a:ln>
+        </p:spPr>
+        <p:style>
+          <a:lnRef idx="2">
+            <a:schemeClr val="accent1"/>
+          </a:lnRef>
+          <a:fillRef idx="0">
+            <a:schemeClr val="accent1"/>
+          </a:fillRef>
+          <a:effectRef idx="1">
+            <a:schemeClr val="accent1"/>
+          </a:effectRef>
+          <a:fontRef idx="minor">
+            <a:schemeClr val="tx1"/>
+          </a:fontRef>
+        </p:style>
+      </p:cxnSp>
+      <p:cxnSp>
+        <p:nvCxnSpPr>
+          <p:cNvPr id="16" name="Straight Connector 15">
+            <a:extLst>
+              <a:ext uri="{FF2B5EF4-FFF2-40B4-BE49-F238E27FC236}">
+                <a16:creationId xmlns:a16="http://schemas.microsoft.com/office/drawing/2014/main" id="{91957C17-AF2C-49A7-9A27-81C898E57324}"/>
+              </a:ext>
+            </a:extLst>
+          </p:cNvPr>
+          <p:cNvCxnSpPr/>
+          <p:nvPr userDrawn="1"/>
+        </p:nvCxnSpPr>
+        <p:spPr>
+          <a:xfrm>
+            <a:off x="399673" y="3745726"/>
+            <a:ext cx="10800000" cy="0"/>
+          </a:xfrm>
+          <a:prstGeom prst="line">
+            <a:avLst/>
+          </a:prstGeom>
+          <a:ln w="3175">
+            <a:solidFill>
+              <a:schemeClr val="accent1">
+                <a:alpha val="26000"/>
+              </a:schemeClr>
+            </a:solidFill>
+          </a:ln>
+        </p:spPr>
+        <p:style>
+          <a:lnRef idx="2">
+            <a:schemeClr val="accent1"/>
+          </a:lnRef>
+          <a:fillRef idx="0">
+            <a:schemeClr val="accent1"/>
+          </a:fillRef>
+          <a:effectRef idx="1">
+            <a:schemeClr val="accent1"/>
+          </a:effectRef>
+          <a:fontRef idx="minor">
+            <a:schemeClr val="tx1"/>
+          </a:fontRef>
+        </p:style>
+      </p:cxnSp>
+      <p:pic>
+        <p:nvPicPr>
+          <p:cNvPr id="23" name="Picture 22">
+            <a:extLst>
+              <a:ext uri="{FF2B5EF4-FFF2-40B4-BE49-F238E27FC236}">
+                <a16:creationId xmlns:a16="http://schemas.microsoft.com/office/drawing/2014/main" id="{9C561837-1BC2-41EE-9C8E-057DB9F92C55}"/>
+              </a:ext>
+            </a:extLst>
+          </p:cNvPr>
+          <p:cNvPicPr>
+            <a:picLocks noChangeAspect="1"/>
+          </p:cNvPicPr>
+          <p:nvPr userDrawn="1"/>
+        </p:nvPicPr>
+        <p:blipFill rotWithShape="1">
+          <a:blip r:embed="rId10"/>
+          <a:srcRect r="49693"/>
+          <a:stretch/>
+        </p:blipFill>
+        <p:spPr>
+          <a:xfrm>
+            <a:off x="4204030" y="1348923"/>
+            <a:ext cx="2838355" cy="1121435"/>
+          </a:xfrm>
+          <a:prstGeom prst="rect">
+            <a:avLst/>
+          </a:prstGeom>
+        </p:spPr>
+      </p:pic>
+    </p:spTree>
+    <p:extLst>
+      <p:ext uri="{BB962C8B-B14F-4D97-AF65-F5344CB8AC3E}">
+        <p14:creationId xmlns:p14="http://schemas.microsoft.com/office/powerpoint/2010/main" val="590573853"/>
+      </p:ext>
+    </p:extLst>
+  </p:cSld>
+  <p:clrMapOvr>
+    <a:masterClrMapping/>
+  </p:clrMapOvr>
+</p:sldLayout>
+</file>
+
+<file path=ppt/slideLayouts/slideLayout6.xml><?xml version="1.0" encoding="utf-8"?>
+<p:sldLayout xmlns:a="http://schemas.openxmlformats.org/drawingml/2006/main" xmlns:r="http://schemas.openxmlformats.org/officeDocument/2006/relationships" xmlns:p="http://schemas.openxmlformats.org/presentationml/2006/main" preserve="1" userDrawn="1">
+  <p:cSld name="Content Only">
+    <p:spTree>
+      <p:nvGrpSpPr>
+        <p:cNvPr id="1" name=""/>
+        <p:cNvGrpSpPr/>
+        <p:nvPr/>
+      </p:nvGrpSpPr>
+      <p:grpSpPr>
+        <a:xfrm>
+          <a:off x="0" y="0"/>
+          <a:ext cx="0" cy="0"/>
+          <a:chOff x="0" y="0"/>
+          <a:chExt cx="0" cy="0"/>
+        </a:xfrm>
+      </p:grpSpPr>
+      <p:sp>
+        <p:nvSpPr>
+          <p:cNvPr id="3" name="Content Placeholder 2"/>
+          <p:cNvSpPr>
+            <a:spLocks noGrp="1"/>
+          </p:cNvSpPr>
+          <p:nvPr>
+            <p:ph idx="1"/>
+          </p:nvPr>
+        </p:nvSpPr>
+        <p:spPr>
+          <a:xfrm>
+            <a:off x="360125" y="360363"/>
+            <a:ext cx="10800000" cy="5326453"/>
+          </a:xfrm>
+        </p:spPr>
+        <p:txBody>
+          <a:bodyPr/>
+          <a:lstStyle>
+            <a:lvl1pPr marL="0" indent="0">
+              <a:buFont typeface="Wingdings" charset="2"/>
+              <a:buNone/>
+              <a:defRPr>
+                <a:solidFill>
+                  <a:schemeClr val="tx2"/>
+                </a:solidFill>
+              </a:defRPr>
+            </a:lvl1pPr>
+            <a:lvl2pPr marL="576027" indent="0">
+              <a:buFont typeface="Wingdings" charset="2"/>
+              <a:buNone/>
+              <a:defRPr>
+                <a:solidFill>
+                  <a:srgbClr val="474947"/>
+                </a:solidFill>
+              </a:defRPr>
+            </a:lvl2pPr>
+            <a:lvl3pPr marL="1152053" indent="0">
+              <a:buFont typeface="Wingdings" charset="2"/>
+              <a:buNone/>
+              <a:defRPr>
+                <a:solidFill>
+                  <a:srgbClr val="474947"/>
+                </a:solidFill>
+              </a:defRPr>
+            </a:lvl3pPr>
+            <a:lvl4pPr marL="1728079" indent="0">
+              <a:buFont typeface="Wingdings" charset="2"/>
+              <a:buNone/>
+              <a:defRPr>
+                <a:solidFill>
+                  <a:srgbClr val="474947"/>
+                </a:solidFill>
+              </a:defRPr>
+            </a:lvl4pPr>
+            <a:lvl5pPr marL="2304105" indent="0">
+              <a:buFont typeface="Wingdings" charset="2"/>
+              <a:buNone/>
+              <a:defRPr>
+                <a:solidFill>
+                  <a:srgbClr val="474947"/>
+                </a:solidFill>
+              </a:defRPr>
+            </a:lvl5pPr>
+          </a:lstStyle>
+          <a:p>
+            <a:pPr lvl="0"/>
+            <a:r>
+              <a:rPr lang="en-US" dirty="0"/>
+              <a:t>Click to edit Master text styles</a:t>
+            </a:r>
+          </a:p>
+          <a:p>
+            <a:pPr lvl="1"/>
+            <a:r>
+              <a:rPr lang="en-US" dirty="0"/>
+              <a:t>Second level</a:t>
+            </a:r>
+          </a:p>
+          <a:p>
+            <a:pPr lvl="2"/>
+            <a:r>
+              <a:rPr lang="en-US" dirty="0"/>
+              <a:t>Third level</a:t>
+            </a:r>
+          </a:p>
+          <a:p>
+            <a:pPr lvl="3"/>
+            <a:r>
+              <a:rPr lang="en-US" dirty="0"/>
+              <a:t>Fourth level</a:t>
+            </a:r>
+          </a:p>
+          <a:p>
+            <a:pPr lvl="4"/>
+            <a:r>
+              <a:rPr lang="en-US" dirty="0"/>
+              <a:t>Fifth level</a:t>
+            </a:r>
+          </a:p>
+        </p:txBody>
+      </p:sp>
+      <p:pic>
+        <p:nvPicPr>
+          <p:cNvPr id="4" name="Picture 3">
+            <a:extLst>
+              <a:ext uri="{FF2B5EF4-FFF2-40B4-BE49-F238E27FC236}">
+                <a16:creationId xmlns:a16="http://schemas.microsoft.com/office/drawing/2014/main" id="{397981D8-E0E5-4BFF-BD31-4A3614B88A33}"/>
+              </a:ext>
+            </a:extLst>
+          </p:cNvPr>
+          <p:cNvPicPr>
+            <a:picLocks noChangeAspect="1"/>
+          </p:cNvPicPr>
+          <p:nvPr userDrawn="1"/>
+        </p:nvPicPr>
+        <p:blipFill rotWithShape="1">
+          <a:blip r:embed="rId2"/>
+          <a:srcRect r="49693"/>
+          <a:stretch/>
+        </p:blipFill>
+        <p:spPr>
+          <a:xfrm>
+            <a:off x="269973" y="5823598"/>
+            <a:ext cx="1504757" cy="594530"/>
+          </a:xfrm>
+          <a:prstGeom prst="rect">
+            <a:avLst/>
+          </a:prstGeom>
+        </p:spPr>
+      </p:pic>
     </p:spTree>
     <p:extLst>
       <p:ext uri="{BB962C8B-B14F-4D97-AF65-F5344CB8AC3E}">
@@ -1272,7 +2045,7 @@
 </p:sldLayout>
 </file>
 
-<file path=ppt/slideLayouts/slideLayout6.xml><?xml version="1.0" encoding="utf-8"?>
+<file path=ppt/slideLayouts/slideLayout7.xml><?xml version="1.0" encoding="utf-8"?>
 <p:sldLayout xmlns:a="http://schemas.openxmlformats.org/drawingml/2006/main" xmlns:r="http://schemas.openxmlformats.org/officeDocument/2006/relationships" xmlns:p="http://schemas.openxmlformats.org/presentationml/2006/main" type="twoObj" preserve="1">
   <p:cSld name="Two Content">
     <p:spTree>
@@ -1328,7 +2101,7 @@
         <p:spPr>
           <a:xfrm>
             <a:off x="361038" y="1439863"/>
-            <a:ext cx="5397726" cy="4679950"/>
+            <a:ext cx="5397726" cy="4246953"/>
           </a:xfrm>
         </p:spPr>
         <p:txBody>
@@ -1414,7 +2187,7 @@
         <p:spPr>
           <a:xfrm>
             <a:off x="5761038" y="1439863"/>
-            <a:ext cx="5399087" cy="4679950"/>
+            <a:ext cx="5399087" cy="4246953"/>
           </a:xfrm>
         </p:spPr>
         <p:txBody>
@@ -1487,6 +2260,35 @@
           </a:p>
         </p:txBody>
       </p:sp>
+      <p:pic>
+        <p:nvPicPr>
+          <p:cNvPr id="5" name="Picture 4">
+            <a:extLst>
+              <a:ext uri="{FF2B5EF4-FFF2-40B4-BE49-F238E27FC236}">
+                <a16:creationId xmlns:a16="http://schemas.microsoft.com/office/drawing/2014/main" id="{119A93BF-EBAB-44A6-96EC-0A763074C832}"/>
+              </a:ext>
+            </a:extLst>
+          </p:cNvPr>
+          <p:cNvPicPr>
+            <a:picLocks noChangeAspect="1"/>
+          </p:cNvPicPr>
+          <p:nvPr userDrawn="1"/>
+        </p:nvPicPr>
+        <p:blipFill rotWithShape="1">
+          <a:blip r:embed="rId2"/>
+          <a:srcRect r="49693"/>
+          <a:stretch/>
+        </p:blipFill>
+        <p:spPr>
+          <a:xfrm>
+            <a:off x="269973" y="5823598"/>
+            <a:ext cx="1504757" cy="594530"/>
+          </a:xfrm>
+          <a:prstGeom prst="rect">
+            <a:avLst/>
+          </a:prstGeom>
+        </p:spPr>
+      </p:pic>
     </p:spTree>
     <p:extLst>
       <p:ext uri="{BB962C8B-B14F-4D97-AF65-F5344CB8AC3E}">
@@ -1500,7 +2302,7 @@
 </p:sldLayout>
 </file>
 
-<file path=ppt/slideLayouts/slideLayout7.xml><?xml version="1.0" encoding="utf-8"?>
+<file path=ppt/slideLayouts/slideLayout8.xml><?xml version="1.0" encoding="utf-8"?>
 <p:sldLayout xmlns:a="http://schemas.openxmlformats.org/drawingml/2006/main" xmlns:r="http://schemas.openxmlformats.org/officeDocument/2006/relationships" xmlns:p="http://schemas.openxmlformats.org/presentationml/2006/main" type="blank" preserve="1">
   <p:cSld name="Blank">
     <p:spTree>
@@ -1517,6 +2319,35 @@
           <a:chExt cx="0" cy="0"/>
         </a:xfrm>
       </p:grpSpPr>
+      <p:pic>
+        <p:nvPicPr>
+          <p:cNvPr id="2" name="Picture 1">
+            <a:extLst>
+              <a:ext uri="{FF2B5EF4-FFF2-40B4-BE49-F238E27FC236}">
+                <a16:creationId xmlns:a16="http://schemas.microsoft.com/office/drawing/2014/main" id="{AE1A4486-77FD-4561-ADB8-987DF2F05698}"/>
+              </a:ext>
+            </a:extLst>
+          </p:cNvPr>
+          <p:cNvPicPr>
+            <a:picLocks noChangeAspect="1"/>
+          </p:cNvPicPr>
+          <p:nvPr userDrawn="1"/>
+        </p:nvPicPr>
+        <p:blipFill rotWithShape="1">
+          <a:blip r:embed="rId2"/>
+          <a:srcRect r="49693"/>
+          <a:stretch/>
+        </p:blipFill>
+        <p:spPr>
+          <a:xfrm>
+            <a:off x="269973" y="5823598"/>
+            <a:ext cx="1504757" cy="594530"/>
+          </a:xfrm>
+          <a:prstGeom prst="rect">
+            <a:avLst/>
+          </a:prstGeom>
+        </p:spPr>
+      </p:pic>
     </p:spTree>
     <p:extLst>
       <p:ext uri="{BB962C8B-B14F-4D97-AF65-F5344CB8AC3E}">
@@ -1597,7 +2428,7 @@
         <p:spPr>
           <a:xfrm>
             <a:off x="360125" y="1439813"/>
-            <a:ext cx="10800000" cy="4680000"/>
+            <a:ext cx="10800000" cy="4291306"/>
           </a:xfrm>
           <a:prstGeom prst="rect">
             <a:avLst/>
@@ -1671,63 +2502,53 @@
           </a:p>
         </p:txBody>
       </p:sp>
-      <p:graphicFrame>
-        <p:nvGraphicFramePr>
-          <p:cNvPr id="9" name="Object 8"/>
-          <p:cNvGraphicFramePr>
-            <a:graphicFrameLocks noChangeAspect="1"/>
-          </p:cNvGraphicFramePr>
-          <p:nvPr userDrawn="1">
-            <p:extLst>
-              <p:ext uri="{D42A27DB-BD31-4B8C-83A1-F6EECF244321}">
-                <p14:modId xmlns:p14="http://schemas.microsoft.com/office/powerpoint/2010/main" val="1855242954"/>
-              </p:ext>
-            </p:extLst>
-          </p:nvPr>
-        </p:nvGraphicFramePr>
-        <p:xfrm>
-          <a:off x="10713600" y="5940175"/>
-          <a:ext cx="626616" cy="360000"/>
-        </p:xfrm>
-        <a:graphic>
-          <a:graphicData uri="http://schemas.openxmlformats.org/presentationml/2006/ole">
-            <mc:AlternateContent xmlns:mc="http://schemas.openxmlformats.org/markup-compatibility/2006">
-              <mc:Choice xmlns:v="urn:schemas-microsoft-com:vml" Requires="v">
-                <p:oleObj spid="_x0000_s1048" name="Image" r:id="rId10" imgW="2279520" imgH="1310400" progId="Photoshop.Image.18">
-                  <p:embed/>
-                </p:oleObj>
-              </mc:Choice>
-              <mc:Fallback>
-                <p:oleObj name="Image" r:id="rId10" imgW="2279520" imgH="1310400" progId="Photoshop.Image.18">
-                  <p:embed/>
-                  <p:pic>
-                    <p:nvPicPr>
-                      <p:cNvPr id="9" name="Object 8"/>
-                      <p:cNvPicPr/>
-                      <p:nvPr/>
-                    </p:nvPicPr>
-                    <p:blipFill>
-                      <a:blip r:embed="rId11"/>
-                      <a:stretch>
-                        <a:fillRect/>
-                      </a:stretch>
-                    </p:blipFill>
-                    <p:spPr>
-                      <a:xfrm>
-                        <a:off x="10713600" y="5940175"/>
-                        <a:ext cx="626616" cy="360000"/>
-                      </a:xfrm>
-                      <a:prstGeom prst="rect">
-                        <a:avLst/>
-                      </a:prstGeom>
-                    </p:spPr>
-                  </p:pic>
-                </p:oleObj>
-              </mc:Fallback>
-            </mc:AlternateContent>
-          </a:graphicData>
-        </a:graphic>
-      </p:graphicFrame>
+      <p:pic>
+        <p:nvPicPr>
+          <p:cNvPr id="8" name="Picture 2" descr="http://www.sqlsaturday.com/images/sqlsat707_web.png">
+            <a:extLst>
+              <a:ext uri="{FF2B5EF4-FFF2-40B4-BE49-F238E27FC236}">
+                <a16:creationId xmlns:a16="http://schemas.microsoft.com/office/drawing/2014/main" id="{6F2FA913-5A52-42F8-955F-7A9B03F37923}"/>
+              </a:ext>
+            </a:extLst>
+          </p:cNvPr>
+          <p:cNvPicPr>
+            <a:picLocks noChangeAspect="1" noChangeArrowheads="1"/>
+          </p:cNvPicPr>
+          <p:nvPr userDrawn="1"/>
+        </p:nvPicPr>
+        <p:blipFill>
+          <a:blip r:embed="rId10">
+            <a:extLst>
+              <a:ext uri="{28A0092B-C50C-407E-A947-70E740481C1C}">
+                <a14:useLocalDpi xmlns:a14="http://schemas.microsoft.com/office/drawing/2010/main" val="0"/>
+              </a:ext>
+            </a:extLst>
+          </a:blip>
+          <a:srcRect/>
+          <a:stretch>
+            <a:fillRect/>
+          </a:stretch>
+        </p:blipFill>
+        <p:spPr bwMode="auto">
+          <a:xfrm>
+            <a:off x="8798251" y="5731119"/>
+            <a:ext cx="2972757" cy="748144"/>
+          </a:xfrm>
+          <a:prstGeom prst="rect">
+            <a:avLst/>
+          </a:prstGeom>
+          <a:noFill/>
+          <a:extLst>
+            <a:ext uri="{909E8E84-426E-40DD-AFC4-6F175D3DCCD1}">
+              <a14:hiddenFill xmlns:a14="http://schemas.microsoft.com/office/drawing/2010/main">
+                <a:solidFill>
+                  <a:srgbClr val="FFFFFF"/>
+                </a:solidFill>
+              </a14:hiddenFill>
+            </a:ext>
+          </a:extLst>
+        </p:spPr>
+      </p:pic>
     </p:spTree>
     <p:extLst>
       <p:ext uri="{BB962C8B-B14F-4D97-AF65-F5344CB8AC3E}">
@@ -1741,9 +2562,10 @@
     <p:sldLayoutId id="2147483651" r:id="rId2"/>
     <p:sldLayoutId id="2147483650" r:id="rId3"/>
     <p:sldLayoutId id="2147483654" r:id="rId4"/>
-    <p:sldLayoutId id="2147483656" r:id="rId5"/>
-    <p:sldLayoutId id="2147483652" r:id="rId6"/>
-    <p:sldLayoutId id="2147483655" r:id="rId7"/>
+    <p:sldLayoutId id="2147483657" r:id="rId5"/>
+    <p:sldLayoutId id="2147483656" r:id="rId6"/>
+    <p:sldLayoutId id="2147483652" r:id="rId7"/>
+    <p:sldLayoutId id="2147483655" r:id="rId8"/>
   </p:sldLayoutIdLst>
   <p:txStyles>
     <p:titleStyle>
@@ -2068,14 +2890,14 @@
       </p:grpSpPr>
       <p:pic>
         <p:nvPicPr>
-          <p:cNvPr id="2052" name="Picture 4" descr="X6m3TwZo_400x400.jpg (400×400)"/>
+          <p:cNvPr id="4" name="Picture 4" descr="X6m3TwZo_400x400.jpg (400×400)"/>
           <p:cNvPicPr>
             <a:picLocks noChangeAspect="1" noChangeArrowheads="1"/>
           </p:cNvPicPr>
           <p:nvPr/>
         </p:nvPicPr>
         <p:blipFill>
-          <a:blip r:embed="rId3">
+          <a:blip r:embed="rId2">
             <a:extLst>
               <a:ext uri="{28A0092B-C50C-407E-A947-70E740481C1C}">
                 <a14:useLocalDpi xmlns:a14="http://schemas.microsoft.com/office/drawing/2010/main" val="0"/>
@@ -2089,8 +2911,8 @@
         </p:blipFill>
         <p:spPr bwMode="auto">
           <a:xfrm>
-            <a:off x="1206575" y="732135"/>
-            <a:ext cx="4263199" cy="4263199"/>
+            <a:off x="359907" y="748353"/>
+            <a:ext cx="3723220" cy="3723220"/>
           </a:xfrm>
           <a:prstGeom prst="rect">
             <a:avLst/>
@@ -2117,25 +2939,20 @@
             <p:ph type="ctrTitle"/>
           </p:nvPr>
         </p:nvSpPr>
-        <p:spPr>
-          <a:xfrm>
-            <a:off x="329582" y="4821382"/>
-            <a:ext cx="11324862" cy="1504603"/>
-          </a:xfrm>
-        </p:spPr>
+        <p:spPr/>
         <p:txBody>
           <a:bodyPr/>
           <a:lstStyle/>
           <a:p>
             <a:r>
-              <a:rPr lang="en-US" sz="5400" dirty="0" smtClean="0"/>
+              <a:rPr lang="en-US" dirty="0"/>
               <a:t>Introducing </a:t>
             </a:r>
             <a:br>
-              <a:rPr lang="en-US" sz="5400" dirty="0" smtClean="0"/>
+              <a:rPr lang="en-US" dirty="0"/>
             </a:br>
             <a:r>
-              <a:rPr lang="en-US" sz="5400" dirty="0"/>
+              <a:rPr lang="en-US" dirty="0"/>
               <a:t>SQL Operations Studio</a:t>
             </a:r>
             <a:endParaRPr lang="en-US" dirty="0"/>
@@ -2152,12 +2969,7 @@
             <p:ph type="body" sz="quarter" idx="10"/>
           </p:nvPr>
         </p:nvSpPr>
-        <p:spPr>
-          <a:xfrm>
-            <a:off x="329582" y="282631"/>
-            <a:ext cx="3244891" cy="623456"/>
-          </a:xfrm>
-        </p:spPr>
+        <p:spPr/>
         <p:txBody>
           <a:bodyPr/>
           <a:lstStyle/>
@@ -2166,6 +2978,7 @@
               <a:rPr lang="en-US" dirty="0" smtClean="0"/>
               <a:t>Luca Bruni</a:t>
             </a:r>
+            <a:endParaRPr lang="en-US" dirty="0"/>
           </a:p>
         </p:txBody>
       </p:sp>
@@ -2251,11 +3064,7 @@
             <a:graphicFrameLocks noGrp="1"/>
           </p:cNvGraphicFramePr>
           <p:nvPr>
-            <p:extLst>
-              <p:ext uri="{D42A27DB-BD31-4B8C-83A1-F6EECF244321}">
-                <p14:modId xmlns:p14="http://schemas.microsoft.com/office/powerpoint/2010/main" val="4082852779"/>
-              </p:ext>
-            </p:extLst>
+            <p:extLst/>
           </p:nvPr>
         </p:nvGraphicFramePr>
         <p:xfrm>
@@ -2583,7 +3392,7 @@
     </p:spTree>
     <p:extLst>
       <p:ext uri="{BB962C8B-B14F-4D97-AF65-F5344CB8AC3E}">
-        <p14:creationId xmlns:p14="http://schemas.microsoft.com/office/powerpoint/2010/main" val="197211215"/>
+        <p14:creationId xmlns:p14="http://schemas.microsoft.com/office/powerpoint/2010/main" val="3431737624"/>
       </p:ext>
     </p:extLst>
   </p:cSld>
@@ -2861,7 +3670,7 @@
     </p:spTree>
     <p:extLst>
       <p:ext uri="{BB962C8B-B14F-4D97-AF65-F5344CB8AC3E}">
-        <p14:creationId xmlns:p14="http://schemas.microsoft.com/office/powerpoint/2010/main" val="351358291"/>
+        <p14:creationId xmlns:p14="http://schemas.microsoft.com/office/powerpoint/2010/main" val="1535902438"/>
       </p:ext>
     </p:extLst>
   </p:cSld>
@@ -2912,11 +3721,15 @@
           <a:p>
             <a:r>
               <a:rPr lang="en-US" dirty="0" smtClean="0"/>
-              <a:t>Focus del team di </a:t>
-            </a:r>
-            <a:r>
-              <a:rPr lang="en-US" dirty="0" err="1" smtClean="0"/>
-              <a:t>sviluppo</a:t>
+              <a:t>Core </a:t>
+            </a:r>
+            <a:r>
+              <a:rPr lang="en-US" dirty="0" smtClean="0"/>
+              <a:t>functionalities </a:t>
+            </a:r>
+            <a:r>
+              <a:rPr lang="en-US" sz="2800" dirty="0" smtClean="0"/>
+              <a:t>(la parte Dev)</a:t>
             </a:r>
             <a:endParaRPr lang="en-US" dirty="0"/>
           </a:p>
@@ -2932,254 +3745,147 @@
             <p:ph idx="1"/>
           </p:nvPr>
         </p:nvSpPr>
-        <p:spPr/>
+        <p:spPr>
+          <a:xfrm>
+            <a:off x="360125" y="1439813"/>
+            <a:ext cx="10800000" cy="4511044"/>
+          </a:xfrm>
+        </p:spPr>
         <p:txBody>
           <a:bodyPr>
-            <a:normAutofit fontScale="85000" lnSpcReduction="20000"/>
+            <a:noAutofit/>
           </a:bodyPr>
           <a:lstStyle/>
           <a:p>
-            <a:r>
-              <a:rPr lang="en-US" dirty="0" err="1" smtClean="0"/>
-              <a:t>Sviluppo</a:t>
-            </a:r>
-            <a:r>
-              <a:rPr lang="en-US" dirty="0" smtClean="0"/>
+            <a:pPr marL="685800" indent="-685800">
+              <a:buFont typeface="Arial" panose="020B0604020202020204" pitchFamily="34" charset="0"/>
+              <a:buChar char="•"/>
+            </a:pPr>
+            <a:r>
+              <a:rPr lang="en-US" sz="2800" dirty="0" err="1" smtClean="0"/>
+              <a:t>Connettersi</a:t>
+            </a:r>
+            <a:r>
+              <a:rPr lang="en-US" sz="2800" dirty="0" smtClean="0"/>
+              <a:t> a SQL Server</a:t>
+            </a:r>
+          </a:p>
+          <a:p>
+            <a:pPr marL="685800" indent="-685800">
+              <a:buFont typeface="Arial" panose="020B0604020202020204" pitchFamily="34" charset="0"/>
+              <a:buChar char="•"/>
+            </a:pPr>
+            <a:r>
+              <a:rPr lang="en-US" sz="2800" dirty="0" err="1" smtClean="0"/>
+              <a:t>Esplorazione</a:t>
+            </a:r>
+            <a:r>
+              <a:rPr lang="en-US" sz="2800" dirty="0" smtClean="0"/>
               <a:t> </a:t>
             </a:r>
             <a:r>
-              <a:rPr lang="en-US" dirty="0" err="1" smtClean="0"/>
-              <a:t>delle</a:t>
-            </a:r>
-            <a:r>
-              <a:rPr lang="en-US" dirty="0" smtClean="0"/>
-              <a:t> Core Functionalities</a:t>
-            </a:r>
-          </a:p>
-          <a:p>
-            <a:endParaRPr lang="en-US" dirty="0"/>
-          </a:p>
-          <a:p>
-            <a:r>
-              <a:rPr lang="en-US" dirty="0" err="1" smtClean="0"/>
-              <a:t>Sviluppo</a:t>
-            </a:r>
-            <a:r>
-              <a:rPr lang="en-US" dirty="0" smtClean="0"/>
-              <a:t> del </a:t>
-            </a:r>
-            <a:r>
-              <a:rPr lang="en-US" dirty="0" err="1" smtClean="0"/>
-              <a:t>sistema</a:t>
-            </a:r>
-            <a:r>
-              <a:rPr lang="en-US" dirty="0" smtClean="0"/>
-              <a:t> di Extensibility</a:t>
-            </a:r>
-          </a:p>
-          <a:p>
-            <a:endParaRPr lang="en-US" dirty="0"/>
-          </a:p>
-          <a:p>
-            <a:r>
-              <a:rPr lang="en-US" dirty="0" err="1" smtClean="0"/>
-              <a:t>Mettere</a:t>
-            </a:r>
-            <a:r>
-              <a:rPr lang="en-US" dirty="0" smtClean="0"/>
-              <a:t> a </a:t>
-            </a:r>
-            <a:r>
-              <a:rPr lang="en-US" dirty="0" err="1" smtClean="0"/>
-              <a:t>disposizione</a:t>
-            </a:r>
-            <a:r>
-              <a:rPr lang="en-US" dirty="0" smtClean="0"/>
-              <a:t> un </a:t>
-            </a:r>
-            <a:r>
-              <a:rPr lang="en-US" dirty="0" err="1" smtClean="0"/>
-              <a:t>ambiente</a:t>
-            </a:r>
-            <a:r>
-              <a:rPr lang="en-US" dirty="0" smtClean="0"/>
+              <a:rPr lang="en-US" sz="2800" dirty="0" err="1" smtClean="0"/>
+              <a:t>degli</a:t>
+            </a:r>
+            <a:r>
+              <a:rPr lang="en-US" sz="2800" dirty="0" smtClean="0"/>
               <a:t> </a:t>
             </a:r>
             <a:r>
-              <a:rPr lang="en-US" dirty="0" err="1" smtClean="0"/>
-              <a:t>ottimale</a:t>
-            </a:r>
-            <a:r>
-              <a:rPr lang="en-US" dirty="0" smtClean="0"/>
-              <a:t>, stabile e “</a:t>
-            </a:r>
-            <a:r>
-              <a:rPr lang="en-US" dirty="0" err="1" smtClean="0"/>
-              <a:t>ricco</a:t>
-            </a:r>
-            <a:r>
-              <a:rPr lang="en-US" dirty="0" smtClean="0"/>
-              <a:t>” per lo </a:t>
-            </a:r>
-            <a:r>
-              <a:rPr lang="en-US" dirty="0" err="1" smtClean="0"/>
-              <a:t>sviluppo</a:t>
-            </a:r>
-            <a:r>
-              <a:rPr lang="en-US" dirty="0" smtClean="0"/>
-              <a:t> e la </a:t>
-            </a:r>
-            <a:r>
-              <a:rPr lang="en-US" dirty="0" err="1" smtClean="0"/>
-              <a:t>gestione</a:t>
-            </a:r>
-            <a:r>
-              <a:rPr lang="en-US" dirty="0" smtClean="0"/>
+              <a:rPr lang="en-US" sz="2800" dirty="0" err="1" smtClean="0"/>
+              <a:t>oggetti</a:t>
+            </a:r>
+            <a:endParaRPr lang="en-US" sz="2800" dirty="0"/>
+          </a:p>
+          <a:p>
+            <a:pPr marL="685800" indent="-685800">
+              <a:buFont typeface="Arial" panose="020B0604020202020204" pitchFamily="34" charset="0"/>
+              <a:buChar char="•"/>
+            </a:pPr>
+            <a:r>
+              <a:rPr lang="en-US" sz="2800" dirty="0" err="1" smtClean="0"/>
+              <a:t>Intellisense</a:t>
+            </a:r>
+            <a:r>
+              <a:rPr lang="en-US" sz="2800" dirty="0" smtClean="0"/>
               <a:t> </a:t>
             </a:r>
             <a:r>
-              <a:rPr lang="en-US" dirty="0" err="1" smtClean="0"/>
-              <a:t>delle</a:t>
-            </a:r>
-            <a:r>
-              <a:rPr lang="en-US" dirty="0" smtClean="0"/>
+              <a:rPr lang="en-US" sz="2800" dirty="0" smtClean="0"/>
+              <a:t>(</a:t>
+            </a:r>
+            <a:r>
+              <a:rPr lang="en-US" sz="2800" dirty="0" err="1" smtClean="0"/>
+              <a:t>anche</a:t>
+            </a:r>
+            <a:r>
+              <a:rPr lang="en-US" sz="2800" dirty="0" smtClean="0"/>
+              <a:t> per Azure SQLDB)</a:t>
+            </a:r>
+          </a:p>
+          <a:p>
+            <a:pPr marL="685800" indent="-685800">
+              <a:buFont typeface="Arial" panose="020B0604020202020204" pitchFamily="34" charset="0"/>
+              <a:buChar char="•"/>
+            </a:pPr>
+            <a:r>
+              <a:rPr lang="en-US" sz="2800" dirty="0" smtClean="0"/>
+              <a:t>Editing </a:t>
+            </a:r>
+            <a:r>
+              <a:rPr lang="en-US" sz="2800" dirty="0" err="1" smtClean="0"/>
+              <a:t>avanzato</a:t>
+            </a:r>
+            <a:r>
+              <a:rPr lang="en-US" sz="2800" dirty="0" smtClean="0"/>
+              <a:t> per T-SQL</a:t>
+            </a:r>
+          </a:p>
+          <a:p>
+            <a:pPr marL="685800" indent="-685800">
+              <a:buFont typeface="Arial" panose="020B0604020202020204" pitchFamily="34" charset="0"/>
+              <a:buChar char="•"/>
+            </a:pPr>
+            <a:r>
+              <a:rPr lang="en-US" sz="2800" dirty="0" err="1" smtClean="0"/>
+              <a:t>Esecuzione</a:t>
+            </a:r>
+            <a:r>
+              <a:rPr lang="en-US" sz="2800" dirty="0" smtClean="0"/>
               <a:t> </a:t>
             </a:r>
             <a:r>
-              <a:rPr lang="en-US" dirty="0" err="1" smtClean="0"/>
-              <a:t>basi</a:t>
-            </a:r>
-            <a:r>
-              <a:rPr lang="en-US" dirty="0" smtClean="0"/>
+              <a:rPr lang="en-US" sz="2800" dirty="0" smtClean="0"/>
+              <a:t>e </a:t>
+            </a:r>
+            <a:r>
+              <a:rPr lang="en-US" sz="2800" dirty="0" err="1" smtClean="0"/>
+              <a:t>visualizzazione</a:t>
+            </a:r>
+            <a:r>
+              <a:rPr lang="en-US" sz="2800" dirty="0" smtClean="0"/>
               <a:t> </a:t>
             </a:r>
             <a:r>
-              <a:rPr lang="en-US" dirty="0" err="1" smtClean="0"/>
-              <a:t>dati</a:t>
-            </a:r>
-            <a:r>
-              <a:rPr lang="en-US" dirty="0" smtClean="0"/>
+              <a:rPr lang="en-US" sz="2800" dirty="0" err="1" smtClean="0"/>
+              <a:t>dei</a:t>
+            </a:r>
+            <a:r>
+              <a:rPr lang="en-US" sz="2800" dirty="0" smtClean="0"/>
               <a:t> </a:t>
             </a:r>
             <a:r>
-              <a:rPr lang="en-US" dirty="0" err="1" smtClean="0"/>
-              <a:t>attraverso</a:t>
-            </a:r>
-            <a:r>
-              <a:rPr lang="en-US" dirty="0" smtClean="0"/>
-              <a:t> un </a:t>
-            </a:r>
-            <a:r>
-              <a:rPr lang="en-US" dirty="0" err="1" smtClean="0"/>
-              <a:t>sistema</a:t>
-            </a:r>
-            <a:r>
-              <a:rPr lang="en-US" dirty="0" smtClean="0"/>
-              <a:t> </a:t>
-            </a:r>
-            <a:r>
-              <a:rPr lang="en-US" dirty="0" err="1" smtClean="0"/>
-              <a:t>fortemente</a:t>
-            </a:r>
-            <a:r>
-              <a:rPr lang="en-US" dirty="0" smtClean="0"/>
-              <a:t> </a:t>
-            </a:r>
-            <a:r>
-              <a:rPr lang="en-US" dirty="0" err="1" smtClean="0"/>
-              <a:t>orientato</a:t>
-            </a:r>
-            <a:r>
-              <a:rPr lang="en-US" dirty="0" smtClean="0"/>
-              <a:t> </a:t>
-            </a:r>
-            <a:r>
-              <a:rPr lang="en-US" dirty="0" err="1" smtClean="0"/>
-              <a:t>all’estendibilità</a:t>
-            </a:r>
-            <a:r>
-              <a:rPr lang="en-US" dirty="0" smtClean="0"/>
-              <a:t>. </a:t>
-            </a:r>
-          </a:p>
-          <a:p>
-            <a:endParaRPr lang="en-US" dirty="0"/>
-          </a:p>
-          <a:p>
-            <a:r>
-              <a:rPr lang="en-US" dirty="0" err="1" smtClean="0"/>
-              <a:t>Mettere</a:t>
-            </a:r>
-            <a:r>
-              <a:rPr lang="en-US" dirty="0" smtClean="0"/>
-              <a:t> in </a:t>
-            </a:r>
-            <a:r>
-              <a:rPr lang="en-US" dirty="0" err="1" smtClean="0"/>
-              <a:t>grado</a:t>
-            </a:r>
-            <a:r>
-              <a:rPr lang="en-US" dirty="0" smtClean="0"/>
-              <a:t> </a:t>
-            </a:r>
-            <a:r>
-              <a:rPr lang="en-US" dirty="0" err="1" smtClean="0"/>
-              <a:t>chiunque</a:t>
-            </a:r>
-            <a:r>
-              <a:rPr lang="en-US" dirty="0" smtClean="0"/>
-              <a:t> di </a:t>
-            </a:r>
-            <a:r>
-              <a:rPr lang="en-US" dirty="0" err="1" smtClean="0"/>
-              <a:t>poter</a:t>
-            </a:r>
-            <a:r>
-              <a:rPr lang="en-US" dirty="0" smtClean="0"/>
-              <a:t> </a:t>
-            </a:r>
-            <a:r>
-              <a:rPr lang="en-US" dirty="0" err="1" smtClean="0"/>
-              <a:t>sviluppare</a:t>
-            </a:r>
-            <a:r>
-              <a:rPr lang="en-US" dirty="0" smtClean="0"/>
-              <a:t> le </a:t>
-            </a:r>
-            <a:r>
-              <a:rPr lang="en-US" dirty="0" err="1" smtClean="0"/>
-              <a:t>proprie</a:t>
-            </a:r>
-            <a:r>
-              <a:rPr lang="en-US" dirty="0" smtClean="0"/>
-              <a:t> </a:t>
-            </a:r>
-            <a:r>
-              <a:rPr lang="en-US" dirty="0" err="1" smtClean="0"/>
-              <a:t>estensioni</a:t>
-            </a:r>
-            <a:r>
-              <a:rPr lang="en-US" dirty="0" smtClean="0"/>
-              <a:t> (Microsoft </a:t>
-            </a:r>
-            <a:r>
-              <a:rPr lang="en-US" dirty="0" err="1" smtClean="0"/>
-              <a:t>stessa</a:t>
-            </a:r>
-            <a:r>
-              <a:rPr lang="en-US" dirty="0" smtClean="0"/>
-              <a:t>, ISV e community members)</a:t>
-            </a:r>
-          </a:p>
-          <a:p>
-            <a:endParaRPr lang="en-US" dirty="0"/>
+              <a:rPr lang="en-US" sz="2800" dirty="0" err="1" smtClean="0"/>
+              <a:t>risultati</a:t>
+            </a:r>
+            <a:endParaRPr lang="en-US" sz="2800" dirty="0"/>
           </a:p>
         </p:txBody>
       </p:sp>
     </p:spTree>
     <p:extLst>
       <p:ext uri="{BB962C8B-B14F-4D97-AF65-F5344CB8AC3E}">
-        <p14:creationId xmlns:p14="http://schemas.microsoft.com/office/powerpoint/2010/main" val="3328459220"/>
+        <p14:creationId xmlns:p14="http://schemas.microsoft.com/office/powerpoint/2010/main" val="980586463"/>
       </p:ext>
     </p:extLst>
   </p:cSld>
@@ -3215,7 +3921,7 @@
       </p:grpSpPr>
       <p:sp>
         <p:nvSpPr>
-          <p:cNvPr id="18" name="Title 17"/>
+          <p:cNvPr id="2" name="Title 1"/>
           <p:cNvSpPr>
             <a:spLocks noGrp="1"/>
           </p:cNvSpPr>
@@ -3229,183 +3935,24 @@
           <a:lstStyle/>
           <a:p>
             <a:r>
-              <a:rPr lang="en-US" dirty="0" smtClean="0"/>
-              <a:t>Core </a:t>
-            </a:r>
-            <a:r>
-              <a:rPr lang="en-US" dirty="0" smtClean="0"/>
-              <a:t>functionalities</a:t>
-            </a:r>
-            <a:endParaRPr lang="en-US" dirty="0"/>
-          </a:p>
-        </p:txBody>
-      </p:sp>
-      <p:sp>
-        <p:nvSpPr>
-          <p:cNvPr id="19" name="Content Placeholder 18"/>
-          <p:cNvSpPr>
-            <a:spLocks noGrp="1"/>
-          </p:cNvSpPr>
-          <p:nvPr>
-            <p:ph idx="1"/>
-          </p:nvPr>
-        </p:nvSpPr>
-        <p:spPr/>
-        <p:txBody>
-          <a:bodyPr>
-            <a:noAutofit/>
-          </a:bodyPr>
-          <a:lstStyle/>
-          <a:p>
-            <a:pPr marL="685800" indent="-685800">
-              <a:buFont typeface="Arial" panose="020B0604020202020204" pitchFamily="34" charset="0"/>
-              <a:buChar char="•"/>
-            </a:pPr>
-            <a:r>
-              <a:rPr lang="en-US" sz="2800" dirty="0" err="1" smtClean="0"/>
-              <a:t>Connettersi</a:t>
-            </a:r>
-            <a:r>
-              <a:rPr lang="en-US" sz="2800" dirty="0" smtClean="0"/>
-              <a:t> a SQL Server</a:t>
-            </a:r>
-          </a:p>
-          <a:p>
-            <a:pPr marL="685800" indent="-685800">
-              <a:buFont typeface="Arial" panose="020B0604020202020204" pitchFamily="34" charset="0"/>
-              <a:buChar char="•"/>
-            </a:pPr>
-            <a:endParaRPr lang="en-US" sz="2800" dirty="0" smtClean="0"/>
-          </a:p>
-          <a:p>
-            <a:pPr marL="685800" indent="-685800">
-              <a:buFont typeface="Arial" panose="020B0604020202020204" pitchFamily="34" charset="0"/>
-              <a:buChar char="•"/>
-            </a:pPr>
-            <a:r>
-              <a:rPr lang="en-US" sz="2800" dirty="0" err="1" smtClean="0"/>
-              <a:t>Esplorazione</a:t>
-            </a:r>
-            <a:r>
-              <a:rPr lang="en-US" sz="2800" dirty="0" smtClean="0"/>
-              <a:t> </a:t>
-            </a:r>
-            <a:r>
-              <a:rPr lang="en-US" sz="2800" dirty="0" err="1" smtClean="0"/>
-              <a:t>degli</a:t>
-            </a:r>
-            <a:r>
-              <a:rPr lang="en-US" sz="2800" dirty="0" smtClean="0"/>
-              <a:t> </a:t>
-            </a:r>
-            <a:r>
-              <a:rPr lang="en-US" sz="2800" dirty="0" err="1" smtClean="0"/>
-              <a:t>oggetti</a:t>
-            </a:r>
-            <a:endParaRPr lang="en-US" sz="2800" dirty="0"/>
-          </a:p>
-          <a:p>
-            <a:pPr marL="685800" indent="-685800">
-              <a:buFont typeface="Arial" panose="020B0604020202020204" pitchFamily="34" charset="0"/>
-              <a:buChar char="•"/>
-            </a:pPr>
-            <a:endParaRPr lang="en-US" sz="2800" dirty="0" smtClean="0"/>
-          </a:p>
-          <a:p>
-            <a:pPr marL="685800" indent="-685800">
-              <a:buFont typeface="Arial" panose="020B0604020202020204" pitchFamily="34" charset="0"/>
-              <a:buChar char="•"/>
-            </a:pPr>
-            <a:r>
-              <a:rPr lang="en-US" sz="2800" dirty="0" err="1" smtClean="0"/>
-              <a:t>Intellisense</a:t>
-            </a:r>
-            <a:r>
-              <a:rPr lang="en-US" sz="2800" dirty="0" smtClean="0"/>
-              <a:t> (</a:t>
-            </a:r>
-            <a:r>
-              <a:rPr lang="en-US" sz="2800" dirty="0" err="1" smtClean="0"/>
-              <a:t>anche</a:t>
-            </a:r>
-            <a:r>
-              <a:rPr lang="en-US" sz="2800" dirty="0" smtClean="0"/>
-              <a:t> per Azure SQLDB)</a:t>
-            </a:r>
-          </a:p>
-          <a:p>
-            <a:pPr marL="685800" indent="-685800">
-              <a:buFont typeface="Arial" panose="020B0604020202020204" pitchFamily="34" charset="0"/>
-              <a:buChar char="•"/>
-            </a:pPr>
-            <a:endParaRPr lang="en-US" sz="2800" dirty="0" smtClean="0"/>
-          </a:p>
-          <a:p>
-            <a:pPr marL="685800" indent="-685800">
-              <a:buFont typeface="Arial" panose="020B0604020202020204" pitchFamily="34" charset="0"/>
-              <a:buChar char="•"/>
-            </a:pPr>
-            <a:r>
-              <a:rPr lang="en-US" sz="2800" dirty="0" smtClean="0"/>
-              <a:t>Editing </a:t>
-            </a:r>
-            <a:r>
-              <a:rPr lang="en-US" sz="2800" dirty="0" err="1" smtClean="0"/>
-              <a:t>avanzato</a:t>
-            </a:r>
-            <a:r>
-              <a:rPr lang="en-US" sz="2800" dirty="0" smtClean="0"/>
-              <a:t> per T-SQL</a:t>
-            </a:r>
-          </a:p>
-          <a:p>
-            <a:pPr marL="685800" indent="-685800">
-              <a:buFont typeface="Arial" panose="020B0604020202020204" pitchFamily="34" charset="0"/>
-              <a:buChar char="•"/>
-            </a:pPr>
-            <a:endParaRPr lang="en-US" sz="2800" dirty="0" smtClean="0"/>
-          </a:p>
-          <a:p>
-            <a:pPr marL="685800" indent="-685800">
-              <a:buFont typeface="Arial" panose="020B0604020202020204" pitchFamily="34" charset="0"/>
-              <a:buChar char="•"/>
-            </a:pPr>
-            <a:r>
-              <a:rPr lang="en-US" sz="2800" dirty="0" err="1" smtClean="0"/>
-              <a:t>Esecuzione</a:t>
-            </a:r>
-            <a:r>
-              <a:rPr lang="en-US" sz="2800" dirty="0" smtClean="0"/>
-              <a:t> e </a:t>
-            </a:r>
-            <a:r>
-              <a:rPr lang="en-US" sz="2800" dirty="0" err="1" smtClean="0"/>
-              <a:t>visualizzazione</a:t>
-            </a:r>
-            <a:r>
-              <a:rPr lang="en-US" sz="2800" dirty="0" smtClean="0"/>
-              <a:t> </a:t>
-            </a:r>
-            <a:r>
-              <a:rPr lang="en-US" sz="2800" dirty="0" err="1" smtClean="0"/>
-              <a:t>dei</a:t>
-            </a:r>
-            <a:r>
-              <a:rPr lang="en-US" sz="2800" dirty="0" smtClean="0"/>
-              <a:t> </a:t>
-            </a:r>
-            <a:r>
-              <a:rPr lang="en-US" sz="2800" dirty="0" err="1" smtClean="0"/>
-              <a:t>risultati</a:t>
-            </a:r>
-            <a:endParaRPr lang="en-US" sz="2800" dirty="0"/>
+              <a:rPr lang="it-IT" dirty="0" smtClean="0"/>
+              <a:t>DEMO</a:t>
+            </a:r>
+            <a:br>
+              <a:rPr lang="it-IT" dirty="0" smtClean="0"/>
+            </a:br>
+            <a:r>
+              <a:rPr lang="it-IT" sz="3600" dirty="0" smtClean="0"/>
+              <a:t>Core Functionalities</a:t>
+            </a:r>
+            <a:endParaRPr lang="it-IT" dirty="0"/>
           </a:p>
         </p:txBody>
       </p:sp>
     </p:spTree>
     <p:extLst>
       <p:ext uri="{BB962C8B-B14F-4D97-AF65-F5344CB8AC3E}">
-        <p14:creationId xmlns:p14="http://schemas.microsoft.com/office/powerpoint/2010/main" val="1448985056"/>
+        <p14:creationId xmlns:p14="http://schemas.microsoft.com/office/powerpoint/2010/main" val="1824335419"/>
       </p:ext>
     </p:extLst>
   </p:cSld>
@@ -3441,73 +3988,6 @@
       </p:grpSpPr>
       <p:sp>
         <p:nvSpPr>
-          <p:cNvPr id="2" name="Title 1"/>
-          <p:cNvSpPr>
-            <a:spLocks noGrp="1"/>
-          </p:cNvSpPr>
-          <p:nvPr>
-            <p:ph type="title"/>
-          </p:nvPr>
-        </p:nvSpPr>
-        <p:spPr/>
-        <p:txBody>
-          <a:bodyPr/>
-          <a:lstStyle/>
-          <a:p>
-            <a:r>
-              <a:rPr lang="it-IT" dirty="0" smtClean="0"/>
-              <a:t>DEMO</a:t>
-            </a:r>
-            <a:br>
-              <a:rPr lang="it-IT" dirty="0" smtClean="0"/>
-            </a:br>
-            <a:r>
-              <a:rPr lang="it-IT" sz="3600" dirty="0" smtClean="0"/>
-              <a:t>Core Functionalities</a:t>
-            </a:r>
-            <a:endParaRPr lang="it-IT" dirty="0"/>
-          </a:p>
-        </p:txBody>
-      </p:sp>
-    </p:spTree>
-    <p:extLst>
-      <p:ext uri="{BB962C8B-B14F-4D97-AF65-F5344CB8AC3E}">
-        <p14:creationId xmlns:p14="http://schemas.microsoft.com/office/powerpoint/2010/main" val="2993600703"/>
-      </p:ext>
-    </p:extLst>
-  </p:cSld>
-  <p:clrMapOvr>
-    <a:masterClrMapping/>
-  </p:clrMapOvr>
-  <p:timing>
-    <p:tnLst>
-      <p:par>
-        <p:cTn id="1" dur="indefinite" restart="never" nodeType="tmRoot"/>
-      </p:par>
-    </p:tnLst>
-  </p:timing>
-</p:sld>
-</file>
-
-<file path=ppt/slides/slide15.xml><?xml version="1.0" encoding="utf-8"?>
-<p:sld xmlns:a="http://schemas.openxmlformats.org/drawingml/2006/main" xmlns:r="http://schemas.openxmlformats.org/officeDocument/2006/relationships" xmlns:p="http://schemas.openxmlformats.org/presentationml/2006/main">
-  <p:cSld>
-    <p:spTree>
-      <p:nvGrpSpPr>
-        <p:cNvPr id="1" name=""/>
-        <p:cNvGrpSpPr/>
-        <p:nvPr/>
-      </p:nvGrpSpPr>
-      <p:grpSpPr>
-        <a:xfrm>
-          <a:off x="0" y="0"/>
-          <a:ext cx="0" cy="0"/>
-          <a:chOff x="0" y="0"/>
-          <a:chExt cx="0" cy="0"/>
-        </a:xfrm>
-      </p:grpSpPr>
-      <p:sp>
-        <p:nvSpPr>
           <p:cNvPr id="19" name="Content Placeholder 18"/>
           <p:cNvSpPr>
             <a:spLocks noGrp="1"/>
@@ -3703,7 +4183,11 @@
           <a:p>
             <a:r>
               <a:rPr lang="en-US" dirty="0" smtClean="0"/>
-              <a:t>Insights (la parte Ops)</a:t>
+              <a:t>Dashboard &amp; Insights </a:t>
+            </a:r>
+            <a:r>
+              <a:rPr lang="en-US" sz="2800" dirty="0" smtClean="0"/>
+              <a:t>(la parte Ops)</a:t>
             </a:r>
             <a:endParaRPr lang="en-US" dirty="0"/>
           </a:p>
@@ -3753,7 +4237,74 @@
     </p:spTree>
     <p:extLst>
       <p:ext uri="{BB962C8B-B14F-4D97-AF65-F5344CB8AC3E}">
-        <p14:creationId xmlns:p14="http://schemas.microsoft.com/office/powerpoint/2010/main" val="1120356211"/>
+        <p14:creationId xmlns:p14="http://schemas.microsoft.com/office/powerpoint/2010/main" val="3582388964"/>
+      </p:ext>
+    </p:extLst>
+  </p:cSld>
+  <p:clrMapOvr>
+    <a:masterClrMapping/>
+  </p:clrMapOvr>
+  <p:timing>
+    <p:tnLst>
+      <p:par>
+        <p:cTn id="1" dur="indefinite" restart="never" nodeType="tmRoot"/>
+      </p:par>
+    </p:tnLst>
+  </p:timing>
+</p:sld>
+</file>
+
+<file path=ppt/slides/slide15.xml><?xml version="1.0" encoding="utf-8"?>
+<p:sld xmlns:a="http://schemas.openxmlformats.org/drawingml/2006/main" xmlns:r="http://schemas.openxmlformats.org/officeDocument/2006/relationships" xmlns:p="http://schemas.openxmlformats.org/presentationml/2006/main">
+  <p:cSld>
+    <p:spTree>
+      <p:nvGrpSpPr>
+        <p:cNvPr id="1" name=""/>
+        <p:cNvGrpSpPr/>
+        <p:nvPr/>
+      </p:nvGrpSpPr>
+      <p:grpSpPr>
+        <a:xfrm>
+          <a:off x="0" y="0"/>
+          <a:ext cx="0" cy="0"/>
+          <a:chOff x="0" y="0"/>
+          <a:chExt cx="0" cy="0"/>
+        </a:xfrm>
+      </p:grpSpPr>
+      <p:sp>
+        <p:nvSpPr>
+          <p:cNvPr id="2" name="Title 1"/>
+          <p:cNvSpPr>
+            <a:spLocks noGrp="1"/>
+          </p:cNvSpPr>
+          <p:nvPr>
+            <p:ph type="title"/>
+          </p:nvPr>
+        </p:nvSpPr>
+        <p:spPr/>
+        <p:txBody>
+          <a:bodyPr/>
+          <a:lstStyle/>
+          <a:p>
+            <a:r>
+              <a:rPr lang="it-IT" dirty="0" smtClean="0"/>
+              <a:t>DEMO</a:t>
+            </a:r>
+            <a:br>
+              <a:rPr lang="it-IT" dirty="0" smtClean="0"/>
+            </a:br>
+            <a:r>
+              <a:rPr lang="it-IT" sz="3600" dirty="0" smtClean="0"/>
+              <a:t>Insights</a:t>
+            </a:r>
+            <a:endParaRPr lang="it-IT" dirty="0"/>
+          </a:p>
+        </p:txBody>
+      </p:sp>
+    </p:spTree>
+    <p:extLst>
+      <p:ext uri="{BB962C8B-B14F-4D97-AF65-F5344CB8AC3E}">
+        <p14:creationId xmlns:p14="http://schemas.microsoft.com/office/powerpoint/2010/main" val="3683259467"/>
       </p:ext>
     </p:extLst>
   </p:cSld>
@@ -3789,7 +4340,7 @@
       </p:grpSpPr>
       <p:sp>
         <p:nvSpPr>
-          <p:cNvPr id="2" name="Title 1"/>
+          <p:cNvPr id="18" name="Title 17"/>
           <p:cNvSpPr>
             <a:spLocks noGrp="1"/>
           </p:cNvSpPr>
@@ -3803,24 +4354,90 @@
           <a:lstStyle/>
           <a:p>
             <a:r>
-              <a:rPr lang="it-IT" dirty="0" smtClean="0"/>
-              <a:t>DEMO</a:t>
-            </a:r>
-            <a:br>
-              <a:rPr lang="it-IT" dirty="0" smtClean="0"/>
-            </a:br>
-            <a:r>
-              <a:rPr lang="it-IT" sz="3600" dirty="0" smtClean="0"/>
-              <a:t>Insights</a:t>
-            </a:r>
-            <a:endParaRPr lang="it-IT" dirty="0"/>
+              <a:rPr lang="en-US" dirty="0" smtClean="0"/>
+              <a:t>Extensibility</a:t>
+            </a:r>
+            <a:endParaRPr lang="en-US" dirty="0"/>
+          </a:p>
+        </p:txBody>
+      </p:sp>
+      <p:sp>
+        <p:nvSpPr>
+          <p:cNvPr id="19" name="Content Placeholder 18"/>
+          <p:cNvSpPr>
+            <a:spLocks noGrp="1"/>
+          </p:cNvSpPr>
+          <p:nvPr>
+            <p:ph idx="1"/>
+          </p:nvPr>
+        </p:nvSpPr>
+        <p:spPr/>
+        <p:txBody>
+          <a:bodyPr/>
+          <a:lstStyle/>
+          <a:p>
+            <a:r>
+              <a:rPr lang="en-US" dirty="0" smtClean="0"/>
+              <a:t>Insight Extensibility</a:t>
+            </a:r>
+          </a:p>
+          <a:p>
+            <a:endParaRPr lang="en-US" dirty="0"/>
+          </a:p>
+          <a:p>
+            <a:r>
+              <a:rPr lang="en-US" dirty="0" smtClean="0"/>
+              <a:t>UI Extensibility</a:t>
+            </a:r>
+          </a:p>
+          <a:p>
+            <a:endParaRPr lang="en-US" dirty="0" smtClean="0"/>
+          </a:p>
+          <a:p>
+            <a:r>
+              <a:rPr lang="en-US" dirty="0" smtClean="0"/>
+              <a:t>Database Management Protocol (</a:t>
+            </a:r>
+            <a:r>
+              <a:rPr lang="en-US" dirty="0" smtClean="0"/>
+              <a:t>DMP</a:t>
+            </a:r>
+            <a:r>
+              <a:rPr lang="en-US" dirty="0" smtClean="0"/>
+              <a:t>)</a:t>
+            </a:r>
+          </a:p>
+          <a:p>
+            <a:r>
+              <a:rPr lang="en-US" sz="2400" dirty="0">
+                <a:hlinkClick r:id="rId2"/>
+              </a:rPr>
+              <a:t>https://</a:t>
+            </a:r>
+            <a:r>
+              <a:rPr lang="en-US" sz="2400" dirty="0" smtClean="0">
+                <a:hlinkClick r:id="rId2"/>
+              </a:rPr>
+              <a:t>github.com/Microsoft/sqltoolsservice</a:t>
+            </a:r>
+            <a:endParaRPr lang="en-US" dirty="0" smtClean="0"/>
+          </a:p>
+          <a:p>
+            <a:endParaRPr lang="en-US" dirty="0" smtClean="0"/>
+          </a:p>
+          <a:p>
+            <a:pPr marL="571500" indent="-571500">
+              <a:buFont typeface="Arial" panose="020B0604020202020204" pitchFamily="34" charset="0"/>
+              <a:buChar char="•"/>
+            </a:pPr>
+            <a:endParaRPr lang="en-US" dirty="0"/>
           </a:p>
         </p:txBody>
       </p:sp>
     </p:spTree>
     <p:extLst>
       <p:ext uri="{BB962C8B-B14F-4D97-AF65-F5344CB8AC3E}">
-        <p14:creationId xmlns:p14="http://schemas.microsoft.com/office/powerpoint/2010/main" val="4027935791"/>
+        <p14:creationId xmlns:p14="http://schemas.microsoft.com/office/powerpoint/2010/main" val="417046416"/>
       </p:ext>
     </p:extLst>
   </p:cSld>
@@ -3856,7 +4473,7 @@
       </p:grpSpPr>
       <p:sp>
         <p:nvSpPr>
-          <p:cNvPr id="18" name="Title 17"/>
+          <p:cNvPr id="2" name="Title 1"/>
           <p:cNvSpPr>
             <a:spLocks noGrp="1"/>
           </p:cNvSpPr>
@@ -3871,76 +4488,110 @@
           <a:p>
             <a:r>
               <a:rPr lang="en-US" dirty="0" smtClean="0"/>
-              <a:t>Extensibility</a:t>
-            </a:r>
-            <a:endParaRPr lang="en-US" dirty="0"/>
+              <a:t>EPPUR </a:t>
+            </a:r>
+            <a:r>
+              <a:rPr lang="en-US" sz="3600" i="1" dirty="0" err="1" smtClean="0"/>
+              <a:t>qualcosa</a:t>
+            </a:r>
+            <a:r>
+              <a:rPr lang="en-US" sz="3600" i="1" dirty="0" smtClean="0"/>
+              <a:t> </a:t>
+            </a:r>
+            <a:r>
+              <a:rPr lang="en-US" sz="3600" i="1" dirty="0" err="1" smtClean="0"/>
+              <a:t>già</a:t>
+            </a:r>
+            <a:r>
+              <a:rPr lang="en-US" dirty="0" smtClean="0"/>
+              <a:t> SI MUOVE!</a:t>
+            </a:r>
+            <a:endParaRPr lang="it-IT" sz="2800" dirty="0"/>
           </a:p>
         </p:txBody>
       </p:sp>
-      <p:sp>
-        <p:nvSpPr>
-          <p:cNvPr id="19" name="Content Placeholder 18"/>
-          <p:cNvSpPr>
-            <a:spLocks noGrp="1"/>
-          </p:cNvSpPr>
-          <p:nvPr>
-            <p:ph idx="1"/>
-          </p:nvPr>
-        </p:nvSpPr>
-        <p:spPr/>
-        <p:txBody>
-          <a:bodyPr/>
-          <a:lstStyle/>
-          <a:p>
-            <a:r>
-              <a:rPr lang="en-US" dirty="0" smtClean="0"/>
-              <a:t>Insight Extensibility</a:t>
-            </a:r>
-          </a:p>
-          <a:p>
-            <a:endParaRPr lang="en-US" dirty="0"/>
-          </a:p>
-          <a:p>
-            <a:r>
-              <a:rPr lang="en-US" dirty="0" smtClean="0"/>
-              <a:t>UI Extensibility</a:t>
-            </a:r>
-          </a:p>
-          <a:p>
-            <a:endParaRPr lang="en-US" dirty="0" smtClean="0"/>
-          </a:p>
-          <a:p>
-            <a:r>
-              <a:rPr lang="en-US" dirty="0" smtClean="0"/>
-              <a:t>Database Management Protocol (DMP) Extensibility</a:t>
-            </a:r>
-          </a:p>
-          <a:p>
-            <a:pPr marL="571500" indent="-571500">
-              <a:buFont typeface="Arial" panose="020B0604020202020204" pitchFamily="34" charset="0"/>
-              <a:buChar char="•"/>
-            </a:pPr>
-            <a:endParaRPr lang="en-US" dirty="0"/>
-          </a:p>
-        </p:txBody>
-      </p:sp>
+      <p:pic>
+        <p:nvPicPr>
+          <p:cNvPr id="4" name="Picture 3"/>
+          <p:cNvPicPr>
+            <a:picLocks noChangeAspect="1"/>
+          </p:cNvPicPr>
+          <p:nvPr/>
+        </p:nvPicPr>
+        <p:blipFill>
+          <a:blip r:embed="rId2"/>
+          <a:stretch>
+            <a:fillRect/>
+          </a:stretch>
+        </p:blipFill>
+        <p:spPr>
+          <a:xfrm>
+            <a:off x="5270270" y="1932474"/>
+            <a:ext cx="5045350" cy="3382678"/>
+          </a:xfrm>
+          <a:prstGeom prst="rect">
+            <a:avLst/>
+          </a:prstGeom>
+        </p:spPr>
+      </p:pic>
+      <p:pic>
+        <p:nvPicPr>
+          <p:cNvPr id="5" name="Picture 4"/>
+          <p:cNvPicPr>
+            <a:picLocks noChangeAspect="1"/>
+          </p:cNvPicPr>
+          <p:nvPr/>
+        </p:nvPicPr>
+        <p:blipFill>
+          <a:blip r:embed="rId3"/>
+          <a:stretch>
+            <a:fillRect/>
+          </a:stretch>
+        </p:blipFill>
+        <p:spPr>
+          <a:xfrm>
+            <a:off x="361038" y="1206403"/>
+            <a:ext cx="3784889" cy="1718327"/>
+          </a:xfrm>
+          <a:prstGeom prst="rect">
+            <a:avLst/>
+          </a:prstGeom>
+        </p:spPr>
+      </p:pic>
+      <p:pic>
+        <p:nvPicPr>
+          <p:cNvPr id="6" name="Picture 5"/>
+          <p:cNvPicPr>
+            <a:picLocks noChangeAspect="1"/>
+          </p:cNvPicPr>
+          <p:nvPr/>
+        </p:nvPicPr>
+        <p:blipFill>
+          <a:blip r:embed="rId4"/>
+          <a:stretch>
+            <a:fillRect/>
+          </a:stretch>
+        </p:blipFill>
+        <p:spPr>
+          <a:xfrm>
+            <a:off x="340822" y="3050771"/>
+            <a:ext cx="3805105" cy="2630044"/>
+          </a:xfrm>
+          <a:prstGeom prst="rect">
+            <a:avLst/>
+          </a:prstGeom>
+        </p:spPr>
+      </p:pic>
     </p:spTree>
     <p:extLst>
       <p:ext uri="{BB962C8B-B14F-4D97-AF65-F5344CB8AC3E}">
-        <p14:creationId xmlns:p14="http://schemas.microsoft.com/office/powerpoint/2010/main" val="2286132528"/>
+        <p14:creationId xmlns:p14="http://schemas.microsoft.com/office/powerpoint/2010/main" val="1136174596"/>
       </p:ext>
     </p:extLst>
   </p:cSld>
   <p:clrMapOvr>
     <a:masterClrMapping/>
   </p:clrMapOvr>
-  <p:timing>
-    <p:tnLst>
-      <p:par>
-        <p:cTn id="1" dur="indefinite" restart="never" nodeType="tmRoot"/>
-      </p:par>
-    </p:tnLst>
-  </p:timing>
 </p:sld>
 </file>
 
@@ -3994,7 +4645,7 @@
     </p:spTree>
     <p:extLst>
       <p:ext uri="{BB962C8B-B14F-4D97-AF65-F5344CB8AC3E}">
-        <p14:creationId xmlns:p14="http://schemas.microsoft.com/office/powerpoint/2010/main" val="1526354462"/>
+        <p14:creationId xmlns:p14="http://schemas.microsoft.com/office/powerpoint/2010/main" val="2821259824"/>
       </p:ext>
     </p:extLst>
   </p:cSld>
@@ -4030,7 +4681,7 @@
       </p:grpSpPr>
       <p:sp>
         <p:nvSpPr>
-          <p:cNvPr id="18" name="Title 17"/>
+          <p:cNvPr id="2" name="Title 1"/>
           <p:cNvSpPr>
             <a:spLocks noGrp="1"/>
           </p:cNvSpPr>
@@ -4045,187 +4696,8 @@
           <a:p>
             <a:r>
               <a:rPr lang="en-US" dirty="0" err="1" smtClean="0"/>
-              <a:t>Prospettive</a:t>
-            </a:r>
-            <a:r>
-              <a:rPr lang="en-US" dirty="0" smtClean="0"/>
-              <a:t> future e </a:t>
-            </a:r>
-            <a:r>
-              <a:rPr lang="en-US" dirty="0" err="1" smtClean="0"/>
-              <a:t>domande</a:t>
-            </a:r>
-            <a:r>
-              <a:rPr lang="en-US" dirty="0" smtClean="0"/>
-              <a:t> </a:t>
-            </a:r>
-            <a:r>
-              <a:rPr lang="en-US" dirty="0" err="1" smtClean="0"/>
-              <a:t>comuni</a:t>
-            </a:r>
-            <a:endParaRPr lang="en-US" dirty="0"/>
-          </a:p>
-        </p:txBody>
-      </p:sp>
-      <p:sp>
-        <p:nvSpPr>
-          <p:cNvPr id="19" name="Content Placeholder 18"/>
-          <p:cNvSpPr>
-            <a:spLocks noGrp="1"/>
-          </p:cNvSpPr>
-          <p:nvPr>
-            <p:ph idx="1"/>
-          </p:nvPr>
-        </p:nvSpPr>
-        <p:spPr/>
-        <p:txBody>
-          <a:bodyPr>
-            <a:normAutofit/>
-          </a:bodyPr>
-          <a:lstStyle/>
-          <a:p>
-            <a:r>
-              <a:rPr lang="en-US" dirty="0" err="1" smtClean="0"/>
-              <a:t>Indicativamente</a:t>
-            </a:r>
-            <a:r>
-              <a:rPr lang="en-US" dirty="0" smtClean="0"/>
-              <a:t> </a:t>
-            </a:r>
-            <a:r>
-              <a:rPr lang="en-US" dirty="0" err="1" smtClean="0"/>
-              <a:t>una</a:t>
-            </a:r>
-            <a:r>
-              <a:rPr lang="en-US" dirty="0" smtClean="0"/>
-              <a:t> release al </a:t>
-            </a:r>
-            <a:r>
-              <a:rPr lang="en-US" dirty="0" err="1" smtClean="0"/>
-              <a:t>mese</a:t>
-            </a:r>
-            <a:endParaRPr lang="en-US" dirty="0" smtClean="0"/>
-          </a:p>
-          <a:p>
-            <a:endParaRPr lang="en-US" dirty="0" smtClean="0"/>
-          </a:p>
-          <a:p>
-            <a:r>
-              <a:rPr lang="en-US" dirty="0" smtClean="0"/>
-              <a:t>E </a:t>
-            </a:r>
-            <a:r>
-              <a:rPr lang="en-US" dirty="0" err="1" smtClean="0"/>
-              <a:t>quando</a:t>
-            </a:r>
-            <a:r>
-              <a:rPr lang="en-US" dirty="0" smtClean="0"/>
-              <a:t> la GA? … </a:t>
-            </a:r>
-          </a:p>
-          <a:p>
-            <a:r>
-              <a:rPr lang="en-US" dirty="0" smtClean="0"/>
-              <a:t>In via </a:t>
-            </a:r>
-            <a:r>
-              <a:rPr lang="en-US" dirty="0" err="1" smtClean="0"/>
-              <a:t>ufficiosa</a:t>
-            </a:r>
-            <a:r>
-              <a:rPr lang="en-US" dirty="0" smtClean="0"/>
-              <a:t> </a:t>
-            </a:r>
-            <a:r>
-              <a:rPr lang="en-US" dirty="0" err="1" smtClean="0"/>
-              <a:t>tra</a:t>
-            </a:r>
-            <a:r>
-              <a:rPr lang="en-US" dirty="0" smtClean="0"/>
-              <a:t> </a:t>
-            </a:r>
-            <a:r>
-              <a:rPr lang="en-US" dirty="0" err="1" smtClean="0"/>
-              <a:t>Aprile</a:t>
-            </a:r>
-            <a:r>
-              <a:rPr lang="en-US" dirty="0" smtClean="0"/>
-              <a:t> e </a:t>
-            </a:r>
-            <a:r>
-              <a:rPr lang="en-US" dirty="0" err="1" smtClean="0"/>
-              <a:t>Giugno</a:t>
-            </a:r>
-            <a:r>
-              <a:rPr lang="en-US" dirty="0" smtClean="0"/>
-              <a:t>.. (??)</a:t>
-            </a:r>
-            <a:endParaRPr lang="en-US" dirty="0"/>
-          </a:p>
-          <a:p>
-            <a:endParaRPr lang="en-US" dirty="0" smtClean="0"/>
-          </a:p>
-          <a:p>
-            <a:r>
-              <a:rPr lang="en-US" dirty="0" smtClean="0"/>
-              <a:t>SQL </a:t>
-            </a:r>
-            <a:r>
-              <a:rPr lang="en-US" dirty="0" smtClean="0"/>
-              <a:t>Ops Studio </a:t>
-            </a:r>
-            <a:r>
-              <a:rPr lang="en-US" dirty="0" err="1" smtClean="0"/>
-              <a:t>sostituirà</a:t>
-            </a:r>
-            <a:r>
-              <a:rPr lang="en-US" dirty="0" smtClean="0"/>
-              <a:t> SSMS?</a:t>
-            </a:r>
-          </a:p>
-          <a:p>
-            <a:r>
-              <a:rPr lang="en-US" dirty="0" err="1" smtClean="0"/>
-              <a:t>Che</a:t>
-            </a:r>
-            <a:r>
-              <a:rPr lang="en-US" dirty="0" smtClean="0"/>
-              <a:t> ne è </a:t>
-            </a:r>
-            <a:r>
-              <a:rPr lang="en-US" dirty="0" err="1" smtClean="0"/>
-              <a:t>delle</a:t>
-            </a:r>
-            <a:r>
-              <a:rPr lang="en-US" dirty="0" smtClean="0"/>
-              <a:t> </a:t>
-            </a:r>
-            <a:r>
-              <a:rPr lang="en-US" dirty="0" err="1" smtClean="0"/>
-              <a:t>altre</a:t>
-            </a:r>
-            <a:r>
-              <a:rPr lang="en-US" dirty="0" smtClean="0"/>
-              <a:t> </a:t>
-            </a:r>
-            <a:r>
-              <a:rPr lang="en-US" dirty="0" err="1" smtClean="0"/>
-              <a:t>componenti</a:t>
-            </a:r>
-            <a:r>
-              <a:rPr lang="en-US" dirty="0" smtClean="0"/>
-              <a:t> (SSRS, SSIS, </a:t>
-            </a:r>
-            <a:r>
-              <a:rPr lang="en-US" dirty="0" err="1" smtClean="0"/>
-              <a:t>etc</a:t>
-            </a:r>
-            <a:r>
-              <a:rPr lang="en-US" dirty="0" smtClean="0"/>
-              <a:t>) ?</a:t>
-            </a:r>
-          </a:p>
-          <a:p>
+              <a:t>Conclusioni</a:t>
+            </a:r>
             <a:endParaRPr lang="en-US" dirty="0"/>
           </a:p>
         </p:txBody>
@@ -4233,20 +4705,13 @@
     </p:spTree>
     <p:extLst>
       <p:ext uri="{BB962C8B-B14F-4D97-AF65-F5344CB8AC3E}">
-        <p14:creationId xmlns:p14="http://schemas.microsoft.com/office/powerpoint/2010/main" val="4239411042"/>
+        <p14:creationId xmlns:p14="http://schemas.microsoft.com/office/powerpoint/2010/main" val="416632458"/>
       </p:ext>
     </p:extLst>
   </p:cSld>
   <p:clrMapOvr>
     <a:masterClrMapping/>
   </p:clrMapOvr>
-  <p:timing>
-    <p:tnLst>
-      <p:par>
-        <p:cTn id="1" dur="indefinite" restart="never" nodeType="tmRoot"/>
-      </p:par>
-    </p:tnLst>
-  </p:timing>
 </p:sld>
 </file>
 
@@ -4269,7 +4734,13 @@
       </p:grpSpPr>
       <p:sp>
         <p:nvSpPr>
-          <p:cNvPr id="4" name="Title 3"/>
+          <p:cNvPr id="3" name="Title 2">
+            <a:extLst>
+              <a:ext uri="{FF2B5EF4-FFF2-40B4-BE49-F238E27FC236}">
+                <a16:creationId xmlns:a16="http://schemas.microsoft.com/office/drawing/2014/main" id="{076E1894-9F6B-4181-A582-1E7EDF3748CA}"/>
+              </a:ext>
+            </a:extLst>
+          </p:cNvPr>
           <p:cNvSpPr>
             <a:spLocks noGrp="1"/>
           </p:cNvSpPr>
@@ -4283,364 +4754,16 @@
           <a:lstStyle/>
           <a:p>
             <a:r>
-              <a:rPr lang="en-US" dirty="0"/>
+              <a:rPr lang="it-IT" dirty="0"/>
               <a:t>Sponsor</a:t>
             </a:r>
           </a:p>
         </p:txBody>
       </p:sp>
-      <p:pic>
-        <p:nvPicPr>
-          <p:cNvPr id="3" name="Picture 2"/>
-          <p:cNvPicPr>
-            <a:picLocks noChangeAspect="1"/>
-          </p:cNvPicPr>
-          <p:nvPr/>
-        </p:nvPicPr>
-        <p:blipFill>
-          <a:blip r:embed="rId2">
-            <a:extLst>
-              <a:ext uri="{28A0092B-C50C-407E-A947-70E740481C1C}">
-                <a14:useLocalDpi xmlns:a14="http://schemas.microsoft.com/office/drawing/2010/main" val="0"/>
-              </a:ext>
-            </a:extLst>
-          </a:blip>
-          <a:stretch>
-            <a:fillRect/>
-          </a:stretch>
-        </p:blipFill>
-        <p:spPr>
-          <a:xfrm>
-            <a:off x="8594640" y="1734925"/>
-            <a:ext cx="2162409" cy="1268613"/>
-          </a:xfrm>
-          <a:prstGeom prst="rect">
-            <a:avLst/>
-          </a:prstGeom>
-        </p:spPr>
-      </p:pic>
-      <p:pic>
-        <p:nvPicPr>
-          <p:cNvPr id="5" name="Picture 4"/>
-          <p:cNvPicPr>
-            <a:picLocks noChangeAspect="1"/>
-          </p:cNvPicPr>
-          <p:nvPr/>
-        </p:nvPicPr>
-        <p:blipFill>
-          <a:blip r:embed="rId3">
-            <a:clrChange>
-              <a:clrFrom>
-                <a:srgbClr val="FFFFFF"/>
-              </a:clrFrom>
-              <a:clrTo>
-                <a:srgbClr val="FFFFFF">
-                  <a:alpha val="0"/>
-                </a:srgbClr>
-              </a:clrTo>
-            </a:clrChange>
-            <a:extLst>
-              <a:ext uri="{28A0092B-C50C-407E-A947-70E740481C1C}">
-                <a14:useLocalDpi xmlns:a14="http://schemas.microsoft.com/office/drawing/2010/main" val="0"/>
-              </a:ext>
-            </a:extLst>
-          </a:blip>
-          <a:stretch>
-            <a:fillRect/>
-          </a:stretch>
-        </p:blipFill>
-        <p:spPr>
-          <a:xfrm>
-            <a:off x="2880718" y="2645821"/>
-            <a:ext cx="2696752" cy="1604002"/>
-          </a:xfrm>
-          <a:prstGeom prst="rect">
-            <a:avLst/>
-          </a:prstGeom>
-        </p:spPr>
-      </p:pic>
-      <p:pic>
-        <p:nvPicPr>
-          <p:cNvPr id="6" name="Picture 5"/>
-          <p:cNvPicPr>
-            <a:picLocks noChangeAspect="1"/>
-          </p:cNvPicPr>
-          <p:nvPr/>
-        </p:nvPicPr>
-        <p:blipFill>
-          <a:blip r:embed="rId4">
-            <a:extLst>
-              <a:ext uri="{28A0092B-C50C-407E-A947-70E740481C1C}">
-                <a14:useLocalDpi xmlns:a14="http://schemas.microsoft.com/office/drawing/2010/main" val="0"/>
-              </a:ext>
-            </a:extLst>
-          </a:blip>
-          <a:stretch>
-            <a:fillRect/>
-          </a:stretch>
-        </p:blipFill>
-        <p:spPr>
-          <a:xfrm>
-            <a:off x="3286707" y="4900493"/>
-            <a:ext cx="2136024" cy="506385"/>
-          </a:xfrm>
-          <a:prstGeom prst="rect">
-            <a:avLst/>
-          </a:prstGeom>
-        </p:spPr>
-      </p:pic>
-      <p:pic>
-        <p:nvPicPr>
-          <p:cNvPr id="8" name="Picture 7"/>
-          <p:cNvPicPr>
-            <a:picLocks noChangeAspect="1"/>
-          </p:cNvPicPr>
-          <p:nvPr/>
-        </p:nvPicPr>
-        <p:blipFill>
-          <a:blip r:embed="rId5">
-            <a:extLst>
-              <a:ext uri="{28A0092B-C50C-407E-A947-70E740481C1C}">
-                <a14:useLocalDpi xmlns:a14="http://schemas.microsoft.com/office/drawing/2010/main" val="0"/>
-              </a:ext>
-            </a:extLst>
-          </a:blip>
-          <a:stretch>
-            <a:fillRect/>
-          </a:stretch>
-        </p:blipFill>
-        <p:spPr>
-          <a:xfrm>
-            <a:off x="1008600" y="3297882"/>
-            <a:ext cx="1872118" cy="720436"/>
-          </a:xfrm>
-          <a:prstGeom prst="rect">
-            <a:avLst/>
-          </a:prstGeom>
-        </p:spPr>
-      </p:pic>
-      <p:pic>
-        <p:nvPicPr>
-          <p:cNvPr id="10" name="Picture 9"/>
-          <p:cNvPicPr>
-            <a:picLocks noChangeAspect="1"/>
-          </p:cNvPicPr>
-          <p:nvPr/>
-        </p:nvPicPr>
-        <p:blipFill>
-          <a:blip r:embed="rId6">
-            <a:extLst>
-              <a:ext uri="{28A0092B-C50C-407E-A947-70E740481C1C}">
-                <a14:useLocalDpi xmlns:a14="http://schemas.microsoft.com/office/drawing/2010/main" val="0"/>
-              </a:ext>
-            </a:extLst>
-          </a:blip>
-          <a:stretch>
-            <a:fillRect/>
-          </a:stretch>
-        </p:blipFill>
-        <p:spPr>
-          <a:xfrm>
-            <a:off x="8379473" y="3428836"/>
-            <a:ext cx="2377576" cy="589482"/>
-          </a:xfrm>
-          <a:prstGeom prst="rect">
-            <a:avLst/>
-          </a:prstGeom>
-        </p:spPr>
-      </p:pic>
-      <p:pic>
-        <p:nvPicPr>
-          <p:cNvPr id="11" name="Picture 10"/>
-          <p:cNvPicPr>
-            <a:picLocks noChangeAspect="1"/>
-          </p:cNvPicPr>
-          <p:nvPr/>
-        </p:nvPicPr>
-        <p:blipFill>
-          <a:blip r:embed="rId7">
-            <a:clrChange>
-              <a:clrFrom>
-                <a:srgbClr val="FFFFFF"/>
-              </a:clrFrom>
-              <a:clrTo>
-                <a:srgbClr val="FFFFFF">
-                  <a:alpha val="0"/>
-                </a:srgbClr>
-              </a:clrTo>
-            </a:clrChange>
-            <a:extLst>
-              <a:ext uri="{28A0092B-C50C-407E-A947-70E740481C1C}">
-                <a14:useLocalDpi xmlns:a14="http://schemas.microsoft.com/office/drawing/2010/main" val="0"/>
-              </a:ext>
-            </a:extLst>
-          </a:blip>
-          <a:stretch>
-            <a:fillRect/>
-          </a:stretch>
-        </p:blipFill>
-        <p:spPr>
-          <a:xfrm>
-            <a:off x="3398035" y="1429024"/>
-            <a:ext cx="4487347" cy="1104010"/>
-          </a:xfrm>
-          <a:prstGeom prst="rect">
-            <a:avLst/>
-          </a:prstGeom>
-        </p:spPr>
-      </p:pic>
-      <p:pic>
-        <p:nvPicPr>
-          <p:cNvPr id="12" name="Picture 11"/>
-          <p:cNvPicPr>
-            <a:picLocks noChangeAspect="1"/>
-          </p:cNvPicPr>
-          <p:nvPr/>
-        </p:nvPicPr>
-        <p:blipFill>
-          <a:blip r:embed="rId8">
-            <a:extLst>
-              <a:ext uri="{28A0092B-C50C-407E-A947-70E740481C1C}">
-                <a14:useLocalDpi xmlns:a14="http://schemas.microsoft.com/office/drawing/2010/main" val="0"/>
-              </a:ext>
-            </a:extLst>
-          </a:blip>
-          <a:stretch>
-            <a:fillRect/>
-          </a:stretch>
-        </p:blipFill>
-        <p:spPr>
-          <a:xfrm>
-            <a:off x="5577470" y="3197077"/>
-            <a:ext cx="2431030" cy="582761"/>
-          </a:xfrm>
-          <a:prstGeom prst="rect">
-            <a:avLst/>
-          </a:prstGeom>
-        </p:spPr>
-      </p:pic>
-      <p:pic>
-        <p:nvPicPr>
-          <p:cNvPr id="16" name="Picture 15"/>
-          <p:cNvPicPr>
-            <a:picLocks noChangeAspect="1"/>
-          </p:cNvPicPr>
-          <p:nvPr/>
-        </p:nvPicPr>
-        <p:blipFill>
-          <a:blip r:embed="rId9">
-            <a:clrChange>
-              <a:clrFrom>
-                <a:srgbClr val="FFFFFF"/>
-              </a:clrFrom>
-              <a:clrTo>
-                <a:srgbClr val="FFFFFF">
-                  <a:alpha val="0"/>
-                </a:srgbClr>
-              </a:clrTo>
-            </a:clrChange>
-            <a:extLst>
-              <a:ext uri="{28A0092B-C50C-407E-A947-70E740481C1C}">
-                <a14:useLocalDpi xmlns:a14="http://schemas.microsoft.com/office/drawing/2010/main" val="0"/>
-              </a:ext>
-            </a:extLst>
-          </a:blip>
-          <a:stretch>
-            <a:fillRect/>
-          </a:stretch>
-        </p:blipFill>
-        <p:spPr>
-          <a:xfrm>
-            <a:off x="6030376" y="4900493"/>
-            <a:ext cx="1855006" cy="506385"/>
-          </a:xfrm>
-          <a:prstGeom prst="rect">
-            <a:avLst/>
-          </a:prstGeom>
-        </p:spPr>
-      </p:pic>
-      <p:pic>
-        <p:nvPicPr>
-          <p:cNvPr id="17" name="Picture 16"/>
-          <p:cNvPicPr>
-            <a:picLocks noChangeAspect="1"/>
-          </p:cNvPicPr>
-          <p:nvPr/>
-        </p:nvPicPr>
-        <p:blipFill>
-          <a:blip r:embed="rId10">
-            <a:extLst>
-              <a:ext uri="{28A0092B-C50C-407E-A947-70E740481C1C}">
-                <a14:useLocalDpi xmlns:a14="http://schemas.microsoft.com/office/drawing/2010/main" val="0"/>
-              </a:ext>
-            </a:extLst>
-          </a:blip>
-          <a:stretch>
-            <a:fillRect/>
-          </a:stretch>
-        </p:blipFill>
-        <p:spPr>
-          <a:xfrm>
-            <a:off x="1039440" y="1439863"/>
-            <a:ext cx="1611164" cy="1573180"/>
-          </a:xfrm>
-          <a:prstGeom prst="rect">
-            <a:avLst/>
-          </a:prstGeom>
-        </p:spPr>
-      </p:pic>
-      <p:pic>
-        <p:nvPicPr>
-          <p:cNvPr id="18" name="Picture 17"/>
-          <p:cNvPicPr>
-            <a:picLocks noChangeAspect="1"/>
-          </p:cNvPicPr>
-          <p:nvPr/>
-        </p:nvPicPr>
-        <p:blipFill>
-          <a:blip r:embed="rId11"/>
-          <a:stretch>
-            <a:fillRect/>
-          </a:stretch>
-        </p:blipFill>
-        <p:spPr>
-          <a:xfrm>
-            <a:off x="8493027" y="4935218"/>
-            <a:ext cx="2264022" cy="392068"/>
-          </a:xfrm>
-          <a:prstGeom prst="rect">
-            <a:avLst/>
-          </a:prstGeom>
-        </p:spPr>
-      </p:pic>
-      <p:pic>
-        <p:nvPicPr>
-          <p:cNvPr id="19" name="Picture 18"/>
-          <p:cNvPicPr>
-            <a:picLocks noChangeAspect="1"/>
-          </p:cNvPicPr>
-          <p:nvPr/>
-        </p:nvPicPr>
-        <p:blipFill>
-          <a:blip r:embed="rId12"/>
-          <a:stretch>
-            <a:fillRect/>
-          </a:stretch>
-        </p:blipFill>
-        <p:spPr>
-          <a:xfrm>
-            <a:off x="903050" y="4902610"/>
-            <a:ext cx="1977668" cy="482551"/>
-          </a:xfrm>
-          <a:prstGeom prst="rect">
-            <a:avLst/>
-          </a:prstGeom>
-        </p:spPr>
-      </p:pic>
     </p:spTree>
     <p:extLst>
       <p:ext uri="{BB962C8B-B14F-4D97-AF65-F5344CB8AC3E}">
-        <p14:creationId xmlns:p14="http://schemas.microsoft.com/office/powerpoint/2010/main" val="1584176230"/>
+        <p14:creationId xmlns:p14="http://schemas.microsoft.com/office/powerpoint/2010/main" val="1237612111"/>
       </p:ext>
     </p:extLst>
   </p:cSld>
@@ -4676,7 +4799,7 @@
       </p:grpSpPr>
       <p:sp>
         <p:nvSpPr>
-          <p:cNvPr id="2" name="Title 1"/>
+          <p:cNvPr id="18" name="Title 17"/>
           <p:cNvSpPr>
             <a:spLocks noGrp="1"/>
           </p:cNvSpPr>
@@ -4690,15 +4813,16 @@
           <a:lstStyle/>
           <a:p>
             <a:r>
-              <a:rPr lang="en-US" dirty="0"/>
-              <a:t>Q&amp;A</a:t>
-            </a:r>
+              <a:rPr lang="en-US" dirty="0" smtClean="0"/>
+              <a:t>Recap</a:t>
+            </a:r>
+            <a:endParaRPr lang="en-US" dirty="0"/>
           </a:p>
         </p:txBody>
       </p:sp>
       <p:sp>
         <p:nvSpPr>
-          <p:cNvPr id="3" name="Content Placeholder 2"/>
+          <p:cNvPr id="19" name="Content Placeholder 18"/>
           <p:cNvSpPr>
             <a:spLocks noGrp="1"/>
           </p:cNvSpPr>
@@ -4706,82 +4830,21 @@
             <p:ph idx="1"/>
           </p:nvPr>
         </p:nvSpPr>
-        <p:spPr>
-          <a:prstGeom prst="rect">
-            <a:avLst/>
-          </a:prstGeom>
-        </p:spPr>
+        <p:spPr/>
         <p:txBody>
-          <a:bodyPr/>
+          <a:bodyPr>
+            <a:normAutofit/>
+          </a:bodyPr>
           <a:lstStyle/>
           <a:p>
-            <a:r>
-              <a:rPr lang="it-IT" sz="2646" dirty="0" smtClean="0"/>
-              <a:t>Domande?</a:t>
-            </a:r>
-            <a:endParaRPr lang="it-IT" sz="2646" dirty="0"/>
-          </a:p>
-          <a:p>
-            <a:endParaRPr lang="en-US" sz="2646" dirty="0" smtClean="0"/>
-          </a:p>
-          <a:p>
-            <a:endParaRPr lang="en-US" sz="2646" dirty="0"/>
-          </a:p>
-          <a:p>
-            <a:endParaRPr lang="en-US" sz="2646" dirty="0" smtClean="0"/>
-          </a:p>
-          <a:p>
-            <a:endParaRPr lang="it-IT" sz="2646" dirty="0"/>
-          </a:p>
-          <a:p>
-            <a:r>
-              <a:rPr lang="en-US" sz="2800" dirty="0" err="1"/>
-              <a:t>eMail</a:t>
-            </a:r>
-            <a:r>
-              <a:rPr lang="en-US" sz="2800" dirty="0"/>
-              <a:t>: </a:t>
-            </a:r>
-            <a:r>
-              <a:rPr lang="en-US" sz="2800" dirty="0">
-                <a:hlinkClick r:id="rId2"/>
-              </a:rPr>
-              <a:t>mrg3d@hotmail.com</a:t>
-            </a:r>
-            <a:endParaRPr lang="en-US" sz="2800" dirty="0"/>
-          </a:p>
-          <a:p>
-            <a:r>
-              <a:rPr lang="en-US" sz="2800" dirty="0"/>
-              <a:t>twitter: @mrg3d</a:t>
-            </a:r>
-          </a:p>
-          <a:p>
-            <a:r>
-              <a:rPr lang="en-US" sz="2800" dirty="0" err="1"/>
-              <a:t>linkedIn</a:t>
-            </a:r>
-            <a:r>
-              <a:rPr lang="en-US" sz="2800" dirty="0"/>
-              <a:t>: </a:t>
-            </a:r>
-            <a:r>
-              <a:rPr lang="en-US" sz="2800" dirty="0">
-                <a:hlinkClick r:id="rId3"/>
-              </a:rPr>
-              <a:t>https://www.linkedin.com/in/mrg3d/</a:t>
-            </a:r>
-            <a:endParaRPr lang="en-US" sz="2800" dirty="0"/>
-          </a:p>
-          <a:p>
-            <a:endParaRPr lang="en-US" sz="2268" dirty="0"/>
+            <a:endParaRPr lang="en-US" dirty="0"/>
           </a:p>
         </p:txBody>
       </p:sp>
     </p:spTree>
     <p:extLst>
       <p:ext uri="{BB962C8B-B14F-4D97-AF65-F5344CB8AC3E}">
-        <p14:creationId xmlns:p14="http://schemas.microsoft.com/office/powerpoint/2010/main" val="1060822790"/>
+        <p14:creationId xmlns:p14="http://schemas.microsoft.com/office/powerpoint/2010/main" val="1290525693"/>
       </p:ext>
     </p:extLst>
   </p:cSld>
@@ -4817,43 +4880,289 @@
       </p:grpSpPr>
       <p:sp>
         <p:nvSpPr>
-          <p:cNvPr id="4" name="Segnaposto contenuto 3"/>
+          <p:cNvPr id="18" name="Title 17"/>
           <p:cNvSpPr>
             <a:spLocks noGrp="1"/>
           </p:cNvSpPr>
           <p:nvPr>
-            <p:ph idx="4294967295"/>
+            <p:ph type="title"/>
           </p:nvPr>
         </p:nvSpPr>
-        <p:spPr>
-          <a:xfrm>
-            <a:off x="0" y="1439863"/>
-            <a:ext cx="11520488" cy="4679950"/>
-          </a:xfrm>
-        </p:spPr>
+        <p:spPr/>
         <p:txBody>
-          <a:bodyPr anchor="ctr">
-            <a:normAutofit/>
+          <a:bodyPr/>
+          <a:lstStyle/>
+          <a:p>
+            <a:r>
+              <a:rPr lang="en-US" dirty="0" smtClean="0"/>
+              <a:t>Focus del team di </a:t>
+            </a:r>
+            <a:r>
+              <a:rPr lang="en-US" dirty="0" err="1" smtClean="0"/>
+              <a:t>sviluppo</a:t>
+            </a:r>
+            <a:endParaRPr lang="en-US" dirty="0"/>
+          </a:p>
+        </p:txBody>
+      </p:sp>
+      <p:sp>
+        <p:nvSpPr>
+          <p:cNvPr id="19" name="Content Placeholder 18"/>
+          <p:cNvSpPr>
+            <a:spLocks noGrp="1"/>
+          </p:cNvSpPr>
+          <p:nvPr>
+            <p:ph idx="1"/>
+          </p:nvPr>
+        </p:nvSpPr>
+        <p:spPr/>
+        <p:txBody>
+          <a:bodyPr>
+            <a:normAutofit fontScale="77500" lnSpcReduction="20000"/>
           </a:bodyPr>
           <a:lstStyle/>
           <a:p>
-            <a:pPr algn="ctr"/>
-            <a:endParaRPr lang="it-IT" sz="4536" dirty="0" smtClean="0"/>
-          </a:p>
-          <a:p>
-            <a:pPr algn="ctr"/>
-            <a:r>
-              <a:rPr lang="it-IT" sz="4536" dirty="0" smtClean="0"/>
-              <a:t>Grazie per l’attenzione</a:t>
-            </a:r>
-            <a:endParaRPr lang="it-IT" sz="4536" dirty="0"/>
+            <a:r>
+              <a:rPr lang="en-US" dirty="0" err="1" smtClean="0"/>
+              <a:t>Sviluppo</a:t>
+            </a:r>
+            <a:r>
+              <a:rPr lang="en-US" dirty="0" smtClean="0"/>
+              <a:t> </a:t>
+            </a:r>
+            <a:r>
+              <a:rPr lang="en-US" dirty="0" err="1" smtClean="0"/>
+              <a:t>delle</a:t>
+            </a:r>
+            <a:r>
+              <a:rPr lang="en-US" dirty="0" smtClean="0"/>
+              <a:t> Core Functionalities</a:t>
+            </a:r>
+          </a:p>
+          <a:p>
+            <a:endParaRPr lang="en-US" dirty="0"/>
+          </a:p>
+          <a:p>
+            <a:r>
+              <a:rPr lang="en-US" dirty="0" err="1" smtClean="0"/>
+              <a:t>Sviluppo</a:t>
+            </a:r>
+            <a:r>
+              <a:rPr lang="en-US" dirty="0" smtClean="0"/>
+              <a:t> del </a:t>
+            </a:r>
+            <a:r>
+              <a:rPr lang="en-US" dirty="0" err="1" smtClean="0"/>
+              <a:t>sistema</a:t>
+            </a:r>
+            <a:r>
+              <a:rPr lang="en-US" dirty="0" smtClean="0"/>
+              <a:t> di Extensibility</a:t>
+            </a:r>
+          </a:p>
+          <a:p>
+            <a:endParaRPr lang="en-US" dirty="0"/>
+          </a:p>
+          <a:p>
+            <a:r>
+              <a:rPr lang="en-US" dirty="0" err="1" smtClean="0"/>
+              <a:t>Mettere</a:t>
+            </a:r>
+            <a:r>
+              <a:rPr lang="en-US" dirty="0" smtClean="0"/>
+              <a:t> a </a:t>
+            </a:r>
+            <a:r>
+              <a:rPr lang="en-US" dirty="0" err="1" smtClean="0"/>
+              <a:t>disposizione</a:t>
+            </a:r>
+            <a:r>
+              <a:rPr lang="en-US" dirty="0" smtClean="0"/>
+              <a:t> un </a:t>
+            </a:r>
+            <a:r>
+              <a:rPr lang="en-US" dirty="0" err="1" smtClean="0"/>
+              <a:t>ambiente</a:t>
+            </a:r>
+            <a:r>
+              <a:rPr lang="en-US" dirty="0" smtClean="0"/>
+              <a:t> </a:t>
+            </a:r>
+            <a:r>
+              <a:rPr lang="en-US" dirty="0" err="1" smtClean="0"/>
+              <a:t>ottimale</a:t>
+            </a:r>
+            <a:r>
+              <a:rPr lang="en-US" dirty="0" smtClean="0"/>
+              <a:t>, stabile e “</a:t>
+            </a:r>
+            <a:r>
+              <a:rPr lang="en-US" dirty="0" err="1" smtClean="0"/>
+              <a:t>ricco</a:t>
+            </a:r>
+            <a:r>
+              <a:rPr lang="en-US" dirty="0" smtClean="0"/>
+              <a:t>” per lo </a:t>
+            </a:r>
+            <a:r>
+              <a:rPr lang="en-US" dirty="0" err="1" smtClean="0"/>
+              <a:t>sviluppo</a:t>
+            </a:r>
+            <a:r>
+              <a:rPr lang="en-US" dirty="0" smtClean="0"/>
+              <a:t> e la </a:t>
+            </a:r>
+            <a:r>
+              <a:rPr lang="en-US" dirty="0" err="1" smtClean="0"/>
+              <a:t>gestione</a:t>
+            </a:r>
+            <a:r>
+              <a:rPr lang="en-US" dirty="0" smtClean="0"/>
+              <a:t> </a:t>
+            </a:r>
+            <a:r>
+              <a:rPr lang="en-US" dirty="0" err="1" smtClean="0"/>
+              <a:t>delle</a:t>
+            </a:r>
+            <a:r>
+              <a:rPr lang="en-US" dirty="0" smtClean="0"/>
+              <a:t> </a:t>
+            </a:r>
+            <a:r>
+              <a:rPr lang="en-US" dirty="0" err="1" smtClean="0"/>
+              <a:t>basi</a:t>
+            </a:r>
+            <a:r>
+              <a:rPr lang="en-US" dirty="0" smtClean="0"/>
+              <a:t> </a:t>
+            </a:r>
+            <a:r>
+              <a:rPr lang="en-US" dirty="0" err="1" smtClean="0"/>
+              <a:t>dati</a:t>
+            </a:r>
+            <a:r>
+              <a:rPr lang="en-US" dirty="0" smtClean="0"/>
+              <a:t> </a:t>
+            </a:r>
+            <a:r>
+              <a:rPr lang="en-US" dirty="0" err="1" smtClean="0"/>
+              <a:t>attraverso</a:t>
+            </a:r>
+            <a:r>
+              <a:rPr lang="en-US" dirty="0" smtClean="0"/>
+              <a:t> un </a:t>
+            </a:r>
+            <a:r>
+              <a:rPr lang="en-US" dirty="0" err="1" smtClean="0"/>
+              <a:t>sistema</a:t>
+            </a:r>
+            <a:r>
+              <a:rPr lang="en-US" dirty="0" smtClean="0"/>
+              <a:t> </a:t>
+            </a:r>
+            <a:r>
+              <a:rPr lang="en-US" dirty="0" err="1" smtClean="0"/>
+              <a:t>fortemente</a:t>
+            </a:r>
+            <a:r>
+              <a:rPr lang="en-US" dirty="0" smtClean="0"/>
+              <a:t> </a:t>
+            </a:r>
+            <a:r>
+              <a:rPr lang="en-US" dirty="0" err="1" smtClean="0"/>
+              <a:t>orientato</a:t>
+            </a:r>
+            <a:r>
+              <a:rPr lang="en-US" dirty="0" smtClean="0"/>
+              <a:t> </a:t>
+            </a:r>
+            <a:r>
+              <a:rPr lang="en-US" dirty="0" err="1" smtClean="0"/>
+              <a:t>all’estendibilità</a:t>
+            </a:r>
+            <a:r>
+              <a:rPr lang="en-US" dirty="0" smtClean="0"/>
+              <a:t>. </a:t>
+            </a:r>
+          </a:p>
+          <a:p>
+            <a:endParaRPr lang="en-US" dirty="0"/>
+          </a:p>
+          <a:p>
+            <a:r>
+              <a:rPr lang="en-US" dirty="0" err="1" smtClean="0"/>
+              <a:t>Mettere</a:t>
+            </a:r>
+            <a:r>
+              <a:rPr lang="en-US" dirty="0" smtClean="0"/>
+              <a:t> in </a:t>
+            </a:r>
+            <a:r>
+              <a:rPr lang="en-US" dirty="0" err="1" smtClean="0"/>
+              <a:t>grado</a:t>
+            </a:r>
+            <a:r>
+              <a:rPr lang="en-US" dirty="0" smtClean="0"/>
+              <a:t> </a:t>
+            </a:r>
+            <a:r>
+              <a:rPr lang="en-US" dirty="0" err="1" smtClean="0"/>
+              <a:t>chiunque</a:t>
+            </a:r>
+            <a:r>
+              <a:rPr lang="en-US" dirty="0" smtClean="0"/>
+              <a:t> di </a:t>
+            </a:r>
+            <a:r>
+              <a:rPr lang="en-US" dirty="0" err="1" smtClean="0"/>
+              <a:t>poter</a:t>
+            </a:r>
+            <a:r>
+              <a:rPr lang="en-US" dirty="0" smtClean="0"/>
+              <a:t> </a:t>
+            </a:r>
+            <a:r>
+              <a:rPr lang="en-US" dirty="0" err="1" smtClean="0"/>
+              <a:t>sviluppare</a:t>
+            </a:r>
+            <a:r>
+              <a:rPr lang="en-US" dirty="0" smtClean="0"/>
+              <a:t> le </a:t>
+            </a:r>
+            <a:r>
+              <a:rPr lang="en-US" dirty="0" err="1" smtClean="0"/>
+              <a:t>proprie</a:t>
+            </a:r>
+            <a:r>
+              <a:rPr lang="en-US" dirty="0" smtClean="0"/>
+              <a:t> </a:t>
+            </a:r>
+            <a:r>
+              <a:rPr lang="en-US" dirty="0" err="1" smtClean="0"/>
+              <a:t>estensioni</a:t>
+            </a:r>
+            <a:r>
+              <a:rPr lang="en-US" dirty="0" smtClean="0"/>
+              <a:t> (Microsoft </a:t>
+            </a:r>
+            <a:r>
+              <a:rPr lang="en-US" dirty="0" err="1" smtClean="0"/>
+              <a:t>stessa</a:t>
+            </a:r>
+            <a:r>
+              <a:rPr lang="en-US" dirty="0" smtClean="0"/>
+              <a:t>, ISV e community members)</a:t>
+            </a:r>
+          </a:p>
+          <a:p>
+            <a:endParaRPr lang="en-US" dirty="0"/>
           </a:p>
         </p:txBody>
       </p:sp>
     </p:spTree>
     <p:extLst>
       <p:ext uri="{BB962C8B-B14F-4D97-AF65-F5344CB8AC3E}">
-        <p14:creationId xmlns:p14="http://schemas.microsoft.com/office/powerpoint/2010/main" val="2663609033"/>
+        <p14:creationId xmlns:p14="http://schemas.microsoft.com/office/powerpoint/2010/main" val="751609766"/>
       </p:ext>
     </p:extLst>
   </p:cSld>
@@ -4870,360 +5179,7 @@
 </p:sld>
 </file>
 
-<file path=ppt/slides/slide3.xml><?xml version="1.0" encoding="utf-8"?>
-<p:sld xmlns:a="http://schemas.openxmlformats.org/drawingml/2006/main" xmlns:r="http://schemas.openxmlformats.org/officeDocument/2006/relationships" xmlns:p="http://schemas.openxmlformats.org/presentationml/2006/main">
-  <p:cSld>
-    <p:spTree>
-      <p:nvGrpSpPr>
-        <p:cNvPr id="1" name=""/>
-        <p:cNvGrpSpPr/>
-        <p:nvPr/>
-      </p:nvGrpSpPr>
-      <p:grpSpPr>
-        <a:xfrm>
-          <a:off x="0" y="0"/>
-          <a:ext cx="0" cy="0"/>
-          <a:chOff x="0" y="0"/>
-          <a:chExt cx="0" cy="0"/>
-        </a:xfrm>
-      </p:grpSpPr>
-      <p:sp>
-        <p:nvSpPr>
-          <p:cNvPr id="4" name="Title 3"/>
-          <p:cNvSpPr>
-            <a:spLocks noGrp="1"/>
-          </p:cNvSpPr>
-          <p:nvPr>
-            <p:ph type="title"/>
-          </p:nvPr>
-        </p:nvSpPr>
-        <p:spPr/>
-        <p:txBody>
-          <a:bodyPr/>
-          <a:lstStyle/>
-          <a:p>
-            <a:r>
-              <a:rPr lang="en-US" dirty="0" err="1"/>
-              <a:t>Organizzatori</a:t>
-            </a:r>
-            <a:endParaRPr lang="en-US" dirty="0"/>
-          </a:p>
-        </p:txBody>
-      </p:sp>
-      <p:pic>
-        <p:nvPicPr>
-          <p:cNvPr id="2" name="Picture 1"/>
-          <p:cNvPicPr>
-            <a:picLocks noChangeAspect="1"/>
-          </p:cNvPicPr>
-          <p:nvPr/>
-        </p:nvPicPr>
-        <p:blipFill>
-          <a:blip r:embed="rId2">
-            <a:extLst>
-              <a:ext uri="{28A0092B-C50C-407E-A947-70E740481C1C}">
-                <a14:useLocalDpi xmlns:a14="http://schemas.microsoft.com/office/drawing/2010/main" val="0"/>
-              </a:ext>
-            </a:extLst>
-          </a:blip>
-          <a:stretch>
-            <a:fillRect/>
-          </a:stretch>
-        </p:blipFill>
-        <p:spPr>
-          <a:xfrm>
-            <a:off x="4298695" y="4347937"/>
-            <a:ext cx="2730720" cy="1335892"/>
-          </a:xfrm>
-          <a:prstGeom prst="rect">
-            <a:avLst/>
-          </a:prstGeom>
-        </p:spPr>
-      </p:pic>
-      <p:pic>
-        <p:nvPicPr>
-          <p:cNvPr id="7" name="Picture 6"/>
-          <p:cNvPicPr>
-            <a:picLocks noChangeAspect="1"/>
-          </p:cNvPicPr>
-          <p:nvPr/>
-        </p:nvPicPr>
-        <p:blipFill>
-          <a:blip r:embed="rId3">
-            <a:extLst>
-              <a:ext uri="{28A0092B-C50C-407E-A947-70E740481C1C}">
-                <a14:useLocalDpi xmlns:a14="http://schemas.microsoft.com/office/drawing/2010/main" val="0"/>
-              </a:ext>
-            </a:extLst>
-          </a:blip>
-          <a:stretch>
-            <a:fillRect/>
-          </a:stretch>
-        </p:blipFill>
-        <p:spPr>
-          <a:xfrm>
-            <a:off x="950202" y="4517288"/>
-            <a:ext cx="3073977" cy="922193"/>
-          </a:xfrm>
-          <a:prstGeom prst="rect">
-            <a:avLst/>
-          </a:prstGeom>
-        </p:spPr>
-      </p:pic>
-      <p:pic>
-        <p:nvPicPr>
-          <p:cNvPr id="16" name="Picture 15"/>
-          <p:cNvPicPr>
-            <a:picLocks noChangeAspect="1"/>
-          </p:cNvPicPr>
-          <p:nvPr/>
-        </p:nvPicPr>
-        <p:blipFill>
-          <a:blip r:embed="rId4">
-            <a:extLst>
-              <a:ext uri="{28A0092B-C50C-407E-A947-70E740481C1C}">
-                <a14:useLocalDpi xmlns:a14="http://schemas.microsoft.com/office/drawing/2010/main" val="0"/>
-              </a:ext>
-            </a:extLst>
-          </a:blip>
-          <a:stretch>
-            <a:fillRect/>
-          </a:stretch>
-        </p:blipFill>
-        <p:spPr>
-          <a:xfrm>
-            <a:off x="3603384" y="1457975"/>
-            <a:ext cx="1843691" cy="1800225"/>
-          </a:xfrm>
-          <a:prstGeom prst="rect">
-            <a:avLst/>
-          </a:prstGeom>
-        </p:spPr>
-      </p:pic>
-      <p:grpSp>
-        <p:nvGrpSpPr>
-          <p:cNvPr id="17" name="Group 16"/>
-          <p:cNvGrpSpPr/>
-          <p:nvPr/>
-        </p:nvGrpSpPr>
-        <p:grpSpPr>
-          <a:xfrm>
-            <a:off x="950202" y="1439863"/>
-            <a:ext cx="1953921" cy="1800225"/>
-            <a:chOff x="1261641" y="1211407"/>
-            <a:chExt cx="2737791" cy="2522435"/>
-          </a:xfrm>
-        </p:grpSpPr>
-        <p:pic>
-          <p:nvPicPr>
-            <p:cNvPr id="18" name="Picture 17"/>
-            <p:cNvPicPr>
-              <a:picLocks noChangeAspect="1"/>
-            </p:cNvPicPr>
-            <p:nvPr/>
-          </p:nvPicPr>
-          <p:blipFill>
-            <a:blip r:embed="rId5">
-              <a:extLst>
-                <a:ext uri="{28A0092B-C50C-407E-A947-70E740481C1C}">
-                  <a14:useLocalDpi xmlns:a14="http://schemas.microsoft.com/office/drawing/2010/main" val="0"/>
-                </a:ext>
-              </a:extLst>
-            </a:blip>
-            <a:stretch>
-              <a:fillRect/>
-            </a:stretch>
-          </p:blipFill>
-          <p:spPr>
-            <a:xfrm>
-              <a:off x="1370635" y="1211407"/>
-              <a:ext cx="2522435" cy="2522435"/>
-            </a:xfrm>
-            <a:prstGeom prst="rect">
-              <a:avLst/>
-            </a:prstGeom>
-          </p:spPr>
-        </p:pic>
-        <p:sp>
-          <p:nvSpPr>
-            <p:cNvPr id="19" name="TextBox 18"/>
-            <p:cNvSpPr txBox="1"/>
-            <p:nvPr/>
-          </p:nvSpPr>
-          <p:spPr>
-            <a:xfrm>
-              <a:off x="1261641" y="3179844"/>
-              <a:ext cx="2737791" cy="517500"/>
-            </a:xfrm>
-            <a:prstGeom prst="rect">
-              <a:avLst/>
-            </a:prstGeom>
-            <a:noFill/>
-          </p:spPr>
-          <p:txBody>
-            <a:bodyPr wrap="square" rtlCol="0">
-              <a:spAutoFit/>
-            </a:bodyPr>
-            <a:lstStyle/>
-            <a:p>
-              <a:r>
-                <a:rPr lang="en-US" dirty="0" err="1">
-                  <a:solidFill>
-                    <a:schemeClr val="bg1">
-                      <a:lumMod val="10000"/>
-                    </a:schemeClr>
-                  </a:solidFill>
-                </a:rPr>
-                <a:t>GetLatestVersion.it</a:t>
-              </a:r>
-              <a:endParaRPr lang="en-US" sz="2200" dirty="0">
-                <a:solidFill>
-                  <a:schemeClr val="bg1">
-                    <a:lumMod val="10000"/>
-                  </a:schemeClr>
-                </a:solidFill>
-              </a:endParaRPr>
-            </a:p>
-          </p:txBody>
-        </p:sp>
-      </p:grpSp>
-      <p:pic>
-        <p:nvPicPr>
-          <p:cNvPr id="20" name="Picture 19"/>
-          <p:cNvPicPr>
-            <a:picLocks noChangeAspect="1"/>
-          </p:cNvPicPr>
-          <p:nvPr/>
-        </p:nvPicPr>
-        <p:blipFill>
-          <a:blip r:embed="rId6">
-            <a:clrChange>
-              <a:clrFrom>
-                <a:srgbClr val="FFFFFF"/>
-              </a:clrFrom>
-              <a:clrTo>
-                <a:srgbClr val="FFFFFF">
-                  <a:alpha val="0"/>
-                </a:srgbClr>
-              </a:clrTo>
-            </a:clrChange>
-          </a:blip>
-          <a:stretch>
-            <a:fillRect/>
-          </a:stretch>
-        </p:blipFill>
-        <p:spPr>
-          <a:xfrm>
-            <a:off x="6222245" y="1647681"/>
-            <a:ext cx="1808305" cy="1808305"/>
-          </a:xfrm>
-          <a:prstGeom prst="rect">
-            <a:avLst/>
-          </a:prstGeom>
-        </p:spPr>
-      </p:pic>
-      <p:pic>
-        <p:nvPicPr>
-          <p:cNvPr id="22" name="Picture 21"/>
-          <p:cNvPicPr>
-            <a:picLocks noChangeAspect="1"/>
-          </p:cNvPicPr>
-          <p:nvPr/>
-        </p:nvPicPr>
-        <p:blipFill>
-          <a:blip r:embed="rId7">
-            <a:clrChange>
-              <a:clrFrom>
-                <a:srgbClr val="FFFFFF"/>
-              </a:clrFrom>
-              <a:clrTo>
-                <a:srgbClr val="FFFFFF">
-                  <a:alpha val="0"/>
-                </a:srgbClr>
-              </a:clrTo>
-            </a:clrChange>
-            <a:extLst>
-              <a:ext uri="{28A0092B-C50C-407E-A947-70E740481C1C}">
-                <a14:useLocalDpi xmlns:a14="http://schemas.microsoft.com/office/drawing/2010/main" val="0"/>
-              </a:ext>
-            </a:extLst>
-          </a:blip>
-          <a:stretch>
-            <a:fillRect/>
-          </a:stretch>
-        </p:blipFill>
-        <p:spPr>
-          <a:xfrm>
-            <a:off x="8381509" y="1272204"/>
-            <a:ext cx="2475207" cy="2475207"/>
-          </a:xfrm>
-          <a:prstGeom prst="rect">
-            <a:avLst/>
-          </a:prstGeom>
-        </p:spPr>
-      </p:pic>
-      <p:pic>
-        <p:nvPicPr>
-          <p:cNvPr id="5" name="Picture 4">
-            <a:extLst>
-              <a:ext uri="{FF2B5EF4-FFF2-40B4-BE49-F238E27FC236}">
-                <a16:creationId xmlns:a16="http://schemas.microsoft.com/office/drawing/2014/main" id="{CFCC8E81-33EA-4198-8DA1-71A63BF67B22}"/>
-              </a:ext>
-            </a:extLst>
-          </p:cNvPr>
-          <p:cNvPicPr>
-            <a:picLocks noChangeAspect="1"/>
-          </p:cNvPicPr>
-          <p:nvPr/>
-        </p:nvPicPr>
-        <p:blipFill>
-          <a:blip r:embed="rId8">
-            <a:clrChange>
-              <a:clrFrom>
-                <a:srgbClr val="FFFFFF"/>
-              </a:clrFrom>
-              <a:clrTo>
-                <a:srgbClr val="FFFFFF">
-                  <a:alpha val="0"/>
-                </a:srgbClr>
-              </a:clrTo>
-            </a:clrChange>
-          </a:blip>
-          <a:stretch>
-            <a:fillRect/>
-          </a:stretch>
-        </p:blipFill>
-        <p:spPr>
-          <a:xfrm>
-            <a:off x="7494373" y="4009794"/>
-            <a:ext cx="2912449" cy="2091776"/>
-          </a:xfrm>
-          <a:prstGeom prst="rect">
-            <a:avLst/>
-          </a:prstGeom>
-        </p:spPr>
-      </p:pic>
-    </p:spTree>
-    <p:extLst>
-      <p:ext uri="{BB962C8B-B14F-4D97-AF65-F5344CB8AC3E}">
-        <p14:creationId xmlns:p14="http://schemas.microsoft.com/office/powerpoint/2010/main" val="943186453"/>
-      </p:ext>
-    </p:extLst>
-  </p:cSld>
-  <p:clrMapOvr>
-    <a:masterClrMapping/>
-  </p:clrMapOvr>
-  <p:timing>
-    <p:tnLst>
-      <p:par>
-        <p:cTn id="1" dur="indefinite" restart="never" nodeType="tmRoot"/>
-      </p:par>
-    </p:tnLst>
-  </p:timing>
-</p:sld>
-</file>
-
-<file path=ppt/slides/slide4.xml><?xml version="1.0" encoding="utf-8"?>
+<file path=ppt/slides/slide22.xml><?xml version="1.0" encoding="utf-8"?>
 <p:sld xmlns:a="http://schemas.openxmlformats.org/drawingml/2006/main" xmlns:r="http://schemas.openxmlformats.org/officeDocument/2006/relationships" xmlns:p="http://schemas.openxmlformats.org/presentationml/2006/main">
   <p:cSld>
     <p:spTree>
@@ -5256,10 +5212,26 @@
           <a:lstStyle/>
           <a:p>
             <a:r>
-              <a:rPr lang="en-US" dirty="0" smtClean="0"/>
-              <a:t>Luca Bruni</a:t>
-            </a:r>
-            <a:endParaRPr lang="en-US" sz="2400" dirty="0"/>
+              <a:rPr lang="en-US" dirty="0" err="1" smtClean="0"/>
+              <a:t>Prospettive</a:t>
+            </a:r>
+            <a:r>
+              <a:rPr lang="en-US" dirty="0" smtClean="0"/>
+              <a:t> future e </a:t>
+            </a:r>
+            <a:r>
+              <a:rPr lang="en-US" dirty="0" err="1" smtClean="0"/>
+              <a:t>domande</a:t>
+            </a:r>
+            <a:r>
+              <a:rPr lang="en-US" dirty="0" smtClean="0"/>
+              <a:t> </a:t>
+            </a:r>
+            <a:r>
+              <a:rPr lang="en-US" dirty="0" err="1" smtClean="0"/>
+              <a:t>comuni</a:t>
+            </a:r>
+            <a:endParaRPr lang="en-US" dirty="0"/>
           </a:p>
         </p:txBody>
       </p:sp>
@@ -5276,152 +5248,821 @@
         <p:spPr/>
         <p:txBody>
           <a:bodyPr>
-            <a:normAutofit fontScale="92500" lnSpcReduction="20000"/>
+            <a:normAutofit lnSpcReduction="10000"/>
           </a:bodyPr>
           <a:lstStyle/>
           <a:p>
             <a:r>
+              <a:rPr lang="en-US" dirty="0" err="1" smtClean="0"/>
+              <a:t>Indicativamente</a:t>
+            </a:r>
+            <a:r>
+              <a:rPr lang="en-US" dirty="0" smtClean="0"/>
+              <a:t> </a:t>
+            </a:r>
+            <a:r>
+              <a:rPr lang="en-US" dirty="0" err="1" smtClean="0"/>
+              <a:t>una</a:t>
+            </a:r>
+            <a:r>
+              <a:rPr lang="en-US" dirty="0" smtClean="0"/>
+              <a:t> release al </a:t>
+            </a:r>
+            <a:r>
+              <a:rPr lang="en-US" dirty="0" err="1" smtClean="0"/>
+              <a:t>mese</a:t>
+            </a:r>
+            <a:endParaRPr lang="en-US" dirty="0" smtClean="0"/>
+          </a:p>
+          <a:p>
+            <a:endParaRPr lang="en-US" dirty="0" smtClean="0"/>
+          </a:p>
+          <a:p>
+            <a:r>
+              <a:rPr lang="en-US" dirty="0" smtClean="0"/>
+              <a:t>A </a:t>
+            </a:r>
+            <a:r>
+              <a:rPr lang="en-US" dirty="0" err="1" smtClean="0"/>
+              <a:t>quando</a:t>
+            </a:r>
+            <a:r>
+              <a:rPr lang="en-US" dirty="0" smtClean="0"/>
+              <a:t> la GA? … </a:t>
+            </a:r>
+          </a:p>
+          <a:p>
+            <a:r>
+              <a:rPr lang="en-US" dirty="0" smtClean="0"/>
+              <a:t>In via </a:t>
+            </a:r>
+            <a:r>
+              <a:rPr lang="en-US" dirty="0" smtClean="0"/>
+              <a:t>molto </a:t>
+            </a:r>
+            <a:r>
+              <a:rPr lang="en-US" dirty="0" err="1" smtClean="0"/>
+              <a:t>ufficiosa</a:t>
+            </a:r>
+            <a:r>
+              <a:rPr lang="en-US" dirty="0" smtClean="0"/>
+              <a:t> </a:t>
+            </a:r>
+            <a:r>
+              <a:rPr lang="en-US" dirty="0" err="1" smtClean="0"/>
+              <a:t>tra</a:t>
+            </a:r>
+            <a:r>
+              <a:rPr lang="en-US" dirty="0" smtClean="0"/>
+              <a:t> </a:t>
+            </a:r>
+            <a:r>
+              <a:rPr lang="en-US" dirty="0" err="1" smtClean="0"/>
+              <a:t>Aprile</a:t>
+            </a:r>
+            <a:r>
+              <a:rPr lang="en-US" dirty="0" smtClean="0"/>
+              <a:t> e </a:t>
+            </a:r>
+            <a:r>
+              <a:rPr lang="en-US" dirty="0" err="1" smtClean="0"/>
+              <a:t>Giugno</a:t>
+            </a:r>
+            <a:r>
+              <a:rPr lang="en-US" dirty="0" smtClean="0"/>
+              <a:t>.. (??)</a:t>
+            </a:r>
+            <a:endParaRPr lang="en-US" dirty="0"/>
+          </a:p>
+          <a:p>
+            <a:endParaRPr lang="en-US" dirty="0" smtClean="0"/>
+          </a:p>
+          <a:p>
+            <a:r>
+              <a:rPr lang="en-US" dirty="0" smtClean="0"/>
+              <a:t>SQL Ops Studio </a:t>
+            </a:r>
+            <a:r>
+              <a:rPr lang="en-US" dirty="0" err="1" smtClean="0"/>
+              <a:t>sostituirà</a:t>
+            </a:r>
+            <a:r>
+              <a:rPr lang="en-US" dirty="0" smtClean="0"/>
+              <a:t> SSMS?</a:t>
+            </a:r>
+          </a:p>
+          <a:p>
+            <a:r>
+              <a:rPr lang="en-US" dirty="0" err="1" smtClean="0"/>
+              <a:t>Che</a:t>
+            </a:r>
+            <a:r>
+              <a:rPr lang="en-US" dirty="0" smtClean="0"/>
+              <a:t> ne è </a:t>
+            </a:r>
+            <a:r>
+              <a:rPr lang="en-US" dirty="0" err="1" smtClean="0"/>
+              <a:t>delle</a:t>
+            </a:r>
+            <a:r>
+              <a:rPr lang="en-US" dirty="0" smtClean="0"/>
+              <a:t> </a:t>
+            </a:r>
+            <a:r>
+              <a:rPr lang="en-US" dirty="0" err="1" smtClean="0"/>
+              <a:t>altre</a:t>
+            </a:r>
+            <a:r>
+              <a:rPr lang="en-US" dirty="0" smtClean="0"/>
+              <a:t> </a:t>
+            </a:r>
+            <a:r>
+              <a:rPr lang="en-US" dirty="0" err="1" smtClean="0"/>
+              <a:t>componenti</a:t>
+            </a:r>
+            <a:r>
+              <a:rPr lang="en-US" dirty="0" smtClean="0"/>
+              <a:t> (SSRS, SSIS, </a:t>
+            </a:r>
+            <a:r>
+              <a:rPr lang="en-US" dirty="0" err="1" smtClean="0"/>
+              <a:t>etc</a:t>
+            </a:r>
+            <a:r>
+              <a:rPr lang="en-US" dirty="0" smtClean="0"/>
+              <a:t>) ?</a:t>
+            </a:r>
+          </a:p>
+          <a:p>
+            <a:endParaRPr lang="en-US" dirty="0"/>
+          </a:p>
+        </p:txBody>
+      </p:sp>
+    </p:spTree>
+    <p:extLst>
+      <p:ext uri="{BB962C8B-B14F-4D97-AF65-F5344CB8AC3E}">
+        <p14:creationId xmlns:p14="http://schemas.microsoft.com/office/powerpoint/2010/main" val="701932684"/>
+      </p:ext>
+    </p:extLst>
+  </p:cSld>
+  <p:clrMapOvr>
+    <a:masterClrMapping/>
+  </p:clrMapOvr>
+  <p:timing>
+    <p:tnLst>
+      <p:par>
+        <p:cTn id="1" dur="indefinite" restart="never" nodeType="tmRoot"/>
+      </p:par>
+    </p:tnLst>
+  </p:timing>
+</p:sld>
+</file>
+
+<file path=ppt/slides/slide23.xml><?xml version="1.0" encoding="utf-8"?>
+<p:sld xmlns:a="http://schemas.openxmlformats.org/drawingml/2006/main" xmlns:r="http://schemas.openxmlformats.org/officeDocument/2006/relationships" xmlns:p="http://schemas.openxmlformats.org/presentationml/2006/main">
+  <p:cSld>
+    <p:spTree>
+      <p:nvGrpSpPr>
+        <p:cNvPr id="1" name=""/>
+        <p:cNvGrpSpPr/>
+        <p:nvPr/>
+      </p:nvGrpSpPr>
+      <p:grpSpPr>
+        <a:xfrm>
+          <a:off x="0" y="0"/>
+          <a:ext cx="0" cy="0"/>
+          <a:chOff x="0" y="0"/>
+          <a:chExt cx="0" cy="0"/>
+        </a:xfrm>
+      </p:grpSpPr>
+      <p:sp>
+        <p:nvSpPr>
+          <p:cNvPr id="18" name="Title 17"/>
+          <p:cNvSpPr>
+            <a:spLocks noGrp="1"/>
+          </p:cNvSpPr>
+          <p:nvPr>
+            <p:ph type="title"/>
+          </p:nvPr>
+        </p:nvSpPr>
+        <p:spPr/>
+        <p:txBody>
+          <a:bodyPr/>
+          <a:lstStyle/>
+          <a:p>
+            <a:r>
+              <a:rPr lang="en-US" dirty="0" err="1" smtClean="0"/>
+              <a:t>Risorse</a:t>
+            </a:r>
+            <a:endParaRPr lang="en-US" dirty="0"/>
+          </a:p>
+        </p:txBody>
+      </p:sp>
+      <p:sp>
+        <p:nvSpPr>
+          <p:cNvPr id="19" name="Content Placeholder 18"/>
+          <p:cNvSpPr>
+            <a:spLocks noGrp="1"/>
+          </p:cNvSpPr>
+          <p:nvPr>
+            <p:ph idx="1"/>
+          </p:nvPr>
+        </p:nvSpPr>
+        <p:spPr/>
+        <p:txBody>
+          <a:bodyPr>
+            <a:normAutofit fontScale="92500" lnSpcReduction="10000"/>
+          </a:bodyPr>
+          <a:lstStyle/>
+          <a:p>
+            <a:r>
               <a:rPr lang="en-US" sz="2400" dirty="0" err="1" smtClean="0"/>
-              <a:t>Professionista</a:t>
+              <a:t>Github</a:t>
+            </a:r>
+            <a:endParaRPr lang="en-US" sz="2400" dirty="0" smtClean="0"/>
+          </a:p>
+          <a:p>
+            <a:r>
+              <a:rPr lang="en-US" sz="2400" dirty="0" smtClean="0">
+                <a:hlinkClick r:id="rId2"/>
+              </a:rPr>
+              <a:t>https</a:t>
+            </a:r>
+            <a:r>
+              <a:rPr lang="en-US" sz="2400" dirty="0">
+                <a:hlinkClick r:id="rId2"/>
+              </a:rPr>
+              <a:t>://</a:t>
+            </a:r>
+            <a:r>
+              <a:rPr lang="en-US" sz="2400" dirty="0" smtClean="0">
+                <a:hlinkClick r:id="rId2"/>
+              </a:rPr>
+              <a:t>github.com/Microsoft/sqlopsstudio</a:t>
+            </a:r>
+            <a:endParaRPr lang="en-US" sz="2400" dirty="0" smtClean="0"/>
+          </a:p>
+          <a:p>
+            <a:endParaRPr lang="en-US" sz="2400" dirty="0" smtClean="0"/>
+          </a:p>
+          <a:p>
+            <a:r>
+              <a:rPr lang="en-US" sz="2400" dirty="0" err="1" smtClean="0"/>
+              <a:t>Documentazione</a:t>
             </a:r>
             <a:r>
               <a:rPr lang="en-US" sz="2400" dirty="0" smtClean="0"/>
-              <a:t> IT (~15 </a:t>
+              <a:t> online</a:t>
+            </a:r>
+          </a:p>
+          <a:p>
+            <a:r>
+              <a:rPr lang="en-US" sz="2400" dirty="0" smtClean="0">
+                <a:hlinkClick r:id="rId3"/>
+              </a:rPr>
+              <a:t>https</a:t>
+            </a:r>
+            <a:r>
+              <a:rPr lang="en-US" sz="2400" dirty="0">
+                <a:hlinkClick r:id="rId3"/>
+              </a:rPr>
+              <a:t>://</a:t>
+            </a:r>
+            <a:r>
+              <a:rPr lang="en-US" sz="2400" dirty="0" smtClean="0">
+                <a:hlinkClick r:id="rId3"/>
+              </a:rPr>
+              <a:t>docs.microsoft.com/en-us/sql/sql-operations-studio/what-is</a:t>
+            </a:r>
+            <a:endParaRPr lang="en-US" sz="2400" dirty="0" smtClean="0"/>
+          </a:p>
+          <a:p>
+            <a:endParaRPr lang="en-US" sz="2400" dirty="0" smtClean="0"/>
+          </a:p>
+          <a:p>
+            <a:r>
+              <a:rPr lang="en-US" sz="2400" dirty="0" smtClean="0"/>
+              <a:t>Account twitter </a:t>
             </a:r>
             <a:r>
               <a:rPr lang="en-US" sz="2400" dirty="0" err="1" smtClean="0"/>
-              <a:t>anni</a:t>
+              <a:t>ufficiale</a:t>
             </a:r>
             <a:r>
               <a:rPr lang="en-US" sz="2400" dirty="0" smtClean="0"/>
-              <a:t> di </a:t>
+              <a:t> - @</a:t>
             </a:r>
             <a:r>
               <a:rPr lang="en-US" sz="2400" dirty="0" err="1" smtClean="0"/>
-              <a:t>esperienza</a:t>
+              <a:t>sqlopsstudio</a:t>
+            </a:r>
+            <a:endParaRPr lang="en-US" sz="2400" dirty="0" smtClean="0"/>
+          </a:p>
+          <a:p>
+            <a:r>
+              <a:rPr lang="en-US" sz="2400" dirty="0">
+                <a:hlinkClick r:id="rId4"/>
+              </a:rPr>
+              <a:t>https://</a:t>
+            </a:r>
+            <a:r>
+              <a:rPr lang="en-US" sz="2400" dirty="0" smtClean="0">
+                <a:hlinkClick r:id="rId4"/>
+              </a:rPr>
+              <a:t>twitter.com/sqlopsstudio</a:t>
+            </a:r>
+            <a:endParaRPr lang="en-US" sz="2400" dirty="0" smtClean="0"/>
+          </a:p>
+          <a:p>
+            <a:endParaRPr lang="en-US" sz="2400" dirty="0" smtClean="0"/>
+          </a:p>
+          <a:p>
+            <a:r>
+              <a:rPr lang="en-US" sz="2400" dirty="0"/>
+              <a:t>SQL Operations Studio – Comprehensive guide to the new database DevOps tool</a:t>
             </a:r>
             <a:r>
               <a:rPr lang="en-US" sz="2400" dirty="0" smtClean="0"/>
-              <a:t>)</a:t>
-            </a:r>
-            <a:endParaRPr lang="en-US" sz="2000" dirty="0" smtClean="0"/>
-          </a:p>
-          <a:p>
-            <a:r>
-              <a:rPr lang="en-US" sz="2400" dirty="0" smtClean="0"/>
-              <a:t>	</a:t>
-            </a:r>
-          </a:p>
-          <a:p>
-            <a:r>
-              <a:rPr lang="en-US" sz="2400" dirty="0" smtClean="0"/>
-              <a:t>Software </a:t>
-            </a:r>
-            <a:r>
-              <a:rPr lang="en-US" sz="2400" dirty="0"/>
-              <a:t>&amp; Data </a:t>
-            </a:r>
-            <a:r>
-              <a:rPr lang="en-US" sz="2400" dirty="0" smtClean="0"/>
-              <a:t>Architect</a:t>
-            </a:r>
-          </a:p>
-          <a:p>
-            <a:r>
-              <a:rPr lang="en-US" sz="2400" dirty="0" smtClean="0"/>
-              <a:t>	</a:t>
-            </a:r>
-            <a:r>
-              <a:rPr lang="en-US" sz="2100" dirty="0" err="1" smtClean="0"/>
-              <a:t>mindCube</a:t>
-            </a:r>
-            <a:r>
-              <a:rPr lang="en-US" sz="2100" dirty="0" smtClean="0"/>
+              <a:t>!</a:t>
+            </a:r>
+            <a:r>
+              <a:rPr lang="en-US" dirty="0" smtClean="0"/>
               <a:t> </a:t>
             </a:r>
-            <a:r>
-              <a:rPr lang="en-US" sz="2100" dirty="0" err="1" smtClean="0"/>
-              <a:t>S.a.g.l</a:t>
-            </a:r>
-            <a:r>
-              <a:rPr lang="en-US" sz="2100" dirty="0" smtClean="0"/>
-              <a:t>.</a:t>
-            </a:r>
-          </a:p>
-          <a:p>
-            <a:endParaRPr lang="en-US" sz="2100" dirty="0" smtClean="0"/>
-          </a:p>
-          <a:p>
-            <a:r>
-              <a:rPr lang="en-US" sz="2400" dirty="0" smtClean="0"/>
-              <a:t>Contributor UGISS </a:t>
-            </a:r>
-          </a:p>
-          <a:p>
-            <a:pPr lvl="1"/>
-            <a:r>
-              <a:rPr lang="en-US" sz="2000" dirty="0" smtClean="0"/>
-              <a:t>User Group </a:t>
-            </a:r>
-            <a:r>
-              <a:rPr lang="en-US" sz="2000" dirty="0" err="1" smtClean="0"/>
-              <a:t>Italiano</a:t>
-            </a:r>
-            <a:r>
-              <a:rPr lang="en-US" sz="2000" dirty="0" smtClean="0"/>
-              <a:t> SQL Server (PASS Chapter)</a:t>
-            </a:r>
-          </a:p>
-          <a:p>
-            <a:pPr lvl="1"/>
-            <a:endParaRPr lang="en-US" sz="2000" dirty="0" smtClean="0"/>
-          </a:p>
-          <a:p>
-            <a:r>
-              <a:rPr lang="en-US" sz="2400" dirty="0" smtClean="0"/>
-              <a:t>Speaker?</a:t>
-            </a:r>
-          </a:p>
-          <a:p>
-            <a:r>
-              <a:rPr lang="en-US" sz="2400" dirty="0"/>
-              <a:t>	</a:t>
-            </a:r>
-            <a:r>
-              <a:rPr lang="en-US" sz="2100" dirty="0" err="1" smtClean="0"/>
-              <a:t>Vediamo</a:t>
-            </a:r>
-            <a:r>
-              <a:rPr lang="en-US" sz="2100" dirty="0" smtClean="0"/>
-              <a:t> come </a:t>
-            </a:r>
-            <a:r>
-              <a:rPr lang="en-US" sz="2100" dirty="0" err="1" smtClean="0"/>
-              <a:t>va</a:t>
-            </a:r>
-            <a:r>
-              <a:rPr lang="en-US" sz="2100" dirty="0" smtClean="0"/>
-              <a:t>!</a:t>
-            </a:r>
+          </a:p>
+          <a:p>
+            <a:r>
+              <a:rPr lang="en-US" sz="2400" dirty="0">
+                <a:hlinkClick r:id="rId5"/>
+              </a:rPr>
+              <a:t>http://blog.sqlterritory.com/2017/12/19/sql-operations-studio-comprehensive-guide</a:t>
+            </a:r>
+            <a:r>
+              <a:rPr lang="en-US" sz="2400" dirty="0" smtClean="0">
+                <a:hlinkClick r:id="rId5"/>
+              </a:rPr>
+              <a:t>/</a:t>
+            </a:r>
+            <a:endParaRPr lang="en-US" sz="2400" dirty="0" smtClean="0"/>
           </a:p>
           <a:p>
             <a:endParaRPr lang="en-US" dirty="0" smtClean="0"/>
           </a:p>
           <a:p>
-            <a:r>
-              <a:rPr lang="en-US" sz="2000" dirty="0" err="1" smtClean="0"/>
+            <a:endParaRPr lang="en-US" dirty="0" smtClean="0"/>
+          </a:p>
+          <a:p>
+            <a:endParaRPr lang="en-US" dirty="0"/>
+          </a:p>
+        </p:txBody>
+      </p:sp>
+    </p:spTree>
+    <p:extLst>
+      <p:ext uri="{BB962C8B-B14F-4D97-AF65-F5344CB8AC3E}">
+        <p14:creationId xmlns:p14="http://schemas.microsoft.com/office/powerpoint/2010/main" val="4106770360"/>
+      </p:ext>
+    </p:extLst>
+  </p:cSld>
+  <p:clrMapOvr>
+    <a:masterClrMapping/>
+  </p:clrMapOvr>
+  <p:timing>
+    <p:tnLst>
+      <p:par>
+        <p:cTn id="1" dur="indefinite" restart="never" nodeType="tmRoot"/>
+      </p:par>
+    </p:tnLst>
+  </p:timing>
+</p:sld>
+</file>
+
+<file path=ppt/slides/slide24.xml><?xml version="1.0" encoding="utf-8"?>
+<p:sld xmlns:a="http://schemas.openxmlformats.org/drawingml/2006/main" xmlns:r="http://schemas.openxmlformats.org/officeDocument/2006/relationships" xmlns:p="http://schemas.openxmlformats.org/presentationml/2006/main">
+  <p:cSld>
+    <p:spTree>
+      <p:nvGrpSpPr>
+        <p:cNvPr id="1" name=""/>
+        <p:cNvGrpSpPr/>
+        <p:nvPr/>
+      </p:nvGrpSpPr>
+      <p:grpSpPr>
+        <a:xfrm>
+          <a:off x="0" y="0"/>
+          <a:ext cx="0" cy="0"/>
+          <a:chOff x="0" y="0"/>
+          <a:chExt cx="0" cy="0"/>
+        </a:xfrm>
+      </p:grpSpPr>
+      <p:sp>
+        <p:nvSpPr>
+          <p:cNvPr id="2" name="Title 1"/>
+          <p:cNvSpPr>
+            <a:spLocks noGrp="1"/>
+          </p:cNvSpPr>
+          <p:nvPr>
+            <p:ph type="title"/>
+          </p:nvPr>
+        </p:nvSpPr>
+        <p:spPr/>
+        <p:txBody>
+          <a:bodyPr/>
+          <a:lstStyle/>
+          <a:p>
+            <a:r>
+              <a:rPr lang="en-US" dirty="0"/>
+              <a:t>Q&amp;A</a:t>
+            </a:r>
+          </a:p>
+        </p:txBody>
+      </p:sp>
+      <p:sp>
+        <p:nvSpPr>
+          <p:cNvPr id="3" name="Content Placeholder 2"/>
+          <p:cNvSpPr>
+            <a:spLocks noGrp="1"/>
+          </p:cNvSpPr>
+          <p:nvPr>
+            <p:ph idx="1"/>
+          </p:nvPr>
+        </p:nvSpPr>
+        <p:spPr>
+          <a:prstGeom prst="rect">
+            <a:avLst/>
+          </a:prstGeom>
+        </p:spPr>
+        <p:txBody>
+          <a:bodyPr/>
+          <a:lstStyle/>
+          <a:p>
+            <a:r>
+              <a:rPr lang="it-IT" sz="2646" dirty="0" smtClean="0"/>
+              <a:t>Domande?</a:t>
+            </a:r>
+            <a:endParaRPr lang="it-IT" sz="2646" dirty="0"/>
+          </a:p>
+          <a:p>
+            <a:endParaRPr lang="en-US" sz="2646" dirty="0" smtClean="0"/>
+          </a:p>
+          <a:p>
+            <a:endParaRPr lang="en-US" sz="2646" dirty="0"/>
+          </a:p>
+          <a:p>
+            <a:endParaRPr lang="en-US" sz="2646" dirty="0" smtClean="0"/>
+          </a:p>
+          <a:p>
+            <a:endParaRPr lang="it-IT" sz="2646" dirty="0"/>
+          </a:p>
+          <a:p>
+            <a:r>
+              <a:rPr lang="en-US" sz="2800" dirty="0" err="1"/>
               <a:t>eMail</a:t>
             </a:r>
             <a:r>
-              <a:rPr lang="en-US" sz="2000" dirty="0" smtClean="0"/>
+              <a:rPr lang="en-US" sz="2800" dirty="0"/>
               <a:t>: </a:t>
             </a:r>
             <a:r>
-              <a:rPr lang="en-US" sz="2000" dirty="0" smtClean="0">
+              <a:rPr lang="en-US" sz="2800" dirty="0">
                 <a:hlinkClick r:id="rId2"/>
               </a:rPr>
               <a:t>mrg3d@hotmail.com</a:t>
             </a:r>
+            <a:endParaRPr lang="en-US" sz="2800" dirty="0"/>
+          </a:p>
+          <a:p>
+            <a:r>
+              <a:rPr lang="en-US" sz="2800" dirty="0"/>
+              <a:t>twitter: @mrg3d</a:t>
+            </a:r>
+          </a:p>
+          <a:p>
+            <a:r>
+              <a:rPr lang="en-US" sz="2800" dirty="0" err="1"/>
+              <a:t>linkedIn</a:t>
+            </a:r>
+            <a:r>
+              <a:rPr lang="en-US" sz="2800" dirty="0"/>
+              <a:t>: </a:t>
+            </a:r>
+            <a:r>
+              <a:rPr lang="en-US" sz="2800" dirty="0">
+                <a:hlinkClick r:id="rId3"/>
+              </a:rPr>
+              <a:t>https://www.linkedin.com/in/mrg3d/</a:t>
+            </a:r>
+            <a:endParaRPr lang="en-US" sz="2800" dirty="0"/>
+          </a:p>
+          <a:p>
+            <a:endParaRPr lang="en-US" sz="2268" dirty="0"/>
+          </a:p>
+        </p:txBody>
+      </p:sp>
+    </p:spTree>
+    <p:extLst>
+      <p:ext uri="{BB962C8B-B14F-4D97-AF65-F5344CB8AC3E}">
+        <p14:creationId xmlns:p14="http://schemas.microsoft.com/office/powerpoint/2010/main" val="2352899525"/>
+      </p:ext>
+    </p:extLst>
+  </p:cSld>
+  <p:clrMapOvr>
+    <a:masterClrMapping/>
+  </p:clrMapOvr>
+  <p:timing>
+    <p:tnLst>
+      <p:par>
+        <p:cTn id="1" dur="indefinite" restart="never" nodeType="tmRoot"/>
+      </p:par>
+    </p:tnLst>
+  </p:timing>
+</p:sld>
+</file>
+
+<file path=ppt/slides/slide25.xml><?xml version="1.0" encoding="utf-8"?>
+<p:sld xmlns:a="http://schemas.openxmlformats.org/drawingml/2006/main" xmlns:r="http://schemas.openxmlformats.org/officeDocument/2006/relationships" xmlns:p="http://schemas.openxmlformats.org/presentationml/2006/main">
+  <p:cSld>
+    <p:spTree>
+      <p:nvGrpSpPr>
+        <p:cNvPr id="1" name=""/>
+        <p:cNvGrpSpPr/>
+        <p:nvPr/>
+      </p:nvGrpSpPr>
+      <p:grpSpPr>
+        <a:xfrm>
+          <a:off x="0" y="0"/>
+          <a:ext cx="0" cy="0"/>
+          <a:chOff x="0" y="0"/>
+          <a:chExt cx="0" cy="0"/>
+        </a:xfrm>
+      </p:grpSpPr>
+      <p:sp>
+        <p:nvSpPr>
+          <p:cNvPr id="3" name="Title 2">
+            <a:extLst>
+              <a:ext uri="{FF2B5EF4-FFF2-40B4-BE49-F238E27FC236}">
+                <a16:creationId xmlns:a16="http://schemas.microsoft.com/office/drawing/2014/main" id="{D47299C5-8483-467B-8C49-C16E68DC1374}"/>
+              </a:ext>
+            </a:extLst>
+          </p:cNvPr>
+          <p:cNvSpPr>
+            <a:spLocks noGrp="1"/>
+          </p:cNvSpPr>
+          <p:nvPr>
+            <p:ph type="title"/>
+          </p:nvPr>
+        </p:nvSpPr>
+        <p:spPr/>
+        <p:txBody>
+          <a:bodyPr/>
+          <a:lstStyle/>
+          <a:p>
+            <a:r>
+              <a:rPr lang="it-IT" dirty="0"/>
+              <a:t>Conclusions</a:t>
+            </a:r>
+          </a:p>
+        </p:txBody>
+      </p:sp>
+      <p:sp>
+        <p:nvSpPr>
+          <p:cNvPr id="4" name="Content Placeholder 3">
+            <a:extLst>
+              <a:ext uri="{FF2B5EF4-FFF2-40B4-BE49-F238E27FC236}">
+                <a16:creationId xmlns:a16="http://schemas.microsoft.com/office/drawing/2014/main" id="{7218A010-E06F-414D-A589-4DC9321FFF64}"/>
+              </a:ext>
+            </a:extLst>
+          </p:cNvPr>
+          <p:cNvSpPr>
+            <a:spLocks noGrp="1"/>
+          </p:cNvSpPr>
+          <p:nvPr>
+            <p:ph idx="1"/>
+          </p:nvPr>
+        </p:nvSpPr>
+        <p:spPr/>
+        <p:txBody>
+          <a:bodyPr/>
+          <a:lstStyle/>
+          <a:p>
+            <a:endParaRPr lang="it-IT"/>
+          </a:p>
+        </p:txBody>
+      </p:sp>
+    </p:spTree>
+    <p:extLst>
+      <p:ext uri="{BB962C8B-B14F-4D97-AF65-F5344CB8AC3E}">
+        <p14:creationId xmlns:p14="http://schemas.microsoft.com/office/powerpoint/2010/main" val="3112197977"/>
+      </p:ext>
+    </p:extLst>
+  </p:cSld>
+  <p:clrMapOvr>
+    <a:masterClrMapping/>
+  </p:clrMapOvr>
+</p:sld>
+</file>
+
+<file path=ppt/slides/slide3.xml><?xml version="1.0" encoding="utf-8"?>
+<p:sld xmlns:a="http://schemas.openxmlformats.org/drawingml/2006/main" xmlns:r="http://schemas.openxmlformats.org/officeDocument/2006/relationships" xmlns:p="http://schemas.openxmlformats.org/presentationml/2006/main">
+  <p:cSld>
+    <p:spTree>
+      <p:nvGrpSpPr>
+        <p:cNvPr id="1" name=""/>
+        <p:cNvGrpSpPr/>
+        <p:nvPr/>
+      </p:nvGrpSpPr>
+      <p:grpSpPr>
+        <a:xfrm>
+          <a:off x="0" y="0"/>
+          <a:ext cx="0" cy="0"/>
+          <a:chOff x="0" y="0"/>
+          <a:chExt cx="0" cy="0"/>
+        </a:xfrm>
+      </p:grpSpPr>
+      <p:sp>
+        <p:nvSpPr>
+          <p:cNvPr id="3" name="Title 2">
+            <a:extLst>
+              <a:ext uri="{FF2B5EF4-FFF2-40B4-BE49-F238E27FC236}">
+                <a16:creationId xmlns:a16="http://schemas.microsoft.com/office/drawing/2014/main" id="{A805D390-CE5E-4829-8124-C08D4640D56E}"/>
+              </a:ext>
+            </a:extLst>
+          </p:cNvPr>
+          <p:cNvSpPr>
+            <a:spLocks noGrp="1"/>
+          </p:cNvSpPr>
+          <p:nvPr>
+            <p:ph type="title"/>
+          </p:nvPr>
+        </p:nvSpPr>
+        <p:spPr/>
+        <p:txBody>
+          <a:bodyPr/>
+          <a:lstStyle/>
+          <a:p>
+            <a:r>
+              <a:rPr lang="it-IT" dirty="0" smtClean="0"/>
+              <a:t>Luca Bruni</a:t>
+            </a:r>
+            <a:endParaRPr lang="it-IT" dirty="0"/>
+          </a:p>
+        </p:txBody>
+      </p:sp>
+      <p:sp>
+        <p:nvSpPr>
+          <p:cNvPr id="4" name="Content Placeholder 3">
+            <a:extLst>
+              <a:ext uri="{FF2B5EF4-FFF2-40B4-BE49-F238E27FC236}">
+                <a16:creationId xmlns:a16="http://schemas.microsoft.com/office/drawing/2014/main" id="{DBCC85F6-35D9-4917-8010-AEEE737ED681}"/>
+              </a:ext>
+            </a:extLst>
+          </p:cNvPr>
+          <p:cNvSpPr>
+            <a:spLocks noGrp="1"/>
+          </p:cNvSpPr>
+          <p:nvPr>
+            <p:ph idx="1"/>
+          </p:nvPr>
+        </p:nvSpPr>
+        <p:spPr/>
+        <p:txBody>
+          <a:bodyPr>
+            <a:normAutofit fontScale="85000" lnSpcReduction="20000"/>
+          </a:bodyPr>
+          <a:lstStyle/>
+          <a:p>
+            <a:r>
+              <a:rPr lang="en-US" sz="2400" dirty="0" err="1"/>
+              <a:t>Professionista</a:t>
+            </a:r>
+            <a:r>
+              <a:rPr lang="en-US" sz="2400" dirty="0"/>
+              <a:t> IT (~15 </a:t>
+            </a:r>
+            <a:r>
+              <a:rPr lang="en-US" sz="2400" dirty="0" err="1"/>
+              <a:t>anni</a:t>
+            </a:r>
+            <a:r>
+              <a:rPr lang="en-US" sz="2400" dirty="0"/>
+              <a:t> di </a:t>
+            </a:r>
+            <a:r>
+              <a:rPr lang="en-US" sz="2400" dirty="0" err="1"/>
+              <a:t>esperienza</a:t>
+            </a:r>
+            <a:r>
+              <a:rPr lang="en-US" sz="2400" dirty="0"/>
+              <a:t>)</a:t>
+            </a:r>
+            <a:endParaRPr lang="en-US" sz="2000" dirty="0"/>
+          </a:p>
+          <a:p>
+            <a:r>
+              <a:rPr lang="en-US" sz="2400" dirty="0"/>
+              <a:t>	</a:t>
+            </a:r>
+          </a:p>
+          <a:p>
+            <a:r>
+              <a:rPr lang="en-US" sz="2400" dirty="0"/>
+              <a:t>Software &amp; Data Architect</a:t>
+            </a:r>
+          </a:p>
+          <a:p>
+            <a:r>
+              <a:rPr lang="en-US" sz="2400" dirty="0"/>
+              <a:t>	</a:t>
+            </a:r>
+            <a:r>
+              <a:rPr lang="en-US" sz="2100" dirty="0" err="1"/>
+              <a:t>mindCube</a:t>
+            </a:r>
+            <a:r>
+              <a:rPr lang="en-US" sz="2100" dirty="0"/>
+              <a:t> </a:t>
+            </a:r>
+            <a:r>
+              <a:rPr lang="en-US" sz="2100" dirty="0" err="1"/>
+              <a:t>S.a.g.l</a:t>
+            </a:r>
+            <a:r>
+              <a:rPr lang="en-US" sz="2100" dirty="0"/>
+              <a:t>.</a:t>
+            </a:r>
+          </a:p>
+          <a:p>
+            <a:endParaRPr lang="en-US" sz="2100" dirty="0"/>
+          </a:p>
+          <a:p>
+            <a:r>
+              <a:rPr lang="en-US" sz="2400" dirty="0"/>
+              <a:t>Contributor UGISS </a:t>
+            </a:r>
+          </a:p>
+          <a:p>
+            <a:pPr lvl="1"/>
+            <a:r>
+              <a:rPr lang="en-US" sz="2000" dirty="0"/>
+              <a:t>User Group </a:t>
+            </a:r>
+            <a:r>
+              <a:rPr lang="en-US" sz="2000" dirty="0" err="1"/>
+              <a:t>Italiano</a:t>
+            </a:r>
+            <a:r>
+              <a:rPr lang="en-US" sz="2000" dirty="0"/>
+              <a:t> SQL Server (PASS Chapter)</a:t>
+            </a:r>
+          </a:p>
+          <a:p>
+            <a:pPr lvl="1"/>
+            <a:endParaRPr lang="en-US" sz="2000" dirty="0"/>
+          </a:p>
+          <a:p>
+            <a:r>
+              <a:rPr lang="en-US" sz="2400" dirty="0"/>
+              <a:t>Speaker?</a:t>
+            </a:r>
+          </a:p>
+          <a:p>
+            <a:r>
+              <a:rPr lang="en-US" sz="2400" dirty="0"/>
+              <a:t>	</a:t>
+            </a:r>
+            <a:r>
+              <a:rPr lang="en-US" sz="2100" dirty="0" err="1"/>
+              <a:t>Vediamo</a:t>
+            </a:r>
+            <a:r>
+              <a:rPr lang="en-US" sz="2100" dirty="0"/>
+              <a:t> come </a:t>
+            </a:r>
+            <a:r>
+              <a:rPr lang="en-US" sz="2100" dirty="0" err="1"/>
+              <a:t>va</a:t>
+            </a:r>
+            <a:r>
+              <a:rPr lang="en-US" sz="2100" dirty="0"/>
+              <a:t>!</a:t>
+            </a:r>
+          </a:p>
+          <a:p>
+            <a:endParaRPr lang="en-US" dirty="0"/>
+          </a:p>
+          <a:p>
+            <a:r>
+              <a:rPr lang="en-US" sz="2000" dirty="0" err="1"/>
+              <a:t>eMail</a:t>
+            </a:r>
+            <a:r>
+              <a:rPr lang="en-US" sz="2000" dirty="0"/>
+              <a:t>: </a:t>
+            </a:r>
+            <a:r>
+              <a:rPr lang="en-US" sz="2000" dirty="0">
+                <a:hlinkClick r:id="rId2"/>
+              </a:rPr>
+              <a:t>mrg3d@hotmail.com</a:t>
+            </a:r>
             <a:endParaRPr lang="en-US" sz="2000" dirty="0"/>
           </a:p>
           <a:p>
@@ -5443,21 +6084,18 @@
               <a:rPr lang="en-US" sz="2000" dirty="0">
                 <a:hlinkClick r:id="rId3"/>
               </a:rPr>
-              <a:t>https://www.linkedin.com/in/mrg3d</a:t>
-            </a:r>
-            <a:r>
-              <a:rPr lang="en-US" sz="2000" dirty="0" smtClean="0">
-                <a:hlinkClick r:id="rId3"/>
-              </a:rPr>
-              <a:t>/</a:t>
-            </a:r>
-            <a:endParaRPr lang="en-US" sz="2000" dirty="0" smtClean="0"/>
+              <a:t>https://www.linkedin.com/in/mrg3d/</a:t>
+            </a:r>
+            <a:endParaRPr lang="en-US" sz="2000" dirty="0"/>
+          </a:p>
+          <a:p>
+            <a:endParaRPr lang="it-IT" dirty="0"/>
           </a:p>
         </p:txBody>
       </p:sp>
       <p:pic>
         <p:nvPicPr>
-          <p:cNvPr id="4" name="Picture 3">
+          <p:cNvPr id="5" name="Picture 4">
             <a:hlinkClick r:id="rId4"/>
           </p:cNvPr>
           <p:cNvPicPr>
@@ -5489,7 +6127,7 @@
       </p:pic>
       <p:pic>
         <p:nvPicPr>
-          <p:cNvPr id="2050" name="Picture 2" descr="MindCube Sagl"/>
+          <p:cNvPr id="6" name="Picture 2" descr="MindCube Sagl"/>
           <p:cNvPicPr>
             <a:picLocks noChangeAspect="1" noChangeArrowheads="1"/>
           </p:cNvPicPr>
@@ -5530,7 +6168,7 @@
       </p:pic>
       <p:pic>
         <p:nvPicPr>
-          <p:cNvPr id="2052" name="Picture 4" descr="http://www.sqlsaturday.com/images/speakers/5475-c8290d69.jpg"/>
+          <p:cNvPr id="7" name="Picture 4" descr="http://www.sqlsaturday.com/images/speakers/5475-c8290d69.jpg"/>
           <p:cNvPicPr>
             <a:picLocks noChangeAspect="1" noChangeArrowheads="1"/>
           </p:cNvPicPr>
@@ -5572,7 +6210,117 @@
     </p:spTree>
     <p:extLst>
       <p:ext uri="{BB962C8B-B14F-4D97-AF65-F5344CB8AC3E}">
-        <p14:creationId xmlns:p14="http://schemas.microsoft.com/office/powerpoint/2010/main" val="722375049"/>
+        <p14:creationId xmlns:p14="http://schemas.microsoft.com/office/powerpoint/2010/main" val="557766459"/>
+      </p:ext>
+    </p:extLst>
+  </p:cSld>
+  <p:clrMapOvr>
+    <a:masterClrMapping/>
+  </p:clrMapOvr>
+  <p:timing>
+    <p:tnLst>
+      <p:par>
+        <p:cTn id="1" dur="indefinite" restart="never" nodeType="tmRoot"/>
+      </p:par>
+    </p:tnLst>
+  </p:timing>
+</p:sld>
+</file>
+
+<file path=ppt/slides/slide4.xml><?xml version="1.0" encoding="utf-8"?>
+<p:sld xmlns:a="http://schemas.openxmlformats.org/drawingml/2006/main" xmlns:r="http://schemas.openxmlformats.org/officeDocument/2006/relationships" xmlns:p="http://schemas.openxmlformats.org/presentationml/2006/main">
+  <p:cSld>
+    <p:spTree>
+      <p:nvGrpSpPr>
+        <p:cNvPr id="1" name=""/>
+        <p:cNvGrpSpPr/>
+        <p:nvPr/>
+      </p:nvGrpSpPr>
+      <p:grpSpPr>
+        <a:xfrm>
+          <a:off x="0" y="0"/>
+          <a:ext cx="0" cy="0"/>
+          <a:chOff x="0" y="0"/>
+          <a:chExt cx="0" cy="0"/>
+        </a:xfrm>
+      </p:grpSpPr>
+      <p:sp>
+        <p:nvSpPr>
+          <p:cNvPr id="3" name="Title 2">
+            <a:extLst>
+              <a:ext uri="{FF2B5EF4-FFF2-40B4-BE49-F238E27FC236}">
+                <a16:creationId xmlns:a16="http://schemas.microsoft.com/office/drawing/2014/main" id="{A805D390-CE5E-4829-8124-C08D4640D56E}"/>
+              </a:ext>
+            </a:extLst>
+          </p:cNvPr>
+          <p:cNvSpPr>
+            <a:spLocks noGrp="1"/>
+          </p:cNvSpPr>
+          <p:nvPr>
+            <p:ph type="title"/>
+          </p:nvPr>
+        </p:nvSpPr>
+        <p:spPr/>
+        <p:txBody>
+          <a:bodyPr/>
+          <a:lstStyle/>
+          <a:p>
+            <a:r>
+              <a:rPr lang="it-IT" dirty="0"/>
+              <a:t>Agenda</a:t>
+            </a:r>
+          </a:p>
+        </p:txBody>
+      </p:sp>
+      <p:sp>
+        <p:nvSpPr>
+          <p:cNvPr id="4" name="Content Placeholder 3">
+            <a:extLst>
+              <a:ext uri="{FF2B5EF4-FFF2-40B4-BE49-F238E27FC236}">
+                <a16:creationId xmlns:a16="http://schemas.microsoft.com/office/drawing/2014/main" id="{DBCC85F6-35D9-4917-8010-AEEE737ED681}"/>
+              </a:ext>
+            </a:extLst>
+          </p:cNvPr>
+          <p:cNvSpPr>
+            <a:spLocks noGrp="1"/>
+          </p:cNvSpPr>
+          <p:nvPr>
+            <p:ph idx="1"/>
+          </p:nvPr>
+        </p:nvSpPr>
+        <p:spPr/>
+        <p:txBody>
+          <a:bodyPr/>
+          <a:lstStyle/>
+          <a:p>
+            <a:r>
+              <a:rPr lang="en-US" dirty="0" err="1" smtClean="0"/>
+              <a:t>Introduzione</a:t>
+            </a:r>
+            <a:endParaRPr lang="en-US" dirty="0" smtClean="0"/>
+          </a:p>
+          <a:p>
+            <a:r>
+              <a:rPr lang="en-US" dirty="0" smtClean="0"/>
+              <a:t>Core Functionalities</a:t>
+            </a:r>
+          </a:p>
+          <a:p>
+            <a:r>
+              <a:rPr lang="en-US" dirty="0" smtClean="0"/>
+              <a:t>Dashboard &amp; Insights</a:t>
+            </a:r>
+            <a:endParaRPr lang="en-US" dirty="0" smtClean="0"/>
+          </a:p>
+          <a:p>
+            <a:endParaRPr lang="it-IT" dirty="0"/>
+          </a:p>
+        </p:txBody>
+      </p:sp>
+    </p:spTree>
+    <p:extLst>
+      <p:ext uri="{BB962C8B-B14F-4D97-AF65-F5344CB8AC3E}">
+        <p14:creationId xmlns:p14="http://schemas.microsoft.com/office/powerpoint/2010/main" val="2778591220"/>
       </p:ext>
     </p:extLst>
   </p:cSld>
@@ -5622,16 +6370,17 @@
           <a:lstStyle/>
           <a:p>
             <a:r>
-              <a:rPr lang="it-IT" dirty="0"/>
+              <a:rPr lang="en-US" dirty="0" err="1" smtClean="0"/>
               <a:t>Introduzione</a:t>
             </a:r>
+            <a:endParaRPr lang="en-US" dirty="0"/>
           </a:p>
         </p:txBody>
       </p:sp>
     </p:spTree>
     <p:extLst>
       <p:ext uri="{BB962C8B-B14F-4D97-AF65-F5344CB8AC3E}">
-        <p14:creationId xmlns:p14="http://schemas.microsoft.com/office/powerpoint/2010/main" val="1612480939"/>
+        <p14:creationId xmlns:p14="http://schemas.microsoft.com/office/powerpoint/2010/main" val="148607444"/>
       </p:ext>
     </p:extLst>
   </p:cSld>
@@ -5850,16 +6599,7 @@
                 </a:solidFill>
                 <a:latin typeface="inherit"/>
               </a:rPr>
-              <a:t>Ok.. Il server! </a:t>
-            </a:r>
-            <a:r>
-              <a:rPr lang="en-US" altLang="en-US" dirty="0" smtClean="0">
-                <a:solidFill>
-                  <a:srgbClr val="293338"/>
-                </a:solidFill>
-                <a:latin typeface="inherit"/>
-              </a:rPr>
-              <a:t>Ed </a:t>
+              <a:t>Ok.. Il server! Ed </a:t>
             </a:r>
             <a:r>
               <a:rPr lang="en-US" altLang="en-US" dirty="0" err="1" smtClean="0">
@@ -5877,16 +6617,7 @@
                 </a:solidFill>
                 <a:latin typeface="inherit"/>
               </a:rPr>
-              <a:t> </a:t>
-            </a:r>
-            <a:r>
-              <a:rPr lang="en-US" altLang="en-US" dirty="0" smtClean="0">
-                <a:solidFill>
-                  <a:srgbClr val="293338"/>
-                </a:solidFill>
-                <a:latin typeface="inherit"/>
-              </a:rPr>
-              <a:t>client?</a:t>
+              <a:t> client?</a:t>
             </a:r>
           </a:p>
           <a:p>
@@ -6020,7 +6751,7 @@
     </p:spTree>
     <p:extLst>
       <p:ext uri="{BB962C8B-B14F-4D97-AF65-F5344CB8AC3E}">
-        <p14:creationId xmlns:p14="http://schemas.microsoft.com/office/powerpoint/2010/main" val="2331819455"/>
+        <p14:creationId xmlns:p14="http://schemas.microsoft.com/office/powerpoint/2010/main" val="1562802415"/>
       </p:ext>
     </p:extLst>
   </p:cSld>
@@ -6056,7 +6787,7 @@
       </p:grpSpPr>
       <p:sp>
         <p:nvSpPr>
-          <p:cNvPr id="2" name="Title 1"/>
+          <p:cNvPr id="18" name="Title 17"/>
           <p:cNvSpPr>
             <a:spLocks noGrp="1"/>
           </p:cNvSpPr>
@@ -6070,17 +6801,103 @@
           <a:lstStyle/>
           <a:p>
             <a:r>
-              <a:rPr lang="it-IT" dirty="0" smtClean="0"/>
-              <a:t>Agenda</a:t>
-            </a:r>
-            <a:endParaRPr lang="it-IT" dirty="0"/>
+              <a:rPr lang="en-US" dirty="0" smtClean="0"/>
+              <a:t>La </a:t>
+            </a:r>
+            <a:r>
+              <a:rPr lang="en-US" dirty="0" err="1" smtClean="0"/>
+              <a:t>presentazione</a:t>
+            </a:r>
+            <a:endParaRPr lang="en-US" dirty="0"/>
           </a:p>
         </p:txBody>
       </p:sp>
+      <p:pic>
+        <p:nvPicPr>
+          <p:cNvPr id="1026" name="Picture 2" descr="https://pbs.twimg.com/media/DNkSdmUUIAAha4N.jpg:large"/>
+          <p:cNvPicPr>
+            <a:picLocks noChangeAspect="1" noChangeArrowheads="1"/>
+          </p:cNvPicPr>
+          <p:nvPr/>
+        </p:nvPicPr>
+        <p:blipFill>
+          <a:blip r:embed="rId2">
+            <a:extLst>
+              <a:ext uri="{28A0092B-C50C-407E-A947-70E740481C1C}">
+                <a14:useLocalDpi xmlns:a14="http://schemas.microsoft.com/office/drawing/2010/main" val="0"/>
+              </a:ext>
+            </a:extLst>
+          </a:blip>
+          <a:srcRect/>
+          <a:stretch>
+            <a:fillRect/>
+          </a:stretch>
+        </p:blipFill>
+        <p:spPr bwMode="auto">
+          <a:xfrm>
+            <a:off x="5718839" y="1371600"/>
+            <a:ext cx="5442199" cy="4081650"/>
+          </a:xfrm>
+          <a:prstGeom prst="rect">
+            <a:avLst/>
+          </a:prstGeom>
+          <a:noFill/>
+          <a:extLst>
+            <a:ext uri="{909E8E84-426E-40DD-AFC4-6F175D3DCCD1}">
+              <a14:hiddenFill xmlns:a14="http://schemas.microsoft.com/office/drawing/2010/main">
+                <a:solidFill>
+                  <a:srgbClr val="FFFFFF"/>
+                </a:solidFill>
+              </a14:hiddenFill>
+            </a:ext>
+          </a:extLst>
+        </p:spPr>
+      </p:pic>
+      <p:pic>
+        <p:nvPicPr>
+          <p:cNvPr id="1028" name="Picture 4" descr="https://littlekendra.com/wp-content/uploads/2017/11/Rohan_Kumar_keynote.jpg"/>
+          <p:cNvPicPr>
+            <a:picLocks noChangeAspect="1" noChangeArrowheads="1"/>
+          </p:cNvPicPr>
+          <p:nvPr/>
+        </p:nvPicPr>
+        <p:blipFill>
+          <a:blip r:embed="rId3">
+            <a:extLst>
+              <a:ext uri="{28A0092B-C50C-407E-A947-70E740481C1C}">
+                <a14:useLocalDpi xmlns:a14="http://schemas.microsoft.com/office/drawing/2010/main" val="0"/>
+              </a:ext>
+            </a:extLst>
+          </a:blip>
+          <a:srcRect/>
+          <a:stretch>
+            <a:fillRect/>
+          </a:stretch>
+        </p:blipFill>
+        <p:spPr bwMode="auto">
+          <a:xfrm>
+            <a:off x="421496" y="1371600"/>
+            <a:ext cx="4928785" cy="4081650"/>
+          </a:xfrm>
+          <a:prstGeom prst="rect">
+            <a:avLst/>
+          </a:prstGeom>
+          <a:noFill/>
+          <a:extLst>
+            <a:ext uri="{909E8E84-426E-40DD-AFC4-6F175D3DCCD1}">
+              <a14:hiddenFill xmlns:a14="http://schemas.microsoft.com/office/drawing/2010/main">
+                <a:solidFill>
+                  <a:srgbClr val="FFFFFF"/>
+                </a:solidFill>
+              </a14:hiddenFill>
+            </a:ext>
+          </a:extLst>
+        </p:spPr>
+      </p:pic>
     </p:spTree>
     <p:extLst>
       <p:ext uri="{BB962C8B-B14F-4D97-AF65-F5344CB8AC3E}">
-        <p14:creationId xmlns:p14="http://schemas.microsoft.com/office/powerpoint/2010/main" val="244672534"/>
+        <p14:creationId xmlns:p14="http://schemas.microsoft.com/office/powerpoint/2010/main" val="104222767"/>
       </p:ext>
     </p:extLst>
   </p:cSld>
@@ -6116,7 +6933,7 @@
       </p:grpSpPr>
       <p:sp>
         <p:nvSpPr>
-          <p:cNvPr id="18" name="Title 17"/>
+          <p:cNvPr id="2" name="Title 1"/>
           <p:cNvSpPr>
             <a:spLocks noGrp="1"/>
           </p:cNvSpPr>
@@ -6130,117 +6947,49 @@
           <a:lstStyle/>
           <a:p>
             <a:r>
-              <a:rPr lang="en-US" dirty="0" smtClean="0"/>
-              <a:t>Agenda</a:t>
-            </a:r>
-            <a:endParaRPr lang="en-US" dirty="0"/>
+              <a:rPr lang="en-US" dirty="0" err="1" smtClean="0"/>
+              <a:t>L’annuncio</a:t>
+            </a:r>
+            <a:r>
+              <a:rPr lang="en-US" dirty="0" smtClean="0"/>
+              <a:t> </a:t>
+            </a:r>
+            <a:r>
+              <a:rPr lang="en-US" dirty="0" err="1" smtClean="0"/>
+              <a:t>ufficiale</a:t>
+            </a:r>
+            <a:endParaRPr lang="it-IT" dirty="0"/>
           </a:p>
         </p:txBody>
       </p:sp>
-      <p:sp>
-        <p:nvSpPr>
-          <p:cNvPr id="19" name="Content Placeholder 18"/>
-          <p:cNvSpPr>
-            <a:spLocks noGrp="1"/>
-          </p:cNvSpPr>
-          <p:nvPr>
-            <p:ph idx="1"/>
-          </p:nvPr>
-        </p:nvSpPr>
-        <p:spPr/>
-        <p:txBody>
-          <a:bodyPr>
-            <a:noAutofit/>
-          </a:bodyPr>
-          <a:lstStyle/>
-          <a:p>
-            <a:pPr marL="685800" indent="-685800">
-              <a:buFont typeface="Arial" panose="020B0604020202020204" pitchFamily="34" charset="0"/>
-              <a:buChar char="•"/>
-            </a:pPr>
-            <a:r>
-              <a:rPr lang="en-US" sz="2800" dirty="0" err="1" smtClean="0"/>
-              <a:t>Introduzione</a:t>
-            </a:r>
-            <a:r>
-              <a:rPr lang="en-US" sz="2800" dirty="0" smtClean="0"/>
-              <a:t> a SQL Operations Studio</a:t>
-            </a:r>
-          </a:p>
-          <a:p>
-            <a:pPr marL="685800" indent="-685800">
-              <a:buFont typeface="Arial" panose="020B0604020202020204" pitchFamily="34" charset="0"/>
-              <a:buChar char="•"/>
-            </a:pPr>
-            <a:endParaRPr lang="en-US" sz="2800" dirty="0" smtClean="0"/>
-          </a:p>
-          <a:p>
-            <a:pPr marL="685800" indent="-685800">
-              <a:buFont typeface="Arial" panose="020B0604020202020204" pitchFamily="34" charset="0"/>
-              <a:buChar char="•"/>
-            </a:pPr>
-            <a:r>
-              <a:rPr lang="en-US" sz="2800" dirty="0" err="1" smtClean="0"/>
-              <a:t>Connettersi</a:t>
-            </a:r>
-            <a:r>
-              <a:rPr lang="en-US" sz="2800" dirty="0" smtClean="0"/>
-              <a:t> a SQL Server, SQL Azure DB e SQL Azure DW</a:t>
-            </a:r>
-            <a:endParaRPr lang="en-US" sz="2800" dirty="0" smtClean="0"/>
-          </a:p>
-          <a:p>
-            <a:pPr marL="685800" indent="-685800">
-              <a:buFont typeface="Arial" panose="020B0604020202020204" pitchFamily="34" charset="0"/>
-              <a:buChar char="•"/>
-            </a:pPr>
-            <a:endParaRPr lang="en-US" sz="2800" dirty="0" smtClean="0"/>
-          </a:p>
-          <a:p>
-            <a:pPr marL="685800" indent="-685800">
-              <a:buFont typeface="Arial" panose="020B0604020202020204" pitchFamily="34" charset="0"/>
-              <a:buChar char="•"/>
-            </a:pPr>
-            <a:r>
-              <a:rPr lang="en-US" sz="2800" dirty="0" err="1" smtClean="0"/>
-              <a:t>Presentazione</a:t>
-            </a:r>
-            <a:r>
-              <a:rPr lang="en-US" sz="2800" dirty="0" smtClean="0"/>
-              <a:t> </a:t>
-            </a:r>
-            <a:r>
-              <a:rPr lang="en-US" sz="2800" dirty="0" err="1" smtClean="0"/>
-              <a:t>funzionalità</a:t>
-            </a:r>
-            <a:r>
-              <a:rPr lang="en-US" sz="2800" dirty="0" smtClean="0"/>
-              <a:t> dal </a:t>
-            </a:r>
-            <a:r>
-              <a:rPr lang="en-US" sz="2800" dirty="0" err="1" smtClean="0"/>
-              <a:t>punto</a:t>
-            </a:r>
-            <a:r>
-              <a:rPr lang="en-US" sz="2800" dirty="0" smtClean="0"/>
-              <a:t> di vista </a:t>
-            </a:r>
-            <a:r>
-              <a:rPr lang="en-US" sz="2800" dirty="0" err="1" smtClean="0"/>
-              <a:t>degli</a:t>
-            </a:r>
-            <a:r>
-              <a:rPr lang="en-US" sz="2800" dirty="0" smtClean="0"/>
-              <a:t> Ops</a:t>
-            </a:r>
-            <a:endParaRPr lang="en-US" sz="2800" dirty="0"/>
-          </a:p>
-        </p:txBody>
-      </p:sp>
+      <p:pic>
+        <p:nvPicPr>
+          <p:cNvPr id="4" name="Picture 3"/>
+          <p:cNvPicPr>
+            <a:picLocks noChangeAspect="1"/>
+          </p:cNvPicPr>
+          <p:nvPr/>
+        </p:nvPicPr>
+        <p:blipFill>
+          <a:blip r:embed="rId2"/>
+          <a:stretch>
+            <a:fillRect/>
+          </a:stretch>
+        </p:blipFill>
+        <p:spPr>
+          <a:xfrm>
+            <a:off x="2141878" y="1080363"/>
+            <a:ext cx="6737543" cy="4638325"/>
+          </a:xfrm>
+          <a:prstGeom prst="rect">
+            <a:avLst/>
+          </a:prstGeom>
+        </p:spPr>
+      </p:pic>
     </p:spTree>
     <p:extLst>
       <p:ext uri="{BB962C8B-B14F-4D97-AF65-F5344CB8AC3E}">
-        <p14:creationId xmlns:p14="http://schemas.microsoft.com/office/powerpoint/2010/main" val="3349197089"/>
+        <p14:creationId xmlns:p14="http://schemas.microsoft.com/office/powerpoint/2010/main" val="3752138074"/>
       </p:ext>
     </p:extLst>
   </p:cSld>
@@ -6312,11 +7061,7 @@
             <a:graphicFrameLocks noGrp="1"/>
           </p:cNvGraphicFramePr>
           <p:nvPr>
-            <p:extLst>
-              <p:ext uri="{D42A27DB-BD31-4B8C-83A1-F6EECF244321}">
-                <p14:modId xmlns:p14="http://schemas.microsoft.com/office/powerpoint/2010/main" val="4119595378"/>
-              </p:ext>
-            </p:extLst>
+            <p:extLst/>
           </p:nvPr>
         </p:nvGraphicFramePr>
         <p:xfrm>
@@ -7118,7 +7863,7 @@
     </p:spTree>
     <p:extLst>
       <p:ext uri="{BB962C8B-B14F-4D97-AF65-F5344CB8AC3E}">
-        <p14:creationId xmlns:p14="http://schemas.microsoft.com/office/powerpoint/2010/main" val="1302729926"/>
+        <p14:creationId xmlns:p14="http://schemas.microsoft.com/office/powerpoint/2010/main" val="2175216445"/>
       </p:ext>
     </p:extLst>
   </p:cSld>
@@ -7152,10 +7897,10 @@
         <a:srgbClr val="F2F2F2"/>
       </a:lt2>
       <a:accent1>
-        <a:srgbClr val="007A3E"/>
+        <a:srgbClr val="00BF6F"/>
       </a:accent1>
       <a:accent2>
-        <a:srgbClr val="00BF6F"/>
+        <a:srgbClr val="007A3E"/>
       </a:accent2>
       <a:accent3>
         <a:srgbClr val="2DCCD3"/>
@@ -7389,265 +8134,4 @@
   </a:objectDefaults>
   <a:extraClrSchemeLst/>
 </a:theme>
-</file>
-
-<file path=ppt/theme/theme2.xml><?xml version="1.0" encoding="utf-8"?>
-<a:theme xmlns:a="http://schemas.openxmlformats.org/drawingml/2006/main" name="Office Theme">
-  <a:themeElements>
-    <a:clrScheme name="Office">
-      <a:dk1>
-        <a:sysClr val="windowText" lastClr="000000"/>
-      </a:dk1>
-      <a:lt1>
-        <a:sysClr val="window" lastClr="FFFFFF"/>
-      </a:lt1>
-      <a:dk2>
-        <a:srgbClr val="44546A"/>
-      </a:dk2>
-      <a:lt2>
-        <a:srgbClr val="E7E6E6"/>
-      </a:lt2>
-      <a:accent1>
-        <a:srgbClr val="5B9BD5"/>
-      </a:accent1>
-      <a:accent2>
-        <a:srgbClr val="ED7D31"/>
-      </a:accent2>
-      <a:accent3>
-        <a:srgbClr val="A5A5A5"/>
-      </a:accent3>
-      <a:accent4>
-        <a:srgbClr val="FFC000"/>
-      </a:accent4>
-      <a:accent5>
-        <a:srgbClr val="4472C4"/>
-      </a:accent5>
-      <a:accent6>
-        <a:srgbClr val="70AD47"/>
-      </a:accent6>
-      <a:hlink>
-        <a:srgbClr val="0563C1"/>
-      </a:hlink>
-      <a:folHlink>
-        <a:srgbClr val="954F72"/>
-      </a:folHlink>
-    </a:clrScheme>
-    <a:fontScheme name="Office">
-      <a:majorFont>
-        <a:latin typeface="Calibri Light" panose="020F0302020204030204"/>
-        <a:ea typeface=""/>
-        <a:cs typeface=""/>
-        <a:font script="Jpan" typeface="游ゴシック Light"/>
-        <a:font script="Hang" typeface="맑은 고딕"/>
-        <a:font script="Hans" typeface="等线 Light"/>
-        <a:font script="Hant" typeface="新細明體"/>
-        <a:font script="Arab" typeface="Times New Roman"/>
-        <a:font script="Hebr" typeface="Times New Roman"/>
-        <a:font script="Thai" typeface="Angsana New"/>
-        <a:font script="Ethi" typeface="Nyala"/>
-        <a:font script="Beng" typeface="Vrinda"/>
-        <a:font script="Gujr" typeface="Shruti"/>
-        <a:font script="Khmr" typeface="MoolBoran"/>
-        <a:font script="Knda" typeface="Tunga"/>
-        <a:font script="Guru" typeface="Raavi"/>
-        <a:font script="Cans" typeface="Euphemia"/>
-        <a:font script="Cher" typeface="Plantagenet Cherokee"/>
-        <a:font script="Yiii" typeface="Microsoft Yi Baiti"/>
-        <a:font script="Tibt" typeface="Microsoft Himalaya"/>
-        <a:font script="Thaa" typeface="MV Boli"/>
-        <a:font script="Deva" typeface="Mangal"/>
-        <a:font script="Telu" typeface="Gautami"/>
-        <a:font script="Taml" typeface="Latha"/>
-        <a:font script="Syrc" typeface="Estrangelo Edessa"/>
-        <a:font script="Orya" typeface="Kalinga"/>
-        <a:font script="Mlym" typeface="Kartika"/>
-        <a:font script="Laoo" typeface="DokChampa"/>
-        <a:font script="Sinh" typeface="Iskoola Pota"/>
-        <a:font script="Mong" typeface="Mongolian Baiti"/>
-        <a:font script="Viet" typeface="Times New Roman"/>
-        <a:font script="Uigh" typeface="Microsoft Uighur"/>
-        <a:font script="Geor" typeface="Sylfaen"/>
-      </a:majorFont>
-      <a:minorFont>
-        <a:latin typeface="Calibri" panose="020F0502020204030204"/>
-        <a:ea typeface=""/>
-        <a:cs typeface=""/>
-        <a:font script="Jpan" typeface="游ゴシック"/>
-        <a:font script="Hang" typeface="맑은 고딕"/>
-        <a:font script="Hans" typeface="等线"/>
-        <a:font script="Hant" typeface="新細明體"/>
-        <a:font script="Arab" typeface="Arial"/>
-        <a:font script="Hebr" typeface="Arial"/>
-        <a:font script="Thai" typeface="Cordia New"/>
-        <a:font script="Ethi" typeface="Nyala"/>
-        <a:font script="Beng" typeface="Vrinda"/>
-        <a:font script="Gujr" typeface="Shruti"/>
-        <a:font script="Khmr" typeface="DaunPenh"/>
-        <a:font script="Knda" typeface="Tunga"/>
-        <a:font script="Guru" typeface="Raavi"/>
-        <a:font script="Cans" typeface="Euphemia"/>
-        <a:font script="Cher" typeface="Plantagenet Cherokee"/>
-        <a:font script="Yiii" typeface="Microsoft Yi Baiti"/>
-        <a:font script="Tibt" typeface="Microsoft Himalaya"/>
-        <a:font script="Thaa" typeface="MV Boli"/>
-        <a:font script="Deva" typeface="Mangal"/>
-        <a:font script="Telu" typeface="Gautami"/>
-        <a:font script="Taml" typeface="Latha"/>
-        <a:font script="Syrc" typeface="Estrangelo Edessa"/>
-        <a:font script="Orya" typeface="Kalinga"/>
-        <a:font script="Mlym" typeface="Kartika"/>
-        <a:font script="Laoo" typeface="DokChampa"/>
-        <a:font script="Sinh" typeface="Iskoola Pota"/>
-        <a:font script="Mong" typeface="Mongolian Baiti"/>
-        <a:font script="Viet" typeface="Arial"/>
-        <a:font script="Uigh" typeface="Microsoft Uighur"/>
-        <a:font script="Geor" typeface="Sylfaen"/>
-      </a:minorFont>
-    </a:fontScheme>
-    <a:fmtScheme name="Office">
-      <a:fillStyleLst>
-        <a:solidFill>
-          <a:schemeClr val="phClr"/>
-        </a:solidFill>
-        <a:gradFill rotWithShape="1">
-          <a:gsLst>
-            <a:gs pos="0">
-              <a:schemeClr val="phClr">
-                <a:lumMod val="110000"/>
-                <a:satMod val="105000"/>
-                <a:tint val="67000"/>
-              </a:schemeClr>
-            </a:gs>
-            <a:gs pos="50000">
-              <a:schemeClr val="phClr">
-                <a:lumMod val="105000"/>
-                <a:satMod val="103000"/>
-                <a:tint val="73000"/>
-              </a:schemeClr>
-            </a:gs>
-            <a:gs pos="100000">
-              <a:schemeClr val="phClr">
-                <a:lumMod val="105000"/>
-                <a:satMod val="109000"/>
-                <a:tint val="81000"/>
-              </a:schemeClr>
-            </a:gs>
-          </a:gsLst>
-          <a:lin ang="5400000" scaled="0"/>
-        </a:gradFill>
-        <a:gradFill rotWithShape="1">
-          <a:gsLst>
-            <a:gs pos="0">
-              <a:schemeClr val="phClr">
-                <a:satMod val="103000"/>
-                <a:lumMod val="102000"/>
-                <a:tint val="94000"/>
-              </a:schemeClr>
-            </a:gs>
-            <a:gs pos="50000">
-              <a:schemeClr val="phClr">
-                <a:satMod val="110000"/>
-                <a:lumMod val="100000"/>
-                <a:shade val="100000"/>
-              </a:schemeClr>
-            </a:gs>
-            <a:gs pos="100000">
-              <a:schemeClr val="phClr">
-                <a:lumMod val="99000"/>
-                <a:satMod val="120000"/>
-                <a:shade val="78000"/>
-              </a:schemeClr>
-            </a:gs>
-          </a:gsLst>
-          <a:lin ang="5400000" scaled="0"/>
-        </a:gradFill>
-      </a:fillStyleLst>
-      <a:lnStyleLst>
-        <a:ln w="6350" cap="flat" cmpd="sng" algn="ctr">
-          <a:solidFill>
-            <a:schemeClr val="phClr"/>
-          </a:solidFill>
-          <a:prstDash val="solid"/>
-          <a:miter lim="800000"/>
-        </a:ln>
-        <a:ln w="12700" cap="flat" cmpd="sng" algn="ctr">
-          <a:solidFill>
-            <a:schemeClr val="phClr"/>
-          </a:solidFill>
-          <a:prstDash val="solid"/>
-          <a:miter lim="800000"/>
-        </a:ln>
-        <a:ln w="19050" cap="flat" cmpd="sng" algn="ctr">
-          <a:solidFill>
-            <a:schemeClr val="phClr"/>
-          </a:solidFill>
-          <a:prstDash val="solid"/>
-          <a:miter lim="800000"/>
-        </a:ln>
-      </a:lnStyleLst>
-      <a:effectStyleLst>
-        <a:effectStyle>
-          <a:effectLst/>
-        </a:effectStyle>
-        <a:effectStyle>
-          <a:effectLst/>
-        </a:effectStyle>
-        <a:effectStyle>
-          <a:effectLst>
-            <a:outerShdw blurRad="57150" dist="19050" dir="5400000" algn="ctr" rotWithShape="0">
-              <a:srgbClr val="000000">
-                <a:alpha val="63000"/>
-              </a:srgbClr>
-            </a:outerShdw>
-          </a:effectLst>
-        </a:effectStyle>
-      </a:effectStyleLst>
-      <a:bgFillStyleLst>
-        <a:solidFill>
-          <a:schemeClr val="phClr"/>
-        </a:solidFill>
-        <a:solidFill>
-          <a:schemeClr val="phClr">
-            <a:tint val="95000"/>
-            <a:satMod val="170000"/>
-          </a:schemeClr>
-        </a:solidFill>
-        <a:gradFill rotWithShape="1">
-          <a:gsLst>
-            <a:gs pos="0">
-              <a:schemeClr val="phClr">
-                <a:tint val="93000"/>
-                <a:satMod val="150000"/>
-                <a:shade val="98000"/>
-                <a:lumMod val="102000"/>
-              </a:schemeClr>
-            </a:gs>
-            <a:gs pos="50000">
-              <a:schemeClr val="phClr">
-                <a:tint val="98000"/>
-                <a:satMod val="130000"/>
-                <a:shade val="90000"/>
-                <a:lumMod val="103000"/>
-              </a:schemeClr>
-            </a:gs>
-            <a:gs pos="100000">
-              <a:schemeClr val="phClr">
-                <a:shade val="63000"/>
-                <a:satMod val="120000"/>
-              </a:schemeClr>
-            </a:gs>
-          </a:gsLst>
-          <a:lin ang="5400000" scaled="0"/>
-        </a:gradFill>
-      </a:bgFillStyleLst>
-    </a:fmtScheme>
-  </a:themeElements>
-  <a:objectDefaults/>
-  <a:extraClrSchemeLst/>
-  <a:extLst>
-    <a:ext uri="{05A4C25C-085E-4340-85A3-A5531E510DB2}">
-      <thm15:themeFamily xmlns:thm15="http://schemas.microsoft.com/office/thememl/2012/main" name="Office Theme" id="{62F939B6-93AF-4DB8-9C6B-D6C7DFDC589F}" vid="{4A3C46E8-61CC-4603-A589-7422A47A8E4A}"/>
-    </a:ext>
-  </a:extLst>
-</a:theme>
 </file>
--- a/Introducing SQL Operations Studio.pptx
+++ b/Introducing SQL Operations Studio.pptx
@@ -8,28 +8,30 @@
     <p:sldId id="263" r:id="rId2"/>
     <p:sldId id="264" r:id="rId3"/>
     <p:sldId id="265" r:id="rId4"/>
-    <p:sldId id="266" r:id="rId5"/>
-    <p:sldId id="262" r:id="rId6"/>
-    <p:sldId id="282" r:id="rId7"/>
-    <p:sldId id="287" r:id="rId8"/>
-    <p:sldId id="285" r:id="rId9"/>
+    <p:sldId id="262" r:id="rId5"/>
+    <p:sldId id="282" r:id="rId6"/>
+    <p:sldId id="287" r:id="rId7"/>
+    <p:sldId id="285" r:id="rId8"/>
+    <p:sldId id="271" r:id="rId9"/>
     <p:sldId id="270" r:id="rId10"/>
-    <p:sldId id="271" r:id="rId11"/>
-    <p:sldId id="272" r:id="rId12"/>
+    <p:sldId id="272" r:id="rId11"/>
+    <p:sldId id="293" r:id="rId12"/>
     <p:sldId id="274" r:id="rId13"/>
-    <p:sldId id="275" r:id="rId14"/>
-    <p:sldId id="276" r:id="rId15"/>
-    <p:sldId id="277" r:id="rId16"/>
-    <p:sldId id="278" r:id="rId17"/>
-    <p:sldId id="288" r:id="rId18"/>
-    <p:sldId id="279" r:id="rId19"/>
+    <p:sldId id="290" r:id="rId14"/>
+    <p:sldId id="291" r:id="rId15"/>
+    <p:sldId id="292" r:id="rId16"/>
+    <p:sldId id="276" r:id="rId17"/>
+    <p:sldId id="278" r:id="rId18"/>
+    <p:sldId id="277" r:id="rId19"/>
     <p:sldId id="267" r:id="rId20"/>
     <p:sldId id="283" r:id="rId21"/>
     <p:sldId id="273" r:id="rId22"/>
-    <p:sldId id="280" r:id="rId23"/>
-    <p:sldId id="284" r:id="rId24"/>
-    <p:sldId id="281" r:id="rId25"/>
-    <p:sldId id="269" r:id="rId26"/>
+    <p:sldId id="288" r:id="rId23"/>
+    <p:sldId id="289" r:id="rId24"/>
+    <p:sldId id="280" r:id="rId25"/>
+    <p:sldId id="284" r:id="rId26"/>
+    <p:sldId id="281" r:id="rId27"/>
+    <p:sldId id="269" r:id="rId28"/>
   </p:sldIdLst>
   <p:sldSz cx="11520488" cy="6480175"/>
   <p:notesSz cx="6858000" cy="9144000"/>
@@ -2955,7 +2957,6 @@
               <a:rPr lang="en-US" dirty="0"/>
               <a:t>SQL Operations Studio</a:t>
             </a:r>
-            <a:endParaRPr lang="en-US" dirty="0"/>
           </a:p>
         </p:txBody>
       </p:sp>
@@ -3035,16 +3036,3947 @@
           <a:lstStyle/>
           <a:p>
             <a:r>
-              <a:rPr lang="en-US" dirty="0" smtClean="0"/>
-              <a:t>Per chi è </a:t>
-            </a:r>
-            <a:r>
               <a:rPr lang="en-US" dirty="0" err="1" smtClean="0"/>
-              <a:t>pensato</a:t>
-            </a:r>
-            <a:r>
-              <a:rPr lang="en-US" dirty="0" smtClean="0"/>
-              <a:t> SQL Operations Studio?               </a:t>
+              <a:t>Com’è</a:t>
+            </a:r>
+            <a:r>
+              <a:rPr lang="en-US" dirty="0" smtClean="0"/>
+              <a:t> </a:t>
+            </a:r>
+            <a:r>
+              <a:rPr lang="en-US" dirty="0" err="1" smtClean="0"/>
+              <a:t>fatto</a:t>
+            </a:r>
+            <a:r>
+              <a:rPr lang="en-US" dirty="0" smtClean="0"/>
+              <a:t> SQL </a:t>
+            </a:r>
+            <a:r>
+              <a:rPr lang="en-US" dirty="0"/>
+              <a:t>Operations Studio? </a:t>
+            </a:r>
+            <a:r>
+              <a:rPr lang="en-US" dirty="0" smtClean="0"/>
+              <a:t>              </a:t>
+            </a:r>
+            <a:endParaRPr lang="en-US" dirty="0"/>
+          </a:p>
+        </p:txBody>
+      </p:sp>
+      <p:sp>
+        <p:nvSpPr>
+          <p:cNvPr id="19" name="Content Placeholder 18"/>
+          <p:cNvSpPr>
+            <a:spLocks noGrp="1"/>
+          </p:cNvSpPr>
+          <p:nvPr>
+            <p:ph idx="1"/>
+          </p:nvPr>
+        </p:nvSpPr>
+        <p:spPr/>
+        <p:txBody>
+          <a:bodyPr/>
+          <a:lstStyle/>
+          <a:p>
+            <a:r>
+              <a:rPr lang="en-US" dirty="0" err="1"/>
+              <a:t>Progetto</a:t>
+            </a:r>
+            <a:r>
+              <a:rPr lang="en-US" dirty="0"/>
+              <a:t> open </a:t>
+            </a:r>
+            <a:r>
+              <a:rPr lang="en-US" dirty="0" smtClean="0"/>
+              <a:t>source</a:t>
+            </a:r>
+          </a:p>
+          <a:p>
+            <a:r>
+              <a:rPr lang="en-US" sz="2400" dirty="0" smtClean="0">
+                <a:hlinkClick r:id="rId2"/>
+              </a:rPr>
+              <a:t>https</a:t>
+            </a:r>
+            <a:r>
+              <a:rPr lang="en-US" sz="2400" dirty="0">
+                <a:hlinkClick r:id="rId2"/>
+              </a:rPr>
+              <a:t>://</a:t>
+            </a:r>
+            <a:r>
+              <a:rPr lang="en-US" sz="2400" dirty="0" smtClean="0">
+                <a:hlinkClick r:id="rId2"/>
+              </a:rPr>
+              <a:t>github.com/Microsoft/sqlopsstudio</a:t>
+            </a:r>
+            <a:endParaRPr lang="en-US" sz="2400" dirty="0" smtClean="0"/>
+          </a:p>
+          <a:p>
+            <a:endParaRPr lang="en-US" sz="2400" dirty="0" smtClean="0"/>
+          </a:p>
+          <a:p>
+            <a:r>
+              <a:rPr lang="en-US" dirty="0" err="1" smtClean="0"/>
+              <a:t>Costruito</a:t>
+            </a:r>
+            <a:r>
+              <a:rPr lang="en-US" dirty="0" smtClean="0"/>
+              <a:t> “</a:t>
+            </a:r>
+            <a:r>
+              <a:rPr lang="en-US" dirty="0" err="1" smtClean="0"/>
+              <a:t>sopra</a:t>
+            </a:r>
+            <a:r>
+              <a:rPr lang="en-US" dirty="0" smtClean="0"/>
+              <a:t>” a Visual Studio Code</a:t>
+            </a:r>
+          </a:p>
+          <a:p>
+            <a:endParaRPr lang="en-US" sz="2400" dirty="0" smtClean="0"/>
+          </a:p>
+          <a:p>
+            <a:r>
+              <a:rPr lang="en-US" dirty="0" smtClean="0"/>
+              <a:t>Electron Framework</a:t>
+            </a:r>
+          </a:p>
+          <a:p>
+            <a:r>
+              <a:rPr lang="en-US" sz="2400" dirty="0" smtClean="0">
+                <a:hlinkClick r:id="rId3"/>
+              </a:rPr>
+              <a:t>https</a:t>
+            </a:r>
+            <a:r>
+              <a:rPr lang="en-US" sz="2400" dirty="0">
+                <a:hlinkClick r:id="rId3"/>
+              </a:rPr>
+              <a:t>://electronjs.org</a:t>
+            </a:r>
+            <a:r>
+              <a:rPr lang="en-US" sz="2400" dirty="0" smtClean="0">
+                <a:hlinkClick r:id="rId3"/>
+              </a:rPr>
+              <a:t>/</a:t>
+            </a:r>
+            <a:endParaRPr lang="en-US" sz="2400" dirty="0" smtClean="0"/>
+          </a:p>
+          <a:p>
+            <a:pPr marL="571500" indent="-571500">
+              <a:buFont typeface="Arial" panose="020B0604020202020204" pitchFamily="34" charset="0"/>
+              <a:buChar char="•"/>
+            </a:pPr>
+            <a:endParaRPr lang="en-US" dirty="0" smtClean="0"/>
+          </a:p>
+          <a:p>
+            <a:pPr marL="571500" indent="-571500">
+              <a:buFont typeface="Arial" panose="020B0604020202020204" pitchFamily="34" charset="0"/>
+              <a:buChar char="•"/>
+            </a:pPr>
+            <a:endParaRPr lang="en-US" dirty="0"/>
+          </a:p>
+        </p:txBody>
+      </p:sp>
+      <p:pic>
+        <p:nvPicPr>
+          <p:cNvPr id="3080" name="Picture 8" descr="https://cdn-images-1.medium.com/max/800/0*wJBghjYPZALMu6im."/>
+          <p:cNvPicPr>
+            <a:picLocks noChangeAspect="1" noChangeArrowheads="1"/>
+          </p:cNvPicPr>
+          <p:nvPr/>
+        </p:nvPicPr>
+        <p:blipFill>
+          <a:blip r:embed="rId4">
+            <a:extLst>
+              <a:ext uri="{28A0092B-C50C-407E-A947-70E740481C1C}">
+                <a14:useLocalDpi xmlns:a14="http://schemas.microsoft.com/office/drawing/2010/main" val="0"/>
+              </a:ext>
+            </a:extLst>
+          </a:blip>
+          <a:srcRect/>
+          <a:stretch>
+            <a:fillRect/>
+          </a:stretch>
+        </p:blipFill>
+        <p:spPr bwMode="auto">
+          <a:xfrm>
+            <a:off x="4838777" y="4064924"/>
+            <a:ext cx="556760" cy="605962"/>
+          </a:xfrm>
+          <a:prstGeom prst="rect">
+            <a:avLst/>
+          </a:prstGeom>
+          <a:noFill/>
+          <a:extLst>
+            <a:ext uri="{909E8E84-426E-40DD-AFC4-6F175D3DCCD1}">
+              <a14:hiddenFill xmlns:a14="http://schemas.microsoft.com/office/drawing/2010/main">
+                <a:solidFill>
+                  <a:srgbClr val="FFFFFF"/>
+                </a:solidFill>
+              </a14:hiddenFill>
+            </a:ext>
+          </a:extLst>
+        </p:spPr>
+      </p:pic>
+      <p:pic>
+        <p:nvPicPr>
+          <p:cNvPr id="3076" name="Picture 4" descr="Image result"/>
+          <p:cNvPicPr>
+            <a:picLocks noChangeAspect="1" noChangeArrowheads="1"/>
+          </p:cNvPicPr>
+          <p:nvPr/>
+        </p:nvPicPr>
+        <p:blipFill>
+          <a:blip r:embed="rId5">
+            <a:extLst>
+              <a:ext uri="{28A0092B-C50C-407E-A947-70E740481C1C}">
+                <a14:useLocalDpi xmlns:a14="http://schemas.microsoft.com/office/drawing/2010/main" val="0"/>
+              </a:ext>
+            </a:extLst>
+          </a:blip>
+          <a:srcRect/>
+          <a:stretch>
+            <a:fillRect/>
+          </a:stretch>
+        </p:blipFill>
+        <p:spPr bwMode="auto">
+          <a:xfrm>
+            <a:off x="8404999" y="2892828"/>
+            <a:ext cx="788617" cy="788617"/>
+          </a:xfrm>
+          <a:prstGeom prst="rect">
+            <a:avLst/>
+          </a:prstGeom>
+          <a:noFill/>
+          <a:extLst>
+            <a:ext uri="{909E8E84-426E-40DD-AFC4-6F175D3DCCD1}">
+              <a14:hiddenFill xmlns:a14="http://schemas.microsoft.com/office/drawing/2010/main">
+                <a:solidFill>
+                  <a:srgbClr val="FFFFFF"/>
+                </a:solidFill>
+              </a14:hiddenFill>
+            </a:ext>
+          </a:extLst>
+        </p:spPr>
+      </p:pic>
+    </p:spTree>
+    <p:extLst>
+      <p:ext uri="{BB962C8B-B14F-4D97-AF65-F5344CB8AC3E}">
+        <p14:creationId xmlns:p14="http://schemas.microsoft.com/office/powerpoint/2010/main" val="1535902438"/>
+      </p:ext>
+    </p:extLst>
+  </p:cSld>
+  <p:clrMapOvr>
+    <a:masterClrMapping/>
+  </p:clrMapOvr>
+  <p:timing>
+    <p:tnLst>
+      <p:par>
+        <p:cTn id="1" dur="indefinite" restart="never" nodeType="tmRoot"/>
+      </p:par>
+    </p:tnLst>
+  </p:timing>
+</p:sld>
+</file>
+
+<file path=ppt/slides/slide11.xml><?xml version="1.0" encoding="utf-8"?>
+<p:sld xmlns:a="http://schemas.openxmlformats.org/drawingml/2006/main" xmlns:r="http://schemas.openxmlformats.org/officeDocument/2006/relationships" xmlns:p="http://schemas.openxmlformats.org/presentationml/2006/main">
+  <p:cSld>
+    <p:spTree>
+      <p:nvGrpSpPr>
+        <p:cNvPr id="1" name=""/>
+        <p:cNvGrpSpPr/>
+        <p:nvPr/>
+      </p:nvGrpSpPr>
+      <p:grpSpPr>
+        <a:xfrm>
+          <a:off x="0" y="0"/>
+          <a:ext cx="0" cy="0"/>
+          <a:chOff x="0" y="0"/>
+          <a:chExt cx="0" cy="0"/>
+        </a:xfrm>
+      </p:grpSpPr>
+      <p:sp>
+        <p:nvSpPr>
+          <p:cNvPr id="2" name="Title 1"/>
+          <p:cNvSpPr>
+            <a:spLocks noGrp="1"/>
+          </p:cNvSpPr>
+          <p:nvPr>
+            <p:ph type="title"/>
+          </p:nvPr>
+        </p:nvSpPr>
+        <p:spPr/>
+        <p:txBody>
+          <a:bodyPr/>
+          <a:lstStyle/>
+          <a:p>
+            <a:r>
+              <a:rPr lang="en-US" dirty="0" err="1" smtClean="0"/>
+              <a:t>Funzionalità</a:t>
+            </a:r>
+            <a:endParaRPr lang="en-US" dirty="0"/>
+          </a:p>
+        </p:txBody>
+      </p:sp>
+    </p:spTree>
+    <p:extLst>
+      <p:ext uri="{BB962C8B-B14F-4D97-AF65-F5344CB8AC3E}">
+        <p14:creationId xmlns:p14="http://schemas.microsoft.com/office/powerpoint/2010/main" val="3120075417"/>
+      </p:ext>
+    </p:extLst>
+  </p:cSld>
+  <p:clrMapOvr>
+    <a:masterClrMapping/>
+  </p:clrMapOvr>
+  <p:timing>
+    <p:tnLst>
+      <p:par>
+        <p:cTn id="1" dur="indefinite" restart="never" nodeType="tmRoot"/>
+      </p:par>
+    </p:tnLst>
+  </p:timing>
+</p:sld>
+</file>
+
+<file path=ppt/slides/slide12.xml><?xml version="1.0" encoding="utf-8"?>
+<p:sld xmlns:a="http://schemas.openxmlformats.org/drawingml/2006/main" xmlns:r="http://schemas.openxmlformats.org/officeDocument/2006/relationships" xmlns:p="http://schemas.openxmlformats.org/presentationml/2006/main">
+  <p:cSld>
+    <p:spTree>
+      <p:nvGrpSpPr>
+        <p:cNvPr id="1" name=""/>
+        <p:cNvGrpSpPr/>
+        <p:nvPr/>
+      </p:nvGrpSpPr>
+      <p:grpSpPr>
+        <a:xfrm>
+          <a:off x="0" y="0"/>
+          <a:ext cx="0" cy="0"/>
+          <a:chOff x="0" y="0"/>
+          <a:chExt cx="0" cy="0"/>
+        </a:xfrm>
+      </p:grpSpPr>
+      <p:sp>
+        <p:nvSpPr>
+          <p:cNvPr id="18" name="Title 17"/>
+          <p:cNvSpPr>
+            <a:spLocks noGrp="1"/>
+          </p:cNvSpPr>
+          <p:nvPr>
+            <p:ph type="title"/>
+          </p:nvPr>
+        </p:nvSpPr>
+        <p:spPr/>
+        <p:txBody>
+          <a:bodyPr/>
+          <a:lstStyle/>
+          <a:p>
+            <a:r>
+              <a:rPr lang="en-US" dirty="0" smtClean="0"/>
+              <a:t>Core functionalities </a:t>
+            </a:r>
+            <a:r>
+              <a:rPr lang="en-US" sz="2800" dirty="0" smtClean="0"/>
+              <a:t>(la parte Dev)</a:t>
+            </a:r>
+            <a:endParaRPr lang="en-US" dirty="0"/>
+          </a:p>
+        </p:txBody>
+      </p:sp>
+      <p:sp>
+        <p:nvSpPr>
+          <p:cNvPr id="19" name="Content Placeholder 18"/>
+          <p:cNvSpPr>
+            <a:spLocks noGrp="1"/>
+          </p:cNvSpPr>
+          <p:nvPr>
+            <p:ph idx="1"/>
+          </p:nvPr>
+        </p:nvSpPr>
+        <p:spPr>
+          <a:xfrm>
+            <a:off x="360125" y="1439813"/>
+            <a:ext cx="10800000" cy="4511044"/>
+          </a:xfrm>
+        </p:spPr>
+        <p:txBody>
+          <a:bodyPr>
+            <a:noAutofit/>
+          </a:bodyPr>
+          <a:lstStyle/>
+          <a:p>
+            <a:pPr marL="685800" indent="-685800">
+              <a:buFont typeface="Arial" panose="020B0604020202020204" pitchFamily="34" charset="0"/>
+              <a:buChar char="•"/>
+            </a:pPr>
+            <a:r>
+              <a:rPr lang="en-US" sz="2800" dirty="0" err="1" smtClean="0"/>
+              <a:t>Connettersi</a:t>
+            </a:r>
+            <a:r>
+              <a:rPr lang="en-US" sz="2800" dirty="0" smtClean="0"/>
+              <a:t> a SQL Server</a:t>
+            </a:r>
+          </a:p>
+          <a:p>
+            <a:pPr marL="685800" indent="-685800">
+              <a:buFont typeface="Arial" panose="020B0604020202020204" pitchFamily="34" charset="0"/>
+              <a:buChar char="•"/>
+            </a:pPr>
+            <a:r>
+              <a:rPr lang="en-US" sz="2800" dirty="0" err="1" smtClean="0"/>
+              <a:t>Esplorazione</a:t>
+            </a:r>
+            <a:r>
+              <a:rPr lang="en-US" sz="2800" dirty="0" smtClean="0"/>
+              <a:t> </a:t>
+            </a:r>
+            <a:r>
+              <a:rPr lang="en-US" sz="2800" dirty="0" err="1" smtClean="0"/>
+              <a:t>degli</a:t>
+            </a:r>
+            <a:r>
+              <a:rPr lang="en-US" sz="2800" dirty="0" smtClean="0"/>
+              <a:t> </a:t>
+            </a:r>
+            <a:r>
+              <a:rPr lang="en-US" sz="2800" dirty="0" err="1" smtClean="0"/>
+              <a:t>oggetti</a:t>
+            </a:r>
+            <a:endParaRPr lang="en-US" sz="2800" dirty="0"/>
+          </a:p>
+          <a:p>
+            <a:pPr marL="685800" indent="-685800">
+              <a:buFont typeface="Arial" panose="020B0604020202020204" pitchFamily="34" charset="0"/>
+              <a:buChar char="•"/>
+            </a:pPr>
+            <a:r>
+              <a:rPr lang="en-US" sz="2800" dirty="0" err="1" smtClean="0"/>
+              <a:t>Intellisense</a:t>
+            </a:r>
+            <a:r>
+              <a:rPr lang="en-US" sz="2800" dirty="0" smtClean="0"/>
+              <a:t> (</a:t>
+            </a:r>
+            <a:r>
+              <a:rPr lang="en-US" sz="2800" dirty="0" err="1" smtClean="0"/>
+              <a:t>anche</a:t>
+            </a:r>
+            <a:r>
+              <a:rPr lang="en-US" sz="2800" dirty="0" smtClean="0"/>
+              <a:t> per Azure SQLDB)</a:t>
+            </a:r>
+          </a:p>
+          <a:p>
+            <a:pPr marL="685800" indent="-685800">
+              <a:buFont typeface="Arial" panose="020B0604020202020204" pitchFamily="34" charset="0"/>
+              <a:buChar char="•"/>
+            </a:pPr>
+            <a:r>
+              <a:rPr lang="en-US" sz="2800" dirty="0" smtClean="0"/>
+              <a:t>Editing </a:t>
+            </a:r>
+            <a:r>
+              <a:rPr lang="en-US" sz="2800" dirty="0" err="1" smtClean="0"/>
+              <a:t>avanzato</a:t>
+            </a:r>
+            <a:r>
+              <a:rPr lang="en-US" sz="2800" dirty="0" smtClean="0"/>
+              <a:t> per T-SQL</a:t>
+            </a:r>
+          </a:p>
+          <a:p>
+            <a:pPr marL="685800" indent="-685800">
+              <a:buFont typeface="Arial" panose="020B0604020202020204" pitchFamily="34" charset="0"/>
+              <a:buChar char="•"/>
+            </a:pPr>
+            <a:r>
+              <a:rPr lang="en-US" sz="2800" dirty="0" err="1" smtClean="0"/>
+              <a:t>Esecuzione</a:t>
+            </a:r>
+            <a:r>
+              <a:rPr lang="en-US" sz="2800" dirty="0" smtClean="0"/>
+              <a:t> e </a:t>
+            </a:r>
+            <a:r>
+              <a:rPr lang="en-US" sz="2800" dirty="0" err="1" smtClean="0"/>
+              <a:t>visualizzazione</a:t>
+            </a:r>
+            <a:r>
+              <a:rPr lang="en-US" sz="2800" dirty="0" smtClean="0"/>
+              <a:t> </a:t>
+            </a:r>
+            <a:r>
+              <a:rPr lang="en-US" sz="2800" dirty="0" err="1" smtClean="0"/>
+              <a:t>dei</a:t>
+            </a:r>
+            <a:r>
+              <a:rPr lang="en-US" sz="2800" dirty="0" smtClean="0"/>
+              <a:t> </a:t>
+            </a:r>
+            <a:r>
+              <a:rPr lang="en-US" sz="2800" dirty="0" err="1" smtClean="0"/>
+              <a:t>risultati</a:t>
+            </a:r>
+            <a:endParaRPr lang="en-US" sz="2800" dirty="0"/>
+          </a:p>
+        </p:txBody>
+      </p:sp>
+    </p:spTree>
+    <p:extLst>
+      <p:ext uri="{BB962C8B-B14F-4D97-AF65-F5344CB8AC3E}">
+        <p14:creationId xmlns:p14="http://schemas.microsoft.com/office/powerpoint/2010/main" val="980586463"/>
+      </p:ext>
+    </p:extLst>
+  </p:cSld>
+  <p:clrMapOvr>
+    <a:masterClrMapping/>
+  </p:clrMapOvr>
+  <p:timing>
+    <p:tnLst>
+      <p:par>
+        <p:cTn id="1" dur="indefinite" restart="never" nodeType="tmRoot"/>
+      </p:par>
+    </p:tnLst>
+  </p:timing>
+</p:sld>
+</file>
+
+<file path=ppt/slides/slide13.xml><?xml version="1.0" encoding="utf-8"?>
+<p:sld xmlns:a="http://schemas.openxmlformats.org/drawingml/2006/main" xmlns:r="http://schemas.openxmlformats.org/officeDocument/2006/relationships" xmlns:p="http://schemas.openxmlformats.org/presentationml/2006/main">
+  <p:cSld>
+    <p:spTree>
+      <p:nvGrpSpPr>
+        <p:cNvPr id="1" name=""/>
+        <p:cNvGrpSpPr/>
+        <p:nvPr/>
+      </p:nvGrpSpPr>
+      <p:grpSpPr>
+        <a:xfrm>
+          <a:off x="0" y="0"/>
+          <a:ext cx="0" cy="0"/>
+          <a:chOff x="0" y="0"/>
+          <a:chExt cx="0" cy="0"/>
+        </a:xfrm>
+      </p:grpSpPr>
+      <p:sp>
+        <p:nvSpPr>
+          <p:cNvPr id="18" name="Title 17"/>
+          <p:cNvSpPr>
+            <a:spLocks noGrp="1"/>
+          </p:cNvSpPr>
+          <p:nvPr>
+            <p:ph type="title"/>
+          </p:nvPr>
+        </p:nvSpPr>
+        <p:spPr/>
+        <p:txBody>
+          <a:bodyPr/>
+          <a:lstStyle/>
+          <a:p>
+            <a:r>
+              <a:rPr lang="en-US" dirty="0" err="1" smtClean="0"/>
+              <a:t>Novità</a:t>
+            </a:r>
+            <a:r>
+              <a:rPr lang="en-US" dirty="0" smtClean="0"/>
+              <a:t> “</a:t>
+            </a:r>
+            <a:r>
+              <a:rPr lang="en-US" dirty="0" err="1" smtClean="0"/>
+              <a:t>esclusive</a:t>
+            </a:r>
+            <a:r>
+              <a:rPr lang="en-US" dirty="0" smtClean="0"/>
+              <a:t>”</a:t>
+            </a:r>
+            <a:endParaRPr lang="en-US" dirty="0"/>
+          </a:p>
+        </p:txBody>
+      </p:sp>
+      <p:sp>
+        <p:nvSpPr>
+          <p:cNvPr id="19" name="Content Placeholder 18"/>
+          <p:cNvSpPr>
+            <a:spLocks noGrp="1"/>
+          </p:cNvSpPr>
+          <p:nvPr>
+            <p:ph idx="1"/>
+          </p:nvPr>
+        </p:nvSpPr>
+        <p:spPr>
+          <a:xfrm>
+            <a:off x="360125" y="1439813"/>
+            <a:ext cx="10800000" cy="4511044"/>
+          </a:xfrm>
+        </p:spPr>
+        <p:txBody>
+          <a:bodyPr>
+            <a:noAutofit/>
+          </a:bodyPr>
+          <a:lstStyle/>
+          <a:p>
+            <a:pPr marL="685800" indent="-685800">
+              <a:buFont typeface="Arial" panose="020B0604020202020204" pitchFamily="34" charset="0"/>
+              <a:buChar char="•"/>
+            </a:pPr>
+            <a:r>
+              <a:rPr lang="en-US" sz="2800" dirty="0" smtClean="0"/>
+              <a:t>Integrated Terminal</a:t>
+            </a:r>
+            <a:endParaRPr lang="en-US" sz="2800" dirty="0" smtClean="0"/>
+          </a:p>
+          <a:p>
+            <a:pPr marL="685800" indent="-685800">
+              <a:buFont typeface="Arial" panose="020B0604020202020204" pitchFamily="34" charset="0"/>
+              <a:buChar char="•"/>
+            </a:pPr>
+            <a:r>
+              <a:rPr lang="en-US" sz="2800" dirty="0" smtClean="0"/>
+              <a:t>Source Control</a:t>
+            </a:r>
+            <a:endParaRPr lang="en-US" sz="2800" dirty="0" smtClean="0"/>
+          </a:p>
+          <a:p>
+            <a:pPr marL="685800" indent="-685800">
+              <a:buFont typeface="Arial" panose="020B0604020202020204" pitchFamily="34" charset="0"/>
+              <a:buChar char="•"/>
+            </a:pPr>
+            <a:r>
+              <a:rPr lang="en-US" sz="2800" dirty="0" smtClean="0"/>
+              <a:t>Dashboard, Widgets e </a:t>
+            </a:r>
+            <a:r>
+              <a:rPr lang="en-US" sz="2800" dirty="0" smtClean="0"/>
+              <a:t>Insights</a:t>
+            </a:r>
+          </a:p>
+          <a:p>
+            <a:pPr marL="685800" indent="-685800">
+              <a:buFont typeface="Arial" panose="020B0604020202020204" pitchFamily="34" charset="0"/>
+              <a:buChar char="•"/>
+            </a:pPr>
+            <a:r>
+              <a:rPr lang="en-US" sz="2800" dirty="0" smtClean="0"/>
+              <a:t>Extensibility</a:t>
+            </a:r>
+            <a:endParaRPr lang="en-US" sz="2800" dirty="0"/>
+          </a:p>
+        </p:txBody>
+      </p:sp>
+    </p:spTree>
+    <p:extLst>
+      <p:ext uri="{BB962C8B-B14F-4D97-AF65-F5344CB8AC3E}">
+        <p14:creationId xmlns:p14="http://schemas.microsoft.com/office/powerpoint/2010/main" val="864763265"/>
+      </p:ext>
+    </p:extLst>
+  </p:cSld>
+  <p:clrMapOvr>
+    <a:masterClrMapping/>
+  </p:clrMapOvr>
+  <p:timing>
+    <p:tnLst>
+      <p:par>
+        <p:cTn id="1" dur="indefinite" restart="never" nodeType="tmRoot"/>
+      </p:par>
+    </p:tnLst>
+  </p:timing>
+</p:sld>
+</file>
+
+<file path=ppt/slides/slide14.xml><?xml version="1.0" encoding="utf-8"?>
+<p:sld xmlns:a="http://schemas.openxmlformats.org/drawingml/2006/main" xmlns:r="http://schemas.openxmlformats.org/officeDocument/2006/relationships" xmlns:p="http://schemas.openxmlformats.org/presentationml/2006/main">
+  <p:cSld>
+    <p:spTree>
+      <p:nvGrpSpPr>
+        <p:cNvPr id="1" name=""/>
+        <p:cNvGrpSpPr/>
+        <p:nvPr/>
+      </p:nvGrpSpPr>
+      <p:grpSpPr>
+        <a:xfrm>
+          <a:off x="0" y="0"/>
+          <a:ext cx="0" cy="0"/>
+          <a:chOff x="0" y="0"/>
+          <a:chExt cx="0" cy="0"/>
+        </a:xfrm>
+      </p:grpSpPr>
+      <p:sp>
+        <p:nvSpPr>
+          <p:cNvPr id="18" name="Title 17"/>
+          <p:cNvSpPr>
+            <a:spLocks noGrp="1"/>
+          </p:cNvSpPr>
+          <p:nvPr>
+            <p:ph type="title"/>
+          </p:nvPr>
+        </p:nvSpPr>
+        <p:spPr/>
+        <p:txBody>
+          <a:bodyPr/>
+          <a:lstStyle/>
+          <a:p>
+            <a:r>
+              <a:rPr lang="en-US" dirty="0" smtClean="0"/>
+              <a:t>Integrated Terminal</a:t>
+            </a:r>
+            <a:endParaRPr lang="en-US" dirty="0"/>
+          </a:p>
+        </p:txBody>
+      </p:sp>
+      <p:sp>
+        <p:nvSpPr>
+          <p:cNvPr id="19" name="Content Placeholder 18"/>
+          <p:cNvSpPr>
+            <a:spLocks noGrp="1"/>
+          </p:cNvSpPr>
+          <p:nvPr>
+            <p:ph idx="1"/>
+          </p:nvPr>
+        </p:nvSpPr>
+        <p:spPr>
+          <a:xfrm>
+            <a:off x="360125" y="1439813"/>
+            <a:ext cx="10800000" cy="4511044"/>
+          </a:xfrm>
+        </p:spPr>
+        <p:txBody>
+          <a:bodyPr>
+            <a:noAutofit/>
+          </a:bodyPr>
+          <a:lstStyle/>
+          <a:p>
+            <a:pPr marL="685800" indent="-685800">
+              <a:buFont typeface="Arial" panose="020B0604020202020204" pitchFamily="34" charset="0"/>
+              <a:buChar char="•"/>
+            </a:pPr>
+            <a:r>
+              <a:rPr lang="en-US" sz="2800" dirty="0" smtClean="0"/>
+              <a:t>Multiple terminal</a:t>
+            </a:r>
+          </a:p>
+          <a:p>
+            <a:pPr marL="685800" indent="-685800">
+              <a:buFont typeface="Arial" panose="020B0604020202020204" pitchFamily="34" charset="0"/>
+              <a:buChar char="•"/>
+            </a:pPr>
+            <a:r>
+              <a:rPr lang="en-US" sz="2800" dirty="0" err="1" smtClean="0"/>
+              <a:t>Supporto</a:t>
+            </a:r>
+            <a:r>
+              <a:rPr lang="en-US" sz="2800" dirty="0" smtClean="0"/>
+              <a:t> per </a:t>
+            </a:r>
+            <a:r>
+              <a:rPr lang="en-US" sz="2800" dirty="0" err="1" smtClean="0"/>
+              <a:t>qualsiasi</a:t>
+            </a:r>
+            <a:r>
+              <a:rPr lang="en-US" sz="2800" dirty="0" smtClean="0"/>
+              <a:t> shell</a:t>
+            </a:r>
+          </a:p>
+          <a:p>
+            <a:pPr marL="1261827" lvl="1" indent="-685800">
+              <a:buFont typeface="Arial" panose="020B0604020202020204" pitchFamily="34" charset="0"/>
+              <a:buChar char="•"/>
+            </a:pPr>
+            <a:r>
+              <a:rPr lang="en-US" sz="2400" dirty="0" err="1" smtClean="0"/>
+              <a:t>che</a:t>
+            </a:r>
+            <a:r>
+              <a:rPr lang="en-US" sz="2400" dirty="0" smtClean="0"/>
+              <a:t> </a:t>
+            </a:r>
+            <a:r>
+              <a:rPr lang="en-US" sz="2400" dirty="0" err="1" smtClean="0"/>
+              <a:t>supporti</a:t>
+            </a:r>
+            <a:r>
+              <a:rPr lang="en-US" sz="2400" dirty="0" smtClean="0"/>
+              <a:t> </a:t>
+            </a:r>
+            <a:r>
+              <a:rPr lang="en-US" sz="2400" i="1" dirty="0" err="1" smtClean="0"/>
+              <a:t>stdin</a:t>
+            </a:r>
+            <a:r>
+              <a:rPr lang="en-US" sz="2400" i="1" dirty="0" smtClean="0"/>
+              <a:t>/</a:t>
+            </a:r>
+            <a:r>
+              <a:rPr lang="en-US" sz="2400" i="1" dirty="0" err="1" smtClean="0"/>
+              <a:t>stdout</a:t>
+            </a:r>
+            <a:r>
+              <a:rPr lang="en-US" sz="2400" i="1" dirty="0" smtClean="0"/>
+              <a:t>/</a:t>
+            </a:r>
+            <a:r>
+              <a:rPr lang="en-US" sz="2400" i="1" dirty="0" err="1" smtClean="0"/>
+              <a:t>stderr</a:t>
+            </a:r>
+            <a:r>
+              <a:rPr lang="en-US" sz="2400" dirty="0" smtClean="0"/>
+              <a:t> redirection</a:t>
+            </a:r>
+          </a:p>
+          <a:p>
+            <a:pPr marL="685800" indent="-685800">
+              <a:buFont typeface="Arial" panose="020B0604020202020204" pitchFamily="34" charset="0"/>
+              <a:buChar char="•"/>
+            </a:pPr>
+            <a:r>
+              <a:rPr lang="en-US" sz="2800" dirty="0" err="1" smtClean="0"/>
+              <a:t>Configurabile</a:t>
+            </a:r>
+            <a:endParaRPr lang="en-US" sz="2800" dirty="0" smtClean="0"/>
+          </a:p>
+          <a:p>
+            <a:pPr marL="1261827" lvl="1" indent="-685800">
+              <a:buFont typeface="Arial" panose="020B0604020202020204" pitchFamily="34" charset="0"/>
+              <a:buChar char="•"/>
+            </a:pPr>
+            <a:r>
+              <a:rPr lang="en-US" sz="2400" dirty="0"/>
+              <a:t>Terminal Display </a:t>
+            </a:r>
+            <a:r>
+              <a:rPr lang="en-US" sz="2400" dirty="0" smtClean="0"/>
+              <a:t>Settings</a:t>
+            </a:r>
+          </a:p>
+          <a:p>
+            <a:pPr marL="1261827" lvl="1" indent="-685800">
+              <a:buFont typeface="Arial" panose="020B0604020202020204" pitchFamily="34" charset="0"/>
+              <a:buChar char="•"/>
+            </a:pPr>
+            <a:r>
+              <a:rPr lang="en-US" sz="2400" dirty="0" smtClean="0"/>
+              <a:t>Terminal Key Bindings</a:t>
+            </a:r>
+            <a:endParaRPr lang="en-US" dirty="0"/>
+          </a:p>
+          <a:p>
+            <a:pPr marL="1261827" lvl="1" indent="-685800">
+              <a:buFont typeface="Arial" panose="020B0604020202020204" pitchFamily="34" charset="0"/>
+              <a:buChar char="•"/>
+            </a:pPr>
+            <a:endParaRPr lang="en-US" sz="2400" dirty="0"/>
+          </a:p>
+        </p:txBody>
+      </p:sp>
+    </p:spTree>
+    <p:extLst>
+      <p:ext uri="{BB962C8B-B14F-4D97-AF65-F5344CB8AC3E}">
+        <p14:creationId xmlns:p14="http://schemas.microsoft.com/office/powerpoint/2010/main" val="2722836913"/>
+      </p:ext>
+    </p:extLst>
+  </p:cSld>
+  <p:clrMapOvr>
+    <a:masterClrMapping/>
+  </p:clrMapOvr>
+  <p:timing>
+    <p:tnLst>
+      <p:par>
+        <p:cTn id="1" dur="indefinite" restart="never" nodeType="tmRoot"/>
+      </p:par>
+    </p:tnLst>
+  </p:timing>
+</p:sld>
+</file>
+
+<file path=ppt/slides/slide15.xml><?xml version="1.0" encoding="utf-8"?>
+<p:sld xmlns:a="http://schemas.openxmlformats.org/drawingml/2006/main" xmlns:r="http://schemas.openxmlformats.org/officeDocument/2006/relationships" xmlns:p="http://schemas.openxmlformats.org/presentationml/2006/main">
+  <p:cSld>
+    <p:spTree>
+      <p:nvGrpSpPr>
+        <p:cNvPr id="1" name=""/>
+        <p:cNvGrpSpPr/>
+        <p:nvPr/>
+      </p:nvGrpSpPr>
+      <p:grpSpPr>
+        <a:xfrm>
+          <a:off x="0" y="0"/>
+          <a:ext cx="0" cy="0"/>
+          <a:chOff x="0" y="0"/>
+          <a:chExt cx="0" cy="0"/>
+        </a:xfrm>
+      </p:grpSpPr>
+      <p:sp>
+        <p:nvSpPr>
+          <p:cNvPr id="18" name="Title 17"/>
+          <p:cNvSpPr>
+            <a:spLocks noGrp="1"/>
+          </p:cNvSpPr>
+          <p:nvPr>
+            <p:ph type="title"/>
+          </p:nvPr>
+        </p:nvSpPr>
+        <p:spPr/>
+        <p:txBody>
+          <a:bodyPr/>
+          <a:lstStyle/>
+          <a:p>
+            <a:r>
+              <a:rPr lang="en-US" dirty="0" smtClean="0"/>
+              <a:t>Source Control</a:t>
+            </a:r>
+            <a:endParaRPr lang="en-US" dirty="0"/>
+          </a:p>
+        </p:txBody>
+      </p:sp>
+      <p:sp>
+        <p:nvSpPr>
+          <p:cNvPr id="19" name="Content Placeholder 18"/>
+          <p:cNvSpPr>
+            <a:spLocks noGrp="1"/>
+          </p:cNvSpPr>
+          <p:nvPr>
+            <p:ph idx="1"/>
+          </p:nvPr>
+        </p:nvSpPr>
+        <p:spPr>
+          <a:xfrm>
+            <a:off x="360125" y="1439813"/>
+            <a:ext cx="10800000" cy="4511044"/>
+          </a:xfrm>
+        </p:spPr>
+        <p:txBody>
+          <a:bodyPr>
+            <a:noAutofit/>
+          </a:bodyPr>
+          <a:lstStyle/>
+          <a:p>
+            <a:pPr marL="685800" indent="-685800">
+              <a:buFont typeface="Arial" panose="020B0604020202020204" pitchFamily="34" charset="0"/>
+              <a:buChar char="•"/>
+            </a:pPr>
+            <a:r>
+              <a:rPr lang="en-US" sz="2800" dirty="0" err="1" smtClean="0"/>
+              <a:t>Git</a:t>
+            </a:r>
+            <a:r>
+              <a:rPr lang="en-US" sz="2800" dirty="0" smtClean="0"/>
+              <a:t> Source Control Manager (SMC) by default</a:t>
+            </a:r>
+          </a:p>
+          <a:p>
+            <a:pPr marL="685800" indent="-685800">
+              <a:buFont typeface="Arial" panose="020B0604020202020204" pitchFamily="34" charset="0"/>
+              <a:buChar char="•"/>
+            </a:pPr>
+            <a:r>
+              <a:rPr lang="en-US" sz="2800" dirty="0" err="1" smtClean="0"/>
+              <a:t>Richiede</a:t>
+            </a:r>
+            <a:r>
+              <a:rPr lang="en-US" sz="2800" dirty="0" smtClean="0"/>
+              <a:t> </a:t>
+            </a:r>
+            <a:r>
+              <a:rPr lang="en-US" sz="2800" dirty="0" err="1" smtClean="0"/>
+              <a:t>installazione</a:t>
+            </a:r>
+            <a:r>
+              <a:rPr lang="en-US" sz="2800" dirty="0" smtClean="0"/>
+              <a:t> di </a:t>
+            </a:r>
+            <a:r>
+              <a:rPr lang="en-US" sz="2800" dirty="0" err="1" smtClean="0"/>
+              <a:t>Git</a:t>
+            </a:r>
+            <a:r>
+              <a:rPr lang="en-US" sz="2800" dirty="0" smtClean="0"/>
+              <a:t> (&gt;2.0.0)</a:t>
+            </a:r>
+          </a:p>
+          <a:p>
+            <a:pPr marL="685800" indent="-685800">
+              <a:buFont typeface="Arial" panose="020B0604020202020204" pitchFamily="34" charset="0"/>
+              <a:buChar char="•"/>
+            </a:pPr>
+            <a:r>
+              <a:rPr lang="en-US" sz="2800" dirty="0" err="1" smtClean="0"/>
+              <a:t>Ereditato</a:t>
+            </a:r>
+            <a:r>
+              <a:rPr lang="en-US" sz="2800" dirty="0" smtClean="0"/>
+              <a:t> dal layer di Visual Studio Code</a:t>
+            </a:r>
+          </a:p>
+          <a:p>
+            <a:pPr marL="685800" indent="-685800">
+              <a:buFont typeface="Arial" panose="020B0604020202020204" pitchFamily="34" charset="0"/>
+              <a:buChar char="•"/>
+            </a:pPr>
+            <a:r>
+              <a:rPr lang="en-US" sz="2800" dirty="0" smtClean="0"/>
+              <a:t>Ma non </a:t>
+            </a:r>
+            <a:r>
+              <a:rPr lang="en-US" sz="2800" dirty="0" err="1" smtClean="0"/>
+              <a:t>supporta</a:t>
+            </a:r>
+            <a:r>
+              <a:rPr lang="en-US" sz="2800" dirty="0" smtClean="0"/>
+              <a:t> (al </a:t>
+            </a:r>
+            <a:r>
+              <a:rPr lang="en-US" sz="2800" dirty="0" err="1" smtClean="0"/>
+              <a:t>momento</a:t>
+            </a:r>
+            <a:r>
+              <a:rPr lang="en-US" sz="2800" dirty="0" smtClean="0"/>
+              <a:t>) </a:t>
+            </a:r>
+            <a:r>
+              <a:rPr lang="en-US" sz="2800" dirty="0" err="1" smtClean="0"/>
+              <a:t>altri</a:t>
+            </a:r>
+            <a:r>
+              <a:rPr lang="en-US" sz="2800" dirty="0" smtClean="0"/>
+              <a:t> SCM provider</a:t>
+            </a:r>
+            <a:endParaRPr lang="en-US" dirty="0"/>
+          </a:p>
+          <a:p>
+            <a:pPr marL="1261827" lvl="1" indent="-685800">
+              <a:buFont typeface="Arial" panose="020B0604020202020204" pitchFamily="34" charset="0"/>
+              <a:buChar char="•"/>
+            </a:pPr>
+            <a:endParaRPr lang="en-US" sz="2400" dirty="0"/>
+          </a:p>
+        </p:txBody>
+      </p:sp>
+    </p:spTree>
+    <p:extLst>
+      <p:ext uri="{BB962C8B-B14F-4D97-AF65-F5344CB8AC3E}">
+        <p14:creationId xmlns:p14="http://schemas.microsoft.com/office/powerpoint/2010/main" val="4018986579"/>
+      </p:ext>
+    </p:extLst>
+  </p:cSld>
+  <p:clrMapOvr>
+    <a:masterClrMapping/>
+  </p:clrMapOvr>
+  <p:timing>
+    <p:tnLst>
+      <p:par>
+        <p:cTn id="1" dur="indefinite" restart="never" nodeType="tmRoot"/>
+      </p:par>
+    </p:tnLst>
+  </p:timing>
+</p:sld>
+</file>
+
+<file path=ppt/slides/slide16.xml><?xml version="1.0" encoding="utf-8"?>
+<p:sld xmlns:a="http://schemas.openxmlformats.org/drawingml/2006/main" xmlns:r="http://schemas.openxmlformats.org/officeDocument/2006/relationships" xmlns:p="http://schemas.openxmlformats.org/presentationml/2006/main">
+  <p:cSld>
+    <p:spTree>
+      <p:nvGrpSpPr>
+        <p:cNvPr id="1" name=""/>
+        <p:cNvGrpSpPr/>
+        <p:nvPr/>
+      </p:nvGrpSpPr>
+      <p:grpSpPr>
+        <a:xfrm>
+          <a:off x="0" y="0"/>
+          <a:ext cx="0" cy="0"/>
+          <a:chOff x="0" y="0"/>
+          <a:chExt cx="0" cy="0"/>
+        </a:xfrm>
+      </p:grpSpPr>
+      <p:sp>
+        <p:nvSpPr>
+          <p:cNvPr id="19" name="Content Placeholder 18"/>
+          <p:cNvSpPr>
+            <a:spLocks noGrp="1"/>
+          </p:cNvSpPr>
+          <p:nvPr>
+            <p:ph idx="1"/>
+          </p:nvPr>
+        </p:nvSpPr>
+        <p:spPr/>
+        <p:txBody>
+          <a:bodyPr/>
+          <a:lstStyle/>
+          <a:p>
+            <a:pPr marL="571500" indent="-571500">
+              <a:buFont typeface="Arial" panose="020B0604020202020204" pitchFamily="34" charset="0"/>
+              <a:buChar char="•"/>
+            </a:pPr>
+            <a:r>
+              <a:rPr lang="en-US" dirty="0" smtClean="0"/>
+              <a:t>Dare </a:t>
+            </a:r>
+            <a:r>
+              <a:rPr lang="en-US" dirty="0" err="1" smtClean="0"/>
+              <a:t>uno</a:t>
+            </a:r>
+            <a:r>
+              <a:rPr lang="en-US" dirty="0" smtClean="0"/>
+              <a:t> </a:t>
+            </a:r>
+            <a:r>
+              <a:rPr lang="en-US" dirty="0" err="1" smtClean="0"/>
+              <a:t>sguardo</a:t>
+            </a:r>
+            <a:r>
+              <a:rPr lang="en-US" dirty="0" smtClean="0"/>
+              <a:t> </a:t>
+            </a:r>
+            <a:r>
+              <a:rPr lang="en-US" dirty="0" err="1" smtClean="0"/>
+              <a:t>rapido</a:t>
+            </a:r>
+            <a:r>
+              <a:rPr lang="en-US" dirty="0" smtClean="0"/>
+              <a:t> a </a:t>
+            </a:r>
+            <a:r>
+              <a:rPr lang="en-US" dirty="0" err="1" smtClean="0"/>
+              <a:t>cosa</a:t>
+            </a:r>
+            <a:r>
+              <a:rPr lang="en-US" dirty="0" smtClean="0"/>
+              <a:t> </a:t>
+            </a:r>
+            <a:r>
+              <a:rPr lang="en-US" dirty="0" err="1" smtClean="0"/>
+              <a:t>succede</a:t>
+            </a:r>
+            <a:r>
+              <a:rPr lang="en-US" dirty="0" smtClean="0"/>
+              <a:t> </a:t>
+            </a:r>
+            <a:r>
+              <a:rPr lang="en-US" dirty="0" err="1" smtClean="0"/>
+              <a:t>nel</a:t>
+            </a:r>
+            <a:r>
+              <a:rPr lang="en-US" dirty="0" smtClean="0"/>
+              <a:t> </a:t>
+            </a:r>
+            <a:r>
+              <a:rPr lang="en-US" dirty="0" err="1" smtClean="0"/>
+              <a:t>sistema</a:t>
+            </a:r>
+            <a:endParaRPr lang="en-US" dirty="0" smtClean="0"/>
+          </a:p>
+          <a:p>
+            <a:pPr marL="571500" indent="-571500">
+              <a:buFont typeface="Arial" panose="020B0604020202020204" pitchFamily="34" charset="0"/>
+              <a:buChar char="•"/>
+            </a:pPr>
+            <a:r>
+              <a:rPr lang="en-US" dirty="0" err="1" smtClean="0"/>
+              <a:t>Entrare</a:t>
+            </a:r>
+            <a:r>
+              <a:rPr lang="en-US" dirty="0" smtClean="0"/>
+              <a:t> </a:t>
+            </a:r>
+            <a:r>
+              <a:rPr lang="en-US" dirty="0" err="1" smtClean="0"/>
+              <a:t>nei</a:t>
+            </a:r>
+            <a:r>
+              <a:rPr lang="en-US" dirty="0" smtClean="0"/>
+              <a:t> </a:t>
+            </a:r>
+            <a:r>
+              <a:rPr lang="en-US" dirty="0" err="1" smtClean="0"/>
+              <a:t>dettagli</a:t>
+            </a:r>
+            <a:endParaRPr lang="en-US" dirty="0" smtClean="0"/>
+          </a:p>
+          <a:p>
+            <a:pPr marL="571500" indent="-571500">
+              <a:buFont typeface="Arial" panose="020B0604020202020204" pitchFamily="34" charset="0"/>
+              <a:buChar char="•"/>
+            </a:pPr>
+            <a:r>
+              <a:rPr lang="en-US" dirty="0" err="1" smtClean="0"/>
+              <a:t>Prendere</a:t>
+            </a:r>
+            <a:r>
+              <a:rPr lang="en-US" dirty="0" smtClean="0"/>
+              <a:t> </a:t>
+            </a:r>
+            <a:r>
+              <a:rPr lang="en-US" dirty="0" err="1" smtClean="0"/>
+              <a:t>decisioni</a:t>
+            </a:r>
+            <a:r>
+              <a:rPr lang="en-US" dirty="0" smtClean="0"/>
+              <a:t> </a:t>
+            </a:r>
+            <a:r>
+              <a:rPr lang="en-US" dirty="0" err="1" smtClean="0"/>
+              <a:t>attraverso</a:t>
+            </a:r>
+            <a:r>
+              <a:rPr lang="en-US" dirty="0" smtClean="0"/>
+              <a:t> le Insight Action </a:t>
+            </a:r>
+          </a:p>
+          <a:p>
+            <a:pPr marL="1147527" lvl="1" indent="-571500">
+              <a:buFont typeface="Arial" panose="020B0604020202020204" pitchFamily="34" charset="0"/>
+              <a:buChar char="•"/>
+            </a:pPr>
+            <a:r>
+              <a:rPr lang="en-US" dirty="0" smtClean="0"/>
+              <a:t>non </a:t>
+            </a:r>
+            <a:r>
+              <a:rPr lang="en-US" dirty="0" err="1" smtClean="0"/>
+              <a:t>disponibile</a:t>
+            </a:r>
+            <a:r>
+              <a:rPr lang="en-US" dirty="0" smtClean="0"/>
+              <a:t> in Preview! </a:t>
+            </a:r>
+          </a:p>
+          <a:p>
+            <a:pPr marL="571500" indent="-571500">
+              <a:buFont typeface="Arial" panose="020B0604020202020204" pitchFamily="34" charset="0"/>
+              <a:buChar char="•"/>
+            </a:pPr>
+            <a:r>
+              <a:rPr lang="en-US" dirty="0" err="1" smtClean="0"/>
+              <a:t>Completamente</a:t>
+            </a:r>
+            <a:r>
+              <a:rPr lang="en-US" dirty="0" smtClean="0"/>
+              <a:t> </a:t>
+            </a:r>
+            <a:r>
+              <a:rPr lang="en-US" dirty="0" err="1" smtClean="0"/>
+              <a:t>personalizzabile</a:t>
+            </a:r>
+            <a:endParaRPr lang="en-US" dirty="0" smtClean="0"/>
+          </a:p>
+          <a:p>
+            <a:pPr marL="571500" indent="-571500">
+              <a:buFont typeface="Arial" panose="020B0604020202020204" pitchFamily="34" charset="0"/>
+              <a:buChar char="•"/>
+            </a:pPr>
+            <a:endParaRPr lang="en-US" dirty="0"/>
+          </a:p>
+        </p:txBody>
+      </p:sp>
+      <p:sp>
+        <p:nvSpPr>
+          <p:cNvPr id="18" name="Title 17"/>
+          <p:cNvSpPr>
+            <a:spLocks noGrp="1"/>
+          </p:cNvSpPr>
+          <p:nvPr>
+            <p:ph type="title"/>
+          </p:nvPr>
+        </p:nvSpPr>
+        <p:spPr/>
+        <p:txBody>
+          <a:bodyPr/>
+          <a:lstStyle/>
+          <a:p>
+            <a:r>
+              <a:rPr lang="en-US" dirty="0" smtClean="0"/>
+              <a:t>Dashboard &amp; </a:t>
+            </a:r>
+            <a:r>
+              <a:rPr lang="en-US" dirty="0" smtClean="0"/>
+              <a:t>Insights </a:t>
+            </a:r>
+            <a:r>
+              <a:rPr lang="en-US" sz="2800" dirty="0" smtClean="0"/>
+              <a:t>(la parte Ops)</a:t>
+            </a:r>
+            <a:endParaRPr lang="en-US" dirty="0"/>
+          </a:p>
+        </p:txBody>
+      </p:sp>
+      <p:pic>
+        <p:nvPicPr>
+          <p:cNvPr id="2054" name="Picture 6" descr="Warning, Yellow, Attention, Exclamation Mark"/>
+          <p:cNvPicPr>
+            <a:picLocks noChangeAspect="1" noChangeArrowheads="1"/>
+          </p:cNvPicPr>
+          <p:nvPr/>
+        </p:nvPicPr>
+        <p:blipFill>
+          <a:blip r:embed="rId2">
+            <a:extLst>
+              <a:ext uri="{28A0092B-C50C-407E-A947-70E740481C1C}">
+                <a14:useLocalDpi xmlns:a14="http://schemas.microsoft.com/office/drawing/2010/main" val="0"/>
+              </a:ext>
+            </a:extLst>
+          </a:blip>
+          <a:srcRect/>
+          <a:stretch>
+            <a:fillRect/>
+          </a:stretch>
+        </p:blipFill>
+        <p:spPr bwMode="auto">
+          <a:xfrm flipH="1">
+            <a:off x="6588387" y="3901440"/>
+            <a:ext cx="586449" cy="537206"/>
+          </a:xfrm>
+          <a:prstGeom prst="rect">
+            <a:avLst/>
+          </a:prstGeom>
+          <a:noFill/>
+          <a:extLst>
+            <a:ext uri="{909E8E84-426E-40DD-AFC4-6F175D3DCCD1}">
+              <a14:hiddenFill xmlns:a14="http://schemas.microsoft.com/office/drawing/2010/main">
+                <a:solidFill>
+                  <a:srgbClr val="FFFFFF"/>
+                </a:solidFill>
+              </a14:hiddenFill>
+            </a:ext>
+          </a:extLst>
+        </p:spPr>
+      </p:pic>
+    </p:spTree>
+    <p:extLst>
+      <p:ext uri="{BB962C8B-B14F-4D97-AF65-F5344CB8AC3E}">
+        <p14:creationId xmlns:p14="http://schemas.microsoft.com/office/powerpoint/2010/main" val="3582388964"/>
+      </p:ext>
+    </p:extLst>
+  </p:cSld>
+  <p:clrMapOvr>
+    <a:masterClrMapping/>
+  </p:clrMapOvr>
+  <p:timing>
+    <p:tnLst>
+      <p:par>
+        <p:cTn id="1" dur="indefinite" restart="never" nodeType="tmRoot"/>
+      </p:par>
+    </p:tnLst>
+  </p:timing>
+</p:sld>
+</file>
+
+<file path=ppt/slides/slide17.xml><?xml version="1.0" encoding="utf-8"?>
+<p:sld xmlns:a="http://schemas.openxmlformats.org/drawingml/2006/main" xmlns:r="http://schemas.openxmlformats.org/officeDocument/2006/relationships" xmlns:p="http://schemas.openxmlformats.org/presentationml/2006/main">
+  <p:cSld>
+    <p:spTree>
+      <p:nvGrpSpPr>
+        <p:cNvPr id="1" name=""/>
+        <p:cNvGrpSpPr/>
+        <p:nvPr/>
+      </p:nvGrpSpPr>
+      <p:grpSpPr>
+        <a:xfrm>
+          <a:off x="0" y="0"/>
+          <a:ext cx="0" cy="0"/>
+          <a:chOff x="0" y="0"/>
+          <a:chExt cx="0" cy="0"/>
+        </a:xfrm>
+      </p:grpSpPr>
+      <p:sp>
+        <p:nvSpPr>
+          <p:cNvPr id="18" name="Title 17"/>
+          <p:cNvSpPr>
+            <a:spLocks noGrp="1"/>
+          </p:cNvSpPr>
+          <p:nvPr>
+            <p:ph type="title"/>
+          </p:nvPr>
+        </p:nvSpPr>
+        <p:spPr/>
+        <p:txBody>
+          <a:bodyPr/>
+          <a:lstStyle/>
+          <a:p>
+            <a:r>
+              <a:rPr lang="en-US" dirty="0" smtClean="0"/>
+              <a:t>Extensibility</a:t>
+            </a:r>
+            <a:endParaRPr lang="en-US" dirty="0"/>
+          </a:p>
+        </p:txBody>
+      </p:sp>
+      <p:sp>
+        <p:nvSpPr>
+          <p:cNvPr id="19" name="Content Placeholder 18"/>
+          <p:cNvSpPr>
+            <a:spLocks noGrp="1"/>
+          </p:cNvSpPr>
+          <p:nvPr>
+            <p:ph idx="1"/>
+          </p:nvPr>
+        </p:nvSpPr>
+        <p:spPr/>
+        <p:txBody>
+          <a:bodyPr/>
+          <a:lstStyle/>
+          <a:p>
+            <a:r>
+              <a:rPr lang="en-US" dirty="0" smtClean="0"/>
+              <a:t>Insight Extensibility</a:t>
+            </a:r>
+          </a:p>
+          <a:p>
+            <a:endParaRPr lang="en-US" dirty="0"/>
+          </a:p>
+          <a:p>
+            <a:r>
+              <a:rPr lang="en-US" dirty="0" smtClean="0"/>
+              <a:t>UI Extensibility</a:t>
+            </a:r>
+          </a:p>
+          <a:p>
+            <a:endParaRPr lang="en-US" dirty="0" smtClean="0"/>
+          </a:p>
+          <a:p>
+            <a:r>
+              <a:rPr lang="en-US" dirty="0" smtClean="0"/>
+              <a:t>Database Management Protocol (DMP)</a:t>
+            </a:r>
+          </a:p>
+          <a:p>
+            <a:r>
+              <a:rPr lang="en-US" sz="2400" dirty="0">
+                <a:hlinkClick r:id="rId2"/>
+              </a:rPr>
+              <a:t>https://</a:t>
+            </a:r>
+            <a:r>
+              <a:rPr lang="en-US" sz="2400" dirty="0" smtClean="0">
+                <a:hlinkClick r:id="rId2"/>
+              </a:rPr>
+              <a:t>github.com/Microsoft/sqltoolsservice</a:t>
+            </a:r>
+            <a:endParaRPr lang="en-US" dirty="0" smtClean="0"/>
+          </a:p>
+          <a:p>
+            <a:endParaRPr lang="en-US" dirty="0" smtClean="0"/>
+          </a:p>
+          <a:p>
+            <a:pPr marL="571500" indent="-571500">
+              <a:buFont typeface="Arial" panose="020B0604020202020204" pitchFamily="34" charset="0"/>
+              <a:buChar char="•"/>
+            </a:pPr>
+            <a:endParaRPr lang="en-US" dirty="0"/>
+          </a:p>
+        </p:txBody>
+      </p:sp>
+    </p:spTree>
+    <p:extLst>
+      <p:ext uri="{BB962C8B-B14F-4D97-AF65-F5344CB8AC3E}">
+        <p14:creationId xmlns:p14="http://schemas.microsoft.com/office/powerpoint/2010/main" val="417046416"/>
+      </p:ext>
+    </p:extLst>
+  </p:cSld>
+  <p:clrMapOvr>
+    <a:masterClrMapping/>
+  </p:clrMapOvr>
+  <p:timing>
+    <p:tnLst>
+      <p:par>
+        <p:cTn id="1" dur="indefinite" restart="never" nodeType="tmRoot"/>
+      </p:par>
+    </p:tnLst>
+  </p:timing>
+</p:sld>
+</file>
+
+<file path=ppt/slides/slide18.xml><?xml version="1.0" encoding="utf-8"?>
+<p:sld xmlns:a="http://schemas.openxmlformats.org/drawingml/2006/main" xmlns:r="http://schemas.openxmlformats.org/officeDocument/2006/relationships" xmlns:p="http://schemas.openxmlformats.org/presentationml/2006/main">
+  <p:cSld>
+    <p:spTree>
+      <p:nvGrpSpPr>
+        <p:cNvPr id="1" name=""/>
+        <p:cNvGrpSpPr/>
+        <p:nvPr/>
+      </p:nvGrpSpPr>
+      <p:grpSpPr>
+        <a:xfrm>
+          <a:off x="0" y="0"/>
+          <a:ext cx="0" cy="0"/>
+          <a:chOff x="0" y="0"/>
+          <a:chExt cx="0" cy="0"/>
+        </a:xfrm>
+      </p:grpSpPr>
+      <p:sp>
+        <p:nvSpPr>
+          <p:cNvPr id="2" name="Title 1"/>
+          <p:cNvSpPr>
+            <a:spLocks noGrp="1"/>
+          </p:cNvSpPr>
+          <p:nvPr>
+            <p:ph type="title"/>
+          </p:nvPr>
+        </p:nvSpPr>
+        <p:spPr/>
+        <p:txBody>
+          <a:bodyPr/>
+          <a:lstStyle/>
+          <a:p>
+            <a:r>
+              <a:rPr lang="it-IT" dirty="0" smtClean="0"/>
+              <a:t>DEMO</a:t>
+            </a:r>
+            <a:endParaRPr lang="it-IT" dirty="0"/>
+          </a:p>
+        </p:txBody>
+      </p:sp>
+    </p:spTree>
+    <p:extLst>
+      <p:ext uri="{BB962C8B-B14F-4D97-AF65-F5344CB8AC3E}">
+        <p14:creationId xmlns:p14="http://schemas.microsoft.com/office/powerpoint/2010/main" val="3683259467"/>
+      </p:ext>
+    </p:extLst>
+  </p:cSld>
+  <p:clrMapOvr>
+    <a:masterClrMapping/>
+  </p:clrMapOvr>
+  <p:timing>
+    <p:tnLst>
+      <p:par>
+        <p:cTn id="1" dur="indefinite" restart="never" nodeType="tmRoot"/>
+      </p:par>
+    </p:tnLst>
+  </p:timing>
+</p:sld>
+</file>
+
+<file path=ppt/slides/slide19.xml><?xml version="1.0" encoding="utf-8"?>
+<p:sld xmlns:a="http://schemas.openxmlformats.org/drawingml/2006/main" xmlns:r="http://schemas.openxmlformats.org/officeDocument/2006/relationships" xmlns:p="http://schemas.openxmlformats.org/presentationml/2006/main">
+  <p:cSld>
+    <p:spTree>
+      <p:nvGrpSpPr>
+        <p:cNvPr id="1" name=""/>
+        <p:cNvGrpSpPr/>
+        <p:nvPr/>
+      </p:nvGrpSpPr>
+      <p:grpSpPr>
+        <a:xfrm>
+          <a:off x="0" y="0"/>
+          <a:ext cx="0" cy="0"/>
+          <a:chOff x="0" y="0"/>
+          <a:chExt cx="0" cy="0"/>
+        </a:xfrm>
+      </p:grpSpPr>
+      <p:sp>
+        <p:nvSpPr>
+          <p:cNvPr id="2" name="Title 1"/>
+          <p:cNvSpPr>
+            <a:spLocks noGrp="1"/>
+          </p:cNvSpPr>
+          <p:nvPr>
+            <p:ph type="title"/>
+          </p:nvPr>
+        </p:nvSpPr>
+        <p:spPr/>
+        <p:txBody>
+          <a:bodyPr/>
+          <a:lstStyle/>
+          <a:p>
+            <a:r>
+              <a:rPr lang="en-US" dirty="0" err="1" smtClean="0"/>
+              <a:t>Conclusioni</a:t>
+            </a:r>
+            <a:endParaRPr lang="en-US" dirty="0"/>
+          </a:p>
+        </p:txBody>
+      </p:sp>
+    </p:spTree>
+    <p:extLst>
+      <p:ext uri="{BB962C8B-B14F-4D97-AF65-F5344CB8AC3E}">
+        <p14:creationId xmlns:p14="http://schemas.microsoft.com/office/powerpoint/2010/main" val="416632458"/>
+      </p:ext>
+    </p:extLst>
+  </p:cSld>
+  <p:clrMapOvr>
+    <a:masterClrMapping/>
+  </p:clrMapOvr>
+</p:sld>
+</file>
+
+<file path=ppt/slides/slide2.xml><?xml version="1.0" encoding="utf-8"?>
+<p:sld xmlns:a="http://schemas.openxmlformats.org/drawingml/2006/main" xmlns:r="http://schemas.openxmlformats.org/officeDocument/2006/relationships" xmlns:p="http://schemas.openxmlformats.org/presentationml/2006/main">
+  <p:cSld>
+    <p:spTree>
+      <p:nvGrpSpPr>
+        <p:cNvPr id="1" name=""/>
+        <p:cNvGrpSpPr/>
+        <p:nvPr/>
+      </p:nvGrpSpPr>
+      <p:grpSpPr>
+        <a:xfrm>
+          <a:off x="0" y="0"/>
+          <a:ext cx="0" cy="0"/>
+          <a:chOff x="0" y="0"/>
+          <a:chExt cx="0" cy="0"/>
+        </a:xfrm>
+      </p:grpSpPr>
+      <p:sp>
+        <p:nvSpPr>
+          <p:cNvPr id="3" name="Title 2">
+            <a:extLst>
+              <a:ext uri="{FF2B5EF4-FFF2-40B4-BE49-F238E27FC236}">
+                <a16:creationId xmlns:a16="http://schemas.microsoft.com/office/drawing/2014/main" id="{076E1894-9F6B-4181-A582-1E7EDF3748CA}"/>
+              </a:ext>
+            </a:extLst>
+          </p:cNvPr>
+          <p:cNvSpPr>
+            <a:spLocks noGrp="1"/>
+          </p:cNvSpPr>
+          <p:nvPr>
+            <p:ph type="title"/>
+          </p:nvPr>
+        </p:nvSpPr>
+        <p:spPr/>
+        <p:txBody>
+          <a:bodyPr/>
+          <a:lstStyle/>
+          <a:p>
+            <a:r>
+              <a:rPr lang="it-IT" dirty="0"/>
+              <a:t>Sponsor</a:t>
+            </a:r>
+          </a:p>
+        </p:txBody>
+      </p:sp>
+    </p:spTree>
+    <p:extLst>
+      <p:ext uri="{BB962C8B-B14F-4D97-AF65-F5344CB8AC3E}">
+        <p14:creationId xmlns:p14="http://schemas.microsoft.com/office/powerpoint/2010/main" val="1237612111"/>
+      </p:ext>
+    </p:extLst>
+  </p:cSld>
+  <p:clrMapOvr>
+    <a:masterClrMapping/>
+  </p:clrMapOvr>
+  <p:timing>
+    <p:tnLst>
+      <p:par>
+        <p:cTn id="1" dur="indefinite" restart="never" nodeType="tmRoot"/>
+      </p:par>
+    </p:tnLst>
+  </p:timing>
+</p:sld>
+</file>
+
+<file path=ppt/slides/slide20.xml><?xml version="1.0" encoding="utf-8"?>
+<p:sld xmlns:a="http://schemas.openxmlformats.org/drawingml/2006/main" xmlns:r="http://schemas.openxmlformats.org/officeDocument/2006/relationships" xmlns:p="http://schemas.openxmlformats.org/presentationml/2006/main">
+  <p:cSld>
+    <p:spTree>
+      <p:nvGrpSpPr>
+        <p:cNvPr id="1" name=""/>
+        <p:cNvGrpSpPr/>
+        <p:nvPr/>
+      </p:nvGrpSpPr>
+      <p:grpSpPr>
+        <a:xfrm>
+          <a:off x="0" y="0"/>
+          <a:ext cx="0" cy="0"/>
+          <a:chOff x="0" y="0"/>
+          <a:chExt cx="0" cy="0"/>
+        </a:xfrm>
+      </p:grpSpPr>
+      <p:sp>
+        <p:nvSpPr>
+          <p:cNvPr id="18" name="Title 17"/>
+          <p:cNvSpPr>
+            <a:spLocks noGrp="1"/>
+          </p:cNvSpPr>
+          <p:nvPr>
+            <p:ph type="title"/>
+          </p:nvPr>
+        </p:nvSpPr>
+        <p:spPr/>
+        <p:txBody>
+          <a:bodyPr/>
+          <a:lstStyle/>
+          <a:p>
+            <a:r>
+              <a:rPr lang="en-US" dirty="0" smtClean="0"/>
+              <a:t>Recap</a:t>
+            </a:r>
+            <a:endParaRPr lang="en-US" dirty="0"/>
+          </a:p>
+        </p:txBody>
+      </p:sp>
+      <p:sp>
+        <p:nvSpPr>
+          <p:cNvPr id="19" name="Content Placeholder 18"/>
+          <p:cNvSpPr>
+            <a:spLocks noGrp="1"/>
+          </p:cNvSpPr>
+          <p:nvPr>
+            <p:ph idx="1"/>
+          </p:nvPr>
+        </p:nvSpPr>
+        <p:spPr/>
+        <p:txBody>
+          <a:bodyPr>
+            <a:normAutofit/>
+          </a:bodyPr>
+          <a:lstStyle/>
+          <a:p>
+            <a:endParaRPr lang="en-US" dirty="0"/>
+          </a:p>
+        </p:txBody>
+      </p:sp>
+    </p:spTree>
+    <p:extLst>
+      <p:ext uri="{BB962C8B-B14F-4D97-AF65-F5344CB8AC3E}">
+        <p14:creationId xmlns:p14="http://schemas.microsoft.com/office/powerpoint/2010/main" val="1290525693"/>
+      </p:ext>
+    </p:extLst>
+  </p:cSld>
+  <p:clrMapOvr>
+    <a:masterClrMapping/>
+  </p:clrMapOvr>
+  <p:timing>
+    <p:tnLst>
+      <p:par>
+        <p:cTn id="1" dur="indefinite" restart="never" nodeType="tmRoot"/>
+      </p:par>
+    </p:tnLst>
+  </p:timing>
+</p:sld>
+</file>
+
+<file path=ppt/slides/slide21.xml><?xml version="1.0" encoding="utf-8"?>
+<p:sld xmlns:a="http://schemas.openxmlformats.org/drawingml/2006/main" xmlns:r="http://schemas.openxmlformats.org/officeDocument/2006/relationships" xmlns:p="http://schemas.openxmlformats.org/presentationml/2006/main">
+  <p:cSld>
+    <p:spTree>
+      <p:nvGrpSpPr>
+        <p:cNvPr id="1" name=""/>
+        <p:cNvGrpSpPr/>
+        <p:nvPr/>
+      </p:nvGrpSpPr>
+      <p:grpSpPr>
+        <a:xfrm>
+          <a:off x="0" y="0"/>
+          <a:ext cx="0" cy="0"/>
+          <a:chOff x="0" y="0"/>
+          <a:chExt cx="0" cy="0"/>
+        </a:xfrm>
+      </p:grpSpPr>
+      <p:sp>
+        <p:nvSpPr>
+          <p:cNvPr id="18" name="Title 17"/>
+          <p:cNvSpPr>
+            <a:spLocks noGrp="1"/>
+          </p:cNvSpPr>
+          <p:nvPr>
+            <p:ph type="title"/>
+          </p:nvPr>
+        </p:nvSpPr>
+        <p:spPr/>
+        <p:txBody>
+          <a:bodyPr/>
+          <a:lstStyle/>
+          <a:p>
+            <a:r>
+              <a:rPr lang="en-US" dirty="0" smtClean="0"/>
+              <a:t>Focus del team di </a:t>
+            </a:r>
+            <a:r>
+              <a:rPr lang="en-US" dirty="0" err="1" smtClean="0"/>
+              <a:t>sviluppo</a:t>
+            </a:r>
+            <a:endParaRPr lang="en-US" dirty="0"/>
+          </a:p>
+        </p:txBody>
+      </p:sp>
+      <p:sp>
+        <p:nvSpPr>
+          <p:cNvPr id="19" name="Content Placeholder 18"/>
+          <p:cNvSpPr>
+            <a:spLocks noGrp="1"/>
+          </p:cNvSpPr>
+          <p:nvPr>
+            <p:ph idx="1"/>
+          </p:nvPr>
+        </p:nvSpPr>
+        <p:spPr/>
+        <p:txBody>
+          <a:bodyPr>
+            <a:normAutofit fontScale="77500" lnSpcReduction="20000"/>
+          </a:bodyPr>
+          <a:lstStyle/>
+          <a:p>
+            <a:r>
+              <a:rPr lang="en-US" dirty="0" err="1" smtClean="0"/>
+              <a:t>Sviluppo</a:t>
+            </a:r>
+            <a:r>
+              <a:rPr lang="en-US" dirty="0" smtClean="0"/>
+              <a:t> </a:t>
+            </a:r>
+            <a:r>
+              <a:rPr lang="en-US" dirty="0" err="1" smtClean="0"/>
+              <a:t>delle</a:t>
+            </a:r>
+            <a:r>
+              <a:rPr lang="en-US" dirty="0" smtClean="0"/>
+              <a:t> Core Functionalities</a:t>
+            </a:r>
+          </a:p>
+          <a:p>
+            <a:endParaRPr lang="en-US" dirty="0"/>
+          </a:p>
+          <a:p>
+            <a:r>
+              <a:rPr lang="en-US" dirty="0" err="1" smtClean="0"/>
+              <a:t>Sviluppo</a:t>
+            </a:r>
+            <a:r>
+              <a:rPr lang="en-US" dirty="0" smtClean="0"/>
+              <a:t> del </a:t>
+            </a:r>
+            <a:r>
+              <a:rPr lang="en-US" dirty="0" err="1" smtClean="0"/>
+              <a:t>sistema</a:t>
+            </a:r>
+            <a:r>
+              <a:rPr lang="en-US" dirty="0" smtClean="0"/>
+              <a:t> di Extensibility</a:t>
+            </a:r>
+          </a:p>
+          <a:p>
+            <a:endParaRPr lang="en-US" dirty="0"/>
+          </a:p>
+          <a:p>
+            <a:r>
+              <a:rPr lang="en-US" dirty="0" err="1" smtClean="0"/>
+              <a:t>Mettere</a:t>
+            </a:r>
+            <a:r>
+              <a:rPr lang="en-US" dirty="0" smtClean="0"/>
+              <a:t> a </a:t>
+            </a:r>
+            <a:r>
+              <a:rPr lang="en-US" dirty="0" err="1" smtClean="0"/>
+              <a:t>disposizione</a:t>
+            </a:r>
+            <a:r>
+              <a:rPr lang="en-US" dirty="0" smtClean="0"/>
+              <a:t> un </a:t>
+            </a:r>
+            <a:r>
+              <a:rPr lang="en-US" dirty="0" err="1" smtClean="0"/>
+              <a:t>ambiente</a:t>
+            </a:r>
+            <a:r>
+              <a:rPr lang="en-US" dirty="0" smtClean="0"/>
+              <a:t> </a:t>
+            </a:r>
+            <a:r>
+              <a:rPr lang="en-US" dirty="0" err="1" smtClean="0"/>
+              <a:t>ottimale</a:t>
+            </a:r>
+            <a:r>
+              <a:rPr lang="en-US" dirty="0" smtClean="0"/>
+              <a:t>, stabile e “</a:t>
+            </a:r>
+            <a:r>
+              <a:rPr lang="en-US" dirty="0" err="1" smtClean="0"/>
+              <a:t>ricco</a:t>
+            </a:r>
+            <a:r>
+              <a:rPr lang="en-US" dirty="0" smtClean="0"/>
+              <a:t>” per lo </a:t>
+            </a:r>
+            <a:r>
+              <a:rPr lang="en-US" dirty="0" err="1" smtClean="0"/>
+              <a:t>sviluppo</a:t>
+            </a:r>
+            <a:r>
+              <a:rPr lang="en-US" dirty="0" smtClean="0"/>
+              <a:t> e la </a:t>
+            </a:r>
+            <a:r>
+              <a:rPr lang="en-US" dirty="0" err="1" smtClean="0"/>
+              <a:t>gestione</a:t>
+            </a:r>
+            <a:r>
+              <a:rPr lang="en-US" dirty="0" smtClean="0"/>
+              <a:t> </a:t>
+            </a:r>
+            <a:r>
+              <a:rPr lang="en-US" dirty="0" err="1" smtClean="0"/>
+              <a:t>delle</a:t>
+            </a:r>
+            <a:r>
+              <a:rPr lang="en-US" dirty="0" smtClean="0"/>
+              <a:t> </a:t>
+            </a:r>
+            <a:r>
+              <a:rPr lang="en-US" dirty="0" err="1" smtClean="0"/>
+              <a:t>basi</a:t>
+            </a:r>
+            <a:r>
+              <a:rPr lang="en-US" dirty="0" smtClean="0"/>
+              <a:t> </a:t>
+            </a:r>
+            <a:r>
+              <a:rPr lang="en-US" dirty="0" err="1" smtClean="0"/>
+              <a:t>dati</a:t>
+            </a:r>
+            <a:r>
+              <a:rPr lang="en-US" dirty="0" smtClean="0"/>
+              <a:t> </a:t>
+            </a:r>
+            <a:r>
+              <a:rPr lang="en-US" dirty="0" err="1" smtClean="0"/>
+              <a:t>attraverso</a:t>
+            </a:r>
+            <a:r>
+              <a:rPr lang="en-US" dirty="0" smtClean="0"/>
+              <a:t> un </a:t>
+            </a:r>
+            <a:r>
+              <a:rPr lang="en-US" dirty="0" err="1" smtClean="0"/>
+              <a:t>sistema</a:t>
+            </a:r>
+            <a:r>
+              <a:rPr lang="en-US" dirty="0" smtClean="0"/>
+              <a:t> </a:t>
+            </a:r>
+            <a:r>
+              <a:rPr lang="en-US" dirty="0" err="1" smtClean="0"/>
+              <a:t>fortemente</a:t>
+            </a:r>
+            <a:r>
+              <a:rPr lang="en-US" dirty="0" smtClean="0"/>
+              <a:t> </a:t>
+            </a:r>
+            <a:r>
+              <a:rPr lang="en-US" dirty="0" err="1" smtClean="0"/>
+              <a:t>orientato</a:t>
+            </a:r>
+            <a:r>
+              <a:rPr lang="en-US" dirty="0" smtClean="0"/>
+              <a:t> </a:t>
+            </a:r>
+            <a:r>
+              <a:rPr lang="en-US" dirty="0" err="1" smtClean="0"/>
+              <a:t>all’estendibilità</a:t>
+            </a:r>
+            <a:r>
+              <a:rPr lang="en-US" dirty="0" smtClean="0"/>
+              <a:t>. </a:t>
+            </a:r>
+          </a:p>
+          <a:p>
+            <a:endParaRPr lang="en-US" dirty="0"/>
+          </a:p>
+          <a:p>
+            <a:r>
+              <a:rPr lang="en-US" dirty="0" err="1" smtClean="0"/>
+              <a:t>Mettere</a:t>
+            </a:r>
+            <a:r>
+              <a:rPr lang="en-US" dirty="0" smtClean="0"/>
+              <a:t> in </a:t>
+            </a:r>
+            <a:r>
+              <a:rPr lang="en-US" dirty="0" err="1" smtClean="0"/>
+              <a:t>grado</a:t>
+            </a:r>
+            <a:r>
+              <a:rPr lang="en-US" dirty="0" smtClean="0"/>
+              <a:t> </a:t>
+            </a:r>
+            <a:r>
+              <a:rPr lang="en-US" dirty="0" err="1" smtClean="0"/>
+              <a:t>chiunque</a:t>
+            </a:r>
+            <a:r>
+              <a:rPr lang="en-US" dirty="0" smtClean="0"/>
+              <a:t> di </a:t>
+            </a:r>
+            <a:r>
+              <a:rPr lang="en-US" dirty="0" err="1" smtClean="0"/>
+              <a:t>poter</a:t>
+            </a:r>
+            <a:r>
+              <a:rPr lang="en-US" dirty="0" smtClean="0"/>
+              <a:t> </a:t>
+            </a:r>
+            <a:r>
+              <a:rPr lang="en-US" dirty="0" err="1" smtClean="0"/>
+              <a:t>sviluppare</a:t>
+            </a:r>
+            <a:r>
+              <a:rPr lang="en-US" dirty="0" smtClean="0"/>
+              <a:t> le </a:t>
+            </a:r>
+            <a:r>
+              <a:rPr lang="en-US" dirty="0" err="1" smtClean="0"/>
+              <a:t>proprie</a:t>
+            </a:r>
+            <a:r>
+              <a:rPr lang="en-US" dirty="0" smtClean="0"/>
+              <a:t> </a:t>
+            </a:r>
+            <a:r>
+              <a:rPr lang="en-US" dirty="0" err="1" smtClean="0"/>
+              <a:t>estensioni</a:t>
+            </a:r>
+            <a:r>
+              <a:rPr lang="en-US" dirty="0" smtClean="0"/>
+              <a:t> (Microsoft </a:t>
+            </a:r>
+            <a:r>
+              <a:rPr lang="en-US" dirty="0" err="1" smtClean="0"/>
+              <a:t>stessa</a:t>
+            </a:r>
+            <a:r>
+              <a:rPr lang="en-US" dirty="0" smtClean="0"/>
+              <a:t>, ISV e community members)</a:t>
+            </a:r>
+          </a:p>
+          <a:p>
+            <a:endParaRPr lang="en-US" dirty="0"/>
+          </a:p>
+        </p:txBody>
+      </p:sp>
+    </p:spTree>
+    <p:extLst>
+      <p:ext uri="{BB962C8B-B14F-4D97-AF65-F5344CB8AC3E}">
+        <p14:creationId xmlns:p14="http://schemas.microsoft.com/office/powerpoint/2010/main" val="751609766"/>
+      </p:ext>
+    </p:extLst>
+  </p:cSld>
+  <p:clrMapOvr>
+    <a:masterClrMapping/>
+  </p:clrMapOvr>
+  <p:timing>
+    <p:tnLst>
+      <p:par>
+        <p:cTn id="1" dur="indefinite" restart="never" nodeType="tmRoot"/>
+      </p:par>
+    </p:tnLst>
+  </p:timing>
+</p:sld>
+</file>
+
+<file path=ppt/slides/slide22.xml><?xml version="1.0" encoding="utf-8"?>
+<p:sld xmlns:a="http://schemas.openxmlformats.org/drawingml/2006/main" xmlns:r="http://schemas.openxmlformats.org/officeDocument/2006/relationships" xmlns:p="http://schemas.openxmlformats.org/presentationml/2006/main">
+  <p:cSld>
+    <p:spTree>
+      <p:nvGrpSpPr>
+        <p:cNvPr id="1" name=""/>
+        <p:cNvGrpSpPr/>
+        <p:nvPr/>
+      </p:nvGrpSpPr>
+      <p:grpSpPr>
+        <a:xfrm>
+          <a:off x="0" y="0"/>
+          <a:ext cx="0" cy="0"/>
+          <a:chOff x="0" y="0"/>
+          <a:chExt cx="0" cy="0"/>
+        </a:xfrm>
+      </p:grpSpPr>
+      <p:sp>
+        <p:nvSpPr>
+          <p:cNvPr id="2" name="Title 1"/>
+          <p:cNvSpPr>
+            <a:spLocks noGrp="1"/>
+          </p:cNvSpPr>
+          <p:nvPr>
+            <p:ph type="title"/>
+          </p:nvPr>
+        </p:nvSpPr>
+        <p:spPr/>
+        <p:txBody>
+          <a:bodyPr/>
+          <a:lstStyle/>
+          <a:p>
+            <a:r>
+              <a:rPr lang="en-US" dirty="0" smtClean="0"/>
+              <a:t>EPPUR </a:t>
+            </a:r>
+            <a:r>
+              <a:rPr lang="en-US" sz="3600" i="1" dirty="0" err="1" smtClean="0"/>
+              <a:t>qualcosa</a:t>
+            </a:r>
+            <a:r>
+              <a:rPr lang="en-US" sz="3600" i="1" dirty="0" smtClean="0"/>
+              <a:t> </a:t>
+            </a:r>
+            <a:r>
+              <a:rPr lang="en-US" sz="3600" i="1" dirty="0" err="1" smtClean="0"/>
+              <a:t>già</a:t>
+            </a:r>
+            <a:r>
+              <a:rPr lang="en-US" dirty="0" smtClean="0"/>
+              <a:t> SI MUOVE!</a:t>
+            </a:r>
+            <a:endParaRPr lang="it-IT" sz="2800" dirty="0"/>
+          </a:p>
+        </p:txBody>
+      </p:sp>
+      <p:pic>
+        <p:nvPicPr>
+          <p:cNvPr id="4" name="Picture 3"/>
+          <p:cNvPicPr>
+            <a:picLocks noChangeAspect="1"/>
+          </p:cNvPicPr>
+          <p:nvPr/>
+        </p:nvPicPr>
+        <p:blipFill>
+          <a:blip r:embed="rId2"/>
+          <a:stretch>
+            <a:fillRect/>
+          </a:stretch>
+        </p:blipFill>
+        <p:spPr>
+          <a:xfrm>
+            <a:off x="5270270" y="1932474"/>
+            <a:ext cx="5045350" cy="3382678"/>
+          </a:xfrm>
+          <a:prstGeom prst="rect">
+            <a:avLst/>
+          </a:prstGeom>
+        </p:spPr>
+      </p:pic>
+      <p:pic>
+        <p:nvPicPr>
+          <p:cNvPr id="5" name="Picture 4"/>
+          <p:cNvPicPr>
+            <a:picLocks noChangeAspect="1"/>
+          </p:cNvPicPr>
+          <p:nvPr/>
+        </p:nvPicPr>
+        <p:blipFill>
+          <a:blip r:embed="rId3"/>
+          <a:stretch>
+            <a:fillRect/>
+          </a:stretch>
+        </p:blipFill>
+        <p:spPr>
+          <a:xfrm>
+            <a:off x="361038" y="1206403"/>
+            <a:ext cx="3784889" cy="1718327"/>
+          </a:xfrm>
+          <a:prstGeom prst="rect">
+            <a:avLst/>
+          </a:prstGeom>
+        </p:spPr>
+      </p:pic>
+      <p:pic>
+        <p:nvPicPr>
+          <p:cNvPr id="6" name="Picture 5"/>
+          <p:cNvPicPr>
+            <a:picLocks noChangeAspect="1"/>
+          </p:cNvPicPr>
+          <p:nvPr/>
+        </p:nvPicPr>
+        <p:blipFill>
+          <a:blip r:embed="rId4"/>
+          <a:stretch>
+            <a:fillRect/>
+          </a:stretch>
+        </p:blipFill>
+        <p:spPr>
+          <a:xfrm>
+            <a:off x="340822" y="3050771"/>
+            <a:ext cx="3805105" cy="2630044"/>
+          </a:xfrm>
+          <a:prstGeom prst="rect">
+            <a:avLst/>
+          </a:prstGeom>
+        </p:spPr>
+      </p:pic>
+    </p:spTree>
+    <p:extLst>
+      <p:ext uri="{BB962C8B-B14F-4D97-AF65-F5344CB8AC3E}">
+        <p14:creationId xmlns:p14="http://schemas.microsoft.com/office/powerpoint/2010/main" val="1136174596"/>
+      </p:ext>
+    </p:extLst>
+  </p:cSld>
+  <p:clrMapOvr>
+    <a:masterClrMapping/>
+  </p:clrMapOvr>
+</p:sld>
+</file>
+
+<file path=ppt/slides/slide23.xml><?xml version="1.0" encoding="utf-8"?>
+<p:sld xmlns:a="http://schemas.openxmlformats.org/drawingml/2006/main" xmlns:r="http://schemas.openxmlformats.org/officeDocument/2006/relationships" xmlns:p="http://schemas.openxmlformats.org/presentationml/2006/main">
+  <p:cSld>
+    <p:spTree>
+      <p:nvGrpSpPr>
+        <p:cNvPr id="1" name=""/>
+        <p:cNvGrpSpPr/>
+        <p:nvPr/>
+      </p:nvGrpSpPr>
+      <p:grpSpPr>
+        <a:xfrm>
+          <a:off x="0" y="0"/>
+          <a:ext cx="0" cy="0"/>
+          <a:chOff x="0" y="0"/>
+          <a:chExt cx="0" cy="0"/>
+        </a:xfrm>
+      </p:grpSpPr>
+      <p:sp>
+        <p:nvSpPr>
+          <p:cNvPr id="18" name="Title 17"/>
+          <p:cNvSpPr>
+            <a:spLocks noGrp="1"/>
+          </p:cNvSpPr>
+          <p:nvPr>
+            <p:ph type="title"/>
+          </p:nvPr>
+        </p:nvSpPr>
+        <p:spPr/>
+        <p:txBody>
+          <a:bodyPr/>
+          <a:lstStyle/>
+          <a:p>
+            <a:r>
+              <a:rPr lang="en-US" dirty="0" err="1" smtClean="0"/>
+              <a:t>Prospettive</a:t>
+            </a:r>
+            <a:r>
+              <a:rPr lang="en-US" dirty="0" smtClean="0"/>
+              <a:t> future e </a:t>
+            </a:r>
+            <a:r>
+              <a:rPr lang="en-US" dirty="0" err="1" smtClean="0"/>
+              <a:t>domande</a:t>
+            </a:r>
+            <a:r>
+              <a:rPr lang="en-US" dirty="0" smtClean="0"/>
+              <a:t> </a:t>
+            </a:r>
+            <a:r>
+              <a:rPr lang="en-US" dirty="0" err="1" smtClean="0"/>
+              <a:t>comuni</a:t>
+            </a:r>
+            <a:endParaRPr lang="en-US" dirty="0"/>
+          </a:p>
+        </p:txBody>
+      </p:sp>
+      <p:sp>
+        <p:nvSpPr>
+          <p:cNvPr id="19" name="Content Placeholder 18"/>
+          <p:cNvSpPr>
+            <a:spLocks noGrp="1"/>
+          </p:cNvSpPr>
+          <p:nvPr>
+            <p:ph idx="1"/>
+          </p:nvPr>
+        </p:nvSpPr>
+        <p:spPr/>
+        <p:txBody>
+          <a:bodyPr>
+            <a:normAutofit/>
+          </a:bodyPr>
+          <a:lstStyle/>
+          <a:p>
+            <a:r>
+              <a:rPr lang="en-US" dirty="0" smtClean="0"/>
+              <a:t>A </a:t>
+            </a:r>
+            <a:r>
+              <a:rPr lang="en-US" dirty="0" err="1" smtClean="0"/>
+              <a:t>quando</a:t>
+            </a:r>
+            <a:r>
+              <a:rPr lang="en-US" dirty="0" smtClean="0"/>
+              <a:t> la </a:t>
+            </a:r>
+            <a:r>
+              <a:rPr lang="en-US" dirty="0" smtClean="0"/>
+              <a:t>General Availability?</a:t>
+            </a:r>
+            <a:endParaRPr lang="en-US" dirty="0"/>
+          </a:p>
+          <a:p>
+            <a:endParaRPr lang="en-US" dirty="0" smtClean="0"/>
+          </a:p>
+          <a:p>
+            <a:r>
+              <a:rPr lang="en-US" dirty="0" smtClean="0"/>
+              <a:t>SQL Ops Studio </a:t>
+            </a:r>
+            <a:r>
+              <a:rPr lang="en-US" dirty="0" err="1" smtClean="0"/>
+              <a:t>sostituirà</a:t>
+            </a:r>
+            <a:r>
+              <a:rPr lang="en-US" dirty="0" smtClean="0"/>
+              <a:t> SSMS</a:t>
+            </a:r>
+            <a:r>
+              <a:rPr lang="en-US" dirty="0" smtClean="0"/>
+              <a:t>?</a:t>
+            </a:r>
+          </a:p>
+          <a:p>
+            <a:endParaRPr lang="en-US" dirty="0" smtClean="0"/>
+          </a:p>
+          <a:p>
+            <a:r>
+              <a:rPr lang="en-US" dirty="0" err="1" smtClean="0"/>
+              <a:t>Che</a:t>
+            </a:r>
+            <a:r>
+              <a:rPr lang="en-US" dirty="0" smtClean="0"/>
+              <a:t> ne è </a:t>
+            </a:r>
+            <a:r>
+              <a:rPr lang="en-US" dirty="0" err="1" smtClean="0"/>
+              <a:t>delle</a:t>
+            </a:r>
+            <a:r>
+              <a:rPr lang="en-US" dirty="0" smtClean="0"/>
+              <a:t> </a:t>
+            </a:r>
+            <a:r>
+              <a:rPr lang="en-US" dirty="0" err="1" smtClean="0"/>
+              <a:t>altre</a:t>
+            </a:r>
+            <a:r>
+              <a:rPr lang="en-US" dirty="0" smtClean="0"/>
+              <a:t> </a:t>
+            </a:r>
+            <a:r>
+              <a:rPr lang="en-US" dirty="0" err="1" smtClean="0"/>
+              <a:t>componenti</a:t>
+            </a:r>
+            <a:r>
+              <a:rPr lang="en-US" dirty="0" smtClean="0"/>
+              <a:t> (SSRS, SSIS, </a:t>
+            </a:r>
+            <a:r>
+              <a:rPr lang="en-US" dirty="0" err="1" smtClean="0"/>
+              <a:t>etc</a:t>
+            </a:r>
+            <a:r>
+              <a:rPr lang="en-US" dirty="0" smtClean="0"/>
+              <a:t>) ?</a:t>
+            </a:r>
+          </a:p>
+          <a:p>
+            <a:endParaRPr lang="en-US" dirty="0"/>
+          </a:p>
+        </p:txBody>
+      </p:sp>
+    </p:spTree>
+    <p:extLst>
+      <p:ext uri="{BB962C8B-B14F-4D97-AF65-F5344CB8AC3E}">
+        <p14:creationId xmlns:p14="http://schemas.microsoft.com/office/powerpoint/2010/main" val="1556474539"/>
+      </p:ext>
+    </p:extLst>
+  </p:cSld>
+  <p:clrMapOvr>
+    <a:masterClrMapping/>
+  </p:clrMapOvr>
+  <p:timing>
+    <p:tnLst>
+      <p:par>
+        <p:cTn id="1" dur="indefinite" restart="never" nodeType="tmRoot"/>
+      </p:par>
+    </p:tnLst>
+  </p:timing>
+</p:sld>
+</file>
+
+<file path=ppt/slides/slide24.xml><?xml version="1.0" encoding="utf-8"?>
+<p:sld xmlns:a="http://schemas.openxmlformats.org/drawingml/2006/main" xmlns:r="http://schemas.openxmlformats.org/officeDocument/2006/relationships" xmlns:p="http://schemas.openxmlformats.org/presentationml/2006/main">
+  <p:cSld>
+    <p:spTree>
+      <p:nvGrpSpPr>
+        <p:cNvPr id="1" name=""/>
+        <p:cNvGrpSpPr/>
+        <p:nvPr/>
+      </p:nvGrpSpPr>
+      <p:grpSpPr>
+        <a:xfrm>
+          <a:off x="0" y="0"/>
+          <a:ext cx="0" cy="0"/>
+          <a:chOff x="0" y="0"/>
+          <a:chExt cx="0" cy="0"/>
+        </a:xfrm>
+      </p:grpSpPr>
+      <p:sp>
+        <p:nvSpPr>
+          <p:cNvPr id="18" name="Title 17"/>
+          <p:cNvSpPr>
+            <a:spLocks noGrp="1"/>
+          </p:cNvSpPr>
+          <p:nvPr>
+            <p:ph type="title"/>
+          </p:nvPr>
+        </p:nvSpPr>
+        <p:spPr/>
+        <p:txBody>
+          <a:bodyPr/>
+          <a:lstStyle/>
+          <a:p>
+            <a:r>
+              <a:rPr lang="en-US" dirty="0" smtClean="0"/>
+              <a:t>Release plan</a:t>
+            </a:r>
+            <a:endParaRPr lang="en-US" dirty="0"/>
+          </a:p>
+        </p:txBody>
+      </p:sp>
+      <p:pic>
+        <p:nvPicPr>
+          <p:cNvPr id="3" name="Picture 2"/>
+          <p:cNvPicPr>
+            <a:picLocks noChangeAspect="1"/>
+          </p:cNvPicPr>
+          <p:nvPr/>
+        </p:nvPicPr>
+        <p:blipFill>
+          <a:blip r:embed="rId2"/>
+          <a:stretch>
+            <a:fillRect/>
+          </a:stretch>
+        </p:blipFill>
+        <p:spPr>
+          <a:xfrm>
+            <a:off x="2287020" y="1213658"/>
+            <a:ext cx="6441343" cy="4613564"/>
+          </a:xfrm>
+          <a:prstGeom prst="rect">
+            <a:avLst/>
+          </a:prstGeom>
+        </p:spPr>
+      </p:pic>
+    </p:spTree>
+    <p:extLst>
+      <p:ext uri="{BB962C8B-B14F-4D97-AF65-F5344CB8AC3E}">
+        <p14:creationId xmlns:p14="http://schemas.microsoft.com/office/powerpoint/2010/main" val="701932684"/>
+      </p:ext>
+    </p:extLst>
+  </p:cSld>
+  <p:clrMapOvr>
+    <a:masterClrMapping/>
+  </p:clrMapOvr>
+  <p:timing>
+    <p:tnLst>
+      <p:par>
+        <p:cTn id="1" dur="indefinite" restart="never" nodeType="tmRoot"/>
+      </p:par>
+    </p:tnLst>
+  </p:timing>
+</p:sld>
+</file>
+
+<file path=ppt/slides/slide25.xml><?xml version="1.0" encoding="utf-8"?>
+<p:sld xmlns:a="http://schemas.openxmlformats.org/drawingml/2006/main" xmlns:r="http://schemas.openxmlformats.org/officeDocument/2006/relationships" xmlns:p="http://schemas.openxmlformats.org/presentationml/2006/main">
+  <p:cSld>
+    <p:spTree>
+      <p:nvGrpSpPr>
+        <p:cNvPr id="1" name=""/>
+        <p:cNvGrpSpPr/>
+        <p:nvPr/>
+      </p:nvGrpSpPr>
+      <p:grpSpPr>
+        <a:xfrm>
+          <a:off x="0" y="0"/>
+          <a:ext cx="0" cy="0"/>
+          <a:chOff x="0" y="0"/>
+          <a:chExt cx="0" cy="0"/>
+        </a:xfrm>
+      </p:grpSpPr>
+      <p:sp>
+        <p:nvSpPr>
+          <p:cNvPr id="18" name="Title 17"/>
+          <p:cNvSpPr>
+            <a:spLocks noGrp="1"/>
+          </p:cNvSpPr>
+          <p:nvPr>
+            <p:ph type="title"/>
+          </p:nvPr>
+        </p:nvSpPr>
+        <p:spPr/>
+        <p:txBody>
+          <a:bodyPr/>
+          <a:lstStyle/>
+          <a:p>
+            <a:r>
+              <a:rPr lang="en-US" dirty="0" err="1" smtClean="0"/>
+              <a:t>Risorse</a:t>
+            </a:r>
+            <a:endParaRPr lang="en-US" dirty="0"/>
+          </a:p>
+        </p:txBody>
+      </p:sp>
+      <p:sp>
+        <p:nvSpPr>
+          <p:cNvPr id="19" name="Content Placeholder 18"/>
+          <p:cNvSpPr>
+            <a:spLocks noGrp="1"/>
+          </p:cNvSpPr>
+          <p:nvPr>
+            <p:ph idx="1"/>
+          </p:nvPr>
+        </p:nvSpPr>
+        <p:spPr/>
+        <p:txBody>
+          <a:bodyPr>
+            <a:normAutofit fontScale="92500" lnSpcReduction="10000"/>
+          </a:bodyPr>
+          <a:lstStyle/>
+          <a:p>
+            <a:r>
+              <a:rPr lang="en-US" sz="2400" dirty="0" err="1" smtClean="0"/>
+              <a:t>Github</a:t>
+            </a:r>
+            <a:endParaRPr lang="en-US" sz="2400" dirty="0" smtClean="0"/>
+          </a:p>
+          <a:p>
+            <a:r>
+              <a:rPr lang="en-US" sz="2400" dirty="0" smtClean="0">
+                <a:hlinkClick r:id="rId2"/>
+              </a:rPr>
+              <a:t>https</a:t>
+            </a:r>
+            <a:r>
+              <a:rPr lang="en-US" sz="2400" dirty="0">
+                <a:hlinkClick r:id="rId2"/>
+              </a:rPr>
+              <a:t>://</a:t>
+            </a:r>
+            <a:r>
+              <a:rPr lang="en-US" sz="2400" dirty="0" smtClean="0">
+                <a:hlinkClick r:id="rId2"/>
+              </a:rPr>
+              <a:t>github.com/Microsoft/sqlopsstudio</a:t>
+            </a:r>
+            <a:endParaRPr lang="en-US" sz="2400" dirty="0" smtClean="0"/>
+          </a:p>
+          <a:p>
+            <a:endParaRPr lang="en-US" sz="2400" dirty="0" smtClean="0"/>
+          </a:p>
+          <a:p>
+            <a:r>
+              <a:rPr lang="en-US" sz="2400" dirty="0" err="1" smtClean="0"/>
+              <a:t>Documentazione</a:t>
+            </a:r>
+            <a:r>
+              <a:rPr lang="en-US" sz="2400" dirty="0" smtClean="0"/>
+              <a:t> online</a:t>
+            </a:r>
+          </a:p>
+          <a:p>
+            <a:r>
+              <a:rPr lang="en-US" sz="2400" dirty="0" smtClean="0">
+                <a:hlinkClick r:id="rId3"/>
+              </a:rPr>
+              <a:t>https</a:t>
+            </a:r>
+            <a:r>
+              <a:rPr lang="en-US" sz="2400" dirty="0">
+                <a:hlinkClick r:id="rId3"/>
+              </a:rPr>
+              <a:t>://</a:t>
+            </a:r>
+            <a:r>
+              <a:rPr lang="en-US" sz="2400" dirty="0" smtClean="0">
+                <a:hlinkClick r:id="rId3"/>
+              </a:rPr>
+              <a:t>docs.microsoft.com/en-us/sql/sql-operations-studio/what-is</a:t>
+            </a:r>
+            <a:endParaRPr lang="en-US" sz="2400" dirty="0" smtClean="0"/>
+          </a:p>
+          <a:p>
+            <a:endParaRPr lang="en-US" sz="2400" dirty="0" smtClean="0"/>
+          </a:p>
+          <a:p>
+            <a:r>
+              <a:rPr lang="en-US" sz="2400" dirty="0" smtClean="0"/>
+              <a:t>Account twitter </a:t>
+            </a:r>
+            <a:r>
+              <a:rPr lang="en-US" sz="2400" dirty="0" err="1" smtClean="0"/>
+              <a:t>ufficiale</a:t>
+            </a:r>
+            <a:r>
+              <a:rPr lang="en-US" sz="2400" dirty="0" smtClean="0"/>
+              <a:t> - @</a:t>
+            </a:r>
+            <a:r>
+              <a:rPr lang="en-US" sz="2400" dirty="0" err="1" smtClean="0"/>
+              <a:t>sqlopsstudio</a:t>
+            </a:r>
+            <a:endParaRPr lang="en-US" sz="2400" dirty="0" smtClean="0"/>
+          </a:p>
+          <a:p>
+            <a:r>
+              <a:rPr lang="en-US" sz="2400" dirty="0">
+                <a:hlinkClick r:id="rId4"/>
+              </a:rPr>
+              <a:t>https://</a:t>
+            </a:r>
+            <a:r>
+              <a:rPr lang="en-US" sz="2400" dirty="0" smtClean="0">
+                <a:hlinkClick r:id="rId4"/>
+              </a:rPr>
+              <a:t>twitter.com/sqlopsstudio</a:t>
+            </a:r>
+            <a:endParaRPr lang="en-US" sz="2400" dirty="0" smtClean="0"/>
+          </a:p>
+          <a:p>
+            <a:endParaRPr lang="en-US" sz="2400" dirty="0" smtClean="0"/>
+          </a:p>
+          <a:p>
+            <a:r>
+              <a:rPr lang="en-US" sz="2400" dirty="0"/>
+              <a:t>SQL Operations Studio – Comprehensive guide to the new database DevOps tool</a:t>
+            </a:r>
+            <a:r>
+              <a:rPr lang="en-US" sz="2400" dirty="0" smtClean="0"/>
+              <a:t>!</a:t>
+            </a:r>
+            <a:r>
+              <a:rPr lang="en-US" dirty="0" smtClean="0"/>
+              <a:t> </a:t>
+            </a:r>
+          </a:p>
+          <a:p>
+            <a:r>
+              <a:rPr lang="en-US" sz="2400" dirty="0">
+                <a:hlinkClick r:id="rId5"/>
+              </a:rPr>
+              <a:t>http://blog.sqlterritory.com/2017/12/19/sql-operations-studio-comprehensive-guide</a:t>
+            </a:r>
+            <a:r>
+              <a:rPr lang="en-US" sz="2400" dirty="0" smtClean="0">
+                <a:hlinkClick r:id="rId5"/>
+              </a:rPr>
+              <a:t>/</a:t>
+            </a:r>
+            <a:endParaRPr lang="en-US" sz="2400" dirty="0" smtClean="0"/>
+          </a:p>
+          <a:p>
+            <a:endParaRPr lang="en-US" dirty="0" smtClean="0"/>
+          </a:p>
+          <a:p>
+            <a:endParaRPr lang="en-US" dirty="0" smtClean="0"/>
+          </a:p>
+          <a:p>
+            <a:endParaRPr lang="en-US" dirty="0"/>
+          </a:p>
+        </p:txBody>
+      </p:sp>
+    </p:spTree>
+    <p:extLst>
+      <p:ext uri="{BB962C8B-B14F-4D97-AF65-F5344CB8AC3E}">
+        <p14:creationId xmlns:p14="http://schemas.microsoft.com/office/powerpoint/2010/main" val="4106770360"/>
+      </p:ext>
+    </p:extLst>
+  </p:cSld>
+  <p:clrMapOvr>
+    <a:masterClrMapping/>
+  </p:clrMapOvr>
+  <p:timing>
+    <p:tnLst>
+      <p:par>
+        <p:cTn id="1" dur="indefinite" restart="never" nodeType="tmRoot"/>
+      </p:par>
+    </p:tnLst>
+  </p:timing>
+</p:sld>
+</file>
+
+<file path=ppt/slides/slide26.xml><?xml version="1.0" encoding="utf-8"?>
+<p:sld xmlns:a="http://schemas.openxmlformats.org/drawingml/2006/main" xmlns:r="http://schemas.openxmlformats.org/officeDocument/2006/relationships" xmlns:p="http://schemas.openxmlformats.org/presentationml/2006/main">
+  <p:cSld>
+    <p:spTree>
+      <p:nvGrpSpPr>
+        <p:cNvPr id="1" name=""/>
+        <p:cNvGrpSpPr/>
+        <p:nvPr/>
+      </p:nvGrpSpPr>
+      <p:grpSpPr>
+        <a:xfrm>
+          <a:off x="0" y="0"/>
+          <a:ext cx="0" cy="0"/>
+          <a:chOff x="0" y="0"/>
+          <a:chExt cx="0" cy="0"/>
+        </a:xfrm>
+      </p:grpSpPr>
+      <p:sp>
+        <p:nvSpPr>
+          <p:cNvPr id="2" name="Title 1"/>
+          <p:cNvSpPr>
+            <a:spLocks noGrp="1"/>
+          </p:cNvSpPr>
+          <p:nvPr>
+            <p:ph type="title"/>
+          </p:nvPr>
+        </p:nvSpPr>
+        <p:spPr/>
+        <p:txBody>
+          <a:bodyPr/>
+          <a:lstStyle/>
+          <a:p>
+            <a:r>
+              <a:rPr lang="en-US" dirty="0"/>
+              <a:t>Q&amp;A</a:t>
+            </a:r>
+          </a:p>
+        </p:txBody>
+      </p:sp>
+      <p:sp>
+        <p:nvSpPr>
+          <p:cNvPr id="3" name="Content Placeholder 2"/>
+          <p:cNvSpPr>
+            <a:spLocks noGrp="1"/>
+          </p:cNvSpPr>
+          <p:nvPr>
+            <p:ph idx="1"/>
+          </p:nvPr>
+        </p:nvSpPr>
+        <p:spPr>
+          <a:prstGeom prst="rect">
+            <a:avLst/>
+          </a:prstGeom>
+        </p:spPr>
+        <p:txBody>
+          <a:bodyPr/>
+          <a:lstStyle/>
+          <a:p>
+            <a:r>
+              <a:rPr lang="it-IT" sz="2646" dirty="0" smtClean="0"/>
+              <a:t>Domande?</a:t>
+            </a:r>
+            <a:endParaRPr lang="it-IT" sz="2646" dirty="0"/>
+          </a:p>
+          <a:p>
+            <a:endParaRPr lang="en-US" sz="2646" dirty="0" smtClean="0"/>
+          </a:p>
+          <a:p>
+            <a:endParaRPr lang="en-US" sz="2646" dirty="0"/>
+          </a:p>
+          <a:p>
+            <a:endParaRPr lang="en-US" sz="2646" dirty="0" smtClean="0"/>
+          </a:p>
+          <a:p>
+            <a:endParaRPr lang="it-IT" sz="2646" dirty="0"/>
+          </a:p>
+          <a:p>
+            <a:r>
+              <a:rPr lang="en-US" sz="2800" dirty="0" err="1"/>
+              <a:t>eMail</a:t>
+            </a:r>
+            <a:r>
+              <a:rPr lang="en-US" sz="2800" dirty="0"/>
+              <a:t>: </a:t>
+            </a:r>
+            <a:r>
+              <a:rPr lang="en-US" sz="2800" dirty="0">
+                <a:hlinkClick r:id="rId2"/>
+              </a:rPr>
+              <a:t>mrg3d@hotmail.com</a:t>
+            </a:r>
+            <a:endParaRPr lang="en-US" sz="2800" dirty="0"/>
+          </a:p>
+          <a:p>
+            <a:r>
+              <a:rPr lang="en-US" sz="2800" dirty="0"/>
+              <a:t>twitter: @mrg3d</a:t>
+            </a:r>
+          </a:p>
+          <a:p>
+            <a:r>
+              <a:rPr lang="en-US" sz="2800" dirty="0" err="1"/>
+              <a:t>linkedIn</a:t>
+            </a:r>
+            <a:r>
+              <a:rPr lang="en-US" sz="2800" dirty="0"/>
+              <a:t>: </a:t>
+            </a:r>
+            <a:r>
+              <a:rPr lang="en-US" sz="2800" dirty="0">
+                <a:hlinkClick r:id="rId3"/>
+              </a:rPr>
+              <a:t>https://www.linkedin.com/in/mrg3d/</a:t>
+            </a:r>
+            <a:endParaRPr lang="en-US" sz="2800" dirty="0"/>
+          </a:p>
+          <a:p>
+            <a:endParaRPr lang="en-US" sz="2268" dirty="0"/>
+          </a:p>
+        </p:txBody>
+      </p:sp>
+    </p:spTree>
+    <p:extLst>
+      <p:ext uri="{BB962C8B-B14F-4D97-AF65-F5344CB8AC3E}">
+        <p14:creationId xmlns:p14="http://schemas.microsoft.com/office/powerpoint/2010/main" val="2352899525"/>
+      </p:ext>
+    </p:extLst>
+  </p:cSld>
+  <p:clrMapOvr>
+    <a:masterClrMapping/>
+  </p:clrMapOvr>
+  <p:timing>
+    <p:tnLst>
+      <p:par>
+        <p:cTn id="1" dur="indefinite" restart="never" nodeType="tmRoot"/>
+      </p:par>
+    </p:tnLst>
+  </p:timing>
+</p:sld>
+</file>
+
+<file path=ppt/slides/slide27.xml><?xml version="1.0" encoding="utf-8"?>
+<p:sld xmlns:a="http://schemas.openxmlformats.org/drawingml/2006/main" xmlns:r="http://schemas.openxmlformats.org/officeDocument/2006/relationships" xmlns:p="http://schemas.openxmlformats.org/presentationml/2006/main">
+  <p:cSld>
+    <p:spTree>
+      <p:nvGrpSpPr>
+        <p:cNvPr id="1" name=""/>
+        <p:cNvGrpSpPr/>
+        <p:nvPr/>
+      </p:nvGrpSpPr>
+      <p:grpSpPr>
+        <a:xfrm>
+          <a:off x="0" y="0"/>
+          <a:ext cx="0" cy="0"/>
+          <a:chOff x="0" y="0"/>
+          <a:chExt cx="0" cy="0"/>
+        </a:xfrm>
+      </p:grpSpPr>
+      <p:sp>
+        <p:nvSpPr>
+          <p:cNvPr id="4" name="Content Placeholder 3">
+            <a:extLst>
+              <a:ext uri="{FF2B5EF4-FFF2-40B4-BE49-F238E27FC236}">
+                <a16:creationId xmlns:a16="http://schemas.microsoft.com/office/drawing/2014/main" id="{7218A010-E06F-414D-A589-4DC9321FFF64}"/>
+              </a:ext>
+            </a:extLst>
+          </p:cNvPr>
+          <p:cNvSpPr>
+            <a:spLocks noGrp="1"/>
+          </p:cNvSpPr>
+          <p:nvPr>
+            <p:ph idx="1"/>
+          </p:nvPr>
+        </p:nvSpPr>
+        <p:spPr/>
+        <p:txBody>
+          <a:bodyPr/>
+          <a:lstStyle/>
+          <a:p>
+            <a:pPr algn="ctr"/>
+            <a:endParaRPr lang="it-IT" dirty="0" smtClean="0"/>
+          </a:p>
+          <a:p>
+            <a:pPr algn="ctr"/>
+            <a:endParaRPr lang="it-IT" dirty="0"/>
+          </a:p>
+          <a:p>
+            <a:pPr algn="ctr"/>
+            <a:r>
+              <a:rPr lang="it-IT" dirty="0" smtClean="0"/>
+              <a:t>Grazie per l’attenzione!</a:t>
+            </a:r>
+            <a:endParaRPr lang="it-IT" dirty="0"/>
+          </a:p>
+        </p:txBody>
+      </p:sp>
+    </p:spTree>
+    <p:extLst>
+      <p:ext uri="{BB962C8B-B14F-4D97-AF65-F5344CB8AC3E}">
+        <p14:creationId xmlns:p14="http://schemas.microsoft.com/office/powerpoint/2010/main" val="3112197977"/>
+      </p:ext>
+    </p:extLst>
+  </p:cSld>
+  <p:clrMapOvr>
+    <a:masterClrMapping/>
+  </p:clrMapOvr>
+</p:sld>
+</file>
+
+<file path=ppt/slides/slide3.xml><?xml version="1.0" encoding="utf-8"?>
+<p:sld xmlns:a="http://schemas.openxmlformats.org/drawingml/2006/main" xmlns:r="http://schemas.openxmlformats.org/officeDocument/2006/relationships" xmlns:p="http://schemas.openxmlformats.org/presentationml/2006/main">
+  <p:cSld>
+    <p:spTree>
+      <p:nvGrpSpPr>
+        <p:cNvPr id="1" name=""/>
+        <p:cNvGrpSpPr/>
+        <p:nvPr/>
+      </p:nvGrpSpPr>
+      <p:grpSpPr>
+        <a:xfrm>
+          <a:off x="0" y="0"/>
+          <a:ext cx="0" cy="0"/>
+          <a:chOff x="0" y="0"/>
+          <a:chExt cx="0" cy="0"/>
+        </a:xfrm>
+      </p:grpSpPr>
+      <p:sp>
+        <p:nvSpPr>
+          <p:cNvPr id="3" name="Title 2">
+            <a:extLst>
+              <a:ext uri="{FF2B5EF4-FFF2-40B4-BE49-F238E27FC236}">
+                <a16:creationId xmlns:a16="http://schemas.microsoft.com/office/drawing/2014/main" id="{A805D390-CE5E-4829-8124-C08D4640D56E}"/>
+              </a:ext>
+            </a:extLst>
+          </p:cNvPr>
+          <p:cNvSpPr>
+            <a:spLocks noGrp="1"/>
+          </p:cNvSpPr>
+          <p:nvPr>
+            <p:ph type="title"/>
+          </p:nvPr>
+        </p:nvSpPr>
+        <p:spPr/>
+        <p:txBody>
+          <a:bodyPr/>
+          <a:lstStyle/>
+          <a:p>
+            <a:r>
+              <a:rPr lang="it-IT" dirty="0" smtClean="0"/>
+              <a:t>Luca Bruni</a:t>
+            </a:r>
+            <a:endParaRPr lang="it-IT" dirty="0"/>
+          </a:p>
+        </p:txBody>
+      </p:sp>
+      <p:sp>
+        <p:nvSpPr>
+          <p:cNvPr id="4" name="Content Placeholder 3">
+            <a:extLst>
+              <a:ext uri="{FF2B5EF4-FFF2-40B4-BE49-F238E27FC236}">
+                <a16:creationId xmlns:a16="http://schemas.microsoft.com/office/drawing/2014/main" id="{DBCC85F6-35D9-4917-8010-AEEE737ED681}"/>
+              </a:ext>
+            </a:extLst>
+          </p:cNvPr>
+          <p:cNvSpPr>
+            <a:spLocks noGrp="1"/>
+          </p:cNvSpPr>
+          <p:nvPr>
+            <p:ph idx="1"/>
+          </p:nvPr>
+        </p:nvSpPr>
+        <p:spPr/>
+        <p:txBody>
+          <a:bodyPr>
+            <a:normAutofit fontScale="85000" lnSpcReduction="20000"/>
+          </a:bodyPr>
+          <a:lstStyle/>
+          <a:p>
+            <a:r>
+              <a:rPr lang="en-US" sz="2400" dirty="0" err="1"/>
+              <a:t>Professionista</a:t>
+            </a:r>
+            <a:r>
+              <a:rPr lang="en-US" sz="2400" dirty="0"/>
+              <a:t> IT (~15 </a:t>
+            </a:r>
+            <a:r>
+              <a:rPr lang="en-US" sz="2400" dirty="0" err="1"/>
+              <a:t>anni</a:t>
+            </a:r>
+            <a:r>
+              <a:rPr lang="en-US" sz="2400" dirty="0"/>
+              <a:t> di </a:t>
+            </a:r>
+            <a:r>
+              <a:rPr lang="en-US" sz="2400" dirty="0" err="1"/>
+              <a:t>esperienza</a:t>
+            </a:r>
+            <a:r>
+              <a:rPr lang="en-US" sz="2400" dirty="0"/>
+              <a:t>)</a:t>
+            </a:r>
+            <a:endParaRPr lang="en-US" sz="2000" dirty="0"/>
+          </a:p>
+          <a:p>
+            <a:r>
+              <a:rPr lang="en-US" sz="2400" dirty="0"/>
+              <a:t>	</a:t>
+            </a:r>
+          </a:p>
+          <a:p>
+            <a:r>
+              <a:rPr lang="en-US" sz="2400" dirty="0"/>
+              <a:t>Software &amp; Data Architect</a:t>
+            </a:r>
+          </a:p>
+          <a:p>
+            <a:r>
+              <a:rPr lang="en-US" sz="2400" dirty="0"/>
+              <a:t>	</a:t>
+            </a:r>
+            <a:r>
+              <a:rPr lang="en-US" sz="2100" dirty="0" err="1"/>
+              <a:t>mindCube</a:t>
+            </a:r>
+            <a:r>
+              <a:rPr lang="en-US" sz="2100" dirty="0"/>
+              <a:t> </a:t>
+            </a:r>
+            <a:r>
+              <a:rPr lang="en-US" sz="2100" dirty="0" err="1"/>
+              <a:t>S.a.g.l</a:t>
+            </a:r>
+            <a:r>
+              <a:rPr lang="en-US" sz="2100" dirty="0"/>
+              <a:t>.</a:t>
+            </a:r>
+          </a:p>
+          <a:p>
+            <a:endParaRPr lang="en-US" sz="2100" dirty="0"/>
+          </a:p>
+          <a:p>
+            <a:r>
+              <a:rPr lang="en-US" sz="2400" dirty="0"/>
+              <a:t>Contributor UGISS </a:t>
+            </a:r>
+          </a:p>
+          <a:p>
+            <a:pPr lvl="1"/>
+            <a:r>
+              <a:rPr lang="en-US" sz="2000" dirty="0"/>
+              <a:t>User Group </a:t>
+            </a:r>
+            <a:r>
+              <a:rPr lang="en-US" sz="2000" dirty="0" err="1"/>
+              <a:t>Italiano</a:t>
+            </a:r>
+            <a:r>
+              <a:rPr lang="en-US" sz="2000" dirty="0"/>
+              <a:t> SQL Server (PASS Chapter)</a:t>
+            </a:r>
+          </a:p>
+          <a:p>
+            <a:pPr lvl="1"/>
+            <a:endParaRPr lang="en-US" sz="2000" dirty="0"/>
+          </a:p>
+          <a:p>
+            <a:r>
+              <a:rPr lang="en-US" sz="2400" dirty="0"/>
+              <a:t>Speaker?</a:t>
+            </a:r>
+          </a:p>
+          <a:p>
+            <a:r>
+              <a:rPr lang="en-US" sz="2400" dirty="0"/>
+              <a:t>	</a:t>
+            </a:r>
+            <a:r>
+              <a:rPr lang="en-US" sz="2100" dirty="0" err="1"/>
+              <a:t>Vediamo</a:t>
+            </a:r>
+            <a:r>
+              <a:rPr lang="en-US" sz="2100" dirty="0"/>
+              <a:t> come </a:t>
+            </a:r>
+            <a:r>
+              <a:rPr lang="en-US" sz="2100" dirty="0" err="1"/>
+              <a:t>va</a:t>
+            </a:r>
+            <a:r>
+              <a:rPr lang="en-US" sz="2100" dirty="0"/>
+              <a:t>!</a:t>
+            </a:r>
+          </a:p>
+          <a:p>
+            <a:endParaRPr lang="en-US" dirty="0"/>
+          </a:p>
+          <a:p>
+            <a:r>
+              <a:rPr lang="en-US" sz="2000" dirty="0" err="1"/>
+              <a:t>eMail</a:t>
+            </a:r>
+            <a:r>
+              <a:rPr lang="en-US" sz="2000" dirty="0"/>
+              <a:t>: </a:t>
+            </a:r>
+            <a:r>
+              <a:rPr lang="en-US" sz="2000" dirty="0">
+                <a:hlinkClick r:id="rId2"/>
+              </a:rPr>
+              <a:t>mrg3d@hotmail.com</a:t>
+            </a:r>
+            <a:endParaRPr lang="en-US" sz="2000" dirty="0"/>
+          </a:p>
+          <a:p>
+            <a:r>
+              <a:rPr lang="en-US" sz="2000" dirty="0"/>
+              <a:t>twitter: @mrg3d</a:t>
+            </a:r>
+          </a:p>
+          <a:p>
+            <a:r>
+              <a:rPr lang="en-US" sz="2000" dirty="0" err="1"/>
+              <a:t>linkedIn</a:t>
+            </a:r>
+            <a:r>
+              <a:rPr lang="en-US" sz="2000" dirty="0"/>
+              <a:t>: </a:t>
+            </a:r>
+            <a:r>
+              <a:rPr lang="en-US" sz="2000" dirty="0">
+                <a:hlinkClick r:id="rId3"/>
+              </a:rPr>
+              <a:t>https://www.linkedin.com/in/mrg3d/</a:t>
+            </a:r>
+            <a:endParaRPr lang="en-US" sz="2000" dirty="0"/>
+          </a:p>
+          <a:p>
+            <a:endParaRPr lang="it-IT" dirty="0"/>
+          </a:p>
+        </p:txBody>
+      </p:sp>
+      <p:pic>
+        <p:nvPicPr>
+          <p:cNvPr id="5" name="Picture 4">
+            <a:hlinkClick r:id="rId4"/>
+          </p:cNvPr>
+          <p:cNvPicPr>
+            <a:picLocks noChangeAspect="1"/>
+          </p:cNvPicPr>
+          <p:nvPr/>
+        </p:nvPicPr>
+        <p:blipFill>
+          <a:blip r:embed="rId5" cstate="print">
+            <a:extLst>
+              <a:ext uri="{28A0092B-C50C-407E-A947-70E740481C1C}">
+                <a14:useLocalDpi xmlns:a14="http://schemas.microsoft.com/office/drawing/2010/main" val="0"/>
+              </a:ext>
+            </a:extLst>
+          </a:blip>
+          <a:stretch>
+            <a:fillRect/>
+          </a:stretch>
+        </p:blipFill>
+        <p:spPr>
+          <a:xfrm>
+            <a:off x="10650775" y="189121"/>
+            <a:ext cx="611940" cy="611940"/>
+          </a:xfrm>
+          <a:prstGeom prst="rect">
+            <a:avLst/>
+          </a:prstGeom>
+        </p:spPr>
+      </p:pic>
+      <p:pic>
+        <p:nvPicPr>
+          <p:cNvPr id="6" name="Picture 2" descr="MindCube Sagl"/>
+          <p:cNvPicPr>
+            <a:picLocks noChangeAspect="1" noChangeArrowheads="1"/>
+          </p:cNvPicPr>
+          <p:nvPr/>
+        </p:nvPicPr>
+        <p:blipFill>
+          <a:blip r:embed="rId6">
+            <a:extLst>
+              <a:ext uri="{28A0092B-C50C-407E-A947-70E740481C1C}">
+                <a14:useLocalDpi xmlns:a14="http://schemas.microsoft.com/office/drawing/2010/main" val="0"/>
+              </a:ext>
+            </a:extLst>
+          </a:blip>
+          <a:srcRect/>
+          <a:stretch>
+            <a:fillRect/>
+          </a:stretch>
+        </p:blipFill>
+        <p:spPr bwMode="auto">
+          <a:xfrm>
+            <a:off x="8600609" y="189120"/>
+            <a:ext cx="2023308" cy="656209"/>
+          </a:xfrm>
+          <a:prstGeom prst="rect">
+            <a:avLst/>
+          </a:prstGeom>
+          <a:noFill/>
+          <a:extLst>
+            <a:ext uri="{909E8E84-426E-40DD-AFC4-6F175D3DCCD1}">
+              <a14:hiddenFill xmlns:a14="http://schemas.microsoft.com/office/drawing/2010/main">
+                <a:solidFill>
+                  <a:srgbClr val="FFFFFF"/>
+                </a:solidFill>
+              </a14:hiddenFill>
+            </a:ext>
+          </a:extLst>
+        </p:spPr>
+      </p:pic>
+      <p:pic>
+        <p:nvPicPr>
+          <p:cNvPr id="7" name="Picture 4" descr="http://www.sqlsaturday.com/images/speakers/5475-c8290d69.jpg"/>
+          <p:cNvPicPr>
+            <a:picLocks noChangeAspect="1" noChangeArrowheads="1"/>
+          </p:cNvPicPr>
+          <p:nvPr/>
+        </p:nvPicPr>
+        <p:blipFill>
+          <a:blip r:embed="rId7">
+            <a:extLst>
+              <a:ext uri="{28A0092B-C50C-407E-A947-70E740481C1C}">
+                <a14:useLocalDpi xmlns:a14="http://schemas.microsoft.com/office/drawing/2010/main" val="0"/>
+              </a:ext>
+            </a:extLst>
+          </a:blip>
+          <a:srcRect/>
+          <a:stretch>
+            <a:fillRect/>
+          </a:stretch>
+        </p:blipFill>
+        <p:spPr bwMode="auto">
+          <a:xfrm>
+            <a:off x="9455706" y="1080363"/>
+            <a:ext cx="1170172" cy="1872276"/>
+          </a:xfrm>
+          <a:prstGeom prst="rect">
+            <a:avLst/>
+          </a:prstGeom>
+          <a:noFill/>
+          <a:extLst>
+            <a:ext uri="{909E8E84-426E-40DD-AFC4-6F175D3DCCD1}">
+              <a14:hiddenFill xmlns:a14="http://schemas.microsoft.com/office/drawing/2010/main">
+                <a:solidFill>
+                  <a:srgbClr val="FFFFFF"/>
+                </a:solidFill>
+              </a14:hiddenFill>
+            </a:ext>
+          </a:extLst>
+        </p:spPr>
+      </p:pic>
+    </p:spTree>
+    <p:extLst>
+      <p:ext uri="{BB962C8B-B14F-4D97-AF65-F5344CB8AC3E}">
+        <p14:creationId xmlns:p14="http://schemas.microsoft.com/office/powerpoint/2010/main" val="557766459"/>
+      </p:ext>
+    </p:extLst>
+  </p:cSld>
+  <p:clrMapOvr>
+    <a:masterClrMapping/>
+  </p:clrMapOvr>
+  <p:timing>
+    <p:tnLst>
+      <p:par>
+        <p:cTn id="1" dur="indefinite" restart="never" nodeType="tmRoot"/>
+      </p:par>
+    </p:tnLst>
+  </p:timing>
+</p:sld>
+</file>
+
+<file path=ppt/slides/slide4.xml><?xml version="1.0" encoding="utf-8"?>
+<p:sld xmlns:a="http://schemas.openxmlformats.org/drawingml/2006/main" xmlns:r="http://schemas.openxmlformats.org/officeDocument/2006/relationships" xmlns:p="http://schemas.openxmlformats.org/presentationml/2006/main">
+  <p:cSld>
+    <p:spTree>
+      <p:nvGrpSpPr>
+        <p:cNvPr id="1" name=""/>
+        <p:cNvGrpSpPr/>
+        <p:nvPr/>
+      </p:nvGrpSpPr>
+      <p:grpSpPr>
+        <a:xfrm>
+          <a:off x="0" y="0"/>
+          <a:ext cx="0" cy="0"/>
+          <a:chOff x="0" y="0"/>
+          <a:chExt cx="0" cy="0"/>
+        </a:xfrm>
+      </p:grpSpPr>
+      <p:sp>
+        <p:nvSpPr>
+          <p:cNvPr id="2" name="Title 1"/>
+          <p:cNvSpPr>
+            <a:spLocks noGrp="1"/>
+          </p:cNvSpPr>
+          <p:nvPr>
+            <p:ph type="title"/>
+          </p:nvPr>
+        </p:nvSpPr>
+        <p:spPr/>
+        <p:txBody>
+          <a:bodyPr/>
+          <a:lstStyle/>
+          <a:p>
+            <a:r>
+              <a:rPr lang="en-US" dirty="0" err="1" smtClean="0"/>
+              <a:t>Introduzione</a:t>
+            </a:r>
+            <a:endParaRPr lang="en-US" dirty="0"/>
+          </a:p>
+        </p:txBody>
+      </p:sp>
+    </p:spTree>
+    <p:extLst>
+      <p:ext uri="{BB962C8B-B14F-4D97-AF65-F5344CB8AC3E}">
+        <p14:creationId xmlns:p14="http://schemas.microsoft.com/office/powerpoint/2010/main" val="148607444"/>
+      </p:ext>
+    </p:extLst>
+  </p:cSld>
+  <p:clrMapOvr>
+    <a:masterClrMapping/>
+  </p:clrMapOvr>
+  <p:timing>
+    <p:tnLst>
+      <p:par>
+        <p:cTn id="1" dur="indefinite" restart="never" nodeType="tmRoot"/>
+      </p:par>
+    </p:tnLst>
+  </p:timing>
+</p:sld>
+</file>
+
+<file path=ppt/slides/slide5.xml><?xml version="1.0" encoding="utf-8"?>
+<p:sld xmlns:a="http://schemas.openxmlformats.org/drawingml/2006/main" xmlns:r="http://schemas.openxmlformats.org/officeDocument/2006/relationships" xmlns:p="http://schemas.openxmlformats.org/presentationml/2006/main">
+  <p:cSld>
+    <p:spTree>
+      <p:nvGrpSpPr>
+        <p:cNvPr id="1" name=""/>
+        <p:cNvGrpSpPr/>
+        <p:nvPr/>
+      </p:nvGrpSpPr>
+      <p:grpSpPr>
+        <a:xfrm>
+          <a:off x="0" y="0"/>
+          <a:ext cx="0" cy="0"/>
+          <a:chOff x="0" y="0"/>
+          <a:chExt cx="0" cy="0"/>
+        </a:xfrm>
+      </p:grpSpPr>
+      <p:sp>
+        <p:nvSpPr>
+          <p:cNvPr id="18" name="Title 17"/>
+          <p:cNvSpPr>
+            <a:spLocks noGrp="1"/>
+          </p:cNvSpPr>
+          <p:nvPr>
+            <p:ph type="title"/>
+          </p:nvPr>
+        </p:nvSpPr>
+        <p:spPr/>
+        <p:txBody>
+          <a:bodyPr/>
+          <a:lstStyle/>
+          <a:p>
+            <a:r>
+              <a:rPr lang="en-US" dirty="0" smtClean="0"/>
+              <a:t>Il 2017…</a:t>
+            </a:r>
+            <a:endParaRPr lang="en-US" dirty="0"/>
+          </a:p>
+        </p:txBody>
+      </p:sp>
+      <p:sp>
+        <p:nvSpPr>
+          <p:cNvPr id="19" name="Content Placeholder 18"/>
+          <p:cNvSpPr>
+            <a:spLocks noGrp="1"/>
+          </p:cNvSpPr>
+          <p:nvPr>
+            <p:ph idx="1"/>
+          </p:nvPr>
+        </p:nvSpPr>
+        <p:spPr/>
+        <p:txBody>
+          <a:bodyPr>
+            <a:normAutofit/>
+          </a:bodyPr>
+          <a:lstStyle/>
+          <a:p>
+            <a:r>
+              <a:rPr lang="en-US" altLang="en-US" dirty="0" smtClean="0">
+                <a:solidFill>
+                  <a:srgbClr val="293338"/>
+                </a:solidFill>
+                <a:latin typeface="inherit"/>
+              </a:rPr>
+              <a:t>Anno </a:t>
+            </a:r>
+            <a:r>
+              <a:rPr lang="en-US" altLang="en-US" dirty="0" err="1">
+                <a:solidFill>
+                  <a:srgbClr val="293338"/>
+                </a:solidFill>
+                <a:latin typeface="inherit"/>
+              </a:rPr>
+              <a:t>ricco</a:t>
+            </a:r>
+            <a:r>
+              <a:rPr lang="en-US" altLang="en-US" dirty="0">
+                <a:solidFill>
+                  <a:srgbClr val="293338"/>
+                </a:solidFill>
+                <a:latin typeface="inherit"/>
+              </a:rPr>
+              <a:t> di </a:t>
+            </a:r>
+            <a:r>
+              <a:rPr lang="en-US" altLang="en-US" dirty="0" err="1">
+                <a:solidFill>
+                  <a:srgbClr val="293338"/>
+                </a:solidFill>
+                <a:latin typeface="inherit"/>
+              </a:rPr>
+              <a:t>novità</a:t>
+            </a:r>
+            <a:r>
+              <a:rPr lang="en-US" altLang="en-US" dirty="0">
+                <a:solidFill>
+                  <a:srgbClr val="293338"/>
+                </a:solidFill>
+                <a:latin typeface="inherit"/>
+              </a:rPr>
+              <a:t> per </a:t>
+            </a:r>
+            <a:r>
+              <a:rPr lang="en-US" altLang="en-US" dirty="0" smtClean="0">
+                <a:solidFill>
+                  <a:srgbClr val="293338"/>
+                </a:solidFill>
+                <a:latin typeface="inherit"/>
+              </a:rPr>
+              <a:t>SQL </a:t>
+            </a:r>
+            <a:r>
+              <a:rPr lang="en-US" altLang="en-US" dirty="0">
+                <a:solidFill>
+                  <a:srgbClr val="293338"/>
+                </a:solidFill>
+                <a:latin typeface="inherit"/>
+              </a:rPr>
+              <a:t>Server. </a:t>
+            </a:r>
+            <a:endParaRPr lang="en-US" altLang="en-US" dirty="0" smtClean="0">
+              <a:solidFill>
+                <a:srgbClr val="293338"/>
+              </a:solidFill>
+              <a:latin typeface="inherit"/>
+            </a:endParaRPr>
+          </a:p>
+          <a:p>
+            <a:r>
+              <a:rPr lang="en-US" altLang="en-US" sz="1900" dirty="0" smtClean="0">
+                <a:solidFill>
+                  <a:srgbClr val="293338"/>
+                </a:solidFill>
+                <a:latin typeface="inherit"/>
+              </a:rPr>
+              <a:t>	ERRATA CORRIGE: </a:t>
+            </a:r>
+            <a:r>
+              <a:rPr lang="en-US" altLang="en-US" sz="1900" dirty="0" err="1" smtClean="0">
+                <a:solidFill>
+                  <a:srgbClr val="293338"/>
+                </a:solidFill>
+                <a:latin typeface="inherit"/>
+              </a:rPr>
+              <a:t>Genenal</a:t>
+            </a:r>
+            <a:r>
+              <a:rPr lang="en-US" altLang="en-US" sz="1900" dirty="0" smtClean="0">
+                <a:solidFill>
+                  <a:srgbClr val="293338"/>
+                </a:solidFill>
+                <a:latin typeface="inherit"/>
+              </a:rPr>
+              <a:t> availability != Cross Platform </a:t>
+            </a:r>
+          </a:p>
+          <a:p>
+            <a:endParaRPr lang="en-US" altLang="en-US" sz="1900" dirty="0">
+              <a:solidFill>
+                <a:srgbClr val="293338"/>
+              </a:solidFill>
+              <a:latin typeface="inherit"/>
+            </a:endParaRPr>
+          </a:p>
+          <a:p>
+            <a:r>
+              <a:rPr lang="en-US" altLang="en-US" dirty="0" smtClean="0">
+                <a:solidFill>
+                  <a:srgbClr val="293338"/>
+                </a:solidFill>
+                <a:latin typeface="inherit"/>
+              </a:rPr>
+              <a:t>SQL Server anywhere</a:t>
+            </a:r>
+          </a:p>
+          <a:p>
+            <a:r>
+              <a:rPr lang="en-US" altLang="en-US" sz="1900" dirty="0" smtClean="0">
+                <a:solidFill>
+                  <a:srgbClr val="293338"/>
+                </a:solidFill>
+                <a:latin typeface="inherit"/>
+              </a:rPr>
+              <a:t>	</a:t>
+            </a:r>
+          </a:p>
+          <a:p>
+            <a:endParaRPr lang="en-US" altLang="en-US" sz="1900" dirty="0" smtClean="0">
+              <a:solidFill>
+                <a:srgbClr val="293338"/>
+              </a:solidFill>
+              <a:latin typeface="inherit"/>
+            </a:endParaRPr>
+          </a:p>
+          <a:p>
+            <a:r>
+              <a:rPr lang="en-US" altLang="en-US" dirty="0" smtClean="0">
+                <a:solidFill>
+                  <a:srgbClr val="293338"/>
+                </a:solidFill>
+                <a:latin typeface="inherit"/>
+              </a:rPr>
+              <a:t>Ok.. Il server! Ed </a:t>
+            </a:r>
+            <a:r>
+              <a:rPr lang="en-US" altLang="en-US" dirty="0" err="1" smtClean="0">
+                <a:solidFill>
+                  <a:srgbClr val="293338"/>
+                </a:solidFill>
+                <a:latin typeface="inherit"/>
+              </a:rPr>
+              <a:t>i</a:t>
+            </a:r>
+            <a:r>
+              <a:rPr lang="en-US" altLang="en-US" dirty="0" smtClean="0">
+                <a:solidFill>
+                  <a:srgbClr val="293338"/>
+                </a:solidFill>
+                <a:latin typeface="inherit"/>
+              </a:rPr>
+              <a:t> client?</a:t>
+            </a:r>
+          </a:p>
+          <a:p>
+            <a:endParaRPr lang="en-US" dirty="0"/>
+          </a:p>
+        </p:txBody>
+      </p:sp>
+      <p:pic>
+        <p:nvPicPr>
+          <p:cNvPr id="6" name="Picture 2" descr="https://pbs.twimg.com/profile_images/875388334003986432/eUsjmVRJ_400x400.jpg"/>
+          <p:cNvPicPr>
+            <a:picLocks noChangeAspect="1" noChangeArrowheads="1"/>
+          </p:cNvPicPr>
+          <p:nvPr/>
+        </p:nvPicPr>
+        <p:blipFill>
+          <a:blip r:embed="rId2">
+            <a:extLst>
+              <a:ext uri="{28A0092B-C50C-407E-A947-70E740481C1C}">
+                <a14:useLocalDpi xmlns:a14="http://schemas.microsoft.com/office/drawing/2010/main" val="0"/>
+              </a:ext>
+            </a:extLst>
+          </a:blip>
+          <a:srcRect/>
+          <a:stretch>
+            <a:fillRect/>
+          </a:stretch>
+        </p:blipFill>
+        <p:spPr bwMode="auto">
+          <a:xfrm>
+            <a:off x="5277944" y="2835829"/>
+            <a:ext cx="594015" cy="594015"/>
+          </a:xfrm>
+          <a:prstGeom prst="rect">
+            <a:avLst/>
+          </a:prstGeom>
+          <a:noFill/>
+          <a:extLst>
+            <a:ext uri="{909E8E84-426E-40DD-AFC4-6F175D3DCCD1}">
+              <a14:hiddenFill xmlns:a14="http://schemas.microsoft.com/office/drawing/2010/main">
+                <a:solidFill>
+                  <a:srgbClr val="FFFFFF"/>
+                </a:solidFill>
+              </a14:hiddenFill>
+            </a:ext>
+          </a:extLst>
+        </p:spPr>
+      </p:pic>
+      <p:pic>
+        <p:nvPicPr>
+          <p:cNvPr id="8" name="Picture 4" descr="https://pbs.twimg.com/profile_images/862037907862765568/pYgBswUk.jpg"/>
+          <p:cNvPicPr>
+            <a:picLocks noChangeAspect="1" noChangeArrowheads="1"/>
+          </p:cNvPicPr>
+          <p:nvPr/>
+        </p:nvPicPr>
+        <p:blipFill>
+          <a:blip r:embed="rId3">
+            <a:extLst>
+              <a:ext uri="{28A0092B-C50C-407E-A947-70E740481C1C}">
+                <a14:useLocalDpi xmlns:a14="http://schemas.microsoft.com/office/drawing/2010/main" val="0"/>
+              </a:ext>
+            </a:extLst>
+          </a:blip>
+          <a:srcRect/>
+          <a:stretch>
+            <a:fillRect/>
+          </a:stretch>
+        </p:blipFill>
+        <p:spPr bwMode="auto">
+          <a:xfrm>
+            <a:off x="6828961" y="2835829"/>
+            <a:ext cx="594015" cy="594015"/>
+          </a:xfrm>
+          <a:prstGeom prst="rect">
+            <a:avLst/>
+          </a:prstGeom>
+          <a:noFill/>
+          <a:extLst>
+            <a:ext uri="{909E8E84-426E-40DD-AFC4-6F175D3DCCD1}">
+              <a14:hiddenFill xmlns:a14="http://schemas.microsoft.com/office/drawing/2010/main">
+                <a:solidFill>
+                  <a:srgbClr val="FFFFFF"/>
+                </a:solidFill>
+              </a14:hiddenFill>
+            </a:ext>
+          </a:extLst>
+        </p:spPr>
+      </p:pic>
+      <p:pic>
+        <p:nvPicPr>
+          <p:cNvPr id="10" name="Picture 6" descr="https://upload.wikimedia.org/wikipedia/commons/thumb/b/b0/NewTux.svg/500px-NewTux.svg.png"/>
+          <p:cNvPicPr>
+            <a:picLocks noChangeAspect="1" noChangeArrowheads="1"/>
+          </p:cNvPicPr>
+          <p:nvPr/>
+        </p:nvPicPr>
+        <p:blipFill>
+          <a:blip r:embed="rId4">
+            <a:extLst>
+              <a:ext uri="{28A0092B-C50C-407E-A947-70E740481C1C}">
+                <a14:useLocalDpi xmlns:a14="http://schemas.microsoft.com/office/drawing/2010/main" val="0"/>
+              </a:ext>
+            </a:extLst>
+          </a:blip>
+          <a:srcRect/>
+          <a:stretch>
+            <a:fillRect/>
+          </a:stretch>
+        </p:blipFill>
+        <p:spPr bwMode="auto">
+          <a:xfrm>
+            <a:off x="6090322" y="2835829"/>
+            <a:ext cx="508451" cy="610141"/>
+          </a:xfrm>
+          <a:prstGeom prst="rect">
+            <a:avLst/>
+          </a:prstGeom>
+          <a:noFill/>
+          <a:extLst>
+            <a:ext uri="{909E8E84-426E-40DD-AFC4-6F175D3DCCD1}">
+              <a14:hiddenFill xmlns:a14="http://schemas.microsoft.com/office/drawing/2010/main">
+                <a:solidFill>
+                  <a:srgbClr val="FFFFFF"/>
+                </a:solidFill>
+              </a14:hiddenFill>
+            </a:ext>
+          </a:extLst>
+        </p:spPr>
+      </p:pic>
+    </p:spTree>
+    <p:extLst>
+      <p:ext uri="{BB962C8B-B14F-4D97-AF65-F5344CB8AC3E}">
+        <p14:creationId xmlns:p14="http://schemas.microsoft.com/office/powerpoint/2010/main" val="1562802415"/>
+      </p:ext>
+    </p:extLst>
+  </p:cSld>
+  <p:clrMapOvr>
+    <a:masterClrMapping/>
+  </p:clrMapOvr>
+  <p:timing>
+    <p:tnLst>
+      <p:par>
+        <p:cTn id="1" dur="indefinite" restart="never" nodeType="tmRoot"/>
+      </p:par>
+    </p:tnLst>
+  </p:timing>
+</p:sld>
+</file>
+
+<file path=ppt/slides/slide6.xml><?xml version="1.0" encoding="utf-8"?>
+<p:sld xmlns:a="http://schemas.openxmlformats.org/drawingml/2006/main" xmlns:r="http://schemas.openxmlformats.org/officeDocument/2006/relationships" xmlns:p="http://schemas.openxmlformats.org/presentationml/2006/main">
+  <p:cSld>
+    <p:spTree>
+      <p:nvGrpSpPr>
+        <p:cNvPr id="1" name=""/>
+        <p:cNvGrpSpPr/>
+        <p:nvPr/>
+      </p:nvGrpSpPr>
+      <p:grpSpPr>
+        <a:xfrm>
+          <a:off x="0" y="0"/>
+          <a:ext cx="0" cy="0"/>
+          <a:chOff x="0" y="0"/>
+          <a:chExt cx="0" cy="0"/>
+        </a:xfrm>
+      </p:grpSpPr>
+      <p:sp>
+        <p:nvSpPr>
+          <p:cNvPr id="18" name="Title 17"/>
+          <p:cNvSpPr>
+            <a:spLocks noGrp="1"/>
+          </p:cNvSpPr>
+          <p:nvPr>
+            <p:ph type="title"/>
+          </p:nvPr>
+        </p:nvSpPr>
+        <p:spPr/>
+        <p:txBody>
+          <a:bodyPr/>
+          <a:lstStyle/>
+          <a:p>
+            <a:r>
+              <a:rPr lang="en-US" dirty="0" smtClean="0"/>
+              <a:t>La </a:t>
+            </a:r>
+            <a:r>
+              <a:rPr lang="en-US" dirty="0" err="1" smtClean="0"/>
+              <a:t>presentazione</a:t>
+            </a:r>
+            <a:endParaRPr lang="en-US" dirty="0"/>
+          </a:p>
+        </p:txBody>
+      </p:sp>
+      <p:pic>
+        <p:nvPicPr>
+          <p:cNvPr id="1026" name="Picture 2" descr="https://pbs.twimg.com/media/DNkSdmUUIAAha4N.jpg:large"/>
+          <p:cNvPicPr>
+            <a:picLocks noChangeAspect="1" noChangeArrowheads="1"/>
+          </p:cNvPicPr>
+          <p:nvPr/>
+        </p:nvPicPr>
+        <p:blipFill>
+          <a:blip r:embed="rId2">
+            <a:extLst>
+              <a:ext uri="{28A0092B-C50C-407E-A947-70E740481C1C}">
+                <a14:useLocalDpi xmlns:a14="http://schemas.microsoft.com/office/drawing/2010/main" val="0"/>
+              </a:ext>
+            </a:extLst>
+          </a:blip>
+          <a:srcRect/>
+          <a:stretch>
+            <a:fillRect/>
+          </a:stretch>
+        </p:blipFill>
+        <p:spPr bwMode="auto">
+          <a:xfrm>
+            <a:off x="5718839" y="1371600"/>
+            <a:ext cx="5442199" cy="4081650"/>
+          </a:xfrm>
+          <a:prstGeom prst="rect">
+            <a:avLst/>
+          </a:prstGeom>
+          <a:noFill/>
+          <a:extLst>
+            <a:ext uri="{909E8E84-426E-40DD-AFC4-6F175D3DCCD1}">
+              <a14:hiddenFill xmlns:a14="http://schemas.microsoft.com/office/drawing/2010/main">
+                <a:solidFill>
+                  <a:srgbClr val="FFFFFF"/>
+                </a:solidFill>
+              </a14:hiddenFill>
+            </a:ext>
+          </a:extLst>
+        </p:spPr>
+      </p:pic>
+      <p:pic>
+        <p:nvPicPr>
+          <p:cNvPr id="1028" name="Picture 4" descr="https://littlekendra.com/wp-content/uploads/2017/11/Rohan_Kumar_keynote.jpg"/>
+          <p:cNvPicPr>
+            <a:picLocks noChangeAspect="1" noChangeArrowheads="1"/>
+          </p:cNvPicPr>
+          <p:nvPr/>
+        </p:nvPicPr>
+        <p:blipFill>
+          <a:blip r:embed="rId3">
+            <a:extLst>
+              <a:ext uri="{28A0092B-C50C-407E-A947-70E740481C1C}">
+                <a14:useLocalDpi xmlns:a14="http://schemas.microsoft.com/office/drawing/2010/main" val="0"/>
+              </a:ext>
+            </a:extLst>
+          </a:blip>
+          <a:srcRect/>
+          <a:stretch>
+            <a:fillRect/>
+          </a:stretch>
+        </p:blipFill>
+        <p:spPr bwMode="auto">
+          <a:xfrm>
+            <a:off x="421496" y="1371600"/>
+            <a:ext cx="4928785" cy="4081650"/>
+          </a:xfrm>
+          <a:prstGeom prst="rect">
+            <a:avLst/>
+          </a:prstGeom>
+          <a:noFill/>
+          <a:extLst>
+            <a:ext uri="{909E8E84-426E-40DD-AFC4-6F175D3DCCD1}">
+              <a14:hiddenFill xmlns:a14="http://schemas.microsoft.com/office/drawing/2010/main">
+                <a:solidFill>
+                  <a:srgbClr val="FFFFFF"/>
+                </a:solidFill>
+              </a14:hiddenFill>
+            </a:ext>
+          </a:extLst>
+        </p:spPr>
+      </p:pic>
+    </p:spTree>
+    <p:extLst>
+      <p:ext uri="{BB962C8B-B14F-4D97-AF65-F5344CB8AC3E}">
+        <p14:creationId xmlns:p14="http://schemas.microsoft.com/office/powerpoint/2010/main" val="104222767"/>
+      </p:ext>
+    </p:extLst>
+  </p:cSld>
+  <p:clrMapOvr>
+    <a:masterClrMapping/>
+  </p:clrMapOvr>
+  <p:timing>
+    <p:tnLst>
+      <p:par>
+        <p:cTn id="1" dur="indefinite" restart="never" nodeType="tmRoot"/>
+      </p:par>
+    </p:tnLst>
+  </p:timing>
+</p:sld>
+</file>
+
+<file path=ppt/slides/slide7.xml><?xml version="1.0" encoding="utf-8"?>
+<p:sld xmlns:a="http://schemas.openxmlformats.org/drawingml/2006/main" xmlns:r="http://schemas.openxmlformats.org/officeDocument/2006/relationships" xmlns:p="http://schemas.openxmlformats.org/presentationml/2006/main">
+  <p:cSld>
+    <p:spTree>
+      <p:nvGrpSpPr>
+        <p:cNvPr id="1" name=""/>
+        <p:cNvGrpSpPr/>
+        <p:nvPr/>
+      </p:nvGrpSpPr>
+      <p:grpSpPr>
+        <a:xfrm>
+          <a:off x="0" y="0"/>
+          <a:ext cx="0" cy="0"/>
+          <a:chOff x="0" y="0"/>
+          <a:chExt cx="0" cy="0"/>
+        </a:xfrm>
+      </p:grpSpPr>
+      <p:sp>
+        <p:nvSpPr>
+          <p:cNvPr id="2" name="Title 1"/>
+          <p:cNvSpPr>
+            <a:spLocks noGrp="1"/>
+          </p:cNvSpPr>
+          <p:nvPr>
+            <p:ph type="title"/>
+          </p:nvPr>
+        </p:nvSpPr>
+        <p:spPr/>
+        <p:txBody>
+          <a:bodyPr/>
+          <a:lstStyle/>
+          <a:p>
+            <a:r>
+              <a:rPr lang="en-US" dirty="0" err="1" smtClean="0"/>
+              <a:t>L’annuncio</a:t>
+            </a:r>
+            <a:r>
+              <a:rPr lang="en-US" dirty="0" smtClean="0"/>
+              <a:t> </a:t>
+            </a:r>
+            <a:r>
+              <a:rPr lang="en-US" dirty="0" err="1" smtClean="0"/>
+              <a:t>ufficiale</a:t>
+            </a:r>
+            <a:endParaRPr lang="it-IT" dirty="0"/>
+          </a:p>
+        </p:txBody>
+      </p:sp>
+      <p:pic>
+        <p:nvPicPr>
+          <p:cNvPr id="4" name="Picture 3"/>
+          <p:cNvPicPr>
+            <a:picLocks noChangeAspect="1"/>
+          </p:cNvPicPr>
+          <p:nvPr/>
+        </p:nvPicPr>
+        <p:blipFill>
+          <a:blip r:embed="rId2"/>
+          <a:stretch>
+            <a:fillRect/>
+          </a:stretch>
+        </p:blipFill>
+        <p:spPr>
+          <a:xfrm>
+            <a:off x="2141878" y="1080363"/>
+            <a:ext cx="6737543" cy="4638325"/>
+          </a:xfrm>
+          <a:prstGeom prst="rect">
+            <a:avLst/>
+          </a:prstGeom>
+        </p:spPr>
+      </p:pic>
+    </p:spTree>
+    <p:extLst>
+      <p:ext uri="{BB962C8B-B14F-4D97-AF65-F5344CB8AC3E}">
+        <p14:creationId xmlns:p14="http://schemas.microsoft.com/office/powerpoint/2010/main" val="3752138074"/>
+      </p:ext>
+    </p:extLst>
+  </p:cSld>
+  <p:clrMapOvr>
+    <a:masterClrMapping/>
+  </p:clrMapOvr>
+  <p:timing>
+    <p:tnLst>
+      <p:par>
+        <p:cTn id="1" dur="indefinite" restart="never" nodeType="tmRoot"/>
+      </p:par>
+    </p:tnLst>
+  </p:timing>
+</p:sld>
+</file>
+
+<file path=ppt/slides/slide8.xml><?xml version="1.0" encoding="utf-8"?>
+<p:sld xmlns:a="http://schemas.openxmlformats.org/drawingml/2006/main" xmlns:r="http://schemas.openxmlformats.org/officeDocument/2006/relationships" xmlns:p="http://schemas.openxmlformats.org/presentationml/2006/main">
+  <p:cSld>
+    <p:spTree>
+      <p:nvGrpSpPr>
+        <p:cNvPr id="1" name=""/>
+        <p:cNvGrpSpPr/>
+        <p:nvPr/>
+      </p:nvGrpSpPr>
+      <p:grpSpPr>
+        <a:xfrm>
+          <a:off x="0" y="0"/>
+          <a:ext cx="0" cy="0"/>
+          <a:chOff x="0" y="0"/>
+          <a:chExt cx="0" cy="0"/>
+        </a:xfrm>
+      </p:grpSpPr>
+      <p:sp>
+        <p:nvSpPr>
+          <p:cNvPr id="18" name="Title 17"/>
+          <p:cNvSpPr>
+            <a:spLocks noGrp="1"/>
+          </p:cNvSpPr>
+          <p:nvPr>
+            <p:ph type="title"/>
+          </p:nvPr>
+        </p:nvSpPr>
+        <p:spPr/>
+        <p:txBody>
+          <a:bodyPr/>
+          <a:lstStyle/>
+          <a:p>
+            <a:r>
+              <a:rPr lang="en-US" dirty="0" err="1" smtClean="0"/>
+              <a:t>Cos’é</a:t>
+            </a:r>
+            <a:r>
+              <a:rPr lang="en-US" dirty="0" smtClean="0"/>
+              <a:t> SQL </a:t>
+            </a:r>
+            <a:r>
+              <a:rPr lang="en-US" dirty="0" smtClean="0"/>
+              <a:t>Operations Studio?               </a:t>
             </a:r>
             <a:endParaRPr lang="en-US" sz="3600" dirty="0">
               <a:solidFill>
@@ -3409,3603 +7341,6 @@
 </p:sld>
 </file>
 
-<file path=ppt/slides/slide11.xml><?xml version="1.0" encoding="utf-8"?>
-<p:sld xmlns:a="http://schemas.openxmlformats.org/drawingml/2006/main" xmlns:r="http://schemas.openxmlformats.org/officeDocument/2006/relationships" xmlns:p="http://schemas.openxmlformats.org/presentationml/2006/main">
-  <p:cSld>
-    <p:spTree>
-      <p:nvGrpSpPr>
-        <p:cNvPr id="1" name=""/>
-        <p:cNvGrpSpPr/>
-        <p:nvPr/>
-      </p:nvGrpSpPr>
-      <p:grpSpPr>
-        <a:xfrm>
-          <a:off x="0" y="0"/>
-          <a:ext cx="0" cy="0"/>
-          <a:chOff x="0" y="0"/>
-          <a:chExt cx="0" cy="0"/>
-        </a:xfrm>
-      </p:grpSpPr>
-      <p:sp>
-        <p:nvSpPr>
-          <p:cNvPr id="18" name="Title 17"/>
-          <p:cNvSpPr>
-            <a:spLocks noGrp="1"/>
-          </p:cNvSpPr>
-          <p:nvPr>
-            <p:ph type="title"/>
-          </p:nvPr>
-        </p:nvSpPr>
-        <p:spPr/>
-        <p:txBody>
-          <a:bodyPr/>
-          <a:lstStyle/>
-          <a:p>
-            <a:r>
-              <a:rPr lang="en-US" dirty="0" err="1" smtClean="0"/>
-              <a:t>Com’è</a:t>
-            </a:r>
-            <a:r>
-              <a:rPr lang="en-US" dirty="0" smtClean="0"/>
-              <a:t> </a:t>
-            </a:r>
-            <a:r>
-              <a:rPr lang="en-US" dirty="0" err="1" smtClean="0"/>
-              <a:t>fatto</a:t>
-            </a:r>
-            <a:r>
-              <a:rPr lang="en-US" dirty="0" smtClean="0"/>
-              <a:t> SQL </a:t>
-            </a:r>
-            <a:r>
-              <a:rPr lang="en-US" dirty="0"/>
-              <a:t>Operations Studio? </a:t>
-            </a:r>
-            <a:r>
-              <a:rPr lang="en-US" dirty="0" smtClean="0"/>
-              <a:t>              </a:t>
-            </a:r>
-            <a:endParaRPr lang="en-US" dirty="0"/>
-          </a:p>
-        </p:txBody>
-      </p:sp>
-      <p:sp>
-        <p:nvSpPr>
-          <p:cNvPr id="19" name="Content Placeholder 18"/>
-          <p:cNvSpPr>
-            <a:spLocks noGrp="1"/>
-          </p:cNvSpPr>
-          <p:nvPr>
-            <p:ph idx="1"/>
-          </p:nvPr>
-        </p:nvSpPr>
-        <p:spPr/>
-        <p:txBody>
-          <a:bodyPr/>
-          <a:lstStyle/>
-          <a:p>
-            <a:r>
-              <a:rPr lang="en-US" dirty="0" err="1"/>
-              <a:t>Progetto</a:t>
-            </a:r>
-            <a:r>
-              <a:rPr lang="en-US" dirty="0"/>
-              <a:t> open </a:t>
-            </a:r>
-            <a:r>
-              <a:rPr lang="en-US" dirty="0" smtClean="0"/>
-              <a:t>source</a:t>
-            </a:r>
-          </a:p>
-          <a:p>
-            <a:r>
-              <a:rPr lang="en-US" sz="2400" dirty="0" smtClean="0">
-                <a:hlinkClick r:id="rId2"/>
-              </a:rPr>
-              <a:t>https</a:t>
-            </a:r>
-            <a:r>
-              <a:rPr lang="en-US" sz="2400" dirty="0">
-                <a:hlinkClick r:id="rId2"/>
-              </a:rPr>
-              <a:t>://</a:t>
-            </a:r>
-            <a:r>
-              <a:rPr lang="en-US" sz="2400" dirty="0" smtClean="0">
-                <a:hlinkClick r:id="rId2"/>
-              </a:rPr>
-              <a:t>github.com/Microsoft/sqlopsstudio</a:t>
-            </a:r>
-            <a:endParaRPr lang="en-US" sz="2400" dirty="0" smtClean="0"/>
-          </a:p>
-          <a:p>
-            <a:endParaRPr lang="en-US" sz="2400" dirty="0" smtClean="0"/>
-          </a:p>
-          <a:p>
-            <a:r>
-              <a:rPr lang="en-US" dirty="0" err="1" smtClean="0"/>
-              <a:t>Costruito</a:t>
-            </a:r>
-            <a:r>
-              <a:rPr lang="en-US" dirty="0" smtClean="0"/>
-              <a:t> “</a:t>
-            </a:r>
-            <a:r>
-              <a:rPr lang="en-US" dirty="0" err="1" smtClean="0"/>
-              <a:t>sopra</a:t>
-            </a:r>
-            <a:r>
-              <a:rPr lang="en-US" dirty="0" smtClean="0"/>
-              <a:t>” a Visual Studio Code</a:t>
-            </a:r>
-          </a:p>
-          <a:p>
-            <a:endParaRPr lang="en-US" sz="2400" dirty="0" smtClean="0"/>
-          </a:p>
-          <a:p>
-            <a:r>
-              <a:rPr lang="en-US" dirty="0" smtClean="0"/>
-              <a:t>Electron Framework</a:t>
-            </a:r>
-          </a:p>
-          <a:p>
-            <a:r>
-              <a:rPr lang="en-US" sz="2400" dirty="0" smtClean="0">
-                <a:hlinkClick r:id="rId3"/>
-              </a:rPr>
-              <a:t>https</a:t>
-            </a:r>
-            <a:r>
-              <a:rPr lang="en-US" sz="2400" dirty="0">
-                <a:hlinkClick r:id="rId3"/>
-              </a:rPr>
-              <a:t>://electronjs.org</a:t>
-            </a:r>
-            <a:r>
-              <a:rPr lang="en-US" sz="2400" dirty="0" smtClean="0">
-                <a:hlinkClick r:id="rId3"/>
-              </a:rPr>
-              <a:t>/</a:t>
-            </a:r>
-            <a:endParaRPr lang="en-US" sz="2400" dirty="0" smtClean="0"/>
-          </a:p>
-          <a:p>
-            <a:pPr marL="571500" indent="-571500">
-              <a:buFont typeface="Arial" panose="020B0604020202020204" pitchFamily="34" charset="0"/>
-              <a:buChar char="•"/>
-            </a:pPr>
-            <a:endParaRPr lang="en-US" dirty="0" smtClean="0"/>
-          </a:p>
-          <a:p>
-            <a:pPr marL="571500" indent="-571500">
-              <a:buFont typeface="Arial" panose="020B0604020202020204" pitchFamily="34" charset="0"/>
-              <a:buChar char="•"/>
-            </a:pPr>
-            <a:endParaRPr lang="en-US" dirty="0"/>
-          </a:p>
-        </p:txBody>
-      </p:sp>
-      <p:pic>
-        <p:nvPicPr>
-          <p:cNvPr id="3080" name="Picture 8" descr="https://cdn-images-1.medium.com/max/800/0*wJBghjYPZALMu6im."/>
-          <p:cNvPicPr>
-            <a:picLocks noChangeAspect="1" noChangeArrowheads="1"/>
-          </p:cNvPicPr>
-          <p:nvPr/>
-        </p:nvPicPr>
-        <p:blipFill>
-          <a:blip r:embed="rId4">
-            <a:extLst>
-              <a:ext uri="{28A0092B-C50C-407E-A947-70E740481C1C}">
-                <a14:useLocalDpi xmlns:a14="http://schemas.microsoft.com/office/drawing/2010/main" val="0"/>
-              </a:ext>
-            </a:extLst>
-          </a:blip>
-          <a:srcRect/>
-          <a:stretch>
-            <a:fillRect/>
-          </a:stretch>
-        </p:blipFill>
-        <p:spPr bwMode="auto">
-          <a:xfrm>
-            <a:off x="4838777" y="4064924"/>
-            <a:ext cx="556760" cy="605962"/>
-          </a:xfrm>
-          <a:prstGeom prst="rect">
-            <a:avLst/>
-          </a:prstGeom>
-          <a:noFill/>
-          <a:extLst>
-            <a:ext uri="{909E8E84-426E-40DD-AFC4-6F175D3DCCD1}">
-              <a14:hiddenFill xmlns:a14="http://schemas.microsoft.com/office/drawing/2010/main">
-                <a:solidFill>
-                  <a:srgbClr val="FFFFFF"/>
-                </a:solidFill>
-              </a14:hiddenFill>
-            </a:ext>
-          </a:extLst>
-        </p:spPr>
-      </p:pic>
-      <p:pic>
-        <p:nvPicPr>
-          <p:cNvPr id="3076" name="Picture 4" descr="Image result"/>
-          <p:cNvPicPr>
-            <a:picLocks noChangeAspect="1" noChangeArrowheads="1"/>
-          </p:cNvPicPr>
-          <p:nvPr/>
-        </p:nvPicPr>
-        <p:blipFill>
-          <a:blip r:embed="rId5">
-            <a:extLst>
-              <a:ext uri="{28A0092B-C50C-407E-A947-70E740481C1C}">
-                <a14:useLocalDpi xmlns:a14="http://schemas.microsoft.com/office/drawing/2010/main" val="0"/>
-              </a:ext>
-            </a:extLst>
-          </a:blip>
-          <a:srcRect/>
-          <a:stretch>
-            <a:fillRect/>
-          </a:stretch>
-        </p:blipFill>
-        <p:spPr bwMode="auto">
-          <a:xfrm>
-            <a:off x="8404999" y="2892828"/>
-            <a:ext cx="788617" cy="788617"/>
-          </a:xfrm>
-          <a:prstGeom prst="rect">
-            <a:avLst/>
-          </a:prstGeom>
-          <a:noFill/>
-          <a:extLst>
-            <a:ext uri="{909E8E84-426E-40DD-AFC4-6F175D3DCCD1}">
-              <a14:hiddenFill xmlns:a14="http://schemas.microsoft.com/office/drawing/2010/main">
-                <a:solidFill>
-                  <a:srgbClr val="FFFFFF"/>
-                </a:solidFill>
-              </a14:hiddenFill>
-            </a:ext>
-          </a:extLst>
-        </p:spPr>
-      </p:pic>
-    </p:spTree>
-    <p:extLst>
-      <p:ext uri="{BB962C8B-B14F-4D97-AF65-F5344CB8AC3E}">
-        <p14:creationId xmlns:p14="http://schemas.microsoft.com/office/powerpoint/2010/main" val="1535902438"/>
-      </p:ext>
-    </p:extLst>
-  </p:cSld>
-  <p:clrMapOvr>
-    <a:masterClrMapping/>
-  </p:clrMapOvr>
-  <p:timing>
-    <p:tnLst>
-      <p:par>
-        <p:cTn id="1" dur="indefinite" restart="never" nodeType="tmRoot"/>
-      </p:par>
-    </p:tnLst>
-  </p:timing>
-</p:sld>
-</file>
-
-<file path=ppt/slides/slide12.xml><?xml version="1.0" encoding="utf-8"?>
-<p:sld xmlns:a="http://schemas.openxmlformats.org/drawingml/2006/main" xmlns:r="http://schemas.openxmlformats.org/officeDocument/2006/relationships" xmlns:p="http://schemas.openxmlformats.org/presentationml/2006/main">
-  <p:cSld>
-    <p:spTree>
-      <p:nvGrpSpPr>
-        <p:cNvPr id="1" name=""/>
-        <p:cNvGrpSpPr/>
-        <p:nvPr/>
-      </p:nvGrpSpPr>
-      <p:grpSpPr>
-        <a:xfrm>
-          <a:off x="0" y="0"/>
-          <a:ext cx="0" cy="0"/>
-          <a:chOff x="0" y="0"/>
-          <a:chExt cx="0" cy="0"/>
-        </a:xfrm>
-      </p:grpSpPr>
-      <p:sp>
-        <p:nvSpPr>
-          <p:cNvPr id="18" name="Title 17"/>
-          <p:cNvSpPr>
-            <a:spLocks noGrp="1"/>
-          </p:cNvSpPr>
-          <p:nvPr>
-            <p:ph type="title"/>
-          </p:nvPr>
-        </p:nvSpPr>
-        <p:spPr/>
-        <p:txBody>
-          <a:bodyPr/>
-          <a:lstStyle/>
-          <a:p>
-            <a:r>
-              <a:rPr lang="en-US" dirty="0" smtClean="0"/>
-              <a:t>Core </a:t>
-            </a:r>
-            <a:r>
-              <a:rPr lang="en-US" dirty="0" smtClean="0"/>
-              <a:t>functionalities </a:t>
-            </a:r>
-            <a:r>
-              <a:rPr lang="en-US" sz="2800" dirty="0" smtClean="0"/>
-              <a:t>(la parte Dev)</a:t>
-            </a:r>
-            <a:endParaRPr lang="en-US" dirty="0"/>
-          </a:p>
-        </p:txBody>
-      </p:sp>
-      <p:sp>
-        <p:nvSpPr>
-          <p:cNvPr id="19" name="Content Placeholder 18"/>
-          <p:cNvSpPr>
-            <a:spLocks noGrp="1"/>
-          </p:cNvSpPr>
-          <p:nvPr>
-            <p:ph idx="1"/>
-          </p:nvPr>
-        </p:nvSpPr>
-        <p:spPr>
-          <a:xfrm>
-            <a:off x="360125" y="1439813"/>
-            <a:ext cx="10800000" cy="4511044"/>
-          </a:xfrm>
-        </p:spPr>
-        <p:txBody>
-          <a:bodyPr>
-            <a:noAutofit/>
-          </a:bodyPr>
-          <a:lstStyle/>
-          <a:p>
-            <a:pPr marL="685800" indent="-685800">
-              <a:buFont typeface="Arial" panose="020B0604020202020204" pitchFamily="34" charset="0"/>
-              <a:buChar char="•"/>
-            </a:pPr>
-            <a:r>
-              <a:rPr lang="en-US" sz="2800" dirty="0" err="1" smtClean="0"/>
-              <a:t>Connettersi</a:t>
-            </a:r>
-            <a:r>
-              <a:rPr lang="en-US" sz="2800" dirty="0" smtClean="0"/>
-              <a:t> a SQL Server</a:t>
-            </a:r>
-          </a:p>
-          <a:p>
-            <a:pPr marL="685800" indent="-685800">
-              <a:buFont typeface="Arial" panose="020B0604020202020204" pitchFamily="34" charset="0"/>
-              <a:buChar char="•"/>
-            </a:pPr>
-            <a:r>
-              <a:rPr lang="en-US" sz="2800" dirty="0" err="1" smtClean="0"/>
-              <a:t>Esplorazione</a:t>
-            </a:r>
-            <a:r>
-              <a:rPr lang="en-US" sz="2800" dirty="0" smtClean="0"/>
-              <a:t> </a:t>
-            </a:r>
-            <a:r>
-              <a:rPr lang="en-US" sz="2800" dirty="0" err="1" smtClean="0"/>
-              <a:t>degli</a:t>
-            </a:r>
-            <a:r>
-              <a:rPr lang="en-US" sz="2800" dirty="0" smtClean="0"/>
-              <a:t> </a:t>
-            </a:r>
-            <a:r>
-              <a:rPr lang="en-US" sz="2800" dirty="0" err="1" smtClean="0"/>
-              <a:t>oggetti</a:t>
-            </a:r>
-            <a:endParaRPr lang="en-US" sz="2800" dirty="0"/>
-          </a:p>
-          <a:p>
-            <a:pPr marL="685800" indent="-685800">
-              <a:buFont typeface="Arial" panose="020B0604020202020204" pitchFamily="34" charset="0"/>
-              <a:buChar char="•"/>
-            </a:pPr>
-            <a:r>
-              <a:rPr lang="en-US" sz="2800" dirty="0" err="1" smtClean="0"/>
-              <a:t>Intellisense</a:t>
-            </a:r>
-            <a:r>
-              <a:rPr lang="en-US" sz="2800" dirty="0" smtClean="0"/>
-              <a:t> </a:t>
-            </a:r>
-            <a:r>
-              <a:rPr lang="en-US" sz="2800" dirty="0" smtClean="0"/>
-              <a:t>(</a:t>
-            </a:r>
-            <a:r>
-              <a:rPr lang="en-US" sz="2800" dirty="0" err="1" smtClean="0"/>
-              <a:t>anche</a:t>
-            </a:r>
-            <a:r>
-              <a:rPr lang="en-US" sz="2800" dirty="0" smtClean="0"/>
-              <a:t> per Azure SQLDB)</a:t>
-            </a:r>
-          </a:p>
-          <a:p>
-            <a:pPr marL="685800" indent="-685800">
-              <a:buFont typeface="Arial" panose="020B0604020202020204" pitchFamily="34" charset="0"/>
-              <a:buChar char="•"/>
-            </a:pPr>
-            <a:r>
-              <a:rPr lang="en-US" sz="2800" dirty="0" smtClean="0"/>
-              <a:t>Editing </a:t>
-            </a:r>
-            <a:r>
-              <a:rPr lang="en-US" sz="2800" dirty="0" err="1" smtClean="0"/>
-              <a:t>avanzato</a:t>
-            </a:r>
-            <a:r>
-              <a:rPr lang="en-US" sz="2800" dirty="0" smtClean="0"/>
-              <a:t> per T-SQL</a:t>
-            </a:r>
-          </a:p>
-          <a:p>
-            <a:pPr marL="685800" indent="-685800">
-              <a:buFont typeface="Arial" panose="020B0604020202020204" pitchFamily="34" charset="0"/>
-              <a:buChar char="•"/>
-            </a:pPr>
-            <a:r>
-              <a:rPr lang="en-US" sz="2800" dirty="0" err="1" smtClean="0"/>
-              <a:t>Esecuzione</a:t>
-            </a:r>
-            <a:r>
-              <a:rPr lang="en-US" sz="2800" dirty="0" smtClean="0"/>
-              <a:t> </a:t>
-            </a:r>
-            <a:r>
-              <a:rPr lang="en-US" sz="2800" dirty="0" smtClean="0"/>
-              <a:t>e </a:t>
-            </a:r>
-            <a:r>
-              <a:rPr lang="en-US" sz="2800" dirty="0" err="1" smtClean="0"/>
-              <a:t>visualizzazione</a:t>
-            </a:r>
-            <a:r>
-              <a:rPr lang="en-US" sz="2800" dirty="0" smtClean="0"/>
-              <a:t> </a:t>
-            </a:r>
-            <a:r>
-              <a:rPr lang="en-US" sz="2800" dirty="0" err="1" smtClean="0"/>
-              <a:t>dei</a:t>
-            </a:r>
-            <a:r>
-              <a:rPr lang="en-US" sz="2800" dirty="0" smtClean="0"/>
-              <a:t> </a:t>
-            </a:r>
-            <a:r>
-              <a:rPr lang="en-US" sz="2800" dirty="0" err="1" smtClean="0"/>
-              <a:t>risultati</a:t>
-            </a:r>
-            <a:endParaRPr lang="en-US" sz="2800" dirty="0"/>
-          </a:p>
-        </p:txBody>
-      </p:sp>
-    </p:spTree>
-    <p:extLst>
-      <p:ext uri="{BB962C8B-B14F-4D97-AF65-F5344CB8AC3E}">
-        <p14:creationId xmlns:p14="http://schemas.microsoft.com/office/powerpoint/2010/main" val="980586463"/>
-      </p:ext>
-    </p:extLst>
-  </p:cSld>
-  <p:clrMapOvr>
-    <a:masterClrMapping/>
-  </p:clrMapOvr>
-  <p:timing>
-    <p:tnLst>
-      <p:par>
-        <p:cTn id="1" dur="indefinite" restart="never" nodeType="tmRoot"/>
-      </p:par>
-    </p:tnLst>
-  </p:timing>
-</p:sld>
-</file>
-
-<file path=ppt/slides/slide13.xml><?xml version="1.0" encoding="utf-8"?>
-<p:sld xmlns:a="http://schemas.openxmlformats.org/drawingml/2006/main" xmlns:r="http://schemas.openxmlformats.org/officeDocument/2006/relationships" xmlns:p="http://schemas.openxmlformats.org/presentationml/2006/main">
-  <p:cSld>
-    <p:spTree>
-      <p:nvGrpSpPr>
-        <p:cNvPr id="1" name=""/>
-        <p:cNvGrpSpPr/>
-        <p:nvPr/>
-      </p:nvGrpSpPr>
-      <p:grpSpPr>
-        <a:xfrm>
-          <a:off x="0" y="0"/>
-          <a:ext cx="0" cy="0"/>
-          <a:chOff x="0" y="0"/>
-          <a:chExt cx="0" cy="0"/>
-        </a:xfrm>
-      </p:grpSpPr>
-      <p:sp>
-        <p:nvSpPr>
-          <p:cNvPr id="2" name="Title 1"/>
-          <p:cNvSpPr>
-            <a:spLocks noGrp="1"/>
-          </p:cNvSpPr>
-          <p:nvPr>
-            <p:ph type="title"/>
-          </p:nvPr>
-        </p:nvSpPr>
-        <p:spPr/>
-        <p:txBody>
-          <a:bodyPr/>
-          <a:lstStyle/>
-          <a:p>
-            <a:r>
-              <a:rPr lang="it-IT" dirty="0" smtClean="0"/>
-              <a:t>DEMO</a:t>
-            </a:r>
-            <a:br>
-              <a:rPr lang="it-IT" dirty="0" smtClean="0"/>
-            </a:br>
-            <a:r>
-              <a:rPr lang="it-IT" sz="3600" dirty="0" smtClean="0"/>
-              <a:t>Core Functionalities</a:t>
-            </a:r>
-            <a:endParaRPr lang="it-IT" dirty="0"/>
-          </a:p>
-        </p:txBody>
-      </p:sp>
-    </p:spTree>
-    <p:extLst>
-      <p:ext uri="{BB962C8B-B14F-4D97-AF65-F5344CB8AC3E}">
-        <p14:creationId xmlns:p14="http://schemas.microsoft.com/office/powerpoint/2010/main" val="1824335419"/>
-      </p:ext>
-    </p:extLst>
-  </p:cSld>
-  <p:clrMapOvr>
-    <a:masterClrMapping/>
-  </p:clrMapOvr>
-  <p:timing>
-    <p:tnLst>
-      <p:par>
-        <p:cTn id="1" dur="indefinite" restart="never" nodeType="tmRoot"/>
-      </p:par>
-    </p:tnLst>
-  </p:timing>
-</p:sld>
-</file>
-
-<file path=ppt/slides/slide14.xml><?xml version="1.0" encoding="utf-8"?>
-<p:sld xmlns:a="http://schemas.openxmlformats.org/drawingml/2006/main" xmlns:r="http://schemas.openxmlformats.org/officeDocument/2006/relationships" xmlns:p="http://schemas.openxmlformats.org/presentationml/2006/main">
-  <p:cSld>
-    <p:spTree>
-      <p:nvGrpSpPr>
-        <p:cNvPr id="1" name=""/>
-        <p:cNvGrpSpPr/>
-        <p:nvPr/>
-      </p:nvGrpSpPr>
-      <p:grpSpPr>
-        <a:xfrm>
-          <a:off x="0" y="0"/>
-          <a:ext cx="0" cy="0"/>
-          <a:chOff x="0" y="0"/>
-          <a:chExt cx="0" cy="0"/>
-        </a:xfrm>
-      </p:grpSpPr>
-      <p:sp>
-        <p:nvSpPr>
-          <p:cNvPr id="19" name="Content Placeholder 18"/>
-          <p:cNvSpPr>
-            <a:spLocks noGrp="1"/>
-          </p:cNvSpPr>
-          <p:nvPr>
-            <p:ph idx="1"/>
-          </p:nvPr>
-        </p:nvSpPr>
-        <p:spPr/>
-        <p:txBody>
-          <a:bodyPr/>
-          <a:lstStyle/>
-          <a:p>
-            <a:pPr marL="571500" indent="-571500">
-              <a:buFont typeface="Arial" panose="020B0604020202020204" pitchFamily="34" charset="0"/>
-              <a:buChar char="•"/>
-            </a:pPr>
-            <a:r>
-              <a:rPr lang="en-US" dirty="0" smtClean="0"/>
-              <a:t>Dare </a:t>
-            </a:r>
-            <a:r>
-              <a:rPr lang="en-US" dirty="0" err="1" smtClean="0"/>
-              <a:t>uno</a:t>
-            </a:r>
-            <a:r>
-              <a:rPr lang="en-US" dirty="0" smtClean="0"/>
-              <a:t> </a:t>
-            </a:r>
-            <a:r>
-              <a:rPr lang="en-US" dirty="0" err="1" smtClean="0"/>
-              <a:t>sguardo</a:t>
-            </a:r>
-            <a:r>
-              <a:rPr lang="en-US" dirty="0" smtClean="0"/>
-              <a:t> </a:t>
-            </a:r>
-            <a:r>
-              <a:rPr lang="en-US" dirty="0" err="1" smtClean="0"/>
-              <a:t>rapido</a:t>
-            </a:r>
-            <a:r>
-              <a:rPr lang="en-US" dirty="0" smtClean="0"/>
-              <a:t> a </a:t>
-            </a:r>
-            <a:r>
-              <a:rPr lang="en-US" dirty="0" err="1" smtClean="0"/>
-              <a:t>cosa</a:t>
-            </a:r>
-            <a:r>
-              <a:rPr lang="en-US" dirty="0" smtClean="0"/>
-              <a:t> </a:t>
-            </a:r>
-            <a:r>
-              <a:rPr lang="en-US" dirty="0" err="1" smtClean="0"/>
-              <a:t>succede</a:t>
-            </a:r>
-            <a:r>
-              <a:rPr lang="en-US" dirty="0" smtClean="0"/>
-              <a:t> </a:t>
-            </a:r>
-            <a:r>
-              <a:rPr lang="en-US" dirty="0" err="1" smtClean="0"/>
-              <a:t>nel</a:t>
-            </a:r>
-            <a:r>
-              <a:rPr lang="en-US" dirty="0" smtClean="0"/>
-              <a:t> </a:t>
-            </a:r>
-            <a:r>
-              <a:rPr lang="en-US" dirty="0" err="1" smtClean="0"/>
-              <a:t>sistema</a:t>
-            </a:r>
-            <a:endParaRPr lang="en-US" dirty="0" smtClean="0"/>
-          </a:p>
-          <a:p>
-            <a:pPr marL="571500" indent="-571500">
-              <a:buFont typeface="Arial" panose="020B0604020202020204" pitchFamily="34" charset="0"/>
-              <a:buChar char="•"/>
-            </a:pPr>
-            <a:r>
-              <a:rPr lang="en-US" dirty="0" err="1" smtClean="0"/>
-              <a:t>Entrare</a:t>
-            </a:r>
-            <a:r>
-              <a:rPr lang="en-US" dirty="0" smtClean="0"/>
-              <a:t> </a:t>
-            </a:r>
-            <a:r>
-              <a:rPr lang="en-US" dirty="0" err="1" smtClean="0"/>
-              <a:t>nei</a:t>
-            </a:r>
-            <a:r>
-              <a:rPr lang="en-US" dirty="0" smtClean="0"/>
-              <a:t> </a:t>
-            </a:r>
-            <a:r>
-              <a:rPr lang="en-US" dirty="0" err="1" smtClean="0"/>
-              <a:t>dettagli</a:t>
-            </a:r>
-            <a:endParaRPr lang="en-US" dirty="0" smtClean="0"/>
-          </a:p>
-          <a:p>
-            <a:pPr marL="571500" indent="-571500">
-              <a:buFont typeface="Arial" panose="020B0604020202020204" pitchFamily="34" charset="0"/>
-              <a:buChar char="•"/>
-            </a:pPr>
-            <a:r>
-              <a:rPr lang="en-US" dirty="0" err="1" smtClean="0"/>
-              <a:t>Prendere</a:t>
-            </a:r>
-            <a:r>
-              <a:rPr lang="en-US" dirty="0" smtClean="0"/>
-              <a:t> </a:t>
-            </a:r>
-            <a:r>
-              <a:rPr lang="en-US" dirty="0" err="1" smtClean="0"/>
-              <a:t>decisioni</a:t>
-            </a:r>
-            <a:r>
-              <a:rPr lang="en-US" dirty="0" smtClean="0"/>
-              <a:t> </a:t>
-            </a:r>
-            <a:r>
-              <a:rPr lang="en-US" dirty="0" err="1" smtClean="0"/>
-              <a:t>attraverso</a:t>
-            </a:r>
-            <a:r>
-              <a:rPr lang="en-US" dirty="0" smtClean="0"/>
-              <a:t> le Insight Action </a:t>
-            </a:r>
-          </a:p>
-          <a:p>
-            <a:pPr marL="1147527" lvl="1" indent="-571500">
-              <a:buFont typeface="Arial" panose="020B0604020202020204" pitchFamily="34" charset="0"/>
-              <a:buChar char="•"/>
-            </a:pPr>
-            <a:r>
-              <a:rPr lang="en-US" dirty="0" smtClean="0"/>
-              <a:t>non </a:t>
-            </a:r>
-            <a:r>
-              <a:rPr lang="en-US" dirty="0" err="1" smtClean="0"/>
-              <a:t>disponibile</a:t>
-            </a:r>
-            <a:r>
-              <a:rPr lang="en-US" dirty="0" smtClean="0"/>
-              <a:t> in Preview! </a:t>
-            </a:r>
-          </a:p>
-          <a:p>
-            <a:pPr marL="571500" indent="-571500">
-              <a:buFont typeface="Arial" panose="020B0604020202020204" pitchFamily="34" charset="0"/>
-              <a:buChar char="•"/>
-            </a:pPr>
-            <a:r>
-              <a:rPr lang="en-US" dirty="0" err="1" smtClean="0"/>
-              <a:t>Completamente</a:t>
-            </a:r>
-            <a:r>
-              <a:rPr lang="en-US" dirty="0" smtClean="0"/>
-              <a:t> </a:t>
-            </a:r>
-            <a:r>
-              <a:rPr lang="en-US" dirty="0" err="1" smtClean="0"/>
-              <a:t>personalizzabile</a:t>
-            </a:r>
-            <a:endParaRPr lang="en-US" dirty="0" smtClean="0"/>
-          </a:p>
-          <a:p>
-            <a:pPr marL="571500" indent="-571500">
-              <a:buFont typeface="Arial" panose="020B0604020202020204" pitchFamily="34" charset="0"/>
-              <a:buChar char="•"/>
-            </a:pPr>
-            <a:endParaRPr lang="en-US" dirty="0"/>
-          </a:p>
-        </p:txBody>
-      </p:sp>
-      <p:sp>
-        <p:nvSpPr>
-          <p:cNvPr id="18" name="Title 17"/>
-          <p:cNvSpPr>
-            <a:spLocks noGrp="1"/>
-          </p:cNvSpPr>
-          <p:nvPr>
-            <p:ph type="title"/>
-          </p:nvPr>
-        </p:nvSpPr>
-        <p:spPr/>
-        <p:txBody>
-          <a:bodyPr/>
-          <a:lstStyle/>
-          <a:p>
-            <a:r>
-              <a:rPr lang="en-US" dirty="0" smtClean="0"/>
-              <a:t>Dashboard &amp; Insights </a:t>
-            </a:r>
-            <a:r>
-              <a:rPr lang="en-US" sz="2800" dirty="0" smtClean="0"/>
-              <a:t>(la parte Ops)</a:t>
-            </a:r>
-            <a:endParaRPr lang="en-US" dirty="0"/>
-          </a:p>
-        </p:txBody>
-      </p:sp>
-      <p:pic>
-        <p:nvPicPr>
-          <p:cNvPr id="2054" name="Picture 6" descr="Warning, Yellow, Attention, Exclamation Mark"/>
-          <p:cNvPicPr>
-            <a:picLocks noChangeAspect="1" noChangeArrowheads="1"/>
-          </p:cNvPicPr>
-          <p:nvPr/>
-        </p:nvPicPr>
-        <p:blipFill>
-          <a:blip r:embed="rId2">
-            <a:extLst>
-              <a:ext uri="{28A0092B-C50C-407E-A947-70E740481C1C}">
-                <a14:useLocalDpi xmlns:a14="http://schemas.microsoft.com/office/drawing/2010/main" val="0"/>
-              </a:ext>
-            </a:extLst>
-          </a:blip>
-          <a:srcRect/>
-          <a:stretch>
-            <a:fillRect/>
-          </a:stretch>
-        </p:blipFill>
-        <p:spPr bwMode="auto">
-          <a:xfrm flipH="1">
-            <a:off x="6588387" y="3901440"/>
-            <a:ext cx="586449" cy="537206"/>
-          </a:xfrm>
-          <a:prstGeom prst="rect">
-            <a:avLst/>
-          </a:prstGeom>
-          <a:noFill/>
-          <a:extLst>
-            <a:ext uri="{909E8E84-426E-40DD-AFC4-6F175D3DCCD1}">
-              <a14:hiddenFill xmlns:a14="http://schemas.microsoft.com/office/drawing/2010/main">
-                <a:solidFill>
-                  <a:srgbClr val="FFFFFF"/>
-                </a:solidFill>
-              </a14:hiddenFill>
-            </a:ext>
-          </a:extLst>
-        </p:spPr>
-      </p:pic>
-    </p:spTree>
-    <p:extLst>
-      <p:ext uri="{BB962C8B-B14F-4D97-AF65-F5344CB8AC3E}">
-        <p14:creationId xmlns:p14="http://schemas.microsoft.com/office/powerpoint/2010/main" val="3582388964"/>
-      </p:ext>
-    </p:extLst>
-  </p:cSld>
-  <p:clrMapOvr>
-    <a:masterClrMapping/>
-  </p:clrMapOvr>
-  <p:timing>
-    <p:tnLst>
-      <p:par>
-        <p:cTn id="1" dur="indefinite" restart="never" nodeType="tmRoot"/>
-      </p:par>
-    </p:tnLst>
-  </p:timing>
-</p:sld>
-</file>
-
-<file path=ppt/slides/slide15.xml><?xml version="1.0" encoding="utf-8"?>
-<p:sld xmlns:a="http://schemas.openxmlformats.org/drawingml/2006/main" xmlns:r="http://schemas.openxmlformats.org/officeDocument/2006/relationships" xmlns:p="http://schemas.openxmlformats.org/presentationml/2006/main">
-  <p:cSld>
-    <p:spTree>
-      <p:nvGrpSpPr>
-        <p:cNvPr id="1" name=""/>
-        <p:cNvGrpSpPr/>
-        <p:nvPr/>
-      </p:nvGrpSpPr>
-      <p:grpSpPr>
-        <a:xfrm>
-          <a:off x="0" y="0"/>
-          <a:ext cx="0" cy="0"/>
-          <a:chOff x="0" y="0"/>
-          <a:chExt cx="0" cy="0"/>
-        </a:xfrm>
-      </p:grpSpPr>
-      <p:sp>
-        <p:nvSpPr>
-          <p:cNvPr id="2" name="Title 1"/>
-          <p:cNvSpPr>
-            <a:spLocks noGrp="1"/>
-          </p:cNvSpPr>
-          <p:nvPr>
-            <p:ph type="title"/>
-          </p:nvPr>
-        </p:nvSpPr>
-        <p:spPr/>
-        <p:txBody>
-          <a:bodyPr/>
-          <a:lstStyle/>
-          <a:p>
-            <a:r>
-              <a:rPr lang="it-IT" dirty="0" smtClean="0"/>
-              <a:t>DEMO</a:t>
-            </a:r>
-            <a:br>
-              <a:rPr lang="it-IT" dirty="0" smtClean="0"/>
-            </a:br>
-            <a:r>
-              <a:rPr lang="it-IT" sz="3600" dirty="0" smtClean="0"/>
-              <a:t>Insights</a:t>
-            </a:r>
-            <a:endParaRPr lang="it-IT" dirty="0"/>
-          </a:p>
-        </p:txBody>
-      </p:sp>
-    </p:spTree>
-    <p:extLst>
-      <p:ext uri="{BB962C8B-B14F-4D97-AF65-F5344CB8AC3E}">
-        <p14:creationId xmlns:p14="http://schemas.microsoft.com/office/powerpoint/2010/main" val="3683259467"/>
-      </p:ext>
-    </p:extLst>
-  </p:cSld>
-  <p:clrMapOvr>
-    <a:masterClrMapping/>
-  </p:clrMapOvr>
-  <p:timing>
-    <p:tnLst>
-      <p:par>
-        <p:cTn id="1" dur="indefinite" restart="never" nodeType="tmRoot"/>
-      </p:par>
-    </p:tnLst>
-  </p:timing>
-</p:sld>
-</file>
-
-<file path=ppt/slides/slide16.xml><?xml version="1.0" encoding="utf-8"?>
-<p:sld xmlns:a="http://schemas.openxmlformats.org/drawingml/2006/main" xmlns:r="http://schemas.openxmlformats.org/officeDocument/2006/relationships" xmlns:p="http://schemas.openxmlformats.org/presentationml/2006/main">
-  <p:cSld>
-    <p:spTree>
-      <p:nvGrpSpPr>
-        <p:cNvPr id="1" name=""/>
-        <p:cNvGrpSpPr/>
-        <p:nvPr/>
-      </p:nvGrpSpPr>
-      <p:grpSpPr>
-        <a:xfrm>
-          <a:off x="0" y="0"/>
-          <a:ext cx="0" cy="0"/>
-          <a:chOff x="0" y="0"/>
-          <a:chExt cx="0" cy="0"/>
-        </a:xfrm>
-      </p:grpSpPr>
-      <p:sp>
-        <p:nvSpPr>
-          <p:cNvPr id="18" name="Title 17"/>
-          <p:cNvSpPr>
-            <a:spLocks noGrp="1"/>
-          </p:cNvSpPr>
-          <p:nvPr>
-            <p:ph type="title"/>
-          </p:nvPr>
-        </p:nvSpPr>
-        <p:spPr/>
-        <p:txBody>
-          <a:bodyPr/>
-          <a:lstStyle/>
-          <a:p>
-            <a:r>
-              <a:rPr lang="en-US" dirty="0" smtClean="0"/>
-              <a:t>Extensibility</a:t>
-            </a:r>
-            <a:endParaRPr lang="en-US" dirty="0"/>
-          </a:p>
-        </p:txBody>
-      </p:sp>
-      <p:sp>
-        <p:nvSpPr>
-          <p:cNvPr id="19" name="Content Placeholder 18"/>
-          <p:cNvSpPr>
-            <a:spLocks noGrp="1"/>
-          </p:cNvSpPr>
-          <p:nvPr>
-            <p:ph idx="1"/>
-          </p:nvPr>
-        </p:nvSpPr>
-        <p:spPr/>
-        <p:txBody>
-          <a:bodyPr/>
-          <a:lstStyle/>
-          <a:p>
-            <a:r>
-              <a:rPr lang="en-US" dirty="0" smtClean="0"/>
-              <a:t>Insight Extensibility</a:t>
-            </a:r>
-          </a:p>
-          <a:p>
-            <a:endParaRPr lang="en-US" dirty="0"/>
-          </a:p>
-          <a:p>
-            <a:r>
-              <a:rPr lang="en-US" dirty="0" smtClean="0"/>
-              <a:t>UI Extensibility</a:t>
-            </a:r>
-          </a:p>
-          <a:p>
-            <a:endParaRPr lang="en-US" dirty="0" smtClean="0"/>
-          </a:p>
-          <a:p>
-            <a:r>
-              <a:rPr lang="en-US" dirty="0" smtClean="0"/>
-              <a:t>Database Management Protocol (</a:t>
-            </a:r>
-            <a:r>
-              <a:rPr lang="en-US" dirty="0" smtClean="0"/>
-              <a:t>DMP</a:t>
-            </a:r>
-            <a:r>
-              <a:rPr lang="en-US" dirty="0" smtClean="0"/>
-              <a:t>)</a:t>
-            </a:r>
-          </a:p>
-          <a:p>
-            <a:r>
-              <a:rPr lang="en-US" sz="2400" dirty="0">
-                <a:hlinkClick r:id="rId2"/>
-              </a:rPr>
-              <a:t>https://</a:t>
-            </a:r>
-            <a:r>
-              <a:rPr lang="en-US" sz="2400" dirty="0" smtClean="0">
-                <a:hlinkClick r:id="rId2"/>
-              </a:rPr>
-              <a:t>github.com/Microsoft/sqltoolsservice</a:t>
-            </a:r>
-            <a:endParaRPr lang="en-US" dirty="0" smtClean="0"/>
-          </a:p>
-          <a:p>
-            <a:endParaRPr lang="en-US" dirty="0" smtClean="0"/>
-          </a:p>
-          <a:p>
-            <a:pPr marL="571500" indent="-571500">
-              <a:buFont typeface="Arial" panose="020B0604020202020204" pitchFamily="34" charset="0"/>
-              <a:buChar char="•"/>
-            </a:pPr>
-            <a:endParaRPr lang="en-US" dirty="0"/>
-          </a:p>
-        </p:txBody>
-      </p:sp>
-    </p:spTree>
-    <p:extLst>
-      <p:ext uri="{BB962C8B-B14F-4D97-AF65-F5344CB8AC3E}">
-        <p14:creationId xmlns:p14="http://schemas.microsoft.com/office/powerpoint/2010/main" val="417046416"/>
-      </p:ext>
-    </p:extLst>
-  </p:cSld>
-  <p:clrMapOvr>
-    <a:masterClrMapping/>
-  </p:clrMapOvr>
-  <p:timing>
-    <p:tnLst>
-      <p:par>
-        <p:cTn id="1" dur="indefinite" restart="never" nodeType="tmRoot"/>
-      </p:par>
-    </p:tnLst>
-  </p:timing>
-</p:sld>
-</file>
-
-<file path=ppt/slides/slide17.xml><?xml version="1.0" encoding="utf-8"?>
-<p:sld xmlns:a="http://schemas.openxmlformats.org/drawingml/2006/main" xmlns:r="http://schemas.openxmlformats.org/officeDocument/2006/relationships" xmlns:p="http://schemas.openxmlformats.org/presentationml/2006/main">
-  <p:cSld>
-    <p:spTree>
-      <p:nvGrpSpPr>
-        <p:cNvPr id="1" name=""/>
-        <p:cNvGrpSpPr/>
-        <p:nvPr/>
-      </p:nvGrpSpPr>
-      <p:grpSpPr>
-        <a:xfrm>
-          <a:off x="0" y="0"/>
-          <a:ext cx="0" cy="0"/>
-          <a:chOff x="0" y="0"/>
-          <a:chExt cx="0" cy="0"/>
-        </a:xfrm>
-      </p:grpSpPr>
-      <p:sp>
-        <p:nvSpPr>
-          <p:cNvPr id="2" name="Title 1"/>
-          <p:cNvSpPr>
-            <a:spLocks noGrp="1"/>
-          </p:cNvSpPr>
-          <p:nvPr>
-            <p:ph type="title"/>
-          </p:nvPr>
-        </p:nvSpPr>
-        <p:spPr/>
-        <p:txBody>
-          <a:bodyPr/>
-          <a:lstStyle/>
-          <a:p>
-            <a:r>
-              <a:rPr lang="en-US" dirty="0" smtClean="0"/>
-              <a:t>EPPUR </a:t>
-            </a:r>
-            <a:r>
-              <a:rPr lang="en-US" sz="3600" i="1" dirty="0" err="1" smtClean="0"/>
-              <a:t>qualcosa</a:t>
-            </a:r>
-            <a:r>
-              <a:rPr lang="en-US" sz="3600" i="1" dirty="0" smtClean="0"/>
-              <a:t> </a:t>
-            </a:r>
-            <a:r>
-              <a:rPr lang="en-US" sz="3600" i="1" dirty="0" err="1" smtClean="0"/>
-              <a:t>già</a:t>
-            </a:r>
-            <a:r>
-              <a:rPr lang="en-US" dirty="0" smtClean="0"/>
-              <a:t> SI MUOVE!</a:t>
-            </a:r>
-            <a:endParaRPr lang="it-IT" sz="2800" dirty="0"/>
-          </a:p>
-        </p:txBody>
-      </p:sp>
-      <p:pic>
-        <p:nvPicPr>
-          <p:cNvPr id="4" name="Picture 3"/>
-          <p:cNvPicPr>
-            <a:picLocks noChangeAspect="1"/>
-          </p:cNvPicPr>
-          <p:nvPr/>
-        </p:nvPicPr>
-        <p:blipFill>
-          <a:blip r:embed="rId2"/>
-          <a:stretch>
-            <a:fillRect/>
-          </a:stretch>
-        </p:blipFill>
-        <p:spPr>
-          <a:xfrm>
-            <a:off x="5270270" y="1932474"/>
-            <a:ext cx="5045350" cy="3382678"/>
-          </a:xfrm>
-          <a:prstGeom prst="rect">
-            <a:avLst/>
-          </a:prstGeom>
-        </p:spPr>
-      </p:pic>
-      <p:pic>
-        <p:nvPicPr>
-          <p:cNvPr id="5" name="Picture 4"/>
-          <p:cNvPicPr>
-            <a:picLocks noChangeAspect="1"/>
-          </p:cNvPicPr>
-          <p:nvPr/>
-        </p:nvPicPr>
-        <p:blipFill>
-          <a:blip r:embed="rId3"/>
-          <a:stretch>
-            <a:fillRect/>
-          </a:stretch>
-        </p:blipFill>
-        <p:spPr>
-          <a:xfrm>
-            <a:off x="361038" y="1206403"/>
-            <a:ext cx="3784889" cy="1718327"/>
-          </a:xfrm>
-          <a:prstGeom prst="rect">
-            <a:avLst/>
-          </a:prstGeom>
-        </p:spPr>
-      </p:pic>
-      <p:pic>
-        <p:nvPicPr>
-          <p:cNvPr id="6" name="Picture 5"/>
-          <p:cNvPicPr>
-            <a:picLocks noChangeAspect="1"/>
-          </p:cNvPicPr>
-          <p:nvPr/>
-        </p:nvPicPr>
-        <p:blipFill>
-          <a:blip r:embed="rId4"/>
-          <a:stretch>
-            <a:fillRect/>
-          </a:stretch>
-        </p:blipFill>
-        <p:spPr>
-          <a:xfrm>
-            <a:off x="340822" y="3050771"/>
-            <a:ext cx="3805105" cy="2630044"/>
-          </a:xfrm>
-          <a:prstGeom prst="rect">
-            <a:avLst/>
-          </a:prstGeom>
-        </p:spPr>
-      </p:pic>
-    </p:spTree>
-    <p:extLst>
-      <p:ext uri="{BB962C8B-B14F-4D97-AF65-F5344CB8AC3E}">
-        <p14:creationId xmlns:p14="http://schemas.microsoft.com/office/powerpoint/2010/main" val="1136174596"/>
-      </p:ext>
-    </p:extLst>
-  </p:cSld>
-  <p:clrMapOvr>
-    <a:masterClrMapping/>
-  </p:clrMapOvr>
-</p:sld>
-</file>
-
-<file path=ppt/slides/slide18.xml><?xml version="1.0" encoding="utf-8"?>
-<p:sld xmlns:a="http://schemas.openxmlformats.org/drawingml/2006/main" xmlns:r="http://schemas.openxmlformats.org/officeDocument/2006/relationships" xmlns:p="http://schemas.openxmlformats.org/presentationml/2006/main">
-  <p:cSld>
-    <p:spTree>
-      <p:nvGrpSpPr>
-        <p:cNvPr id="1" name=""/>
-        <p:cNvGrpSpPr/>
-        <p:nvPr/>
-      </p:nvGrpSpPr>
-      <p:grpSpPr>
-        <a:xfrm>
-          <a:off x="0" y="0"/>
-          <a:ext cx="0" cy="0"/>
-          <a:chOff x="0" y="0"/>
-          <a:chExt cx="0" cy="0"/>
-        </a:xfrm>
-      </p:grpSpPr>
-      <p:sp>
-        <p:nvSpPr>
-          <p:cNvPr id="2" name="Title 1"/>
-          <p:cNvSpPr>
-            <a:spLocks noGrp="1"/>
-          </p:cNvSpPr>
-          <p:nvPr>
-            <p:ph type="title"/>
-          </p:nvPr>
-        </p:nvSpPr>
-        <p:spPr/>
-        <p:txBody>
-          <a:bodyPr/>
-          <a:lstStyle/>
-          <a:p>
-            <a:r>
-              <a:rPr lang="it-IT" dirty="0" smtClean="0"/>
-              <a:t>DEMO</a:t>
-            </a:r>
-            <a:br>
-              <a:rPr lang="it-IT" dirty="0" smtClean="0"/>
-            </a:br>
-            <a:r>
-              <a:rPr lang="it-IT" sz="3600" dirty="0" smtClean="0"/>
-              <a:t>Extensibility</a:t>
-            </a:r>
-            <a:endParaRPr lang="it-IT" dirty="0"/>
-          </a:p>
-        </p:txBody>
-      </p:sp>
-    </p:spTree>
-    <p:extLst>
-      <p:ext uri="{BB962C8B-B14F-4D97-AF65-F5344CB8AC3E}">
-        <p14:creationId xmlns:p14="http://schemas.microsoft.com/office/powerpoint/2010/main" val="2821259824"/>
-      </p:ext>
-    </p:extLst>
-  </p:cSld>
-  <p:clrMapOvr>
-    <a:masterClrMapping/>
-  </p:clrMapOvr>
-  <p:timing>
-    <p:tnLst>
-      <p:par>
-        <p:cTn id="1" dur="indefinite" restart="never" nodeType="tmRoot"/>
-      </p:par>
-    </p:tnLst>
-  </p:timing>
-</p:sld>
-</file>
-
-<file path=ppt/slides/slide19.xml><?xml version="1.0" encoding="utf-8"?>
-<p:sld xmlns:a="http://schemas.openxmlformats.org/drawingml/2006/main" xmlns:r="http://schemas.openxmlformats.org/officeDocument/2006/relationships" xmlns:p="http://schemas.openxmlformats.org/presentationml/2006/main">
-  <p:cSld>
-    <p:spTree>
-      <p:nvGrpSpPr>
-        <p:cNvPr id="1" name=""/>
-        <p:cNvGrpSpPr/>
-        <p:nvPr/>
-      </p:nvGrpSpPr>
-      <p:grpSpPr>
-        <a:xfrm>
-          <a:off x="0" y="0"/>
-          <a:ext cx="0" cy="0"/>
-          <a:chOff x="0" y="0"/>
-          <a:chExt cx="0" cy="0"/>
-        </a:xfrm>
-      </p:grpSpPr>
-      <p:sp>
-        <p:nvSpPr>
-          <p:cNvPr id="2" name="Title 1"/>
-          <p:cNvSpPr>
-            <a:spLocks noGrp="1"/>
-          </p:cNvSpPr>
-          <p:nvPr>
-            <p:ph type="title"/>
-          </p:nvPr>
-        </p:nvSpPr>
-        <p:spPr/>
-        <p:txBody>
-          <a:bodyPr/>
-          <a:lstStyle/>
-          <a:p>
-            <a:r>
-              <a:rPr lang="en-US" dirty="0" err="1" smtClean="0"/>
-              <a:t>Conclusioni</a:t>
-            </a:r>
-            <a:endParaRPr lang="en-US" dirty="0"/>
-          </a:p>
-        </p:txBody>
-      </p:sp>
-    </p:spTree>
-    <p:extLst>
-      <p:ext uri="{BB962C8B-B14F-4D97-AF65-F5344CB8AC3E}">
-        <p14:creationId xmlns:p14="http://schemas.microsoft.com/office/powerpoint/2010/main" val="416632458"/>
-      </p:ext>
-    </p:extLst>
-  </p:cSld>
-  <p:clrMapOvr>
-    <a:masterClrMapping/>
-  </p:clrMapOvr>
-</p:sld>
-</file>
-
-<file path=ppt/slides/slide2.xml><?xml version="1.0" encoding="utf-8"?>
-<p:sld xmlns:a="http://schemas.openxmlformats.org/drawingml/2006/main" xmlns:r="http://schemas.openxmlformats.org/officeDocument/2006/relationships" xmlns:p="http://schemas.openxmlformats.org/presentationml/2006/main">
-  <p:cSld>
-    <p:spTree>
-      <p:nvGrpSpPr>
-        <p:cNvPr id="1" name=""/>
-        <p:cNvGrpSpPr/>
-        <p:nvPr/>
-      </p:nvGrpSpPr>
-      <p:grpSpPr>
-        <a:xfrm>
-          <a:off x="0" y="0"/>
-          <a:ext cx="0" cy="0"/>
-          <a:chOff x="0" y="0"/>
-          <a:chExt cx="0" cy="0"/>
-        </a:xfrm>
-      </p:grpSpPr>
-      <p:sp>
-        <p:nvSpPr>
-          <p:cNvPr id="3" name="Title 2">
-            <a:extLst>
-              <a:ext uri="{FF2B5EF4-FFF2-40B4-BE49-F238E27FC236}">
-                <a16:creationId xmlns:a16="http://schemas.microsoft.com/office/drawing/2014/main" id="{076E1894-9F6B-4181-A582-1E7EDF3748CA}"/>
-              </a:ext>
-            </a:extLst>
-          </p:cNvPr>
-          <p:cNvSpPr>
-            <a:spLocks noGrp="1"/>
-          </p:cNvSpPr>
-          <p:nvPr>
-            <p:ph type="title"/>
-          </p:nvPr>
-        </p:nvSpPr>
-        <p:spPr/>
-        <p:txBody>
-          <a:bodyPr/>
-          <a:lstStyle/>
-          <a:p>
-            <a:r>
-              <a:rPr lang="it-IT" dirty="0"/>
-              <a:t>Sponsor</a:t>
-            </a:r>
-          </a:p>
-        </p:txBody>
-      </p:sp>
-    </p:spTree>
-    <p:extLst>
-      <p:ext uri="{BB962C8B-B14F-4D97-AF65-F5344CB8AC3E}">
-        <p14:creationId xmlns:p14="http://schemas.microsoft.com/office/powerpoint/2010/main" val="1237612111"/>
-      </p:ext>
-    </p:extLst>
-  </p:cSld>
-  <p:clrMapOvr>
-    <a:masterClrMapping/>
-  </p:clrMapOvr>
-  <p:timing>
-    <p:tnLst>
-      <p:par>
-        <p:cTn id="1" dur="indefinite" restart="never" nodeType="tmRoot"/>
-      </p:par>
-    </p:tnLst>
-  </p:timing>
-</p:sld>
-</file>
-
-<file path=ppt/slides/slide20.xml><?xml version="1.0" encoding="utf-8"?>
-<p:sld xmlns:a="http://schemas.openxmlformats.org/drawingml/2006/main" xmlns:r="http://schemas.openxmlformats.org/officeDocument/2006/relationships" xmlns:p="http://schemas.openxmlformats.org/presentationml/2006/main">
-  <p:cSld>
-    <p:spTree>
-      <p:nvGrpSpPr>
-        <p:cNvPr id="1" name=""/>
-        <p:cNvGrpSpPr/>
-        <p:nvPr/>
-      </p:nvGrpSpPr>
-      <p:grpSpPr>
-        <a:xfrm>
-          <a:off x="0" y="0"/>
-          <a:ext cx="0" cy="0"/>
-          <a:chOff x="0" y="0"/>
-          <a:chExt cx="0" cy="0"/>
-        </a:xfrm>
-      </p:grpSpPr>
-      <p:sp>
-        <p:nvSpPr>
-          <p:cNvPr id="18" name="Title 17"/>
-          <p:cNvSpPr>
-            <a:spLocks noGrp="1"/>
-          </p:cNvSpPr>
-          <p:nvPr>
-            <p:ph type="title"/>
-          </p:nvPr>
-        </p:nvSpPr>
-        <p:spPr/>
-        <p:txBody>
-          <a:bodyPr/>
-          <a:lstStyle/>
-          <a:p>
-            <a:r>
-              <a:rPr lang="en-US" dirty="0" smtClean="0"/>
-              <a:t>Recap</a:t>
-            </a:r>
-            <a:endParaRPr lang="en-US" dirty="0"/>
-          </a:p>
-        </p:txBody>
-      </p:sp>
-      <p:sp>
-        <p:nvSpPr>
-          <p:cNvPr id="19" name="Content Placeholder 18"/>
-          <p:cNvSpPr>
-            <a:spLocks noGrp="1"/>
-          </p:cNvSpPr>
-          <p:nvPr>
-            <p:ph idx="1"/>
-          </p:nvPr>
-        </p:nvSpPr>
-        <p:spPr/>
-        <p:txBody>
-          <a:bodyPr>
-            <a:normAutofit/>
-          </a:bodyPr>
-          <a:lstStyle/>
-          <a:p>
-            <a:endParaRPr lang="en-US" dirty="0"/>
-          </a:p>
-        </p:txBody>
-      </p:sp>
-    </p:spTree>
-    <p:extLst>
-      <p:ext uri="{BB962C8B-B14F-4D97-AF65-F5344CB8AC3E}">
-        <p14:creationId xmlns:p14="http://schemas.microsoft.com/office/powerpoint/2010/main" val="1290525693"/>
-      </p:ext>
-    </p:extLst>
-  </p:cSld>
-  <p:clrMapOvr>
-    <a:masterClrMapping/>
-  </p:clrMapOvr>
-  <p:timing>
-    <p:tnLst>
-      <p:par>
-        <p:cTn id="1" dur="indefinite" restart="never" nodeType="tmRoot"/>
-      </p:par>
-    </p:tnLst>
-  </p:timing>
-</p:sld>
-</file>
-
-<file path=ppt/slides/slide21.xml><?xml version="1.0" encoding="utf-8"?>
-<p:sld xmlns:a="http://schemas.openxmlformats.org/drawingml/2006/main" xmlns:r="http://schemas.openxmlformats.org/officeDocument/2006/relationships" xmlns:p="http://schemas.openxmlformats.org/presentationml/2006/main">
-  <p:cSld>
-    <p:spTree>
-      <p:nvGrpSpPr>
-        <p:cNvPr id="1" name=""/>
-        <p:cNvGrpSpPr/>
-        <p:nvPr/>
-      </p:nvGrpSpPr>
-      <p:grpSpPr>
-        <a:xfrm>
-          <a:off x="0" y="0"/>
-          <a:ext cx="0" cy="0"/>
-          <a:chOff x="0" y="0"/>
-          <a:chExt cx="0" cy="0"/>
-        </a:xfrm>
-      </p:grpSpPr>
-      <p:sp>
-        <p:nvSpPr>
-          <p:cNvPr id="18" name="Title 17"/>
-          <p:cNvSpPr>
-            <a:spLocks noGrp="1"/>
-          </p:cNvSpPr>
-          <p:nvPr>
-            <p:ph type="title"/>
-          </p:nvPr>
-        </p:nvSpPr>
-        <p:spPr/>
-        <p:txBody>
-          <a:bodyPr/>
-          <a:lstStyle/>
-          <a:p>
-            <a:r>
-              <a:rPr lang="en-US" dirty="0" smtClean="0"/>
-              <a:t>Focus del team di </a:t>
-            </a:r>
-            <a:r>
-              <a:rPr lang="en-US" dirty="0" err="1" smtClean="0"/>
-              <a:t>sviluppo</a:t>
-            </a:r>
-            <a:endParaRPr lang="en-US" dirty="0"/>
-          </a:p>
-        </p:txBody>
-      </p:sp>
-      <p:sp>
-        <p:nvSpPr>
-          <p:cNvPr id="19" name="Content Placeholder 18"/>
-          <p:cNvSpPr>
-            <a:spLocks noGrp="1"/>
-          </p:cNvSpPr>
-          <p:nvPr>
-            <p:ph idx="1"/>
-          </p:nvPr>
-        </p:nvSpPr>
-        <p:spPr/>
-        <p:txBody>
-          <a:bodyPr>
-            <a:normAutofit fontScale="77500" lnSpcReduction="20000"/>
-          </a:bodyPr>
-          <a:lstStyle/>
-          <a:p>
-            <a:r>
-              <a:rPr lang="en-US" dirty="0" err="1" smtClean="0"/>
-              <a:t>Sviluppo</a:t>
-            </a:r>
-            <a:r>
-              <a:rPr lang="en-US" dirty="0" smtClean="0"/>
-              <a:t> </a:t>
-            </a:r>
-            <a:r>
-              <a:rPr lang="en-US" dirty="0" err="1" smtClean="0"/>
-              <a:t>delle</a:t>
-            </a:r>
-            <a:r>
-              <a:rPr lang="en-US" dirty="0" smtClean="0"/>
-              <a:t> Core Functionalities</a:t>
-            </a:r>
-          </a:p>
-          <a:p>
-            <a:endParaRPr lang="en-US" dirty="0"/>
-          </a:p>
-          <a:p>
-            <a:r>
-              <a:rPr lang="en-US" dirty="0" err="1" smtClean="0"/>
-              <a:t>Sviluppo</a:t>
-            </a:r>
-            <a:r>
-              <a:rPr lang="en-US" dirty="0" smtClean="0"/>
-              <a:t> del </a:t>
-            </a:r>
-            <a:r>
-              <a:rPr lang="en-US" dirty="0" err="1" smtClean="0"/>
-              <a:t>sistema</a:t>
-            </a:r>
-            <a:r>
-              <a:rPr lang="en-US" dirty="0" smtClean="0"/>
-              <a:t> di Extensibility</a:t>
-            </a:r>
-          </a:p>
-          <a:p>
-            <a:endParaRPr lang="en-US" dirty="0"/>
-          </a:p>
-          <a:p>
-            <a:r>
-              <a:rPr lang="en-US" dirty="0" err="1" smtClean="0"/>
-              <a:t>Mettere</a:t>
-            </a:r>
-            <a:r>
-              <a:rPr lang="en-US" dirty="0" smtClean="0"/>
-              <a:t> a </a:t>
-            </a:r>
-            <a:r>
-              <a:rPr lang="en-US" dirty="0" err="1" smtClean="0"/>
-              <a:t>disposizione</a:t>
-            </a:r>
-            <a:r>
-              <a:rPr lang="en-US" dirty="0" smtClean="0"/>
-              <a:t> un </a:t>
-            </a:r>
-            <a:r>
-              <a:rPr lang="en-US" dirty="0" err="1" smtClean="0"/>
-              <a:t>ambiente</a:t>
-            </a:r>
-            <a:r>
-              <a:rPr lang="en-US" dirty="0" smtClean="0"/>
-              <a:t> </a:t>
-            </a:r>
-            <a:r>
-              <a:rPr lang="en-US" dirty="0" err="1" smtClean="0"/>
-              <a:t>ottimale</a:t>
-            </a:r>
-            <a:r>
-              <a:rPr lang="en-US" dirty="0" smtClean="0"/>
-              <a:t>, stabile e “</a:t>
-            </a:r>
-            <a:r>
-              <a:rPr lang="en-US" dirty="0" err="1" smtClean="0"/>
-              <a:t>ricco</a:t>
-            </a:r>
-            <a:r>
-              <a:rPr lang="en-US" dirty="0" smtClean="0"/>
-              <a:t>” per lo </a:t>
-            </a:r>
-            <a:r>
-              <a:rPr lang="en-US" dirty="0" err="1" smtClean="0"/>
-              <a:t>sviluppo</a:t>
-            </a:r>
-            <a:r>
-              <a:rPr lang="en-US" dirty="0" smtClean="0"/>
-              <a:t> e la </a:t>
-            </a:r>
-            <a:r>
-              <a:rPr lang="en-US" dirty="0" err="1" smtClean="0"/>
-              <a:t>gestione</a:t>
-            </a:r>
-            <a:r>
-              <a:rPr lang="en-US" dirty="0" smtClean="0"/>
-              <a:t> </a:t>
-            </a:r>
-            <a:r>
-              <a:rPr lang="en-US" dirty="0" err="1" smtClean="0"/>
-              <a:t>delle</a:t>
-            </a:r>
-            <a:r>
-              <a:rPr lang="en-US" dirty="0" smtClean="0"/>
-              <a:t> </a:t>
-            </a:r>
-            <a:r>
-              <a:rPr lang="en-US" dirty="0" err="1" smtClean="0"/>
-              <a:t>basi</a:t>
-            </a:r>
-            <a:r>
-              <a:rPr lang="en-US" dirty="0" smtClean="0"/>
-              <a:t> </a:t>
-            </a:r>
-            <a:r>
-              <a:rPr lang="en-US" dirty="0" err="1" smtClean="0"/>
-              <a:t>dati</a:t>
-            </a:r>
-            <a:r>
-              <a:rPr lang="en-US" dirty="0" smtClean="0"/>
-              <a:t> </a:t>
-            </a:r>
-            <a:r>
-              <a:rPr lang="en-US" dirty="0" err="1" smtClean="0"/>
-              <a:t>attraverso</a:t>
-            </a:r>
-            <a:r>
-              <a:rPr lang="en-US" dirty="0" smtClean="0"/>
-              <a:t> un </a:t>
-            </a:r>
-            <a:r>
-              <a:rPr lang="en-US" dirty="0" err="1" smtClean="0"/>
-              <a:t>sistema</a:t>
-            </a:r>
-            <a:r>
-              <a:rPr lang="en-US" dirty="0" smtClean="0"/>
-              <a:t> </a:t>
-            </a:r>
-            <a:r>
-              <a:rPr lang="en-US" dirty="0" err="1" smtClean="0"/>
-              <a:t>fortemente</a:t>
-            </a:r>
-            <a:r>
-              <a:rPr lang="en-US" dirty="0" smtClean="0"/>
-              <a:t> </a:t>
-            </a:r>
-            <a:r>
-              <a:rPr lang="en-US" dirty="0" err="1" smtClean="0"/>
-              <a:t>orientato</a:t>
-            </a:r>
-            <a:r>
-              <a:rPr lang="en-US" dirty="0" smtClean="0"/>
-              <a:t> </a:t>
-            </a:r>
-            <a:r>
-              <a:rPr lang="en-US" dirty="0" err="1" smtClean="0"/>
-              <a:t>all’estendibilità</a:t>
-            </a:r>
-            <a:r>
-              <a:rPr lang="en-US" dirty="0" smtClean="0"/>
-              <a:t>. </a:t>
-            </a:r>
-          </a:p>
-          <a:p>
-            <a:endParaRPr lang="en-US" dirty="0"/>
-          </a:p>
-          <a:p>
-            <a:r>
-              <a:rPr lang="en-US" dirty="0" err="1" smtClean="0"/>
-              <a:t>Mettere</a:t>
-            </a:r>
-            <a:r>
-              <a:rPr lang="en-US" dirty="0" smtClean="0"/>
-              <a:t> in </a:t>
-            </a:r>
-            <a:r>
-              <a:rPr lang="en-US" dirty="0" err="1" smtClean="0"/>
-              <a:t>grado</a:t>
-            </a:r>
-            <a:r>
-              <a:rPr lang="en-US" dirty="0" smtClean="0"/>
-              <a:t> </a:t>
-            </a:r>
-            <a:r>
-              <a:rPr lang="en-US" dirty="0" err="1" smtClean="0"/>
-              <a:t>chiunque</a:t>
-            </a:r>
-            <a:r>
-              <a:rPr lang="en-US" dirty="0" smtClean="0"/>
-              <a:t> di </a:t>
-            </a:r>
-            <a:r>
-              <a:rPr lang="en-US" dirty="0" err="1" smtClean="0"/>
-              <a:t>poter</a:t>
-            </a:r>
-            <a:r>
-              <a:rPr lang="en-US" dirty="0" smtClean="0"/>
-              <a:t> </a:t>
-            </a:r>
-            <a:r>
-              <a:rPr lang="en-US" dirty="0" err="1" smtClean="0"/>
-              <a:t>sviluppare</a:t>
-            </a:r>
-            <a:r>
-              <a:rPr lang="en-US" dirty="0" smtClean="0"/>
-              <a:t> le </a:t>
-            </a:r>
-            <a:r>
-              <a:rPr lang="en-US" dirty="0" err="1" smtClean="0"/>
-              <a:t>proprie</a:t>
-            </a:r>
-            <a:r>
-              <a:rPr lang="en-US" dirty="0" smtClean="0"/>
-              <a:t> </a:t>
-            </a:r>
-            <a:r>
-              <a:rPr lang="en-US" dirty="0" err="1" smtClean="0"/>
-              <a:t>estensioni</a:t>
-            </a:r>
-            <a:r>
-              <a:rPr lang="en-US" dirty="0" smtClean="0"/>
-              <a:t> (Microsoft </a:t>
-            </a:r>
-            <a:r>
-              <a:rPr lang="en-US" dirty="0" err="1" smtClean="0"/>
-              <a:t>stessa</a:t>
-            </a:r>
-            <a:r>
-              <a:rPr lang="en-US" dirty="0" smtClean="0"/>
-              <a:t>, ISV e community members)</a:t>
-            </a:r>
-          </a:p>
-          <a:p>
-            <a:endParaRPr lang="en-US" dirty="0"/>
-          </a:p>
-        </p:txBody>
-      </p:sp>
-    </p:spTree>
-    <p:extLst>
-      <p:ext uri="{BB962C8B-B14F-4D97-AF65-F5344CB8AC3E}">
-        <p14:creationId xmlns:p14="http://schemas.microsoft.com/office/powerpoint/2010/main" val="751609766"/>
-      </p:ext>
-    </p:extLst>
-  </p:cSld>
-  <p:clrMapOvr>
-    <a:masterClrMapping/>
-  </p:clrMapOvr>
-  <p:timing>
-    <p:tnLst>
-      <p:par>
-        <p:cTn id="1" dur="indefinite" restart="never" nodeType="tmRoot"/>
-      </p:par>
-    </p:tnLst>
-  </p:timing>
-</p:sld>
-</file>
-
-<file path=ppt/slides/slide22.xml><?xml version="1.0" encoding="utf-8"?>
-<p:sld xmlns:a="http://schemas.openxmlformats.org/drawingml/2006/main" xmlns:r="http://schemas.openxmlformats.org/officeDocument/2006/relationships" xmlns:p="http://schemas.openxmlformats.org/presentationml/2006/main">
-  <p:cSld>
-    <p:spTree>
-      <p:nvGrpSpPr>
-        <p:cNvPr id="1" name=""/>
-        <p:cNvGrpSpPr/>
-        <p:nvPr/>
-      </p:nvGrpSpPr>
-      <p:grpSpPr>
-        <a:xfrm>
-          <a:off x="0" y="0"/>
-          <a:ext cx="0" cy="0"/>
-          <a:chOff x="0" y="0"/>
-          <a:chExt cx="0" cy="0"/>
-        </a:xfrm>
-      </p:grpSpPr>
-      <p:sp>
-        <p:nvSpPr>
-          <p:cNvPr id="18" name="Title 17"/>
-          <p:cNvSpPr>
-            <a:spLocks noGrp="1"/>
-          </p:cNvSpPr>
-          <p:nvPr>
-            <p:ph type="title"/>
-          </p:nvPr>
-        </p:nvSpPr>
-        <p:spPr/>
-        <p:txBody>
-          <a:bodyPr/>
-          <a:lstStyle/>
-          <a:p>
-            <a:r>
-              <a:rPr lang="en-US" dirty="0" err="1" smtClean="0"/>
-              <a:t>Prospettive</a:t>
-            </a:r>
-            <a:r>
-              <a:rPr lang="en-US" dirty="0" smtClean="0"/>
-              <a:t> future e </a:t>
-            </a:r>
-            <a:r>
-              <a:rPr lang="en-US" dirty="0" err="1" smtClean="0"/>
-              <a:t>domande</a:t>
-            </a:r>
-            <a:r>
-              <a:rPr lang="en-US" dirty="0" smtClean="0"/>
-              <a:t> </a:t>
-            </a:r>
-            <a:r>
-              <a:rPr lang="en-US" dirty="0" err="1" smtClean="0"/>
-              <a:t>comuni</a:t>
-            </a:r>
-            <a:endParaRPr lang="en-US" dirty="0"/>
-          </a:p>
-        </p:txBody>
-      </p:sp>
-      <p:sp>
-        <p:nvSpPr>
-          <p:cNvPr id="19" name="Content Placeholder 18"/>
-          <p:cNvSpPr>
-            <a:spLocks noGrp="1"/>
-          </p:cNvSpPr>
-          <p:nvPr>
-            <p:ph idx="1"/>
-          </p:nvPr>
-        </p:nvSpPr>
-        <p:spPr/>
-        <p:txBody>
-          <a:bodyPr>
-            <a:normAutofit lnSpcReduction="10000"/>
-          </a:bodyPr>
-          <a:lstStyle/>
-          <a:p>
-            <a:r>
-              <a:rPr lang="en-US" dirty="0" err="1" smtClean="0"/>
-              <a:t>Indicativamente</a:t>
-            </a:r>
-            <a:r>
-              <a:rPr lang="en-US" dirty="0" smtClean="0"/>
-              <a:t> </a:t>
-            </a:r>
-            <a:r>
-              <a:rPr lang="en-US" dirty="0" err="1" smtClean="0"/>
-              <a:t>una</a:t>
-            </a:r>
-            <a:r>
-              <a:rPr lang="en-US" dirty="0" smtClean="0"/>
-              <a:t> release al </a:t>
-            </a:r>
-            <a:r>
-              <a:rPr lang="en-US" dirty="0" err="1" smtClean="0"/>
-              <a:t>mese</a:t>
-            </a:r>
-            <a:endParaRPr lang="en-US" dirty="0" smtClean="0"/>
-          </a:p>
-          <a:p>
-            <a:endParaRPr lang="en-US" dirty="0" smtClean="0"/>
-          </a:p>
-          <a:p>
-            <a:r>
-              <a:rPr lang="en-US" dirty="0" smtClean="0"/>
-              <a:t>A </a:t>
-            </a:r>
-            <a:r>
-              <a:rPr lang="en-US" dirty="0" err="1" smtClean="0"/>
-              <a:t>quando</a:t>
-            </a:r>
-            <a:r>
-              <a:rPr lang="en-US" dirty="0" smtClean="0"/>
-              <a:t> la GA? … </a:t>
-            </a:r>
-          </a:p>
-          <a:p>
-            <a:r>
-              <a:rPr lang="en-US" dirty="0" smtClean="0"/>
-              <a:t>In via </a:t>
-            </a:r>
-            <a:r>
-              <a:rPr lang="en-US" dirty="0" smtClean="0"/>
-              <a:t>molto </a:t>
-            </a:r>
-            <a:r>
-              <a:rPr lang="en-US" dirty="0" err="1" smtClean="0"/>
-              <a:t>ufficiosa</a:t>
-            </a:r>
-            <a:r>
-              <a:rPr lang="en-US" dirty="0" smtClean="0"/>
-              <a:t> </a:t>
-            </a:r>
-            <a:r>
-              <a:rPr lang="en-US" dirty="0" err="1" smtClean="0"/>
-              <a:t>tra</a:t>
-            </a:r>
-            <a:r>
-              <a:rPr lang="en-US" dirty="0" smtClean="0"/>
-              <a:t> </a:t>
-            </a:r>
-            <a:r>
-              <a:rPr lang="en-US" dirty="0" err="1" smtClean="0"/>
-              <a:t>Aprile</a:t>
-            </a:r>
-            <a:r>
-              <a:rPr lang="en-US" dirty="0" smtClean="0"/>
-              <a:t> e </a:t>
-            </a:r>
-            <a:r>
-              <a:rPr lang="en-US" dirty="0" err="1" smtClean="0"/>
-              <a:t>Giugno</a:t>
-            </a:r>
-            <a:r>
-              <a:rPr lang="en-US" dirty="0" smtClean="0"/>
-              <a:t>.. (??)</a:t>
-            </a:r>
-            <a:endParaRPr lang="en-US" dirty="0"/>
-          </a:p>
-          <a:p>
-            <a:endParaRPr lang="en-US" dirty="0" smtClean="0"/>
-          </a:p>
-          <a:p>
-            <a:r>
-              <a:rPr lang="en-US" dirty="0" smtClean="0"/>
-              <a:t>SQL Ops Studio </a:t>
-            </a:r>
-            <a:r>
-              <a:rPr lang="en-US" dirty="0" err="1" smtClean="0"/>
-              <a:t>sostituirà</a:t>
-            </a:r>
-            <a:r>
-              <a:rPr lang="en-US" dirty="0" smtClean="0"/>
-              <a:t> SSMS?</a:t>
-            </a:r>
-          </a:p>
-          <a:p>
-            <a:r>
-              <a:rPr lang="en-US" dirty="0" err="1" smtClean="0"/>
-              <a:t>Che</a:t>
-            </a:r>
-            <a:r>
-              <a:rPr lang="en-US" dirty="0" smtClean="0"/>
-              <a:t> ne è </a:t>
-            </a:r>
-            <a:r>
-              <a:rPr lang="en-US" dirty="0" err="1" smtClean="0"/>
-              <a:t>delle</a:t>
-            </a:r>
-            <a:r>
-              <a:rPr lang="en-US" dirty="0" smtClean="0"/>
-              <a:t> </a:t>
-            </a:r>
-            <a:r>
-              <a:rPr lang="en-US" dirty="0" err="1" smtClean="0"/>
-              <a:t>altre</a:t>
-            </a:r>
-            <a:r>
-              <a:rPr lang="en-US" dirty="0" smtClean="0"/>
-              <a:t> </a:t>
-            </a:r>
-            <a:r>
-              <a:rPr lang="en-US" dirty="0" err="1" smtClean="0"/>
-              <a:t>componenti</a:t>
-            </a:r>
-            <a:r>
-              <a:rPr lang="en-US" dirty="0" smtClean="0"/>
-              <a:t> (SSRS, SSIS, </a:t>
-            </a:r>
-            <a:r>
-              <a:rPr lang="en-US" dirty="0" err="1" smtClean="0"/>
-              <a:t>etc</a:t>
-            </a:r>
-            <a:r>
-              <a:rPr lang="en-US" dirty="0" smtClean="0"/>
-              <a:t>) ?</a:t>
-            </a:r>
-          </a:p>
-          <a:p>
-            <a:endParaRPr lang="en-US" dirty="0"/>
-          </a:p>
-        </p:txBody>
-      </p:sp>
-    </p:spTree>
-    <p:extLst>
-      <p:ext uri="{BB962C8B-B14F-4D97-AF65-F5344CB8AC3E}">
-        <p14:creationId xmlns:p14="http://schemas.microsoft.com/office/powerpoint/2010/main" val="701932684"/>
-      </p:ext>
-    </p:extLst>
-  </p:cSld>
-  <p:clrMapOvr>
-    <a:masterClrMapping/>
-  </p:clrMapOvr>
-  <p:timing>
-    <p:tnLst>
-      <p:par>
-        <p:cTn id="1" dur="indefinite" restart="never" nodeType="tmRoot"/>
-      </p:par>
-    </p:tnLst>
-  </p:timing>
-</p:sld>
-</file>
-
-<file path=ppt/slides/slide23.xml><?xml version="1.0" encoding="utf-8"?>
-<p:sld xmlns:a="http://schemas.openxmlformats.org/drawingml/2006/main" xmlns:r="http://schemas.openxmlformats.org/officeDocument/2006/relationships" xmlns:p="http://schemas.openxmlformats.org/presentationml/2006/main">
-  <p:cSld>
-    <p:spTree>
-      <p:nvGrpSpPr>
-        <p:cNvPr id="1" name=""/>
-        <p:cNvGrpSpPr/>
-        <p:nvPr/>
-      </p:nvGrpSpPr>
-      <p:grpSpPr>
-        <a:xfrm>
-          <a:off x="0" y="0"/>
-          <a:ext cx="0" cy="0"/>
-          <a:chOff x="0" y="0"/>
-          <a:chExt cx="0" cy="0"/>
-        </a:xfrm>
-      </p:grpSpPr>
-      <p:sp>
-        <p:nvSpPr>
-          <p:cNvPr id="18" name="Title 17"/>
-          <p:cNvSpPr>
-            <a:spLocks noGrp="1"/>
-          </p:cNvSpPr>
-          <p:nvPr>
-            <p:ph type="title"/>
-          </p:nvPr>
-        </p:nvSpPr>
-        <p:spPr/>
-        <p:txBody>
-          <a:bodyPr/>
-          <a:lstStyle/>
-          <a:p>
-            <a:r>
-              <a:rPr lang="en-US" dirty="0" err="1" smtClean="0"/>
-              <a:t>Risorse</a:t>
-            </a:r>
-            <a:endParaRPr lang="en-US" dirty="0"/>
-          </a:p>
-        </p:txBody>
-      </p:sp>
-      <p:sp>
-        <p:nvSpPr>
-          <p:cNvPr id="19" name="Content Placeholder 18"/>
-          <p:cNvSpPr>
-            <a:spLocks noGrp="1"/>
-          </p:cNvSpPr>
-          <p:nvPr>
-            <p:ph idx="1"/>
-          </p:nvPr>
-        </p:nvSpPr>
-        <p:spPr/>
-        <p:txBody>
-          <a:bodyPr>
-            <a:normAutofit fontScale="92500" lnSpcReduction="10000"/>
-          </a:bodyPr>
-          <a:lstStyle/>
-          <a:p>
-            <a:r>
-              <a:rPr lang="en-US" sz="2400" dirty="0" err="1" smtClean="0"/>
-              <a:t>Github</a:t>
-            </a:r>
-            <a:endParaRPr lang="en-US" sz="2400" dirty="0" smtClean="0"/>
-          </a:p>
-          <a:p>
-            <a:r>
-              <a:rPr lang="en-US" sz="2400" dirty="0" smtClean="0">
-                <a:hlinkClick r:id="rId2"/>
-              </a:rPr>
-              <a:t>https</a:t>
-            </a:r>
-            <a:r>
-              <a:rPr lang="en-US" sz="2400" dirty="0">
-                <a:hlinkClick r:id="rId2"/>
-              </a:rPr>
-              <a:t>://</a:t>
-            </a:r>
-            <a:r>
-              <a:rPr lang="en-US" sz="2400" dirty="0" smtClean="0">
-                <a:hlinkClick r:id="rId2"/>
-              </a:rPr>
-              <a:t>github.com/Microsoft/sqlopsstudio</a:t>
-            </a:r>
-            <a:endParaRPr lang="en-US" sz="2400" dirty="0" smtClean="0"/>
-          </a:p>
-          <a:p>
-            <a:endParaRPr lang="en-US" sz="2400" dirty="0" smtClean="0"/>
-          </a:p>
-          <a:p>
-            <a:r>
-              <a:rPr lang="en-US" sz="2400" dirty="0" err="1" smtClean="0"/>
-              <a:t>Documentazione</a:t>
-            </a:r>
-            <a:r>
-              <a:rPr lang="en-US" sz="2400" dirty="0" smtClean="0"/>
-              <a:t> online</a:t>
-            </a:r>
-          </a:p>
-          <a:p>
-            <a:r>
-              <a:rPr lang="en-US" sz="2400" dirty="0" smtClean="0">
-                <a:hlinkClick r:id="rId3"/>
-              </a:rPr>
-              <a:t>https</a:t>
-            </a:r>
-            <a:r>
-              <a:rPr lang="en-US" sz="2400" dirty="0">
-                <a:hlinkClick r:id="rId3"/>
-              </a:rPr>
-              <a:t>://</a:t>
-            </a:r>
-            <a:r>
-              <a:rPr lang="en-US" sz="2400" dirty="0" smtClean="0">
-                <a:hlinkClick r:id="rId3"/>
-              </a:rPr>
-              <a:t>docs.microsoft.com/en-us/sql/sql-operations-studio/what-is</a:t>
-            </a:r>
-            <a:endParaRPr lang="en-US" sz="2400" dirty="0" smtClean="0"/>
-          </a:p>
-          <a:p>
-            <a:endParaRPr lang="en-US" sz="2400" dirty="0" smtClean="0"/>
-          </a:p>
-          <a:p>
-            <a:r>
-              <a:rPr lang="en-US" sz="2400" dirty="0" smtClean="0"/>
-              <a:t>Account twitter </a:t>
-            </a:r>
-            <a:r>
-              <a:rPr lang="en-US" sz="2400" dirty="0" err="1" smtClean="0"/>
-              <a:t>ufficiale</a:t>
-            </a:r>
-            <a:r>
-              <a:rPr lang="en-US" sz="2400" dirty="0" smtClean="0"/>
-              <a:t> - @</a:t>
-            </a:r>
-            <a:r>
-              <a:rPr lang="en-US" sz="2400" dirty="0" err="1" smtClean="0"/>
-              <a:t>sqlopsstudio</a:t>
-            </a:r>
-            <a:endParaRPr lang="en-US" sz="2400" dirty="0" smtClean="0"/>
-          </a:p>
-          <a:p>
-            <a:r>
-              <a:rPr lang="en-US" sz="2400" dirty="0">
-                <a:hlinkClick r:id="rId4"/>
-              </a:rPr>
-              <a:t>https://</a:t>
-            </a:r>
-            <a:r>
-              <a:rPr lang="en-US" sz="2400" dirty="0" smtClean="0">
-                <a:hlinkClick r:id="rId4"/>
-              </a:rPr>
-              <a:t>twitter.com/sqlopsstudio</a:t>
-            </a:r>
-            <a:endParaRPr lang="en-US" sz="2400" dirty="0" smtClean="0"/>
-          </a:p>
-          <a:p>
-            <a:endParaRPr lang="en-US" sz="2400" dirty="0" smtClean="0"/>
-          </a:p>
-          <a:p>
-            <a:r>
-              <a:rPr lang="en-US" sz="2400" dirty="0"/>
-              <a:t>SQL Operations Studio – Comprehensive guide to the new database DevOps tool</a:t>
-            </a:r>
-            <a:r>
-              <a:rPr lang="en-US" sz="2400" dirty="0" smtClean="0"/>
-              <a:t>!</a:t>
-            </a:r>
-            <a:r>
-              <a:rPr lang="en-US" dirty="0" smtClean="0"/>
-              <a:t> </a:t>
-            </a:r>
-          </a:p>
-          <a:p>
-            <a:r>
-              <a:rPr lang="en-US" sz="2400" dirty="0">
-                <a:hlinkClick r:id="rId5"/>
-              </a:rPr>
-              <a:t>http://blog.sqlterritory.com/2017/12/19/sql-operations-studio-comprehensive-guide</a:t>
-            </a:r>
-            <a:r>
-              <a:rPr lang="en-US" sz="2400" dirty="0" smtClean="0">
-                <a:hlinkClick r:id="rId5"/>
-              </a:rPr>
-              <a:t>/</a:t>
-            </a:r>
-            <a:endParaRPr lang="en-US" sz="2400" dirty="0" smtClean="0"/>
-          </a:p>
-          <a:p>
-            <a:endParaRPr lang="en-US" dirty="0" smtClean="0"/>
-          </a:p>
-          <a:p>
-            <a:endParaRPr lang="en-US" dirty="0" smtClean="0"/>
-          </a:p>
-          <a:p>
-            <a:endParaRPr lang="en-US" dirty="0"/>
-          </a:p>
-        </p:txBody>
-      </p:sp>
-    </p:spTree>
-    <p:extLst>
-      <p:ext uri="{BB962C8B-B14F-4D97-AF65-F5344CB8AC3E}">
-        <p14:creationId xmlns:p14="http://schemas.microsoft.com/office/powerpoint/2010/main" val="4106770360"/>
-      </p:ext>
-    </p:extLst>
-  </p:cSld>
-  <p:clrMapOvr>
-    <a:masterClrMapping/>
-  </p:clrMapOvr>
-  <p:timing>
-    <p:tnLst>
-      <p:par>
-        <p:cTn id="1" dur="indefinite" restart="never" nodeType="tmRoot"/>
-      </p:par>
-    </p:tnLst>
-  </p:timing>
-</p:sld>
-</file>
-
-<file path=ppt/slides/slide24.xml><?xml version="1.0" encoding="utf-8"?>
-<p:sld xmlns:a="http://schemas.openxmlformats.org/drawingml/2006/main" xmlns:r="http://schemas.openxmlformats.org/officeDocument/2006/relationships" xmlns:p="http://schemas.openxmlformats.org/presentationml/2006/main">
-  <p:cSld>
-    <p:spTree>
-      <p:nvGrpSpPr>
-        <p:cNvPr id="1" name=""/>
-        <p:cNvGrpSpPr/>
-        <p:nvPr/>
-      </p:nvGrpSpPr>
-      <p:grpSpPr>
-        <a:xfrm>
-          <a:off x="0" y="0"/>
-          <a:ext cx="0" cy="0"/>
-          <a:chOff x="0" y="0"/>
-          <a:chExt cx="0" cy="0"/>
-        </a:xfrm>
-      </p:grpSpPr>
-      <p:sp>
-        <p:nvSpPr>
-          <p:cNvPr id="2" name="Title 1"/>
-          <p:cNvSpPr>
-            <a:spLocks noGrp="1"/>
-          </p:cNvSpPr>
-          <p:nvPr>
-            <p:ph type="title"/>
-          </p:nvPr>
-        </p:nvSpPr>
-        <p:spPr/>
-        <p:txBody>
-          <a:bodyPr/>
-          <a:lstStyle/>
-          <a:p>
-            <a:r>
-              <a:rPr lang="en-US" dirty="0"/>
-              <a:t>Q&amp;A</a:t>
-            </a:r>
-          </a:p>
-        </p:txBody>
-      </p:sp>
-      <p:sp>
-        <p:nvSpPr>
-          <p:cNvPr id="3" name="Content Placeholder 2"/>
-          <p:cNvSpPr>
-            <a:spLocks noGrp="1"/>
-          </p:cNvSpPr>
-          <p:nvPr>
-            <p:ph idx="1"/>
-          </p:nvPr>
-        </p:nvSpPr>
-        <p:spPr>
-          <a:prstGeom prst="rect">
-            <a:avLst/>
-          </a:prstGeom>
-        </p:spPr>
-        <p:txBody>
-          <a:bodyPr/>
-          <a:lstStyle/>
-          <a:p>
-            <a:r>
-              <a:rPr lang="it-IT" sz="2646" dirty="0" smtClean="0"/>
-              <a:t>Domande?</a:t>
-            </a:r>
-            <a:endParaRPr lang="it-IT" sz="2646" dirty="0"/>
-          </a:p>
-          <a:p>
-            <a:endParaRPr lang="en-US" sz="2646" dirty="0" smtClean="0"/>
-          </a:p>
-          <a:p>
-            <a:endParaRPr lang="en-US" sz="2646" dirty="0"/>
-          </a:p>
-          <a:p>
-            <a:endParaRPr lang="en-US" sz="2646" dirty="0" smtClean="0"/>
-          </a:p>
-          <a:p>
-            <a:endParaRPr lang="it-IT" sz="2646" dirty="0"/>
-          </a:p>
-          <a:p>
-            <a:r>
-              <a:rPr lang="en-US" sz="2800" dirty="0" err="1"/>
-              <a:t>eMail</a:t>
-            </a:r>
-            <a:r>
-              <a:rPr lang="en-US" sz="2800" dirty="0"/>
-              <a:t>: </a:t>
-            </a:r>
-            <a:r>
-              <a:rPr lang="en-US" sz="2800" dirty="0">
-                <a:hlinkClick r:id="rId2"/>
-              </a:rPr>
-              <a:t>mrg3d@hotmail.com</a:t>
-            </a:r>
-            <a:endParaRPr lang="en-US" sz="2800" dirty="0"/>
-          </a:p>
-          <a:p>
-            <a:r>
-              <a:rPr lang="en-US" sz="2800" dirty="0"/>
-              <a:t>twitter: @mrg3d</a:t>
-            </a:r>
-          </a:p>
-          <a:p>
-            <a:r>
-              <a:rPr lang="en-US" sz="2800" dirty="0" err="1"/>
-              <a:t>linkedIn</a:t>
-            </a:r>
-            <a:r>
-              <a:rPr lang="en-US" sz="2800" dirty="0"/>
-              <a:t>: </a:t>
-            </a:r>
-            <a:r>
-              <a:rPr lang="en-US" sz="2800" dirty="0">
-                <a:hlinkClick r:id="rId3"/>
-              </a:rPr>
-              <a:t>https://www.linkedin.com/in/mrg3d/</a:t>
-            </a:r>
-            <a:endParaRPr lang="en-US" sz="2800" dirty="0"/>
-          </a:p>
-          <a:p>
-            <a:endParaRPr lang="en-US" sz="2268" dirty="0"/>
-          </a:p>
-        </p:txBody>
-      </p:sp>
-    </p:spTree>
-    <p:extLst>
-      <p:ext uri="{BB962C8B-B14F-4D97-AF65-F5344CB8AC3E}">
-        <p14:creationId xmlns:p14="http://schemas.microsoft.com/office/powerpoint/2010/main" val="2352899525"/>
-      </p:ext>
-    </p:extLst>
-  </p:cSld>
-  <p:clrMapOvr>
-    <a:masterClrMapping/>
-  </p:clrMapOvr>
-  <p:timing>
-    <p:tnLst>
-      <p:par>
-        <p:cTn id="1" dur="indefinite" restart="never" nodeType="tmRoot"/>
-      </p:par>
-    </p:tnLst>
-  </p:timing>
-</p:sld>
-</file>
-
-<file path=ppt/slides/slide25.xml><?xml version="1.0" encoding="utf-8"?>
-<p:sld xmlns:a="http://schemas.openxmlformats.org/drawingml/2006/main" xmlns:r="http://schemas.openxmlformats.org/officeDocument/2006/relationships" xmlns:p="http://schemas.openxmlformats.org/presentationml/2006/main">
-  <p:cSld>
-    <p:spTree>
-      <p:nvGrpSpPr>
-        <p:cNvPr id="1" name=""/>
-        <p:cNvGrpSpPr/>
-        <p:nvPr/>
-      </p:nvGrpSpPr>
-      <p:grpSpPr>
-        <a:xfrm>
-          <a:off x="0" y="0"/>
-          <a:ext cx="0" cy="0"/>
-          <a:chOff x="0" y="0"/>
-          <a:chExt cx="0" cy="0"/>
-        </a:xfrm>
-      </p:grpSpPr>
-      <p:sp>
-        <p:nvSpPr>
-          <p:cNvPr id="3" name="Title 2">
-            <a:extLst>
-              <a:ext uri="{FF2B5EF4-FFF2-40B4-BE49-F238E27FC236}">
-                <a16:creationId xmlns:a16="http://schemas.microsoft.com/office/drawing/2014/main" id="{D47299C5-8483-467B-8C49-C16E68DC1374}"/>
-              </a:ext>
-            </a:extLst>
-          </p:cNvPr>
-          <p:cNvSpPr>
-            <a:spLocks noGrp="1"/>
-          </p:cNvSpPr>
-          <p:nvPr>
-            <p:ph type="title"/>
-          </p:nvPr>
-        </p:nvSpPr>
-        <p:spPr/>
-        <p:txBody>
-          <a:bodyPr/>
-          <a:lstStyle/>
-          <a:p>
-            <a:r>
-              <a:rPr lang="it-IT" dirty="0"/>
-              <a:t>Conclusions</a:t>
-            </a:r>
-          </a:p>
-        </p:txBody>
-      </p:sp>
-      <p:sp>
-        <p:nvSpPr>
-          <p:cNvPr id="4" name="Content Placeholder 3">
-            <a:extLst>
-              <a:ext uri="{FF2B5EF4-FFF2-40B4-BE49-F238E27FC236}">
-                <a16:creationId xmlns:a16="http://schemas.microsoft.com/office/drawing/2014/main" id="{7218A010-E06F-414D-A589-4DC9321FFF64}"/>
-              </a:ext>
-            </a:extLst>
-          </p:cNvPr>
-          <p:cNvSpPr>
-            <a:spLocks noGrp="1"/>
-          </p:cNvSpPr>
-          <p:nvPr>
-            <p:ph idx="1"/>
-          </p:nvPr>
-        </p:nvSpPr>
-        <p:spPr/>
-        <p:txBody>
-          <a:bodyPr/>
-          <a:lstStyle/>
-          <a:p>
-            <a:endParaRPr lang="it-IT"/>
-          </a:p>
-        </p:txBody>
-      </p:sp>
-    </p:spTree>
-    <p:extLst>
-      <p:ext uri="{BB962C8B-B14F-4D97-AF65-F5344CB8AC3E}">
-        <p14:creationId xmlns:p14="http://schemas.microsoft.com/office/powerpoint/2010/main" val="3112197977"/>
-      </p:ext>
-    </p:extLst>
-  </p:cSld>
-  <p:clrMapOvr>
-    <a:masterClrMapping/>
-  </p:clrMapOvr>
-</p:sld>
-</file>
-
-<file path=ppt/slides/slide3.xml><?xml version="1.0" encoding="utf-8"?>
-<p:sld xmlns:a="http://schemas.openxmlformats.org/drawingml/2006/main" xmlns:r="http://schemas.openxmlformats.org/officeDocument/2006/relationships" xmlns:p="http://schemas.openxmlformats.org/presentationml/2006/main">
-  <p:cSld>
-    <p:spTree>
-      <p:nvGrpSpPr>
-        <p:cNvPr id="1" name=""/>
-        <p:cNvGrpSpPr/>
-        <p:nvPr/>
-      </p:nvGrpSpPr>
-      <p:grpSpPr>
-        <a:xfrm>
-          <a:off x="0" y="0"/>
-          <a:ext cx="0" cy="0"/>
-          <a:chOff x="0" y="0"/>
-          <a:chExt cx="0" cy="0"/>
-        </a:xfrm>
-      </p:grpSpPr>
-      <p:sp>
-        <p:nvSpPr>
-          <p:cNvPr id="3" name="Title 2">
-            <a:extLst>
-              <a:ext uri="{FF2B5EF4-FFF2-40B4-BE49-F238E27FC236}">
-                <a16:creationId xmlns:a16="http://schemas.microsoft.com/office/drawing/2014/main" id="{A805D390-CE5E-4829-8124-C08D4640D56E}"/>
-              </a:ext>
-            </a:extLst>
-          </p:cNvPr>
-          <p:cNvSpPr>
-            <a:spLocks noGrp="1"/>
-          </p:cNvSpPr>
-          <p:nvPr>
-            <p:ph type="title"/>
-          </p:nvPr>
-        </p:nvSpPr>
-        <p:spPr/>
-        <p:txBody>
-          <a:bodyPr/>
-          <a:lstStyle/>
-          <a:p>
-            <a:r>
-              <a:rPr lang="it-IT" dirty="0" smtClean="0"/>
-              <a:t>Luca Bruni</a:t>
-            </a:r>
-            <a:endParaRPr lang="it-IT" dirty="0"/>
-          </a:p>
-        </p:txBody>
-      </p:sp>
-      <p:sp>
-        <p:nvSpPr>
-          <p:cNvPr id="4" name="Content Placeholder 3">
-            <a:extLst>
-              <a:ext uri="{FF2B5EF4-FFF2-40B4-BE49-F238E27FC236}">
-                <a16:creationId xmlns:a16="http://schemas.microsoft.com/office/drawing/2014/main" id="{DBCC85F6-35D9-4917-8010-AEEE737ED681}"/>
-              </a:ext>
-            </a:extLst>
-          </p:cNvPr>
-          <p:cNvSpPr>
-            <a:spLocks noGrp="1"/>
-          </p:cNvSpPr>
-          <p:nvPr>
-            <p:ph idx="1"/>
-          </p:nvPr>
-        </p:nvSpPr>
-        <p:spPr/>
-        <p:txBody>
-          <a:bodyPr>
-            <a:normAutofit fontScale="85000" lnSpcReduction="20000"/>
-          </a:bodyPr>
-          <a:lstStyle/>
-          <a:p>
-            <a:r>
-              <a:rPr lang="en-US" sz="2400" dirty="0" err="1"/>
-              <a:t>Professionista</a:t>
-            </a:r>
-            <a:r>
-              <a:rPr lang="en-US" sz="2400" dirty="0"/>
-              <a:t> IT (~15 </a:t>
-            </a:r>
-            <a:r>
-              <a:rPr lang="en-US" sz="2400" dirty="0" err="1"/>
-              <a:t>anni</a:t>
-            </a:r>
-            <a:r>
-              <a:rPr lang="en-US" sz="2400" dirty="0"/>
-              <a:t> di </a:t>
-            </a:r>
-            <a:r>
-              <a:rPr lang="en-US" sz="2400" dirty="0" err="1"/>
-              <a:t>esperienza</a:t>
-            </a:r>
-            <a:r>
-              <a:rPr lang="en-US" sz="2400" dirty="0"/>
-              <a:t>)</a:t>
-            </a:r>
-            <a:endParaRPr lang="en-US" sz="2000" dirty="0"/>
-          </a:p>
-          <a:p>
-            <a:r>
-              <a:rPr lang="en-US" sz="2400" dirty="0"/>
-              <a:t>	</a:t>
-            </a:r>
-          </a:p>
-          <a:p>
-            <a:r>
-              <a:rPr lang="en-US" sz="2400" dirty="0"/>
-              <a:t>Software &amp; Data Architect</a:t>
-            </a:r>
-          </a:p>
-          <a:p>
-            <a:r>
-              <a:rPr lang="en-US" sz="2400" dirty="0"/>
-              <a:t>	</a:t>
-            </a:r>
-            <a:r>
-              <a:rPr lang="en-US" sz="2100" dirty="0" err="1"/>
-              <a:t>mindCube</a:t>
-            </a:r>
-            <a:r>
-              <a:rPr lang="en-US" sz="2100" dirty="0"/>
-              <a:t> </a:t>
-            </a:r>
-            <a:r>
-              <a:rPr lang="en-US" sz="2100" dirty="0" err="1"/>
-              <a:t>S.a.g.l</a:t>
-            </a:r>
-            <a:r>
-              <a:rPr lang="en-US" sz="2100" dirty="0"/>
-              <a:t>.</a:t>
-            </a:r>
-          </a:p>
-          <a:p>
-            <a:endParaRPr lang="en-US" sz="2100" dirty="0"/>
-          </a:p>
-          <a:p>
-            <a:r>
-              <a:rPr lang="en-US" sz="2400" dirty="0"/>
-              <a:t>Contributor UGISS </a:t>
-            </a:r>
-          </a:p>
-          <a:p>
-            <a:pPr lvl="1"/>
-            <a:r>
-              <a:rPr lang="en-US" sz="2000" dirty="0"/>
-              <a:t>User Group </a:t>
-            </a:r>
-            <a:r>
-              <a:rPr lang="en-US" sz="2000" dirty="0" err="1"/>
-              <a:t>Italiano</a:t>
-            </a:r>
-            <a:r>
-              <a:rPr lang="en-US" sz="2000" dirty="0"/>
-              <a:t> SQL Server (PASS Chapter)</a:t>
-            </a:r>
-          </a:p>
-          <a:p>
-            <a:pPr lvl="1"/>
-            <a:endParaRPr lang="en-US" sz="2000" dirty="0"/>
-          </a:p>
-          <a:p>
-            <a:r>
-              <a:rPr lang="en-US" sz="2400" dirty="0"/>
-              <a:t>Speaker?</a:t>
-            </a:r>
-          </a:p>
-          <a:p>
-            <a:r>
-              <a:rPr lang="en-US" sz="2400" dirty="0"/>
-              <a:t>	</a:t>
-            </a:r>
-            <a:r>
-              <a:rPr lang="en-US" sz="2100" dirty="0" err="1"/>
-              <a:t>Vediamo</a:t>
-            </a:r>
-            <a:r>
-              <a:rPr lang="en-US" sz="2100" dirty="0"/>
-              <a:t> come </a:t>
-            </a:r>
-            <a:r>
-              <a:rPr lang="en-US" sz="2100" dirty="0" err="1"/>
-              <a:t>va</a:t>
-            </a:r>
-            <a:r>
-              <a:rPr lang="en-US" sz="2100" dirty="0"/>
-              <a:t>!</a:t>
-            </a:r>
-          </a:p>
-          <a:p>
-            <a:endParaRPr lang="en-US" dirty="0"/>
-          </a:p>
-          <a:p>
-            <a:r>
-              <a:rPr lang="en-US" sz="2000" dirty="0" err="1"/>
-              <a:t>eMail</a:t>
-            </a:r>
-            <a:r>
-              <a:rPr lang="en-US" sz="2000" dirty="0"/>
-              <a:t>: </a:t>
-            </a:r>
-            <a:r>
-              <a:rPr lang="en-US" sz="2000" dirty="0">
-                <a:hlinkClick r:id="rId2"/>
-              </a:rPr>
-              <a:t>mrg3d@hotmail.com</a:t>
-            </a:r>
-            <a:endParaRPr lang="en-US" sz="2000" dirty="0"/>
-          </a:p>
-          <a:p>
-            <a:r>
-              <a:rPr lang="en-US" sz="2000" dirty="0"/>
-              <a:t>twitter: @mrg3d</a:t>
-            </a:r>
-          </a:p>
-          <a:p>
-            <a:r>
-              <a:rPr lang="en-US" sz="2000" dirty="0" err="1"/>
-              <a:t>linkedIn</a:t>
-            </a:r>
-            <a:r>
-              <a:rPr lang="en-US" sz="2000" dirty="0"/>
-              <a:t>: </a:t>
-            </a:r>
-            <a:r>
-              <a:rPr lang="en-US" sz="2000" dirty="0">
-                <a:hlinkClick r:id="rId3"/>
-              </a:rPr>
-              <a:t>https://www.linkedin.com/in/mrg3d/</a:t>
-            </a:r>
-            <a:endParaRPr lang="en-US" sz="2000" dirty="0"/>
-          </a:p>
-          <a:p>
-            <a:endParaRPr lang="it-IT" dirty="0"/>
-          </a:p>
-        </p:txBody>
-      </p:sp>
-      <p:pic>
-        <p:nvPicPr>
-          <p:cNvPr id="5" name="Picture 4">
-            <a:hlinkClick r:id="rId4"/>
-          </p:cNvPr>
-          <p:cNvPicPr>
-            <a:picLocks noChangeAspect="1"/>
-          </p:cNvPicPr>
-          <p:nvPr/>
-        </p:nvPicPr>
-        <p:blipFill>
-          <a:blip r:embed="rId5" cstate="print">
-            <a:extLst>
-              <a:ext uri="{28A0092B-C50C-407E-A947-70E740481C1C}">
-                <a14:useLocalDpi xmlns:a14="http://schemas.microsoft.com/office/drawing/2010/main" val="0"/>
-              </a:ext>
-            </a:extLst>
-          </a:blip>
-          <a:stretch>
-            <a:fillRect/>
-          </a:stretch>
-        </p:blipFill>
-        <p:spPr>
-          <a:xfrm>
-            <a:off x="10650775" y="189121"/>
-            <a:ext cx="611940" cy="611940"/>
-          </a:xfrm>
-          <a:prstGeom prst="rect">
-            <a:avLst/>
-          </a:prstGeom>
-        </p:spPr>
-      </p:pic>
-      <p:pic>
-        <p:nvPicPr>
-          <p:cNvPr id="6" name="Picture 2" descr="MindCube Sagl"/>
-          <p:cNvPicPr>
-            <a:picLocks noChangeAspect="1" noChangeArrowheads="1"/>
-          </p:cNvPicPr>
-          <p:nvPr/>
-        </p:nvPicPr>
-        <p:blipFill>
-          <a:blip r:embed="rId6">
-            <a:extLst>
-              <a:ext uri="{28A0092B-C50C-407E-A947-70E740481C1C}">
-                <a14:useLocalDpi xmlns:a14="http://schemas.microsoft.com/office/drawing/2010/main" val="0"/>
-              </a:ext>
-            </a:extLst>
-          </a:blip>
-          <a:srcRect/>
-          <a:stretch>
-            <a:fillRect/>
-          </a:stretch>
-        </p:blipFill>
-        <p:spPr bwMode="auto">
-          <a:xfrm>
-            <a:off x="8600609" y="189120"/>
-            <a:ext cx="2023308" cy="656209"/>
-          </a:xfrm>
-          <a:prstGeom prst="rect">
-            <a:avLst/>
-          </a:prstGeom>
-          <a:noFill/>
-          <a:extLst>
-            <a:ext uri="{909E8E84-426E-40DD-AFC4-6F175D3DCCD1}">
-              <a14:hiddenFill xmlns:a14="http://schemas.microsoft.com/office/drawing/2010/main">
-                <a:solidFill>
-                  <a:srgbClr val="FFFFFF"/>
-                </a:solidFill>
-              </a14:hiddenFill>
-            </a:ext>
-          </a:extLst>
-        </p:spPr>
-      </p:pic>
-      <p:pic>
-        <p:nvPicPr>
-          <p:cNvPr id="7" name="Picture 4" descr="http://www.sqlsaturday.com/images/speakers/5475-c8290d69.jpg"/>
-          <p:cNvPicPr>
-            <a:picLocks noChangeAspect="1" noChangeArrowheads="1"/>
-          </p:cNvPicPr>
-          <p:nvPr/>
-        </p:nvPicPr>
-        <p:blipFill>
-          <a:blip r:embed="rId7">
-            <a:extLst>
-              <a:ext uri="{28A0092B-C50C-407E-A947-70E740481C1C}">
-                <a14:useLocalDpi xmlns:a14="http://schemas.microsoft.com/office/drawing/2010/main" val="0"/>
-              </a:ext>
-            </a:extLst>
-          </a:blip>
-          <a:srcRect/>
-          <a:stretch>
-            <a:fillRect/>
-          </a:stretch>
-        </p:blipFill>
-        <p:spPr bwMode="auto">
-          <a:xfrm>
-            <a:off x="9455706" y="1080363"/>
-            <a:ext cx="1170172" cy="1872276"/>
-          </a:xfrm>
-          <a:prstGeom prst="rect">
-            <a:avLst/>
-          </a:prstGeom>
-          <a:noFill/>
-          <a:extLst>
-            <a:ext uri="{909E8E84-426E-40DD-AFC4-6F175D3DCCD1}">
-              <a14:hiddenFill xmlns:a14="http://schemas.microsoft.com/office/drawing/2010/main">
-                <a:solidFill>
-                  <a:srgbClr val="FFFFFF"/>
-                </a:solidFill>
-              </a14:hiddenFill>
-            </a:ext>
-          </a:extLst>
-        </p:spPr>
-      </p:pic>
-    </p:spTree>
-    <p:extLst>
-      <p:ext uri="{BB962C8B-B14F-4D97-AF65-F5344CB8AC3E}">
-        <p14:creationId xmlns:p14="http://schemas.microsoft.com/office/powerpoint/2010/main" val="557766459"/>
-      </p:ext>
-    </p:extLst>
-  </p:cSld>
-  <p:clrMapOvr>
-    <a:masterClrMapping/>
-  </p:clrMapOvr>
-  <p:timing>
-    <p:tnLst>
-      <p:par>
-        <p:cTn id="1" dur="indefinite" restart="never" nodeType="tmRoot"/>
-      </p:par>
-    </p:tnLst>
-  </p:timing>
-</p:sld>
-</file>
-
-<file path=ppt/slides/slide4.xml><?xml version="1.0" encoding="utf-8"?>
-<p:sld xmlns:a="http://schemas.openxmlformats.org/drawingml/2006/main" xmlns:r="http://schemas.openxmlformats.org/officeDocument/2006/relationships" xmlns:p="http://schemas.openxmlformats.org/presentationml/2006/main">
-  <p:cSld>
-    <p:spTree>
-      <p:nvGrpSpPr>
-        <p:cNvPr id="1" name=""/>
-        <p:cNvGrpSpPr/>
-        <p:nvPr/>
-      </p:nvGrpSpPr>
-      <p:grpSpPr>
-        <a:xfrm>
-          <a:off x="0" y="0"/>
-          <a:ext cx="0" cy="0"/>
-          <a:chOff x="0" y="0"/>
-          <a:chExt cx="0" cy="0"/>
-        </a:xfrm>
-      </p:grpSpPr>
-      <p:sp>
-        <p:nvSpPr>
-          <p:cNvPr id="3" name="Title 2">
-            <a:extLst>
-              <a:ext uri="{FF2B5EF4-FFF2-40B4-BE49-F238E27FC236}">
-                <a16:creationId xmlns:a16="http://schemas.microsoft.com/office/drawing/2014/main" id="{A805D390-CE5E-4829-8124-C08D4640D56E}"/>
-              </a:ext>
-            </a:extLst>
-          </p:cNvPr>
-          <p:cNvSpPr>
-            <a:spLocks noGrp="1"/>
-          </p:cNvSpPr>
-          <p:nvPr>
-            <p:ph type="title"/>
-          </p:nvPr>
-        </p:nvSpPr>
-        <p:spPr/>
-        <p:txBody>
-          <a:bodyPr/>
-          <a:lstStyle/>
-          <a:p>
-            <a:r>
-              <a:rPr lang="it-IT" dirty="0"/>
-              <a:t>Agenda</a:t>
-            </a:r>
-          </a:p>
-        </p:txBody>
-      </p:sp>
-      <p:sp>
-        <p:nvSpPr>
-          <p:cNvPr id="4" name="Content Placeholder 3">
-            <a:extLst>
-              <a:ext uri="{FF2B5EF4-FFF2-40B4-BE49-F238E27FC236}">
-                <a16:creationId xmlns:a16="http://schemas.microsoft.com/office/drawing/2014/main" id="{DBCC85F6-35D9-4917-8010-AEEE737ED681}"/>
-              </a:ext>
-            </a:extLst>
-          </p:cNvPr>
-          <p:cNvSpPr>
-            <a:spLocks noGrp="1"/>
-          </p:cNvSpPr>
-          <p:nvPr>
-            <p:ph idx="1"/>
-          </p:nvPr>
-        </p:nvSpPr>
-        <p:spPr/>
-        <p:txBody>
-          <a:bodyPr/>
-          <a:lstStyle/>
-          <a:p>
-            <a:r>
-              <a:rPr lang="en-US" dirty="0" err="1" smtClean="0"/>
-              <a:t>Introduzione</a:t>
-            </a:r>
-            <a:endParaRPr lang="en-US" dirty="0" smtClean="0"/>
-          </a:p>
-          <a:p>
-            <a:r>
-              <a:rPr lang="en-US" dirty="0" smtClean="0"/>
-              <a:t>Core Functionalities</a:t>
-            </a:r>
-          </a:p>
-          <a:p>
-            <a:r>
-              <a:rPr lang="en-US" dirty="0" smtClean="0"/>
-              <a:t>Dashboard &amp; Insights</a:t>
-            </a:r>
-            <a:endParaRPr lang="en-US" dirty="0" smtClean="0"/>
-          </a:p>
-          <a:p>
-            <a:endParaRPr lang="it-IT" dirty="0"/>
-          </a:p>
-        </p:txBody>
-      </p:sp>
-    </p:spTree>
-    <p:extLst>
-      <p:ext uri="{BB962C8B-B14F-4D97-AF65-F5344CB8AC3E}">
-        <p14:creationId xmlns:p14="http://schemas.microsoft.com/office/powerpoint/2010/main" val="2778591220"/>
-      </p:ext>
-    </p:extLst>
-  </p:cSld>
-  <p:clrMapOvr>
-    <a:masterClrMapping/>
-  </p:clrMapOvr>
-  <p:timing>
-    <p:tnLst>
-      <p:par>
-        <p:cTn id="1" dur="indefinite" restart="never" nodeType="tmRoot"/>
-      </p:par>
-    </p:tnLst>
-  </p:timing>
-</p:sld>
-</file>
-
-<file path=ppt/slides/slide5.xml><?xml version="1.0" encoding="utf-8"?>
-<p:sld xmlns:a="http://schemas.openxmlformats.org/drawingml/2006/main" xmlns:r="http://schemas.openxmlformats.org/officeDocument/2006/relationships" xmlns:p="http://schemas.openxmlformats.org/presentationml/2006/main">
-  <p:cSld>
-    <p:spTree>
-      <p:nvGrpSpPr>
-        <p:cNvPr id="1" name=""/>
-        <p:cNvGrpSpPr/>
-        <p:nvPr/>
-      </p:nvGrpSpPr>
-      <p:grpSpPr>
-        <a:xfrm>
-          <a:off x="0" y="0"/>
-          <a:ext cx="0" cy="0"/>
-          <a:chOff x="0" y="0"/>
-          <a:chExt cx="0" cy="0"/>
-        </a:xfrm>
-      </p:grpSpPr>
-      <p:sp>
-        <p:nvSpPr>
-          <p:cNvPr id="2" name="Title 1"/>
-          <p:cNvSpPr>
-            <a:spLocks noGrp="1"/>
-          </p:cNvSpPr>
-          <p:nvPr>
-            <p:ph type="title"/>
-          </p:nvPr>
-        </p:nvSpPr>
-        <p:spPr/>
-        <p:txBody>
-          <a:bodyPr/>
-          <a:lstStyle/>
-          <a:p>
-            <a:r>
-              <a:rPr lang="en-US" dirty="0" err="1" smtClean="0"/>
-              <a:t>Introduzione</a:t>
-            </a:r>
-            <a:endParaRPr lang="en-US" dirty="0"/>
-          </a:p>
-        </p:txBody>
-      </p:sp>
-    </p:spTree>
-    <p:extLst>
-      <p:ext uri="{BB962C8B-B14F-4D97-AF65-F5344CB8AC3E}">
-        <p14:creationId xmlns:p14="http://schemas.microsoft.com/office/powerpoint/2010/main" val="148607444"/>
-      </p:ext>
-    </p:extLst>
-  </p:cSld>
-  <p:clrMapOvr>
-    <a:masterClrMapping/>
-  </p:clrMapOvr>
-  <p:timing>
-    <p:tnLst>
-      <p:par>
-        <p:cTn id="1" dur="indefinite" restart="never" nodeType="tmRoot"/>
-      </p:par>
-    </p:tnLst>
-  </p:timing>
-</p:sld>
-</file>
-
-<file path=ppt/slides/slide6.xml><?xml version="1.0" encoding="utf-8"?>
-<p:sld xmlns:a="http://schemas.openxmlformats.org/drawingml/2006/main" xmlns:r="http://schemas.openxmlformats.org/officeDocument/2006/relationships" xmlns:p="http://schemas.openxmlformats.org/presentationml/2006/main">
-  <p:cSld>
-    <p:spTree>
-      <p:nvGrpSpPr>
-        <p:cNvPr id="1" name=""/>
-        <p:cNvGrpSpPr/>
-        <p:nvPr/>
-      </p:nvGrpSpPr>
-      <p:grpSpPr>
-        <a:xfrm>
-          <a:off x="0" y="0"/>
-          <a:ext cx="0" cy="0"/>
-          <a:chOff x="0" y="0"/>
-          <a:chExt cx="0" cy="0"/>
-        </a:xfrm>
-      </p:grpSpPr>
-      <p:sp>
-        <p:nvSpPr>
-          <p:cNvPr id="18" name="Title 17"/>
-          <p:cNvSpPr>
-            <a:spLocks noGrp="1"/>
-          </p:cNvSpPr>
-          <p:nvPr>
-            <p:ph type="title"/>
-          </p:nvPr>
-        </p:nvSpPr>
-        <p:spPr/>
-        <p:txBody>
-          <a:bodyPr/>
-          <a:lstStyle/>
-          <a:p>
-            <a:r>
-              <a:rPr lang="en-US" dirty="0" smtClean="0"/>
-              <a:t>Il 2017…</a:t>
-            </a:r>
-            <a:endParaRPr lang="en-US" dirty="0"/>
-          </a:p>
-        </p:txBody>
-      </p:sp>
-      <p:sp>
-        <p:nvSpPr>
-          <p:cNvPr id="19" name="Content Placeholder 18"/>
-          <p:cNvSpPr>
-            <a:spLocks noGrp="1"/>
-          </p:cNvSpPr>
-          <p:nvPr>
-            <p:ph idx="1"/>
-          </p:nvPr>
-        </p:nvSpPr>
-        <p:spPr/>
-        <p:txBody>
-          <a:bodyPr>
-            <a:normAutofit/>
-          </a:bodyPr>
-          <a:lstStyle/>
-          <a:p>
-            <a:r>
-              <a:rPr lang="en-US" altLang="en-US" dirty="0" smtClean="0">
-                <a:solidFill>
-                  <a:srgbClr val="293338"/>
-                </a:solidFill>
-                <a:latin typeface="inherit"/>
-              </a:rPr>
-              <a:t>Anno </a:t>
-            </a:r>
-            <a:r>
-              <a:rPr lang="en-US" altLang="en-US" dirty="0" err="1">
-                <a:solidFill>
-                  <a:srgbClr val="293338"/>
-                </a:solidFill>
-                <a:latin typeface="inherit"/>
-              </a:rPr>
-              <a:t>ricco</a:t>
-            </a:r>
-            <a:r>
-              <a:rPr lang="en-US" altLang="en-US" dirty="0">
-                <a:solidFill>
-                  <a:srgbClr val="293338"/>
-                </a:solidFill>
-                <a:latin typeface="inherit"/>
-              </a:rPr>
-              <a:t> di </a:t>
-            </a:r>
-            <a:r>
-              <a:rPr lang="en-US" altLang="en-US" dirty="0" err="1">
-                <a:solidFill>
-                  <a:srgbClr val="293338"/>
-                </a:solidFill>
-                <a:latin typeface="inherit"/>
-              </a:rPr>
-              <a:t>novità</a:t>
-            </a:r>
-            <a:r>
-              <a:rPr lang="en-US" altLang="en-US" dirty="0">
-                <a:solidFill>
-                  <a:srgbClr val="293338"/>
-                </a:solidFill>
-                <a:latin typeface="inherit"/>
-              </a:rPr>
-              <a:t> per </a:t>
-            </a:r>
-            <a:r>
-              <a:rPr lang="en-US" altLang="en-US" dirty="0" smtClean="0">
-                <a:solidFill>
-                  <a:srgbClr val="293338"/>
-                </a:solidFill>
-                <a:latin typeface="inherit"/>
-              </a:rPr>
-              <a:t>SQL </a:t>
-            </a:r>
-            <a:r>
-              <a:rPr lang="en-US" altLang="en-US" dirty="0">
-                <a:solidFill>
-                  <a:srgbClr val="293338"/>
-                </a:solidFill>
-                <a:latin typeface="inherit"/>
-              </a:rPr>
-              <a:t>Server. </a:t>
-            </a:r>
-            <a:endParaRPr lang="en-US" altLang="en-US" dirty="0" smtClean="0">
-              <a:solidFill>
-                <a:srgbClr val="293338"/>
-              </a:solidFill>
-              <a:latin typeface="inherit"/>
-            </a:endParaRPr>
-          </a:p>
-          <a:p>
-            <a:r>
-              <a:rPr lang="en-US" altLang="en-US" sz="1900" dirty="0" smtClean="0">
-                <a:solidFill>
-                  <a:srgbClr val="293338"/>
-                </a:solidFill>
-                <a:latin typeface="inherit"/>
-              </a:rPr>
-              <a:t>	ERRATA CORRIGE: </a:t>
-            </a:r>
-            <a:r>
-              <a:rPr lang="en-US" altLang="en-US" sz="1900" dirty="0" err="1" smtClean="0">
-                <a:solidFill>
-                  <a:srgbClr val="293338"/>
-                </a:solidFill>
-                <a:latin typeface="inherit"/>
-              </a:rPr>
-              <a:t>Genenal</a:t>
-            </a:r>
-            <a:r>
-              <a:rPr lang="en-US" altLang="en-US" sz="1900" dirty="0" smtClean="0">
-                <a:solidFill>
-                  <a:srgbClr val="293338"/>
-                </a:solidFill>
-                <a:latin typeface="inherit"/>
-              </a:rPr>
-              <a:t> availability != Cross Platform </a:t>
-            </a:r>
-          </a:p>
-          <a:p>
-            <a:endParaRPr lang="en-US" altLang="en-US" sz="1900" dirty="0">
-              <a:solidFill>
-                <a:srgbClr val="293338"/>
-              </a:solidFill>
-              <a:latin typeface="inherit"/>
-            </a:endParaRPr>
-          </a:p>
-          <a:p>
-            <a:r>
-              <a:rPr lang="en-US" altLang="en-US" dirty="0" smtClean="0">
-                <a:solidFill>
-                  <a:srgbClr val="293338"/>
-                </a:solidFill>
-                <a:latin typeface="inherit"/>
-              </a:rPr>
-              <a:t>SQL Server anywhere</a:t>
-            </a:r>
-          </a:p>
-          <a:p>
-            <a:r>
-              <a:rPr lang="en-US" altLang="en-US" sz="1900" dirty="0" smtClean="0">
-                <a:solidFill>
-                  <a:srgbClr val="293338"/>
-                </a:solidFill>
-                <a:latin typeface="inherit"/>
-              </a:rPr>
-              <a:t>	</a:t>
-            </a:r>
-          </a:p>
-          <a:p>
-            <a:endParaRPr lang="en-US" altLang="en-US" sz="1900" dirty="0" smtClean="0">
-              <a:solidFill>
-                <a:srgbClr val="293338"/>
-              </a:solidFill>
-              <a:latin typeface="inherit"/>
-            </a:endParaRPr>
-          </a:p>
-          <a:p>
-            <a:r>
-              <a:rPr lang="en-US" altLang="en-US" dirty="0" smtClean="0">
-                <a:solidFill>
-                  <a:srgbClr val="293338"/>
-                </a:solidFill>
-                <a:latin typeface="inherit"/>
-              </a:rPr>
-              <a:t>Ok.. Il server! Ed </a:t>
-            </a:r>
-            <a:r>
-              <a:rPr lang="en-US" altLang="en-US" dirty="0" err="1" smtClean="0">
-                <a:solidFill>
-                  <a:srgbClr val="293338"/>
-                </a:solidFill>
-                <a:latin typeface="inherit"/>
-              </a:rPr>
-              <a:t>i</a:t>
-            </a:r>
-            <a:r>
-              <a:rPr lang="en-US" altLang="en-US" dirty="0" smtClean="0">
-                <a:solidFill>
-                  <a:srgbClr val="293338"/>
-                </a:solidFill>
-                <a:latin typeface="inherit"/>
-              </a:rPr>
-              <a:t> client?</a:t>
-            </a:r>
-          </a:p>
-          <a:p>
-            <a:endParaRPr lang="en-US" dirty="0"/>
-          </a:p>
-        </p:txBody>
-      </p:sp>
-      <p:pic>
-        <p:nvPicPr>
-          <p:cNvPr id="6" name="Picture 2" descr="https://pbs.twimg.com/profile_images/875388334003986432/eUsjmVRJ_400x400.jpg"/>
-          <p:cNvPicPr>
-            <a:picLocks noChangeAspect="1" noChangeArrowheads="1"/>
-          </p:cNvPicPr>
-          <p:nvPr/>
-        </p:nvPicPr>
-        <p:blipFill>
-          <a:blip r:embed="rId2">
-            <a:extLst>
-              <a:ext uri="{28A0092B-C50C-407E-A947-70E740481C1C}">
-                <a14:useLocalDpi xmlns:a14="http://schemas.microsoft.com/office/drawing/2010/main" val="0"/>
-              </a:ext>
-            </a:extLst>
-          </a:blip>
-          <a:srcRect/>
-          <a:stretch>
-            <a:fillRect/>
-          </a:stretch>
-        </p:blipFill>
-        <p:spPr bwMode="auto">
-          <a:xfrm>
-            <a:off x="5277944" y="2835829"/>
-            <a:ext cx="594015" cy="594015"/>
-          </a:xfrm>
-          <a:prstGeom prst="rect">
-            <a:avLst/>
-          </a:prstGeom>
-          <a:noFill/>
-          <a:extLst>
-            <a:ext uri="{909E8E84-426E-40DD-AFC4-6F175D3DCCD1}">
-              <a14:hiddenFill xmlns:a14="http://schemas.microsoft.com/office/drawing/2010/main">
-                <a:solidFill>
-                  <a:srgbClr val="FFFFFF"/>
-                </a:solidFill>
-              </a14:hiddenFill>
-            </a:ext>
-          </a:extLst>
-        </p:spPr>
-      </p:pic>
-      <p:pic>
-        <p:nvPicPr>
-          <p:cNvPr id="8" name="Picture 4" descr="https://pbs.twimg.com/profile_images/862037907862765568/pYgBswUk.jpg"/>
-          <p:cNvPicPr>
-            <a:picLocks noChangeAspect="1" noChangeArrowheads="1"/>
-          </p:cNvPicPr>
-          <p:nvPr/>
-        </p:nvPicPr>
-        <p:blipFill>
-          <a:blip r:embed="rId3">
-            <a:extLst>
-              <a:ext uri="{28A0092B-C50C-407E-A947-70E740481C1C}">
-                <a14:useLocalDpi xmlns:a14="http://schemas.microsoft.com/office/drawing/2010/main" val="0"/>
-              </a:ext>
-            </a:extLst>
-          </a:blip>
-          <a:srcRect/>
-          <a:stretch>
-            <a:fillRect/>
-          </a:stretch>
-        </p:blipFill>
-        <p:spPr bwMode="auto">
-          <a:xfrm>
-            <a:off x="6828961" y="2835829"/>
-            <a:ext cx="594015" cy="594015"/>
-          </a:xfrm>
-          <a:prstGeom prst="rect">
-            <a:avLst/>
-          </a:prstGeom>
-          <a:noFill/>
-          <a:extLst>
-            <a:ext uri="{909E8E84-426E-40DD-AFC4-6F175D3DCCD1}">
-              <a14:hiddenFill xmlns:a14="http://schemas.microsoft.com/office/drawing/2010/main">
-                <a:solidFill>
-                  <a:srgbClr val="FFFFFF"/>
-                </a:solidFill>
-              </a14:hiddenFill>
-            </a:ext>
-          </a:extLst>
-        </p:spPr>
-      </p:pic>
-      <p:pic>
-        <p:nvPicPr>
-          <p:cNvPr id="10" name="Picture 6" descr="https://upload.wikimedia.org/wikipedia/commons/thumb/b/b0/NewTux.svg/500px-NewTux.svg.png"/>
-          <p:cNvPicPr>
-            <a:picLocks noChangeAspect="1" noChangeArrowheads="1"/>
-          </p:cNvPicPr>
-          <p:nvPr/>
-        </p:nvPicPr>
-        <p:blipFill>
-          <a:blip r:embed="rId4">
-            <a:extLst>
-              <a:ext uri="{28A0092B-C50C-407E-A947-70E740481C1C}">
-                <a14:useLocalDpi xmlns:a14="http://schemas.microsoft.com/office/drawing/2010/main" val="0"/>
-              </a:ext>
-            </a:extLst>
-          </a:blip>
-          <a:srcRect/>
-          <a:stretch>
-            <a:fillRect/>
-          </a:stretch>
-        </p:blipFill>
-        <p:spPr bwMode="auto">
-          <a:xfrm>
-            <a:off x="6090322" y="2835829"/>
-            <a:ext cx="508451" cy="610141"/>
-          </a:xfrm>
-          <a:prstGeom prst="rect">
-            <a:avLst/>
-          </a:prstGeom>
-          <a:noFill/>
-          <a:extLst>
-            <a:ext uri="{909E8E84-426E-40DD-AFC4-6F175D3DCCD1}">
-              <a14:hiddenFill xmlns:a14="http://schemas.microsoft.com/office/drawing/2010/main">
-                <a:solidFill>
-                  <a:srgbClr val="FFFFFF"/>
-                </a:solidFill>
-              </a14:hiddenFill>
-            </a:ext>
-          </a:extLst>
-        </p:spPr>
-      </p:pic>
-    </p:spTree>
-    <p:extLst>
-      <p:ext uri="{BB962C8B-B14F-4D97-AF65-F5344CB8AC3E}">
-        <p14:creationId xmlns:p14="http://schemas.microsoft.com/office/powerpoint/2010/main" val="1562802415"/>
-      </p:ext>
-    </p:extLst>
-  </p:cSld>
-  <p:clrMapOvr>
-    <a:masterClrMapping/>
-  </p:clrMapOvr>
-  <p:timing>
-    <p:tnLst>
-      <p:par>
-        <p:cTn id="1" dur="indefinite" restart="never" nodeType="tmRoot"/>
-      </p:par>
-    </p:tnLst>
-  </p:timing>
-</p:sld>
-</file>
-
-<file path=ppt/slides/slide7.xml><?xml version="1.0" encoding="utf-8"?>
-<p:sld xmlns:a="http://schemas.openxmlformats.org/drawingml/2006/main" xmlns:r="http://schemas.openxmlformats.org/officeDocument/2006/relationships" xmlns:p="http://schemas.openxmlformats.org/presentationml/2006/main">
-  <p:cSld>
-    <p:spTree>
-      <p:nvGrpSpPr>
-        <p:cNvPr id="1" name=""/>
-        <p:cNvGrpSpPr/>
-        <p:nvPr/>
-      </p:nvGrpSpPr>
-      <p:grpSpPr>
-        <a:xfrm>
-          <a:off x="0" y="0"/>
-          <a:ext cx="0" cy="0"/>
-          <a:chOff x="0" y="0"/>
-          <a:chExt cx="0" cy="0"/>
-        </a:xfrm>
-      </p:grpSpPr>
-      <p:sp>
-        <p:nvSpPr>
-          <p:cNvPr id="18" name="Title 17"/>
-          <p:cNvSpPr>
-            <a:spLocks noGrp="1"/>
-          </p:cNvSpPr>
-          <p:nvPr>
-            <p:ph type="title"/>
-          </p:nvPr>
-        </p:nvSpPr>
-        <p:spPr/>
-        <p:txBody>
-          <a:bodyPr/>
-          <a:lstStyle/>
-          <a:p>
-            <a:r>
-              <a:rPr lang="en-US" dirty="0" smtClean="0"/>
-              <a:t>La </a:t>
-            </a:r>
-            <a:r>
-              <a:rPr lang="en-US" dirty="0" err="1" smtClean="0"/>
-              <a:t>presentazione</a:t>
-            </a:r>
-            <a:endParaRPr lang="en-US" dirty="0"/>
-          </a:p>
-        </p:txBody>
-      </p:sp>
-      <p:pic>
-        <p:nvPicPr>
-          <p:cNvPr id="1026" name="Picture 2" descr="https://pbs.twimg.com/media/DNkSdmUUIAAha4N.jpg:large"/>
-          <p:cNvPicPr>
-            <a:picLocks noChangeAspect="1" noChangeArrowheads="1"/>
-          </p:cNvPicPr>
-          <p:nvPr/>
-        </p:nvPicPr>
-        <p:blipFill>
-          <a:blip r:embed="rId2">
-            <a:extLst>
-              <a:ext uri="{28A0092B-C50C-407E-A947-70E740481C1C}">
-                <a14:useLocalDpi xmlns:a14="http://schemas.microsoft.com/office/drawing/2010/main" val="0"/>
-              </a:ext>
-            </a:extLst>
-          </a:blip>
-          <a:srcRect/>
-          <a:stretch>
-            <a:fillRect/>
-          </a:stretch>
-        </p:blipFill>
-        <p:spPr bwMode="auto">
-          <a:xfrm>
-            <a:off x="5718839" y="1371600"/>
-            <a:ext cx="5442199" cy="4081650"/>
-          </a:xfrm>
-          <a:prstGeom prst="rect">
-            <a:avLst/>
-          </a:prstGeom>
-          <a:noFill/>
-          <a:extLst>
-            <a:ext uri="{909E8E84-426E-40DD-AFC4-6F175D3DCCD1}">
-              <a14:hiddenFill xmlns:a14="http://schemas.microsoft.com/office/drawing/2010/main">
-                <a:solidFill>
-                  <a:srgbClr val="FFFFFF"/>
-                </a:solidFill>
-              </a14:hiddenFill>
-            </a:ext>
-          </a:extLst>
-        </p:spPr>
-      </p:pic>
-      <p:pic>
-        <p:nvPicPr>
-          <p:cNvPr id="1028" name="Picture 4" descr="https://littlekendra.com/wp-content/uploads/2017/11/Rohan_Kumar_keynote.jpg"/>
-          <p:cNvPicPr>
-            <a:picLocks noChangeAspect="1" noChangeArrowheads="1"/>
-          </p:cNvPicPr>
-          <p:nvPr/>
-        </p:nvPicPr>
-        <p:blipFill>
-          <a:blip r:embed="rId3">
-            <a:extLst>
-              <a:ext uri="{28A0092B-C50C-407E-A947-70E740481C1C}">
-                <a14:useLocalDpi xmlns:a14="http://schemas.microsoft.com/office/drawing/2010/main" val="0"/>
-              </a:ext>
-            </a:extLst>
-          </a:blip>
-          <a:srcRect/>
-          <a:stretch>
-            <a:fillRect/>
-          </a:stretch>
-        </p:blipFill>
-        <p:spPr bwMode="auto">
-          <a:xfrm>
-            <a:off x="421496" y="1371600"/>
-            <a:ext cx="4928785" cy="4081650"/>
-          </a:xfrm>
-          <a:prstGeom prst="rect">
-            <a:avLst/>
-          </a:prstGeom>
-          <a:noFill/>
-          <a:extLst>
-            <a:ext uri="{909E8E84-426E-40DD-AFC4-6F175D3DCCD1}">
-              <a14:hiddenFill xmlns:a14="http://schemas.microsoft.com/office/drawing/2010/main">
-                <a:solidFill>
-                  <a:srgbClr val="FFFFFF"/>
-                </a:solidFill>
-              </a14:hiddenFill>
-            </a:ext>
-          </a:extLst>
-        </p:spPr>
-      </p:pic>
-    </p:spTree>
-    <p:extLst>
-      <p:ext uri="{BB962C8B-B14F-4D97-AF65-F5344CB8AC3E}">
-        <p14:creationId xmlns:p14="http://schemas.microsoft.com/office/powerpoint/2010/main" val="104222767"/>
-      </p:ext>
-    </p:extLst>
-  </p:cSld>
-  <p:clrMapOvr>
-    <a:masterClrMapping/>
-  </p:clrMapOvr>
-  <p:timing>
-    <p:tnLst>
-      <p:par>
-        <p:cTn id="1" dur="indefinite" restart="never" nodeType="tmRoot"/>
-      </p:par>
-    </p:tnLst>
-  </p:timing>
-</p:sld>
-</file>
-
-<file path=ppt/slides/slide8.xml><?xml version="1.0" encoding="utf-8"?>
-<p:sld xmlns:a="http://schemas.openxmlformats.org/drawingml/2006/main" xmlns:r="http://schemas.openxmlformats.org/officeDocument/2006/relationships" xmlns:p="http://schemas.openxmlformats.org/presentationml/2006/main">
-  <p:cSld>
-    <p:spTree>
-      <p:nvGrpSpPr>
-        <p:cNvPr id="1" name=""/>
-        <p:cNvGrpSpPr/>
-        <p:nvPr/>
-      </p:nvGrpSpPr>
-      <p:grpSpPr>
-        <a:xfrm>
-          <a:off x="0" y="0"/>
-          <a:ext cx="0" cy="0"/>
-          <a:chOff x="0" y="0"/>
-          <a:chExt cx="0" cy="0"/>
-        </a:xfrm>
-      </p:grpSpPr>
-      <p:sp>
-        <p:nvSpPr>
-          <p:cNvPr id="2" name="Title 1"/>
-          <p:cNvSpPr>
-            <a:spLocks noGrp="1"/>
-          </p:cNvSpPr>
-          <p:nvPr>
-            <p:ph type="title"/>
-          </p:nvPr>
-        </p:nvSpPr>
-        <p:spPr/>
-        <p:txBody>
-          <a:bodyPr/>
-          <a:lstStyle/>
-          <a:p>
-            <a:r>
-              <a:rPr lang="en-US" dirty="0" err="1" smtClean="0"/>
-              <a:t>L’annuncio</a:t>
-            </a:r>
-            <a:r>
-              <a:rPr lang="en-US" dirty="0" smtClean="0"/>
-              <a:t> </a:t>
-            </a:r>
-            <a:r>
-              <a:rPr lang="en-US" dirty="0" err="1" smtClean="0"/>
-              <a:t>ufficiale</a:t>
-            </a:r>
-            <a:endParaRPr lang="it-IT" dirty="0"/>
-          </a:p>
-        </p:txBody>
-      </p:sp>
-      <p:pic>
-        <p:nvPicPr>
-          <p:cNvPr id="4" name="Picture 3"/>
-          <p:cNvPicPr>
-            <a:picLocks noChangeAspect="1"/>
-          </p:cNvPicPr>
-          <p:nvPr/>
-        </p:nvPicPr>
-        <p:blipFill>
-          <a:blip r:embed="rId2"/>
-          <a:stretch>
-            <a:fillRect/>
-          </a:stretch>
-        </p:blipFill>
-        <p:spPr>
-          <a:xfrm>
-            <a:off x="2141878" y="1080363"/>
-            <a:ext cx="6737543" cy="4638325"/>
-          </a:xfrm>
-          <a:prstGeom prst="rect">
-            <a:avLst/>
-          </a:prstGeom>
-        </p:spPr>
-      </p:pic>
-    </p:spTree>
-    <p:extLst>
-      <p:ext uri="{BB962C8B-B14F-4D97-AF65-F5344CB8AC3E}">
-        <p14:creationId xmlns:p14="http://schemas.microsoft.com/office/powerpoint/2010/main" val="3752138074"/>
-      </p:ext>
-    </p:extLst>
-  </p:cSld>
-  <p:clrMapOvr>
-    <a:masterClrMapping/>
-  </p:clrMapOvr>
-  <p:timing>
-    <p:tnLst>
-      <p:par>
-        <p:cTn id="1" dur="indefinite" restart="never" nodeType="tmRoot"/>
-      </p:par>
-    </p:tnLst>
-  </p:timing>
-</p:sld>
-</file>
-
 <file path=ppt/slides/slide9.xml><?xml version="1.0" encoding="utf-8"?>
 <p:sld xmlns:a="http://schemas.openxmlformats.org/drawingml/2006/main" xmlns:r="http://schemas.openxmlformats.org/officeDocument/2006/relationships" xmlns:p="http://schemas.openxmlformats.org/presentationml/2006/main">
   <p:cSld>
@@ -7039,12 +7374,16 @@
           <a:lstStyle/>
           <a:p>
             <a:r>
-              <a:rPr lang="en-US" dirty="0" err="1"/>
-              <a:t>Cos`è</a:t>
+              <a:rPr lang="en-US" dirty="0" err="1" smtClean="0"/>
+              <a:t>Cos’é</a:t>
+            </a:r>
+            <a:r>
+              <a:rPr lang="en-US" dirty="0" smtClean="0"/>
+              <a:t> </a:t>
             </a:r>
             <a:r>
               <a:rPr lang="en-US" dirty="0"/>
-              <a:t> SQL Operations Studio? </a:t>
+              <a:t>SQL Operations Studio? </a:t>
             </a:r>
             <a:r>
               <a:rPr lang="en-US" dirty="0" smtClean="0"/>

--- a/Introducing SQL Operations Studio.pptx
+++ b/Introducing SQL Operations Studio.pptx
@@ -18,20 +18,22 @@
     <p:sldId id="293" r:id="rId12"/>
     <p:sldId id="274" r:id="rId13"/>
     <p:sldId id="290" r:id="rId14"/>
-    <p:sldId id="291" r:id="rId15"/>
-    <p:sldId id="292" r:id="rId16"/>
-    <p:sldId id="276" r:id="rId17"/>
-    <p:sldId id="278" r:id="rId18"/>
-    <p:sldId id="277" r:id="rId19"/>
-    <p:sldId id="267" r:id="rId20"/>
-    <p:sldId id="283" r:id="rId21"/>
-    <p:sldId id="273" r:id="rId22"/>
-    <p:sldId id="288" r:id="rId23"/>
-    <p:sldId id="289" r:id="rId24"/>
-    <p:sldId id="280" r:id="rId25"/>
-    <p:sldId id="284" r:id="rId26"/>
-    <p:sldId id="281" r:id="rId27"/>
-    <p:sldId id="269" r:id="rId28"/>
+    <p:sldId id="294" r:id="rId15"/>
+    <p:sldId id="295" r:id="rId16"/>
+    <p:sldId id="291" r:id="rId17"/>
+    <p:sldId id="292" r:id="rId18"/>
+    <p:sldId id="276" r:id="rId19"/>
+    <p:sldId id="278" r:id="rId20"/>
+    <p:sldId id="277" r:id="rId21"/>
+    <p:sldId id="267" r:id="rId22"/>
+    <p:sldId id="283" r:id="rId23"/>
+    <p:sldId id="273" r:id="rId24"/>
+    <p:sldId id="288" r:id="rId25"/>
+    <p:sldId id="289" r:id="rId26"/>
+    <p:sldId id="280" r:id="rId27"/>
+    <p:sldId id="284" r:id="rId28"/>
+    <p:sldId id="296" r:id="rId29"/>
+    <p:sldId id="297" r:id="rId30"/>
   </p:sldIdLst>
   <p:sldSz cx="11520488" cy="6480175"/>
   <p:notesSz cx="6858000" cy="9144000"/>
@@ -3453,20 +3455,16 @@
               <a:buChar char="•"/>
             </a:pPr>
             <a:r>
+              <a:rPr lang="en-US" sz="2800" dirty="0" smtClean="0"/>
+              <a:t>Editing </a:t>
+            </a:r>
+            <a:r>
               <a:rPr lang="en-US" sz="2800" dirty="0" err="1" smtClean="0"/>
-              <a:t>Intellisense</a:t>
+              <a:t>avanzato</a:t>
             </a:r>
             <a:r>
               <a:rPr lang="en-US" sz="2800" dirty="0" smtClean="0"/>
-              <a:t> (</a:t>
-            </a:r>
-            <a:r>
-              <a:rPr lang="en-US" sz="2800" dirty="0" err="1" smtClean="0"/>
-              <a:t>anche</a:t>
-            </a:r>
-            <a:r>
-              <a:rPr lang="en-US" sz="2800" dirty="0" smtClean="0"/>
-              <a:t> per Azure SQLDB)</a:t>
+              <a:t> per T-SQL</a:t>
             </a:r>
           </a:p>
           <a:p>
@@ -3475,16 +3473,20 @@
               <a:buChar char="•"/>
             </a:pPr>
             <a:r>
-              <a:rPr lang="en-US" sz="2800" dirty="0" smtClean="0"/>
-              <a:t>Editing </a:t>
-            </a:r>
-            <a:r>
-              <a:rPr lang="en-US" sz="2800" dirty="0" err="1" smtClean="0"/>
-              <a:t>avanzato</a:t>
-            </a:r>
-            <a:r>
-              <a:rPr lang="en-US" sz="2800" dirty="0" smtClean="0"/>
-              <a:t> per T-SQL</a:t>
+              <a:rPr lang="en-US" sz="2800" dirty="0" err="1"/>
+              <a:t>Intellisense</a:t>
+            </a:r>
+            <a:r>
+              <a:rPr lang="en-US" sz="2800" dirty="0"/>
+              <a:t> (</a:t>
+            </a:r>
+            <a:r>
+              <a:rPr lang="en-US" sz="2800" dirty="0" err="1"/>
+              <a:t>anche</a:t>
+            </a:r>
+            <a:r>
+              <a:rPr lang="en-US" sz="2800" dirty="0"/>
+              <a:t> per Azure SQLDB)</a:t>
             </a:r>
           </a:p>
           <a:p>
@@ -3498,7 +3500,11 @@
             </a:r>
             <a:r>
               <a:rPr lang="en-US" sz="2800" dirty="0" smtClean="0"/>
-              <a:t> e </a:t>
+              <a:t> </a:t>
+            </a:r>
+            <a:r>
+              <a:rPr lang="en-US" sz="2800" dirty="0" smtClean="0"/>
+              <a:t>e </a:t>
             </a:r>
             <a:r>
               <a:rPr lang="en-US" sz="2800" dirty="0" err="1" smtClean="0"/>
@@ -3578,19 +3584,7 @@
           <a:p>
             <a:r>
               <a:rPr lang="en-US" dirty="0" err="1" smtClean="0"/>
-              <a:t>Novità</a:t>
-            </a:r>
-            <a:r>
-              <a:rPr lang="en-US" dirty="0" smtClean="0"/>
-              <a:t> “</a:t>
-            </a:r>
-            <a:r>
-              <a:rPr lang="en-US" dirty="0" err="1" smtClean="0"/>
-              <a:t>esclusive</a:t>
-            </a:r>
-            <a:r>
-              <a:rPr lang="en-US" dirty="0" smtClean="0"/>
-              <a:t>”</a:t>
+              <a:t>Peculiarità</a:t>
             </a:r>
             <a:endParaRPr lang="en-US" dirty="0"/>
           </a:p>
@@ -3624,9 +3618,8 @@
             </a:pPr>
             <a:r>
               <a:rPr lang="en-US" sz="2800" dirty="0" smtClean="0"/>
-              <a:t>Integrated Terminal</a:t>
-            </a:r>
-            <a:endParaRPr lang="en-US" sz="2800" dirty="0" smtClean="0"/>
+              <a:t>Code snippets</a:t>
+            </a:r>
           </a:p>
           <a:p>
             <a:pPr marL="685800" indent="-685800">
@@ -3635,9 +3628,12 @@
             </a:pPr>
             <a:r>
               <a:rPr lang="en-US" sz="2800" dirty="0" smtClean="0"/>
-              <a:t>Source Control</a:t>
-            </a:r>
-            <a:endParaRPr lang="en-US" sz="2800" dirty="0" smtClean="0"/>
+              <a:t>Integrated </a:t>
+            </a:r>
+            <a:r>
+              <a:rPr lang="en-US" sz="2800" dirty="0"/>
+              <a:t>Terminal</a:t>
+            </a:r>
           </a:p>
           <a:p>
             <a:pPr marL="685800" indent="-685800">
@@ -3646,12 +3642,33 @@
             </a:pPr>
             <a:r>
               <a:rPr lang="en-US" sz="2800" dirty="0" smtClean="0"/>
-              <a:t>Dashboard, Widgets e </a:t>
-            </a:r>
+              <a:t>User settings e workspace settings</a:t>
+            </a:r>
+          </a:p>
+          <a:p>
+            <a:pPr marL="685800" indent="-685800">
+              <a:buFont typeface="Arial" panose="020B0604020202020204" pitchFamily="34" charset="0"/>
+              <a:buChar char="•"/>
+            </a:pPr>
             <a:r>
               <a:rPr lang="en-US" sz="2800" dirty="0" smtClean="0"/>
-              <a:t>Insights</a:t>
-            </a:r>
+              <a:t>Source </a:t>
+            </a:r>
+            <a:r>
+              <a:rPr lang="en-US" sz="2800" dirty="0" smtClean="0"/>
+              <a:t>Control</a:t>
+            </a:r>
+          </a:p>
+          <a:p>
+            <a:pPr marL="685800" indent="-685800">
+              <a:buFont typeface="Arial" panose="020B0604020202020204" pitchFamily="34" charset="0"/>
+              <a:buChar char="•"/>
+            </a:pPr>
+            <a:r>
+              <a:rPr lang="en-US" sz="2800" dirty="0" smtClean="0"/>
+              <a:t>Dashboard e Insight Widget</a:t>
+            </a:r>
+            <a:endParaRPr lang="en-US" sz="2800" dirty="0" smtClean="0"/>
           </a:p>
           <a:p>
             <a:pPr marL="685800" indent="-685800">
@@ -3720,7 +3737,7 @@
           <a:p>
             <a:r>
               <a:rPr lang="en-US" dirty="0" smtClean="0"/>
-              <a:t>Integrated Terminal</a:t>
+              <a:t>Code snippets</a:t>
             </a:r>
             <a:endParaRPr lang="en-US" dirty="0"/>
           </a:p>
@@ -3748,132 +3765,104 @@
           </a:bodyPr>
           <a:lstStyle/>
           <a:p>
-            <a:pPr marL="685800" indent="-685800">
+            <a:pPr marL="571500" indent="-571500">
               <a:buFont typeface="Arial" panose="020B0604020202020204" pitchFamily="34" charset="0"/>
               <a:buChar char="•"/>
             </a:pPr>
             <a:r>
-              <a:rPr lang="en-US" sz="2800" dirty="0" smtClean="0"/>
-              <a:t>Multiple terminal</a:t>
-            </a:r>
-          </a:p>
-          <a:p>
-            <a:pPr marL="685800" indent="-685800">
+              <a:rPr lang="en-US" dirty="0" smtClean="0"/>
+              <a:t>Template per </a:t>
+            </a:r>
+            <a:r>
+              <a:rPr lang="en-US" dirty="0" err="1" smtClean="0"/>
+              <a:t>facilitare</a:t>
+            </a:r>
+            <a:r>
+              <a:rPr lang="en-US" dirty="0" smtClean="0"/>
+              <a:t> la </a:t>
+            </a:r>
+            <a:r>
+              <a:rPr lang="en-US" dirty="0" err="1" smtClean="0"/>
+              <a:t>creazione</a:t>
+            </a:r>
+            <a:r>
+              <a:rPr lang="en-US" dirty="0" smtClean="0"/>
+              <a:t> di database e </a:t>
+            </a:r>
+            <a:r>
+              <a:rPr lang="en-US" dirty="0" err="1" smtClean="0"/>
+              <a:t>dei</a:t>
+            </a:r>
+            <a:r>
+              <a:rPr lang="en-US" dirty="0" smtClean="0"/>
+              <a:t> </a:t>
+            </a:r>
+            <a:r>
+              <a:rPr lang="en-US" dirty="0" err="1" smtClean="0"/>
+              <a:t>loro</a:t>
+            </a:r>
+            <a:r>
+              <a:rPr lang="en-US" dirty="0" smtClean="0"/>
+              <a:t> </a:t>
+            </a:r>
+            <a:r>
+              <a:rPr lang="en-US" dirty="0" err="1" smtClean="0"/>
+              <a:t>oggetti</a:t>
+            </a:r>
+            <a:endParaRPr lang="en-US" dirty="0"/>
+          </a:p>
+          <a:p>
+            <a:pPr marL="571500" indent="-571500">
               <a:buFont typeface="Arial" panose="020B0604020202020204" pitchFamily="34" charset="0"/>
               <a:buChar char="•"/>
             </a:pPr>
             <a:r>
-              <a:rPr lang="en-US" sz="2800" dirty="0" err="1" smtClean="0"/>
-              <a:t>Supporto</a:t>
-            </a:r>
-            <a:r>
-              <a:rPr lang="en-US" sz="2800" dirty="0" smtClean="0"/>
-              <a:t> per </a:t>
-            </a:r>
-            <a:r>
-              <a:rPr lang="en-US" sz="2800" dirty="0" err="1" smtClean="0"/>
-              <a:t>qualsiasi</a:t>
-            </a:r>
-            <a:r>
-              <a:rPr lang="en-US" sz="2800" dirty="0" smtClean="0"/>
-              <a:t> shell</a:t>
-            </a:r>
-          </a:p>
-          <a:p>
-            <a:pPr marL="1261827" lvl="1" indent="-685800">
+              <a:rPr lang="en-US" dirty="0" smtClean="0"/>
+              <a:t>Built-in snippets T-SQL</a:t>
+            </a:r>
+            <a:endParaRPr lang="en-US" dirty="0"/>
+          </a:p>
+          <a:p>
+            <a:pPr marL="571500" indent="-571500">
               <a:buFont typeface="Arial" panose="020B0604020202020204" pitchFamily="34" charset="0"/>
               <a:buChar char="•"/>
             </a:pPr>
             <a:r>
-              <a:rPr lang="en-US" sz="2400" dirty="0" err="1" smtClean="0"/>
-              <a:t>che</a:t>
-            </a:r>
-            <a:r>
-              <a:rPr lang="en-US" sz="2400" dirty="0" smtClean="0"/>
+              <a:rPr lang="en-US" dirty="0" err="1" smtClean="0"/>
+              <a:t>Supporto</a:t>
+            </a:r>
+            <a:r>
+              <a:rPr lang="en-US" dirty="0" smtClean="0"/>
+              <a:t> per la </a:t>
+            </a:r>
+            <a:r>
+              <a:rPr lang="en-US" dirty="0" err="1" smtClean="0"/>
+              <a:t>creazione</a:t>
+            </a:r>
+            <a:r>
+              <a:rPr lang="en-US" dirty="0" smtClean="0"/>
+              <a:t> di snippets </a:t>
+            </a:r>
+            <a:r>
+              <a:rPr lang="en-US" dirty="0" err="1" smtClean="0"/>
+              <a:t>definiti</a:t>
+            </a:r>
+            <a:r>
+              <a:rPr lang="en-US" dirty="0" smtClean="0"/>
               <a:t> </a:t>
             </a:r>
             <a:r>
-              <a:rPr lang="en-US" sz="2400" dirty="0" err="1" smtClean="0"/>
-              <a:t>supporti</a:t>
-            </a:r>
-            <a:r>
-              <a:rPr lang="en-US" sz="2400" dirty="0" smtClean="0"/>
-              <a:t> </a:t>
-            </a:r>
-            <a:r>
-              <a:rPr lang="en-US" sz="2400" i="1" dirty="0" err="1" smtClean="0"/>
-              <a:t>stdin</a:t>
-            </a:r>
-            <a:r>
-              <a:rPr lang="en-US" sz="2400" i="1" dirty="0" smtClean="0"/>
-              <a:t>/</a:t>
-            </a:r>
-            <a:r>
-              <a:rPr lang="en-US" sz="2400" i="1" dirty="0" err="1" smtClean="0"/>
-              <a:t>stdout</a:t>
-            </a:r>
-            <a:r>
-              <a:rPr lang="en-US" sz="2400" i="1" dirty="0" smtClean="0"/>
-              <a:t>/</a:t>
-            </a:r>
-            <a:r>
-              <a:rPr lang="en-US" sz="2400" i="1" dirty="0" err="1" smtClean="0"/>
-              <a:t>stderr</a:t>
-            </a:r>
-            <a:r>
-              <a:rPr lang="en-US" sz="2400" dirty="0" smtClean="0"/>
-              <a:t> redirection</a:t>
-            </a:r>
-          </a:p>
-          <a:p>
-            <a:pPr marL="685800" indent="-685800">
-              <a:buFont typeface="Arial" panose="020B0604020202020204" pitchFamily="34" charset="0"/>
-              <a:buChar char="•"/>
-            </a:pPr>
-            <a:r>
-              <a:rPr lang="en-US" sz="2800" dirty="0" err="1" smtClean="0"/>
-              <a:t>Configurabile</a:t>
-            </a:r>
-            <a:endParaRPr lang="en-US" sz="2800" dirty="0" smtClean="0"/>
-          </a:p>
-          <a:p>
-            <a:pPr marL="1261827" lvl="1" indent="-685800">
-              <a:buFont typeface="Arial" panose="020B0604020202020204" pitchFamily="34" charset="0"/>
-              <a:buChar char="•"/>
-            </a:pPr>
-            <a:r>
-              <a:rPr lang="en-US" sz="2400" dirty="0"/>
-              <a:t>Terminal Display </a:t>
-            </a:r>
-            <a:r>
-              <a:rPr lang="en-US" sz="2400" dirty="0" smtClean="0"/>
-              <a:t>Settings</a:t>
-            </a:r>
-          </a:p>
-          <a:p>
-            <a:pPr marL="1261827" lvl="1" indent="-685800">
-              <a:buFont typeface="Arial" panose="020B0604020202020204" pitchFamily="34" charset="0"/>
-              <a:buChar char="•"/>
-            </a:pPr>
-            <a:r>
-              <a:rPr lang="en-US" sz="2400" dirty="0" smtClean="0"/>
-              <a:t>Terminal Key Bindings</a:t>
+              <a:rPr lang="en-US" dirty="0" err="1" smtClean="0"/>
+              <a:t>dall’utente</a:t>
             </a:r>
             <a:endParaRPr lang="en-US" dirty="0"/>
-          </a:p>
-          <a:p>
-            <a:pPr marL="1261827" lvl="1" indent="-685800">
-              <a:buFont typeface="Arial" panose="020B0604020202020204" pitchFamily="34" charset="0"/>
-              <a:buChar char="•"/>
-            </a:pPr>
-            <a:endParaRPr lang="en-US" sz="2400" dirty="0"/>
           </a:p>
         </p:txBody>
       </p:sp>
     </p:spTree>
     <p:extLst>
       <p:ext uri="{BB962C8B-B14F-4D97-AF65-F5344CB8AC3E}">
-        <p14:creationId xmlns:p14="http://schemas.microsoft.com/office/powerpoint/2010/main" val="2722836913"/>
+        <p14:creationId xmlns:p14="http://schemas.microsoft.com/office/powerpoint/2010/main" val="3736645723"/>
       </p:ext>
     </p:extLst>
   </p:cSld>
@@ -3924,7 +3913,7 @@
           <a:p>
             <a:r>
               <a:rPr lang="en-US" dirty="0" smtClean="0"/>
-              <a:t>Source Control</a:t>
+              <a:t>Integrated Terminal</a:t>
             </a:r>
             <a:endParaRPr lang="en-US" dirty="0"/>
           </a:p>
@@ -3957,12 +3946,8 @@
               <a:buChar char="•"/>
             </a:pPr>
             <a:r>
-              <a:rPr lang="en-US" sz="2800" dirty="0" err="1" smtClean="0"/>
-              <a:t>Git</a:t>
-            </a:r>
-            <a:r>
               <a:rPr lang="en-US" sz="2800" dirty="0" smtClean="0"/>
-              <a:t> Source Control Manager (SMC) by default</a:t>
+              <a:t>Multiple terminal</a:t>
             </a:r>
           </a:p>
           <a:p>
@@ -3972,27 +3957,108 @@
             </a:pPr>
             <a:r>
               <a:rPr lang="en-US" sz="2800" dirty="0" err="1" smtClean="0"/>
-              <a:t>Richiede</a:t>
+              <a:t>Supporto</a:t>
             </a:r>
             <a:r>
               <a:rPr lang="en-US" sz="2800" dirty="0" smtClean="0"/>
+              <a:t> per </a:t>
+            </a:r>
+            <a:r>
+              <a:rPr lang="en-US" sz="2800" dirty="0" err="1" smtClean="0"/>
+              <a:t>qualsiasi</a:t>
+            </a:r>
+            <a:r>
+              <a:rPr lang="en-US" sz="2800" dirty="0" smtClean="0"/>
+              <a:t> shell</a:t>
+            </a:r>
+          </a:p>
+          <a:p>
+            <a:pPr marL="1261827" lvl="1" indent="-685800">
+              <a:buFont typeface="Arial" panose="020B0604020202020204" pitchFamily="34" charset="0"/>
+              <a:buChar char="•"/>
+            </a:pPr>
+            <a:r>
+              <a:rPr lang="en-US" sz="2400" dirty="0"/>
+              <a:t>Bash, PowerShell, </a:t>
+            </a:r>
+            <a:r>
+              <a:rPr lang="en-US" sz="2400" dirty="0" err="1"/>
+              <a:t>sqlcmd</a:t>
+            </a:r>
+            <a:r>
+              <a:rPr lang="en-US" sz="2400" dirty="0"/>
+              <a:t>, </a:t>
+            </a:r>
+            <a:r>
+              <a:rPr lang="en-US" sz="2400" dirty="0" err="1"/>
+              <a:t>bcp</a:t>
+            </a:r>
+            <a:r>
+              <a:rPr lang="en-US" sz="2400" dirty="0"/>
+              <a:t>, </a:t>
+            </a:r>
+            <a:r>
+              <a:rPr lang="en-US" sz="2400" dirty="0" err="1"/>
+              <a:t>psql</a:t>
+            </a:r>
+            <a:r>
+              <a:rPr lang="en-US" sz="2400" dirty="0"/>
+              <a:t>, </a:t>
+            </a:r>
+            <a:r>
+              <a:rPr lang="en-US" sz="2400" dirty="0" err="1" smtClean="0"/>
+              <a:t>ssh</a:t>
+            </a:r>
+            <a:r>
+              <a:rPr lang="en-US" sz="2400" dirty="0" smtClean="0"/>
+              <a:t>, etc…</a:t>
+            </a:r>
+            <a:endParaRPr lang="en-US" sz="2400" dirty="0" smtClean="0"/>
+          </a:p>
+          <a:p>
+            <a:pPr marL="1261827" lvl="1" indent="-685800">
+              <a:buFont typeface="Arial" panose="020B0604020202020204" pitchFamily="34" charset="0"/>
+              <a:buChar char="•"/>
+            </a:pPr>
+            <a:r>
+              <a:rPr lang="en-US" sz="2400" dirty="0" err="1" smtClean="0"/>
+              <a:t>purché</a:t>
+            </a:r>
+            <a:r>
+              <a:rPr lang="en-US" sz="2400" dirty="0" smtClean="0"/>
               <a:t> </a:t>
             </a:r>
             <a:r>
-              <a:rPr lang="en-US" sz="2800" dirty="0" err="1" smtClean="0"/>
-              <a:t>installazione</a:t>
-            </a:r>
-            <a:r>
-              <a:rPr lang="en-US" sz="2800" dirty="0" smtClean="0"/>
-              <a:t> di </a:t>
-            </a:r>
-            <a:r>
-              <a:rPr lang="en-US" sz="2800" dirty="0" err="1" smtClean="0"/>
-              <a:t>Git</a:t>
-            </a:r>
-            <a:r>
-              <a:rPr lang="en-US" sz="2800" dirty="0" smtClean="0"/>
-              <a:t> (&gt;2.0.0)</a:t>
+              <a:rPr lang="en-US" sz="2400" dirty="0" err="1" smtClean="0"/>
+              <a:t>supporti</a:t>
+            </a:r>
+            <a:r>
+              <a:rPr lang="en-US" sz="2400" dirty="0" smtClean="0"/>
+              <a:t> </a:t>
+            </a:r>
+            <a:r>
+              <a:rPr lang="en-US" sz="2400" i="1" dirty="0" err="1" smtClean="0"/>
+              <a:t>stdin</a:t>
+            </a:r>
+            <a:r>
+              <a:rPr lang="en-US" sz="2400" i="1" dirty="0" smtClean="0"/>
+              <a:t>/</a:t>
+            </a:r>
+            <a:r>
+              <a:rPr lang="en-US" sz="2400" i="1" dirty="0" err="1" smtClean="0"/>
+              <a:t>stdout</a:t>
+            </a:r>
+            <a:r>
+              <a:rPr lang="en-US" sz="2400" i="1" dirty="0" smtClean="0"/>
+              <a:t>/</a:t>
+            </a:r>
+            <a:r>
+              <a:rPr lang="en-US" sz="2400" i="1" dirty="0" err="1" smtClean="0"/>
+              <a:t>stderr</a:t>
+            </a:r>
+            <a:r>
+              <a:rPr lang="en-US" sz="2400" dirty="0" smtClean="0"/>
+              <a:t> redirection</a:t>
             </a:r>
           </a:p>
           <a:p>
@@ -4002,45 +4068,32 @@
             </a:pPr>
             <a:r>
               <a:rPr lang="en-US" sz="2800" dirty="0" err="1" smtClean="0"/>
-              <a:t>Ereditato</a:t>
-            </a:r>
-            <a:r>
-              <a:rPr lang="en-US" sz="2800" dirty="0" smtClean="0"/>
-              <a:t> dal layer di Visual Studio Code</a:t>
-            </a:r>
-          </a:p>
-          <a:p>
-            <a:pPr marL="685800" indent="-685800">
+              <a:t>Configurabile</a:t>
+            </a:r>
+            <a:endParaRPr lang="en-US" sz="2800" dirty="0" smtClean="0"/>
+          </a:p>
+          <a:p>
+            <a:pPr marL="1261827" lvl="1" indent="-685800">
               <a:buFont typeface="Arial" panose="020B0604020202020204" pitchFamily="34" charset="0"/>
               <a:buChar char="•"/>
             </a:pPr>
             <a:r>
-              <a:rPr lang="en-US" sz="2800" dirty="0" smtClean="0"/>
-              <a:t>Ma non </a:t>
-            </a:r>
-            <a:r>
-              <a:rPr lang="en-US" sz="2800" dirty="0" err="1" smtClean="0"/>
-              <a:t>supporta</a:t>
-            </a:r>
-            <a:r>
-              <a:rPr lang="en-US" sz="2800" dirty="0" smtClean="0"/>
-              <a:t> (al </a:t>
-            </a:r>
-            <a:r>
-              <a:rPr lang="en-US" sz="2800" dirty="0" err="1" smtClean="0"/>
-              <a:t>momento</a:t>
-            </a:r>
-            <a:r>
-              <a:rPr lang="en-US" sz="2800" dirty="0" smtClean="0"/>
-              <a:t>) </a:t>
-            </a:r>
-            <a:r>
-              <a:rPr lang="en-US" sz="2800" dirty="0" err="1" smtClean="0"/>
-              <a:t>altri</a:t>
-            </a:r>
-            <a:r>
-              <a:rPr lang="en-US" sz="2800" dirty="0" smtClean="0"/>
-              <a:t> SCM provider</a:t>
+              <a:rPr lang="en-US" sz="2400" dirty="0"/>
+              <a:t>Terminal Display </a:t>
+            </a:r>
+            <a:r>
+              <a:rPr lang="en-US" sz="2400" dirty="0" smtClean="0"/>
+              <a:t>Settings</a:t>
+            </a:r>
+          </a:p>
+          <a:p>
+            <a:pPr marL="1261827" lvl="1" indent="-685800">
+              <a:buFont typeface="Arial" panose="020B0604020202020204" pitchFamily="34" charset="0"/>
+              <a:buChar char="•"/>
+            </a:pPr>
+            <a:r>
+              <a:rPr lang="en-US" sz="2400" dirty="0" smtClean="0"/>
+              <a:t>Terminal Key Bindings</a:t>
             </a:r>
             <a:endParaRPr lang="en-US" dirty="0"/>
           </a:p>
@@ -4056,7 +4109,7 @@
     </p:spTree>
     <p:extLst>
       <p:ext uri="{BB962C8B-B14F-4D97-AF65-F5344CB8AC3E}">
-        <p14:creationId xmlns:p14="http://schemas.microsoft.com/office/powerpoint/2010/main" val="4018986579"/>
+        <p14:creationId xmlns:p14="http://schemas.microsoft.com/office/powerpoint/2010/main" val="1179668645"/>
       </p:ext>
     </p:extLst>
   </p:cSld>
@@ -4092,186 +4145,6 @@
       </p:grpSpPr>
       <p:sp>
         <p:nvSpPr>
-          <p:cNvPr id="19" name="Content Placeholder 18"/>
-          <p:cNvSpPr>
-            <a:spLocks noGrp="1"/>
-          </p:cNvSpPr>
-          <p:nvPr>
-            <p:ph idx="1"/>
-          </p:nvPr>
-        </p:nvSpPr>
-        <p:spPr/>
-        <p:txBody>
-          <a:bodyPr/>
-          <a:lstStyle/>
-          <a:p>
-            <a:pPr marL="571500" indent="-571500">
-              <a:buFont typeface="Arial" panose="020B0604020202020204" pitchFamily="34" charset="0"/>
-              <a:buChar char="•"/>
-            </a:pPr>
-            <a:r>
-              <a:rPr lang="en-US" dirty="0" smtClean="0"/>
-              <a:t>Dare </a:t>
-            </a:r>
-            <a:r>
-              <a:rPr lang="en-US" dirty="0" err="1" smtClean="0"/>
-              <a:t>uno</a:t>
-            </a:r>
-            <a:r>
-              <a:rPr lang="en-US" dirty="0" smtClean="0"/>
-              <a:t> </a:t>
-            </a:r>
-            <a:r>
-              <a:rPr lang="en-US" dirty="0" err="1" smtClean="0"/>
-              <a:t>sguardo</a:t>
-            </a:r>
-            <a:r>
-              <a:rPr lang="en-US" dirty="0" smtClean="0"/>
-              <a:t> </a:t>
-            </a:r>
-            <a:r>
-              <a:rPr lang="en-US" dirty="0" err="1" smtClean="0"/>
-              <a:t>rapido</a:t>
-            </a:r>
-            <a:r>
-              <a:rPr lang="en-US" dirty="0" smtClean="0"/>
-              <a:t> a </a:t>
-            </a:r>
-            <a:r>
-              <a:rPr lang="en-US" dirty="0" err="1" smtClean="0"/>
-              <a:t>cosa</a:t>
-            </a:r>
-            <a:r>
-              <a:rPr lang="en-US" dirty="0" smtClean="0"/>
-              <a:t> </a:t>
-            </a:r>
-            <a:r>
-              <a:rPr lang="en-US" dirty="0" err="1" smtClean="0"/>
-              <a:t>succede</a:t>
-            </a:r>
-            <a:r>
-              <a:rPr lang="en-US" dirty="0" smtClean="0"/>
-              <a:t> </a:t>
-            </a:r>
-            <a:r>
-              <a:rPr lang="en-US" dirty="0" err="1" smtClean="0"/>
-              <a:t>nel</a:t>
-            </a:r>
-            <a:r>
-              <a:rPr lang="en-US" dirty="0" smtClean="0"/>
-              <a:t> </a:t>
-            </a:r>
-            <a:r>
-              <a:rPr lang="en-US" dirty="0" err="1" smtClean="0"/>
-              <a:t>sistema</a:t>
-            </a:r>
-            <a:endParaRPr lang="en-US" dirty="0" smtClean="0"/>
-          </a:p>
-          <a:p>
-            <a:pPr marL="571500" indent="-571500">
-              <a:buFont typeface="Arial" panose="020B0604020202020204" pitchFamily="34" charset="0"/>
-              <a:buChar char="•"/>
-            </a:pPr>
-            <a:r>
-              <a:rPr lang="en-US" dirty="0" err="1" smtClean="0"/>
-              <a:t>Entrare</a:t>
-            </a:r>
-            <a:r>
-              <a:rPr lang="en-US" dirty="0" smtClean="0"/>
-              <a:t> </a:t>
-            </a:r>
-            <a:r>
-              <a:rPr lang="en-US" dirty="0" err="1" smtClean="0"/>
-              <a:t>nei</a:t>
-            </a:r>
-            <a:r>
-              <a:rPr lang="en-US" dirty="0" smtClean="0"/>
-              <a:t> </a:t>
-            </a:r>
-            <a:r>
-              <a:rPr lang="en-US" dirty="0" err="1" smtClean="0"/>
-              <a:t>dettagli</a:t>
-            </a:r>
-            <a:endParaRPr lang="en-US" dirty="0" smtClean="0"/>
-          </a:p>
-          <a:p>
-            <a:pPr marL="571500" indent="-571500">
-              <a:buFont typeface="Arial" panose="020B0604020202020204" pitchFamily="34" charset="0"/>
-              <a:buChar char="•"/>
-            </a:pPr>
-            <a:r>
-              <a:rPr lang="en-US" dirty="0" err="1" smtClean="0"/>
-              <a:t>Prendere</a:t>
-            </a:r>
-            <a:r>
-              <a:rPr lang="en-US" dirty="0" smtClean="0"/>
-              <a:t> </a:t>
-            </a:r>
-            <a:r>
-              <a:rPr lang="en-US" dirty="0" err="1" smtClean="0"/>
-              <a:t>decisioni</a:t>
-            </a:r>
-            <a:r>
-              <a:rPr lang="en-US" dirty="0" smtClean="0"/>
-              <a:t> </a:t>
-            </a:r>
-            <a:r>
-              <a:rPr lang="en-US" dirty="0" err="1" smtClean="0"/>
-              <a:t>attraverso</a:t>
-            </a:r>
-            <a:r>
-              <a:rPr lang="en-US" dirty="0" smtClean="0"/>
-              <a:t> le Insight Action </a:t>
-            </a:r>
-          </a:p>
-          <a:p>
-            <a:pPr marL="1147527" lvl="1" indent="-571500">
-              <a:buFont typeface="Arial" panose="020B0604020202020204" pitchFamily="34" charset="0"/>
-              <a:buChar char="•"/>
-            </a:pPr>
-            <a:r>
-              <a:rPr lang="en-US" dirty="0" smtClean="0"/>
-              <a:t>non </a:t>
-            </a:r>
-            <a:r>
-              <a:rPr lang="en-US" dirty="0" err="1" smtClean="0"/>
-              <a:t>disponibile</a:t>
-            </a:r>
-            <a:r>
-              <a:rPr lang="en-US" dirty="0" smtClean="0"/>
-              <a:t> in Preview! </a:t>
-            </a:r>
-          </a:p>
-          <a:p>
-            <a:pPr marL="571500" indent="-571500">
-              <a:buFont typeface="Arial" panose="020B0604020202020204" pitchFamily="34" charset="0"/>
-              <a:buChar char="•"/>
-            </a:pPr>
-            <a:r>
-              <a:rPr lang="en-US" dirty="0" err="1" smtClean="0"/>
-              <a:t>Completamente</a:t>
-            </a:r>
-            <a:r>
-              <a:rPr lang="en-US" dirty="0" smtClean="0"/>
-              <a:t> </a:t>
-            </a:r>
-            <a:r>
-              <a:rPr lang="en-US" dirty="0" err="1" smtClean="0"/>
-              <a:t>personalizzabile</a:t>
-            </a:r>
-            <a:endParaRPr lang="en-US" dirty="0" smtClean="0"/>
-          </a:p>
-          <a:p>
-            <a:pPr marL="571500" indent="-571500">
-              <a:buFont typeface="Arial" panose="020B0604020202020204" pitchFamily="34" charset="0"/>
-              <a:buChar char="•"/>
-            </a:pPr>
-            <a:endParaRPr lang="en-US" dirty="0"/>
-          </a:p>
-        </p:txBody>
-      </p:sp>
-      <p:sp>
-        <p:nvSpPr>
           <p:cNvPr id="18" name="Title 17"/>
           <p:cNvSpPr>
             <a:spLocks noGrp="1"/>
@@ -4287,65 +4160,210 @@
           <a:p>
             <a:r>
               <a:rPr lang="en-US" dirty="0" smtClean="0"/>
-              <a:t>Dashboard &amp; </a:t>
-            </a:r>
-            <a:r>
-              <a:rPr lang="en-US" dirty="0" smtClean="0"/>
-              <a:t>Insights </a:t>
-            </a:r>
-            <a:r>
-              <a:rPr lang="en-US" sz="2800" dirty="0" smtClean="0"/>
-              <a:t>(la parte Ops)</a:t>
+              <a:t>User e workspace settings</a:t>
             </a:r>
             <a:endParaRPr lang="en-US" dirty="0"/>
           </a:p>
         </p:txBody>
       </p:sp>
-      <p:pic>
-        <p:nvPicPr>
-          <p:cNvPr id="2054" name="Picture 6" descr="Warning, Yellow, Attention, Exclamation Mark"/>
-          <p:cNvPicPr>
-            <a:picLocks noChangeAspect="1" noChangeArrowheads="1"/>
-          </p:cNvPicPr>
-          <p:nvPr/>
-        </p:nvPicPr>
-        <p:blipFill>
-          <a:blip r:embed="rId2">
-            <a:extLst>
-              <a:ext uri="{28A0092B-C50C-407E-A947-70E740481C1C}">
-                <a14:useLocalDpi xmlns:a14="http://schemas.microsoft.com/office/drawing/2010/main" val="0"/>
-              </a:ext>
-            </a:extLst>
-          </a:blip>
-          <a:srcRect/>
-          <a:stretch>
-            <a:fillRect/>
-          </a:stretch>
-        </p:blipFill>
-        <p:spPr bwMode="auto">
-          <a:xfrm flipH="1">
-            <a:off x="6588387" y="3901440"/>
-            <a:ext cx="586449" cy="537206"/>
+      <p:sp>
+        <p:nvSpPr>
+          <p:cNvPr id="19" name="Content Placeholder 18"/>
+          <p:cNvSpPr>
+            <a:spLocks noGrp="1"/>
+          </p:cNvSpPr>
+          <p:nvPr>
+            <p:ph idx="1"/>
+          </p:nvPr>
+        </p:nvSpPr>
+        <p:spPr>
+          <a:xfrm>
+            <a:off x="360125" y="1439813"/>
+            <a:ext cx="10800000" cy="4511044"/>
           </a:xfrm>
-          <a:prstGeom prst="rect">
-            <a:avLst/>
-          </a:prstGeom>
-          <a:noFill/>
-          <a:extLst>
-            <a:ext uri="{909E8E84-426E-40DD-AFC4-6F175D3DCCD1}">
-              <a14:hiddenFill xmlns:a14="http://schemas.microsoft.com/office/drawing/2010/main">
-                <a:solidFill>
-                  <a:srgbClr val="FFFFFF"/>
-                </a:solidFill>
-              </a14:hiddenFill>
-            </a:ext>
-          </a:extLst>
         </p:spPr>
-      </p:pic>
+        <p:txBody>
+          <a:bodyPr>
+            <a:noAutofit/>
+          </a:bodyPr>
+          <a:lstStyle/>
+          <a:p>
+            <a:pPr marL="685800" indent="-685800">
+              <a:buFont typeface="Arial" panose="020B0604020202020204" pitchFamily="34" charset="0"/>
+              <a:buChar char="•"/>
+            </a:pPr>
+            <a:r>
+              <a:rPr lang="en-US" sz="2800" dirty="0" err="1" smtClean="0"/>
+              <a:t>Possibilità</a:t>
+            </a:r>
+            <a:r>
+              <a:rPr lang="en-US" sz="2800" dirty="0" smtClean="0"/>
+              <a:t> di </a:t>
+            </a:r>
+            <a:r>
+              <a:rPr lang="en-US" sz="2800" dirty="0" err="1" smtClean="0"/>
+              <a:t>impostare</a:t>
+            </a:r>
+            <a:r>
+              <a:rPr lang="en-US" sz="2800" dirty="0" smtClean="0"/>
+              <a:t> un folder di </a:t>
+            </a:r>
+            <a:r>
+              <a:rPr lang="en-US" sz="2800" dirty="0" err="1" smtClean="0"/>
+              <a:t>lavoro</a:t>
+            </a:r>
+            <a:endParaRPr lang="en-US" sz="2800" dirty="0" smtClean="0"/>
+          </a:p>
+          <a:p>
+            <a:pPr marL="685800" indent="-685800">
+              <a:buFont typeface="Arial" panose="020B0604020202020204" pitchFamily="34" charset="0"/>
+              <a:buChar char="•"/>
+            </a:pPr>
+            <a:r>
+              <a:rPr lang="en-US" sz="2800" dirty="0" err="1" smtClean="0"/>
+              <a:t>Possibilità</a:t>
+            </a:r>
+            <a:r>
+              <a:rPr lang="en-US" sz="2800" dirty="0" smtClean="0"/>
+              <a:t> di </a:t>
+            </a:r>
+            <a:r>
+              <a:rPr lang="en-US" sz="2800" dirty="0" err="1" smtClean="0"/>
+              <a:t>personalizzare</a:t>
+            </a:r>
+            <a:r>
+              <a:rPr lang="en-US" sz="2800" dirty="0" smtClean="0"/>
+              <a:t> </a:t>
+            </a:r>
+            <a:r>
+              <a:rPr lang="en-US" sz="2800" dirty="0" err="1" smtClean="0"/>
+              <a:t>praticamente</a:t>
+            </a:r>
+            <a:r>
+              <a:rPr lang="en-US" sz="2800" dirty="0" smtClean="0"/>
+              <a:t> </a:t>
+            </a:r>
+            <a:r>
+              <a:rPr lang="en-US" sz="2800" dirty="0" err="1" smtClean="0"/>
+              <a:t>tutto</a:t>
+            </a:r>
+            <a:endParaRPr lang="en-US" sz="2800" dirty="0" smtClean="0"/>
+          </a:p>
+          <a:p>
+            <a:pPr marL="1261827" lvl="1" indent="-685800">
+              <a:buFont typeface="Arial" panose="020B0604020202020204" pitchFamily="34" charset="0"/>
+              <a:buChar char="•"/>
+            </a:pPr>
+            <a:r>
+              <a:rPr lang="en-US" sz="2000" dirty="0" smtClean="0"/>
+              <a:t>Editor, </a:t>
+            </a:r>
+            <a:r>
+              <a:rPr lang="en-US" sz="2000" dirty="0" smtClean="0"/>
+              <a:t>UI e </a:t>
+            </a:r>
+            <a:r>
+              <a:rPr lang="en-US" sz="2000" dirty="0" smtClean="0"/>
+              <a:t>Functional behavior</a:t>
+            </a:r>
+            <a:endParaRPr lang="en-US" sz="2000" dirty="0" smtClean="0"/>
+          </a:p>
+          <a:p>
+            <a:pPr marL="685800" indent="-685800">
+              <a:buFont typeface="Arial" panose="020B0604020202020204" pitchFamily="34" charset="0"/>
+              <a:buChar char="•"/>
+            </a:pPr>
+            <a:r>
+              <a:rPr lang="en-US" sz="2800" dirty="0" smtClean="0"/>
+              <a:t>Due </a:t>
+            </a:r>
+            <a:r>
+              <a:rPr lang="en-US" sz="2800" dirty="0" err="1" smtClean="0"/>
+              <a:t>diversi</a:t>
+            </a:r>
+            <a:r>
+              <a:rPr lang="en-US" sz="2800" dirty="0" smtClean="0"/>
+              <a:t> scope</a:t>
+            </a:r>
+            <a:endParaRPr lang="en-US" sz="2800" dirty="0" smtClean="0"/>
+          </a:p>
+          <a:p>
+            <a:pPr marL="1261827" lvl="1" indent="-685800">
+              <a:buFont typeface="Arial" panose="020B0604020202020204" pitchFamily="34" charset="0"/>
+              <a:buChar char="•"/>
+            </a:pPr>
+            <a:r>
+              <a:rPr lang="en-US" sz="2400" dirty="0" smtClean="0"/>
+              <a:t>User settings</a:t>
+            </a:r>
+            <a:endParaRPr lang="en-US" sz="2400" dirty="0" smtClean="0"/>
+          </a:p>
+          <a:p>
+            <a:pPr marL="1261827" lvl="1" indent="-685800">
+              <a:buFont typeface="Arial" panose="020B0604020202020204" pitchFamily="34" charset="0"/>
+              <a:buChar char="•"/>
+            </a:pPr>
+            <a:r>
+              <a:rPr lang="en-US" sz="2400" dirty="0" smtClean="0"/>
+              <a:t>Workspace settings</a:t>
+            </a:r>
+          </a:p>
+          <a:p>
+            <a:pPr marL="685800" indent="-685800">
+              <a:buFont typeface="Arial" panose="020B0604020202020204" pitchFamily="34" charset="0"/>
+              <a:buChar char="•"/>
+            </a:pPr>
+            <a:r>
+              <a:rPr lang="en-US" sz="2800" dirty="0" err="1" smtClean="0"/>
+              <a:t>Alcuni</a:t>
+            </a:r>
+            <a:r>
+              <a:rPr lang="en-US" sz="2800" dirty="0" smtClean="0"/>
+              <a:t> settings “</a:t>
+            </a:r>
+            <a:r>
+              <a:rPr lang="en-US" sz="2800" dirty="0" err="1" smtClean="0"/>
+              <a:t>famosi</a:t>
+            </a:r>
+            <a:r>
+              <a:rPr lang="en-US" sz="2800" dirty="0" smtClean="0"/>
+              <a:t>”</a:t>
+            </a:r>
+          </a:p>
+          <a:p>
+            <a:pPr marL="1261827" lvl="1" indent="-685800">
+              <a:buFont typeface="Arial" panose="020B0604020202020204" pitchFamily="34" charset="0"/>
+              <a:buChar char="•"/>
+            </a:pPr>
+            <a:r>
+              <a:rPr lang="en-US" sz="2400" dirty="0" smtClean="0"/>
+              <a:t>Hot Exit</a:t>
+            </a:r>
+          </a:p>
+          <a:p>
+            <a:pPr marL="1261827" lvl="1" indent="-685800">
+              <a:buFont typeface="Arial" panose="020B0604020202020204" pitchFamily="34" charset="0"/>
+              <a:buChar char="•"/>
+            </a:pPr>
+            <a:r>
+              <a:rPr lang="en-US" sz="2400" dirty="0" smtClean="0"/>
+              <a:t>Tab Color</a:t>
+            </a:r>
+            <a:endParaRPr lang="en-US" sz="2400" dirty="0"/>
+          </a:p>
+          <a:p>
+            <a:pPr marL="1261827" lvl="1" indent="-685800">
+              <a:buFont typeface="Arial" panose="020B0604020202020204" pitchFamily="34" charset="0"/>
+              <a:buChar char="•"/>
+            </a:pPr>
+            <a:endParaRPr lang="en-US" sz="2400" dirty="0"/>
+          </a:p>
+        </p:txBody>
+      </p:sp>
     </p:spTree>
     <p:extLst>
       <p:ext uri="{BB962C8B-B14F-4D97-AF65-F5344CB8AC3E}">
-        <p14:creationId xmlns:p14="http://schemas.microsoft.com/office/powerpoint/2010/main" val="3582388964"/>
+        <p14:creationId xmlns:p14="http://schemas.microsoft.com/office/powerpoint/2010/main" val="2722836913"/>
       </p:ext>
     </p:extLst>
   </p:cSld>
@@ -4396,7 +4414,7 @@
           <a:p>
             <a:r>
               <a:rPr lang="en-US" dirty="0" smtClean="0"/>
-              <a:t>Extensibility</a:t>
+              <a:t>Source Control</a:t>
             </a:r>
             <a:endParaRPr lang="en-US" dirty="0"/>
           </a:p>
@@ -4412,65 +4430,201 @@
             <p:ph idx="1"/>
           </p:nvPr>
         </p:nvSpPr>
-        <p:spPr/>
+        <p:spPr>
+          <a:xfrm>
+            <a:off x="360125" y="1439813"/>
+            <a:ext cx="10800000" cy="4511044"/>
+          </a:xfrm>
+        </p:spPr>
         <p:txBody>
-          <a:bodyPr/>
+          <a:bodyPr>
+            <a:noAutofit/>
+          </a:bodyPr>
           <a:lstStyle/>
           <a:p>
-            <a:r>
-              <a:rPr lang="en-US" dirty="0" smtClean="0"/>
-              <a:t>Insight Extensibility</a:t>
-            </a:r>
-          </a:p>
-          <a:p>
-            <a:endParaRPr lang="en-US" dirty="0"/>
-          </a:p>
-          <a:p>
-            <a:r>
-              <a:rPr lang="en-US" dirty="0" smtClean="0"/>
-              <a:t>UI Extensibility</a:t>
-            </a:r>
-          </a:p>
-          <a:p>
-            <a:endParaRPr lang="en-US" dirty="0" smtClean="0"/>
-          </a:p>
-          <a:p>
-            <a:r>
-              <a:rPr lang="en-US" dirty="0" smtClean="0"/>
-              <a:t>Database Management Protocol (DMP)</a:t>
-            </a:r>
-          </a:p>
-          <a:p>
-            <a:r>
-              <a:rPr lang="en-US" sz="2400" dirty="0">
-                <a:hlinkClick r:id="rId2"/>
-              </a:rPr>
-              <a:t>https://</a:t>
-            </a:r>
-            <a:r>
-              <a:rPr lang="en-US" sz="2400" dirty="0" smtClean="0">
-                <a:hlinkClick r:id="rId2"/>
-              </a:rPr>
-              <a:t>github.com/Microsoft/sqltoolsservice</a:t>
-            </a:r>
-            <a:endParaRPr lang="en-US" dirty="0" smtClean="0"/>
-          </a:p>
-          <a:p>
-            <a:endParaRPr lang="en-US" dirty="0" smtClean="0"/>
-          </a:p>
-          <a:p>
-            <a:pPr marL="571500" indent="-571500">
+            <a:pPr marL="685800" indent="-685800">
               <a:buFont typeface="Arial" panose="020B0604020202020204" pitchFamily="34" charset="0"/>
               <a:buChar char="•"/>
             </a:pPr>
-            <a:endParaRPr lang="en-US" dirty="0"/>
+            <a:r>
+              <a:rPr lang="en-US" sz="2800" dirty="0" err="1" smtClean="0"/>
+              <a:t>Git</a:t>
+            </a:r>
+            <a:r>
+              <a:rPr lang="en-US" sz="2800" dirty="0" smtClean="0"/>
+              <a:t> Source Control Manager (SMC) by default</a:t>
+            </a:r>
+          </a:p>
+          <a:p>
+            <a:pPr marL="685800" indent="-685800">
+              <a:buFont typeface="Arial" panose="020B0604020202020204" pitchFamily="34" charset="0"/>
+              <a:buChar char="•"/>
+            </a:pPr>
+            <a:r>
+              <a:rPr lang="en-US" sz="2800" dirty="0" err="1" smtClean="0"/>
+              <a:t>Richiede</a:t>
+            </a:r>
+            <a:r>
+              <a:rPr lang="en-US" sz="2800" dirty="0" smtClean="0"/>
+              <a:t> </a:t>
+            </a:r>
+            <a:r>
+              <a:rPr lang="en-US" sz="2800" dirty="0" err="1" smtClean="0"/>
+              <a:t>installazione</a:t>
+            </a:r>
+            <a:r>
+              <a:rPr lang="en-US" sz="2800" dirty="0" smtClean="0"/>
+              <a:t> di </a:t>
+            </a:r>
+            <a:r>
+              <a:rPr lang="en-US" sz="2800" dirty="0" err="1" smtClean="0"/>
+              <a:t>Git</a:t>
+            </a:r>
+            <a:r>
+              <a:rPr lang="en-US" sz="2800" dirty="0" smtClean="0"/>
+              <a:t> (&gt;2.0.0)</a:t>
+            </a:r>
+          </a:p>
+          <a:p>
+            <a:pPr marL="685800" indent="-685800">
+              <a:buFont typeface="Arial" panose="020B0604020202020204" pitchFamily="34" charset="0"/>
+              <a:buChar char="•"/>
+            </a:pPr>
+            <a:r>
+              <a:rPr lang="en-US" sz="2800" dirty="0" err="1" smtClean="0"/>
+              <a:t>Ereditato</a:t>
+            </a:r>
+            <a:r>
+              <a:rPr lang="en-US" sz="2800" dirty="0" smtClean="0"/>
+              <a:t> dal layer di Visual Studio Code</a:t>
+            </a:r>
+          </a:p>
+          <a:p>
+            <a:pPr marL="685800" indent="-685800">
+              <a:buFont typeface="Arial" panose="020B0604020202020204" pitchFamily="34" charset="0"/>
+              <a:buChar char="•"/>
+            </a:pPr>
+            <a:r>
+              <a:rPr lang="en-US" sz="2800" dirty="0" smtClean="0"/>
+              <a:t>Ma non </a:t>
+            </a:r>
+            <a:r>
+              <a:rPr lang="en-US" sz="2800" dirty="0" err="1" smtClean="0"/>
+              <a:t>supporta</a:t>
+            </a:r>
+            <a:r>
+              <a:rPr lang="en-US" sz="2800" dirty="0" smtClean="0"/>
+              <a:t> (al </a:t>
+            </a:r>
+            <a:r>
+              <a:rPr lang="en-US" sz="2800" dirty="0" err="1" smtClean="0"/>
+              <a:t>momento</a:t>
+            </a:r>
+            <a:r>
+              <a:rPr lang="en-US" sz="2800" dirty="0" smtClean="0"/>
+              <a:t>) </a:t>
+            </a:r>
+            <a:r>
+              <a:rPr lang="en-US" sz="2800" dirty="0" err="1" smtClean="0"/>
+              <a:t>altri</a:t>
+            </a:r>
+            <a:r>
+              <a:rPr lang="en-US" sz="2800" dirty="0" smtClean="0"/>
+              <a:t> SCM </a:t>
+            </a:r>
+            <a:r>
+              <a:rPr lang="en-US" sz="2800" dirty="0" smtClean="0"/>
+              <a:t>provider</a:t>
+            </a:r>
+          </a:p>
+          <a:p>
+            <a:pPr marL="685800" indent="-685800">
+              <a:buFont typeface="Arial" panose="020B0604020202020204" pitchFamily="34" charset="0"/>
+              <a:buChar char="•"/>
+            </a:pPr>
+            <a:endParaRPr lang="en-US" sz="2800" dirty="0" smtClean="0"/>
+          </a:p>
+          <a:p>
+            <a:pPr marL="685800" indent="-685800">
+              <a:buFont typeface="Arial" panose="020B0604020202020204" pitchFamily="34" charset="0"/>
+              <a:buChar char="•"/>
+            </a:pPr>
+            <a:r>
+              <a:rPr lang="en-US" sz="2800" dirty="0" smtClean="0"/>
+              <a:t>Versioning </a:t>
+            </a:r>
+            <a:r>
+              <a:rPr lang="en-US" sz="2800" dirty="0" err="1" smtClean="0"/>
+              <a:t>dei</a:t>
+            </a:r>
+            <a:r>
+              <a:rPr lang="en-US" sz="2800" dirty="0" smtClean="0"/>
+              <a:t> workspace e non </a:t>
+            </a:r>
+            <a:r>
+              <a:rPr lang="en-US" sz="2800" dirty="0" err="1" smtClean="0"/>
+              <a:t>dei</a:t>
+            </a:r>
+            <a:r>
+              <a:rPr lang="en-US" sz="2800" dirty="0" smtClean="0"/>
+              <a:t> database schema!</a:t>
+            </a:r>
+            <a:endParaRPr lang="en-US" sz="2800" dirty="0"/>
+          </a:p>
+          <a:p>
+            <a:pPr marL="1261827" lvl="1" indent="-685800">
+              <a:buFont typeface="Arial" panose="020B0604020202020204" pitchFamily="34" charset="0"/>
+              <a:buChar char="•"/>
+            </a:pPr>
+            <a:endParaRPr lang="en-US" sz="2800" dirty="0"/>
           </a:p>
         </p:txBody>
       </p:sp>
+      <p:pic>
+        <p:nvPicPr>
+          <p:cNvPr id="4" name="Picture 6" descr="Warning, Yellow, Attention, Exclamation Mark"/>
+          <p:cNvPicPr>
+            <a:picLocks noChangeAspect="1" noChangeArrowheads="1"/>
+          </p:cNvPicPr>
+          <p:nvPr/>
+        </p:nvPicPr>
+        <p:blipFill>
+          <a:blip r:embed="rId2">
+            <a:extLst>
+              <a:ext uri="{28A0092B-C50C-407E-A947-70E740481C1C}">
+                <a14:useLocalDpi xmlns:a14="http://schemas.microsoft.com/office/drawing/2010/main" val="0"/>
+              </a:ext>
+            </a:extLst>
+          </a:blip>
+          <a:srcRect/>
+          <a:stretch>
+            <a:fillRect/>
+          </a:stretch>
+        </p:blipFill>
+        <p:spPr bwMode="auto">
+          <a:xfrm flipH="1">
+            <a:off x="9788787" y="3901440"/>
+            <a:ext cx="586449" cy="537206"/>
+          </a:xfrm>
+          <a:prstGeom prst="rect">
+            <a:avLst/>
+          </a:prstGeom>
+          <a:noFill/>
+          <a:extLst>
+            <a:ext uri="{909E8E84-426E-40DD-AFC4-6F175D3DCCD1}">
+              <a14:hiddenFill xmlns:a14="http://schemas.microsoft.com/office/drawing/2010/main">
+                <a:solidFill>
+                  <a:srgbClr val="FFFFFF"/>
+                </a:solidFill>
+              </a14:hiddenFill>
+            </a:ext>
+          </a:extLst>
+        </p:spPr>
+      </p:pic>
     </p:spTree>
     <p:extLst>
       <p:ext uri="{BB962C8B-B14F-4D97-AF65-F5344CB8AC3E}">
-        <p14:creationId xmlns:p14="http://schemas.microsoft.com/office/powerpoint/2010/main" val="417046416"/>
+        <p14:creationId xmlns:p14="http://schemas.microsoft.com/office/powerpoint/2010/main" val="4018986579"/>
       </p:ext>
     </p:extLst>
   </p:cSld>
@@ -4506,7 +4660,187 @@
       </p:grpSpPr>
       <p:sp>
         <p:nvSpPr>
-          <p:cNvPr id="2" name="Title 1"/>
+          <p:cNvPr id="19" name="Content Placeholder 18"/>
+          <p:cNvSpPr>
+            <a:spLocks noGrp="1"/>
+          </p:cNvSpPr>
+          <p:nvPr>
+            <p:ph idx="1"/>
+          </p:nvPr>
+        </p:nvSpPr>
+        <p:spPr/>
+        <p:txBody>
+          <a:bodyPr/>
+          <a:lstStyle/>
+          <a:p>
+            <a:pPr marL="571500" indent="-571500">
+              <a:buFont typeface="Arial" panose="020B0604020202020204" pitchFamily="34" charset="0"/>
+              <a:buChar char="•"/>
+            </a:pPr>
+            <a:r>
+              <a:rPr lang="en-US" sz="3200" dirty="0" smtClean="0"/>
+              <a:t>Dare </a:t>
+            </a:r>
+            <a:r>
+              <a:rPr lang="en-US" sz="3200" dirty="0" err="1" smtClean="0"/>
+              <a:t>uno</a:t>
+            </a:r>
+            <a:r>
+              <a:rPr lang="en-US" sz="3200" dirty="0" smtClean="0"/>
+              <a:t> </a:t>
+            </a:r>
+            <a:r>
+              <a:rPr lang="en-US" sz="3200" dirty="0" err="1" smtClean="0"/>
+              <a:t>sguardo</a:t>
+            </a:r>
+            <a:r>
+              <a:rPr lang="en-US" sz="3200" dirty="0" smtClean="0"/>
+              <a:t> </a:t>
+            </a:r>
+            <a:r>
+              <a:rPr lang="en-US" sz="3200" dirty="0" err="1" smtClean="0"/>
+              <a:t>rapido</a:t>
+            </a:r>
+            <a:r>
+              <a:rPr lang="en-US" sz="3200" dirty="0" smtClean="0"/>
+              <a:t> a </a:t>
+            </a:r>
+            <a:r>
+              <a:rPr lang="en-US" sz="3200" dirty="0" err="1" smtClean="0"/>
+              <a:t>cosa</a:t>
+            </a:r>
+            <a:r>
+              <a:rPr lang="en-US" sz="3200" dirty="0" smtClean="0"/>
+              <a:t> </a:t>
+            </a:r>
+            <a:r>
+              <a:rPr lang="en-US" sz="3200" dirty="0" err="1" smtClean="0"/>
+              <a:t>succede</a:t>
+            </a:r>
+            <a:r>
+              <a:rPr lang="en-US" sz="3200" dirty="0" smtClean="0"/>
+              <a:t> </a:t>
+            </a:r>
+            <a:r>
+              <a:rPr lang="en-US" sz="3200" dirty="0" err="1" smtClean="0"/>
+              <a:t>nel</a:t>
+            </a:r>
+            <a:r>
+              <a:rPr lang="en-US" sz="3200" dirty="0" smtClean="0"/>
+              <a:t> </a:t>
+            </a:r>
+            <a:r>
+              <a:rPr lang="en-US" sz="3200" dirty="0" err="1" smtClean="0"/>
+              <a:t>sistema</a:t>
+            </a:r>
+            <a:endParaRPr lang="en-US" sz="3200" dirty="0" smtClean="0"/>
+          </a:p>
+          <a:p>
+            <a:pPr marL="571500" indent="-571500">
+              <a:buFont typeface="Arial" panose="020B0604020202020204" pitchFamily="34" charset="0"/>
+              <a:buChar char="•"/>
+            </a:pPr>
+            <a:r>
+              <a:rPr lang="en-US" sz="3200" dirty="0" err="1" smtClean="0"/>
+              <a:t>Entrare</a:t>
+            </a:r>
+            <a:r>
+              <a:rPr lang="en-US" sz="3200" dirty="0" smtClean="0"/>
+              <a:t> </a:t>
+            </a:r>
+            <a:r>
+              <a:rPr lang="en-US" sz="3200" dirty="0" err="1" smtClean="0"/>
+              <a:t>nei</a:t>
+            </a:r>
+            <a:r>
+              <a:rPr lang="en-US" sz="3200" dirty="0" smtClean="0"/>
+              <a:t> </a:t>
+            </a:r>
+            <a:r>
+              <a:rPr lang="en-US" sz="3200" dirty="0" err="1" smtClean="0"/>
+              <a:t>dettagli</a:t>
+            </a:r>
+            <a:endParaRPr lang="en-US" sz="3200" dirty="0" smtClean="0"/>
+          </a:p>
+          <a:p>
+            <a:pPr marL="571500" indent="-571500">
+              <a:buFont typeface="Arial" panose="020B0604020202020204" pitchFamily="34" charset="0"/>
+              <a:buChar char="•"/>
+            </a:pPr>
+            <a:r>
+              <a:rPr lang="en-US" sz="3200" dirty="0" err="1" smtClean="0"/>
+              <a:t>Prendere</a:t>
+            </a:r>
+            <a:r>
+              <a:rPr lang="en-US" sz="3200" dirty="0" smtClean="0"/>
+              <a:t> </a:t>
+            </a:r>
+            <a:r>
+              <a:rPr lang="en-US" sz="3200" dirty="0" err="1" smtClean="0"/>
+              <a:t>decisioni</a:t>
+            </a:r>
+            <a:r>
+              <a:rPr lang="en-US" sz="3200" dirty="0" smtClean="0"/>
+              <a:t> </a:t>
+            </a:r>
+            <a:r>
+              <a:rPr lang="en-US" sz="3200" dirty="0" err="1" smtClean="0"/>
+              <a:t>attraverso</a:t>
+            </a:r>
+            <a:r>
+              <a:rPr lang="en-US" sz="3200" dirty="0" smtClean="0"/>
+              <a:t> le Insight Action </a:t>
+            </a:r>
+          </a:p>
+          <a:p>
+            <a:pPr marL="1147527" lvl="1" indent="-571500">
+              <a:buFont typeface="Arial" panose="020B0604020202020204" pitchFamily="34" charset="0"/>
+              <a:buChar char="•"/>
+            </a:pPr>
+            <a:r>
+              <a:rPr lang="en-US" sz="2800" dirty="0" smtClean="0"/>
+              <a:t>non </a:t>
+            </a:r>
+            <a:r>
+              <a:rPr lang="en-US" sz="2800" dirty="0" err="1" smtClean="0"/>
+              <a:t>disponibile</a:t>
+            </a:r>
+            <a:r>
+              <a:rPr lang="en-US" sz="2800" dirty="0" smtClean="0"/>
+              <a:t> in Preview! </a:t>
+            </a:r>
+          </a:p>
+          <a:p>
+            <a:pPr marL="571500" indent="-571500">
+              <a:buFont typeface="Arial" panose="020B0604020202020204" pitchFamily="34" charset="0"/>
+              <a:buChar char="•"/>
+            </a:pPr>
+            <a:r>
+              <a:rPr lang="en-US" sz="3200" dirty="0" err="1" smtClean="0"/>
+              <a:t>Completamente</a:t>
+            </a:r>
+            <a:r>
+              <a:rPr lang="en-US" sz="3200" dirty="0" smtClean="0"/>
+              <a:t> </a:t>
+            </a:r>
+            <a:r>
+              <a:rPr lang="en-US" sz="3200" dirty="0" err="1" smtClean="0"/>
+              <a:t>personalizzabile</a:t>
+            </a:r>
+            <a:endParaRPr lang="en-US" sz="3200" dirty="0" smtClean="0"/>
+          </a:p>
+          <a:p>
+            <a:pPr marL="571500" indent="-571500">
+              <a:buFont typeface="Arial" panose="020B0604020202020204" pitchFamily="34" charset="0"/>
+              <a:buChar char="•"/>
+            </a:pPr>
+            <a:endParaRPr lang="en-US" dirty="0"/>
+          </a:p>
+        </p:txBody>
+      </p:sp>
+      <p:sp>
+        <p:nvSpPr>
+          <p:cNvPr id="18" name="Title 17"/>
           <p:cNvSpPr>
             <a:spLocks noGrp="1"/>
           </p:cNvSpPr>
@@ -4520,17 +4854,62 @@
           <a:lstStyle/>
           <a:p>
             <a:r>
-              <a:rPr lang="it-IT" dirty="0" smtClean="0"/>
-              <a:t>DEMO</a:t>
-            </a:r>
-            <a:endParaRPr lang="it-IT" dirty="0"/>
+              <a:rPr lang="en-US" dirty="0" smtClean="0"/>
+              <a:t>Dashboard &amp; Insights </a:t>
+            </a:r>
+            <a:r>
+              <a:rPr lang="en-US" sz="2800" dirty="0" smtClean="0"/>
+              <a:t>(la parte Ops)</a:t>
+            </a:r>
+            <a:endParaRPr lang="en-US" dirty="0"/>
           </a:p>
         </p:txBody>
       </p:sp>
+      <p:pic>
+        <p:nvPicPr>
+          <p:cNvPr id="2054" name="Picture 6" descr="Warning, Yellow, Attention, Exclamation Mark"/>
+          <p:cNvPicPr>
+            <a:picLocks noChangeAspect="1" noChangeArrowheads="1"/>
+          </p:cNvPicPr>
+          <p:nvPr/>
+        </p:nvPicPr>
+        <p:blipFill>
+          <a:blip r:embed="rId2">
+            <a:extLst>
+              <a:ext uri="{28A0092B-C50C-407E-A947-70E740481C1C}">
+                <a14:useLocalDpi xmlns:a14="http://schemas.microsoft.com/office/drawing/2010/main" val="0"/>
+              </a:ext>
+            </a:extLst>
+          </a:blip>
+          <a:srcRect/>
+          <a:stretch>
+            <a:fillRect/>
+          </a:stretch>
+        </p:blipFill>
+        <p:spPr bwMode="auto">
+          <a:xfrm flipH="1">
+            <a:off x="6106249" y="3128357"/>
+            <a:ext cx="586449" cy="537206"/>
+          </a:xfrm>
+          <a:prstGeom prst="rect">
+            <a:avLst/>
+          </a:prstGeom>
+          <a:noFill/>
+          <a:extLst>
+            <a:ext uri="{909E8E84-426E-40DD-AFC4-6F175D3DCCD1}">
+              <a14:hiddenFill xmlns:a14="http://schemas.microsoft.com/office/drawing/2010/main">
+                <a:solidFill>
+                  <a:srgbClr val="FFFFFF"/>
+                </a:solidFill>
+              </a14:hiddenFill>
+            </a:ext>
+          </a:extLst>
+        </p:spPr>
+      </p:pic>
     </p:spTree>
     <p:extLst>
       <p:ext uri="{BB962C8B-B14F-4D97-AF65-F5344CB8AC3E}">
-        <p14:creationId xmlns:p14="http://schemas.microsoft.com/office/powerpoint/2010/main" val="3683259467"/>
+        <p14:creationId xmlns:p14="http://schemas.microsoft.com/office/powerpoint/2010/main" val="3582388964"/>
       </p:ext>
     </p:extLst>
   </p:cSld>
@@ -4566,7 +4945,7 @@
       </p:grpSpPr>
       <p:sp>
         <p:nvSpPr>
-          <p:cNvPr id="2" name="Title 1"/>
+          <p:cNvPr id="18" name="Title 17"/>
           <p:cNvSpPr>
             <a:spLocks noGrp="1"/>
           </p:cNvSpPr>
@@ -4580,9 +4959,74 @@
           <a:lstStyle/>
           <a:p>
             <a:r>
-              <a:rPr lang="en-US" dirty="0" err="1" smtClean="0"/>
-              <a:t>Conclusioni</a:t>
-            </a:r>
+              <a:rPr lang="en-US" dirty="0" smtClean="0"/>
+              <a:t>Extensibility</a:t>
+            </a:r>
+            <a:endParaRPr lang="en-US" dirty="0"/>
+          </a:p>
+        </p:txBody>
+      </p:sp>
+      <p:sp>
+        <p:nvSpPr>
+          <p:cNvPr id="19" name="Content Placeholder 18"/>
+          <p:cNvSpPr>
+            <a:spLocks noGrp="1"/>
+          </p:cNvSpPr>
+          <p:nvPr>
+            <p:ph idx="1"/>
+          </p:nvPr>
+        </p:nvSpPr>
+        <p:spPr/>
+        <p:txBody>
+          <a:bodyPr/>
+          <a:lstStyle/>
+          <a:p>
+            <a:r>
+              <a:rPr lang="en-US" dirty="0" smtClean="0"/>
+              <a:t>Insight Extensibility</a:t>
+            </a:r>
+          </a:p>
+          <a:p>
+            <a:endParaRPr lang="en-US" dirty="0"/>
+          </a:p>
+          <a:p>
+            <a:r>
+              <a:rPr lang="en-US" dirty="0" smtClean="0"/>
+              <a:t>UI Extensibility</a:t>
+            </a:r>
+          </a:p>
+          <a:p>
+            <a:endParaRPr lang="en-US" dirty="0" smtClean="0"/>
+          </a:p>
+          <a:p>
+            <a:r>
+              <a:rPr lang="en-US" dirty="0" smtClean="0"/>
+              <a:t>Database Management Protocol (DMP)</a:t>
+            </a:r>
+          </a:p>
+          <a:p>
+            <a:r>
+              <a:rPr lang="en-US" sz="2400" dirty="0">
+                <a:hlinkClick r:id="rId2"/>
+              </a:rPr>
+              <a:t>https://</a:t>
+            </a:r>
+            <a:r>
+              <a:rPr lang="en-US" sz="2400" dirty="0" smtClean="0">
+                <a:hlinkClick r:id="rId2"/>
+              </a:rPr>
+              <a:t>github.com/Microsoft/sqltoolsservice</a:t>
+            </a:r>
+            <a:endParaRPr lang="en-US" dirty="0" smtClean="0"/>
+          </a:p>
+          <a:p>
+            <a:endParaRPr lang="en-US" dirty="0" smtClean="0"/>
+          </a:p>
+          <a:p>
+            <a:pPr marL="571500" indent="-571500">
+              <a:buFont typeface="Arial" panose="020B0604020202020204" pitchFamily="34" charset="0"/>
+              <a:buChar char="•"/>
+            </a:pPr>
             <a:endParaRPr lang="en-US" dirty="0"/>
           </a:p>
         </p:txBody>
@@ -4590,13 +5034,20 @@
     </p:spTree>
     <p:extLst>
       <p:ext uri="{BB962C8B-B14F-4D97-AF65-F5344CB8AC3E}">
-        <p14:creationId xmlns:p14="http://schemas.microsoft.com/office/powerpoint/2010/main" val="416632458"/>
+        <p14:creationId xmlns:p14="http://schemas.microsoft.com/office/powerpoint/2010/main" val="417046416"/>
       </p:ext>
     </p:extLst>
   </p:cSld>
   <p:clrMapOvr>
     <a:masterClrMapping/>
   </p:clrMapOvr>
+  <p:timing>
+    <p:tnLst>
+      <p:par>
+        <p:cTn id="1" dur="indefinite" restart="never" nodeType="tmRoot"/>
+      </p:par>
+    </p:tnLst>
+  </p:timing>
 </p:sld>
 </file>
 
@@ -4684,7 +5135,7 @@
       </p:grpSpPr>
       <p:sp>
         <p:nvSpPr>
-          <p:cNvPr id="18" name="Title 17"/>
+          <p:cNvPr id="2" name="Title 1"/>
           <p:cNvSpPr>
             <a:spLocks noGrp="1"/>
           </p:cNvSpPr>
@@ -4698,38 +5149,17 @@
           <a:lstStyle/>
           <a:p>
             <a:r>
-              <a:rPr lang="en-US" dirty="0" smtClean="0"/>
-              <a:t>Recap</a:t>
-            </a:r>
-            <a:endParaRPr lang="en-US" dirty="0"/>
-          </a:p>
-        </p:txBody>
-      </p:sp>
-      <p:sp>
-        <p:nvSpPr>
-          <p:cNvPr id="19" name="Content Placeholder 18"/>
-          <p:cNvSpPr>
-            <a:spLocks noGrp="1"/>
-          </p:cNvSpPr>
-          <p:nvPr>
-            <p:ph idx="1"/>
-          </p:nvPr>
-        </p:nvSpPr>
-        <p:spPr/>
-        <p:txBody>
-          <a:bodyPr>
-            <a:normAutofit/>
-          </a:bodyPr>
-          <a:lstStyle/>
-          <a:p>
-            <a:endParaRPr lang="en-US" dirty="0"/>
+              <a:rPr lang="it-IT" dirty="0" smtClean="0"/>
+              <a:t>DEMO</a:t>
+            </a:r>
+            <a:endParaRPr lang="it-IT" dirty="0"/>
           </a:p>
         </p:txBody>
       </p:sp>
     </p:spTree>
     <p:extLst>
       <p:ext uri="{BB962C8B-B14F-4D97-AF65-F5344CB8AC3E}">
-        <p14:creationId xmlns:p14="http://schemas.microsoft.com/office/powerpoint/2010/main" val="1290525693"/>
+        <p14:creationId xmlns:p14="http://schemas.microsoft.com/office/powerpoint/2010/main" val="3683259467"/>
       </p:ext>
     </p:extLst>
   </p:cSld>
@@ -4765,7 +5195,7 @@
       </p:grpSpPr>
       <p:sp>
         <p:nvSpPr>
-          <p:cNvPr id="18" name="Title 17"/>
+          <p:cNvPr id="2" name="Title 1"/>
           <p:cNvSpPr>
             <a:spLocks noGrp="1"/>
           </p:cNvSpPr>
@@ -4779,267 +5209,9 @@
           <a:lstStyle/>
           <a:p>
             <a:r>
-              <a:rPr lang="en-US" dirty="0" smtClean="0"/>
-              <a:t>Focus del team di </a:t>
-            </a:r>
-            <a:r>
               <a:rPr lang="en-US" dirty="0" err="1" smtClean="0"/>
-              <a:t>sviluppo</a:t>
-            </a:r>
-            <a:endParaRPr lang="en-US" dirty="0"/>
-          </a:p>
-        </p:txBody>
-      </p:sp>
-      <p:sp>
-        <p:nvSpPr>
-          <p:cNvPr id="19" name="Content Placeholder 18"/>
-          <p:cNvSpPr>
-            <a:spLocks noGrp="1"/>
-          </p:cNvSpPr>
-          <p:nvPr>
-            <p:ph idx="1"/>
-          </p:nvPr>
-        </p:nvSpPr>
-        <p:spPr/>
-        <p:txBody>
-          <a:bodyPr>
-            <a:normAutofit fontScale="77500" lnSpcReduction="20000"/>
-          </a:bodyPr>
-          <a:lstStyle/>
-          <a:p>
-            <a:r>
-              <a:rPr lang="en-US" dirty="0" err="1" smtClean="0"/>
-              <a:t>Sviluppo</a:t>
-            </a:r>
-            <a:r>
-              <a:rPr lang="en-US" dirty="0" smtClean="0"/>
-              <a:t> </a:t>
-            </a:r>
-            <a:r>
-              <a:rPr lang="en-US" dirty="0" err="1" smtClean="0"/>
-              <a:t>delle</a:t>
-            </a:r>
-            <a:r>
-              <a:rPr lang="en-US" dirty="0" smtClean="0"/>
-              <a:t> Core Functionalities</a:t>
-            </a:r>
-          </a:p>
-          <a:p>
-            <a:endParaRPr lang="en-US" dirty="0"/>
-          </a:p>
-          <a:p>
-            <a:r>
-              <a:rPr lang="en-US" dirty="0" err="1" smtClean="0"/>
-              <a:t>Sviluppo</a:t>
-            </a:r>
-            <a:r>
-              <a:rPr lang="en-US" dirty="0" smtClean="0"/>
-              <a:t> del </a:t>
-            </a:r>
-            <a:r>
-              <a:rPr lang="en-US" dirty="0" err="1" smtClean="0"/>
-              <a:t>sistema</a:t>
-            </a:r>
-            <a:r>
-              <a:rPr lang="en-US" dirty="0" smtClean="0"/>
-              <a:t> di Extensibility</a:t>
-            </a:r>
-          </a:p>
-          <a:p>
-            <a:endParaRPr lang="en-US" dirty="0"/>
-          </a:p>
-          <a:p>
-            <a:r>
-              <a:rPr lang="en-US" dirty="0" err="1" smtClean="0"/>
-              <a:t>Mettere</a:t>
-            </a:r>
-            <a:r>
-              <a:rPr lang="en-US" dirty="0" smtClean="0"/>
-              <a:t> a </a:t>
-            </a:r>
-            <a:r>
-              <a:rPr lang="en-US" dirty="0" err="1" smtClean="0"/>
-              <a:t>disposizione</a:t>
-            </a:r>
-            <a:r>
-              <a:rPr lang="en-US" dirty="0" smtClean="0"/>
-              <a:t> un </a:t>
-            </a:r>
-            <a:r>
-              <a:rPr lang="en-US" dirty="0" err="1" smtClean="0"/>
-              <a:t>ambiente</a:t>
-            </a:r>
-            <a:r>
-              <a:rPr lang="en-US" dirty="0" smtClean="0"/>
-              <a:t> </a:t>
-            </a:r>
-            <a:r>
-              <a:rPr lang="en-US" dirty="0" err="1" smtClean="0"/>
-              <a:t>ottimale</a:t>
-            </a:r>
-            <a:r>
-              <a:rPr lang="en-US" dirty="0" smtClean="0"/>
-              <a:t>, stabile e “</a:t>
-            </a:r>
-            <a:r>
-              <a:rPr lang="en-US" dirty="0" err="1" smtClean="0"/>
-              <a:t>ricco</a:t>
-            </a:r>
-            <a:r>
-              <a:rPr lang="en-US" dirty="0" smtClean="0"/>
-              <a:t>” per lo </a:t>
-            </a:r>
-            <a:r>
-              <a:rPr lang="en-US" dirty="0" err="1" smtClean="0"/>
-              <a:t>sviluppo</a:t>
-            </a:r>
-            <a:r>
-              <a:rPr lang="en-US" dirty="0" smtClean="0"/>
-              <a:t> e la </a:t>
-            </a:r>
-            <a:r>
-              <a:rPr lang="en-US" dirty="0" err="1" smtClean="0"/>
-              <a:t>gestione</a:t>
-            </a:r>
-            <a:r>
-              <a:rPr lang="en-US" dirty="0" smtClean="0"/>
-              <a:t> </a:t>
-            </a:r>
-            <a:r>
-              <a:rPr lang="en-US" dirty="0" err="1" smtClean="0"/>
-              <a:t>delle</a:t>
-            </a:r>
-            <a:r>
-              <a:rPr lang="en-US" dirty="0" smtClean="0"/>
-              <a:t> </a:t>
-            </a:r>
-            <a:r>
-              <a:rPr lang="en-US" dirty="0" err="1" smtClean="0"/>
-              <a:t>basi</a:t>
-            </a:r>
-            <a:r>
-              <a:rPr lang="en-US" dirty="0" smtClean="0"/>
-              <a:t> </a:t>
-            </a:r>
-            <a:r>
-              <a:rPr lang="en-US" dirty="0" err="1" smtClean="0"/>
-              <a:t>dati</a:t>
-            </a:r>
-            <a:r>
-              <a:rPr lang="en-US" dirty="0" smtClean="0"/>
-              <a:t> </a:t>
-            </a:r>
-            <a:r>
-              <a:rPr lang="en-US" dirty="0" err="1" smtClean="0"/>
-              <a:t>attraverso</a:t>
-            </a:r>
-            <a:r>
-              <a:rPr lang="en-US" dirty="0" smtClean="0"/>
-              <a:t> un </a:t>
-            </a:r>
-            <a:r>
-              <a:rPr lang="en-US" dirty="0" err="1" smtClean="0"/>
-              <a:t>sistema</a:t>
-            </a:r>
-            <a:r>
-              <a:rPr lang="en-US" dirty="0" smtClean="0"/>
-              <a:t> </a:t>
-            </a:r>
-            <a:r>
-              <a:rPr lang="en-US" dirty="0" err="1" smtClean="0"/>
-              <a:t>fortemente</a:t>
-            </a:r>
-            <a:r>
-              <a:rPr lang="en-US" dirty="0" smtClean="0"/>
-              <a:t> </a:t>
-            </a:r>
-            <a:r>
-              <a:rPr lang="en-US" dirty="0" err="1" smtClean="0"/>
-              <a:t>orientato</a:t>
-            </a:r>
-            <a:r>
-              <a:rPr lang="en-US" dirty="0" smtClean="0"/>
-              <a:t> </a:t>
-            </a:r>
-            <a:r>
-              <a:rPr lang="en-US" dirty="0" err="1" smtClean="0"/>
-              <a:t>all’estendibilità</a:t>
-            </a:r>
-            <a:r>
-              <a:rPr lang="en-US" dirty="0" smtClean="0"/>
-              <a:t>. </a:t>
-            </a:r>
-          </a:p>
-          <a:p>
-            <a:endParaRPr lang="en-US" dirty="0"/>
-          </a:p>
-          <a:p>
-            <a:r>
-              <a:rPr lang="en-US" dirty="0" err="1" smtClean="0"/>
-              <a:t>Mettere</a:t>
-            </a:r>
-            <a:r>
-              <a:rPr lang="en-US" dirty="0" smtClean="0"/>
-              <a:t> in </a:t>
-            </a:r>
-            <a:r>
-              <a:rPr lang="en-US" dirty="0" err="1" smtClean="0"/>
-              <a:t>grado</a:t>
-            </a:r>
-            <a:r>
-              <a:rPr lang="en-US" dirty="0" smtClean="0"/>
-              <a:t> </a:t>
-            </a:r>
-            <a:r>
-              <a:rPr lang="en-US" dirty="0" err="1" smtClean="0"/>
-              <a:t>chiunque</a:t>
-            </a:r>
-            <a:r>
-              <a:rPr lang="en-US" dirty="0" smtClean="0"/>
-              <a:t> di </a:t>
-            </a:r>
-            <a:r>
-              <a:rPr lang="en-US" dirty="0" err="1" smtClean="0"/>
-              <a:t>poter</a:t>
-            </a:r>
-            <a:r>
-              <a:rPr lang="en-US" dirty="0" smtClean="0"/>
-              <a:t> </a:t>
-            </a:r>
-            <a:r>
-              <a:rPr lang="en-US" dirty="0" err="1" smtClean="0"/>
-              <a:t>sviluppare</a:t>
-            </a:r>
-            <a:r>
-              <a:rPr lang="en-US" dirty="0" smtClean="0"/>
-              <a:t> le </a:t>
-            </a:r>
-            <a:r>
-              <a:rPr lang="en-US" dirty="0" err="1" smtClean="0"/>
-              <a:t>proprie</a:t>
-            </a:r>
-            <a:r>
-              <a:rPr lang="en-US" dirty="0" smtClean="0"/>
-              <a:t> </a:t>
-            </a:r>
-            <a:r>
-              <a:rPr lang="en-US" dirty="0" err="1" smtClean="0"/>
-              <a:t>estensioni</a:t>
-            </a:r>
-            <a:r>
-              <a:rPr lang="en-US" dirty="0" smtClean="0"/>
-              <a:t> (Microsoft </a:t>
-            </a:r>
-            <a:r>
-              <a:rPr lang="en-US" dirty="0" err="1" smtClean="0"/>
-              <a:t>stessa</a:t>
-            </a:r>
-            <a:r>
-              <a:rPr lang="en-US" dirty="0" smtClean="0"/>
-              <a:t>, ISV e community members)</a:t>
-            </a:r>
-          </a:p>
-          <a:p>
+              <a:t>Conclusioni</a:t>
+            </a:r>
             <a:endParaRPr lang="en-US" dirty="0"/>
           </a:p>
         </p:txBody>
@@ -5047,7 +5219,7 @@
     </p:spTree>
     <p:extLst>
       <p:ext uri="{BB962C8B-B14F-4D97-AF65-F5344CB8AC3E}">
-        <p14:creationId xmlns:p14="http://schemas.microsoft.com/office/powerpoint/2010/main" val="751609766"/>
+        <p14:creationId xmlns:p14="http://schemas.microsoft.com/office/powerpoint/2010/main" val="416632458"/>
       </p:ext>
     </p:extLst>
   </p:cSld>
@@ -5083,6 +5255,497 @@
       </p:grpSpPr>
       <p:sp>
         <p:nvSpPr>
+          <p:cNvPr id="18" name="Title 17"/>
+          <p:cNvSpPr>
+            <a:spLocks noGrp="1"/>
+          </p:cNvSpPr>
+          <p:nvPr>
+            <p:ph type="title"/>
+          </p:nvPr>
+        </p:nvSpPr>
+        <p:spPr/>
+        <p:txBody>
+          <a:bodyPr/>
+          <a:lstStyle/>
+          <a:p>
+            <a:r>
+              <a:rPr lang="en-US" dirty="0" smtClean="0"/>
+              <a:t>Recap</a:t>
+            </a:r>
+            <a:endParaRPr lang="en-US" dirty="0"/>
+          </a:p>
+        </p:txBody>
+      </p:sp>
+      <p:sp>
+        <p:nvSpPr>
+          <p:cNvPr id="19" name="Content Placeholder 18"/>
+          <p:cNvSpPr>
+            <a:spLocks noGrp="1"/>
+          </p:cNvSpPr>
+          <p:nvPr>
+            <p:ph idx="1"/>
+          </p:nvPr>
+        </p:nvSpPr>
+        <p:spPr/>
+        <p:txBody>
+          <a:bodyPr>
+            <a:normAutofit/>
+          </a:bodyPr>
+          <a:lstStyle/>
+          <a:p>
+            <a:pPr marL="571500" indent="-571500">
+              <a:buFont typeface="Arial" panose="020B0604020202020204" pitchFamily="34" charset="0"/>
+              <a:buChar char="•"/>
+            </a:pPr>
+            <a:r>
+              <a:rPr lang="en-US" dirty="0" err="1" smtClean="0"/>
+              <a:t>Premessa</a:t>
+            </a:r>
+            <a:endParaRPr lang="en-US" dirty="0" smtClean="0"/>
+          </a:p>
+          <a:p>
+            <a:pPr marL="571500" indent="-571500">
+              <a:buFont typeface="Arial" panose="020B0604020202020204" pitchFamily="34" charset="0"/>
+              <a:buChar char="•"/>
+            </a:pPr>
+            <a:r>
+              <a:rPr lang="en-US" dirty="0" err="1" smtClean="0"/>
+              <a:t>Introduzione</a:t>
+            </a:r>
+            <a:r>
+              <a:rPr lang="en-US" dirty="0" smtClean="0"/>
+              <a:t> al tool</a:t>
+            </a:r>
+          </a:p>
+          <a:p>
+            <a:pPr marL="571500" indent="-571500">
+              <a:buFont typeface="Arial" panose="020B0604020202020204" pitchFamily="34" charset="0"/>
+              <a:buChar char="•"/>
+            </a:pPr>
+            <a:r>
+              <a:rPr lang="en-US" dirty="0" err="1" smtClean="0"/>
+              <a:t>Esplorazione</a:t>
+            </a:r>
+            <a:r>
+              <a:rPr lang="en-US" dirty="0" smtClean="0"/>
+              <a:t> </a:t>
+            </a:r>
+            <a:r>
+              <a:rPr lang="en-US" dirty="0" err="1" smtClean="0"/>
+              <a:t>funzionalità</a:t>
+            </a:r>
+            <a:r>
+              <a:rPr lang="en-US" dirty="0" smtClean="0"/>
+              <a:t> di base</a:t>
+            </a:r>
+          </a:p>
+          <a:p>
+            <a:pPr marL="571500" indent="-571500">
+              <a:buFont typeface="Arial" panose="020B0604020202020204" pitchFamily="34" charset="0"/>
+              <a:buChar char="•"/>
+            </a:pPr>
+            <a:r>
+              <a:rPr lang="en-US" dirty="0" err="1" smtClean="0"/>
+              <a:t>Introduzione</a:t>
+            </a:r>
+            <a:r>
+              <a:rPr lang="en-US" dirty="0" smtClean="0"/>
+              <a:t> </a:t>
+            </a:r>
+            <a:r>
+              <a:rPr lang="en-US" dirty="0" err="1" smtClean="0"/>
+              <a:t>nuove</a:t>
+            </a:r>
+            <a:r>
+              <a:rPr lang="en-US" dirty="0" smtClean="0"/>
+              <a:t> feature</a:t>
+            </a:r>
+            <a:endParaRPr lang="en-US" dirty="0" smtClean="0"/>
+          </a:p>
+          <a:p>
+            <a:pPr marL="571500" indent="-571500">
+              <a:buFont typeface="Arial" panose="020B0604020202020204" pitchFamily="34" charset="0"/>
+              <a:buChar char="•"/>
+            </a:pPr>
+            <a:r>
+              <a:rPr lang="en-US" dirty="0" smtClean="0"/>
+              <a:t>Demo</a:t>
+            </a:r>
+            <a:r>
+              <a:rPr lang="en-US" dirty="0" smtClean="0"/>
+              <a:t> </a:t>
+            </a:r>
+          </a:p>
+          <a:p>
+            <a:pPr marL="571500" indent="-571500">
+              <a:buFont typeface="Arial" panose="020B0604020202020204" pitchFamily="34" charset="0"/>
+              <a:buChar char="•"/>
+            </a:pPr>
+            <a:r>
+              <a:rPr lang="en-US" dirty="0" smtClean="0"/>
+              <a:t>…</a:t>
+            </a:r>
+            <a:endParaRPr lang="en-US" dirty="0"/>
+          </a:p>
+        </p:txBody>
+      </p:sp>
+    </p:spTree>
+    <p:extLst>
+      <p:ext uri="{BB962C8B-B14F-4D97-AF65-F5344CB8AC3E}">
+        <p14:creationId xmlns:p14="http://schemas.microsoft.com/office/powerpoint/2010/main" val="1290525693"/>
+      </p:ext>
+    </p:extLst>
+  </p:cSld>
+  <p:clrMapOvr>
+    <a:masterClrMapping/>
+  </p:clrMapOvr>
+  <p:timing>
+    <p:tnLst>
+      <p:par>
+        <p:cTn id="1" dur="indefinite" restart="never" nodeType="tmRoot"/>
+      </p:par>
+    </p:tnLst>
+  </p:timing>
+</p:sld>
+</file>
+
+<file path=ppt/slides/slide23.xml><?xml version="1.0" encoding="utf-8"?>
+<p:sld xmlns:a="http://schemas.openxmlformats.org/drawingml/2006/main" xmlns:r="http://schemas.openxmlformats.org/officeDocument/2006/relationships" xmlns:p="http://schemas.openxmlformats.org/presentationml/2006/main">
+  <p:cSld>
+    <p:spTree>
+      <p:nvGrpSpPr>
+        <p:cNvPr id="1" name=""/>
+        <p:cNvGrpSpPr/>
+        <p:nvPr/>
+      </p:nvGrpSpPr>
+      <p:grpSpPr>
+        <a:xfrm>
+          <a:off x="0" y="0"/>
+          <a:ext cx="0" cy="0"/>
+          <a:chOff x="0" y="0"/>
+          <a:chExt cx="0" cy="0"/>
+        </a:xfrm>
+      </p:grpSpPr>
+      <p:sp>
+        <p:nvSpPr>
+          <p:cNvPr id="18" name="Title 17"/>
+          <p:cNvSpPr>
+            <a:spLocks noGrp="1"/>
+          </p:cNvSpPr>
+          <p:nvPr>
+            <p:ph type="title"/>
+          </p:nvPr>
+        </p:nvSpPr>
+        <p:spPr/>
+        <p:txBody>
+          <a:bodyPr/>
+          <a:lstStyle/>
+          <a:p>
+            <a:r>
+              <a:rPr lang="en-US" dirty="0" smtClean="0"/>
+              <a:t>Focus del team di </a:t>
+            </a:r>
+            <a:r>
+              <a:rPr lang="en-US" dirty="0" err="1" smtClean="0"/>
+              <a:t>sviluppo</a:t>
+            </a:r>
+            <a:endParaRPr lang="en-US" dirty="0"/>
+          </a:p>
+        </p:txBody>
+      </p:sp>
+      <p:sp>
+        <p:nvSpPr>
+          <p:cNvPr id="19" name="Content Placeholder 18"/>
+          <p:cNvSpPr>
+            <a:spLocks noGrp="1"/>
+          </p:cNvSpPr>
+          <p:nvPr>
+            <p:ph idx="1"/>
+          </p:nvPr>
+        </p:nvSpPr>
+        <p:spPr/>
+        <p:txBody>
+          <a:bodyPr>
+            <a:normAutofit fontScale="77500" lnSpcReduction="20000"/>
+          </a:bodyPr>
+          <a:lstStyle/>
+          <a:p>
+            <a:r>
+              <a:rPr lang="en-US" dirty="0" err="1" smtClean="0"/>
+              <a:t>Sviluppo</a:t>
+            </a:r>
+            <a:r>
+              <a:rPr lang="en-US" dirty="0" smtClean="0"/>
+              <a:t> </a:t>
+            </a:r>
+            <a:r>
+              <a:rPr lang="en-US" dirty="0" err="1" smtClean="0"/>
+              <a:t>delle</a:t>
+            </a:r>
+            <a:r>
+              <a:rPr lang="en-US" dirty="0" smtClean="0"/>
+              <a:t> Core Functionalities</a:t>
+            </a:r>
+          </a:p>
+          <a:p>
+            <a:endParaRPr lang="en-US" dirty="0"/>
+          </a:p>
+          <a:p>
+            <a:r>
+              <a:rPr lang="en-US" dirty="0" err="1" smtClean="0"/>
+              <a:t>Sviluppo</a:t>
+            </a:r>
+            <a:r>
+              <a:rPr lang="en-US" dirty="0" smtClean="0"/>
+              <a:t> del </a:t>
+            </a:r>
+            <a:r>
+              <a:rPr lang="en-US" dirty="0" err="1" smtClean="0"/>
+              <a:t>sistema</a:t>
+            </a:r>
+            <a:r>
+              <a:rPr lang="en-US" dirty="0" smtClean="0"/>
+              <a:t> di Extensibility</a:t>
+            </a:r>
+          </a:p>
+          <a:p>
+            <a:endParaRPr lang="en-US" dirty="0"/>
+          </a:p>
+          <a:p>
+            <a:r>
+              <a:rPr lang="en-US" dirty="0" err="1" smtClean="0"/>
+              <a:t>Mettere</a:t>
+            </a:r>
+            <a:r>
+              <a:rPr lang="en-US" dirty="0" smtClean="0"/>
+              <a:t> a </a:t>
+            </a:r>
+            <a:r>
+              <a:rPr lang="en-US" dirty="0" err="1" smtClean="0"/>
+              <a:t>disposizione</a:t>
+            </a:r>
+            <a:r>
+              <a:rPr lang="en-US" dirty="0" smtClean="0"/>
+              <a:t> un </a:t>
+            </a:r>
+            <a:r>
+              <a:rPr lang="en-US" dirty="0" err="1" smtClean="0"/>
+              <a:t>ambiente</a:t>
+            </a:r>
+            <a:r>
+              <a:rPr lang="en-US" dirty="0" smtClean="0"/>
+              <a:t> </a:t>
+            </a:r>
+            <a:r>
+              <a:rPr lang="en-US" dirty="0" err="1" smtClean="0"/>
+              <a:t>ottimale</a:t>
+            </a:r>
+            <a:r>
+              <a:rPr lang="en-US" dirty="0" smtClean="0"/>
+              <a:t>, stabile e “</a:t>
+            </a:r>
+            <a:r>
+              <a:rPr lang="en-US" dirty="0" err="1" smtClean="0"/>
+              <a:t>ricco</a:t>
+            </a:r>
+            <a:r>
+              <a:rPr lang="en-US" dirty="0" smtClean="0"/>
+              <a:t>” per lo </a:t>
+            </a:r>
+            <a:r>
+              <a:rPr lang="en-US" dirty="0" err="1" smtClean="0"/>
+              <a:t>sviluppo</a:t>
+            </a:r>
+            <a:r>
+              <a:rPr lang="en-US" dirty="0" smtClean="0"/>
+              <a:t> e la </a:t>
+            </a:r>
+            <a:r>
+              <a:rPr lang="en-US" dirty="0" err="1" smtClean="0"/>
+              <a:t>gestione</a:t>
+            </a:r>
+            <a:r>
+              <a:rPr lang="en-US" dirty="0" smtClean="0"/>
+              <a:t> </a:t>
+            </a:r>
+            <a:r>
+              <a:rPr lang="en-US" dirty="0" err="1" smtClean="0"/>
+              <a:t>delle</a:t>
+            </a:r>
+            <a:r>
+              <a:rPr lang="en-US" dirty="0" smtClean="0"/>
+              <a:t> </a:t>
+            </a:r>
+            <a:r>
+              <a:rPr lang="en-US" dirty="0" err="1" smtClean="0"/>
+              <a:t>basi</a:t>
+            </a:r>
+            <a:r>
+              <a:rPr lang="en-US" dirty="0" smtClean="0"/>
+              <a:t> </a:t>
+            </a:r>
+            <a:r>
+              <a:rPr lang="en-US" dirty="0" err="1" smtClean="0"/>
+              <a:t>dati</a:t>
+            </a:r>
+            <a:r>
+              <a:rPr lang="en-US" dirty="0" smtClean="0"/>
+              <a:t> </a:t>
+            </a:r>
+            <a:r>
+              <a:rPr lang="en-US" dirty="0" err="1" smtClean="0"/>
+              <a:t>attraverso</a:t>
+            </a:r>
+            <a:r>
+              <a:rPr lang="en-US" dirty="0" smtClean="0"/>
+              <a:t> un </a:t>
+            </a:r>
+            <a:r>
+              <a:rPr lang="en-US" dirty="0" err="1" smtClean="0"/>
+              <a:t>sistema</a:t>
+            </a:r>
+            <a:r>
+              <a:rPr lang="en-US" dirty="0" smtClean="0"/>
+              <a:t> </a:t>
+            </a:r>
+            <a:r>
+              <a:rPr lang="en-US" dirty="0" err="1" smtClean="0"/>
+              <a:t>fortemente</a:t>
+            </a:r>
+            <a:r>
+              <a:rPr lang="en-US" dirty="0" smtClean="0"/>
+              <a:t> </a:t>
+            </a:r>
+            <a:r>
+              <a:rPr lang="en-US" dirty="0" err="1" smtClean="0"/>
+              <a:t>orientato</a:t>
+            </a:r>
+            <a:r>
+              <a:rPr lang="en-US" dirty="0" smtClean="0"/>
+              <a:t> </a:t>
+            </a:r>
+            <a:r>
+              <a:rPr lang="en-US" dirty="0" err="1" smtClean="0"/>
+              <a:t>all’estendibilità</a:t>
+            </a:r>
+            <a:r>
+              <a:rPr lang="en-US" dirty="0" smtClean="0"/>
+              <a:t>. </a:t>
+            </a:r>
+          </a:p>
+          <a:p>
+            <a:endParaRPr lang="en-US" dirty="0"/>
+          </a:p>
+          <a:p>
+            <a:r>
+              <a:rPr lang="en-US" dirty="0" err="1" smtClean="0"/>
+              <a:t>Mettere</a:t>
+            </a:r>
+            <a:r>
+              <a:rPr lang="en-US" dirty="0" smtClean="0"/>
+              <a:t> in </a:t>
+            </a:r>
+            <a:r>
+              <a:rPr lang="en-US" dirty="0" err="1" smtClean="0"/>
+              <a:t>grado</a:t>
+            </a:r>
+            <a:r>
+              <a:rPr lang="en-US" dirty="0" smtClean="0"/>
+              <a:t> </a:t>
+            </a:r>
+            <a:r>
+              <a:rPr lang="en-US" dirty="0" err="1" smtClean="0"/>
+              <a:t>chiunque</a:t>
+            </a:r>
+            <a:r>
+              <a:rPr lang="en-US" dirty="0" smtClean="0"/>
+              <a:t> di </a:t>
+            </a:r>
+            <a:r>
+              <a:rPr lang="en-US" dirty="0" err="1" smtClean="0"/>
+              <a:t>poter</a:t>
+            </a:r>
+            <a:r>
+              <a:rPr lang="en-US" dirty="0" smtClean="0"/>
+              <a:t> </a:t>
+            </a:r>
+            <a:r>
+              <a:rPr lang="en-US" dirty="0" err="1" smtClean="0"/>
+              <a:t>sviluppare</a:t>
+            </a:r>
+            <a:r>
+              <a:rPr lang="en-US" dirty="0" smtClean="0"/>
+              <a:t> le </a:t>
+            </a:r>
+            <a:r>
+              <a:rPr lang="en-US" dirty="0" err="1" smtClean="0"/>
+              <a:t>proprie</a:t>
+            </a:r>
+            <a:r>
+              <a:rPr lang="en-US" dirty="0" smtClean="0"/>
+              <a:t> </a:t>
+            </a:r>
+            <a:r>
+              <a:rPr lang="en-US" dirty="0" err="1" smtClean="0"/>
+              <a:t>estensioni</a:t>
+            </a:r>
+            <a:r>
+              <a:rPr lang="en-US" dirty="0" smtClean="0"/>
+              <a:t> (Microsoft </a:t>
+            </a:r>
+            <a:r>
+              <a:rPr lang="en-US" dirty="0" err="1" smtClean="0"/>
+              <a:t>stessa</a:t>
+            </a:r>
+            <a:r>
+              <a:rPr lang="en-US" dirty="0" smtClean="0"/>
+              <a:t>, ISV e community members)</a:t>
+            </a:r>
+          </a:p>
+          <a:p>
+            <a:endParaRPr lang="en-US" dirty="0"/>
+          </a:p>
+        </p:txBody>
+      </p:sp>
+    </p:spTree>
+    <p:extLst>
+      <p:ext uri="{BB962C8B-B14F-4D97-AF65-F5344CB8AC3E}">
+        <p14:creationId xmlns:p14="http://schemas.microsoft.com/office/powerpoint/2010/main" val="751609766"/>
+      </p:ext>
+    </p:extLst>
+  </p:cSld>
+  <p:clrMapOvr>
+    <a:masterClrMapping/>
+  </p:clrMapOvr>
+  <p:timing>
+    <p:tnLst>
+      <p:par>
+        <p:cTn id="1" dur="indefinite" restart="never" nodeType="tmRoot"/>
+      </p:par>
+    </p:tnLst>
+  </p:timing>
+</p:sld>
+</file>
+
+<file path=ppt/slides/slide24.xml><?xml version="1.0" encoding="utf-8"?>
+<p:sld xmlns:a="http://schemas.openxmlformats.org/drawingml/2006/main" xmlns:r="http://schemas.openxmlformats.org/officeDocument/2006/relationships" xmlns:p="http://schemas.openxmlformats.org/presentationml/2006/main">
+  <p:cSld>
+    <p:spTree>
+      <p:nvGrpSpPr>
+        <p:cNvPr id="1" name=""/>
+        <p:cNvGrpSpPr/>
+        <p:nvPr/>
+      </p:nvGrpSpPr>
+      <p:grpSpPr>
+        <a:xfrm>
+          <a:off x="0" y="0"/>
+          <a:ext cx="0" cy="0"/>
+          <a:chOff x="0" y="0"/>
+          <a:chExt cx="0" cy="0"/>
+        </a:xfrm>
+      </p:grpSpPr>
+      <p:sp>
+        <p:nvSpPr>
           <p:cNvPr id="2" name="Title 1"/>
           <p:cNvSpPr>
             <a:spLocks noGrp="1"/>
@@ -5097,24 +5760,12 @@
           <a:lstStyle/>
           <a:p>
             <a:r>
+              <a:rPr lang="en-US" dirty="0" err="1" smtClean="0"/>
+              <a:t>Approposito</a:t>
+            </a:r>
+            <a:r>
               <a:rPr lang="en-US" dirty="0" smtClean="0"/>
-              <a:t>EPPUR </a:t>
-            </a:r>
-            <a:r>
-              <a:rPr lang="en-US" sz="3600" i="1" dirty="0" err="1" smtClean="0"/>
-              <a:t>qualcosa</a:t>
-            </a:r>
-            <a:r>
-              <a:rPr lang="en-US" sz="3600" i="1" dirty="0" smtClean="0"/>
-              <a:t> </a:t>
-            </a:r>
-            <a:r>
-              <a:rPr lang="en-US" sz="3600" i="1" dirty="0" err="1" smtClean="0"/>
-              <a:t>già</a:t>
-            </a:r>
-            <a:r>
-              <a:rPr lang="en-US" dirty="0" smtClean="0"/>
-              <a:t> SI MUOVE!</a:t>
+              <a:t> di Extensibility…</a:t>
             </a:r>
             <a:endParaRPr lang="it-IT" sz="2800" dirty="0"/>
           </a:p>
@@ -5202,10 +5853,17 @@
   <p:clrMapOvr>
     <a:masterClrMapping/>
   </p:clrMapOvr>
+  <p:timing>
+    <p:tnLst>
+      <p:par>
+        <p:cTn id="1" dur="indefinite" restart="never" nodeType="tmRoot"/>
+      </p:par>
+    </p:tnLst>
+  </p:timing>
 </p:sld>
 </file>
 
-<file path=ppt/slides/slide23.xml><?xml version="1.0" encoding="utf-8"?>
+<file path=ppt/slides/slide25.xml><?xml version="1.0" encoding="utf-8"?>
 <p:sld xmlns:a="http://schemas.openxmlformats.org/drawingml/2006/main" xmlns:r="http://schemas.openxmlformats.org/officeDocument/2006/relationships" xmlns:p="http://schemas.openxmlformats.org/presentationml/2006/main">
   <p:cSld>
     <p:spTree>
@@ -5288,11 +5946,7 @@
             </a:r>
             <a:r>
               <a:rPr lang="en-US" dirty="0" smtClean="0"/>
-              <a:t> la </a:t>
-            </a:r>
-            <a:r>
-              <a:rPr lang="en-US" dirty="0" smtClean="0"/>
-              <a:t>General Availability?</a:t>
+              <a:t> la General Availability?</a:t>
             </a:r>
             <a:endParaRPr lang="en-US" dirty="0"/>
           </a:p>
@@ -5310,11 +5964,7 @@
             </a:r>
             <a:r>
               <a:rPr lang="en-US" dirty="0" smtClean="0"/>
-              <a:t> SSMS</a:t>
-            </a:r>
-            <a:r>
-              <a:rPr lang="en-US" dirty="0" smtClean="0"/>
-              <a:t>?</a:t>
+              <a:t> SSMS?</a:t>
             </a:r>
           </a:p>
           <a:p>
@@ -5387,7 +6037,7 @@
 </p:sld>
 </file>
 
-<file path=ppt/slides/slide24.xml><?xml version="1.0" encoding="utf-8"?>
+<file path=ppt/slides/slide26.xml><?xml version="1.0" encoding="utf-8"?>
 <p:sld xmlns:a="http://schemas.openxmlformats.org/drawingml/2006/main" xmlns:r="http://schemas.openxmlformats.org/officeDocument/2006/relationships" xmlns:p="http://schemas.openxmlformats.org/presentationml/2006/main">
   <p:cSld>
     <p:spTree>
@@ -5471,7 +6121,7 @@
 </p:sld>
 </file>
 
-<file path=ppt/slides/slide25.xml><?xml version="1.0" encoding="utf-8"?>
+<file path=ppt/slides/slide27.xml><?xml version="1.0" encoding="utf-8"?>
 <p:sld xmlns:a="http://schemas.openxmlformats.org/drawingml/2006/main" xmlns:r="http://schemas.openxmlformats.org/officeDocument/2006/relationships" xmlns:p="http://schemas.openxmlformats.org/presentationml/2006/main">
   <p:cSld>
     <p:spTree>
@@ -5573,19 +6223,7 @@
               <a:rPr lang="en-US" sz="2400" dirty="0" smtClean="0">
                 <a:hlinkClick r:id="rId3"/>
               </a:rPr>
-              <a:t>https</a:t>
-            </a:r>
-            <a:r>
-              <a:rPr lang="en-US" sz="2400" dirty="0">
-                <a:hlinkClick r:id="rId3"/>
-              </a:rPr>
-              <a:t>://</a:t>
-            </a:r>
-            <a:r>
-              <a:rPr lang="en-US" sz="2400" dirty="0" smtClean="0">
-                <a:hlinkClick r:id="rId3"/>
-              </a:rPr>
-              <a:t>docs.microsoft.com/en-us/sql/sql-operations-studio/what-is</a:t>
+              <a:t>https://docs.microsoft.com/en-us/sql/sql-operations-studio/what-is</a:t>
             </a:r>
             <a:endParaRPr lang="en-US" sz="2400" dirty="0" smtClean="0"/>
           </a:p>
@@ -5595,7 +6233,11 @@
           <a:p>
             <a:r>
               <a:rPr lang="en-US" sz="2400" dirty="0" smtClean="0"/>
-              <a:t>Account twitter </a:t>
+              <a:t>Account </a:t>
+            </a:r>
+            <a:r>
+              <a:rPr lang="en-US" sz="2400" dirty="0" smtClean="0"/>
+              <a:t>twitter </a:t>
             </a:r>
             <a:r>
               <a:rPr lang="en-US" sz="2400" dirty="0" err="1" smtClean="0"/>
@@ -5689,148 +6331,7 @@
 </p:sld>
 </file>
 
-<file path=ppt/slides/slide26.xml><?xml version="1.0" encoding="utf-8"?>
-<p:sld xmlns:a="http://schemas.openxmlformats.org/drawingml/2006/main" xmlns:r="http://schemas.openxmlformats.org/officeDocument/2006/relationships" xmlns:p="http://schemas.openxmlformats.org/presentationml/2006/main">
-  <p:cSld>
-    <p:spTree>
-      <p:nvGrpSpPr>
-        <p:cNvPr id="1" name=""/>
-        <p:cNvGrpSpPr/>
-        <p:nvPr/>
-      </p:nvGrpSpPr>
-      <p:grpSpPr>
-        <a:xfrm>
-          <a:off x="0" y="0"/>
-          <a:ext cx="0" cy="0"/>
-          <a:chOff x="0" y="0"/>
-          <a:chExt cx="0" cy="0"/>
-        </a:xfrm>
-      </p:grpSpPr>
-      <p:sp>
-        <p:nvSpPr>
-          <p:cNvPr id="2" name="Title 1"/>
-          <p:cNvSpPr>
-            <a:spLocks noGrp="1"/>
-          </p:cNvSpPr>
-          <p:nvPr>
-            <p:ph type="title"/>
-          </p:nvPr>
-        </p:nvSpPr>
-        <p:spPr/>
-        <p:txBody>
-          <a:bodyPr/>
-          <a:lstStyle/>
-          <a:p>
-            <a:r>
-              <a:rPr lang="en-US" dirty="0"/>
-              <a:t>Q&amp;A</a:t>
-            </a:r>
-          </a:p>
-        </p:txBody>
-      </p:sp>
-      <p:sp>
-        <p:nvSpPr>
-          <p:cNvPr id="3" name="Content Placeholder 2"/>
-          <p:cNvSpPr>
-            <a:spLocks noGrp="1"/>
-          </p:cNvSpPr>
-          <p:nvPr>
-            <p:ph idx="1"/>
-          </p:nvPr>
-        </p:nvSpPr>
-        <p:spPr>
-          <a:prstGeom prst="rect">
-            <a:avLst/>
-          </a:prstGeom>
-        </p:spPr>
-        <p:txBody>
-          <a:bodyPr/>
-          <a:lstStyle/>
-          <a:p>
-            <a:r>
-              <a:rPr lang="it-IT" sz="2646" dirty="0" smtClean="0"/>
-              <a:t>Domande?</a:t>
-            </a:r>
-            <a:endParaRPr lang="it-IT" sz="2646" dirty="0"/>
-          </a:p>
-          <a:p>
-            <a:endParaRPr lang="en-US" sz="2646" dirty="0" smtClean="0"/>
-          </a:p>
-          <a:p>
-            <a:endParaRPr lang="en-US" sz="2646" dirty="0"/>
-          </a:p>
-          <a:p>
-            <a:endParaRPr lang="en-US" sz="2646" dirty="0" smtClean="0"/>
-          </a:p>
-          <a:p>
-            <a:endParaRPr lang="it-IT" sz="2646" dirty="0"/>
-          </a:p>
-          <a:p>
-            <a:r>
-              <a:rPr lang="en-US" sz="2800" dirty="0" err="1"/>
-              <a:t>eMail</a:t>
-            </a:r>
-            <a:r>
-              <a:rPr lang="en-US" sz="2800" dirty="0"/>
-              <a:t>: </a:t>
-            </a:r>
-            <a:r>
-              <a:rPr lang="en-US" sz="2800" dirty="0">
-                <a:hlinkClick r:id="rId2"/>
-              </a:rPr>
-              <a:t>mrg3d@hotmail.com</a:t>
-            </a:r>
-            <a:endParaRPr lang="en-US" sz="2800" dirty="0"/>
-          </a:p>
-          <a:p>
-            <a:r>
-              <a:rPr lang="en-US" sz="2800" dirty="0"/>
-              <a:t>twitter: @mrg3d</a:t>
-            </a:r>
-          </a:p>
-          <a:p>
-            <a:r>
-              <a:rPr lang="en-US" sz="2800" dirty="0" err="1"/>
-              <a:t>linkedIn</a:t>
-            </a:r>
-            <a:r>
-              <a:rPr lang="en-US" sz="2800" dirty="0"/>
-              <a:t>: </a:t>
-            </a:r>
-            <a:r>
-              <a:rPr lang="en-US" sz="2800" dirty="0">
-                <a:hlinkClick r:id="rId3"/>
-              </a:rPr>
-              <a:t>https://www.linkedin.com/in/mrg3d/</a:t>
-            </a:r>
-            <a:endParaRPr lang="en-US" sz="2800" dirty="0"/>
-          </a:p>
-          <a:p>
-            <a:endParaRPr lang="en-US" sz="2268" dirty="0"/>
-          </a:p>
-        </p:txBody>
-      </p:sp>
-    </p:spTree>
-    <p:extLst>
-      <p:ext uri="{BB962C8B-B14F-4D97-AF65-F5344CB8AC3E}">
-        <p14:creationId xmlns:p14="http://schemas.microsoft.com/office/powerpoint/2010/main" val="2352899525"/>
-      </p:ext>
-    </p:extLst>
-  </p:cSld>
-  <p:clrMapOvr>
-    <a:masterClrMapping/>
-  </p:clrMapOvr>
-  <p:timing>
-    <p:tnLst>
-      <p:par>
-        <p:cTn id="1" dur="indefinite" restart="never" nodeType="tmRoot"/>
-      </p:par>
-    </p:tnLst>
-  </p:timing>
-</p:sld>
-</file>
-
-<file path=ppt/slides/slide27.xml><?xml version="1.0" encoding="utf-8"?>
+<file path=ppt/slides/slide28.xml><?xml version="1.0" encoding="utf-8"?>
 <p:sld xmlns:a="http://schemas.openxmlformats.org/drawingml/2006/main" xmlns:r="http://schemas.openxmlformats.org/officeDocument/2006/relationships" xmlns:p="http://schemas.openxmlformats.org/presentationml/2006/main">
   <p:cSld>
     <p:spTree>
@@ -5865,7 +6366,9 @@
         </p:nvSpPr>
         <p:spPr/>
         <p:txBody>
-          <a:bodyPr/>
+          <a:bodyPr>
+            <a:normAutofit/>
+          </a:bodyPr>
           <a:lstStyle/>
           <a:p>
             <a:pPr algn="ctr"/>
@@ -5879,8 +6382,42 @@
             <a:pPr algn="ctr"/>
             <a:r>
               <a:rPr lang="it-IT" dirty="0" smtClean="0"/>
-              <a:t>Grazie per l’attenzione!</a:t>
-            </a:r>
+              <a:t>Domande?</a:t>
+            </a:r>
+          </a:p>
+          <a:p>
+            <a:pPr algn="ctr"/>
+            <a:endParaRPr lang="en-US" dirty="0"/>
+          </a:p>
+          <a:p>
+            <a:pPr algn="ctr"/>
+            <a:r>
+              <a:rPr lang="en-US" sz="2000" dirty="0">
+                <a:hlinkClick r:id="rId2"/>
+              </a:rPr>
+              <a:t>mrg3d@hotmail.com</a:t>
+            </a:r>
+            <a:endParaRPr lang="en-US" sz="2000" dirty="0"/>
+          </a:p>
+          <a:p>
+            <a:pPr algn="ctr"/>
+            <a:r>
+              <a:rPr lang="en-US" sz="2000" dirty="0"/>
+              <a:t>twitter: @mrg3d</a:t>
+            </a:r>
+          </a:p>
+          <a:p>
+            <a:pPr algn="ctr"/>
+            <a:r>
+              <a:rPr lang="en-US" sz="2000" dirty="0">
+                <a:hlinkClick r:id="rId3"/>
+              </a:rPr>
+              <a:t>https://www.linkedin.com/in/mrg3d/</a:t>
+            </a:r>
+            <a:endParaRPr lang="en-US" dirty="0"/>
+          </a:p>
+          <a:p>
+            <a:pPr algn="ctr"/>
             <a:endParaRPr lang="it-IT" dirty="0"/>
           </a:p>
         </p:txBody>
@@ -5888,13 +6425,141 @@
     </p:spTree>
     <p:extLst>
       <p:ext uri="{BB962C8B-B14F-4D97-AF65-F5344CB8AC3E}">
-        <p14:creationId xmlns:p14="http://schemas.microsoft.com/office/powerpoint/2010/main" val="3112197977"/>
+        <p14:creationId xmlns:p14="http://schemas.microsoft.com/office/powerpoint/2010/main" val="476395458"/>
       </p:ext>
     </p:extLst>
   </p:cSld>
   <p:clrMapOvr>
     <a:masterClrMapping/>
   </p:clrMapOvr>
+  <p:timing>
+    <p:tnLst>
+      <p:par>
+        <p:cTn id="1" dur="indefinite" restart="never" nodeType="tmRoot"/>
+      </p:par>
+    </p:tnLst>
+  </p:timing>
+</p:sld>
+</file>
+
+<file path=ppt/slides/slide29.xml><?xml version="1.0" encoding="utf-8"?>
+<p:sld xmlns:a="http://schemas.openxmlformats.org/drawingml/2006/main" xmlns:r="http://schemas.openxmlformats.org/officeDocument/2006/relationships" xmlns:p="http://schemas.openxmlformats.org/presentationml/2006/main">
+  <p:cSld>
+    <p:spTree>
+      <p:nvGrpSpPr>
+        <p:cNvPr id="1" name=""/>
+        <p:cNvGrpSpPr/>
+        <p:nvPr/>
+      </p:nvGrpSpPr>
+      <p:grpSpPr>
+        <a:xfrm>
+          <a:off x="0" y="0"/>
+          <a:ext cx="0" cy="0"/>
+          <a:chOff x="0" y="0"/>
+          <a:chExt cx="0" cy="0"/>
+        </a:xfrm>
+      </p:grpSpPr>
+      <p:sp>
+        <p:nvSpPr>
+          <p:cNvPr id="4" name="Content Placeholder 3">
+            <a:extLst>
+              <a:ext uri="{FF2B5EF4-FFF2-40B4-BE49-F238E27FC236}">
+                <a16:creationId xmlns:a16="http://schemas.microsoft.com/office/drawing/2014/main" id="{7218A010-E06F-414D-A589-4DC9321FFF64}"/>
+              </a:ext>
+            </a:extLst>
+          </p:cNvPr>
+          <p:cNvSpPr>
+            <a:spLocks noGrp="1"/>
+          </p:cNvSpPr>
+          <p:nvPr>
+            <p:ph idx="1"/>
+          </p:nvPr>
+        </p:nvSpPr>
+        <p:spPr/>
+        <p:txBody>
+          <a:bodyPr>
+            <a:normAutofit/>
+          </a:bodyPr>
+          <a:lstStyle/>
+          <a:p>
+            <a:pPr algn="ctr"/>
+            <a:endParaRPr lang="it-IT" dirty="0" smtClean="0"/>
+          </a:p>
+          <a:p>
+            <a:pPr algn="ctr"/>
+            <a:endParaRPr lang="it-IT" dirty="0"/>
+          </a:p>
+          <a:p>
+            <a:pPr algn="ctr"/>
+            <a:r>
+              <a:rPr lang="it-IT" dirty="0" smtClean="0"/>
+              <a:t>Grazie per </a:t>
+            </a:r>
+            <a:r>
+              <a:rPr lang="it-IT" dirty="0" smtClean="0"/>
+              <a:t>l’attenzione!</a:t>
+            </a:r>
+          </a:p>
+          <a:p>
+            <a:pPr algn="ctr"/>
+            <a:endParaRPr lang="en-US" dirty="0"/>
+          </a:p>
+          <a:p>
+            <a:pPr algn="ctr"/>
+            <a:r>
+              <a:rPr lang="en-US" sz="2000" dirty="0" smtClean="0">
+                <a:hlinkClick r:id="rId2"/>
+              </a:rPr>
+              <a:t>mrg3d@hotmail.com</a:t>
+            </a:r>
+            <a:endParaRPr lang="en-US" sz="2000" dirty="0"/>
+          </a:p>
+          <a:p>
+            <a:pPr algn="ctr"/>
+            <a:r>
+              <a:rPr lang="en-US" sz="2000" dirty="0"/>
+              <a:t>twitter: @mrg3d</a:t>
+            </a:r>
+          </a:p>
+          <a:p>
+            <a:pPr algn="ctr"/>
+            <a:r>
+              <a:rPr lang="en-US" sz="2000" dirty="0" smtClean="0">
+                <a:hlinkClick r:id="rId3"/>
+              </a:rPr>
+              <a:t>https</a:t>
+            </a:r>
+            <a:r>
+              <a:rPr lang="en-US" sz="2000" dirty="0">
+                <a:hlinkClick r:id="rId3"/>
+              </a:rPr>
+              <a:t>://www.linkedin.com/in/mrg3d/</a:t>
+            </a:r>
+            <a:endParaRPr lang="en-US" sz="2000" dirty="0"/>
+          </a:p>
+          <a:p>
+            <a:pPr algn="ctr"/>
+            <a:endParaRPr lang="it-IT" dirty="0"/>
+          </a:p>
+        </p:txBody>
+      </p:sp>
+    </p:spTree>
+    <p:extLst>
+      <p:ext uri="{BB962C8B-B14F-4D97-AF65-F5344CB8AC3E}">
+        <p14:creationId xmlns:p14="http://schemas.microsoft.com/office/powerpoint/2010/main" val="1204318886"/>
+      </p:ext>
+    </p:extLst>
+  </p:cSld>
+  <p:clrMapOvr>
+    <a:masterClrMapping/>
+  </p:clrMapOvr>
+  <p:timing>
+    <p:tnLst>
+      <p:par>
+        <p:cTn id="1" dur="indefinite" restart="never" nodeType="tmRoot"/>
+      </p:par>
+    </p:tnLst>
+  </p:timing>
 </p:sld>
 </file>
 
@@ -6972,11 +7637,7 @@
             </a:r>
             <a:r>
               <a:rPr lang="en-US" dirty="0" smtClean="0"/>
-              <a:t> SQL </a:t>
-            </a:r>
-            <a:r>
-              <a:rPr lang="en-US" dirty="0" smtClean="0"/>
-              <a:t>Operations Studio?               </a:t>
+              <a:t> SQL Operations Studio?               </a:t>
             </a:r>
             <a:endParaRPr lang="en-US" sz="3600" dirty="0">
               <a:solidFill>

--- a/Introducing SQL Operations Studio.pptx
+++ b/Introducing SQL Operations Studio.pptx
@@ -27,13 +27,15 @@
     <p:sldId id="277" r:id="rId21"/>
     <p:sldId id="267" r:id="rId22"/>
     <p:sldId id="283" r:id="rId23"/>
-    <p:sldId id="273" r:id="rId24"/>
-    <p:sldId id="288" r:id="rId25"/>
-    <p:sldId id="289" r:id="rId26"/>
-    <p:sldId id="280" r:id="rId27"/>
-    <p:sldId id="284" r:id="rId28"/>
-    <p:sldId id="296" r:id="rId29"/>
-    <p:sldId id="297" r:id="rId30"/>
+    <p:sldId id="289" r:id="rId24"/>
+    <p:sldId id="273" r:id="rId25"/>
+    <p:sldId id="288" r:id="rId26"/>
+    <p:sldId id="301" r:id="rId27"/>
+    <p:sldId id="299" r:id="rId28"/>
+    <p:sldId id="302" r:id="rId29"/>
+    <p:sldId id="284" r:id="rId30"/>
+    <p:sldId id="296" r:id="rId31"/>
+    <p:sldId id="297" r:id="rId32"/>
   </p:sldIdLst>
   <p:sldSz cx="11520488" cy="6480175"/>
   <p:notesSz cx="6858000" cy="9144000"/>
@@ -3500,11 +3502,7 @@
             </a:r>
             <a:r>
               <a:rPr lang="en-US" sz="2800" dirty="0" smtClean="0"/>
-              <a:t> </a:t>
-            </a:r>
-            <a:r>
-              <a:rPr lang="en-US" sz="2800" dirty="0" smtClean="0"/>
-              <a:t>e </a:t>
+              <a:t> e </a:t>
             </a:r>
             <a:r>
               <a:rPr lang="en-US" sz="2800" dirty="0" err="1" smtClean="0"/>
@@ -3641,8 +3639,12 @@
               <a:buChar char="•"/>
             </a:pPr>
             <a:r>
+              <a:rPr lang="en-US" sz="2800" smtClean="0"/>
+              <a:t>User e </a:t>
+            </a:r>
+            <a:r>
               <a:rPr lang="en-US" sz="2800" dirty="0" smtClean="0"/>
-              <a:t>User settings e workspace settings</a:t>
+              <a:t>workspace settings</a:t>
             </a:r>
           </a:p>
           <a:p>
@@ -3652,11 +3654,7 @@
             </a:pPr>
             <a:r>
               <a:rPr lang="en-US" sz="2800" dirty="0" smtClean="0"/>
-              <a:t>Source </a:t>
-            </a:r>
-            <a:r>
-              <a:rPr lang="en-US" sz="2800" dirty="0" smtClean="0"/>
-              <a:t>Control</a:t>
+              <a:t>Source Control</a:t>
             </a:r>
           </a:p>
           <a:p>
@@ -3668,7 +3666,6 @@
               <a:rPr lang="en-US" sz="2800" dirty="0" smtClean="0"/>
               <a:t>Dashboard e Insight Widget</a:t>
             </a:r>
-            <a:endParaRPr lang="en-US" sz="2800" dirty="0" smtClean="0"/>
           </a:p>
           <a:p>
             <a:pPr marL="685800" indent="-685800">
@@ -4013,7 +4010,6 @@
               <a:rPr lang="en-US" sz="2400" dirty="0" smtClean="0"/>
               <a:t>, etc…</a:t>
             </a:r>
-            <a:endParaRPr lang="en-US" sz="2400" dirty="0" smtClean="0"/>
           </a:p>
           <a:p>
             <a:pPr marL="1261827" lvl="1" indent="-685800">
@@ -4256,17 +4252,8 @@
             </a:pPr>
             <a:r>
               <a:rPr lang="en-US" sz="2000" dirty="0" smtClean="0"/>
-              <a:t>Editor, </a:t>
-            </a:r>
-            <a:r>
-              <a:rPr lang="en-US" sz="2000" dirty="0" smtClean="0"/>
-              <a:t>UI e </a:t>
-            </a:r>
-            <a:r>
-              <a:rPr lang="en-US" sz="2000" dirty="0" smtClean="0"/>
-              <a:t>Functional behavior</a:t>
-            </a:r>
-            <a:endParaRPr lang="en-US" sz="2000" dirty="0" smtClean="0"/>
+              <a:t>Editor, UI e Functional behavior</a:t>
+            </a:r>
           </a:p>
           <a:p>
             <a:pPr marL="685800" indent="-685800">
@@ -4285,7 +4272,6 @@
               <a:rPr lang="en-US" sz="2800" dirty="0" smtClean="0"/>
               <a:t> scope</a:t>
             </a:r>
-            <a:endParaRPr lang="en-US" sz="2800" dirty="0" smtClean="0"/>
           </a:p>
           <a:p>
             <a:pPr marL="1261827" lvl="1" indent="-685800">
@@ -4296,7 +4282,6 @@
               <a:rPr lang="en-US" sz="2400" dirty="0" smtClean="0"/>
               <a:t>User settings</a:t>
             </a:r>
-            <a:endParaRPr lang="en-US" sz="2400" dirty="0" smtClean="0"/>
           </a:p>
           <a:p>
             <a:pPr marL="1261827" lvl="1" indent="-685800">
@@ -4530,11 +4515,7 @@
             </a:r>
             <a:r>
               <a:rPr lang="en-US" sz="2800" dirty="0" smtClean="0"/>
-              <a:t> SCM </a:t>
-            </a:r>
-            <a:r>
-              <a:rPr lang="en-US" sz="2800" dirty="0" smtClean="0"/>
-              <a:t>provider</a:t>
+              <a:t> SCM provider</a:t>
             </a:r>
           </a:p>
           <a:p>
@@ -5360,7 +5341,6 @@
               <a:rPr lang="en-US" dirty="0" smtClean="0"/>
               <a:t> feature</a:t>
             </a:r>
-            <a:endParaRPr lang="en-US" dirty="0" smtClean="0"/>
           </a:p>
           <a:p>
             <a:pPr marL="571500" indent="-571500">
@@ -5369,11 +5349,7 @@
             </a:pPr>
             <a:r>
               <a:rPr lang="en-US" dirty="0" smtClean="0"/>
-              <a:t>Demo</a:t>
-            </a:r>
-            <a:r>
-              <a:rPr lang="en-US" dirty="0" smtClean="0"/>
-              <a:t> </a:t>
+              <a:t>Demo </a:t>
             </a:r>
           </a:p>
           <a:p>
@@ -5442,12 +5418,16 @@
           <a:lstStyle/>
           <a:p>
             <a:r>
-              <a:rPr lang="en-US" dirty="0" smtClean="0"/>
-              <a:t>Focus del team di </a:t>
-            </a:r>
-            <a:r>
               <a:rPr lang="en-US" dirty="0" err="1" smtClean="0"/>
-              <a:t>sviluppo</a:t>
+              <a:t>Prospettive</a:t>
+            </a:r>
+            <a:r>
+              <a:rPr lang="en-US" dirty="0" smtClean="0"/>
+              <a:t> future e </a:t>
+            </a:r>
+            <a:r>
+              <a:rPr lang="en-US" dirty="0" smtClean="0"/>
+              <a:t>FAQ</a:t>
             </a:r>
             <a:endParaRPr lang="en-US" dirty="0"/>
           </a:p>
@@ -5466,10 +5446,236 @@
         <p:spPr/>
         <p:txBody>
           <a:bodyPr>
-            <a:normAutofit fontScale="77500" lnSpcReduction="20000"/>
+            <a:normAutofit/>
           </a:bodyPr>
           <a:lstStyle/>
           <a:p>
+            <a:pPr marL="571500" indent="-571500">
+              <a:buFont typeface="Arial" panose="020B0604020202020204" pitchFamily="34" charset="0"/>
+              <a:buChar char="•"/>
+            </a:pPr>
+            <a:r>
+              <a:rPr lang="en-US" dirty="0" smtClean="0"/>
+              <a:t>A </a:t>
+            </a:r>
+            <a:r>
+              <a:rPr lang="en-US" dirty="0" err="1" smtClean="0"/>
+              <a:t>che</a:t>
+            </a:r>
+            <a:r>
+              <a:rPr lang="en-US" dirty="0" smtClean="0"/>
+              <a:t> </a:t>
+            </a:r>
+            <a:r>
+              <a:rPr lang="en-US" dirty="0" err="1" smtClean="0"/>
+              <a:t>punto</a:t>
+            </a:r>
+            <a:r>
+              <a:rPr lang="en-US" dirty="0" smtClean="0"/>
+              <a:t> è </a:t>
+            </a:r>
+            <a:r>
+              <a:rPr lang="en-US" dirty="0" err="1" smtClean="0"/>
+              <a:t>il</a:t>
+            </a:r>
+            <a:r>
+              <a:rPr lang="en-US" dirty="0" smtClean="0"/>
+              <a:t> </a:t>
+            </a:r>
+            <a:r>
+              <a:rPr lang="en-US" dirty="0" err="1" smtClean="0"/>
+              <a:t>progetto</a:t>
+            </a:r>
+            <a:r>
+              <a:rPr lang="en-US" dirty="0" smtClean="0"/>
+              <a:t>?</a:t>
+            </a:r>
+          </a:p>
+          <a:p>
+            <a:pPr marL="571500" indent="-571500">
+              <a:buFont typeface="Arial" panose="020B0604020202020204" pitchFamily="34" charset="0"/>
+              <a:buChar char="•"/>
+            </a:pPr>
+            <a:r>
+              <a:rPr lang="en-US" dirty="0" smtClean="0"/>
+              <a:t>A </a:t>
+            </a:r>
+            <a:r>
+              <a:rPr lang="en-US" dirty="0" err="1" smtClean="0"/>
+              <a:t>quando</a:t>
+            </a:r>
+            <a:r>
+              <a:rPr lang="en-US" dirty="0" smtClean="0"/>
+              <a:t> la General Availability?</a:t>
+            </a:r>
+            <a:endParaRPr lang="en-US" dirty="0"/>
+          </a:p>
+          <a:p>
+            <a:pPr marL="571500" indent="-571500">
+              <a:buFont typeface="Arial" panose="020B0604020202020204" pitchFamily="34" charset="0"/>
+              <a:buChar char="•"/>
+            </a:pPr>
+            <a:r>
+              <a:rPr lang="en-US" dirty="0" smtClean="0"/>
+              <a:t>SQL </a:t>
+            </a:r>
+            <a:r>
+              <a:rPr lang="en-US" dirty="0" smtClean="0"/>
+              <a:t>Ops Studio </a:t>
+            </a:r>
+            <a:r>
+              <a:rPr lang="en-US" dirty="0" err="1" smtClean="0"/>
+              <a:t>sostituirà</a:t>
+            </a:r>
+            <a:r>
+              <a:rPr lang="en-US" dirty="0" smtClean="0"/>
+              <a:t> SSMS?</a:t>
+            </a:r>
+          </a:p>
+          <a:p>
+            <a:pPr marL="571500" indent="-571500">
+              <a:buFont typeface="Arial" panose="020B0604020202020204" pitchFamily="34" charset="0"/>
+              <a:buChar char="•"/>
+            </a:pPr>
+            <a:r>
+              <a:rPr lang="en-US" dirty="0" err="1" smtClean="0"/>
+              <a:t>Che</a:t>
+            </a:r>
+            <a:r>
+              <a:rPr lang="en-US" dirty="0" smtClean="0"/>
+              <a:t> </a:t>
+            </a:r>
+            <a:r>
+              <a:rPr lang="en-US" dirty="0" smtClean="0"/>
+              <a:t>ne è </a:t>
+            </a:r>
+            <a:r>
+              <a:rPr lang="en-US" dirty="0" err="1" smtClean="0"/>
+              <a:t>delle</a:t>
+            </a:r>
+            <a:r>
+              <a:rPr lang="en-US" dirty="0" smtClean="0"/>
+              <a:t> </a:t>
+            </a:r>
+            <a:r>
+              <a:rPr lang="en-US" dirty="0" err="1" smtClean="0"/>
+              <a:t>altre</a:t>
+            </a:r>
+            <a:r>
+              <a:rPr lang="en-US" dirty="0" smtClean="0"/>
+              <a:t> </a:t>
+            </a:r>
+            <a:r>
+              <a:rPr lang="en-US" dirty="0" err="1" smtClean="0"/>
+              <a:t>componenti</a:t>
+            </a:r>
+            <a:r>
+              <a:rPr lang="en-US" dirty="0" smtClean="0"/>
+              <a:t> (SSRS, SSIS, </a:t>
+            </a:r>
+            <a:r>
+              <a:rPr lang="en-US" dirty="0" err="1" smtClean="0"/>
+              <a:t>etc</a:t>
+            </a:r>
+            <a:r>
+              <a:rPr lang="en-US" dirty="0" smtClean="0"/>
+              <a:t>) </a:t>
+            </a:r>
+            <a:r>
+              <a:rPr lang="en-US" dirty="0" smtClean="0"/>
+              <a:t>?</a:t>
+            </a:r>
+          </a:p>
+          <a:p>
+            <a:endParaRPr lang="en-US" dirty="0"/>
+          </a:p>
+        </p:txBody>
+      </p:sp>
+    </p:spTree>
+    <p:extLst>
+      <p:ext uri="{BB962C8B-B14F-4D97-AF65-F5344CB8AC3E}">
+        <p14:creationId xmlns:p14="http://schemas.microsoft.com/office/powerpoint/2010/main" val="1556474539"/>
+      </p:ext>
+    </p:extLst>
+  </p:cSld>
+  <p:clrMapOvr>
+    <a:masterClrMapping/>
+  </p:clrMapOvr>
+  <p:timing>
+    <p:tnLst>
+      <p:par>
+        <p:cTn id="1" dur="indefinite" restart="never" nodeType="tmRoot"/>
+      </p:par>
+    </p:tnLst>
+  </p:timing>
+</p:sld>
+</file>
+
+<file path=ppt/slides/slide24.xml><?xml version="1.0" encoding="utf-8"?>
+<p:sld xmlns:a="http://schemas.openxmlformats.org/drawingml/2006/main" xmlns:r="http://schemas.openxmlformats.org/officeDocument/2006/relationships" xmlns:p="http://schemas.openxmlformats.org/presentationml/2006/main">
+  <p:cSld>
+    <p:spTree>
+      <p:nvGrpSpPr>
+        <p:cNvPr id="1" name=""/>
+        <p:cNvGrpSpPr/>
+        <p:nvPr/>
+      </p:nvGrpSpPr>
+      <p:grpSpPr>
+        <a:xfrm>
+          <a:off x="0" y="0"/>
+          <a:ext cx="0" cy="0"/>
+          <a:chOff x="0" y="0"/>
+          <a:chExt cx="0" cy="0"/>
+        </a:xfrm>
+      </p:grpSpPr>
+      <p:sp>
+        <p:nvSpPr>
+          <p:cNvPr id="18" name="Title 17"/>
+          <p:cNvSpPr>
+            <a:spLocks noGrp="1"/>
+          </p:cNvSpPr>
+          <p:nvPr>
+            <p:ph type="title"/>
+          </p:nvPr>
+        </p:nvSpPr>
+        <p:spPr/>
+        <p:txBody>
+          <a:bodyPr/>
+          <a:lstStyle/>
+          <a:p>
+            <a:r>
+              <a:rPr lang="en-US" dirty="0" smtClean="0"/>
+              <a:t>Focus del team di </a:t>
+            </a:r>
+            <a:r>
+              <a:rPr lang="en-US" dirty="0" err="1" smtClean="0"/>
+              <a:t>sviluppo</a:t>
+            </a:r>
+            <a:endParaRPr lang="en-US" dirty="0"/>
+          </a:p>
+        </p:txBody>
+      </p:sp>
+      <p:sp>
+        <p:nvSpPr>
+          <p:cNvPr id="19" name="Content Placeholder 18"/>
+          <p:cNvSpPr>
+            <a:spLocks noGrp="1"/>
+          </p:cNvSpPr>
+          <p:nvPr>
+            <p:ph idx="1"/>
+          </p:nvPr>
+        </p:nvSpPr>
+        <p:spPr/>
+        <p:txBody>
+          <a:bodyPr>
+            <a:normAutofit fontScale="92500"/>
+          </a:bodyPr>
+          <a:lstStyle/>
+          <a:p>
+            <a:pPr marL="571500" indent="-571500">
+              <a:buFont typeface="Arial" panose="020B0604020202020204" pitchFamily="34" charset="0"/>
+              <a:buChar char="•"/>
+            </a:pPr>
             <a:r>
               <a:rPr lang="en-US" dirty="0" err="1" smtClean="0"/>
               <a:t>Sviluppo</a:t>
@@ -5488,162 +5694,151 @@
             </a:r>
           </a:p>
           <a:p>
-            <a:endParaRPr lang="en-US" dirty="0"/>
-          </a:p>
-          <a:p>
+            <a:pPr marL="571500" indent="-571500">
+              <a:buFont typeface="Arial" panose="020B0604020202020204" pitchFamily="34" charset="0"/>
+              <a:buChar char="•"/>
+            </a:pPr>
+            <a:r>
+              <a:rPr lang="en-US" dirty="0" err="1" smtClean="0"/>
+              <a:t>Rendere</a:t>
+            </a:r>
+            <a:r>
+              <a:rPr lang="en-US" dirty="0" smtClean="0"/>
+              <a:t> </a:t>
+            </a:r>
+            <a:r>
+              <a:rPr lang="en-US" dirty="0" err="1" smtClean="0"/>
+              <a:t>il</a:t>
+            </a:r>
+            <a:r>
+              <a:rPr lang="en-US" dirty="0" smtClean="0"/>
+              <a:t> tool </a:t>
+            </a:r>
+            <a:r>
+              <a:rPr lang="en-US" dirty="0" err="1" smtClean="0"/>
+              <a:t>più</a:t>
+            </a:r>
+            <a:r>
+              <a:rPr lang="en-US" dirty="0" smtClean="0"/>
+              <a:t> “UI-driven”</a:t>
+            </a:r>
+            <a:endParaRPr lang="en-US" dirty="0" smtClean="0"/>
+          </a:p>
+          <a:p>
+            <a:pPr marL="571500" indent="-571500">
+              <a:buFont typeface="Arial" panose="020B0604020202020204" pitchFamily="34" charset="0"/>
+              <a:buChar char="•"/>
+            </a:pPr>
+            <a:r>
+              <a:rPr lang="en-US" dirty="0" err="1" smtClean="0"/>
+              <a:t>Rendere</a:t>
+            </a:r>
+            <a:r>
+              <a:rPr lang="en-US" dirty="0" smtClean="0"/>
+              <a:t> </a:t>
+            </a:r>
+            <a:r>
+              <a:rPr lang="en-US" dirty="0" err="1" smtClean="0"/>
+              <a:t>il</a:t>
+            </a:r>
+            <a:r>
+              <a:rPr lang="en-US" dirty="0" smtClean="0"/>
+              <a:t> tool </a:t>
+            </a:r>
+            <a:r>
+              <a:rPr lang="en-US" dirty="0" err="1" smtClean="0"/>
+              <a:t>più</a:t>
+            </a:r>
+            <a:r>
+              <a:rPr lang="en-US" dirty="0" smtClean="0"/>
+              <a:t> stabile </a:t>
+            </a:r>
+          </a:p>
+          <a:p>
+            <a:pPr marL="571500" indent="-571500">
+              <a:buFont typeface="Arial" panose="020B0604020202020204" pitchFamily="34" charset="0"/>
+              <a:buChar char="•"/>
+            </a:pPr>
+            <a:r>
+              <a:rPr lang="en-US" dirty="0" err="1"/>
+              <a:t>Rendere</a:t>
+            </a:r>
+            <a:r>
+              <a:rPr lang="en-US" dirty="0"/>
+              <a:t> </a:t>
+            </a:r>
+            <a:r>
+              <a:rPr lang="en-US" dirty="0" err="1"/>
+              <a:t>il</a:t>
+            </a:r>
+            <a:r>
+              <a:rPr lang="en-US" dirty="0"/>
+              <a:t> tool </a:t>
+            </a:r>
+            <a:r>
+              <a:rPr lang="en-US" dirty="0" err="1"/>
+              <a:t>più</a:t>
+            </a:r>
+            <a:r>
+              <a:rPr lang="en-US" dirty="0"/>
+              <a:t> </a:t>
+            </a:r>
+            <a:r>
+              <a:rPr lang="en-US" dirty="0" err="1" smtClean="0"/>
+              <a:t>performante</a:t>
+            </a:r>
+            <a:endParaRPr lang="en-US" dirty="0" smtClean="0"/>
+          </a:p>
+          <a:p>
+            <a:pPr marL="571500" indent="-571500">
+              <a:buFont typeface="Arial" panose="020B0604020202020204" pitchFamily="34" charset="0"/>
+              <a:buChar char="•"/>
+            </a:pPr>
             <a:r>
               <a:rPr lang="en-US" dirty="0" err="1" smtClean="0"/>
               <a:t>Sviluppo</a:t>
             </a:r>
             <a:r>
               <a:rPr lang="en-US" dirty="0" smtClean="0"/>
-              <a:t> del </a:t>
-            </a:r>
+              <a:t> </a:t>
+            </a:r>
+            <a:r>
+              <a:rPr lang="en-US" dirty="0"/>
+              <a:t>del </a:t>
+            </a:r>
+            <a:r>
+              <a:rPr lang="en-US" dirty="0" err="1"/>
+              <a:t>sistema</a:t>
+            </a:r>
+            <a:r>
+              <a:rPr lang="en-US" dirty="0"/>
+              <a:t> di </a:t>
+            </a:r>
+            <a:r>
+              <a:rPr lang="en-US" dirty="0" smtClean="0"/>
+              <a:t>Extensibility</a:t>
+            </a:r>
+          </a:p>
+          <a:p>
+            <a:pPr marL="1147527" lvl="1" indent="-571500">
+              <a:buFont typeface="Arial" panose="020B0604020202020204" pitchFamily="34" charset="0"/>
+              <a:buChar char="•"/>
+            </a:pPr>
             <a:r>
               <a:rPr lang="en-US" dirty="0" err="1" smtClean="0"/>
-              <a:t>sistema</a:t>
-            </a:r>
-            <a:r>
-              <a:rPr lang="en-US" dirty="0" smtClean="0"/>
-              <a:t> di Extensibility</a:t>
-            </a:r>
-          </a:p>
-          <a:p>
-            <a:endParaRPr lang="en-US" dirty="0"/>
-          </a:p>
-          <a:p>
+              <a:t>m</a:t>
+            </a:r>
             <a:r>
               <a:rPr lang="en-US" dirty="0" err="1" smtClean="0"/>
-              <a:t>Mettere</a:t>
-            </a:r>
-            <a:r>
-              <a:rPr lang="en-US" dirty="0" smtClean="0"/>
-              <a:t> a </a:t>
-            </a:r>
-            <a:r>
-              <a:rPr lang="en-US" dirty="0" err="1" smtClean="0"/>
-              <a:t>disposizione</a:t>
-            </a:r>
-            <a:r>
-              <a:rPr lang="en-US" dirty="0" smtClean="0"/>
-              <a:t> un </a:t>
-            </a:r>
-            <a:r>
-              <a:rPr lang="en-US" dirty="0" err="1" smtClean="0"/>
-              <a:t>ambiente</a:t>
+              <a:t>ettere</a:t>
             </a:r>
             <a:r>
               <a:rPr lang="en-US" dirty="0" smtClean="0"/>
               <a:t> </a:t>
             </a:r>
             <a:r>
-              <a:rPr lang="en-US" dirty="0" err="1" smtClean="0"/>
-              <a:t>ottimale</a:t>
-            </a:r>
-            <a:r>
-              <a:rPr lang="en-US" dirty="0" smtClean="0"/>
-              <a:t>, stabile e “</a:t>
-            </a:r>
-            <a:r>
-              <a:rPr lang="en-US" dirty="0" err="1" smtClean="0"/>
-              <a:t>ricco</a:t>
-            </a:r>
-            <a:r>
-              <a:rPr lang="en-US" dirty="0" smtClean="0"/>
-              <a:t>” per lo </a:t>
-            </a:r>
-            <a:r>
-              <a:rPr lang="en-US" dirty="0" err="1" smtClean="0"/>
-              <a:t>sviluppo</a:t>
-            </a:r>
-            <a:r>
-              <a:rPr lang="en-US" dirty="0" smtClean="0"/>
-              <a:t> e la </a:t>
-            </a:r>
-            <a:r>
-              <a:rPr lang="en-US" dirty="0" err="1" smtClean="0"/>
-              <a:t>gestione</a:t>
-            </a:r>
-            <a:r>
-              <a:rPr lang="en-US" dirty="0" smtClean="0"/>
-              <a:t> </a:t>
-            </a:r>
-            <a:r>
-              <a:rPr lang="en-US" dirty="0" err="1" smtClean="0"/>
-              <a:t>delle</a:t>
-            </a:r>
-            <a:r>
-              <a:rPr lang="en-US" dirty="0" smtClean="0"/>
-              <a:t> </a:t>
-            </a:r>
-            <a:r>
-              <a:rPr lang="en-US" dirty="0" err="1" smtClean="0"/>
-              <a:t>basi</a:t>
-            </a:r>
-            <a:r>
-              <a:rPr lang="en-US" dirty="0" smtClean="0"/>
-              <a:t> </a:t>
-            </a:r>
-            <a:r>
-              <a:rPr lang="en-US" dirty="0" err="1" smtClean="0"/>
-              <a:t>dati</a:t>
-            </a:r>
-            <a:r>
-              <a:rPr lang="en-US" dirty="0" smtClean="0"/>
-              <a:t> </a:t>
-            </a:r>
-            <a:r>
-              <a:rPr lang="en-US" dirty="0" err="1" smtClean="0"/>
-              <a:t>attraverso</a:t>
-            </a:r>
-            <a:r>
-              <a:rPr lang="en-US" dirty="0" smtClean="0"/>
-              <a:t> un </a:t>
-            </a:r>
-            <a:r>
-              <a:rPr lang="en-US" dirty="0" err="1" smtClean="0"/>
-              <a:t>sistema</a:t>
-            </a:r>
-            <a:r>
-              <a:rPr lang="en-US" dirty="0" smtClean="0"/>
-              <a:t> </a:t>
-            </a:r>
-            <a:r>
-              <a:rPr lang="en-US" dirty="0" err="1" smtClean="0"/>
-              <a:t>fortemente</a:t>
-            </a:r>
-            <a:r>
-              <a:rPr lang="en-US" dirty="0" smtClean="0"/>
-              <a:t> </a:t>
-            </a:r>
-            <a:r>
-              <a:rPr lang="en-US" dirty="0" err="1" smtClean="0"/>
-              <a:t>orientato</a:t>
-            </a:r>
-            <a:r>
-              <a:rPr lang="en-US" dirty="0" smtClean="0"/>
-              <a:t> </a:t>
-            </a:r>
-            <a:r>
-              <a:rPr lang="en-US" dirty="0" err="1" smtClean="0"/>
-              <a:t>all’estendibilità</a:t>
-            </a:r>
-            <a:r>
-              <a:rPr lang="en-US" dirty="0" smtClean="0"/>
-              <a:t>. </a:t>
-            </a:r>
-          </a:p>
-          <a:p>
-            <a:endParaRPr lang="en-US" dirty="0"/>
-          </a:p>
-          <a:p>
-            <a:r>
-              <a:rPr lang="en-US" dirty="0" err="1" smtClean="0"/>
-              <a:t>Mettere</a:t>
-            </a:r>
-            <a:r>
-              <a:rPr lang="en-US" dirty="0" smtClean="0"/>
-              <a:t> in </a:t>
+              <a:rPr lang="en-US" dirty="0" smtClean="0"/>
+              <a:t>in </a:t>
             </a:r>
             <a:r>
               <a:rPr lang="en-US" dirty="0" err="1" smtClean="0"/>
@@ -5663,19 +5858,15 @@
             </a:r>
             <a:r>
               <a:rPr lang="en-US" dirty="0" err="1" smtClean="0"/>
-              <a:t>poter</a:t>
+              <a:t>sviluppare</a:t>
             </a:r>
             <a:r>
               <a:rPr lang="en-US" dirty="0" smtClean="0"/>
               <a:t> </a:t>
             </a:r>
             <a:r>
-              <a:rPr lang="en-US" dirty="0" err="1" smtClean="0"/>
-              <a:t>sviluppare</a:t>
-            </a:r>
-            <a:r>
-              <a:rPr lang="en-US" dirty="0" smtClean="0"/>
-              <a:t> le </a:t>
+              <a:rPr lang="en-US" dirty="0" smtClean="0"/>
+              <a:t>le </a:t>
             </a:r>
             <a:r>
               <a:rPr lang="en-US" dirty="0" err="1" smtClean="0"/>
@@ -5727,7 +5918,7 @@
 </p:sld>
 </file>
 
-<file path=ppt/slides/slide24.xml><?xml version="1.0" encoding="utf-8"?>
+<file path=ppt/slides/slide25.xml><?xml version="1.0" encoding="utf-8"?>
 <p:sld xmlns:a="http://schemas.openxmlformats.org/drawingml/2006/main" xmlns:r="http://schemas.openxmlformats.org/officeDocument/2006/relationships" xmlns:p="http://schemas.openxmlformats.org/presentationml/2006/main">
   <p:cSld>
     <p:spTree>
@@ -5863,180 +6054,6 @@
 </p:sld>
 </file>
 
-<file path=ppt/slides/slide25.xml><?xml version="1.0" encoding="utf-8"?>
-<p:sld xmlns:a="http://schemas.openxmlformats.org/drawingml/2006/main" xmlns:r="http://schemas.openxmlformats.org/officeDocument/2006/relationships" xmlns:p="http://schemas.openxmlformats.org/presentationml/2006/main">
-  <p:cSld>
-    <p:spTree>
-      <p:nvGrpSpPr>
-        <p:cNvPr id="1" name=""/>
-        <p:cNvGrpSpPr/>
-        <p:nvPr/>
-      </p:nvGrpSpPr>
-      <p:grpSpPr>
-        <a:xfrm>
-          <a:off x="0" y="0"/>
-          <a:ext cx="0" cy="0"/>
-          <a:chOff x="0" y="0"/>
-          <a:chExt cx="0" cy="0"/>
-        </a:xfrm>
-      </p:grpSpPr>
-      <p:sp>
-        <p:nvSpPr>
-          <p:cNvPr id="18" name="Title 17"/>
-          <p:cNvSpPr>
-            <a:spLocks noGrp="1"/>
-          </p:cNvSpPr>
-          <p:nvPr>
-            <p:ph type="title"/>
-          </p:nvPr>
-        </p:nvSpPr>
-        <p:spPr/>
-        <p:txBody>
-          <a:bodyPr/>
-          <a:lstStyle/>
-          <a:p>
-            <a:r>
-              <a:rPr lang="en-US" dirty="0" err="1" smtClean="0"/>
-              <a:t>Prospettive</a:t>
-            </a:r>
-            <a:r>
-              <a:rPr lang="en-US" dirty="0" smtClean="0"/>
-              <a:t> future e </a:t>
-            </a:r>
-            <a:r>
-              <a:rPr lang="en-US" dirty="0" err="1" smtClean="0"/>
-              <a:t>domande</a:t>
-            </a:r>
-            <a:r>
-              <a:rPr lang="en-US" dirty="0" smtClean="0"/>
-              <a:t> </a:t>
-            </a:r>
-            <a:r>
-              <a:rPr lang="en-US" dirty="0" err="1" smtClean="0"/>
-              <a:t>comuni</a:t>
-            </a:r>
-            <a:endParaRPr lang="en-US" dirty="0"/>
-          </a:p>
-        </p:txBody>
-      </p:sp>
-      <p:sp>
-        <p:nvSpPr>
-          <p:cNvPr id="19" name="Content Placeholder 18"/>
-          <p:cNvSpPr>
-            <a:spLocks noGrp="1"/>
-          </p:cNvSpPr>
-          <p:nvPr>
-            <p:ph idx="1"/>
-          </p:nvPr>
-        </p:nvSpPr>
-        <p:spPr/>
-        <p:txBody>
-          <a:bodyPr>
-            <a:normAutofit/>
-          </a:bodyPr>
-          <a:lstStyle/>
-          <a:p>
-            <a:r>
-              <a:rPr lang="en-US" dirty="0" smtClean="0"/>
-              <a:t>A </a:t>
-            </a:r>
-            <a:r>
-              <a:rPr lang="en-US" dirty="0" err="1" smtClean="0"/>
-              <a:t>quando</a:t>
-            </a:r>
-            <a:r>
-              <a:rPr lang="en-US" dirty="0" smtClean="0"/>
-              <a:t> la General Availability?</a:t>
-            </a:r>
-            <a:endParaRPr lang="en-US" dirty="0"/>
-          </a:p>
-          <a:p>
-            <a:endParaRPr lang="en-US" dirty="0" smtClean="0"/>
-          </a:p>
-          <a:p>
-            <a:r>
-              <a:rPr lang="en-US" dirty="0" smtClean="0"/>
-              <a:t>SQL Ops Studio </a:t>
-            </a:r>
-            <a:r>
-              <a:rPr lang="en-US" dirty="0" err="1" smtClean="0"/>
-              <a:t>sostituirà</a:t>
-            </a:r>
-            <a:r>
-              <a:rPr lang="en-US" dirty="0" smtClean="0"/>
-              <a:t> SSMS?</a:t>
-            </a:r>
-          </a:p>
-          <a:p>
-            <a:endParaRPr lang="en-US" dirty="0" smtClean="0"/>
-          </a:p>
-          <a:p>
-            <a:r>
-              <a:rPr lang="en-US" dirty="0" err="1" smtClean="0"/>
-              <a:t>Che</a:t>
-            </a:r>
-            <a:r>
-              <a:rPr lang="en-US" dirty="0" smtClean="0"/>
-              <a:t> ne è </a:t>
-            </a:r>
-            <a:r>
-              <a:rPr lang="en-US" dirty="0" err="1" smtClean="0"/>
-              <a:t>delle</a:t>
-            </a:r>
-            <a:r>
-              <a:rPr lang="en-US" dirty="0" smtClean="0"/>
-              <a:t> </a:t>
-            </a:r>
-            <a:r>
-              <a:rPr lang="en-US" dirty="0" err="1" smtClean="0"/>
-              <a:t>altre</a:t>
-            </a:r>
-            <a:r>
-              <a:rPr lang="en-US" dirty="0" smtClean="0"/>
-              <a:t> </a:t>
-            </a:r>
-            <a:r>
-              <a:rPr lang="en-US" dirty="0" err="1" smtClean="0"/>
-              <a:t>componenti</a:t>
-            </a:r>
-            <a:r>
-              <a:rPr lang="en-US" dirty="0" smtClean="0"/>
-              <a:t> (SSRS, SSIS, </a:t>
-            </a:r>
-            <a:r>
-              <a:rPr lang="en-US" dirty="0" err="1" smtClean="0"/>
-              <a:t>etc</a:t>
-            </a:r>
-            <a:r>
-              <a:rPr lang="en-US" dirty="0" smtClean="0"/>
-              <a:t>) ?</a:t>
-            </a:r>
-          </a:p>
-          <a:p>
-            <a:endParaRPr lang="en-US" dirty="0"/>
-          </a:p>
-        </p:txBody>
-      </p:sp>
-    </p:spTree>
-    <p:extLst>
-      <p:ext uri="{BB962C8B-B14F-4D97-AF65-F5344CB8AC3E}">
-        <p14:creationId xmlns:p14="http://schemas.microsoft.com/office/powerpoint/2010/main" val="1556474539"/>
-      </p:ext>
-    </p:extLst>
-  </p:cSld>
-  <p:clrMapOvr>
-    <a:masterClrMapping/>
-  </p:clrMapOvr>
-  <p:timing>
-    <p:tnLst>
-      <p:par>
-        <p:cTn id="1" dur="indefinite" restart="never" nodeType="tmRoot"/>
-      </p:par>
-    </p:tnLst>
-  </p:timing>
-</p:sld>
-</file>
-
 <file path=ppt/slides/slide26.xml><?xml version="1.0" encoding="utf-8"?>
 <p:sld xmlns:a="http://schemas.openxmlformats.org/drawingml/2006/main" xmlns:r="http://schemas.openxmlformats.org/officeDocument/2006/relationships" xmlns:p="http://schemas.openxmlformats.org/presentationml/2006/main">
   <p:cSld>
@@ -6070,8 +6087,101 @@
           <a:lstStyle/>
           <a:p>
             <a:r>
-              <a:rPr lang="en-US" dirty="0" smtClean="0"/>
-              <a:t>Release plan</a:t>
+              <a:rPr lang="en-US" dirty="0" err="1" smtClean="0"/>
+              <a:t>Sviluppo</a:t>
+            </a:r>
+            <a:r>
+              <a:rPr lang="en-US" dirty="0" smtClean="0"/>
+              <a:t> e Release </a:t>
+            </a:r>
+            <a:r>
+              <a:rPr lang="en-US" dirty="0"/>
+              <a:t>plan</a:t>
+            </a:r>
+            <a:endParaRPr lang="en-US" dirty="0"/>
+          </a:p>
+        </p:txBody>
+      </p:sp>
+      <p:sp>
+        <p:nvSpPr>
+          <p:cNvPr id="19" name="Content Placeholder 18"/>
+          <p:cNvSpPr>
+            <a:spLocks noGrp="1"/>
+          </p:cNvSpPr>
+          <p:nvPr>
+            <p:ph idx="1"/>
+          </p:nvPr>
+        </p:nvSpPr>
+        <p:spPr>
+          <a:xfrm>
+            <a:off x="360125" y="1439813"/>
+            <a:ext cx="5310857" cy="4297108"/>
+          </a:xfrm>
+        </p:spPr>
+        <p:txBody>
+          <a:bodyPr>
+            <a:normAutofit/>
+          </a:bodyPr>
+          <a:lstStyle/>
+          <a:p>
+            <a:pPr marL="571500" indent="-571500">
+              <a:buFont typeface="Arial" panose="020B0604020202020204" pitchFamily="34" charset="0"/>
+              <a:buChar char="•"/>
+            </a:pPr>
+            <a:r>
+              <a:rPr lang="en-US" dirty="0" smtClean="0"/>
+              <a:t>Community driven</a:t>
+            </a:r>
+            <a:endParaRPr lang="en-US" dirty="0"/>
+          </a:p>
+          <a:p>
+            <a:pPr marL="571500" indent="-571500">
+              <a:buFont typeface="Arial" panose="020B0604020202020204" pitchFamily="34" charset="0"/>
+              <a:buChar char="•"/>
+            </a:pPr>
+            <a:r>
+              <a:rPr lang="en-US" dirty="0" smtClean="0"/>
+              <a:t>Scenario CI e CD</a:t>
+            </a:r>
+          </a:p>
+          <a:p>
+            <a:pPr marL="571500" indent="-571500">
+              <a:buFont typeface="Arial" panose="020B0604020202020204" pitchFamily="34" charset="0"/>
+              <a:buChar char="•"/>
+            </a:pPr>
+            <a:r>
+              <a:rPr lang="en-US" dirty="0" err="1" smtClean="0"/>
+              <a:t>Rilasci</a:t>
+            </a:r>
+            <a:r>
+              <a:rPr lang="en-US" dirty="0" smtClean="0"/>
+              <a:t> a </a:t>
+            </a:r>
+            <a:r>
+              <a:rPr lang="en-US" dirty="0" err="1" smtClean="0"/>
+              <a:t>scadenza</a:t>
+            </a:r>
+            <a:r>
+              <a:rPr lang="en-US" dirty="0" smtClean="0"/>
+              <a:t> </a:t>
+            </a:r>
+            <a:r>
+              <a:rPr lang="en-US" dirty="0" err="1" smtClean="0"/>
+              <a:t>mensile</a:t>
+            </a:r>
+            <a:endParaRPr lang="en-US" dirty="0" smtClean="0"/>
+          </a:p>
+          <a:p>
+            <a:endParaRPr lang="en-US" dirty="0" smtClean="0"/>
+          </a:p>
+          <a:p>
+            <a:pPr marL="571500" indent="-571500">
+              <a:buFont typeface="Arial" panose="020B0604020202020204" pitchFamily="34" charset="0"/>
+              <a:buChar char="•"/>
+            </a:pPr>
+            <a:r>
+              <a:rPr lang="en-US" dirty="0" smtClean="0"/>
+              <a:t>Initial GA</a:t>
             </a:r>
             <a:endParaRPr lang="en-US" dirty="0"/>
           </a:p>
@@ -6079,7 +6189,7 @@
       </p:sp>
       <p:pic>
         <p:nvPicPr>
-          <p:cNvPr id="3" name="Picture 2"/>
+          <p:cNvPr id="4" name="Picture 3"/>
           <p:cNvPicPr>
             <a:picLocks noChangeAspect="1"/>
           </p:cNvPicPr>
@@ -6093,18 +6203,112 @@
         </p:blipFill>
         <p:spPr>
           <a:xfrm>
-            <a:off x="2287020" y="1213658"/>
-            <a:ext cx="6441343" cy="4613564"/>
+            <a:off x="5670982" y="1439813"/>
+            <a:ext cx="5490056" cy="3932212"/>
           </a:xfrm>
           <a:prstGeom prst="rect">
             <a:avLst/>
           </a:prstGeom>
         </p:spPr>
       </p:pic>
+      <p:sp>
+        <p:nvSpPr>
+          <p:cNvPr id="3" name="Right Arrow 2"/>
+          <p:cNvSpPr/>
+          <p:nvPr/>
+        </p:nvSpPr>
+        <p:spPr>
+          <a:xfrm>
+            <a:off x="3300152" y="4657131"/>
+            <a:ext cx="2219498" cy="613139"/>
+          </a:xfrm>
+          <a:prstGeom prst="rightArrow">
+            <a:avLst>
+              <a:gd name="adj1" fmla="val 0"/>
+              <a:gd name="adj2" fmla="val 83894"/>
+            </a:avLst>
+          </a:prstGeom>
+        </p:spPr>
+        <p:style>
+          <a:lnRef idx="2">
+            <a:schemeClr val="accent6">
+              <a:shade val="50000"/>
+            </a:schemeClr>
+          </a:lnRef>
+          <a:fillRef idx="1">
+            <a:schemeClr val="accent6"/>
+          </a:fillRef>
+          <a:effectRef idx="0">
+            <a:schemeClr val="accent6"/>
+          </a:effectRef>
+          <a:fontRef idx="minor">
+            <a:schemeClr val="lt1"/>
+          </a:fontRef>
+        </p:style>
+        <p:txBody>
+          <a:bodyPr lIns="0" tIns="0" rIns="0" bIns="0" rtlCol="0" anchor="ctr">
+            <a:spAutoFit/>
+          </a:bodyPr>
+          <a:lstStyle/>
+          <a:p>
+            <a:pPr algn="l"/>
+            <a:endParaRPr lang="en-US" sz="2400" dirty="0" smtClean="0">
+              <a:solidFill>
+                <a:schemeClr val="accent1"/>
+              </a:solidFill>
+            </a:endParaRPr>
+          </a:p>
+        </p:txBody>
+      </p:sp>
+      <p:sp>
+        <p:nvSpPr>
+          <p:cNvPr id="5" name="Rectangle 4"/>
+          <p:cNvSpPr/>
+          <p:nvPr/>
+        </p:nvSpPr>
+        <p:spPr>
+          <a:xfrm>
+            <a:off x="5761038" y="4779818"/>
+            <a:ext cx="5253326" cy="423949"/>
+          </a:xfrm>
+          <a:prstGeom prst="rect">
+            <a:avLst/>
+          </a:prstGeom>
+          <a:noFill/>
+        </p:spPr>
+        <p:style>
+          <a:lnRef idx="2">
+            <a:schemeClr val="accent6"/>
+          </a:lnRef>
+          <a:fillRef idx="1">
+            <a:schemeClr val="lt1"/>
+          </a:fillRef>
+          <a:effectRef idx="0">
+            <a:schemeClr val="accent6"/>
+          </a:effectRef>
+          <a:fontRef idx="minor">
+            <a:schemeClr val="dk1"/>
+          </a:fontRef>
+        </p:style>
+        <p:txBody>
+          <a:bodyPr lIns="0" tIns="0" rIns="0" bIns="0" rtlCol="0" anchor="ctr">
+            <a:spAutoFit/>
+          </a:bodyPr>
+          <a:lstStyle/>
+          <a:p>
+            <a:pPr algn="l"/>
+            <a:endParaRPr lang="en-US" sz="2400" dirty="0" smtClean="0">
+              <a:solidFill>
+                <a:schemeClr val="accent1"/>
+              </a:solidFill>
+            </a:endParaRPr>
+          </a:p>
+        </p:txBody>
+      </p:sp>
     </p:spTree>
     <p:extLst>
       <p:ext uri="{BB962C8B-B14F-4D97-AF65-F5344CB8AC3E}">
-        <p14:creationId xmlns:p14="http://schemas.microsoft.com/office/powerpoint/2010/main" val="701932684"/>
+        <p14:creationId xmlns:p14="http://schemas.microsoft.com/office/powerpoint/2010/main" val="4112671571"/>
       </p:ext>
     </p:extLst>
   </p:cSld>
@@ -6154,8 +6358,16 @@
           <a:lstStyle/>
           <a:p>
             <a:r>
-              <a:rPr lang="en-US" dirty="0" err="1" smtClean="0"/>
-              <a:t>Risorse</a:t>
+              <a:rPr lang="en-US" dirty="0"/>
+              <a:t>SQL Ops Studio </a:t>
+            </a:r>
+            <a:r>
+              <a:rPr lang="en-US" dirty="0" err="1"/>
+              <a:t>sostituirà</a:t>
+            </a:r>
+            <a:r>
+              <a:rPr lang="en-US" dirty="0"/>
+              <a:t> SSMS?</a:t>
             </a:r>
             <a:endParaRPr lang="en-US" dirty="0"/>
           </a:p>
@@ -6174,147 +6386,78 @@
         <p:spPr/>
         <p:txBody>
           <a:bodyPr>
-            <a:normAutofit fontScale="92500" lnSpcReduction="10000"/>
+            <a:normAutofit/>
           </a:bodyPr>
           <a:lstStyle/>
           <a:p>
             <a:r>
-              <a:rPr lang="en-US" sz="2400" dirty="0" err="1" smtClean="0"/>
-              <a:t>Github</a:t>
-            </a:r>
-            <a:endParaRPr lang="en-US" sz="2400" dirty="0" smtClean="0"/>
-          </a:p>
-          <a:p>
-            <a:r>
-              <a:rPr lang="en-US" sz="2400" dirty="0" smtClean="0">
-                <a:hlinkClick r:id="rId2"/>
-              </a:rPr>
-              <a:t>https</a:t>
-            </a:r>
-            <a:r>
-              <a:rPr lang="en-US" sz="2400" dirty="0">
-                <a:hlinkClick r:id="rId2"/>
-              </a:rPr>
-              <a:t>://</a:t>
-            </a:r>
-            <a:r>
-              <a:rPr lang="en-US" sz="2400" dirty="0" smtClean="0">
-                <a:hlinkClick r:id="rId2"/>
-              </a:rPr>
-              <a:t>github.com/Microsoft/sqlopsstudio</a:t>
-            </a:r>
-            <a:endParaRPr lang="en-US" sz="2400" dirty="0" smtClean="0"/>
-          </a:p>
-          <a:p>
-            <a:endParaRPr lang="en-US" sz="2400" dirty="0" smtClean="0"/>
-          </a:p>
-          <a:p>
-            <a:r>
-              <a:rPr lang="en-US" sz="2400" dirty="0" err="1" smtClean="0"/>
-              <a:t>Documentazione</a:t>
-            </a:r>
-            <a:r>
-              <a:rPr lang="en-US" sz="2400" dirty="0" smtClean="0"/>
-              <a:t> online</a:t>
-            </a:r>
-          </a:p>
-          <a:p>
-            <a:r>
-              <a:rPr lang="en-US" sz="2400" dirty="0" smtClean="0">
-                <a:hlinkClick r:id="rId3"/>
-              </a:rPr>
-              <a:t>https://docs.microsoft.com/en-us/sql/sql-operations-studio/what-is</a:t>
-            </a:r>
-            <a:endParaRPr lang="en-US" sz="2400" dirty="0" smtClean="0"/>
-          </a:p>
-          <a:p>
-            <a:endParaRPr lang="en-US" sz="2400" dirty="0" smtClean="0"/>
-          </a:p>
-          <a:p>
-            <a:r>
-              <a:rPr lang="en-US" sz="2400" dirty="0" smtClean="0"/>
-              <a:t>Account </a:t>
-            </a:r>
-            <a:r>
-              <a:rPr lang="en-US" sz="2400" dirty="0" smtClean="0"/>
-              <a:t>twitter </a:t>
-            </a:r>
-            <a:r>
-              <a:rPr lang="en-US" sz="2400" dirty="0" err="1" smtClean="0"/>
+              <a:rPr lang="en-US" dirty="0" smtClean="0"/>
+              <a:t>Come </a:t>
+            </a:r>
+            <a:r>
+              <a:rPr lang="en-US" dirty="0" err="1" smtClean="0"/>
+              <a:t>riportato</a:t>
+            </a:r>
+            <a:r>
+              <a:rPr lang="en-US" dirty="0" smtClean="0"/>
+              <a:t> </a:t>
+            </a:r>
+            <a:r>
+              <a:rPr lang="en-US" dirty="0" err="1" smtClean="0"/>
+              <a:t>sulla</a:t>
+            </a:r>
+            <a:r>
+              <a:rPr lang="en-US" dirty="0" smtClean="0"/>
+              <a:t> FAQ del </a:t>
+            </a:r>
+            <a:r>
+              <a:rPr lang="en-US" dirty="0" err="1" smtClean="0"/>
+              <a:t>sito</a:t>
+            </a:r>
+            <a:r>
+              <a:rPr lang="en-US" dirty="0" smtClean="0"/>
+              <a:t> </a:t>
+            </a:r>
+            <a:r>
+              <a:rPr lang="en-US" dirty="0" err="1" smtClean="0"/>
               <a:t>ufficiale</a:t>
             </a:r>
             <a:r>
-              <a:rPr lang="en-US" sz="2400" dirty="0" smtClean="0"/>
-              <a:t> - @</a:t>
-            </a:r>
-            <a:r>
-              <a:rPr lang="en-US" sz="2400" dirty="0" err="1" smtClean="0"/>
-              <a:t>sqlopsstudio</a:t>
-            </a:r>
-            <a:endParaRPr lang="en-US" sz="2400" dirty="0" smtClean="0"/>
-          </a:p>
-          <a:p>
-            <a:r>
-              <a:rPr lang="en-US" sz="2400" dirty="0">
-                <a:hlinkClick r:id="rId4"/>
-              </a:rPr>
-              <a:t>https://</a:t>
-            </a:r>
-            <a:r>
-              <a:rPr lang="en-US" sz="2400" dirty="0" smtClean="0">
-                <a:hlinkClick r:id="rId4"/>
-              </a:rPr>
-              <a:t>twitter.com/sqlopsstudio</a:t>
-            </a:r>
-            <a:endParaRPr lang="en-US" sz="2400" dirty="0" smtClean="0"/>
-          </a:p>
-          <a:p>
-            <a:endParaRPr lang="en-US" sz="2400" dirty="0" smtClean="0"/>
-          </a:p>
-          <a:p>
-            <a:r>
-              <a:rPr lang="en-US" sz="2400" dirty="0"/>
-              <a:t>SQL Operations Studio – Comprehensive guide to the new database DevOps tool</a:t>
-            </a:r>
-            <a:r>
-              <a:rPr lang="en-US" sz="2400" dirty="0" smtClean="0"/>
-              <a:t>!</a:t>
-            </a:r>
-            <a:r>
-              <a:rPr lang="en-US" dirty="0" smtClean="0"/>
-              <a:t> </a:t>
-            </a:r>
-          </a:p>
-          <a:p>
-            <a:r>
-              <a:rPr lang="en-US" sz="2400" dirty="0">
-                <a:hlinkClick r:id="rId5"/>
-              </a:rPr>
-              <a:t>http://blog.sqlterritory.com/2017/12/19/sql-operations-studio-comprehensive-guide</a:t>
-            </a:r>
-            <a:r>
-              <a:rPr lang="en-US" sz="2400" dirty="0" smtClean="0">
-                <a:hlinkClick r:id="rId5"/>
-              </a:rPr>
-              <a:t>/</a:t>
-            </a:r>
-            <a:endParaRPr lang="en-US" sz="2400" dirty="0" smtClean="0"/>
-          </a:p>
-          <a:p>
-            <a:endParaRPr lang="en-US" dirty="0" smtClean="0"/>
-          </a:p>
-          <a:p>
-            <a:endParaRPr lang="en-US" dirty="0" smtClean="0"/>
-          </a:p>
-          <a:p>
+              <a:rPr lang="en-US" dirty="0" smtClean="0"/>
+              <a:t>:</a:t>
+            </a:r>
             <a:endParaRPr lang="en-US" dirty="0"/>
           </a:p>
         </p:txBody>
       </p:sp>
+      <p:pic>
+        <p:nvPicPr>
+          <p:cNvPr id="2" name="Picture 1"/>
+          <p:cNvPicPr>
+            <a:picLocks noChangeAspect="1"/>
+          </p:cNvPicPr>
+          <p:nvPr/>
+        </p:nvPicPr>
+        <p:blipFill>
+          <a:blip r:embed="rId2"/>
+          <a:stretch>
+            <a:fillRect/>
+          </a:stretch>
+        </p:blipFill>
+        <p:spPr>
+          <a:xfrm>
+            <a:off x="621387" y="2435224"/>
+            <a:ext cx="10277475" cy="1609725"/>
+          </a:xfrm>
+          <a:prstGeom prst="rect">
+            <a:avLst/>
+          </a:prstGeom>
+        </p:spPr>
+      </p:pic>
     </p:spTree>
     <p:extLst>
       <p:ext uri="{BB962C8B-B14F-4D97-AF65-F5344CB8AC3E}">
-        <p14:creationId xmlns:p14="http://schemas.microsoft.com/office/powerpoint/2010/main" val="4106770360"/>
+        <p14:creationId xmlns:p14="http://schemas.microsoft.com/office/powerpoint/2010/main" val="3677202043"/>
       </p:ext>
     </p:extLst>
   </p:cSld>
@@ -6350,13 +6493,58 @@
       </p:grpSpPr>
       <p:sp>
         <p:nvSpPr>
-          <p:cNvPr id="4" name="Content Placeholder 3">
-            <a:extLst>
-              <a:ext uri="{FF2B5EF4-FFF2-40B4-BE49-F238E27FC236}">
-                <a16:creationId xmlns:a16="http://schemas.microsoft.com/office/drawing/2014/main" id="{7218A010-E06F-414D-A589-4DC9321FFF64}"/>
-              </a:ext>
-            </a:extLst>
-          </p:cNvPr>
+          <p:cNvPr id="18" name="Title 17"/>
+          <p:cNvSpPr>
+            <a:spLocks noGrp="1"/>
+          </p:cNvSpPr>
+          <p:nvPr>
+            <p:ph type="title"/>
+          </p:nvPr>
+        </p:nvSpPr>
+        <p:spPr/>
+        <p:txBody>
+          <a:bodyPr/>
+          <a:lstStyle/>
+          <a:p>
+            <a:r>
+              <a:rPr lang="en-US" dirty="0" err="1"/>
+              <a:t>Che</a:t>
+            </a:r>
+            <a:r>
+              <a:rPr lang="en-US" dirty="0"/>
+              <a:t> ne è </a:t>
+            </a:r>
+            <a:r>
+              <a:rPr lang="en-US" dirty="0" err="1"/>
+              <a:t>delle</a:t>
+            </a:r>
+            <a:r>
+              <a:rPr lang="en-US" dirty="0"/>
+              <a:t> </a:t>
+            </a:r>
+            <a:r>
+              <a:rPr lang="en-US" dirty="0" err="1"/>
+              <a:t>altre</a:t>
+            </a:r>
+            <a:r>
+              <a:rPr lang="en-US" dirty="0"/>
+              <a:t> </a:t>
+            </a:r>
+            <a:r>
+              <a:rPr lang="en-US" dirty="0" err="1"/>
+              <a:t>componenti</a:t>
+            </a:r>
+            <a:r>
+              <a:rPr lang="en-US" dirty="0"/>
+              <a:t>?</a:t>
+            </a:r>
+            <a:endParaRPr lang="en-US" dirty="0"/>
+          </a:p>
+        </p:txBody>
+      </p:sp>
+      <p:sp>
+        <p:nvSpPr>
+          <p:cNvPr id="19" name="Content Placeholder 18"/>
           <p:cNvSpPr>
             <a:spLocks noGrp="1"/>
           </p:cNvSpPr>
@@ -6367,65 +6555,256 @@
         <p:spPr/>
         <p:txBody>
           <a:bodyPr>
-            <a:normAutofit/>
+            <a:normAutofit fontScale="85000" lnSpcReduction="20000"/>
           </a:bodyPr>
           <a:lstStyle/>
           <a:p>
-            <a:pPr algn="ctr"/>
-            <a:endParaRPr lang="it-IT" dirty="0" smtClean="0"/>
-          </a:p>
-          <a:p>
-            <a:pPr algn="ctr"/>
-            <a:endParaRPr lang="it-IT" dirty="0"/>
-          </a:p>
-          <a:p>
-            <a:pPr algn="ctr"/>
-            <a:r>
-              <a:rPr lang="it-IT" dirty="0" smtClean="0"/>
-              <a:t>Domande?</a:t>
-            </a:r>
-          </a:p>
-          <a:p>
-            <a:pPr algn="ctr"/>
+            <a:pPr marL="571500" indent="-571500">
+              <a:buFont typeface="Arial" panose="020B0604020202020204" pitchFamily="34" charset="0"/>
+              <a:buChar char="•"/>
+            </a:pPr>
+            <a:r>
+              <a:rPr lang="en-US" dirty="0" err="1" smtClean="0"/>
+              <a:t>Alcuni</a:t>
+            </a:r>
+            <a:r>
+              <a:rPr lang="en-US" dirty="0" smtClean="0"/>
+              <a:t> </a:t>
+            </a:r>
+            <a:r>
+              <a:rPr lang="en-US" dirty="0" err="1" smtClean="0"/>
+              <a:t>strumenti</a:t>
+            </a:r>
+            <a:r>
+              <a:rPr lang="en-US" dirty="0" smtClean="0"/>
+              <a:t> </a:t>
+            </a:r>
+            <a:r>
+              <a:rPr lang="en-US" dirty="0" err="1" smtClean="0"/>
+              <a:t>sembra</a:t>
+            </a:r>
+            <a:r>
+              <a:rPr lang="en-US" dirty="0" smtClean="0"/>
+              <a:t> non </a:t>
+            </a:r>
+            <a:r>
+              <a:rPr lang="en-US" dirty="0" err="1" smtClean="0"/>
+              <a:t>rientreranno</a:t>
+            </a:r>
+            <a:r>
+              <a:rPr lang="en-US" dirty="0" smtClean="0"/>
+              <a:t> </a:t>
+            </a:r>
+            <a:r>
+              <a:rPr lang="en-US" dirty="0" err="1" smtClean="0"/>
+              <a:t>nel</a:t>
+            </a:r>
+            <a:r>
+              <a:rPr lang="en-US" dirty="0" smtClean="0"/>
+              <a:t> </a:t>
+            </a:r>
+            <a:r>
+              <a:rPr lang="en-US" dirty="0" err="1" smtClean="0"/>
+              <a:t>progetto</a:t>
+            </a:r>
+            <a:endParaRPr lang="en-US" dirty="0" smtClean="0"/>
+          </a:p>
+          <a:p>
+            <a:pPr marL="1723553" lvl="2" indent="-571500">
+              <a:buFont typeface="Arial" panose="020B0604020202020204" pitchFamily="34" charset="0"/>
+              <a:buChar char="•"/>
+            </a:pPr>
+            <a:r>
+              <a:rPr lang="en-US" dirty="0" smtClean="0"/>
+              <a:t>Reporting Services</a:t>
+            </a:r>
+          </a:p>
+          <a:p>
+            <a:pPr marL="1723553" lvl="2" indent="-571500">
+              <a:buFont typeface="Arial" panose="020B0604020202020204" pitchFamily="34" charset="0"/>
+              <a:buChar char="•"/>
+            </a:pPr>
+            <a:r>
+              <a:rPr lang="en-US" dirty="0" smtClean="0"/>
+              <a:t>Integration Services</a:t>
+            </a:r>
+          </a:p>
+          <a:p>
+            <a:pPr marL="1723553" lvl="2" indent="-571500">
+              <a:buFont typeface="Arial" panose="020B0604020202020204" pitchFamily="34" charset="0"/>
+              <a:buChar char="•"/>
+            </a:pPr>
+            <a:r>
+              <a:rPr lang="en-US" dirty="0" smtClean="0"/>
+              <a:t>…</a:t>
+            </a:r>
+          </a:p>
+          <a:p>
+            <a:pPr marL="571500" indent="-571500">
+              <a:buFont typeface="Arial" panose="020B0604020202020204" pitchFamily="34" charset="0"/>
+              <a:buChar char="•"/>
+            </a:pPr>
+            <a:r>
+              <a:rPr lang="en-US" dirty="0" err="1" smtClean="0"/>
+              <a:t>Altri</a:t>
+            </a:r>
+            <a:r>
+              <a:rPr lang="en-US" dirty="0" smtClean="0"/>
+              <a:t> </a:t>
+            </a:r>
+            <a:r>
+              <a:rPr lang="en-US" dirty="0" err="1" smtClean="0"/>
+              <a:t>sono</a:t>
+            </a:r>
+            <a:r>
+              <a:rPr lang="en-US" dirty="0" smtClean="0"/>
+              <a:t> </a:t>
+            </a:r>
+            <a:r>
+              <a:rPr lang="en-US" dirty="0" err="1" smtClean="0"/>
+              <a:t>già</a:t>
+            </a:r>
+            <a:r>
+              <a:rPr lang="en-US" dirty="0" smtClean="0"/>
+              <a:t> </a:t>
+            </a:r>
+            <a:r>
+              <a:rPr lang="en-US" dirty="0" err="1" smtClean="0"/>
+              <a:t>pianificati</a:t>
+            </a:r>
+            <a:r>
+              <a:rPr lang="en-US" dirty="0" smtClean="0"/>
+              <a:t> </a:t>
+            </a:r>
+            <a:r>
+              <a:rPr lang="en-US" dirty="0" err="1" smtClean="0"/>
+              <a:t>oppure</a:t>
+            </a:r>
+            <a:r>
+              <a:rPr lang="en-US" dirty="0" smtClean="0"/>
+              <a:t> in </a:t>
+            </a:r>
+            <a:r>
+              <a:rPr lang="en-US" dirty="0" err="1" smtClean="0"/>
+              <a:t>fase</a:t>
+            </a:r>
+            <a:r>
+              <a:rPr lang="en-US" dirty="0" smtClean="0"/>
+              <a:t> di </a:t>
+            </a:r>
+            <a:r>
+              <a:rPr lang="en-US" dirty="0" err="1" smtClean="0"/>
+              <a:t>valutazione</a:t>
+            </a:r>
+            <a:endParaRPr lang="en-US" dirty="0" smtClean="0"/>
+          </a:p>
+          <a:p>
+            <a:pPr marL="1723553" lvl="2" indent="-571500">
+              <a:buFont typeface="Arial" panose="020B0604020202020204" pitchFamily="34" charset="0"/>
+              <a:buChar char="•"/>
+            </a:pPr>
+            <a:r>
+              <a:rPr lang="en-US" dirty="0" err="1"/>
+              <a:t>Supporto</a:t>
+            </a:r>
+            <a:r>
+              <a:rPr lang="en-US" dirty="0"/>
+              <a:t> per Always On Availability Group </a:t>
+            </a:r>
+          </a:p>
+          <a:p>
+            <a:pPr marL="1723553" lvl="2" indent="-571500">
+              <a:buFont typeface="Arial" panose="020B0604020202020204" pitchFamily="34" charset="0"/>
+              <a:buChar char="•"/>
+            </a:pPr>
+            <a:r>
+              <a:rPr lang="en-US" dirty="0" smtClean="0"/>
+              <a:t>Profiler</a:t>
+            </a:r>
+          </a:p>
+          <a:p>
+            <a:pPr marL="1723553" lvl="2" indent="-571500">
+              <a:buFont typeface="Arial" panose="020B0604020202020204" pitchFamily="34" charset="0"/>
+              <a:buChar char="•"/>
+            </a:pPr>
+            <a:r>
+              <a:rPr lang="en-US" dirty="0" smtClean="0"/>
+              <a:t>Table designer</a:t>
+            </a:r>
+          </a:p>
+          <a:p>
+            <a:pPr marL="1723553" lvl="2" indent="-571500">
+              <a:buFont typeface="Arial" panose="020B0604020202020204" pitchFamily="34" charset="0"/>
+              <a:buChar char="•"/>
+            </a:pPr>
+            <a:r>
+              <a:rPr lang="en-US" dirty="0" smtClean="0"/>
+              <a:t>SQL Agent</a:t>
+            </a:r>
+          </a:p>
+          <a:p>
+            <a:pPr marL="1723553" lvl="2" indent="-571500">
+              <a:buFont typeface="Arial" panose="020B0604020202020204" pitchFamily="34" charset="0"/>
+              <a:buChar char="•"/>
+            </a:pPr>
+            <a:r>
+              <a:rPr lang="en-US" dirty="0" smtClean="0"/>
+              <a:t>…</a:t>
+            </a:r>
+          </a:p>
+          <a:p>
+            <a:pPr marL="571500" indent="-571500">
+              <a:buFont typeface="Arial" panose="020B0604020202020204" pitchFamily="34" charset="0"/>
+              <a:buChar char="•"/>
+            </a:pPr>
+            <a:r>
+              <a:rPr lang="en-US" dirty="0" err="1" smtClean="0"/>
+              <a:t>Altre</a:t>
+            </a:r>
+            <a:r>
+              <a:rPr lang="en-US" dirty="0" smtClean="0"/>
+              <a:t> feature </a:t>
+            </a:r>
+            <a:r>
+              <a:rPr lang="en-US" dirty="0" err="1" smtClean="0"/>
+              <a:t>saranno</a:t>
+            </a:r>
+            <a:r>
+              <a:rPr lang="en-US" dirty="0" smtClean="0"/>
+              <a:t> rese </a:t>
+            </a:r>
+            <a:r>
+              <a:rPr lang="en-US" dirty="0" err="1" smtClean="0"/>
+              <a:t>disponibili</a:t>
+            </a:r>
+            <a:r>
+              <a:rPr lang="en-US" dirty="0" smtClean="0"/>
+              <a:t> </a:t>
+            </a:r>
+            <a:r>
+              <a:rPr lang="en-US" dirty="0" err="1" smtClean="0"/>
+              <a:t>attraverso</a:t>
+            </a:r>
+            <a:r>
+              <a:rPr lang="en-US" dirty="0" smtClean="0"/>
+              <a:t> </a:t>
+            </a:r>
+            <a:r>
+              <a:rPr lang="en-US" dirty="0" err="1" smtClean="0"/>
+              <a:t>il</a:t>
+            </a:r>
+            <a:r>
+              <a:rPr lang="en-US" dirty="0" smtClean="0"/>
+              <a:t> Sistema di Extensibility</a:t>
+            </a:r>
             <a:endParaRPr lang="en-US" dirty="0"/>
-          </a:p>
-          <a:p>
-            <a:pPr algn="ctr"/>
-            <a:r>
-              <a:rPr lang="en-US" sz="2000" dirty="0">
-                <a:hlinkClick r:id="rId2"/>
-              </a:rPr>
-              <a:t>mrg3d@hotmail.com</a:t>
-            </a:r>
-            <a:endParaRPr lang="en-US" sz="2000" dirty="0"/>
-          </a:p>
-          <a:p>
-            <a:pPr algn="ctr"/>
-            <a:r>
-              <a:rPr lang="en-US" sz="2000" dirty="0"/>
-              <a:t>twitter: @mrg3d</a:t>
-            </a:r>
-          </a:p>
-          <a:p>
-            <a:pPr algn="ctr"/>
-            <a:r>
-              <a:rPr lang="en-US" sz="2000" dirty="0">
-                <a:hlinkClick r:id="rId3"/>
-              </a:rPr>
-              <a:t>https://www.linkedin.com/in/mrg3d/</a:t>
-            </a:r>
-            <a:endParaRPr lang="en-US" dirty="0"/>
-          </a:p>
-          <a:p>
-            <a:pPr algn="ctr"/>
-            <a:endParaRPr lang="it-IT" dirty="0"/>
           </a:p>
         </p:txBody>
       </p:sp>
     </p:spTree>
     <p:extLst>
       <p:ext uri="{BB962C8B-B14F-4D97-AF65-F5344CB8AC3E}">
-        <p14:creationId xmlns:p14="http://schemas.microsoft.com/office/powerpoint/2010/main" val="476395458"/>
+        <p14:creationId xmlns:p14="http://schemas.microsoft.com/office/powerpoint/2010/main" val="2218737118"/>
       </p:ext>
     </p:extLst>
   </p:cSld>
@@ -6461,13 +6840,30 @@
       </p:grpSpPr>
       <p:sp>
         <p:nvSpPr>
-          <p:cNvPr id="4" name="Content Placeholder 3">
-            <a:extLst>
-              <a:ext uri="{FF2B5EF4-FFF2-40B4-BE49-F238E27FC236}">
-                <a16:creationId xmlns:a16="http://schemas.microsoft.com/office/drawing/2014/main" id="{7218A010-E06F-414D-A589-4DC9321FFF64}"/>
-              </a:ext>
-            </a:extLst>
-          </p:cNvPr>
+          <p:cNvPr id="18" name="Title 17"/>
+          <p:cNvSpPr>
+            <a:spLocks noGrp="1"/>
+          </p:cNvSpPr>
+          <p:nvPr>
+            <p:ph type="title"/>
+          </p:nvPr>
+        </p:nvSpPr>
+        <p:spPr/>
+        <p:txBody>
+          <a:bodyPr/>
+          <a:lstStyle/>
+          <a:p>
+            <a:r>
+              <a:rPr lang="en-US" dirty="0" err="1" smtClean="0"/>
+              <a:t>Risorse</a:t>
+            </a:r>
+            <a:endParaRPr lang="en-US" dirty="0"/>
+          </a:p>
+        </p:txBody>
+      </p:sp>
+      <p:sp>
+        <p:nvSpPr>
+          <p:cNvPr id="19" name="Content Placeholder 18"/>
           <p:cNvSpPr>
             <a:spLocks noGrp="1"/>
           </p:cNvSpPr>
@@ -6478,75 +6874,170 @@
         <p:spPr/>
         <p:txBody>
           <a:bodyPr>
-            <a:normAutofit/>
+            <a:normAutofit fontScale="77500" lnSpcReduction="20000"/>
           </a:bodyPr>
           <a:lstStyle/>
           <a:p>
-            <a:pPr algn="ctr"/>
-            <a:endParaRPr lang="it-IT" dirty="0" smtClean="0"/>
-          </a:p>
-          <a:p>
-            <a:pPr algn="ctr"/>
-            <a:endParaRPr lang="it-IT" dirty="0"/>
-          </a:p>
-          <a:p>
-            <a:pPr algn="ctr"/>
-            <a:r>
-              <a:rPr lang="it-IT" dirty="0" smtClean="0"/>
-              <a:t>Grazie per </a:t>
-            </a:r>
-            <a:r>
-              <a:rPr lang="it-IT" dirty="0" smtClean="0"/>
-              <a:t>l’attenzione!</a:t>
-            </a:r>
-          </a:p>
-          <a:p>
-            <a:pPr algn="ctr"/>
-            <a:endParaRPr lang="en-US" dirty="0"/>
-          </a:p>
-          <a:p>
-            <a:pPr algn="ctr"/>
-            <a:r>
-              <a:rPr lang="en-US" sz="2000" dirty="0" smtClean="0">
+            <a:r>
+              <a:rPr lang="en-US" sz="2400" dirty="0" err="1" smtClean="0"/>
+              <a:t>Github</a:t>
+            </a:r>
+            <a:endParaRPr lang="en-US" sz="2400" dirty="0" smtClean="0"/>
+          </a:p>
+          <a:p>
+            <a:r>
+              <a:rPr lang="en-US" sz="2400" dirty="0" smtClean="0">
                 <a:hlinkClick r:id="rId2"/>
               </a:rPr>
-              <a:t>mrg3d@hotmail.com</a:t>
-            </a:r>
-            <a:endParaRPr lang="en-US" sz="2000" dirty="0"/>
-          </a:p>
-          <a:p>
-            <a:pPr algn="ctr"/>
-            <a:r>
-              <a:rPr lang="en-US" sz="2000" dirty="0"/>
-              <a:t>twitter: @mrg3d</a:t>
-            </a:r>
-          </a:p>
-          <a:p>
-            <a:pPr algn="ctr"/>
-            <a:r>
-              <a:rPr lang="en-US" sz="2000" dirty="0" smtClean="0">
+              <a:t>https</a:t>
+            </a:r>
+            <a:r>
+              <a:rPr lang="en-US" sz="2400" dirty="0">
+                <a:hlinkClick r:id="rId2"/>
+              </a:rPr>
+              <a:t>://</a:t>
+            </a:r>
+            <a:r>
+              <a:rPr lang="en-US" sz="2400" dirty="0" smtClean="0">
+                <a:hlinkClick r:id="rId2"/>
+              </a:rPr>
+              <a:t>github.com/Microsoft/sqlopsstudio</a:t>
+            </a:r>
+            <a:endParaRPr lang="en-US" sz="2400" dirty="0" smtClean="0"/>
+          </a:p>
+          <a:p>
+            <a:endParaRPr lang="en-US" sz="2400" dirty="0" smtClean="0"/>
+          </a:p>
+          <a:p>
+            <a:r>
+              <a:rPr lang="en-US" sz="2400" dirty="0" err="1" smtClean="0"/>
+              <a:t>Documentazione</a:t>
+            </a:r>
+            <a:r>
+              <a:rPr lang="en-US" sz="2400" dirty="0" smtClean="0"/>
+              <a:t> online</a:t>
+            </a:r>
+          </a:p>
+          <a:p>
+            <a:r>
+              <a:rPr lang="en-US" sz="2400" dirty="0" smtClean="0">
                 <a:hlinkClick r:id="rId3"/>
               </a:rPr>
-              <a:t>https</a:t>
-            </a:r>
-            <a:r>
-              <a:rPr lang="en-US" sz="2000" dirty="0">
-                <a:hlinkClick r:id="rId3"/>
+              <a:t>https://docs.microsoft.com/en-us/sql/sql-operations-studio/what-is</a:t>
+            </a:r>
+            <a:endParaRPr lang="en-US" sz="2400" dirty="0" smtClean="0"/>
+          </a:p>
+          <a:p>
+            <a:endParaRPr lang="en-US" sz="2400" dirty="0" smtClean="0"/>
+          </a:p>
+          <a:p>
+            <a:r>
+              <a:rPr lang="en-US" sz="2400" dirty="0" smtClean="0"/>
+              <a:t>Account twitter </a:t>
+            </a:r>
+            <a:r>
+              <a:rPr lang="en-US" sz="2400" dirty="0" err="1" smtClean="0"/>
+              <a:t>ufficiale</a:t>
+            </a:r>
+            <a:r>
+              <a:rPr lang="en-US" sz="2400" dirty="0" smtClean="0"/>
+              <a:t> - @</a:t>
+            </a:r>
+            <a:r>
+              <a:rPr lang="en-US" sz="2400" dirty="0" err="1" smtClean="0"/>
+              <a:t>sqlopsstudio</a:t>
+            </a:r>
+            <a:endParaRPr lang="en-US" sz="2400" dirty="0" smtClean="0"/>
+          </a:p>
+          <a:p>
+            <a:r>
+              <a:rPr lang="en-US" sz="2400" dirty="0">
+                <a:hlinkClick r:id="rId4"/>
               </a:rPr>
-              <a:t>://www.linkedin.com/in/mrg3d/</a:t>
-            </a:r>
-            <a:endParaRPr lang="en-US" sz="2000" dirty="0"/>
-          </a:p>
-          <a:p>
-            <a:pPr algn="ctr"/>
-            <a:endParaRPr lang="it-IT" dirty="0"/>
+              <a:t>https://</a:t>
+            </a:r>
+            <a:r>
+              <a:rPr lang="en-US" sz="2400" dirty="0" smtClean="0">
+                <a:hlinkClick r:id="rId4"/>
+              </a:rPr>
+              <a:t>twitter.com/sqlopsstudio</a:t>
+            </a:r>
+            <a:endParaRPr lang="en-US" sz="2400" dirty="0" smtClean="0"/>
+          </a:p>
+          <a:p>
+            <a:endParaRPr lang="en-US" sz="2400" dirty="0" smtClean="0"/>
+          </a:p>
+          <a:p>
+            <a:r>
+              <a:rPr lang="en-US" sz="2400" dirty="0"/>
+              <a:t>SQL Operations Studio – Comprehensive guide to the new database DevOps tool</a:t>
+            </a:r>
+            <a:r>
+              <a:rPr lang="en-US" sz="2400" dirty="0" smtClean="0"/>
+              <a:t>!</a:t>
+            </a:r>
+            <a:r>
+              <a:rPr lang="en-US" dirty="0" smtClean="0"/>
+              <a:t> </a:t>
+            </a:r>
+          </a:p>
+          <a:p>
+            <a:r>
+              <a:rPr lang="en-US" sz="2400" dirty="0">
+                <a:hlinkClick r:id="rId5"/>
+              </a:rPr>
+              <a:t>http://blog.sqlterritory.com/2017/12/19/sql-operations-studio-comprehensive-guide</a:t>
+            </a:r>
+            <a:r>
+              <a:rPr lang="en-US" sz="2400" dirty="0" smtClean="0">
+                <a:hlinkClick r:id="rId5"/>
+              </a:rPr>
+              <a:t>/</a:t>
+            </a:r>
+            <a:endParaRPr lang="en-US" sz="2400" dirty="0" smtClean="0"/>
+          </a:p>
+          <a:p>
+            <a:endParaRPr lang="en-US" sz="2400" dirty="0"/>
+          </a:p>
+          <a:p>
+            <a:r>
+              <a:rPr lang="en-US" sz="2400" dirty="0" smtClean="0"/>
+              <a:t>Introducing SQL Operations Studio – Eric Kang</a:t>
+            </a:r>
+          </a:p>
+          <a:p>
+            <a:r>
+              <a:rPr lang="en-US" sz="2400" dirty="0">
+                <a:hlinkClick r:id="rId6"/>
+              </a:rPr>
+              <a:t>https://</a:t>
+            </a:r>
+            <a:r>
+              <a:rPr lang="en-US" sz="2400" dirty="0" smtClean="0">
+                <a:hlinkClick r:id="rId6"/>
+              </a:rPr>
+              <a:t>channel9.msdn.com/Events/Connect/2017/T255/player</a:t>
+            </a:r>
+            <a:endParaRPr lang="en-US" sz="2400" dirty="0" smtClean="0"/>
+          </a:p>
+          <a:p>
+            <a:endParaRPr lang="en-US" sz="2400" dirty="0" smtClean="0"/>
+          </a:p>
+          <a:p>
+            <a:endParaRPr lang="en-US" dirty="0" smtClean="0"/>
+          </a:p>
+          <a:p>
+            <a:endParaRPr lang="en-US" dirty="0" smtClean="0"/>
+          </a:p>
+          <a:p>
+            <a:endParaRPr lang="en-US" dirty="0"/>
           </a:p>
         </p:txBody>
       </p:sp>
     </p:spTree>
     <p:extLst>
       <p:ext uri="{BB962C8B-B14F-4D97-AF65-F5344CB8AC3E}">
-        <p14:creationId xmlns:p14="http://schemas.microsoft.com/office/powerpoint/2010/main" val="1204318886"/>
+        <p14:creationId xmlns:p14="http://schemas.microsoft.com/office/powerpoint/2010/main" val="4106770360"/>
       </p:ext>
     </p:extLst>
   </p:cSld>
@@ -6914,6 +7405,234 @@
     <p:extLst>
       <p:ext uri="{BB962C8B-B14F-4D97-AF65-F5344CB8AC3E}">
         <p14:creationId xmlns:p14="http://schemas.microsoft.com/office/powerpoint/2010/main" val="557766459"/>
+      </p:ext>
+    </p:extLst>
+  </p:cSld>
+  <p:clrMapOvr>
+    <a:masterClrMapping/>
+  </p:clrMapOvr>
+  <p:timing>
+    <p:tnLst>
+      <p:par>
+        <p:cTn id="1" dur="indefinite" restart="never" nodeType="tmRoot"/>
+      </p:par>
+    </p:tnLst>
+  </p:timing>
+</p:sld>
+</file>
+
+<file path=ppt/slides/slide30.xml><?xml version="1.0" encoding="utf-8"?>
+<p:sld xmlns:a="http://schemas.openxmlformats.org/drawingml/2006/main" xmlns:r="http://schemas.openxmlformats.org/officeDocument/2006/relationships" xmlns:p="http://schemas.openxmlformats.org/presentationml/2006/main">
+  <p:cSld>
+    <p:spTree>
+      <p:nvGrpSpPr>
+        <p:cNvPr id="1" name=""/>
+        <p:cNvGrpSpPr/>
+        <p:nvPr/>
+      </p:nvGrpSpPr>
+      <p:grpSpPr>
+        <a:xfrm>
+          <a:off x="0" y="0"/>
+          <a:ext cx="0" cy="0"/>
+          <a:chOff x="0" y="0"/>
+          <a:chExt cx="0" cy="0"/>
+        </a:xfrm>
+      </p:grpSpPr>
+      <p:sp>
+        <p:nvSpPr>
+          <p:cNvPr id="4" name="Content Placeholder 3">
+            <a:extLst>
+              <a:ext uri="{FF2B5EF4-FFF2-40B4-BE49-F238E27FC236}">
+                <a16:creationId xmlns:a16="http://schemas.microsoft.com/office/drawing/2014/main" id="{7218A010-E06F-414D-A589-4DC9321FFF64}"/>
+              </a:ext>
+            </a:extLst>
+          </p:cNvPr>
+          <p:cNvSpPr>
+            <a:spLocks noGrp="1"/>
+          </p:cNvSpPr>
+          <p:nvPr>
+            <p:ph idx="1"/>
+          </p:nvPr>
+        </p:nvSpPr>
+        <p:spPr/>
+        <p:txBody>
+          <a:bodyPr>
+            <a:normAutofit/>
+          </a:bodyPr>
+          <a:lstStyle/>
+          <a:p>
+            <a:pPr algn="ctr"/>
+            <a:endParaRPr lang="it-IT" dirty="0" smtClean="0"/>
+          </a:p>
+          <a:p>
+            <a:pPr algn="ctr"/>
+            <a:endParaRPr lang="it-IT" dirty="0"/>
+          </a:p>
+          <a:p>
+            <a:pPr algn="ctr"/>
+            <a:r>
+              <a:rPr lang="it-IT" dirty="0" smtClean="0"/>
+              <a:t>Domande?</a:t>
+            </a:r>
+          </a:p>
+          <a:p>
+            <a:pPr algn="ctr"/>
+            <a:endParaRPr lang="en-US" dirty="0"/>
+          </a:p>
+          <a:p>
+            <a:pPr algn="ctr"/>
+            <a:r>
+              <a:rPr lang="en-US" sz="2000" dirty="0">
+                <a:hlinkClick r:id="rId2"/>
+              </a:rPr>
+              <a:t>mrg3d@hotmail.com</a:t>
+            </a:r>
+            <a:endParaRPr lang="en-US" sz="2000" dirty="0"/>
+          </a:p>
+          <a:p>
+            <a:pPr algn="ctr"/>
+            <a:r>
+              <a:rPr lang="en-US" sz="2000" dirty="0"/>
+              <a:t>twitter: @mrg3d</a:t>
+            </a:r>
+          </a:p>
+          <a:p>
+            <a:pPr algn="ctr"/>
+            <a:r>
+              <a:rPr lang="en-US" sz="2000" dirty="0">
+                <a:hlinkClick r:id="rId3"/>
+              </a:rPr>
+              <a:t>https://www.linkedin.com/in/mrg3d/</a:t>
+            </a:r>
+            <a:endParaRPr lang="en-US" dirty="0"/>
+          </a:p>
+          <a:p>
+            <a:pPr algn="ctr"/>
+            <a:endParaRPr lang="it-IT" dirty="0"/>
+          </a:p>
+        </p:txBody>
+      </p:sp>
+    </p:spTree>
+    <p:extLst>
+      <p:ext uri="{BB962C8B-B14F-4D97-AF65-F5344CB8AC3E}">
+        <p14:creationId xmlns:p14="http://schemas.microsoft.com/office/powerpoint/2010/main" val="476395458"/>
+      </p:ext>
+    </p:extLst>
+  </p:cSld>
+  <p:clrMapOvr>
+    <a:masterClrMapping/>
+  </p:clrMapOvr>
+  <p:timing>
+    <p:tnLst>
+      <p:par>
+        <p:cTn id="1" dur="indefinite" restart="never" nodeType="tmRoot"/>
+      </p:par>
+    </p:tnLst>
+  </p:timing>
+</p:sld>
+</file>
+
+<file path=ppt/slides/slide31.xml><?xml version="1.0" encoding="utf-8"?>
+<p:sld xmlns:a="http://schemas.openxmlformats.org/drawingml/2006/main" xmlns:r="http://schemas.openxmlformats.org/officeDocument/2006/relationships" xmlns:p="http://schemas.openxmlformats.org/presentationml/2006/main">
+  <p:cSld>
+    <p:spTree>
+      <p:nvGrpSpPr>
+        <p:cNvPr id="1" name=""/>
+        <p:cNvGrpSpPr/>
+        <p:nvPr/>
+      </p:nvGrpSpPr>
+      <p:grpSpPr>
+        <a:xfrm>
+          <a:off x="0" y="0"/>
+          <a:ext cx="0" cy="0"/>
+          <a:chOff x="0" y="0"/>
+          <a:chExt cx="0" cy="0"/>
+        </a:xfrm>
+      </p:grpSpPr>
+      <p:sp>
+        <p:nvSpPr>
+          <p:cNvPr id="4" name="Content Placeholder 3">
+            <a:extLst>
+              <a:ext uri="{FF2B5EF4-FFF2-40B4-BE49-F238E27FC236}">
+                <a16:creationId xmlns:a16="http://schemas.microsoft.com/office/drawing/2014/main" id="{7218A010-E06F-414D-A589-4DC9321FFF64}"/>
+              </a:ext>
+            </a:extLst>
+          </p:cNvPr>
+          <p:cNvSpPr>
+            <a:spLocks noGrp="1"/>
+          </p:cNvSpPr>
+          <p:nvPr>
+            <p:ph idx="1"/>
+          </p:nvPr>
+        </p:nvSpPr>
+        <p:spPr/>
+        <p:txBody>
+          <a:bodyPr>
+            <a:normAutofit/>
+          </a:bodyPr>
+          <a:lstStyle/>
+          <a:p>
+            <a:pPr algn="ctr"/>
+            <a:endParaRPr lang="it-IT" dirty="0" smtClean="0"/>
+          </a:p>
+          <a:p>
+            <a:pPr algn="ctr"/>
+            <a:endParaRPr lang="it-IT" dirty="0"/>
+          </a:p>
+          <a:p>
+            <a:pPr algn="ctr"/>
+            <a:r>
+              <a:rPr lang="it-IT" dirty="0" smtClean="0"/>
+              <a:t>Grazie per l’attenzione!</a:t>
+            </a:r>
+          </a:p>
+          <a:p>
+            <a:pPr algn="ctr"/>
+            <a:endParaRPr lang="en-US" dirty="0"/>
+          </a:p>
+          <a:p>
+            <a:pPr algn="ctr"/>
+            <a:r>
+              <a:rPr lang="en-US" sz="2000" dirty="0" smtClean="0">
+                <a:hlinkClick r:id="rId2"/>
+              </a:rPr>
+              <a:t>mrg3d@hotmail.com</a:t>
+            </a:r>
+            <a:endParaRPr lang="en-US" sz="2000" dirty="0"/>
+          </a:p>
+          <a:p>
+            <a:pPr algn="ctr"/>
+            <a:r>
+              <a:rPr lang="en-US" sz="2000" dirty="0"/>
+              <a:t>twitter: @mrg3d</a:t>
+            </a:r>
+          </a:p>
+          <a:p>
+            <a:pPr algn="ctr"/>
+            <a:r>
+              <a:rPr lang="en-US" sz="2000" dirty="0" smtClean="0">
+                <a:hlinkClick r:id="rId3"/>
+              </a:rPr>
+              <a:t>https</a:t>
+            </a:r>
+            <a:r>
+              <a:rPr lang="en-US" sz="2000" dirty="0">
+                <a:hlinkClick r:id="rId3"/>
+              </a:rPr>
+              <a:t>://www.linkedin.com/in/mrg3d/</a:t>
+            </a:r>
+            <a:endParaRPr lang="en-US" sz="2000" dirty="0"/>
+          </a:p>
+          <a:p>
+            <a:pPr algn="ctr"/>
+            <a:endParaRPr lang="it-IT" dirty="0"/>
+          </a:p>
+        </p:txBody>
+      </p:sp>
+    </p:spTree>
+    <p:extLst>
+      <p:ext uri="{BB962C8B-B14F-4D97-AF65-F5344CB8AC3E}">
+        <p14:creationId xmlns:p14="http://schemas.microsoft.com/office/powerpoint/2010/main" val="1204318886"/>
       </p:ext>
     </p:extLst>
   </p:cSld>

--- a/Introducing SQL Operations Studio.pptx
+++ b/Introducing SQL Operations Studio.pptx
@@ -3321,6 +3321,21 @@
               <a:rPr lang="en-US" dirty="0" err="1" smtClean="0"/>
               <a:t>Funzionalità</a:t>
             </a:r>
+            <a:r>
+              <a:rPr lang="en-US" dirty="0" smtClean="0"/>
+              <a:t> </a:t>
+            </a:r>
+            <a:br>
+              <a:rPr lang="en-US" dirty="0" smtClean="0"/>
+            </a:br>
+            <a:r>
+              <a:rPr lang="en-US" dirty="0" smtClean="0"/>
+              <a:t>e </a:t>
+            </a:r>
+            <a:r>
+              <a:rPr lang="en-US" dirty="0" err="1" smtClean="0"/>
+              <a:t>caratteristiche</a:t>
+            </a:r>
             <a:endParaRPr lang="en-US" dirty="0"/>
           </a:p>
         </p:txBody>
@@ -4962,38 +4977,63 @@
           <a:bodyPr/>
           <a:lstStyle/>
           <a:p>
+            <a:pPr marL="571500" indent="-571500">
+              <a:buFont typeface="Arial" panose="020B0604020202020204" pitchFamily="34" charset="0"/>
+              <a:buChar char="•"/>
+            </a:pPr>
             <a:r>
               <a:rPr lang="en-US" dirty="0" smtClean="0"/>
               <a:t>Insight Extensibility</a:t>
             </a:r>
           </a:p>
           <a:p>
-            <a:endParaRPr lang="en-US" dirty="0"/>
-          </a:p>
-          <a:p>
+            <a:pPr marL="571500" indent="-571500">
+              <a:buFont typeface="Arial" panose="020B0604020202020204" pitchFamily="34" charset="0"/>
+              <a:buChar char="•"/>
+            </a:pPr>
             <a:r>
               <a:rPr lang="en-US" dirty="0" smtClean="0"/>
-              <a:t>UI Extensibility</a:t>
-            </a:r>
-          </a:p>
-          <a:p>
-            <a:endParaRPr lang="en-US" dirty="0" smtClean="0"/>
-          </a:p>
-          <a:p>
+              <a:t>UI </a:t>
+            </a:r>
             <a:r>
               <a:rPr lang="en-US" dirty="0" smtClean="0"/>
-              <a:t>Database Management Protocol (DMP)</a:t>
-            </a:r>
-          </a:p>
-          <a:p>
-            <a:r>
-              <a:rPr lang="en-US" sz="2400" dirty="0">
+              <a:t>Extensibility</a:t>
+            </a:r>
+          </a:p>
+          <a:p>
+            <a:pPr marL="571500" indent="-571500">
+              <a:buFont typeface="Arial" panose="020B0604020202020204" pitchFamily="34" charset="0"/>
+              <a:buChar char="•"/>
+            </a:pPr>
+            <a:r>
+              <a:rPr lang="en-US" dirty="0" smtClean="0"/>
+              <a:t>Database </a:t>
+            </a:r>
+            <a:r>
+              <a:rPr lang="en-US" dirty="0" smtClean="0"/>
+              <a:t>Management Protocol (</a:t>
+            </a:r>
+            <a:r>
+              <a:rPr lang="en-US" dirty="0" smtClean="0"/>
+              <a:t>DMP)</a:t>
+            </a:r>
+          </a:p>
+          <a:p>
+            <a:pPr lvl="1"/>
+            <a:r>
+              <a:rPr lang="en-US" sz="2000" dirty="0" smtClean="0">
                 <a:hlinkClick r:id="rId2"/>
               </a:rPr>
-              <a:t>https://</a:t>
-            </a:r>
-            <a:r>
-              <a:rPr lang="en-US" sz="2400" dirty="0" smtClean="0">
+              <a:t>https</a:t>
+            </a:r>
+            <a:r>
+              <a:rPr lang="en-US" sz="2000" dirty="0">
+                <a:hlinkClick r:id="rId2"/>
+              </a:rPr>
+              <a:t>://</a:t>
+            </a:r>
+            <a:r>
+              <a:rPr lang="en-US" sz="2000" dirty="0" smtClean="0">
                 <a:hlinkClick r:id="rId2"/>
               </a:rPr>
               <a:t>github.com/Microsoft/sqltoolsservice</a:t>
@@ -5423,11 +5463,7 @@
             </a:r>
             <a:r>
               <a:rPr lang="en-US" dirty="0" smtClean="0"/>
-              <a:t> future e </a:t>
-            </a:r>
-            <a:r>
-              <a:rPr lang="en-US" dirty="0" smtClean="0"/>
-              <a:t>FAQ</a:t>
+              <a:t> future e FAQ</a:t>
             </a:r>
             <a:endParaRPr lang="en-US" dirty="0"/>
           </a:p>
@@ -5517,11 +5553,7 @@
             </a:pPr>
             <a:r>
               <a:rPr lang="en-US" dirty="0" smtClean="0"/>
-              <a:t>SQL </a:t>
-            </a:r>
-            <a:r>
-              <a:rPr lang="en-US" dirty="0" smtClean="0"/>
-              <a:t>Ops Studio </a:t>
+              <a:t>SQL Ops Studio </a:t>
             </a:r>
             <a:r>
               <a:rPr lang="en-US" dirty="0" err="1" smtClean="0"/>
@@ -5543,11 +5575,7 @@
             </a:r>
             <a:r>
               <a:rPr lang="en-US" dirty="0" smtClean="0"/>
-              <a:t> </a:t>
-            </a:r>
-            <a:r>
-              <a:rPr lang="en-US" dirty="0" smtClean="0"/>
-              <a:t>ne è </a:t>
+              <a:t> ne è </a:t>
             </a:r>
             <a:r>
               <a:rPr lang="en-US" dirty="0" err="1" smtClean="0"/>
@@ -5579,11 +5607,7 @@
             </a:r>
             <a:r>
               <a:rPr lang="en-US" dirty="0" smtClean="0"/>
-              <a:t>) </a:t>
-            </a:r>
-            <a:r>
-              <a:rPr lang="en-US" dirty="0" smtClean="0"/>
-              <a:t>?</a:t>
+              <a:t>) ?</a:t>
             </a:r>
           </a:p>
           <a:p>
@@ -5668,7 +5692,7 @@
         <p:spPr/>
         <p:txBody>
           <a:bodyPr>
-            <a:normAutofit fontScale="92500"/>
+            <a:normAutofit/>
           </a:bodyPr>
           <a:lstStyle/>
           <a:p>
@@ -5677,19 +5701,19 @@
               <a:buChar char="•"/>
             </a:pPr>
             <a:r>
-              <a:rPr lang="en-US" dirty="0" err="1" smtClean="0"/>
+              <a:rPr lang="en-US" sz="3200" dirty="0" err="1" smtClean="0"/>
               <a:t>Sviluppo</a:t>
             </a:r>
             <a:r>
-              <a:rPr lang="en-US" dirty="0" smtClean="0"/>
+              <a:rPr lang="en-US" sz="3200" dirty="0" smtClean="0"/>
               <a:t> </a:t>
             </a:r>
             <a:r>
-              <a:rPr lang="en-US" dirty="0" err="1" smtClean="0"/>
+              <a:rPr lang="en-US" sz="3200" dirty="0" err="1" smtClean="0"/>
               <a:t>delle</a:t>
             </a:r>
             <a:r>
-              <a:rPr lang="en-US" dirty="0" smtClean="0"/>
+              <a:rPr lang="en-US" sz="3200" dirty="0" smtClean="0"/>
               <a:t> Core Functionalities</a:t>
             </a:r>
           </a:p>
@@ -5699,30 +5723,46 @@
               <a:buChar char="•"/>
             </a:pPr>
             <a:r>
-              <a:rPr lang="en-US" dirty="0" err="1" smtClean="0"/>
+              <a:rPr lang="en-US" sz="3200" dirty="0" err="1" smtClean="0"/>
               <a:t>Rendere</a:t>
             </a:r>
             <a:r>
-              <a:rPr lang="en-US" dirty="0" smtClean="0"/>
+              <a:rPr lang="en-US" sz="3200" dirty="0" smtClean="0"/>
               <a:t> </a:t>
             </a:r>
             <a:r>
-              <a:rPr lang="en-US" dirty="0" err="1" smtClean="0"/>
+              <a:rPr lang="en-US" sz="3200" dirty="0" err="1" smtClean="0"/>
               <a:t>il</a:t>
             </a:r>
             <a:r>
-              <a:rPr lang="en-US" dirty="0" smtClean="0"/>
+              <a:rPr lang="en-US" sz="3200" dirty="0" smtClean="0"/>
               <a:t> tool </a:t>
             </a:r>
             <a:r>
-              <a:rPr lang="en-US" dirty="0" err="1" smtClean="0"/>
+              <a:rPr lang="en-US" sz="3200" dirty="0" err="1" smtClean="0"/>
               <a:t>più</a:t>
             </a:r>
             <a:r>
-              <a:rPr lang="en-US" dirty="0" smtClean="0"/>
-              <a:t> “UI-driven”</a:t>
-            </a:r>
-            <a:endParaRPr lang="en-US" dirty="0" smtClean="0"/>
+              <a:rPr lang="en-US" sz="3200" dirty="0" smtClean="0"/>
+              <a:t> </a:t>
+            </a:r>
+            <a:r>
+              <a:rPr lang="en-US" sz="3200" dirty="0" smtClean="0"/>
+              <a:t>stabile, </a:t>
+            </a:r>
+            <a:r>
+              <a:rPr lang="en-US" sz="3200" dirty="0" err="1" smtClean="0"/>
+              <a:t>performante</a:t>
+            </a:r>
+            <a:r>
+              <a:rPr lang="en-US" sz="3200" dirty="0" smtClean="0"/>
+              <a:t> e </a:t>
+            </a:r>
+            <a:r>
+              <a:rPr lang="en-US" sz="3200" dirty="0" smtClean="0"/>
+              <a:t>UI-driven</a:t>
+            </a:r>
+            <a:endParaRPr lang="en-US" sz="3200" dirty="0" smtClean="0"/>
           </a:p>
           <a:p>
             <a:pPr marL="571500" indent="-571500">
@@ -5730,92 +5770,27 @@
               <a:buChar char="•"/>
             </a:pPr>
             <a:r>
-              <a:rPr lang="en-US" dirty="0" err="1" smtClean="0"/>
-              <a:t>Rendere</a:t>
-            </a:r>
-            <a:r>
-              <a:rPr lang="en-US" dirty="0" smtClean="0"/>
+              <a:rPr lang="en-US" sz="3200" dirty="0" err="1" smtClean="0"/>
+              <a:t>Sviluppo</a:t>
+            </a:r>
+            <a:r>
+              <a:rPr lang="en-US" sz="3200" dirty="0" smtClean="0"/>
               <a:t> </a:t>
             </a:r>
             <a:r>
-              <a:rPr lang="en-US" dirty="0" err="1" smtClean="0"/>
-              <a:t>il</a:t>
-            </a:r>
-            <a:r>
-              <a:rPr lang="en-US" dirty="0" smtClean="0"/>
-              <a:t> tool </a:t>
-            </a:r>
-            <a:r>
-              <a:rPr lang="en-US" dirty="0" err="1" smtClean="0"/>
-              <a:t>più</a:t>
-            </a:r>
-            <a:r>
-              <a:rPr lang="en-US" dirty="0" smtClean="0"/>
-              <a:t> stabile </a:t>
-            </a:r>
-          </a:p>
-          <a:p>
-            <a:pPr marL="571500" indent="-571500">
-              <a:buFont typeface="Arial" panose="020B0604020202020204" pitchFamily="34" charset="0"/>
-              <a:buChar char="•"/>
-            </a:pPr>
-            <a:r>
-              <a:rPr lang="en-US" dirty="0" err="1"/>
-              <a:t>Rendere</a:t>
-            </a:r>
-            <a:r>
-              <a:rPr lang="en-US" dirty="0"/>
-              <a:t> </a:t>
-            </a:r>
-            <a:r>
-              <a:rPr lang="en-US" dirty="0" err="1"/>
-              <a:t>il</a:t>
-            </a:r>
-            <a:r>
-              <a:rPr lang="en-US" dirty="0"/>
-              <a:t> tool </a:t>
-            </a:r>
-            <a:r>
-              <a:rPr lang="en-US" dirty="0" err="1"/>
-              <a:t>più</a:t>
-            </a:r>
-            <a:r>
-              <a:rPr lang="en-US" dirty="0"/>
-              <a:t> </a:t>
-            </a:r>
-            <a:r>
-              <a:rPr lang="en-US" dirty="0" err="1" smtClean="0"/>
-              <a:t>performante</a:t>
-            </a:r>
-            <a:endParaRPr lang="en-US" dirty="0" smtClean="0"/>
-          </a:p>
-          <a:p>
-            <a:pPr marL="571500" indent="-571500">
-              <a:buFont typeface="Arial" panose="020B0604020202020204" pitchFamily="34" charset="0"/>
-              <a:buChar char="•"/>
-            </a:pPr>
-            <a:r>
-              <a:rPr lang="en-US" dirty="0" err="1" smtClean="0"/>
-              <a:t>Sviluppo</a:t>
-            </a:r>
-            <a:r>
-              <a:rPr lang="en-US" dirty="0" smtClean="0"/>
-              <a:t> </a:t>
-            </a:r>
-            <a:r>
-              <a:rPr lang="en-US" dirty="0"/>
+              <a:rPr lang="en-US" sz="3200" dirty="0"/>
               <a:t>del </a:t>
             </a:r>
             <a:r>
-              <a:rPr lang="en-US" dirty="0" err="1"/>
+              <a:rPr lang="en-US" sz="3200" dirty="0" err="1"/>
               <a:t>sistema</a:t>
             </a:r>
             <a:r>
-              <a:rPr lang="en-US" dirty="0"/>
+              <a:rPr lang="en-US" sz="3200" dirty="0"/>
               <a:t> di </a:t>
             </a:r>
             <a:r>
-              <a:rPr lang="en-US" dirty="0" smtClean="0"/>
+              <a:rPr lang="en-US" sz="3200" dirty="0" smtClean="0"/>
               <a:t>Extensibility</a:t>
             </a:r>
           </a:p>
@@ -5825,71 +5800,59 @@
               <a:buChar char="•"/>
             </a:pPr>
             <a:r>
-              <a:rPr lang="en-US" dirty="0" err="1" smtClean="0"/>
-              <a:t>m</a:t>
-            </a:r>
-            <a:r>
-              <a:rPr lang="en-US" dirty="0" err="1" smtClean="0"/>
-              <a:t>ettere</a:t>
-            </a:r>
-            <a:r>
-              <a:rPr lang="en-US" dirty="0" smtClean="0"/>
+              <a:rPr lang="en-US" sz="2800" dirty="0" err="1" smtClean="0"/>
+              <a:t>mettere</a:t>
+            </a:r>
+            <a:r>
+              <a:rPr lang="en-US" sz="2800" dirty="0" smtClean="0"/>
+              <a:t> in </a:t>
+            </a:r>
+            <a:r>
+              <a:rPr lang="en-US" sz="2800" dirty="0" err="1" smtClean="0"/>
+              <a:t>grado</a:t>
+            </a:r>
+            <a:r>
+              <a:rPr lang="en-US" sz="2800" dirty="0" smtClean="0"/>
               <a:t> </a:t>
             </a:r>
             <a:r>
-              <a:rPr lang="en-US" dirty="0" smtClean="0"/>
-              <a:t>in </a:t>
-            </a:r>
-            <a:r>
-              <a:rPr lang="en-US" dirty="0" err="1" smtClean="0"/>
-              <a:t>grado</a:t>
-            </a:r>
-            <a:r>
-              <a:rPr lang="en-US" dirty="0" smtClean="0"/>
+              <a:rPr lang="en-US" sz="2800" dirty="0" err="1" smtClean="0"/>
+              <a:t>chiunque</a:t>
+            </a:r>
+            <a:r>
+              <a:rPr lang="en-US" sz="2800" dirty="0" smtClean="0"/>
+              <a:t> di </a:t>
+            </a:r>
+            <a:r>
+              <a:rPr lang="en-US" sz="2800" dirty="0" err="1" smtClean="0"/>
+              <a:t>sviluppare</a:t>
+            </a:r>
+            <a:r>
+              <a:rPr lang="en-US" sz="2800" dirty="0" smtClean="0"/>
+              <a:t> le </a:t>
+            </a:r>
+            <a:r>
+              <a:rPr lang="en-US" sz="2800" dirty="0" err="1" smtClean="0"/>
+              <a:t>proprie</a:t>
+            </a:r>
+            <a:r>
+              <a:rPr lang="en-US" sz="2800" dirty="0" smtClean="0"/>
               <a:t> </a:t>
             </a:r>
             <a:r>
-              <a:rPr lang="en-US" dirty="0" err="1" smtClean="0"/>
-              <a:t>chiunque</a:t>
-            </a:r>
-            <a:r>
-              <a:rPr lang="en-US" dirty="0" smtClean="0"/>
-              <a:t> di </a:t>
-            </a:r>
-            <a:r>
-              <a:rPr lang="en-US" dirty="0" err="1" smtClean="0"/>
-              <a:t>sviluppare</a:t>
-            </a:r>
-            <a:r>
-              <a:rPr lang="en-US" dirty="0" smtClean="0"/>
-              <a:t> </a:t>
-            </a:r>
-            <a:r>
-              <a:rPr lang="en-US" dirty="0" smtClean="0"/>
-              <a:t>le </a:t>
-            </a:r>
-            <a:r>
-              <a:rPr lang="en-US" dirty="0" err="1" smtClean="0"/>
-              <a:t>proprie</a:t>
-            </a:r>
-            <a:r>
-              <a:rPr lang="en-US" dirty="0" smtClean="0"/>
-              <a:t> </a:t>
-            </a:r>
-            <a:r>
-              <a:rPr lang="en-US" dirty="0" err="1" smtClean="0"/>
+              <a:rPr lang="en-US" sz="2800" dirty="0" err="1" smtClean="0"/>
               <a:t>estensioni</a:t>
             </a:r>
             <a:r>
-              <a:rPr lang="en-US" dirty="0" smtClean="0"/>
+              <a:rPr lang="en-US" sz="2800" dirty="0" smtClean="0"/>
               <a:t> (Microsoft </a:t>
             </a:r>
             <a:r>
-              <a:rPr lang="en-US" dirty="0" err="1" smtClean="0"/>
+              <a:rPr lang="en-US" sz="2800" dirty="0" err="1" smtClean="0"/>
               <a:t>stessa</a:t>
             </a:r>
             <a:r>
-              <a:rPr lang="en-US" dirty="0" smtClean="0"/>
+              <a:rPr lang="en-US" sz="2800" dirty="0" smtClean="0"/>
               <a:t>, ISV e community members)</a:t>
             </a:r>
           </a:p>
@@ -6098,7 +6061,6 @@
               <a:rPr lang="en-US" dirty="0"/>
               <a:t>plan</a:t>
             </a:r>
-            <a:endParaRPr lang="en-US" dirty="0"/>
           </a:p>
         </p:txBody>
       </p:sp>
@@ -6369,7 +6331,6 @@
               <a:rPr lang="en-US" dirty="0"/>
               <a:t> SSMS?</a:t>
             </a:r>
-            <a:endParaRPr lang="en-US" dirty="0"/>
           </a:p>
         </p:txBody>
       </p:sp>
@@ -6538,7 +6499,6 @@
               <a:rPr lang="en-US" dirty="0"/>
               <a:t>?</a:t>
             </a:r>
-            <a:endParaRPr lang="en-US" dirty="0"/>
           </a:p>
         </p:txBody>
       </p:sp>
@@ -6965,20 +6925,12 @@
             <a:endParaRPr lang="en-US" sz="2400" dirty="0" smtClean="0"/>
           </a:p>
           <a:p>
-            <a:endParaRPr lang="en-US" sz="2400" dirty="0" smtClean="0"/>
+            <a:endParaRPr lang="en-US" sz="2400" dirty="0"/>
           </a:p>
           <a:p>
             <a:r>
               <a:rPr lang="en-US" sz="2400" dirty="0"/>
-              <a:t>SQL Operations Studio – Comprehensive guide to the new database DevOps tool</a:t>
-            </a:r>
-            <a:r>
-              <a:rPr lang="en-US" sz="2400" dirty="0" smtClean="0"/>
-              <a:t>!</a:t>
-            </a:r>
-            <a:r>
-              <a:rPr lang="en-US" dirty="0" smtClean="0"/>
-              <a:t> </a:t>
+              <a:t>Introducing SQL Operations Studio – Eric Kang</a:t>
             </a:r>
           </a:p>
           <a:p>
@@ -6986,23 +6938,25 @@
               <a:rPr lang="en-US" sz="2400" dirty="0">
                 <a:hlinkClick r:id="rId5"/>
               </a:rPr>
-              <a:t>http://blog.sqlterritory.com/2017/12/19/sql-operations-studio-comprehensive-guide</a:t>
-            </a:r>
-            <a:r>
-              <a:rPr lang="en-US" sz="2400" dirty="0" smtClean="0">
-                <a:hlinkClick r:id="rId5"/>
-              </a:rPr>
-              <a:t>/</a:t>
-            </a:r>
+              <a:t>https://channel9.msdn.com/Events/Connect/2017/T255/player</a:t>
+            </a:r>
+            <a:endParaRPr lang="en-US" sz="2400" dirty="0"/>
+          </a:p>
+          <a:p>
             <a:endParaRPr lang="en-US" sz="2400" dirty="0" smtClean="0"/>
           </a:p>
           <a:p>
-            <a:endParaRPr lang="en-US" sz="2400" dirty="0"/>
-          </a:p>
-          <a:p>
+            <a:r>
+              <a:rPr lang="en-US" sz="2400" dirty="0"/>
+              <a:t>SQL Operations Studio – Comprehensive guide to the new database DevOps tool</a:t>
+            </a:r>
             <a:r>
               <a:rPr lang="en-US" sz="2400" dirty="0" smtClean="0"/>
-              <a:t>Introducing SQL Operations Studio – Eric Kang</a:t>
+              <a:t>!</a:t>
+            </a:r>
+            <a:r>
+              <a:rPr lang="en-US" dirty="0" smtClean="0"/>
+              <a:t> </a:t>
             </a:r>
           </a:p>
           <a:p>
@@ -7010,13 +6964,13 @@
               <a:rPr lang="en-US" sz="2400" dirty="0">
                 <a:hlinkClick r:id="rId6"/>
               </a:rPr>
-              <a:t>https://</a:t>
+              <a:t>http://blog.sqlterritory.com/2017/12/19/sql-operations-studio-comprehensive-guide</a:t>
             </a:r>
             <a:r>
               <a:rPr lang="en-US" sz="2400" dirty="0" smtClean="0">
                 <a:hlinkClick r:id="rId6"/>
               </a:rPr>
-              <a:t>channel9.msdn.com/Events/Connect/2017/T255/player</a:t>
+              <a:t>/</a:t>
             </a:r>
             <a:endParaRPr lang="en-US" sz="2400" dirty="0" smtClean="0"/>
           </a:p>
@@ -7124,12 +7078,12 @@
           <a:lstStyle/>
           <a:p>
             <a:r>
-              <a:rPr lang="en-US" sz="2400" dirty="0" err="1"/>
-              <a:t>Professionista</a:t>
+              <a:rPr lang="en-US" sz="2400" dirty="0" smtClean="0"/>
+              <a:t>~</a:t>
             </a:r>
             <a:r>
               <a:rPr lang="en-US" sz="2400" dirty="0"/>
-              <a:t> IT (~15 </a:t>
+              <a:t>15 </a:t>
             </a:r>
             <a:r>
               <a:rPr lang="en-US" sz="2400" dirty="0" err="1"/>
@@ -7140,12 +7094,8 @@
               <a:t> di </a:t>
             </a:r>
             <a:r>
-              <a:rPr lang="en-US" sz="2400" dirty="0" err="1"/>
+              <a:rPr lang="en-US" sz="2400" dirty="0" err="1" smtClean="0"/>
               <a:t>esperienza</a:t>
-            </a:r>
-            <a:r>
-              <a:rPr lang="en-US" sz="2400" dirty="0"/>
-              <a:t>)</a:t>
             </a:r>
             <a:endParaRPr lang="en-US" sz="2000" dirty="0"/>
           </a:p>
@@ -7438,6 +7388,47 @@
           <a:chExt cx="0" cy="0"/>
         </a:xfrm>
       </p:grpSpPr>
+      <p:pic>
+        <p:nvPicPr>
+          <p:cNvPr id="3" name="Picture 4" descr="X6m3TwZo_400x400.jpg (400×400)"/>
+          <p:cNvPicPr>
+            <a:picLocks noChangeAspect="1" noChangeArrowheads="1"/>
+          </p:cNvPicPr>
+          <p:nvPr/>
+        </p:nvPicPr>
+        <p:blipFill>
+          <a:blip r:embed="rId2">
+            <a:extLst>
+              <a:ext uri="{28A0092B-C50C-407E-A947-70E740481C1C}">
+                <a14:useLocalDpi xmlns:a14="http://schemas.microsoft.com/office/drawing/2010/main" val="0"/>
+              </a:ext>
+            </a:extLst>
+          </a:blip>
+          <a:srcRect/>
+          <a:stretch>
+            <a:fillRect/>
+          </a:stretch>
+        </p:blipFill>
+        <p:spPr bwMode="auto">
+          <a:xfrm>
+            <a:off x="0" y="74817"/>
+            <a:ext cx="3723220" cy="3723220"/>
+          </a:xfrm>
+          <a:prstGeom prst="rect">
+            <a:avLst/>
+          </a:prstGeom>
+          <a:noFill/>
+          <a:extLst>
+            <a:ext uri="{909E8E84-426E-40DD-AFC4-6F175D3DCCD1}">
+              <a14:hiddenFill xmlns:a14="http://schemas.microsoft.com/office/drawing/2010/main">
+                <a:solidFill>
+                  <a:srgbClr val="FFFFFF"/>
+                </a:solidFill>
+              </a14:hiddenFill>
+            </a:ext>
+          </a:extLst>
+        </p:spPr>
+      </p:pic>
       <p:sp>
         <p:nvSpPr>
           <p:cNvPr id="4" name="Content Placeholder 3">
@@ -7483,7 +7474,7 @@
             <a:pPr algn="ctr"/>
             <a:r>
               <a:rPr lang="en-US" sz="2000" dirty="0">
-                <a:hlinkClick r:id="rId2"/>
+                <a:hlinkClick r:id="rId3"/>
               </a:rPr>
               <a:t>mrg3d@hotmail.com</a:t>
             </a:r>
@@ -7500,7 +7491,7 @@
             <a:pPr algn="ctr"/>
             <a:r>
               <a:rPr lang="en-US" sz="2000" dirty="0">
-                <a:hlinkClick r:id="rId3"/>
+                <a:hlinkClick r:id="rId4"/>
               </a:rPr>
               <a:t>https://www.linkedin.com/in/mrg3d/</a:t>
             </a:r>
@@ -7549,6 +7540,47 @@
           <a:chExt cx="0" cy="0"/>
         </a:xfrm>
       </p:grpSpPr>
+      <p:pic>
+        <p:nvPicPr>
+          <p:cNvPr id="3" name="Picture 4" descr="X6m3TwZo_400x400.jpg (400×400)"/>
+          <p:cNvPicPr>
+            <a:picLocks noChangeAspect="1" noChangeArrowheads="1"/>
+          </p:cNvPicPr>
+          <p:nvPr/>
+        </p:nvPicPr>
+        <p:blipFill>
+          <a:blip r:embed="rId2">
+            <a:extLst>
+              <a:ext uri="{28A0092B-C50C-407E-A947-70E740481C1C}">
+                <a14:useLocalDpi xmlns:a14="http://schemas.microsoft.com/office/drawing/2010/main" val="0"/>
+              </a:ext>
+            </a:extLst>
+          </a:blip>
+          <a:srcRect/>
+          <a:stretch>
+            <a:fillRect/>
+          </a:stretch>
+        </p:blipFill>
+        <p:spPr bwMode="auto">
+          <a:xfrm>
+            <a:off x="0" y="83130"/>
+            <a:ext cx="3723220" cy="3723220"/>
+          </a:xfrm>
+          <a:prstGeom prst="rect">
+            <a:avLst/>
+          </a:prstGeom>
+          <a:noFill/>
+          <a:extLst>
+            <a:ext uri="{909E8E84-426E-40DD-AFC4-6F175D3DCCD1}">
+              <a14:hiddenFill xmlns:a14="http://schemas.microsoft.com/office/drawing/2010/main">
+                <a:solidFill>
+                  <a:srgbClr val="FFFFFF"/>
+                </a:solidFill>
+              </a14:hiddenFill>
+            </a:ext>
+          </a:extLst>
+        </p:spPr>
+      </p:pic>
       <p:sp>
         <p:nvSpPr>
           <p:cNvPr id="4" name="Content Placeholder 3">
@@ -7594,7 +7626,7 @@
             <a:pPr algn="ctr"/>
             <a:r>
               <a:rPr lang="en-US" sz="2000" dirty="0" smtClean="0">
-                <a:hlinkClick r:id="rId2"/>
+                <a:hlinkClick r:id="rId3"/>
               </a:rPr>
               <a:t>mrg3d@hotmail.com</a:t>
             </a:r>
@@ -7611,13 +7643,13 @@
             <a:pPr algn="ctr"/>
             <a:r>
               <a:rPr lang="en-US" sz="2000" dirty="0" smtClean="0">
-                <a:hlinkClick r:id="rId3"/>
+                <a:hlinkClick r:id="rId4"/>
               </a:rPr>
               <a:t>https</a:t>
             </a:r>
             <a:r>
               <a:rPr lang="en-US" sz="2000" dirty="0">
-                <a:hlinkClick r:id="rId3"/>
+                <a:hlinkClick r:id="rId4"/>
               </a:rPr>
               <a:t>://www.linkedin.com/in/mrg3d/</a:t>
             </a:r>

--- a/Introducing SQL Operations Studio.pptx
+++ b/Introducing SQL Operations Studio.pptx
@@ -4,6 +4,9 @@
   <p:sldMasterIdLst>
     <p:sldMasterId id="2147483648" r:id="rId1"/>
   </p:sldMasterIdLst>
+  <p:notesMasterIdLst>
+    <p:notesMasterId r:id="rId33"/>
+  </p:notesMasterIdLst>
   <p:sldIdLst>
     <p:sldId id="263" r:id="rId2"/>
     <p:sldId id="264" r:id="rId3"/>
@@ -12,8 +15,8 @@
     <p:sldId id="282" r:id="rId6"/>
     <p:sldId id="287" r:id="rId7"/>
     <p:sldId id="285" r:id="rId8"/>
-    <p:sldId id="271" r:id="rId9"/>
-    <p:sldId id="270" r:id="rId10"/>
+    <p:sldId id="303" r:id="rId9"/>
+    <p:sldId id="304" r:id="rId10"/>
     <p:sldId id="272" r:id="rId11"/>
     <p:sldId id="293" r:id="rId12"/>
     <p:sldId id="274" r:id="rId13"/>
@@ -767,6 +770,524 @@
 </pc:chgInfo>
 </file>
 
+<file path=ppt/notesMasters/notesMaster1.xml><?xml version="1.0" encoding="utf-8"?>
+<p:notesMaster xmlns:a="http://schemas.openxmlformats.org/drawingml/2006/main" xmlns:r="http://schemas.openxmlformats.org/officeDocument/2006/relationships" xmlns:p="http://schemas.openxmlformats.org/presentationml/2006/main">
+  <p:cSld>
+    <p:bg>
+      <p:bgRef idx="1001">
+        <a:schemeClr val="bg1"/>
+      </p:bgRef>
+    </p:bg>
+    <p:spTree>
+      <p:nvGrpSpPr>
+        <p:cNvPr id="1" name=""/>
+        <p:cNvGrpSpPr/>
+        <p:nvPr/>
+      </p:nvGrpSpPr>
+      <p:grpSpPr>
+        <a:xfrm>
+          <a:off x="0" y="0"/>
+          <a:ext cx="0" cy="0"/>
+          <a:chOff x="0" y="0"/>
+          <a:chExt cx="0" cy="0"/>
+        </a:xfrm>
+      </p:grpSpPr>
+      <p:sp>
+        <p:nvSpPr>
+          <p:cNvPr id="2" name="Header Placeholder 1"/>
+          <p:cNvSpPr>
+            <a:spLocks noGrp="1"/>
+          </p:cNvSpPr>
+          <p:nvPr>
+            <p:ph type="hdr" sz="quarter"/>
+          </p:nvPr>
+        </p:nvSpPr>
+        <p:spPr>
+          <a:xfrm>
+            <a:off x="0" y="0"/>
+            <a:ext cx="2971800" cy="458788"/>
+          </a:xfrm>
+          <a:prstGeom prst="rect">
+            <a:avLst/>
+          </a:prstGeom>
+        </p:spPr>
+        <p:txBody>
+          <a:bodyPr vert="horz" lIns="91440" tIns="45720" rIns="91440" bIns="45720" rtlCol="0"/>
+          <a:lstStyle>
+            <a:lvl1pPr algn="l">
+              <a:defRPr sz="1200"/>
+            </a:lvl1pPr>
+          </a:lstStyle>
+          <a:p>
+            <a:endParaRPr lang="it-IT"/>
+          </a:p>
+        </p:txBody>
+      </p:sp>
+      <p:sp>
+        <p:nvSpPr>
+          <p:cNvPr id="3" name="Date Placeholder 2"/>
+          <p:cNvSpPr>
+            <a:spLocks noGrp="1"/>
+          </p:cNvSpPr>
+          <p:nvPr>
+            <p:ph type="dt" idx="1"/>
+          </p:nvPr>
+        </p:nvSpPr>
+        <p:spPr>
+          <a:xfrm>
+            <a:off x="3884613" y="0"/>
+            <a:ext cx="2971800" cy="458788"/>
+          </a:xfrm>
+          <a:prstGeom prst="rect">
+            <a:avLst/>
+          </a:prstGeom>
+        </p:spPr>
+        <p:txBody>
+          <a:bodyPr vert="horz" lIns="91440" tIns="45720" rIns="91440" bIns="45720" rtlCol="0"/>
+          <a:lstStyle>
+            <a:lvl1pPr algn="r">
+              <a:defRPr sz="1200"/>
+            </a:lvl1pPr>
+          </a:lstStyle>
+          <a:p>
+            <a:fld id="{F652E4A1-3D45-4EBA-B418-0015710CCD69}" type="datetimeFigureOut">
+              <a:rPr lang="it-IT" smtClean="0"/>
+              <a:t>03/02/2018</a:t>
+            </a:fld>
+            <a:endParaRPr lang="it-IT"/>
+          </a:p>
+        </p:txBody>
+      </p:sp>
+      <p:sp>
+        <p:nvSpPr>
+          <p:cNvPr id="4" name="Slide Image Placeholder 3"/>
+          <p:cNvSpPr>
+            <a:spLocks noGrp="1" noRot="1" noChangeAspect="1"/>
+          </p:cNvSpPr>
+          <p:nvPr>
+            <p:ph type="sldImg" idx="2"/>
+          </p:nvPr>
+        </p:nvSpPr>
+        <p:spPr>
+          <a:xfrm>
+            <a:off x="685800" y="1143000"/>
+            <a:ext cx="5486400" cy="3086100"/>
+          </a:xfrm>
+          <a:prstGeom prst="rect">
+            <a:avLst/>
+          </a:prstGeom>
+          <a:noFill/>
+          <a:ln w="12700">
+            <a:solidFill>
+              <a:prstClr val="black"/>
+            </a:solidFill>
+          </a:ln>
+        </p:spPr>
+        <p:txBody>
+          <a:bodyPr vert="horz" lIns="91440" tIns="45720" rIns="91440" bIns="45720" rtlCol="0" anchor="ctr"/>
+          <a:lstStyle/>
+          <a:p>
+            <a:endParaRPr lang="it-IT"/>
+          </a:p>
+        </p:txBody>
+      </p:sp>
+      <p:sp>
+        <p:nvSpPr>
+          <p:cNvPr id="5" name="Notes Placeholder 4"/>
+          <p:cNvSpPr>
+            <a:spLocks noGrp="1"/>
+          </p:cNvSpPr>
+          <p:nvPr>
+            <p:ph type="body" sz="quarter" idx="3"/>
+          </p:nvPr>
+        </p:nvSpPr>
+        <p:spPr>
+          <a:xfrm>
+            <a:off x="685800" y="4400550"/>
+            <a:ext cx="5486400" cy="3600450"/>
+          </a:xfrm>
+          <a:prstGeom prst="rect">
+            <a:avLst/>
+          </a:prstGeom>
+        </p:spPr>
+        <p:txBody>
+          <a:bodyPr vert="horz" lIns="91440" tIns="45720" rIns="91440" bIns="45720" rtlCol="0"/>
+          <a:lstStyle/>
+          <a:p>
+            <a:pPr lvl="0"/>
+            <a:r>
+              <a:rPr lang="en-US" smtClean="0"/>
+              <a:t>Edit Master text styles</a:t>
+            </a:r>
+          </a:p>
+          <a:p>
+            <a:pPr lvl="1"/>
+            <a:r>
+              <a:rPr lang="en-US" smtClean="0"/>
+              <a:t>Second level</a:t>
+            </a:r>
+          </a:p>
+          <a:p>
+            <a:pPr lvl="2"/>
+            <a:r>
+              <a:rPr lang="en-US" smtClean="0"/>
+              <a:t>Third level</a:t>
+            </a:r>
+          </a:p>
+          <a:p>
+            <a:pPr lvl="3"/>
+            <a:r>
+              <a:rPr lang="en-US" smtClean="0"/>
+              <a:t>Fourth level</a:t>
+            </a:r>
+          </a:p>
+          <a:p>
+            <a:pPr lvl="4"/>
+            <a:r>
+              <a:rPr lang="en-US" smtClean="0"/>
+              <a:t>Fifth level</a:t>
+            </a:r>
+            <a:endParaRPr lang="it-IT"/>
+          </a:p>
+        </p:txBody>
+      </p:sp>
+      <p:sp>
+        <p:nvSpPr>
+          <p:cNvPr id="6" name="Footer Placeholder 5"/>
+          <p:cNvSpPr>
+            <a:spLocks noGrp="1"/>
+          </p:cNvSpPr>
+          <p:nvPr>
+            <p:ph type="ftr" sz="quarter" idx="4"/>
+          </p:nvPr>
+        </p:nvSpPr>
+        <p:spPr>
+          <a:xfrm>
+            <a:off x="0" y="8685213"/>
+            <a:ext cx="2971800" cy="458787"/>
+          </a:xfrm>
+          <a:prstGeom prst="rect">
+            <a:avLst/>
+          </a:prstGeom>
+        </p:spPr>
+        <p:txBody>
+          <a:bodyPr vert="horz" lIns="91440" tIns="45720" rIns="91440" bIns="45720" rtlCol="0" anchor="b"/>
+          <a:lstStyle>
+            <a:lvl1pPr algn="l">
+              <a:defRPr sz="1200"/>
+            </a:lvl1pPr>
+          </a:lstStyle>
+          <a:p>
+            <a:endParaRPr lang="it-IT"/>
+          </a:p>
+        </p:txBody>
+      </p:sp>
+      <p:sp>
+        <p:nvSpPr>
+          <p:cNvPr id="7" name="Slide Number Placeholder 6"/>
+          <p:cNvSpPr>
+            <a:spLocks noGrp="1"/>
+          </p:cNvSpPr>
+          <p:nvPr>
+            <p:ph type="sldNum" sz="quarter" idx="5"/>
+          </p:nvPr>
+        </p:nvSpPr>
+        <p:spPr>
+          <a:xfrm>
+            <a:off x="3884613" y="8685213"/>
+            <a:ext cx="2971800" cy="458787"/>
+          </a:xfrm>
+          <a:prstGeom prst="rect">
+            <a:avLst/>
+          </a:prstGeom>
+        </p:spPr>
+        <p:txBody>
+          <a:bodyPr vert="horz" lIns="91440" tIns="45720" rIns="91440" bIns="45720" rtlCol="0" anchor="b"/>
+          <a:lstStyle>
+            <a:lvl1pPr algn="r">
+              <a:defRPr sz="1200"/>
+            </a:lvl1pPr>
+          </a:lstStyle>
+          <a:p>
+            <a:fld id="{362B58F0-B6C9-4098-87AF-F2DA68701D9C}" type="slidenum">
+              <a:rPr lang="it-IT" smtClean="0"/>
+              <a:t>‹#›</a:t>
+            </a:fld>
+            <a:endParaRPr lang="it-IT"/>
+          </a:p>
+        </p:txBody>
+      </p:sp>
+    </p:spTree>
+    <p:extLst>
+      <p:ext uri="{BB962C8B-B14F-4D97-AF65-F5344CB8AC3E}">
+        <p14:creationId xmlns:p14="http://schemas.microsoft.com/office/powerpoint/2010/main" val="3282498376"/>
+      </p:ext>
+    </p:extLst>
+  </p:cSld>
+  <p:clrMap bg1="lt1" tx1="dk1" bg2="lt2" tx2="dk2" accent1="accent1" accent2="accent2" accent3="accent3" accent4="accent4" accent5="accent5" accent6="accent6" hlink="hlink" folHlink="folHlink"/>
+  <p:notesStyle>
+    <a:lvl1pPr marL="0" algn="l" defTabSz="914400" rtl="0" eaLnBrk="1" latinLnBrk="0" hangingPunct="1">
+      <a:defRPr sz="1200" kern="1200">
+        <a:solidFill>
+          <a:schemeClr val="tx1"/>
+        </a:solidFill>
+        <a:latin typeface="+mn-lt"/>
+        <a:ea typeface="+mn-ea"/>
+        <a:cs typeface="+mn-cs"/>
+      </a:defRPr>
+    </a:lvl1pPr>
+    <a:lvl2pPr marL="457200" algn="l" defTabSz="914400" rtl="0" eaLnBrk="1" latinLnBrk="0" hangingPunct="1">
+      <a:defRPr sz="1200" kern="1200">
+        <a:solidFill>
+          <a:schemeClr val="tx1"/>
+        </a:solidFill>
+        <a:latin typeface="+mn-lt"/>
+        <a:ea typeface="+mn-ea"/>
+        <a:cs typeface="+mn-cs"/>
+      </a:defRPr>
+    </a:lvl2pPr>
+    <a:lvl3pPr marL="914400" algn="l" defTabSz="914400" rtl="0" eaLnBrk="1" latinLnBrk="0" hangingPunct="1">
+      <a:defRPr sz="1200" kern="1200">
+        <a:solidFill>
+          <a:schemeClr val="tx1"/>
+        </a:solidFill>
+        <a:latin typeface="+mn-lt"/>
+        <a:ea typeface="+mn-ea"/>
+        <a:cs typeface="+mn-cs"/>
+      </a:defRPr>
+    </a:lvl3pPr>
+    <a:lvl4pPr marL="1371600" algn="l" defTabSz="914400" rtl="0" eaLnBrk="1" latinLnBrk="0" hangingPunct="1">
+      <a:defRPr sz="1200" kern="1200">
+        <a:solidFill>
+          <a:schemeClr val="tx1"/>
+        </a:solidFill>
+        <a:latin typeface="+mn-lt"/>
+        <a:ea typeface="+mn-ea"/>
+        <a:cs typeface="+mn-cs"/>
+      </a:defRPr>
+    </a:lvl4pPr>
+    <a:lvl5pPr marL="1828800" algn="l" defTabSz="914400" rtl="0" eaLnBrk="1" latinLnBrk="0" hangingPunct="1">
+      <a:defRPr sz="1200" kern="1200">
+        <a:solidFill>
+          <a:schemeClr val="tx1"/>
+        </a:solidFill>
+        <a:latin typeface="+mn-lt"/>
+        <a:ea typeface="+mn-ea"/>
+        <a:cs typeface="+mn-cs"/>
+      </a:defRPr>
+    </a:lvl5pPr>
+    <a:lvl6pPr marL="2286000" algn="l" defTabSz="914400" rtl="0" eaLnBrk="1" latinLnBrk="0" hangingPunct="1">
+      <a:defRPr sz="1200" kern="1200">
+        <a:solidFill>
+          <a:schemeClr val="tx1"/>
+        </a:solidFill>
+        <a:latin typeface="+mn-lt"/>
+        <a:ea typeface="+mn-ea"/>
+        <a:cs typeface="+mn-cs"/>
+      </a:defRPr>
+    </a:lvl6pPr>
+    <a:lvl7pPr marL="2743200" algn="l" defTabSz="914400" rtl="0" eaLnBrk="1" latinLnBrk="0" hangingPunct="1">
+      <a:defRPr sz="1200" kern="1200">
+        <a:solidFill>
+          <a:schemeClr val="tx1"/>
+        </a:solidFill>
+        <a:latin typeface="+mn-lt"/>
+        <a:ea typeface="+mn-ea"/>
+        <a:cs typeface="+mn-cs"/>
+      </a:defRPr>
+    </a:lvl7pPr>
+    <a:lvl8pPr marL="3200400" algn="l" defTabSz="914400" rtl="0" eaLnBrk="1" latinLnBrk="0" hangingPunct="1">
+      <a:defRPr sz="1200" kern="1200">
+        <a:solidFill>
+          <a:schemeClr val="tx1"/>
+        </a:solidFill>
+        <a:latin typeface="+mn-lt"/>
+        <a:ea typeface="+mn-ea"/>
+        <a:cs typeface="+mn-cs"/>
+      </a:defRPr>
+    </a:lvl8pPr>
+    <a:lvl9pPr marL="3657600" algn="l" defTabSz="914400" rtl="0" eaLnBrk="1" latinLnBrk="0" hangingPunct="1">
+      <a:defRPr sz="1200" kern="1200">
+        <a:solidFill>
+          <a:schemeClr val="tx1"/>
+        </a:solidFill>
+        <a:latin typeface="+mn-lt"/>
+        <a:ea typeface="+mn-ea"/>
+        <a:cs typeface="+mn-cs"/>
+      </a:defRPr>
+    </a:lvl9pPr>
+  </p:notesStyle>
+</p:notesMaster>
+</file>
+
+<file path=ppt/notesSlides/notesSlide1.xml><?xml version="1.0" encoding="utf-8"?>
+<p:notes xmlns:a="http://schemas.openxmlformats.org/drawingml/2006/main" xmlns:r="http://schemas.openxmlformats.org/officeDocument/2006/relationships" xmlns:p="http://schemas.openxmlformats.org/presentationml/2006/main">
+  <p:cSld>
+    <p:spTree>
+      <p:nvGrpSpPr>
+        <p:cNvPr id="1" name=""/>
+        <p:cNvGrpSpPr/>
+        <p:nvPr/>
+      </p:nvGrpSpPr>
+      <p:grpSpPr>
+        <a:xfrm>
+          <a:off x="0" y="0"/>
+          <a:ext cx="0" cy="0"/>
+          <a:chOff x="0" y="0"/>
+          <a:chExt cx="0" cy="0"/>
+        </a:xfrm>
+      </p:grpSpPr>
+      <p:sp>
+        <p:nvSpPr>
+          <p:cNvPr id="2" name="Slide Image Placeholder 1"/>
+          <p:cNvSpPr>
+            <a:spLocks noGrp="1" noRot="1" noChangeAspect="1"/>
+          </p:cNvSpPr>
+          <p:nvPr>
+            <p:ph type="sldImg"/>
+          </p:nvPr>
+        </p:nvSpPr>
+        <p:spPr/>
+      </p:sp>
+      <p:sp>
+        <p:nvSpPr>
+          <p:cNvPr id="3" name="Notes Placeholder 2"/>
+          <p:cNvSpPr>
+            <a:spLocks noGrp="1"/>
+          </p:cNvSpPr>
+          <p:nvPr>
+            <p:ph type="body" idx="1"/>
+          </p:nvPr>
+        </p:nvSpPr>
+        <p:spPr/>
+        <p:txBody>
+          <a:bodyPr/>
+          <a:lstStyle/>
+          <a:p>
+            <a:endParaRPr lang="en-US" dirty="0"/>
+          </a:p>
+        </p:txBody>
+      </p:sp>
+      <p:sp>
+        <p:nvSpPr>
+          <p:cNvPr id="4" name="Slide Number Placeholder 3"/>
+          <p:cNvSpPr>
+            <a:spLocks noGrp="1"/>
+          </p:cNvSpPr>
+          <p:nvPr>
+            <p:ph type="sldNum" sz="quarter" idx="10"/>
+          </p:nvPr>
+        </p:nvSpPr>
+        <p:spPr/>
+        <p:txBody>
+          <a:bodyPr/>
+          <a:lstStyle/>
+          <a:p>
+            <a:fld id="{1798AFD2-0EF9-419E-96F4-75AEAC616EFF}" type="slidenum">
+              <a:rPr lang="en-US" smtClean="0"/>
+              <a:t>8</a:t>
+            </a:fld>
+            <a:endParaRPr lang="en-US"/>
+          </a:p>
+        </p:txBody>
+      </p:sp>
+    </p:spTree>
+    <p:extLst>
+      <p:ext uri="{BB962C8B-B14F-4D97-AF65-F5344CB8AC3E}">
+        <p14:creationId xmlns:p14="http://schemas.microsoft.com/office/powerpoint/2010/main" val="484521053"/>
+      </p:ext>
+    </p:extLst>
+  </p:cSld>
+  <p:clrMapOvr>
+    <a:masterClrMapping/>
+  </p:clrMapOvr>
+</p:notes>
+</file>
+
+<file path=ppt/notesSlides/notesSlide2.xml><?xml version="1.0" encoding="utf-8"?>
+<p:notes xmlns:a="http://schemas.openxmlformats.org/drawingml/2006/main" xmlns:r="http://schemas.openxmlformats.org/officeDocument/2006/relationships" xmlns:p="http://schemas.openxmlformats.org/presentationml/2006/main">
+  <p:cSld>
+    <p:spTree>
+      <p:nvGrpSpPr>
+        <p:cNvPr id="1" name=""/>
+        <p:cNvGrpSpPr/>
+        <p:nvPr/>
+      </p:nvGrpSpPr>
+      <p:grpSpPr>
+        <a:xfrm>
+          <a:off x="0" y="0"/>
+          <a:ext cx="0" cy="0"/>
+          <a:chOff x="0" y="0"/>
+          <a:chExt cx="0" cy="0"/>
+        </a:xfrm>
+      </p:grpSpPr>
+      <p:sp>
+        <p:nvSpPr>
+          <p:cNvPr id="2" name="Slide Image Placeholder 1"/>
+          <p:cNvSpPr>
+            <a:spLocks noGrp="1" noRot="1" noChangeAspect="1"/>
+          </p:cNvSpPr>
+          <p:nvPr>
+            <p:ph type="sldImg"/>
+          </p:nvPr>
+        </p:nvSpPr>
+        <p:spPr/>
+      </p:sp>
+      <p:sp>
+        <p:nvSpPr>
+          <p:cNvPr id="3" name="Notes Placeholder 2"/>
+          <p:cNvSpPr>
+            <a:spLocks noGrp="1"/>
+          </p:cNvSpPr>
+          <p:nvPr>
+            <p:ph type="body" idx="1"/>
+          </p:nvPr>
+        </p:nvSpPr>
+        <p:spPr/>
+        <p:txBody>
+          <a:bodyPr/>
+          <a:lstStyle/>
+          <a:p>
+            <a:endParaRPr lang="en-US" dirty="0"/>
+          </a:p>
+        </p:txBody>
+      </p:sp>
+      <p:sp>
+        <p:nvSpPr>
+          <p:cNvPr id="4" name="Slide Number Placeholder 3"/>
+          <p:cNvSpPr>
+            <a:spLocks noGrp="1"/>
+          </p:cNvSpPr>
+          <p:nvPr>
+            <p:ph type="sldNum" sz="quarter" idx="10"/>
+          </p:nvPr>
+        </p:nvSpPr>
+        <p:spPr/>
+        <p:txBody>
+          <a:bodyPr/>
+          <a:lstStyle/>
+          <a:p>
+            <a:fld id="{1798AFD2-0EF9-419E-96F4-75AEAC616EFF}" type="slidenum">
+              <a:rPr lang="en-US" smtClean="0"/>
+              <a:t>9</a:t>
+            </a:fld>
+            <a:endParaRPr lang="en-US"/>
+          </a:p>
+        </p:txBody>
+      </p:sp>
+    </p:spTree>
+    <p:extLst>
+      <p:ext uri="{BB962C8B-B14F-4D97-AF65-F5344CB8AC3E}">
+        <p14:creationId xmlns:p14="http://schemas.microsoft.com/office/powerpoint/2010/main" val="269627278"/>
+      </p:ext>
+    </p:extLst>
+  </p:cSld>
+  <p:clrMapOvr>
+    <a:masterClrMapping/>
+  </p:clrMapOvr>
+</p:notes>
+</file>
+
 <file path=ppt/slideLayouts/slideLayout1.xml><?xml version="1.0" encoding="utf-8"?>
 <p:sldLayout xmlns:a="http://schemas.openxmlformats.org/drawingml/2006/main" xmlns:r="http://schemas.openxmlformats.org/officeDocument/2006/relationships" xmlns:p="http://schemas.openxmlformats.org/presentationml/2006/main" showMasterSp="0" preserve="1" userDrawn="1">
   <p:cSld name="Title">
@@ -2997,6 +3518,18 @@
   <p:clrMapOvr>
     <a:masterClrMapping/>
   </p:clrMapOvr>
+  <mc:AlternateContent xmlns:mc="http://schemas.openxmlformats.org/markup-compatibility/2006">
+    <mc:Choice xmlns:p14="http://schemas.microsoft.com/office/powerpoint/2010/main" Requires="p14">
+      <p:transition spd="med" p14:dur="700">
+        <p:fade/>
+      </p:transition>
+    </mc:Choice>
+    <mc:Fallback>
+      <p:transition spd="med">
+        <p:fade/>
+      </p:transition>
+    </mc:Fallback>
+  </mc:AlternateContent>
   <p:timing>
     <p:tnLst>
       <p:par>
@@ -3275,6 +3808,18 @@
   <p:clrMapOvr>
     <a:masterClrMapping/>
   </p:clrMapOvr>
+  <mc:AlternateContent xmlns:mc="http://schemas.openxmlformats.org/markup-compatibility/2006">
+    <mc:Choice xmlns:p14="http://schemas.microsoft.com/office/powerpoint/2010/main" Requires="p14">
+      <p:transition spd="med" p14:dur="700">
+        <p:fade/>
+      </p:transition>
+    </mc:Choice>
+    <mc:Fallback>
+      <p:transition spd="med">
+        <p:fade/>
+      </p:transition>
+    </mc:Fallback>
+  </mc:AlternateContent>
   <p:timing>
     <p:tnLst>
       <p:par>
@@ -3350,6 +3895,18 @@
   <p:clrMapOvr>
     <a:masterClrMapping/>
   </p:clrMapOvr>
+  <mc:AlternateContent xmlns:mc="http://schemas.openxmlformats.org/markup-compatibility/2006">
+    <mc:Choice xmlns:p14="http://schemas.microsoft.com/office/powerpoint/2010/main" Requires="p14">
+      <p:transition spd="med" p14:dur="700">
+        <p:fade/>
+      </p:transition>
+    </mc:Choice>
+    <mc:Fallback>
+      <p:transition spd="med">
+        <p:fade/>
+      </p:transition>
+    </mc:Fallback>
+  </mc:AlternateContent>
   <p:timing>
     <p:tnLst>
       <p:par>
@@ -3553,6 +4110,18 @@
   <p:clrMapOvr>
     <a:masterClrMapping/>
   </p:clrMapOvr>
+  <mc:AlternateContent xmlns:mc="http://schemas.openxmlformats.org/markup-compatibility/2006">
+    <mc:Choice xmlns:p14="http://schemas.microsoft.com/office/powerpoint/2010/main" Requires="p14">
+      <p:transition spd="med" p14:dur="700">
+        <p:fade/>
+      </p:transition>
+    </mc:Choice>
+    <mc:Fallback>
+      <p:transition spd="med">
+        <p:fade/>
+      </p:transition>
+    </mc:Fallback>
+  </mc:AlternateContent>
   <p:timing>
     <p:tnLst>
       <p:par>
@@ -3705,6 +4274,18 @@
   <p:clrMapOvr>
     <a:masterClrMapping/>
   </p:clrMapOvr>
+  <mc:AlternateContent xmlns:mc="http://schemas.openxmlformats.org/markup-compatibility/2006">
+    <mc:Choice xmlns:p14="http://schemas.microsoft.com/office/powerpoint/2010/main" Requires="p14">
+      <p:transition spd="med" p14:dur="700">
+        <p:fade/>
+      </p:transition>
+    </mc:Choice>
+    <mc:Fallback>
+      <p:transition spd="med">
+        <p:fade/>
+      </p:transition>
+    </mc:Fallback>
+  </mc:AlternateContent>
   <p:timing>
     <p:tnLst>
       <p:par>
@@ -3881,6 +4462,18 @@
   <p:clrMapOvr>
     <a:masterClrMapping/>
   </p:clrMapOvr>
+  <mc:AlternateContent xmlns:mc="http://schemas.openxmlformats.org/markup-compatibility/2006">
+    <mc:Choice xmlns:p14="http://schemas.microsoft.com/office/powerpoint/2010/main" Requires="p14">
+      <p:transition spd="med" p14:dur="700">
+        <p:fade/>
+      </p:transition>
+    </mc:Choice>
+    <mc:Fallback>
+      <p:transition spd="med">
+        <p:fade/>
+      </p:transition>
+    </mc:Fallback>
+  </mc:AlternateContent>
   <p:timing>
     <p:tnLst>
       <p:par>
@@ -4127,6 +4720,18 @@
   <p:clrMapOvr>
     <a:masterClrMapping/>
   </p:clrMapOvr>
+  <mc:AlternateContent xmlns:mc="http://schemas.openxmlformats.org/markup-compatibility/2006">
+    <mc:Choice xmlns:p14="http://schemas.microsoft.com/office/powerpoint/2010/main" Requires="p14">
+      <p:transition spd="med" p14:dur="700">
+        <p:fade/>
+      </p:transition>
+    </mc:Choice>
+    <mc:Fallback>
+      <p:transition spd="med">
+        <p:fade/>
+      </p:transition>
+    </mc:Fallback>
+  </mc:AlternateContent>
   <p:timing>
     <p:tnLst>
       <p:par>
@@ -4370,6 +4975,18 @@
   <p:clrMapOvr>
     <a:masterClrMapping/>
   </p:clrMapOvr>
+  <mc:AlternateContent xmlns:mc="http://schemas.openxmlformats.org/markup-compatibility/2006">
+    <mc:Choice xmlns:p14="http://schemas.microsoft.com/office/powerpoint/2010/main" Requires="p14">
+      <p:transition spd="med" p14:dur="700">
+        <p:fade/>
+      </p:transition>
+    </mc:Choice>
+    <mc:Fallback>
+      <p:transition spd="med">
+        <p:fade/>
+      </p:transition>
+    </mc:Fallback>
+  </mc:AlternateContent>
   <p:timing>
     <p:tnLst>
       <p:par>
@@ -4627,6 +5244,18 @@
   <p:clrMapOvr>
     <a:masterClrMapping/>
   </p:clrMapOvr>
+  <mc:AlternateContent xmlns:mc="http://schemas.openxmlformats.org/markup-compatibility/2006">
+    <mc:Choice xmlns:p14="http://schemas.microsoft.com/office/powerpoint/2010/main" Requires="p14">
+      <p:transition spd="med" p14:dur="700">
+        <p:fade/>
+      </p:transition>
+    </mc:Choice>
+    <mc:Fallback>
+      <p:transition spd="med">
+        <p:fade/>
+      </p:transition>
+    </mc:Fallback>
+  </mc:AlternateContent>
   <p:timing>
     <p:tnLst>
       <p:par>
@@ -4912,6 +5541,18 @@
   <p:clrMapOvr>
     <a:masterClrMapping/>
   </p:clrMapOvr>
+  <mc:AlternateContent xmlns:mc="http://schemas.openxmlformats.org/markup-compatibility/2006">
+    <mc:Choice xmlns:p14="http://schemas.microsoft.com/office/powerpoint/2010/main" Requires="p14">
+      <p:transition spd="med" p14:dur="700">
+        <p:fade/>
+      </p:transition>
+    </mc:Choice>
+    <mc:Fallback>
+      <p:transition spd="med">
+        <p:fade/>
+      </p:transition>
+    </mc:Fallback>
+  </mc:AlternateContent>
   <p:timing>
     <p:tnLst>
       <p:par>
@@ -4993,11 +5634,7 @@
             </a:pPr>
             <a:r>
               <a:rPr lang="en-US" dirty="0" smtClean="0"/>
-              <a:t>UI </a:t>
-            </a:r>
-            <a:r>
-              <a:rPr lang="en-US" dirty="0" smtClean="0"/>
-              <a:t>Extensibility</a:t>
+              <a:t>UI Extensibility</a:t>
             </a:r>
           </a:p>
           <a:p>
@@ -5007,15 +5644,7 @@
             </a:pPr>
             <a:r>
               <a:rPr lang="en-US" dirty="0" smtClean="0"/>
-              <a:t>Database </a:t>
-            </a:r>
-            <a:r>
-              <a:rPr lang="en-US" dirty="0" smtClean="0"/>
-              <a:t>Management Protocol (</a:t>
-            </a:r>
-            <a:r>
-              <a:rPr lang="en-US" dirty="0" smtClean="0"/>
-              <a:t>DMP)</a:t>
+              <a:t>Database Management Protocol (DMP)</a:t>
             </a:r>
           </a:p>
           <a:p>
@@ -5062,6 +5691,18 @@
   <p:clrMapOvr>
     <a:masterClrMapping/>
   </p:clrMapOvr>
+  <mc:AlternateContent xmlns:mc="http://schemas.openxmlformats.org/markup-compatibility/2006">
+    <mc:Choice xmlns:p14="http://schemas.microsoft.com/office/powerpoint/2010/main" Requires="p14">
+      <p:transition spd="med" p14:dur="700">
+        <p:fade/>
+      </p:transition>
+    </mc:Choice>
+    <mc:Fallback>
+      <p:transition spd="med">
+        <p:fade/>
+      </p:transition>
+    </mc:Fallback>
+  </mc:AlternateContent>
   <p:timing>
     <p:tnLst>
       <p:par>
@@ -5127,6 +5768,18 @@
   <p:clrMapOvr>
     <a:masterClrMapping/>
   </p:clrMapOvr>
+  <mc:AlternateContent xmlns:mc="http://schemas.openxmlformats.org/markup-compatibility/2006">
+    <mc:Choice xmlns:p14="http://schemas.microsoft.com/office/powerpoint/2010/main" Requires="p14">
+      <p:transition spd="med" p14:dur="700">
+        <p:fade/>
+      </p:transition>
+    </mc:Choice>
+    <mc:Fallback>
+      <p:transition spd="med">
+        <p:fade/>
+      </p:transition>
+    </mc:Fallback>
+  </mc:AlternateContent>
   <p:timing>
     <p:tnLst>
       <p:par>
@@ -5187,6 +5840,18 @@
   <p:clrMapOvr>
     <a:masterClrMapping/>
   </p:clrMapOvr>
+  <mc:AlternateContent xmlns:mc="http://schemas.openxmlformats.org/markup-compatibility/2006">
+    <mc:Choice xmlns:p14="http://schemas.microsoft.com/office/powerpoint/2010/main" Requires="p14">
+      <p:transition spd="med" p14:dur="700">
+        <p:fade/>
+      </p:transition>
+    </mc:Choice>
+    <mc:Fallback>
+      <p:transition spd="med">
+        <p:fade/>
+      </p:transition>
+    </mc:Fallback>
+  </mc:AlternateContent>
   <p:timing>
     <p:tnLst>
       <p:par>
@@ -5247,6 +5912,18 @@
   <p:clrMapOvr>
     <a:masterClrMapping/>
   </p:clrMapOvr>
+  <mc:AlternateContent xmlns:mc="http://schemas.openxmlformats.org/markup-compatibility/2006">
+    <mc:Choice xmlns:p14="http://schemas.microsoft.com/office/powerpoint/2010/main" Requires="p14">
+      <p:transition spd="med" p14:dur="700">
+        <p:fade/>
+      </p:transition>
+    </mc:Choice>
+    <mc:Fallback>
+      <p:transition spd="med">
+        <p:fade/>
+      </p:transition>
+    </mc:Fallback>
+  </mc:AlternateContent>
   <p:timing>
     <p:tnLst>
       <p:par>
@@ -5415,6 +6092,18 @@
   <p:clrMapOvr>
     <a:masterClrMapping/>
   </p:clrMapOvr>
+  <mc:AlternateContent xmlns:mc="http://schemas.openxmlformats.org/markup-compatibility/2006">
+    <mc:Choice xmlns:p14="http://schemas.microsoft.com/office/powerpoint/2010/main" Requires="p14">
+      <p:transition spd="med" p14:dur="700">
+        <p:fade/>
+      </p:transition>
+    </mc:Choice>
+    <mc:Fallback>
+      <p:transition spd="med">
+        <p:fade/>
+      </p:transition>
+    </mc:Fallback>
+  </mc:AlternateContent>
   <p:timing>
     <p:tnLst>
       <p:par>
@@ -5625,6 +6314,18 @@
   <p:clrMapOvr>
     <a:masterClrMapping/>
   </p:clrMapOvr>
+  <mc:AlternateContent xmlns:mc="http://schemas.openxmlformats.org/markup-compatibility/2006">
+    <mc:Choice xmlns:p14="http://schemas.microsoft.com/office/powerpoint/2010/main" Requires="p14">
+      <p:transition spd="med" p14:dur="700">
+        <p:fade/>
+      </p:transition>
+    </mc:Choice>
+    <mc:Fallback>
+      <p:transition spd="med">
+        <p:fade/>
+      </p:transition>
+    </mc:Fallback>
+  </mc:AlternateContent>
   <p:timing>
     <p:tnLst>
       <p:par>
@@ -5744,11 +6445,7 @@
             </a:r>
             <a:r>
               <a:rPr lang="en-US" sz="3200" dirty="0" smtClean="0"/>
-              <a:t> </a:t>
-            </a:r>
-            <a:r>
-              <a:rPr lang="en-US" sz="3200" dirty="0" smtClean="0"/>
-              <a:t>stabile, </a:t>
+              <a:t> stabile, </a:t>
             </a:r>
             <a:r>
               <a:rPr lang="en-US" sz="3200" dirty="0" err="1" smtClean="0"/>
@@ -5756,13 +6453,8 @@
             </a:r>
             <a:r>
               <a:rPr lang="en-US" sz="3200" dirty="0" smtClean="0"/>
-              <a:t> e </a:t>
-            </a:r>
-            <a:r>
-              <a:rPr lang="en-US" sz="3200" dirty="0" smtClean="0"/>
-              <a:t>UI-driven</a:t>
-            </a:r>
-            <a:endParaRPr lang="en-US" sz="3200" dirty="0" smtClean="0"/>
+              <a:t> e UI-driven</a:t>
+            </a:r>
           </a:p>
           <a:p>
             <a:pPr marL="571500" indent="-571500">
@@ -5871,6 +6563,18 @@
   <p:clrMapOvr>
     <a:masterClrMapping/>
   </p:clrMapOvr>
+  <mc:AlternateContent xmlns:mc="http://schemas.openxmlformats.org/markup-compatibility/2006">
+    <mc:Choice xmlns:p14="http://schemas.microsoft.com/office/powerpoint/2010/main" Requires="p14">
+      <p:transition spd="med" p14:dur="700">
+        <p:fade/>
+      </p:transition>
+    </mc:Choice>
+    <mc:Fallback>
+      <p:transition spd="med">
+        <p:fade/>
+      </p:transition>
+    </mc:Fallback>
+  </mc:AlternateContent>
   <p:timing>
     <p:tnLst>
       <p:par>
@@ -6007,6 +6711,18 @@
   <p:clrMapOvr>
     <a:masterClrMapping/>
   </p:clrMapOvr>
+  <mc:AlternateContent xmlns:mc="http://schemas.openxmlformats.org/markup-compatibility/2006">
+    <mc:Choice xmlns:p14="http://schemas.microsoft.com/office/powerpoint/2010/main" Requires="p14">
+      <p:transition spd="med" p14:dur="700">
+        <p:fade/>
+      </p:transition>
+    </mc:Choice>
+    <mc:Fallback>
+      <p:transition spd="med">
+        <p:fade/>
+      </p:transition>
+    </mc:Fallback>
+  </mc:AlternateContent>
   <p:timing>
     <p:tnLst>
       <p:par>
@@ -6277,6 +6993,18 @@
   <p:clrMapOvr>
     <a:masterClrMapping/>
   </p:clrMapOvr>
+  <mc:AlternateContent xmlns:mc="http://schemas.openxmlformats.org/markup-compatibility/2006">
+    <mc:Choice xmlns:p14="http://schemas.microsoft.com/office/powerpoint/2010/main" Requires="p14">
+      <p:transition spd="med" p14:dur="700">
+        <p:fade/>
+      </p:transition>
+    </mc:Choice>
+    <mc:Fallback>
+      <p:transition spd="med">
+        <p:fade/>
+      </p:transition>
+    </mc:Fallback>
+  </mc:AlternateContent>
   <p:timing>
     <p:tnLst>
       <p:par>
@@ -6425,6 +7153,18 @@
   <p:clrMapOvr>
     <a:masterClrMapping/>
   </p:clrMapOvr>
+  <mc:AlternateContent xmlns:mc="http://schemas.openxmlformats.org/markup-compatibility/2006">
+    <mc:Choice xmlns:p14="http://schemas.microsoft.com/office/powerpoint/2010/main" Requires="p14">
+      <p:transition spd="med" p14:dur="700">
+        <p:fade/>
+      </p:transition>
+    </mc:Choice>
+    <mc:Fallback>
+      <p:transition spd="med">
+        <p:fade/>
+      </p:transition>
+    </mc:Fallback>
+  </mc:AlternateContent>
   <p:timing>
     <p:tnLst>
       <p:par>
@@ -6771,6 +7511,18 @@
   <p:clrMapOvr>
     <a:masterClrMapping/>
   </p:clrMapOvr>
+  <mc:AlternateContent xmlns:mc="http://schemas.openxmlformats.org/markup-compatibility/2006">
+    <mc:Choice xmlns:p14="http://schemas.microsoft.com/office/powerpoint/2010/main" Requires="p14">
+      <p:transition spd="med" p14:dur="700">
+        <p:fade/>
+      </p:transition>
+    </mc:Choice>
+    <mc:Fallback>
+      <p:transition spd="med">
+        <p:fade/>
+      </p:transition>
+    </mc:Fallback>
+  </mc:AlternateContent>
   <p:timing>
     <p:tnLst>
       <p:par>
@@ -6998,6 +7750,18 @@
   <p:clrMapOvr>
     <a:masterClrMapping/>
   </p:clrMapOvr>
+  <mc:AlternateContent xmlns:mc="http://schemas.openxmlformats.org/markup-compatibility/2006">
+    <mc:Choice xmlns:p14="http://schemas.microsoft.com/office/powerpoint/2010/main" Requires="p14">
+      <p:transition spd="med" p14:dur="700">
+        <p:fade/>
+      </p:transition>
+    </mc:Choice>
+    <mc:Fallback>
+      <p:transition spd="med">
+        <p:fade/>
+      </p:transition>
+    </mc:Fallback>
+  </mc:AlternateContent>
   <p:timing>
     <p:tnLst>
       <p:par>
@@ -7361,6 +8125,18 @@
   <p:clrMapOvr>
     <a:masterClrMapping/>
   </p:clrMapOvr>
+  <mc:AlternateContent xmlns:mc="http://schemas.openxmlformats.org/markup-compatibility/2006">
+    <mc:Choice xmlns:p14="http://schemas.microsoft.com/office/powerpoint/2010/main" Requires="p14">
+      <p:transition spd="med" p14:dur="700">
+        <p:fade/>
+      </p:transition>
+    </mc:Choice>
+    <mc:Fallback>
+      <p:transition spd="med">
+        <p:fade/>
+      </p:transition>
+    </mc:Fallback>
+  </mc:AlternateContent>
   <p:timing>
     <p:tnLst>
       <p:par>
@@ -7513,6 +8289,18 @@
   <p:clrMapOvr>
     <a:masterClrMapping/>
   </p:clrMapOvr>
+  <mc:AlternateContent xmlns:mc="http://schemas.openxmlformats.org/markup-compatibility/2006">
+    <mc:Choice xmlns:p14="http://schemas.microsoft.com/office/powerpoint/2010/main" Requires="p14">
+      <p:transition spd="med" p14:dur="700">
+        <p:fade/>
+      </p:transition>
+    </mc:Choice>
+    <mc:Fallback>
+      <p:transition spd="med">
+        <p:fade/>
+      </p:transition>
+    </mc:Fallback>
+  </mc:AlternateContent>
   <p:timing>
     <p:tnLst>
       <p:par>
@@ -7671,6 +8459,18 @@
   <p:clrMapOvr>
     <a:masterClrMapping/>
   </p:clrMapOvr>
+  <mc:AlternateContent xmlns:mc="http://schemas.openxmlformats.org/markup-compatibility/2006">
+    <mc:Choice xmlns:p14="http://schemas.microsoft.com/office/powerpoint/2010/main" Requires="p14">
+      <p:transition spd="med" p14:dur="700">
+        <p:fade/>
+      </p:transition>
+    </mc:Choice>
+    <mc:Fallback>
+      <p:transition spd="med">
+        <p:fade/>
+      </p:transition>
+    </mc:Fallback>
+  </mc:AlternateContent>
   <p:timing>
     <p:tnLst>
       <p:par>
@@ -7731,6 +8531,18 @@
   <p:clrMapOvr>
     <a:masterClrMapping/>
   </p:clrMapOvr>
+  <mc:AlternateContent xmlns:mc="http://schemas.openxmlformats.org/markup-compatibility/2006">
+    <mc:Choice xmlns:p14="http://schemas.microsoft.com/office/powerpoint/2010/main" Requires="p14">
+      <p:transition spd="med" p14:dur="700">
+        <p:fade/>
+      </p:transition>
+    </mc:Choice>
+    <mc:Fallback>
+      <p:transition spd="med">
+        <p:fade/>
+      </p:transition>
+    </mc:Fallback>
+  </mc:AlternateContent>
   <p:timing>
     <p:tnLst>
       <p:par>
@@ -8102,6 +8914,18 @@
   <p:clrMapOvr>
     <a:masterClrMapping/>
   </p:clrMapOvr>
+  <mc:AlternateContent xmlns:mc="http://schemas.openxmlformats.org/markup-compatibility/2006">
+    <mc:Choice xmlns:p14="http://schemas.microsoft.com/office/powerpoint/2010/main" Requires="p14">
+      <p:transition spd="med" p14:dur="700">
+        <p:fade/>
+      </p:transition>
+    </mc:Choice>
+    <mc:Fallback>
+      <p:transition spd="med">
+        <p:fade/>
+      </p:transition>
+    </mc:Fallback>
+  </mc:AlternateContent>
   <p:timing>
     <p:tnLst>
       <p:par>
@@ -8248,6 +9072,18 @@
   <p:clrMapOvr>
     <a:masterClrMapping/>
   </p:clrMapOvr>
+  <mc:AlternateContent xmlns:mc="http://schemas.openxmlformats.org/markup-compatibility/2006">
+    <mc:Choice xmlns:p14="http://schemas.microsoft.com/office/powerpoint/2010/main" Requires="p14">
+      <p:transition spd="med" p14:dur="700">
+        <p:fade/>
+      </p:transition>
+    </mc:Choice>
+    <mc:Fallback>
+      <p:transition spd="med">
+        <p:fade/>
+      </p:transition>
+    </mc:Fallback>
+  </mc:AlternateContent>
   <p:timing>
     <p:tnLst>
       <p:par>
@@ -8340,6 +9176,18 @@
   <p:clrMapOvr>
     <a:masterClrMapping/>
   </p:clrMapOvr>
+  <mc:AlternateContent xmlns:mc="http://schemas.openxmlformats.org/markup-compatibility/2006">
+    <mc:Choice xmlns:p14="http://schemas.microsoft.com/office/powerpoint/2010/main" Requires="p14">
+      <p:transition spd="med" p14:dur="700">
+        <p:fade/>
+      </p:transition>
+    </mc:Choice>
+    <mc:Fallback>
+      <p:transition spd="med">
+        <p:fade/>
+      </p:transition>
+    </mc:Fallback>
+  </mc:AlternateContent>
   <p:timing>
     <p:tnLst>
       <p:par>
@@ -8369,7 +9217,13 @@
       </p:grpSpPr>
       <p:sp>
         <p:nvSpPr>
-          <p:cNvPr id="18" name="Title 17"/>
+          <p:cNvPr id="4" name="Title 3">
+            <a:extLst>
+              <a:ext uri="{FF2B5EF4-FFF2-40B4-BE49-F238E27FC236}">
+                <a16:creationId xmlns:a16="http://schemas.microsoft.com/office/drawing/2014/main" id="{20799E9E-B044-4786-A690-ECEEDB163BD3}"/>
+              </a:ext>
+            </a:extLst>
+          </p:cNvPr>
           <p:cNvSpPr>
             <a:spLocks noGrp="1"/>
           </p:cNvSpPr>
@@ -8377,324 +9231,785 @@
             <p:ph type="title"/>
           </p:nvPr>
         </p:nvSpPr>
-        <p:spPr/>
+        <p:spPr>
+          <a:xfrm>
+            <a:off x="254412" y="273936"/>
+            <a:ext cx="11013858" cy="849993"/>
+          </a:xfrm>
+        </p:spPr>
         <p:txBody>
           <a:bodyPr/>
           <a:lstStyle/>
           <a:p>
             <a:r>
-              <a:rPr lang="en-US" dirty="0" err="1" smtClean="0"/>
+              <a:rPr lang="en-US" dirty="0" err="1"/>
               <a:t>Cos’é</a:t>
             </a:r>
             <a:r>
+              <a:rPr lang="en-US" dirty="0"/>
+              <a:t> SQL Operations Studio</a:t>
+            </a:r>
+            <a:r>
               <a:rPr lang="en-US" dirty="0" smtClean="0"/>
-              <a:t> SQL Operations Studio?               </a:t>
-            </a:r>
-            <a:endParaRPr lang="en-US" sz="3600" dirty="0">
-              <a:solidFill>
-                <a:schemeClr val="tx2"/>
-              </a:solidFill>
-              <a:latin typeface="+mn-lt"/>
-              <a:ea typeface="+mn-ea"/>
-              <a:cs typeface="+mn-cs"/>
-            </a:endParaRPr>
+              <a:t>?</a:t>
+            </a:r>
+            <a:endParaRPr lang="en-US" dirty="0"/>
           </a:p>
         </p:txBody>
       </p:sp>
-      <p:graphicFrame>
-        <p:nvGraphicFramePr>
-          <p:cNvPr id="4" name="Table 3"/>
-          <p:cNvGraphicFramePr>
-            <a:graphicFrameLocks noGrp="1"/>
-          </p:cNvGraphicFramePr>
-          <p:nvPr>
-            <p:extLst/>
-          </p:nvPr>
-        </p:nvGraphicFramePr>
-        <p:xfrm>
-          <a:off x="1920875" y="1353310"/>
-          <a:ext cx="7680326" cy="4414045"/>
-        </p:xfrm>
-        <a:graphic>
-          <a:graphicData uri="http://schemas.openxmlformats.org/drawingml/2006/table">
-            <a:tbl>
-              <a:tblPr firstRow="1" bandRow="1">
-                <a:tableStyleId>{2D5ABB26-0587-4C30-8999-92F81FD0307C}</a:tableStyleId>
-              </a:tblPr>
-              <a:tblGrid>
-                <a:gridCol w="3840163">
-                  <a:extLst>
-                    <a:ext uri="{9D8B030D-6E8A-4147-A177-3AD203B41FA5}">
-                      <a16:colId xmlns:a16="http://schemas.microsoft.com/office/drawing/2014/main" val="4069709111"/>
-                    </a:ext>
-                  </a:extLst>
-                </a:gridCol>
-                <a:gridCol w="3840163">
-                  <a:extLst>
-                    <a:ext uri="{9D8B030D-6E8A-4147-A177-3AD203B41FA5}">
-                      <a16:colId xmlns:a16="http://schemas.microsoft.com/office/drawing/2014/main" val="235530738"/>
-                    </a:ext>
-                  </a:extLst>
-                </a:gridCol>
-              </a:tblGrid>
-              <a:tr h="1028297">
-                <a:tc>
-                  <a:txBody>
-                    <a:bodyPr/>
-                    <a:lstStyle/>
-                    <a:p>
-                      <a:pPr algn="ctr"/>
-                      <a:r>
-                        <a:rPr lang="en-US" dirty="0" smtClean="0"/>
-                        <a:t>For Database</a:t>
-                      </a:r>
-                      <a:r>
-                        <a:rPr lang="en-US" baseline="0" dirty="0" smtClean="0"/>
-                        <a:t> Dev</a:t>
-                      </a:r>
-                      <a:endParaRPr lang="en-US" dirty="0"/>
-                    </a:p>
-                  </a:txBody>
-                  <a:tcPr anchor="ctr">
-                    <a:lnL w="12700" cap="flat" cmpd="sng" algn="ctr">
-                      <a:solidFill>
-                        <a:schemeClr val="bg1">
-                          <a:lumMod val="75000"/>
-                        </a:schemeClr>
-                      </a:solidFill>
-                      <a:prstDash val="solid"/>
-                      <a:round/>
-                      <a:headEnd type="none" w="med" len="med"/>
-                      <a:tailEnd type="none" w="med" len="med"/>
-                    </a:lnL>
-                  </a:tcPr>
-                </a:tc>
-                <a:tc>
-                  <a:txBody>
-                    <a:bodyPr/>
-                    <a:lstStyle/>
-                    <a:p>
-                      <a:pPr algn="ctr"/>
-                      <a:r>
-                        <a:rPr lang="en-US" dirty="0" smtClean="0"/>
-                        <a:t>For Ops</a:t>
-                      </a:r>
-                      <a:endParaRPr lang="en-US" dirty="0"/>
-                    </a:p>
-                  </a:txBody>
-                  <a:tcPr anchor="ctr">
-                    <a:lnR w="12700" cap="flat" cmpd="sng" algn="ctr">
-                      <a:solidFill>
-                        <a:schemeClr val="bg1">
-                          <a:lumMod val="75000"/>
-                        </a:schemeClr>
-                      </a:solidFill>
-                      <a:prstDash val="solid"/>
-                      <a:round/>
-                      <a:headEnd type="none" w="med" len="med"/>
-                      <a:tailEnd type="none" w="med" len="med"/>
-                    </a:lnR>
-                  </a:tcPr>
-                </a:tc>
-                <a:extLst>
-                  <a:ext uri="{0D108BD9-81ED-4DB2-BD59-A6C34878D82A}">
-                    <a16:rowId xmlns:a16="http://schemas.microsoft.com/office/drawing/2014/main" val="4206143796"/>
-                  </a:ext>
-                </a:extLst>
-              </a:tr>
-              <a:tr h="2257416">
-                <a:tc>
-                  <a:txBody>
-                    <a:bodyPr/>
-                    <a:lstStyle/>
-                    <a:p>
-                      <a:endParaRPr lang="en-US" dirty="0" smtClean="0"/>
-                    </a:p>
-                    <a:p>
-                      <a:endParaRPr lang="en-US" dirty="0" smtClean="0"/>
-                    </a:p>
-                    <a:p>
-                      <a:endParaRPr lang="en-US" dirty="0" smtClean="0"/>
-                    </a:p>
-                    <a:p>
-                      <a:endParaRPr lang="en-US" dirty="0" smtClean="0"/>
-                    </a:p>
-                    <a:p>
-                      <a:endParaRPr lang="en-US" dirty="0" smtClean="0"/>
-                    </a:p>
-                    <a:p>
-                      <a:endParaRPr lang="en-US" dirty="0"/>
-                    </a:p>
-                  </a:txBody>
-                  <a:tcPr>
-                    <a:lnL w="12700" cap="flat" cmpd="sng" algn="ctr">
-                      <a:solidFill>
-                        <a:schemeClr val="bg1">
-                          <a:lumMod val="75000"/>
-                        </a:schemeClr>
-                      </a:solidFill>
-                      <a:prstDash val="solid"/>
-                      <a:round/>
-                      <a:headEnd type="none" w="med" len="med"/>
-                      <a:tailEnd type="none" w="med" len="med"/>
-                    </a:lnL>
-                  </a:tcPr>
-                </a:tc>
-                <a:tc>
-                  <a:txBody>
-                    <a:bodyPr/>
-                    <a:lstStyle/>
-                    <a:p>
-                      <a:endParaRPr lang="en-US" dirty="0"/>
-                    </a:p>
-                  </a:txBody>
-                  <a:tcPr>
-                    <a:lnR w="12700" cap="flat" cmpd="sng" algn="ctr">
-                      <a:solidFill>
-                        <a:schemeClr val="bg1">
-                          <a:lumMod val="75000"/>
-                        </a:schemeClr>
-                      </a:solidFill>
-                      <a:prstDash val="solid"/>
-                      <a:round/>
-                      <a:headEnd type="none" w="med" len="med"/>
-                      <a:tailEnd type="none" w="med" len="med"/>
-                    </a:lnR>
-                  </a:tcPr>
-                </a:tc>
-                <a:extLst>
-                  <a:ext uri="{0D108BD9-81ED-4DB2-BD59-A6C34878D82A}">
-                    <a16:rowId xmlns:a16="http://schemas.microsoft.com/office/drawing/2014/main" val="1187876434"/>
-                  </a:ext>
-                </a:extLst>
-              </a:tr>
-              <a:tr h="988693">
-                <a:tc gridSpan="2">
-                  <a:txBody>
-                    <a:bodyPr/>
-                    <a:lstStyle/>
-                    <a:p>
-                      <a:pPr algn="ctr"/>
-                      <a:endParaRPr lang="en-US" dirty="0" smtClean="0"/>
-                    </a:p>
-                    <a:p>
-                      <a:pPr algn="ctr"/>
-                      <a:endParaRPr lang="en-US" dirty="0" smtClean="0"/>
-                    </a:p>
-                    <a:p>
-                      <a:pPr algn="ctr"/>
-                      <a:r>
-                        <a:rPr lang="en-US" dirty="0" smtClean="0"/>
-                        <a:t>Empowers DevOps</a:t>
-                      </a:r>
-                      <a:r>
-                        <a:rPr lang="en-US" baseline="0" dirty="0" smtClean="0"/>
-                        <a:t> practice</a:t>
-                      </a:r>
-                      <a:endParaRPr lang="en-US" dirty="0"/>
-                    </a:p>
-                  </a:txBody>
-                  <a:tcPr anchor="ctr"/>
-                </a:tc>
-                <a:tc hMerge="1">
-                  <a:txBody>
-                    <a:bodyPr/>
-                    <a:lstStyle/>
-                    <a:p>
-                      <a:endParaRPr lang="en-US" dirty="0"/>
-                    </a:p>
-                  </a:txBody>
-                  <a:tcPr/>
-                </a:tc>
-                <a:extLst>
-                  <a:ext uri="{0D108BD9-81ED-4DB2-BD59-A6C34878D82A}">
-                    <a16:rowId xmlns:a16="http://schemas.microsoft.com/office/drawing/2014/main" val="2946017289"/>
-                  </a:ext>
-                </a:extLst>
-              </a:tr>
-            </a:tbl>
-          </a:graphicData>
-        </a:graphic>
-      </p:graphicFrame>
-      <p:pic>
-        <p:nvPicPr>
-          <p:cNvPr id="5" name="Picture 4"/>
-          <p:cNvPicPr>
-            <a:picLocks noChangeAspect="1"/>
-          </p:cNvPicPr>
+      <p:sp>
+        <p:nvSpPr>
+          <p:cNvPr id="6" name="TextBox 5">
+            <a:extLst>
+              <a:ext uri="{FF2B5EF4-FFF2-40B4-BE49-F238E27FC236}">
+                <a16:creationId xmlns:a16="http://schemas.microsoft.com/office/drawing/2014/main" id="{4EE47D07-F993-42E2-913E-785D22FF7810}"/>
+              </a:ext>
+            </a:extLst>
+          </p:cNvPr>
+          <p:cNvSpPr txBox="1"/>
           <p:nvPr/>
-        </p:nvPicPr>
-        <p:blipFill>
-          <a:blip r:embed="rId2"/>
-          <a:stretch>
-            <a:fillRect/>
-          </a:stretch>
-        </p:blipFill>
+        </p:nvSpPr>
         <p:spPr>
           <a:xfrm>
-            <a:off x="3081988" y="2369328"/>
-            <a:ext cx="1640172" cy="1595843"/>
+            <a:off x="6326083" y="1889629"/>
+            <a:ext cx="1357230" cy="593279"/>
           </a:xfrm>
           <a:prstGeom prst="rect">
             <a:avLst/>
           </a:prstGeom>
+          <a:noFill/>
         </p:spPr>
-      </p:pic>
-      <p:pic>
-        <p:nvPicPr>
-          <p:cNvPr id="6" name="Picture 5"/>
-          <p:cNvPicPr>
-            <a:picLocks noChangeAspect="1"/>
-          </p:cNvPicPr>
+        <p:txBody>
+          <a:bodyPr wrap="none" lIns="172783" tIns="138227" rIns="172783" bIns="138227" rtlCol="0">
+            <a:spAutoFit/>
+          </a:bodyPr>
+          <a:lstStyle/>
+          <a:p>
+            <a:pPr>
+              <a:lnSpc>
+                <a:spcPct val="90000"/>
+              </a:lnSpc>
+              <a:spcAft>
+                <a:spcPts val="567"/>
+              </a:spcAft>
+            </a:pPr>
+            <a:r>
+              <a:rPr lang="en-US" sz="2268" dirty="0">
+                <a:gradFill>
+                  <a:gsLst>
+                    <a:gs pos="2917">
+                      <a:schemeClr val="tx1"/>
+                    </a:gs>
+                    <a:gs pos="30000">
+                      <a:schemeClr val="tx1"/>
+                    </a:gs>
+                  </a:gsLst>
+                  <a:lin ang="5400000" scaled="0"/>
+                </a:gradFill>
+              </a:rPr>
+              <a:t>For Ops</a:t>
+            </a:r>
+          </a:p>
+        </p:txBody>
+      </p:sp>
+      <p:cxnSp>
+        <p:nvCxnSpPr>
+          <p:cNvPr id="13" name="Straight Connector 12">
+            <a:extLst>
+              <a:ext uri="{FF2B5EF4-FFF2-40B4-BE49-F238E27FC236}">
+                <a16:creationId xmlns:a16="http://schemas.microsoft.com/office/drawing/2014/main" id="{8F079633-2265-4F0B-BBB6-FD1BEC5997E9}"/>
+              </a:ext>
+            </a:extLst>
+          </p:cNvPr>
+          <p:cNvCxnSpPr>
+            <a:cxnSpLocks/>
+          </p:cNvCxnSpPr>
           <p:nvPr/>
-        </p:nvPicPr>
-        <p:blipFill>
-          <a:blip r:embed="rId3"/>
-          <a:stretch>
-            <a:fillRect/>
-          </a:stretch>
-        </p:blipFill>
+        </p:nvCxnSpPr>
         <p:spPr>
           <a:xfrm>
-            <a:off x="6593252" y="2358726"/>
-            <a:ext cx="1736489" cy="1537654"/>
+            <a:off x="8612960" y="1905736"/>
+            <a:ext cx="0" cy="2746104"/>
+          </a:xfrm>
+          <a:prstGeom prst="line">
+            <a:avLst/>
+          </a:prstGeom>
+          <a:ln>
+            <a:solidFill>
+              <a:schemeClr val="tx1"/>
+            </a:solidFill>
+          </a:ln>
+        </p:spPr>
+        <p:style>
+          <a:lnRef idx="1">
+            <a:schemeClr val="accent1"/>
+          </a:lnRef>
+          <a:fillRef idx="0">
+            <a:schemeClr val="accent1"/>
+          </a:fillRef>
+          <a:effectRef idx="0">
+            <a:schemeClr val="accent1"/>
+          </a:effectRef>
+          <a:fontRef idx="minor">
+            <a:schemeClr val="tx1"/>
+          </a:fontRef>
+        </p:style>
+      </p:cxnSp>
+      <p:sp>
+        <p:nvSpPr>
+          <p:cNvPr id="5" name="TextBox 4">
+            <a:extLst>
+              <a:ext uri="{FF2B5EF4-FFF2-40B4-BE49-F238E27FC236}">
+                <a16:creationId xmlns:a16="http://schemas.microsoft.com/office/drawing/2014/main" id="{4F438940-C1AF-4342-8CC4-168720456A4C}"/>
+              </a:ext>
+            </a:extLst>
+          </p:cNvPr>
+          <p:cNvSpPr txBox="1"/>
+          <p:nvPr/>
+        </p:nvSpPr>
+        <p:spPr>
+          <a:xfrm>
+            <a:off x="2740805" y="1889629"/>
+            <a:ext cx="2605328" cy="593279"/>
           </a:xfrm>
           <a:prstGeom prst="rect">
             <a:avLst/>
           </a:prstGeom>
+          <a:noFill/>
         </p:spPr>
-      </p:pic>
+        <p:txBody>
+          <a:bodyPr wrap="none" lIns="172783" tIns="138227" rIns="172783" bIns="138227" rtlCol="0">
+            <a:spAutoFit/>
+          </a:bodyPr>
+          <a:lstStyle/>
+          <a:p>
+            <a:pPr>
+              <a:lnSpc>
+                <a:spcPct val="90000"/>
+              </a:lnSpc>
+              <a:spcAft>
+                <a:spcPts val="567"/>
+              </a:spcAft>
+            </a:pPr>
+            <a:r>
+              <a:rPr lang="en-US" sz="2268" dirty="0">
+                <a:gradFill>
+                  <a:gsLst>
+                    <a:gs pos="2917">
+                      <a:schemeClr val="tx1"/>
+                    </a:gs>
+                    <a:gs pos="30000">
+                      <a:schemeClr val="tx1"/>
+                    </a:gs>
+                  </a:gsLst>
+                  <a:lin ang="5400000" scaled="0"/>
+                </a:gradFill>
+              </a:rPr>
+              <a:t>For Database Dev</a:t>
+            </a:r>
+          </a:p>
+        </p:txBody>
+      </p:sp>
+      <p:cxnSp>
+        <p:nvCxnSpPr>
+          <p:cNvPr id="3" name="Straight Connector 2">
+            <a:extLst>
+              <a:ext uri="{FF2B5EF4-FFF2-40B4-BE49-F238E27FC236}">
+                <a16:creationId xmlns:a16="http://schemas.microsoft.com/office/drawing/2014/main" id="{4CEAD1BD-05D3-42C4-9B24-E8B57CDEF12A}"/>
+              </a:ext>
+            </a:extLst>
+          </p:cNvPr>
+          <p:cNvCxnSpPr>
+            <a:cxnSpLocks/>
+          </p:cNvCxnSpPr>
+          <p:nvPr/>
+        </p:nvCxnSpPr>
+        <p:spPr>
+          <a:xfrm>
+            <a:off x="2372038" y="1905736"/>
+            <a:ext cx="0" cy="2816691"/>
+          </a:xfrm>
+          <a:prstGeom prst="line">
+            <a:avLst/>
+          </a:prstGeom>
+          <a:ln>
+            <a:solidFill>
+              <a:schemeClr val="tx1"/>
+            </a:solidFill>
+          </a:ln>
+        </p:spPr>
+        <p:style>
+          <a:lnRef idx="1">
+            <a:schemeClr val="accent1"/>
+          </a:lnRef>
+          <a:fillRef idx="0">
+            <a:schemeClr val="accent1"/>
+          </a:fillRef>
+          <a:effectRef idx="0">
+            <a:schemeClr val="accent1"/>
+          </a:effectRef>
+          <a:fontRef idx="minor">
+            <a:schemeClr val="tx1"/>
+          </a:fontRef>
+        </p:style>
+      </p:cxnSp>
       <p:sp>
         <p:nvSpPr>
-          <p:cNvPr id="7" name="Left Brace 6"/>
+          <p:cNvPr id="16" name="TextBox 15">
+            <a:extLst>
+              <a:ext uri="{FF2B5EF4-FFF2-40B4-BE49-F238E27FC236}">
+                <a16:creationId xmlns:a16="http://schemas.microsoft.com/office/drawing/2014/main" id="{08F11E1B-B6F4-45B3-A92E-58B9ED5C6388}"/>
+              </a:ext>
+            </a:extLst>
+          </p:cNvPr>
+          <p:cNvSpPr txBox="1"/>
+          <p:nvPr/>
+        </p:nvSpPr>
+        <p:spPr>
+          <a:xfrm>
+            <a:off x="7736698" y="249159"/>
+            <a:ext cx="3100320" cy="838217"/>
+          </a:xfrm>
+          <a:prstGeom prst="rect">
+            <a:avLst/>
+          </a:prstGeom>
+          <a:noFill/>
+        </p:spPr>
+        <p:txBody>
+          <a:bodyPr wrap="none" lIns="169410" tIns="135528" rIns="169410" bIns="135528" rtlCol="0">
+            <a:spAutoFit/>
+          </a:bodyPr>
+          <a:lstStyle/>
+          <a:p>
+            <a:pPr>
+              <a:lnSpc>
+                <a:spcPct val="90000"/>
+              </a:lnSpc>
+              <a:spcAft>
+                <a:spcPts val="556"/>
+              </a:spcAft>
+            </a:pPr>
+            <a:r>
+              <a:rPr lang="en-US" sz="4076" dirty="0">
+                <a:solidFill>
+                  <a:srgbClr val="00B050"/>
+                </a:solidFill>
+              </a:rPr>
+              <a:t>“</a:t>
+            </a:r>
+            <a:r>
+              <a:rPr lang="en-US" sz="4076" dirty="0" err="1">
+                <a:solidFill>
+                  <a:srgbClr val="00B050"/>
+                </a:solidFill>
+              </a:rPr>
+              <a:t>OpsStudio</a:t>
+            </a:r>
+            <a:r>
+              <a:rPr lang="en-US" sz="4076" dirty="0">
+                <a:solidFill>
+                  <a:srgbClr val="00B050"/>
+                </a:solidFill>
+              </a:rPr>
+              <a:t>”</a:t>
+            </a:r>
+          </a:p>
+        </p:txBody>
+      </p:sp>
+      <p:sp>
+        <p:nvSpPr>
+          <p:cNvPr id="30" name="girl" title="Icon of a young woman">
+            <a:extLst>
+              <a:ext uri="{FF2B5EF4-FFF2-40B4-BE49-F238E27FC236}">
+                <a16:creationId xmlns:a16="http://schemas.microsoft.com/office/drawing/2014/main" id="{5AF5D1FB-4631-439C-A425-792161DCEF31}"/>
+              </a:ext>
+            </a:extLst>
+          </p:cNvPr>
+          <p:cNvSpPr>
+            <a:spLocks noChangeAspect="1" noEditPoints="1"/>
+          </p:cNvSpPr>
+          <p:nvPr/>
+        </p:nvSpPr>
+        <p:spPr bwMode="auto">
+          <a:xfrm>
+            <a:off x="3449899" y="3169500"/>
+            <a:ext cx="924910" cy="1095401"/>
+          </a:xfrm>
+          <a:custGeom>
+            <a:avLst/>
+            <a:gdLst>
+              <a:gd name="T0" fmla="*/ 65 w 299"/>
+              <a:gd name="T1" fmla="*/ 119 h 354"/>
+              <a:gd name="T2" fmla="*/ 169 w 299"/>
+              <a:gd name="T3" fmla="*/ 15 h 354"/>
+              <a:gd name="T4" fmla="*/ 273 w 299"/>
+              <a:gd name="T5" fmla="*/ 119 h 354"/>
+              <a:gd name="T6" fmla="*/ 169 w 299"/>
+              <a:gd name="T7" fmla="*/ 223 h 354"/>
+              <a:gd name="T8" fmla="*/ 65 w 299"/>
+              <a:gd name="T9" fmla="*/ 119 h 354"/>
+              <a:gd name="T10" fmla="*/ 299 w 299"/>
+              <a:gd name="T11" fmla="*/ 354 h 354"/>
+              <a:gd name="T12" fmla="*/ 169 w 299"/>
+              <a:gd name="T13" fmla="*/ 223 h 354"/>
+              <a:gd name="T14" fmla="*/ 38 w 299"/>
+              <a:gd name="T15" fmla="*/ 354 h 354"/>
+              <a:gd name="T16" fmla="*/ 112 w 299"/>
+              <a:gd name="T17" fmla="*/ 236 h 354"/>
+              <a:gd name="T18" fmla="*/ 169 w 299"/>
+              <a:gd name="T19" fmla="*/ 289 h 354"/>
+              <a:gd name="T20" fmla="*/ 225 w 299"/>
+              <a:gd name="T21" fmla="*/ 236 h 354"/>
+              <a:gd name="T22" fmla="*/ 105 w 299"/>
+              <a:gd name="T23" fmla="*/ 37 h 354"/>
+              <a:gd name="T24" fmla="*/ 165 w 299"/>
+              <a:gd name="T25" fmla="*/ 85 h 354"/>
+              <a:gd name="T26" fmla="*/ 269 w 299"/>
+              <a:gd name="T27" fmla="*/ 90 h 354"/>
+              <a:gd name="T28" fmla="*/ 69 w 299"/>
+              <a:gd name="T29" fmla="*/ 148 h 354"/>
+              <a:gd name="T30" fmla="*/ 105 w 299"/>
+              <a:gd name="T31" fmla="*/ 107 h 354"/>
+              <a:gd name="T32" fmla="*/ 99 w 299"/>
+              <a:gd name="T33" fmla="*/ 42 h 354"/>
+              <a:gd name="T34" fmla="*/ 105 w 299"/>
+              <a:gd name="T35" fmla="*/ 37 h 354"/>
+              <a:gd name="T36" fmla="*/ 55 w 299"/>
+              <a:gd name="T37" fmla="*/ 25 h 354"/>
+              <a:gd name="T38" fmla="*/ 62 w 299"/>
+              <a:gd name="T39" fmla="*/ 109 h 354"/>
+              <a:gd name="T40" fmla="*/ 0 w 299"/>
+              <a:gd name="T41" fmla="*/ 127 h 354"/>
+            </a:gdLst>
+            <a:ahLst/>
+            <a:cxnLst>
+              <a:cxn ang="0">
+                <a:pos x="T0" y="T1"/>
+              </a:cxn>
+              <a:cxn ang="0">
+                <a:pos x="T2" y="T3"/>
+              </a:cxn>
+              <a:cxn ang="0">
+                <a:pos x="T4" y="T5"/>
+              </a:cxn>
+              <a:cxn ang="0">
+                <a:pos x="T6" y="T7"/>
+              </a:cxn>
+              <a:cxn ang="0">
+                <a:pos x="T8" y="T9"/>
+              </a:cxn>
+              <a:cxn ang="0">
+                <a:pos x="T10" y="T11"/>
+              </a:cxn>
+              <a:cxn ang="0">
+                <a:pos x="T12" y="T13"/>
+              </a:cxn>
+              <a:cxn ang="0">
+                <a:pos x="T14" y="T15"/>
+              </a:cxn>
+              <a:cxn ang="0">
+                <a:pos x="T16" y="T17"/>
+              </a:cxn>
+              <a:cxn ang="0">
+                <a:pos x="T18" y="T19"/>
+              </a:cxn>
+              <a:cxn ang="0">
+                <a:pos x="T20" y="T21"/>
+              </a:cxn>
+              <a:cxn ang="0">
+                <a:pos x="T22" y="T23"/>
+              </a:cxn>
+              <a:cxn ang="0">
+                <a:pos x="T24" y="T25"/>
+              </a:cxn>
+              <a:cxn ang="0">
+                <a:pos x="T26" y="T27"/>
+              </a:cxn>
+              <a:cxn ang="0">
+                <a:pos x="T28" y="T29"/>
+              </a:cxn>
+              <a:cxn ang="0">
+                <a:pos x="T30" y="T31"/>
+              </a:cxn>
+              <a:cxn ang="0">
+                <a:pos x="T32" y="T33"/>
+              </a:cxn>
+              <a:cxn ang="0">
+                <a:pos x="T34" y="T35"/>
+              </a:cxn>
+              <a:cxn ang="0">
+                <a:pos x="T36" y="T37"/>
+              </a:cxn>
+              <a:cxn ang="0">
+                <a:pos x="T38" y="T39"/>
+              </a:cxn>
+              <a:cxn ang="0">
+                <a:pos x="T40" y="T41"/>
+              </a:cxn>
+            </a:cxnLst>
+            <a:rect l="0" t="0" r="r" b="b"/>
+            <a:pathLst>
+              <a:path w="299" h="354">
+                <a:moveTo>
+                  <a:pt x="65" y="119"/>
+                </a:moveTo>
+                <a:cubicBezTo>
+                  <a:pt x="65" y="62"/>
+                  <a:pt x="111" y="15"/>
+                  <a:pt x="169" y="15"/>
+                </a:cubicBezTo>
+                <a:cubicBezTo>
+                  <a:pt x="226" y="15"/>
+                  <a:pt x="273" y="62"/>
+                  <a:pt x="273" y="119"/>
+                </a:cubicBezTo>
+                <a:cubicBezTo>
+                  <a:pt x="273" y="177"/>
+                  <a:pt x="226" y="223"/>
+                  <a:pt x="169" y="223"/>
+                </a:cubicBezTo>
+                <a:cubicBezTo>
+                  <a:pt x="111" y="223"/>
+                  <a:pt x="65" y="177"/>
+                  <a:pt x="65" y="119"/>
+                </a:cubicBezTo>
+                <a:close/>
+                <a:moveTo>
+                  <a:pt x="299" y="354"/>
+                </a:moveTo>
+                <a:cubicBezTo>
+                  <a:pt x="299" y="282"/>
+                  <a:pt x="241" y="223"/>
+                  <a:pt x="169" y="223"/>
+                </a:cubicBezTo>
+                <a:cubicBezTo>
+                  <a:pt x="97" y="223"/>
+                  <a:pt x="38" y="282"/>
+                  <a:pt x="38" y="354"/>
+                </a:cubicBezTo>
+                <a:moveTo>
+                  <a:pt x="112" y="236"/>
+                </a:moveTo>
+                <a:cubicBezTo>
+                  <a:pt x="169" y="289"/>
+                  <a:pt x="169" y="289"/>
+                  <a:pt x="169" y="289"/>
+                </a:cubicBezTo>
+                <a:cubicBezTo>
+                  <a:pt x="225" y="236"/>
+                  <a:pt x="225" y="236"/>
+                  <a:pt x="225" y="236"/>
+                </a:cubicBezTo>
+                <a:moveTo>
+                  <a:pt x="105" y="37"/>
+                </a:moveTo>
+                <a:cubicBezTo>
+                  <a:pt x="105" y="37"/>
+                  <a:pt x="130" y="75"/>
+                  <a:pt x="165" y="85"/>
+                </a:cubicBezTo>
+                <a:cubicBezTo>
+                  <a:pt x="206" y="96"/>
+                  <a:pt x="269" y="90"/>
+                  <a:pt x="269" y="90"/>
+                </a:cubicBezTo>
+                <a:moveTo>
+                  <a:pt x="69" y="148"/>
+                </a:moveTo>
+                <a:cubicBezTo>
+                  <a:pt x="69" y="148"/>
+                  <a:pt x="98" y="128"/>
+                  <a:pt x="105" y="107"/>
+                </a:cubicBezTo>
+                <a:cubicBezTo>
+                  <a:pt x="117" y="68"/>
+                  <a:pt x="99" y="42"/>
+                  <a:pt x="99" y="42"/>
+                </a:cubicBezTo>
+                <a:moveTo>
+                  <a:pt x="105" y="37"/>
+                </a:moveTo>
+                <a:cubicBezTo>
+                  <a:pt x="105" y="37"/>
+                  <a:pt x="87" y="0"/>
+                  <a:pt x="55" y="25"/>
+                </a:cubicBezTo>
+                <a:cubicBezTo>
+                  <a:pt x="28" y="47"/>
+                  <a:pt x="66" y="87"/>
+                  <a:pt x="62" y="109"/>
+                </a:cubicBezTo>
+                <a:cubicBezTo>
+                  <a:pt x="55" y="139"/>
+                  <a:pt x="0" y="127"/>
+                  <a:pt x="0" y="127"/>
+                </a:cubicBezTo>
+              </a:path>
+            </a:pathLst>
+          </a:custGeom>
+          <a:noFill/>
+          <a:ln w="15875" cap="sq">
+            <a:solidFill>
+              <a:schemeClr val="tx1"/>
+            </a:solidFill>
+            <a:prstDash val="solid"/>
+            <a:miter lim="800000"/>
+            <a:headEnd/>
+            <a:tailEnd/>
+          </a:ln>
+          <a:extLst>
+            <a:ext uri="{909E8E84-426E-40DD-AFC4-6F175D3DCCD1}">
+              <a14:hiddenFill xmlns:a14="http://schemas.microsoft.com/office/drawing/2010/main">
+                <a:solidFill>
+                  <a:srgbClr val="FFFFFF"/>
+                </a:solidFill>
+              </a14:hiddenFill>
+            </a:ext>
+          </a:extLst>
+        </p:spPr>
+        <p:txBody>
+          <a:bodyPr vert="horz" wrap="square" lIns="84705" tIns="42353" rIns="84705" bIns="42353" numCol="1" anchor="t" anchorCtr="0" compatLnSpc="1">
+            <a:prstTxWarp prst="textNoShape">
+              <a:avLst/>
+            </a:prstTxWarp>
+          </a:bodyPr>
+          <a:lstStyle/>
+          <a:p>
+            <a:endParaRPr lang="en-US" sz="834" dirty="0">
+              <a:gradFill>
+                <a:gsLst>
+                  <a:gs pos="0">
+                    <a:srgbClr val="505050"/>
+                  </a:gs>
+                  <a:gs pos="100000">
+                    <a:srgbClr val="505050"/>
+                  </a:gs>
+                </a:gsLst>
+              </a:gradFill>
+            </a:endParaRPr>
+          </a:p>
+        </p:txBody>
+      </p:sp>
+      <p:sp>
+        <p:nvSpPr>
+          <p:cNvPr id="31" name="boy" title="Icon of a man">
+            <a:extLst>
+              <a:ext uri="{FF2B5EF4-FFF2-40B4-BE49-F238E27FC236}">
+                <a16:creationId xmlns:a16="http://schemas.microsoft.com/office/drawing/2014/main" id="{C231F79A-ECCD-4B17-9319-238DBD6C027E}"/>
+              </a:ext>
+            </a:extLst>
+          </p:cNvPr>
+          <p:cNvSpPr>
+            <a:spLocks noChangeAspect="1" noEditPoints="1"/>
+          </p:cNvSpPr>
+          <p:nvPr/>
+        </p:nvSpPr>
+        <p:spPr bwMode="auto">
+          <a:xfrm>
+            <a:off x="6531072" y="3115630"/>
+            <a:ext cx="924365" cy="1203141"/>
+          </a:xfrm>
+          <a:custGeom>
+            <a:avLst/>
+            <a:gdLst>
+              <a:gd name="T0" fmla="*/ 27 w 261"/>
+              <a:gd name="T1" fmla="*/ 104 h 339"/>
+              <a:gd name="T2" fmla="*/ 131 w 261"/>
+              <a:gd name="T3" fmla="*/ 0 h 339"/>
+              <a:gd name="T4" fmla="*/ 235 w 261"/>
+              <a:gd name="T5" fmla="*/ 104 h 339"/>
+              <a:gd name="T6" fmla="*/ 131 w 261"/>
+              <a:gd name="T7" fmla="*/ 208 h 339"/>
+              <a:gd name="T8" fmla="*/ 27 w 261"/>
+              <a:gd name="T9" fmla="*/ 104 h 339"/>
+              <a:gd name="T10" fmla="*/ 261 w 261"/>
+              <a:gd name="T11" fmla="*/ 339 h 339"/>
+              <a:gd name="T12" fmla="*/ 131 w 261"/>
+              <a:gd name="T13" fmla="*/ 208 h 339"/>
+              <a:gd name="T14" fmla="*/ 0 w 261"/>
+              <a:gd name="T15" fmla="*/ 339 h 339"/>
+              <a:gd name="T16" fmla="*/ 74 w 261"/>
+              <a:gd name="T17" fmla="*/ 221 h 339"/>
+              <a:gd name="T18" fmla="*/ 131 w 261"/>
+              <a:gd name="T19" fmla="*/ 274 h 339"/>
+              <a:gd name="T20" fmla="*/ 187 w 261"/>
+              <a:gd name="T21" fmla="*/ 221 h 339"/>
+            </a:gdLst>
+            <a:ahLst/>
+            <a:cxnLst>
+              <a:cxn ang="0">
+                <a:pos x="T0" y="T1"/>
+              </a:cxn>
+              <a:cxn ang="0">
+                <a:pos x="T2" y="T3"/>
+              </a:cxn>
+              <a:cxn ang="0">
+                <a:pos x="T4" y="T5"/>
+              </a:cxn>
+              <a:cxn ang="0">
+                <a:pos x="T6" y="T7"/>
+              </a:cxn>
+              <a:cxn ang="0">
+                <a:pos x="T8" y="T9"/>
+              </a:cxn>
+              <a:cxn ang="0">
+                <a:pos x="T10" y="T11"/>
+              </a:cxn>
+              <a:cxn ang="0">
+                <a:pos x="T12" y="T13"/>
+              </a:cxn>
+              <a:cxn ang="0">
+                <a:pos x="T14" y="T15"/>
+              </a:cxn>
+              <a:cxn ang="0">
+                <a:pos x="T16" y="T17"/>
+              </a:cxn>
+              <a:cxn ang="0">
+                <a:pos x="T18" y="T19"/>
+              </a:cxn>
+              <a:cxn ang="0">
+                <a:pos x="T20" y="T21"/>
+              </a:cxn>
+            </a:cxnLst>
+            <a:rect l="0" t="0" r="r" b="b"/>
+            <a:pathLst>
+              <a:path w="261" h="339">
+                <a:moveTo>
+                  <a:pt x="27" y="104"/>
+                </a:moveTo>
+                <a:cubicBezTo>
+                  <a:pt x="27" y="47"/>
+                  <a:pt x="73" y="0"/>
+                  <a:pt x="131" y="0"/>
+                </a:cubicBezTo>
+                <a:cubicBezTo>
+                  <a:pt x="188" y="0"/>
+                  <a:pt x="235" y="47"/>
+                  <a:pt x="235" y="104"/>
+                </a:cubicBezTo>
+                <a:cubicBezTo>
+                  <a:pt x="235" y="162"/>
+                  <a:pt x="188" y="208"/>
+                  <a:pt x="131" y="208"/>
+                </a:cubicBezTo>
+                <a:cubicBezTo>
+                  <a:pt x="73" y="208"/>
+                  <a:pt x="27" y="162"/>
+                  <a:pt x="27" y="104"/>
+                </a:cubicBezTo>
+                <a:close/>
+                <a:moveTo>
+                  <a:pt x="261" y="339"/>
+                </a:moveTo>
+                <a:cubicBezTo>
+                  <a:pt x="261" y="267"/>
+                  <a:pt x="203" y="208"/>
+                  <a:pt x="131" y="208"/>
+                </a:cubicBezTo>
+                <a:cubicBezTo>
+                  <a:pt x="59" y="208"/>
+                  <a:pt x="0" y="267"/>
+                  <a:pt x="0" y="339"/>
+                </a:cubicBezTo>
+                <a:moveTo>
+                  <a:pt x="74" y="221"/>
+                </a:moveTo>
+                <a:cubicBezTo>
+                  <a:pt x="131" y="274"/>
+                  <a:pt x="131" y="274"/>
+                  <a:pt x="131" y="274"/>
+                </a:cubicBezTo>
+                <a:cubicBezTo>
+                  <a:pt x="187" y="221"/>
+                  <a:pt x="187" y="221"/>
+                  <a:pt x="187" y="221"/>
+                </a:cubicBezTo>
+              </a:path>
+            </a:pathLst>
+          </a:custGeom>
+          <a:noFill/>
+          <a:ln w="15875" cap="sq">
+            <a:solidFill>
+              <a:schemeClr val="tx1"/>
+            </a:solidFill>
+            <a:prstDash val="solid"/>
+            <a:miter lim="800000"/>
+            <a:headEnd/>
+            <a:tailEnd/>
+          </a:ln>
+          <a:extLst>
+            <a:ext uri="{909E8E84-426E-40DD-AFC4-6F175D3DCCD1}">
+              <a14:hiddenFill xmlns:a14="http://schemas.microsoft.com/office/drawing/2010/main">
+                <a:solidFill>
+                  <a:srgbClr val="FFFFFF"/>
+                </a:solidFill>
+              </a14:hiddenFill>
+            </a:ext>
+          </a:extLst>
+        </p:spPr>
+        <p:txBody>
+          <a:bodyPr vert="horz" wrap="square" lIns="84705" tIns="42353" rIns="84705" bIns="42353" numCol="1" anchor="t" anchorCtr="0" compatLnSpc="1">
+            <a:prstTxWarp prst="textNoShape">
+              <a:avLst/>
+            </a:prstTxWarp>
+          </a:bodyPr>
+          <a:lstStyle/>
+          <a:p>
+            <a:endParaRPr lang="en-US" sz="834" dirty="0">
+              <a:gradFill>
+                <a:gsLst>
+                  <a:gs pos="0">
+                    <a:srgbClr val="505050"/>
+                  </a:gs>
+                  <a:gs pos="100000">
+                    <a:srgbClr val="505050"/>
+                  </a:gs>
+                </a:gsLst>
+              </a:gradFill>
+            </a:endParaRPr>
+          </a:p>
+        </p:txBody>
+      </p:sp>
+      <p:sp>
+        <p:nvSpPr>
+          <p:cNvPr id="33" name="Left Brace 32">
+            <a:extLst>
+              <a:ext uri="{FF2B5EF4-FFF2-40B4-BE49-F238E27FC236}">
+                <a16:creationId xmlns:a16="http://schemas.microsoft.com/office/drawing/2014/main" id="{54FF404A-A1FF-4210-A0C3-3689467AB274}"/>
+              </a:ext>
+            </a:extLst>
+          </p:cNvPr>
           <p:cNvSpPr/>
           <p:nvPr/>
         </p:nvSpPr>
         <p:spPr>
           <a:xfrm rot="16200000">
-            <a:off x="5545927" y="1083984"/>
-            <a:ext cx="430228" cy="7680326"/>
+            <a:off x="5262443" y="1884933"/>
+            <a:ext cx="460113" cy="6240922"/>
           </a:xfrm>
           <a:prstGeom prst="leftBrace">
-            <a:avLst/>
+            <a:avLst>
+              <a:gd name="adj1" fmla="val 8333"/>
+              <a:gd name="adj2" fmla="val 50679"/>
+            </a:avLst>
           </a:prstGeom>
           <a:ln>
             <a:solidFill>
-              <a:schemeClr val="bg1">
-                <a:lumMod val="75000"/>
-              </a:schemeClr>
+              <a:schemeClr val="tx1"/>
             </a:solidFill>
+            <a:headEnd type="none"/>
+            <a:tailEnd type="none"/>
           </a:ln>
         </p:spPr>
         <p:style>
           <a:lnRef idx="1">
-            <a:schemeClr val="dk1"/>
+            <a:schemeClr val="accent1"/>
           </a:lnRef>
           <a:fillRef idx="0">
-            <a:schemeClr val="dk1"/>
+            <a:schemeClr val="accent1"/>
           </a:fillRef>
           <a:effectRef idx="0">
-            <a:schemeClr val="dk1"/>
+            <a:schemeClr val="accent1"/>
           </a:effectRef>
           <a:fontRef idx="minor">
             <a:schemeClr val="tx1"/>
@@ -8705,50 +10020,1730 @@
           <a:lstStyle/>
           <a:p>
             <a:pPr algn="ctr"/>
-            <a:endParaRPr lang="en-US"/>
+            <a:endParaRPr lang="en-US" sz="1667"/>
           </a:p>
         </p:txBody>
       </p:sp>
-      <p:pic>
-        <p:nvPicPr>
-          <p:cNvPr id="8" name="Picture 7"/>
-          <p:cNvPicPr>
-            <a:picLocks noChangeAspect="1"/>
-          </p:cNvPicPr>
+      <p:sp>
+        <p:nvSpPr>
+          <p:cNvPr id="38" name="TextBox 37">
+            <a:extLst>
+              <a:ext uri="{FF2B5EF4-FFF2-40B4-BE49-F238E27FC236}">
+                <a16:creationId xmlns:a16="http://schemas.microsoft.com/office/drawing/2014/main" id="{6C2AEC1E-2EC7-4510-AE80-B6A24E18A5AE}"/>
+              </a:ext>
+            </a:extLst>
+          </p:cNvPr>
+          <p:cNvSpPr txBox="1"/>
           <p:nvPr/>
-        </p:nvPicPr>
-        <p:blipFill>
-          <a:blip r:embed="rId4"/>
-          <a:stretch>
-            <a:fillRect/>
-          </a:stretch>
-        </p:blipFill>
+        </p:nvSpPr>
         <p:spPr>
           <a:xfrm>
-            <a:off x="3394392" y="5322135"/>
-            <a:ext cx="467260" cy="423060"/>
+            <a:off x="3753787" y="5300340"/>
+            <a:ext cx="3777878" cy="581608"/>
           </a:xfrm>
           <a:prstGeom prst="rect">
             <a:avLst/>
           </a:prstGeom>
+          <a:noFill/>
         </p:spPr>
-      </p:pic>
+        <p:txBody>
+          <a:bodyPr wrap="none" lIns="169410" tIns="135528" rIns="169410" bIns="135528" rtlCol="0">
+            <a:spAutoFit/>
+          </a:bodyPr>
+          <a:lstStyle/>
+          <a:p>
+            <a:pPr>
+              <a:lnSpc>
+                <a:spcPct val="90000"/>
+              </a:lnSpc>
+              <a:spcAft>
+                <a:spcPts val="556"/>
+              </a:spcAft>
+            </a:pPr>
+            <a:r>
+              <a:rPr lang="en-US" sz="2223" dirty="0">
+                <a:gradFill>
+                  <a:gsLst>
+                    <a:gs pos="2917">
+                      <a:schemeClr val="tx1"/>
+                    </a:gs>
+                    <a:gs pos="30000">
+                      <a:schemeClr val="tx1"/>
+                    </a:gs>
+                  </a:gsLst>
+                  <a:lin ang="5400000" scaled="0"/>
+                </a:gradFill>
+              </a:rPr>
+              <a:t>Empowers DevOps practice</a:t>
+            </a:r>
+          </a:p>
+        </p:txBody>
+      </p:sp>
+      <p:sp>
+        <p:nvSpPr>
+          <p:cNvPr id="39" name="drum" title="Icon of a drum with two drumsticks">
+            <a:extLst>
+              <a:ext uri="{FF2B5EF4-FFF2-40B4-BE49-F238E27FC236}">
+                <a16:creationId xmlns:a16="http://schemas.microsoft.com/office/drawing/2014/main" id="{89A4C2C5-7773-44C9-8509-92DA93AD6FA4}"/>
+              </a:ext>
+            </a:extLst>
+          </p:cNvPr>
+          <p:cNvSpPr>
+            <a:spLocks noChangeAspect="1" noEditPoints="1"/>
+          </p:cNvSpPr>
+          <p:nvPr/>
+        </p:nvSpPr>
+        <p:spPr bwMode="auto">
+          <a:xfrm>
+            <a:off x="3405672" y="5393175"/>
+            <a:ext cx="348115" cy="338821"/>
+          </a:xfrm>
+          <a:custGeom>
+            <a:avLst/>
+            <a:gdLst>
+              <a:gd name="T0" fmla="*/ 216 w 300"/>
+              <a:gd name="T1" fmla="*/ 94 h 293"/>
+              <a:gd name="T2" fmla="*/ 275 w 300"/>
+              <a:gd name="T3" fmla="*/ 94 h 293"/>
+              <a:gd name="T4" fmla="*/ 296 w 300"/>
+              <a:gd name="T5" fmla="*/ 115 h 293"/>
+              <a:gd name="T6" fmla="*/ 296 w 300"/>
+              <a:gd name="T7" fmla="*/ 115 h 293"/>
+              <a:gd name="T8" fmla="*/ 275 w 300"/>
+              <a:gd name="T9" fmla="*/ 135 h 293"/>
+              <a:gd name="T10" fmla="*/ 23 w 300"/>
+              <a:gd name="T11" fmla="*/ 135 h 293"/>
+              <a:gd name="T12" fmla="*/ 2 w 300"/>
+              <a:gd name="T13" fmla="*/ 115 h 293"/>
+              <a:gd name="T14" fmla="*/ 2 w 300"/>
+              <a:gd name="T15" fmla="*/ 115 h 293"/>
+              <a:gd name="T16" fmla="*/ 23 w 300"/>
+              <a:gd name="T17" fmla="*/ 94 h 293"/>
+              <a:gd name="T18" fmla="*/ 94 w 300"/>
+              <a:gd name="T19" fmla="*/ 94 h 293"/>
+              <a:gd name="T20" fmla="*/ 300 w 300"/>
+              <a:gd name="T21" fmla="*/ 272 h 293"/>
+              <a:gd name="T22" fmla="*/ 300 w 300"/>
+              <a:gd name="T23" fmla="*/ 272 h 293"/>
+              <a:gd name="T24" fmla="*/ 279 w 300"/>
+              <a:gd name="T25" fmla="*/ 251 h 293"/>
+              <a:gd name="T26" fmla="*/ 27 w 300"/>
+              <a:gd name="T27" fmla="*/ 251 h 293"/>
+              <a:gd name="T28" fmla="*/ 6 w 300"/>
+              <a:gd name="T29" fmla="*/ 272 h 293"/>
+              <a:gd name="T30" fmla="*/ 6 w 300"/>
+              <a:gd name="T31" fmla="*/ 272 h 293"/>
+              <a:gd name="T32" fmla="*/ 27 w 300"/>
+              <a:gd name="T33" fmla="*/ 293 h 293"/>
+              <a:gd name="T34" fmla="*/ 279 w 300"/>
+              <a:gd name="T35" fmla="*/ 293 h 293"/>
+              <a:gd name="T36" fmla="*/ 300 w 300"/>
+              <a:gd name="T37" fmla="*/ 272 h 293"/>
+              <a:gd name="T38" fmla="*/ 26 w 300"/>
+              <a:gd name="T39" fmla="*/ 135 h 293"/>
+              <a:gd name="T40" fmla="*/ 26 w 300"/>
+              <a:gd name="T41" fmla="*/ 251 h 293"/>
+              <a:gd name="T42" fmla="*/ 278 w 300"/>
+              <a:gd name="T43" fmla="*/ 135 h 293"/>
+              <a:gd name="T44" fmla="*/ 278 w 300"/>
+              <a:gd name="T45" fmla="*/ 251 h 293"/>
+              <a:gd name="T46" fmla="*/ 189 w 300"/>
+              <a:gd name="T47" fmla="*/ 251 h 293"/>
+              <a:gd name="T48" fmla="*/ 117 w 300"/>
+              <a:gd name="T49" fmla="*/ 135 h 293"/>
+              <a:gd name="T50" fmla="*/ 45 w 300"/>
+              <a:gd name="T51" fmla="*/ 251 h 293"/>
+              <a:gd name="T52" fmla="*/ 261 w 300"/>
+              <a:gd name="T53" fmla="*/ 251 h 293"/>
+              <a:gd name="T54" fmla="*/ 189 w 300"/>
+              <a:gd name="T55" fmla="*/ 135 h 293"/>
+              <a:gd name="T56" fmla="*/ 117 w 300"/>
+              <a:gd name="T57" fmla="*/ 251 h 293"/>
+              <a:gd name="T58" fmla="*/ 22 w 300"/>
+              <a:gd name="T59" fmla="*/ 0 h 293"/>
+              <a:gd name="T60" fmla="*/ 0 w 300"/>
+              <a:gd name="T61" fmla="*/ 23 h 293"/>
+              <a:gd name="T62" fmla="*/ 22 w 300"/>
+              <a:gd name="T63" fmla="*/ 45 h 293"/>
+              <a:gd name="T64" fmla="*/ 45 w 300"/>
+              <a:gd name="T65" fmla="*/ 23 h 293"/>
+              <a:gd name="T66" fmla="*/ 22 w 300"/>
+              <a:gd name="T67" fmla="*/ 0 h 293"/>
+              <a:gd name="T68" fmla="*/ 174 w 300"/>
+              <a:gd name="T69" fmla="*/ 65 h 293"/>
+              <a:gd name="T70" fmla="*/ 154 w 300"/>
+              <a:gd name="T71" fmla="*/ 52 h 293"/>
+              <a:gd name="T72" fmla="*/ 131 w 300"/>
+              <a:gd name="T73" fmla="*/ 75 h 293"/>
+              <a:gd name="T74" fmla="*/ 154 w 300"/>
+              <a:gd name="T75" fmla="*/ 98 h 293"/>
+              <a:gd name="T76" fmla="*/ 177 w 300"/>
+              <a:gd name="T77" fmla="*/ 75 h 293"/>
+              <a:gd name="T78" fmla="*/ 174 w 300"/>
+              <a:gd name="T79" fmla="*/ 65 h 293"/>
+              <a:gd name="T80" fmla="*/ 45 w 300"/>
+              <a:gd name="T81" fmla="*/ 23 h 293"/>
+              <a:gd name="T82" fmla="*/ 177 w 300"/>
+              <a:gd name="T83" fmla="*/ 23 h 293"/>
+              <a:gd name="T84" fmla="*/ 289 w 300"/>
+              <a:gd name="T85" fmla="*/ 0 h 293"/>
+              <a:gd name="T86" fmla="*/ 177 w 300"/>
+              <a:gd name="T87" fmla="*/ 61 h 293"/>
+            </a:gdLst>
+            <a:ahLst/>
+            <a:cxnLst>
+              <a:cxn ang="0">
+                <a:pos x="T0" y="T1"/>
+              </a:cxn>
+              <a:cxn ang="0">
+                <a:pos x="T2" y="T3"/>
+              </a:cxn>
+              <a:cxn ang="0">
+                <a:pos x="T4" y="T5"/>
+              </a:cxn>
+              <a:cxn ang="0">
+                <a:pos x="T6" y="T7"/>
+              </a:cxn>
+              <a:cxn ang="0">
+                <a:pos x="T8" y="T9"/>
+              </a:cxn>
+              <a:cxn ang="0">
+                <a:pos x="T10" y="T11"/>
+              </a:cxn>
+              <a:cxn ang="0">
+                <a:pos x="T12" y="T13"/>
+              </a:cxn>
+              <a:cxn ang="0">
+                <a:pos x="T14" y="T15"/>
+              </a:cxn>
+              <a:cxn ang="0">
+                <a:pos x="T16" y="T17"/>
+              </a:cxn>
+              <a:cxn ang="0">
+                <a:pos x="T18" y="T19"/>
+              </a:cxn>
+              <a:cxn ang="0">
+                <a:pos x="T20" y="T21"/>
+              </a:cxn>
+              <a:cxn ang="0">
+                <a:pos x="T22" y="T23"/>
+              </a:cxn>
+              <a:cxn ang="0">
+                <a:pos x="T24" y="T25"/>
+              </a:cxn>
+              <a:cxn ang="0">
+                <a:pos x="T26" y="T27"/>
+              </a:cxn>
+              <a:cxn ang="0">
+                <a:pos x="T28" y="T29"/>
+              </a:cxn>
+              <a:cxn ang="0">
+                <a:pos x="T30" y="T31"/>
+              </a:cxn>
+              <a:cxn ang="0">
+                <a:pos x="T32" y="T33"/>
+              </a:cxn>
+              <a:cxn ang="0">
+                <a:pos x="T34" y="T35"/>
+              </a:cxn>
+              <a:cxn ang="0">
+                <a:pos x="T36" y="T37"/>
+              </a:cxn>
+              <a:cxn ang="0">
+                <a:pos x="T38" y="T39"/>
+              </a:cxn>
+              <a:cxn ang="0">
+                <a:pos x="T40" y="T41"/>
+              </a:cxn>
+              <a:cxn ang="0">
+                <a:pos x="T42" y="T43"/>
+              </a:cxn>
+              <a:cxn ang="0">
+                <a:pos x="T44" y="T45"/>
+              </a:cxn>
+              <a:cxn ang="0">
+                <a:pos x="T46" y="T47"/>
+              </a:cxn>
+              <a:cxn ang="0">
+                <a:pos x="T48" y="T49"/>
+              </a:cxn>
+              <a:cxn ang="0">
+                <a:pos x="T50" y="T51"/>
+              </a:cxn>
+              <a:cxn ang="0">
+                <a:pos x="T52" y="T53"/>
+              </a:cxn>
+              <a:cxn ang="0">
+                <a:pos x="T54" y="T55"/>
+              </a:cxn>
+              <a:cxn ang="0">
+                <a:pos x="T56" y="T57"/>
+              </a:cxn>
+              <a:cxn ang="0">
+                <a:pos x="T58" y="T59"/>
+              </a:cxn>
+              <a:cxn ang="0">
+                <a:pos x="T60" y="T61"/>
+              </a:cxn>
+              <a:cxn ang="0">
+                <a:pos x="T62" y="T63"/>
+              </a:cxn>
+              <a:cxn ang="0">
+                <a:pos x="T64" y="T65"/>
+              </a:cxn>
+              <a:cxn ang="0">
+                <a:pos x="T66" y="T67"/>
+              </a:cxn>
+              <a:cxn ang="0">
+                <a:pos x="T68" y="T69"/>
+              </a:cxn>
+              <a:cxn ang="0">
+                <a:pos x="T70" y="T71"/>
+              </a:cxn>
+              <a:cxn ang="0">
+                <a:pos x="T72" y="T73"/>
+              </a:cxn>
+              <a:cxn ang="0">
+                <a:pos x="T74" y="T75"/>
+              </a:cxn>
+              <a:cxn ang="0">
+                <a:pos x="T76" y="T77"/>
+              </a:cxn>
+              <a:cxn ang="0">
+                <a:pos x="T78" y="T79"/>
+              </a:cxn>
+              <a:cxn ang="0">
+                <a:pos x="T80" y="T81"/>
+              </a:cxn>
+              <a:cxn ang="0">
+                <a:pos x="T82" y="T83"/>
+              </a:cxn>
+              <a:cxn ang="0">
+                <a:pos x="T84" y="T85"/>
+              </a:cxn>
+              <a:cxn ang="0">
+                <a:pos x="T86" y="T87"/>
+              </a:cxn>
+            </a:cxnLst>
+            <a:rect l="0" t="0" r="r" b="b"/>
+            <a:pathLst>
+              <a:path w="300" h="293">
+                <a:moveTo>
+                  <a:pt x="216" y="94"/>
+                </a:moveTo>
+                <a:cubicBezTo>
+                  <a:pt x="275" y="94"/>
+                  <a:pt x="275" y="94"/>
+                  <a:pt x="275" y="94"/>
+                </a:cubicBezTo>
+                <a:cubicBezTo>
+                  <a:pt x="286" y="94"/>
+                  <a:pt x="296" y="103"/>
+                  <a:pt x="296" y="115"/>
+                </a:cubicBezTo>
+                <a:cubicBezTo>
+                  <a:pt x="296" y="115"/>
+                  <a:pt x="296" y="115"/>
+                  <a:pt x="296" y="115"/>
+                </a:cubicBezTo>
+                <a:cubicBezTo>
+                  <a:pt x="296" y="126"/>
+                  <a:pt x="286" y="135"/>
+                  <a:pt x="275" y="135"/>
+                </a:cubicBezTo>
+                <a:cubicBezTo>
+                  <a:pt x="23" y="135"/>
+                  <a:pt x="23" y="135"/>
+                  <a:pt x="23" y="135"/>
+                </a:cubicBezTo>
+                <a:cubicBezTo>
+                  <a:pt x="12" y="135"/>
+                  <a:pt x="2" y="126"/>
+                  <a:pt x="2" y="115"/>
+                </a:cubicBezTo>
+                <a:cubicBezTo>
+                  <a:pt x="2" y="115"/>
+                  <a:pt x="2" y="115"/>
+                  <a:pt x="2" y="115"/>
+                </a:cubicBezTo>
+                <a:cubicBezTo>
+                  <a:pt x="2" y="103"/>
+                  <a:pt x="12" y="94"/>
+                  <a:pt x="23" y="94"/>
+                </a:cubicBezTo>
+                <a:cubicBezTo>
+                  <a:pt x="94" y="94"/>
+                  <a:pt x="94" y="94"/>
+                  <a:pt x="94" y="94"/>
+                </a:cubicBezTo>
+                <a:moveTo>
+                  <a:pt x="300" y="272"/>
+                </a:moveTo>
+                <a:cubicBezTo>
+                  <a:pt x="300" y="272"/>
+                  <a:pt x="300" y="272"/>
+                  <a:pt x="300" y="272"/>
+                </a:cubicBezTo>
+                <a:cubicBezTo>
+                  <a:pt x="300" y="260"/>
+                  <a:pt x="290" y="251"/>
+                  <a:pt x="279" y="251"/>
+                </a:cubicBezTo>
+                <a:cubicBezTo>
+                  <a:pt x="27" y="251"/>
+                  <a:pt x="27" y="251"/>
+                  <a:pt x="27" y="251"/>
+                </a:cubicBezTo>
+                <a:cubicBezTo>
+                  <a:pt x="16" y="251"/>
+                  <a:pt x="6" y="260"/>
+                  <a:pt x="6" y="272"/>
+                </a:cubicBezTo>
+                <a:cubicBezTo>
+                  <a:pt x="6" y="272"/>
+                  <a:pt x="6" y="272"/>
+                  <a:pt x="6" y="272"/>
+                </a:cubicBezTo>
+                <a:cubicBezTo>
+                  <a:pt x="6" y="283"/>
+                  <a:pt x="16" y="293"/>
+                  <a:pt x="27" y="293"/>
+                </a:cubicBezTo>
+                <a:cubicBezTo>
+                  <a:pt x="279" y="293"/>
+                  <a:pt x="279" y="293"/>
+                  <a:pt x="279" y="293"/>
+                </a:cubicBezTo>
+                <a:cubicBezTo>
+                  <a:pt x="290" y="293"/>
+                  <a:pt x="300" y="283"/>
+                  <a:pt x="300" y="272"/>
+                </a:cubicBezTo>
+                <a:close/>
+                <a:moveTo>
+                  <a:pt x="26" y="135"/>
+                </a:moveTo>
+                <a:cubicBezTo>
+                  <a:pt x="26" y="251"/>
+                  <a:pt x="26" y="251"/>
+                  <a:pt x="26" y="251"/>
+                </a:cubicBezTo>
+                <a:moveTo>
+                  <a:pt x="278" y="135"/>
+                </a:moveTo>
+                <a:cubicBezTo>
+                  <a:pt x="278" y="134"/>
+                  <a:pt x="278" y="251"/>
+                  <a:pt x="278" y="251"/>
+                </a:cubicBezTo>
+                <a:moveTo>
+                  <a:pt x="189" y="251"/>
+                </a:moveTo>
+                <a:cubicBezTo>
+                  <a:pt x="117" y="135"/>
+                  <a:pt x="117" y="135"/>
+                  <a:pt x="117" y="135"/>
+                </a:cubicBezTo>
+                <a:cubicBezTo>
+                  <a:pt x="45" y="251"/>
+                  <a:pt x="45" y="251"/>
+                  <a:pt x="45" y="251"/>
+                </a:cubicBezTo>
+                <a:moveTo>
+                  <a:pt x="261" y="251"/>
+                </a:moveTo>
+                <a:cubicBezTo>
+                  <a:pt x="189" y="135"/>
+                  <a:pt x="189" y="135"/>
+                  <a:pt x="189" y="135"/>
+                </a:cubicBezTo>
+                <a:cubicBezTo>
+                  <a:pt x="117" y="251"/>
+                  <a:pt x="117" y="251"/>
+                  <a:pt x="117" y="251"/>
+                </a:cubicBezTo>
+                <a:moveTo>
+                  <a:pt x="22" y="0"/>
+                </a:moveTo>
+                <a:cubicBezTo>
+                  <a:pt x="10" y="0"/>
+                  <a:pt x="0" y="10"/>
+                  <a:pt x="0" y="23"/>
+                </a:cubicBezTo>
+                <a:cubicBezTo>
+                  <a:pt x="0" y="35"/>
+                  <a:pt x="10" y="45"/>
+                  <a:pt x="22" y="45"/>
+                </a:cubicBezTo>
+                <a:cubicBezTo>
+                  <a:pt x="35" y="45"/>
+                  <a:pt x="45" y="35"/>
+                  <a:pt x="45" y="23"/>
+                </a:cubicBezTo>
+                <a:cubicBezTo>
+                  <a:pt x="45" y="10"/>
+                  <a:pt x="35" y="0"/>
+                  <a:pt x="22" y="0"/>
+                </a:cubicBezTo>
+                <a:close/>
+                <a:moveTo>
+                  <a:pt x="174" y="65"/>
+                </a:moveTo>
+                <a:cubicBezTo>
+                  <a:pt x="171" y="57"/>
+                  <a:pt x="163" y="52"/>
+                  <a:pt x="154" y="52"/>
+                </a:cubicBezTo>
+                <a:cubicBezTo>
+                  <a:pt x="141" y="52"/>
+                  <a:pt x="131" y="62"/>
+                  <a:pt x="131" y="75"/>
+                </a:cubicBezTo>
+                <a:cubicBezTo>
+                  <a:pt x="131" y="87"/>
+                  <a:pt x="141" y="98"/>
+                  <a:pt x="154" y="98"/>
+                </a:cubicBezTo>
+                <a:cubicBezTo>
+                  <a:pt x="167" y="98"/>
+                  <a:pt x="177" y="87"/>
+                  <a:pt x="177" y="75"/>
+                </a:cubicBezTo>
+                <a:cubicBezTo>
+                  <a:pt x="177" y="71"/>
+                  <a:pt x="176" y="68"/>
+                  <a:pt x="174" y="65"/>
+                </a:cubicBezTo>
+                <a:close/>
+                <a:moveTo>
+                  <a:pt x="45" y="23"/>
+                </a:moveTo>
+                <a:cubicBezTo>
+                  <a:pt x="177" y="23"/>
+                  <a:pt x="177" y="23"/>
+                  <a:pt x="177" y="23"/>
+                </a:cubicBezTo>
+                <a:moveTo>
+                  <a:pt x="289" y="0"/>
+                </a:moveTo>
+                <a:cubicBezTo>
+                  <a:pt x="177" y="61"/>
+                  <a:pt x="177" y="61"/>
+                  <a:pt x="177" y="61"/>
+                </a:cubicBezTo>
+              </a:path>
+            </a:pathLst>
+          </a:custGeom>
+          <a:noFill/>
+          <a:ln w="15875" cap="sq">
+            <a:solidFill>
+              <a:schemeClr val="tx1"/>
+            </a:solidFill>
+            <a:prstDash val="solid"/>
+            <a:round/>
+            <a:headEnd/>
+            <a:tailEnd/>
+          </a:ln>
+          <a:extLst>
+            <a:ext uri="{909E8E84-426E-40DD-AFC4-6F175D3DCCD1}">
+              <a14:hiddenFill xmlns:a14="http://schemas.microsoft.com/office/drawing/2010/main">
+                <a:solidFill>
+                  <a:srgbClr val="FFFFFF"/>
+                </a:solidFill>
+              </a14:hiddenFill>
+            </a:ext>
+          </a:extLst>
+        </p:spPr>
+        <p:txBody>
+          <a:bodyPr vert="horz" wrap="square" lIns="84705" tIns="42353" rIns="84705" bIns="42353" numCol="1" anchor="t" anchorCtr="0" compatLnSpc="1">
+            <a:prstTxWarp prst="textNoShape">
+              <a:avLst/>
+            </a:prstTxWarp>
+          </a:bodyPr>
+          <a:lstStyle/>
+          <a:p>
+            <a:endParaRPr lang="en-US" sz="1667"/>
+          </a:p>
+        </p:txBody>
+      </p:sp>
+      <p:sp>
+        <p:nvSpPr>
+          <p:cNvPr id="42" name="graph_9" title="Icon of a line chart with connected circles at varying points">
+            <a:extLst>
+              <a:ext uri="{FF2B5EF4-FFF2-40B4-BE49-F238E27FC236}">
+                <a16:creationId xmlns:a16="http://schemas.microsoft.com/office/drawing/2014/main" id="{F86EBF1E-4D2F-4953-ABD1-F745DD4A97E7}"/>
+              </a:ext>
+            </a:extLst>
+          </p:cNvPr>
+          <p:cNvSpPr>
+            <a:spLocks noChangeAspect="1" noEditPoints="1"/>
+          </p:cNvSpPr>
+          <p:nvPr/>
+        </p:nvSpPr>
+        <p:spPr bwMode="auto">
+          <a:xfrm>
+            <a:off x="6113182" y="3790593"/>
+            <a:ext cx="375489" cy="338821"/>
+          </a:xfrm>
+          <a:custGeom>
+            <a:avLst/>
+            <a:gdLst>
+              <a:gd name="T0" fmla="*/ 352 w 352"/>
+              <a:gd name="T1" fmla="*/ 318 h 318"/>
+              <a:gd name="T2" fmla="*/ 0 w 352"/>
+              <a:gd name="T3" fmla="*/ 318 h 318"/>
+              <a:gd name="T4" fmla="*/ 0 w 352"/>
+              <a:gd name="T5" fmla="*/ 0 h 318"/>
+              <a:gd name="T6" fmla="*/ 266 w 352"/>
+              <a:gd name="T7" fmla="*/ 105 h 318"/>
+              <a:gd name="T8" fmla="*/ 286 w 352"/>
+              <a:gd name="T9" fmla="*/ 126 h 318"/>
+              <a:gd name="T10" fmla="*/ 307 w 352"/>
+              <a:gd name="T11" fmla="*/ 105 h 318"/>
+              <a:gd name="T12" fmla="*/ 286 w 352"/>
+              <a:gd name="T13" fmla="*/ 84 h 318"/>
+              <a:gd name="T14" fmla="*/ 266 w 352"/>
+              <a:gd name="T15" fmla="*/ 105 h 318"/>
+              <a:gd name="T16" fmla="*/ 57 w 352"/>
+              <a:gd name="T17" fmla="*/ 252 h 318"/>
+              <a:gd name="T18" fmla="*/ 100 w 352"/>
+              <a:gd name="T19" fmla="*/ 188 h 318"/>
+              <a:gd name="T20" fmla="*/ 200 w 352"/>
+              <a:gd name="T21" fmla="*/ 205 h 318"/>
+              <a:gd name="T22" fmla="*/ 134 w 352"/>
+              <a:gd name="T23" fmla="*/ 181 h 318"/>
+              <a:gd name="T24" fmla="*/ 236 w 352"/>
+              <a:gd name="T25" fmla="*/ 187 h 318"/>
+              <a:gd name="T26" fmla="*/ 276 w 352"/>
+              <a:gd name="T27" fmla="*/ 123 h 318"/>
+              <a:gd name="T28" fmla="*/ 200 w 352"/>
+              <a:gd name="T29" fmla="*/ 201 h 318"/>
+              <a:gd name="T30" fmla="*/ 221 w 352"/>
+              <a:gd name="T31" fmla="*/ 222 h 318"/>
+              <a:gd name="T32" fmla="*/ 241 w 352"/>
+              <a:gd name="T33" fmla="*/ 201 h 318"/>
+              <a:gd name="T34" fmla="*/ 221 w 352"/>
+              <a:gd name="T35" fmla="*/ 180 h 318"/>
+              <a:gd name="T36" fmla="*/ 200 w 352"/>
+              <a:gd name="T37" fmla="*/ 201 h 318"/>
+              <a:gd name="T38" fmla="*/ 200 w 352"/>
+              <a:gd name="T39" fmla="*/ 201 h 318"/>
+              <a:gd name="T40" fmla="*/ 94 w 352"/>
+              <a:gd name="T41" fmla="*/ 174 h 318"/>
+              <a:gd name="T42" fmla="*/ 115 w 352"/>
+              <a:gd name="T43" fmla="*/ 194 h 318"/>
+              <a:gd name="T44" fmla="*/ 136 w 352"/>
+              <a:gd name="T45" fmla="*/ 174 h 318"/>
+              <a:gd name="T46" fmla="*/ 115 w 352"/>
+              <a:gd name="T47" fmla="*/ 153 h 318"/>
+              <a:gd name="T48" fmla="*/ 94 w 352"/>
+              <a:gd name="T49" fmla="*/ 174 h 318"/>
+              <a:gd name="T50" fmla="*/ 94 w 352"/>
+              <a:gd name="T51" fmla="*/ 174 h 318"/>
+              <a:gd name="T52" fmla="*/ 25 w 352"/>
+              <a:gd name="T53" fmla="*/ 269 h 318"/>
+              <a:gd name="T54" fmla="*/ 46 w 352"/>
+              <a:gd name="T55" fmla="*/ 289 h 318"/>
+              <a:gd name="T56" fmla="*/ 66 w 352"/>
+              <a:gd name="T57" fmla="*/ 269 h 318"/>
+              <a:gd name="T58" fmla="*/ 46 w 352"/>
+              <a:gd name="T59" fmla="*/ 248 h 318"/>
+              <a:gd name="T60" fmla="*/ 25 w 352"/>
+              <a:gd name="T61" fmla="*/ 269 h 318"/>
+              <a:gd name="T62" fmla="*/ 25 w 352"/>
+              <a:gd name="T63" fmla="*/ 269 h 318"/>
+            </a:gdLst>
+            <a:ahLst/>
+            <a:cxnLst>
+              <a:cxn ang="0">
+                <a:pos x="T0" y="T1"/>
+              </a:cxn>
+              <a:cxn ang="0">
+                <a:pos x="T2" y="T3"/>
+              </a:cxn>
+              <a:cxn ang="0">
+                <a:pos x="T4" y="T5"/>
+              </a:cxn>
+              <a:cxn ang="0">
+                <a:pos x="T6" y="T7"/>
+              </a:cxn>
+              <a:cxn ang="0">
+                <a:pos x="T8" y="T9"/>
+              </a:cxn>
+              <a:cxn ang="0">
+                <a:pos x="T10" y="T11"/>
+              </a:cxn>
+              <a:cxn ang="0">
+                <a:pos x="T12" y="T13"/>
+              </a:cxn>
+              <a:cxn ang="0">
+                <a:pos x="T14" y="T15"/>
+              </a:cxn>
+              <a:cxn ang="0">
+                <a:pos x="T16" y="T17"/>
+              </a:cxn>
+              <a:cxn ang="0">
+                <a:pos x="T18" y="T19"/>
+              </a:cxn>
+              <a:cxn ang="0">
+                <a:pos x="T20" y="T21"/>
+              </a:cxn>
+              <a:cxn ang="0">
+                <a:pos x="T22" y="T23"/>
+              </a:cxn>
+              <a:cxn ang="0">
+                <a:pos x="T24" y="T25"/>
+              </a:cxn>
+              <a:cxn ang="0">
+                <a:pos x="T26" y="T27"/>
+              </a:cxn>
+              <a:cxn ang="0">
+                <a:pos x="T28" y="T29"/>
+              </a:cxn>
+              <a:cxn ang="0">
+                <a:pos x="T30" y="T31"/>
+              </a:cxn>
+              <a:cxn ang="0">
+                <a:pos x="T32" y="T33"/>
+              </a:cxn>
+              <a:cxn ang="0">
+                <a:pos x="T34" y="T35"/>
+              </a:cxn>
+              <a:cxn ang="0">
+                <a:pos x="T36" y="T37"/>
+              </a:cxn>
+              <a:cxn ang="0">
+                <a:pos x="T38" y="T39"/>
+              </a:cxn>
+              <a:cxn ang="0">
+                <a:pos x="T40" y="T41"/>
+              </a:cxn>
+              <a:cxn ang="0">
+                <a:pos x="T42" y="T43"/>
+              </a:cxn>
+              <a:cxn ang="0">
+                <a:pos x="T44" y="T45"/>
+              </a:cxn>
+              <a:cxn ang="0">
+                <a:pos x="T46" y="T47"/>
+              </a:cxn>
+              <a:cxn ang="0">
+                <a:pos x="T48" y="T49"/>
+              </a:cxn>
+              <a:cxn ang="0">
+                <a:pos x="T50" y="T51"/>
+              </a:cxn>
+              <a:cxn ang="0">
+                <a:pos x="T52" y="T53"/>
+              </a:cxn>
+              <a:cxn ang="0">
+                <a:pos x="T54" y="T55"/>
+              </a:cxn>
+              <a:cxn ang="0">
+                <a:pos x="T56" y="T57"/>
+              </a:cxn>
+              <a:cxn ang="0">
+                <a:pos x="T58" y="T59"/>
+              </a:cxn>
+              <a:cxn ang="0">
+                <a:pos x="T60" y="T61"/>
+              </a:cxn>
+              <a:cxn ang="0">
+                <a:pos x="T62" y="T63"/>
+              </a:cxn>
+            </a:cxnLst>
+            <a:rect l="0" t="0" r="r" b="b"/>
+            <a:pathLst>
+              <a:path w="352" h="318">
+                <a:moveTo>
+                  <a:pt x="352" y="318"/>
+                </a:moveTo>
+                <a:cubicBezTo>
+                  <a:pt x="0" y="318"/>
+                  <a:pt x="0" y="318"/>
+                  <a:pt x="0" y="318"/>
+                </a:cubicBezTo>
+                <a:cubicBezTo>
+                  <a:pt x="0" y="0"/>
+                  <a:pt x="0" y="0"/>
+                  <a:pt x="0" y="0"/>
+                </a:cubicBezTo>
+                <a:moveTo>
+                  <a:pt x="266" y="105"/>
+                </a:moveTo>
+                <a:cubicBezTo>
+                  <a:pt x="266" y="116"/>
+                  <a:pt x="275" y="126"/>
+                  <a:pt x="286" y="126"/>
+                </a:cubicBezTo>
+                <a:cubicBezTo>
+                  <a:pt x="298" y="126"/>
+                  <a:pt x="307" y="116"/>
+                  <a:pt x="307" y="105"/>
+                </a:cubicBezTo>
+                <a:cubicBezTo>
+                  <a:pt x="307" y="93"/>
+                  <a:pt x="298" y="84"/>
+                  <a:pt x="286" y="84"/>
+                </a:cubicBezTo>
+                <a:cubicBezTo>
+                  <a:pt x="275" y="84"/>
+                  <a:pt x="266" y="93"/>
+                  <a:pt x="266" y="105"/>
+                </a:cubicBezTo>
+                <a:close/>
+                <a:moveTo>
+                  <a:pt x="57" y="252"/>
+                </a:moveTo>
+                <a:cubicBezTo>
+                  <a:pt x="100" y="188"/>
+                  <a:pt x="100" y="188"/>
+                  <a:pt x="100" y="188"/>
+                </a:cubicBezTo>
+                <a:moveTo>
+                  <a:pt x="200" y="205"/>
+                </a:moveTo>
+                <a:cubicBezTo>
+                  <a:pt x="134" y="181"/>
+                  <a:pt x="134" y="181"/>
+                  <a:pt x="134" y="181"/>
+                </a:cubicBezTo>
+                <a:moveTo>
+                  <a:pt x="236" y="187"/>
+                </a:moveTo>
+                <a:cubicBezTo>
+                  <a:pt x="276" y="123"/>
+                  <a:pt x="276" y="123"/>
+                  <a:pt x="276" y="123"/>
+                </a:cubicBezTo>
+                <a:moveTo>
+                  <a:pt x="200" y="201"/>
+                </a:moveTo>
+                <a:cubicBezTo>
+                  <a:pt x="200" y="213"/>
+                  <a:pt x="209" y="222"/>
+                  <a:pt x="221" y="222"/>
+                </a:cubicBezTo>
+                <a:cubicBezTo>
+                  <a:pt x="232" y="222"/>
+                  <a:pt x="241" y="213"/>
+                  <a:pt x="241" y="201"/>
+                </a:cubicBezTo>
+                <a:cubicBezTo>
+                  <a:pt x="241" y="190"/>
+                  <a:pt x="232" y="180"/>
+                  <a:pt x="221" y="180"/>
+                </a:cubicBezTo>
+                <a:cubicBezTo>
+                  <a:pt x="209" y="180"/>
+                  <a:pt x="200" y="190"/>
+                  <a:pt x="200" y="201"/>
+                </a:cubicBezTo>
+                <a:cubicBezTo>
+                  <a:pt x="200" y="201"/>
+                  <a:pt x="200" y="201"/>
+                  <a:pt x="200" y="201"/>
+                </a:cubicBezTo>
+                <a:moveTo>
+                  <a:pt x="94" y="174"/>
+                </a:moveTo>
+                <a:cubicBezTo>
+                  <a:pt x="94" y="185"/>
+                  <a:pt x="104" y="194"/>
+                  <a:pt x="115" y="194"/>
+                </a:cubicBezTo>
+                <a:cubicBezTo>
+                  <a:pt x="127" y="194"/>
+                  <a:pt x="136" y="185"/>
+                  <a:pt x="136" y="174"/>
+                </a:cubicBezTo>
+                <a:cubicBezTo>
+                  <a:pt x="136" y="162"/>
+                  <a:pt x="127" y="153"/>
+                  <a:pt x="115" y="153"/>
+                </a:cubicBezTo>
+                <a:cubicBezTo>
+                  <a:pt x="104" y="153"/>
+                  <a:pt x="94" y="162"/>
+                  <a:pt x="94" y="174"/>
+                </a:cubicBezTo>
+                <a:cubicBezTo>
+                  <a:pt x="94" y="174"/>
+                  <a:pt x="94" y="174"/>
+                  <a:pt x="94" y="174"/>
+                </a:cubicBezTo>
+                <a:moveTo>
+                  <a:pt x="25" y="269"/>
+                </a:moveTo>
+                <a:cubicBezTo>
+                  <a:pt x="25" y="280"/>
+                  <a:pt x="34" y="289"/>
+                  <a:pt x="46" y="289"/>
+                </a:cubicBezTo>
+                <a:cubicBezTo>
+                  <a:pt x="57" y="289"/>
+                  <a:pt x="66" y="280"/>
+                  <a:pt x="66" y="269"/>
+                </a:cubicBezTo>
+                <a:cubicBezTo>
+                  <a:pt x="66" y="257"/>
+                  <a:pt x="57" y="248"/>
+                  <a:pt x="46" y="248"/>
+                </a:cubicBezTo>
+                <a:cubicBezTo>
+                  <a:pt x="34" y="248"/>
+                  <a:pt x="25" y="257"/>
+                  <a:pt x="25" y="269"/>
+                </a:cubicBezTo>
+                <a:cubicBezTo>
+                  <a:pt x="25" y="269"/>
+                  <a:pt x="25" y="269"/>
+                  <a:pt x="25" y="269"/>
+                </a:cubicBezTo>
+              </a:path>
+            </a:pathLst>
+          </a:custGeom>
+          <a:noFill/>
+          <a:ln w="15875" cap="sq">
+            <a:solidFill>
+              <a:schemeClr val="tx1"/>
+            </a:solidFill>
+            <a:prstDash val="solid"/>
+            <a:miter lim="800000"/>
+            <a:headEnd/>
+            <a:tailEnd/>
+          </a:ln>
+          <a:extLst>
+            <a:ext uri="{909E8E84-426E-40DD-AFC4-6F175D3DCCD1}">
+              <a14:hiddenFill xmlns:a14="http://schemas.microsoft.com/office/drawing/2010/main">
+                <a:solidFill>
+                  <a:srgbClr val="FFFFFF"/>
+                </a:solidFill>
+              </a14:hiddenFill>
+            </a:ext>
+          </a:extLst>
+        </p:spPr>
+        <p:txBody>
+          <a:bodyPr vert="horz" wrap="square" lIns="84705" tIns="42353" rIns="84705" bIns="42353" numCol="1" anchor="t" anchorCtr="0" compatLnSpc="1">
+            <a:prstTxWarp prst="textNoShape">
+              <a:avLst/>
+            </a:prstTxWarp>
+          </a:bodyPr>
+          <a:lstStyle/>
+          <a:p>
+            <a:endParaRPr lang="en-US" sz="1667" dirty="0">
+              <a:gradFill>
+                <a:gsLst>
+                  <a:gs pos="0">
+                    <a:srgbClr val="505050"/>
+                  </a:gs>
+                  <a:gs pos="100000">
+                    <a:srgbClr val="505050"/>
+                  </a:gs>
+                </a:gsLst>
+              </a:gradFill>
+            </a:endParaRPr>
+          </a:p>
+        </p:txBody>
+      </p:sp>
+      <p:sp>
+        <p:nvSpPr>
+          <p:cNvPr id="43" name="PageEdit_EFB8" title="Icon of a document with a pencil on top of it">
+            <a:extLst>
+              <a:ext uri="{FF2B5EF4-FFF2-40B4-BE49-F238E27FC236}">
+                <a16:creationId xmlns:a16="http://schemas.microsoft.com/office/drawing/2014/main" id="{5B9F84AC-CBAA-4067-A83E-620CE539D940}"/>
+              </a:ext>
+            </a:extLst>
+          </p:cNvPr>
+          <p:cNvSpPr>
+            <a:spLocks noChangeAspect="1" noEditPoints="1"/>
+          </p:cNvSpPr>
+          <p:nvPr/>
+        </p:nvSpPr>
+        <p:spPr bwMode="auto">
+          <a:xfrm>
+            <a:off x="4397145" y="3790593"/>
+            <a:ext cx="317778" cy="338821"/>
+          </a:xfrm>
+          <a:custGeom>
+            <a:avLst/>
+            <a:gdLst>
+              <a:gd name="T0" fmla="*/ 3009 w 3537"/>
+              <a:gd name="T1" fmla="*/ 1005 h 3770"/>
+              <a:gd name="T2" fmla="*/ 2006 w 3537"/>
+              <a:gd name="T3" fmla="*/ 1005 h 3770"/>
+              <a:gd name="T4" fmla="*/ 2006 w 3537"/>
+              <a:gd name="T5" fmla="*/ 0 h 3770"/>
+              <a:gd name="T6" fmla="*/ 3009 w 3537"/>
+              <a:gd name="T7" fmla="*/ 1360 h 3770"/>
+              <a:gd name="T8" fmla="*/ 3009 w 3537"/>
+              <a:gd name="T9" fmla="*/ 1005 h 3770"/>
+              <a:gd name="T10" fmla="*/ 2006 w 3537"/>
+              <a:gd name="T11" fmla="*/ 0 h 3770"/>
+              <a:gd name="T12" fmla="*/ 0 w 3537"/>
+              <a:gd name="T13" fmla="*/ 0 h 3770"/>
+              <a:gd name="T14" fmla="*/ 0 w 3537"/>
+              <a:gd name="T15" fmla="*/ 3770 h 3770"/>
+              <a:gd name="T16" fmla="*/ 1078 w 3537"/>
+              <a:gd name="T17" fmla="*/ 3770 h 3770"/>
+              <a:gd name="T18" fmla="*/ 1551 w 3537"/>
+              <a:gd name="T19" fmla="*/ 3723 h 3770"/>
+              <a:gd name="T20" fmla="*/ 2053 w 3537"/>
+              <a:gd name="T21" fmla="*/ 3597 h 3770"/>
+              <a:gd name="T22" fmla="*/ 3433 w 3537"/>
+              <a:gd name="T23" fmla="*/ 2211 h 3770"/>
+              <a:gd name="T24" fmla="*/ 3433 w 3537"/>
+              <a:gd name="T25" fmla="*/ 1834 h 3770"/>
+              <a:gd name="T26" fmla="*/ 3245 w 3537"/>
+              <a:gd name="T27" fmla="*/ 1759 h 3770"/>
+              <a:gd name="T28" fmla="*/ 3057 w 3537"/>
+              <a:gd name="T29" fmla="*/ 1834 h 3770"/>
+              <a:gd name="T30" fmla="*/ 1677 w 3537"/>
+              <a:gd name="T31" fmla="*/ 3220 h 3770"/>
+              <a:gd name="T32" fmla="*/ 1551 w 3537"/>
+              <a:gd name="T33" fmla="*/ 3723 h 3770"/>
+            </a:gdLst>
+            <a:ahLst/>
+            <a:cxnLst>
+              <a:cxn ang="0">
+                <a:pos x="T0" y="T1"/>
+              </a:cxn>
+              <a:cxn ang="0">
+                <a:pos x="T2" y="T3"/>
+              </a:cxn>
+              <a:cxn ang="0">
+                <a:pos x="T4" y="T5"/>
+              </a:cxn>
+              <a:cxn ang="0">
+                <a:pos x="T6" y="T7"/>
+              </a:cxn>
+              <a:cxn ang="0">
+                <a:pos x="T8" y="T9"/>
+              </a:cxn>
+              <a:cxn ang="0">
+                <a:pos x="T10" y="T11"/>
+              </a:cxn>
+              <a:cxn ang="0">
+                <a:pos x="T12" y="T13"/>
+              </a:cxn>
+              <a:cxn ang="0">
+                <a:pos x="T14" y="T15"/>
+              </a:cxn>
+              <a:cxn ang="0">
+                <a:pos x="T16" y="T17"/>
+              </a:cxn>
+              <a:cxn ang="0">
+                <a:pos x="T18" y="T19"/>
+              </a:cxn>
+              <a:cxn ang="0">
+                <a:pos x="T20" y="T21"/>
+              </a:cxn>
+              <a:cxn ang="0">
+                <a:pos x="T22" y="T23"/>
+              </a:cxn>
+              <a:cxn ang="0">
+                <a:pos x="T24" y="T25"/>
+              </a:cxn>
+              <a:cxn ang="0">
+                <a:pos x="T26" y="T27"/>
+              </a:cxn>
+              <a:cxn ang="0">
+                <a:pos x="T28" y="T29"/>
+              </a:cxn>
+              <a:cxn ang="0">
+                <a:pos x="T30" y="T31"/>
+              </a:cxn>
+              <a:cxn ang="0">
+                <a:pos x="T32" y="T33"/>
+              </a:cxn>
+            </a:cxnLst>
+            <a:rect l="0" t="0" r="r" b="b"/>
+            <a:pathLst>
+              <a:path w="3537" h="3770">
+                <a:moveTo>
+                  <a:pt x="3009" y="1005"/>
+                </a:moveTo>
+                <a:cubicBezTo>
+                  <a:pt x="2006" y="1005"/>
+                  <a:pt x="2006" y="1005"/>
+                  <a:pt x="2006" y="1005"/>
+                </a:cubicBezTo>
+                <a:cubicBezTo>
+                  <a:pt x="2006" y="0"/>
+                  <a:pt x="2006" y="0"/>
+                  <a:pt x="2006" y="0"/>
+                </a:cubicBezTo>
+                <a:moveTo>
+                  <a:pt x="3009" y="1360"/>
+                </a:moveTo>
+                <a:cubicBezTo>
+                  <a:pt x="3009" y="1005"/>
+                  <a:pt x="3009" y="1005"/>
+                  <a:pt x="3009" y="1005"/>
+                </a:cubicBezTo>
+                <a:cubicBezTo>
+                  <a:pt x="2006" y="0"/>
+                  <a:pt x="2006" y="0"/>
+                  <a:pt x="2006" y="0"/>
+                </a:cubicBezTo>
+                <a:cubicBezTo>
+                  <a:pt x="0" y="0"/>
+                  <a:pt x="0" y="0"/>
+                  <a:pt x="0" y="0"/>
+                </a:cubicBezTo>
+                <a:cubicBezTo>
+                  <a:pt x="0" y="3770"/>
+                  <a:pt x="0" y="3770"/>
+                  <a:pt x="0" y="3770"/>
+                </a:cubicBezTo>
+                <a:cubicBezTo>
+                  <a:pt x="1078" y="3770"/>
+                  <a:pt x="1078" y="3770"/>
+                  <a:pt x="1078" y="3770"/>
+                </a:cubicBezTo>
+                <a:moveTo>
+                  <a:pt x="1551" y="3723"/>
+                </a:moveTo>
+                <a:cubicBezTo>
+                  <a:pt x="2053" y="3597"/>
+                  <a:pt x="2053" y="3597"/>
+                  <a:pt x="2053" y="3597"/>
+                </a:cubicBezTo>
+                <a:cubicBezTo>
+                  <a:pt x="3433" y="2211"/>
+                  <a:pt x="3433" y="2211"/>
+                  <a:pt x="3433" y="2211"/>
+                </a:cubicBezTo>
+                <a:cubicBezTo>
+                  <a:pt x="3537" y="2107"/>
+                  <a:pt x="3537" y="1938"/>
+                  <a:pt x="3433" y="1834"/>
+                </a:cubicBezTo>
+                <a:cubicBezTo>
+                  <a:pt x="3386" y="1786"/>
+                  <a:pt x="3317" y="1759"/>
+                  <a:pt x="3245" y="1759"/>
+                </a:cubicBezTo>
+                <a:cubicBezTo>
+                  <a:pt x="3172" y="1759"/>
+                  <a:pt x="3104" y="1786"/>
+                  <a:pt x="3057" y="1834"/>
+                </a:cubicBezTo>
+                <a:cubicBezTo>
+                  <a:pt x="1677" y="3220"/>
+                  <a:pt x="1677" y="3220"/>
+                  <a:pt x="1677" y="3220"/>
+                </a:cubicBezTo>
+                <a:lnTo>
+                  <a:pt x="1551" y="3723"/>
+                </a:lnTo>
+                <a:close/>
+              </a:path>
+            </a:pathLst>
+          </a:custGeom>
+          <a:noFill/>
+          <a:ln w="15875" cap="flat">
+            <a:solidFill>
+              <a:schemeClr val="tx1"/>
+            </a:solidFill>
+            <a:prstDash val="solid"/>
+            <a:miter lim="800000"/>
+            <a:headEnd/>
+            <a:tailEnd/>
+          </a:ln>
+          <a:extLst>
+            <a:ext uri="{909E8E84-426E-40DD-AFC4-6F175D3DCCD1}">
+              <a14:hiddenFill xmlns:a14="http://schemas.microsoft.com/office/drawing/2010/main">
+                <a:solidFill>
+                  <a:srgbClr val="FFFFFF"/>
+                </a:solidFill>
+              </a14:hiddenFill>
+            </a:ext>
+          </a:extLst>
+        </p:spPr>
+        <p:txBody>
+          <a:bodyPr vert="horz" wrap="square" lIns="84705" tIns="42353" rIns="84705" bIns="42353" numCol="1" anchor="t" anchorCtr="0" compatLnSpc="1">
+            <a:prstTxWarp prst="textNoShape">
+              <a:avLst/>
+            </a:prstTxWarp>
+          </a:bodyPr>
+          <a:lstStyle/>
+          <a:p>
+            <a:endParaRPr lang="en-US" sz="1667"/>
+          </a:p>
+        </p:txBody>
+      </p:sp>
+      <p:sp>
+        <p:nvSpPr>
+          <p:cNvPr id="44" name="TextBox 43">
+            <a:extLst>
+              <a:ext uri="{FF2B5EF4-FFF2-40B4-BE49-F238E27FC236}">
+                <a16:creationId xmlns:a16="http://schemas.microsoft.com/office/drawing/2014/main" id="{F257B124-CEBD-40BF-A08B-C307451E9B25}"/>
+              </a:ext>
+            </a:extLst>
+          </p:cNvPr>
+          <p:cNvSpPr txBox="1"/>
+          <p:nvPr/>
+        </p:nvSpPr>
+        <p:spPr>
+          <a:xfrm>
+            <a:off x="324998" y="886029"/>
+            <a:ext cx="2241110" cy="581608"/>
+          </a:xfrm>
+          <a:prstGeom prst="rect">
+            <a:avLst/>
+          </a:prstGeom>
+          <a:noFill/>
+        </p:spPr>
+        <p:txBody>
+          <a:bodyPr wrap="none" lIns="169410" tIns="135528" rIns="169410" bIns="135528" rtlCol="0">
+            <a:spAutoFit/>
+          </a:bodyPr>
+          <a:lstStyle/>
+          <a:p>
+            <a:pPr>
+              <a:lnSpc>
+                <a:spcPct val="90000"/>
+              </a:lnSpc>
+              <a:spcAft>
+                <a:spcPts val="556"/>
+              </a:spcAft>
+            </a:pPr>
+            <a:r>
+              <a:rPr lang="en-US" sz="2223" dirty="0">
+                <a:solidFill>
+                  <a:schemeClr val="tx1">
+                    <a:lumMod val="75000"/>
+                  </a:schemeClr>
+                </a:solidFill>
+              </a:rPr>
+              <a:t>public preview </a:t>
+            </a:r>
+          </a:p>
+        </p:txBody>
+      </p:sp>
     </p:spTree>
     <p:extLst>
       <p:ext uri="{BB962C8B-B14F-4D97-AF65-F5344CB8AC3E}">
-        <p14:creationId xmlns:p14="http://schemas.microsoft.com/office/powerpoint/2010/main" val="3431737624"/>
+        <p14:creationId xmlns:p14="http://schemas.microsoft.com/office/powerpoint/2010/main" val="627803393"/>
       </p:ext>
     </p:extLst>
   </p:cSld>
   <p:clrMapOvr>
     <a:masterClrMapping/>
   </p:clrMapOvr>
+  <mc:AlternateContent xmlns:mc="http://schemas.openxmlformats.org/markup-compatibility/2006" xmlns:p14="http://schemas.microsoft.com/office/powerpoint/2010/main">
+    <mc:Choice Requires="p14">
+      <p:transition spd="med" p14:dur="700">
+        <p:fade/>
+      </p:transition>
+    </mc:Choice>
+    <mc:Fallback xmlns="">
+      <p:transition spd="med">
+        <p:fade/>
+      </p:transition>
+    </mc:Fallback>
+  </mc:AlternateContent>
   <p:timing>
     <p:tnLst>
       <p:par>
-        <p:cTn id="1" dur="indefinite" restart="never" nodeType="tmRoot"/>
+        <p:cTn id="1" dur="indefinite" restart="never" nodeType="tmRoot">
+          <p:childTnLst>
+            <p:seq concurrent="1" nextAc="seek">
+              <p:cTn id="2" dur="indefinite" nodeType="mainSeq">
+                <p:childTnLst>
+                  <p:par>
+                    <p:cTn id="3" fill="hold">
+                      <p:stCondLst>
+                        <p:cond delay="indefinite"/>
+                        <p:cond evt="onBegin" delay="0">
+                          <p:tn val="2"/>
+                        </p:cond>
+                      </p:stCondLst>
+                      <p:childTnLst>
+                        <p:par>
+                          <p:cTn id="4" fill="hold">
+                            <p:stCondLst>
+                              <p:cond delay="0"/>
+                            </p:stCondLst>
+                            <p:childTnLst>
+                              <p:par>
+                                <p:cTn id="5" presetID="10" presetClass="entr" presetSubtype="0" fill="hold" grpId="0" nodeType="afterEffect">
+                                  <p:stCondLst>
+                                    <p:cond delay="0"/>
+                                  </p:stCondLst>
+                                  <p:childTnLst>
+                                    <p:set>
+                                      <p:cBhvr>
+                                        <p:cTn id="6" dur="1" fill="hold">
+                                          <p:stCondLst>
+                                            <p:cond delay="0"/>
+                                          </p:stCondLst>
+                                        </p:cTn>
+                                        <p:tgtEl>
+                                          <p:spTgt spid="16"/>
+                                        </p:tgtEl>
+                                        <p:attrNameLst>
+                                          <p:attrName>style.visibility</p:attrName>
+                                        </p:attrNameLst>
+                                      </p:cBhvr>
+                                      <p:to>
+                                        <p:strVal val="visible"/>
+                                      </p:to>
+                                    </p:set>
+                                    <p:animEffect transition="in" filter="fade">
+                                      <p:cBhvr>
+                                        <p:cTn id="7" dur="500"/>
+                                        <p:tgtEl>
+                                          <p:spTgt spid="16"/>
+                                        </p:tgtEl>
+                                      </p:cBhvr>
+                                    </p:animEffect>
+                                  </p:childTnLst>
+                                </p:cTn>
+                              </p:par>
+                              <p:par>
+                                <p:cTn id="8" presetID="10" presetClass="entr" presetSubtype="0" fill="hold" grpId="0" nodeType="withEffect">
+                                  <p:stCondLst>
+                                    <p:cond delay="0"/>
+                                  </p:stCondLst>
+                                  <p:childTnLst>
+                                    <p:set>
+                                      <p:cBhvr>
+                                        <p:cTn id="9" dur="1" fill="hold">
+                                          <p:stCondLst>
+                                            <p:cond delay="0"/>
+                                          </p:stCondLst>
+                                        </p:cTn>
+                                        <p:tgtEl>
+                                          <p:spTgt spid="5"/>
+                                        </p:tgtEl>
+                                        <p:attrNameLst>
+                                          <p:attrName>style.visibility</p:attrName>
+                                        </p:attrNameLst>
+                                      </p:cBhvr>
+                                      <p:to>
+                                        <p:strVal val="visible"/>
+                                      </p:to>
+                                    </p:set>
+                                    <p:animEffect transition="in" filter="fade">
+                                      <p:cBhvr>
+                                        <p:cTn id="10" dur="500"/>
+                                        <p:tgtEl>
+                                          <p:spTgt spid="5"/>
+                                        </p:tgtEl>
+                                      </p:cBhvr>
+                                    </p:animEffect>
+                                  </p:childTnLst>
+                                </p:cTn>
+                              </p:par>
+                              <p:par>
+                                <p:cTn id="11" presetID="10" presetClass="entr" presetSubtype="0" fill="hold" nodeType="withEffect">
+                                  <p:stCondLst>
+                                    <p:cond delay="0"/>
+                                  </p:stCondLst>
+                                  <p:childTnLst>
+                                    <p:set>
+                                      <p:cBhvr>
+                                        <p:cTn id="12" dur="1" fill="hold">
+                                          <p:stCondLst>
+                                            <p:cond delay="0"/>
+                                          </p:stCondLst>
+                                        </p:cTn>
+                                        <p:tgtEl>
+                                          <p:spTgt spid="3"/>
+                                        </p:tgtEl>
+                                        <p:attrNameLst>
+                                          <p:attrName>style.visibility</p:attrName>
+                                        </p:attrNameLst>
+                                      </p:cBhvr>
+                                      <p:to>
+                                        <p:strVal val="visible"/>
+                                      </p:to>
+                                    </p:set>
+                                    <p:animEffect transition="in" filter="fade">
+                                      <p:cBhvr>
+                                        <p:cTn id="13" dur="500"/>
+                                        <p:tgtEl>
+                                          <p:spTgt spid="3"/>
+                                        </p:tgtEl>
+                                      </p:cBhvr>
+                                    </p:animEffect>
+                                  </p:childTnLst>
+                                </p:cTn>
+                              </p:par>
+                              <p:par>
+                                <p:cTn id="14" presetID="10" presetClass="entr" presetSubtype="0" fill="hold" grpId="0" nodeType="withEffect">
+                                  <p:stCondLst>
+                                    <p:cond delay="0"/>
+                                  </p:stCondLst>
+                                  <p:childTnLst>
+                                    <p:set>
+                                      <p:cBhvr>
+                                        <p:cTn id="15" dur="1" fill="hold">
+                                          <p:stCondLst>
+                                            <p:cond delay="0"/>
+                                          </p:stCondLst>
+                                        </p:cTn>
+                                        <p:tgtEl>
+                                          <p:spTgt spid="30"/>
+                                        </p:tgtEl>
+                                        <p:attrNameLst>
+                                          <p:attrName>style.visibility</p:attrName>
+                                        </p:attrNameLst>
+                                      </p:cBhvr>
+                                      <p:to>
+                                        <p:strVal val="visible"/>
+                                      </p:to>
+                                    </p:set>
+                                    <p:animEffect transition="in" filter="fade">
+                                      <p:cBhvr>
+                                        <p:cTn id="16" dur="500"/>
+                                        <p:tgtEl>
+                                          <p:spTgt spid="30"/>
+                                        </p:tgtEl>
+                                      </p:cBhvr>
+                                    </p:animEffect>
+                                  </p:childTnLst>
+                                </p:cTn>
+                              </p:par>
+                              <p:par>
+                                <p:cTn id="17" presetID="10" presetClass="entr" presetSubtype="0" fill="hold" grpId="0" nodeType="withEffect">
+                                  <p:stCondLst>
+                                    <p:cond delay="0"/>
+                                  </p:stCondLst>
+                                  <p:childTnLst>
+                                    <p:set>
+                                      <p:cBhvr>
+                                        <p:cTn id="18" dur="1" fill="hold">
+                                          <p:stCondLst>
+                                            <p:cond delay="0"/>
+                                          </p:stCondLst>
+                                        </p:cTn>
+                                        <p:tgtEl>
+                                          <p:spTgt spid="43"/>
+                                        </p:tgtEl>
+                                        <p:attrNameLst>
+                                          <p:attrName>style.visibility</p:attrName>
+                                        </p:attrNameLst>
+                                      </p:cBhvr>
+                                      <p:to>
+                                        <p:strVal val="visible"/>
+                                      </p:to>
+                                    </p:set>
+                                    <p:animEffect transition="in" filter="fade">
+                                      <p:cBhvr>
+                                        <p:cTn id="19" dur="500"/>
+                                        <p:tgtEl>
+                                          <p:spTgt spid="43"/>
+                                        </p:tgtEl>
+                                      </p:cBhvr>
+                                    </p:animEffect>
+                                  </p:childTnLst>
+                                </p:cTn>
+                              </p:par>
+                            </p:childTnLst>
+                          </p:cTn>
+                        </p:par>
+                        <p:par>
+                          <p:cTn id="20" fill="hold">
+                            <p:stCondLst>
+                              <p:cond delay="500"/>
+                            </p:stCondLst>
+                            <p:childTnLst>
+                              <p:par>
+                                <p:cTn id="21" presetID="10" presetClass="entr" presetSubtype="0" fill="hold" grpId="0" nodeType="afterEffect">
+                                  <p:stCondLst>
+                                    <p:cond delay="0"/>
+                                  </p:stCondLst>
+                                  <p:childTnLst>
+                                    <p:set>
+                                      <p:cBhvr>
+                                        <p:cTn id="22" dur="1" fill="hold">
+                                          <p:stCondLst>
+                                            <p:cond delay="0"/>
+                                          </p:stCondLst>
+                                        </p:cTn>
+                                        <p:tgtEl>
+                                          <p:spTgt spid="6"/>
+                                        </p:tgtEl>
+                                        <p:attrNameLst>
+                                          <p:attrName>style.visibility</p:attrName>
+                                        </p:attrNameLst>
+                                      </p:cBhvr>
+                                      <p:to>
+                                        <p:strVal val="visible"/>
+                                      </p:to>
+                                    </p:set>
+                                    <p:animEffect transition="in" filter="fade">
+                                      <p:cBhvr>
+                                        <p:cTn id="23" dur="500"/>
+                                        <p:tgtEl>
+                                          <p:spTgt spid="6"/>
+                                        </p:tgtEl>
+                                      </p:cBhvr>
+                                    </p:animEffect>
+                                  </p:childTnLst>
+                                </p:cTn>
+                              </p:par>
+                              <p:par>
+                                <p:cTn id="24" presetID="10" presetClass="entr" presetSubtype="0" fill="hold" nodeType="withEffect">
+                                  <p:stCondLst>
+                                    <p:cond delay="0"/>
+                                  </p:stCondLst>
+                                  <p:childTnLst>
+                                    <p:set>
+                                      <p:cBhvr>
+                                        <p:cTn id="25" dur="1" fill="hold">
+                                          <p:stCondLst>
+                                            <p:cond delay="0"/>
+                                          </p:stCondLst>
+                                        </p:cTn>
+                                        <p:tgtEl>
+                                          <p:spTgt spid="13"/>
+                                        </p:tgtEl>
+                                        <p:attrNameLst>
+                                          <p:attrName>style.visibility</p:attrName>
+                                        </p:attrNameLst>
+                                      </p:cBhvr>
+                                      <p:to>
+                                        <p:strVal val="visible"/>
+                                      </p:to>
+                                    </p:set>
+                                    <p:animEffect transition="in" filter="fade">
+                                      <p:cBhvr>
+                                        <p:cTn id="26" dur="500"/>
+                                        <p:tgtEl>
+                                          <p:spTgt spid="13"/>
+                                        </p:tgtEl>
+                                      </p:cBhvr>
+                                    </p:animEffect>
+                                  </p:childTnLst>
+                                </p:cTn>
+                              </p:par>
+                              <p:par>
+                                <p:cTn id="27" presetID="10" presetClass="entr" presetSubtype="0" fill="hold" grpId="0" nodeType="withEffect">
+                                  <p:stCondLst>
+                                    <p:cond delay="0"/>
+                                  </p:stCondLst>
+                                  <p:childTnLst>
+                                    <p:set>
+                                      <p:cBhvr>
+                                        <p:cTn id="28" dur="1" fill="hold">
+                                          <p:stCondLst>
+                                            <p:cond delay="0"/>
+                                          </p:stCondLst>
+                                        </p:cTn>
+                                        <p:tgtEl>
+                                          <p:spTgt spid="31"/>
+                                        </p:tgtEl>
+                                        <p:attrNameLst>
+                                          <p:attrName>style.visibility</p:attrName>
+                                        </p:attrNameLst>
+                                      </p:cBhvr>
+                                      <p:to>
+                                        <p:strVal val="visible"/>
+                                      </p:to>
+                                    </p:set>
+                                    <p:animEffect transition="in" filter="fade">
+                                      <p:cBhvr>
+                                        <p:cTn id="29" dur="500"/>
+                                        <p:tgtEl>
+                                          <p:spTgt spid="31"/>
+                                        </p:tgtEl>
+                                      </p:cBhvr>
+                                    </p:animEffect>
+                                  </p:childTnLst>
+                                </p:cTn>
+                              </p:par>
+                              <p:par>
+                                <p:cTn id="30" presetID="10" presetClass="entr" presetSubtype="0" fill="hold" grpId="0" nodeType="withEffect">
+                                  <p:stCondLst>
+                                    <p:cond delay="0"/>
+                                  </p:stCondLst>
+                                  <p:childTnLst>
+                                    <p:set>
+                                      <p:cBhvr>
+                                        <p:cTn id="31" dur="1" fill="hold">
+                                          <p:stCondLst>
+                                            <p:cond delay="0"/>
+                                          </p:stCondLst>
+                                        </p:cTn>
+                                        <p:tgtEl>
+                                          <p:spTgt spid="42"/>
+                                        </p:tgtEl>
+                                        <p:attrNameLst>
+                                          <p:attrName>style.visibility</p:attrName>
+                                        </p:attrNameLst>
+                                      </p:cBhvr>
+                                      <p:to>
+                                        <p:strVal val="visible"/>
+                                      </p:to>
+                                    </p:set>
+                                    <p:animEffect transition="in" filter="fade">
+                                      <p:cBhvr>
+                                        <p:cTn id="32" dur="500"/>
+                                        <p:tgtEl>
+                                          <p:spTgt spid="42"/>
+                                        </p:tgtEl>
+                                      </p:cBhvr>
+                                    </p:animEffect>
+                                  </p:childTnLst>
+                                </p:cTn>
+                              </p:par>
+                            </p:childTnLst>
+                          </p:cTn>
+                        </p:par>
+                        <p:par>
+                          <p:cTn id="33" fill="hold">
+                            <p:stCondLst>
+                              <p:cond delay="1000"/>
+                            </p:stCondLst>
+                            <p:childTnLst>
+                              <p:par>
+                                <p:cTn id="34" presetID="10" presetClass="entr" presetSubtype="0" fill="hold" grpId="0" nodeType="afterEffect">
+                                  <p:stCondLst>
+                                    <p:cond delay="0"/>
+                                  </p:stCondLst>
+                                  <p:childTnLst>
+                                    <p:set>
+                                      <p:cBhvr>
+                                        <p:cTn id="35" dur="1" fill="hold">
+                                          <p:stCondLst>
+                                            <p:cond delay="0"/>
+                                          </p:stCondLst>
+                                        </p:cTn>
+                                        <p:tgtEl>
+                                          <p:spTgt spid="33"/>
+                                        </p:tgtEl>
+                                        <p:attrNameLst>
+                                          <p:attrName>style.visibility</p:attrName>
+                                        </p:attrNameLst>
+                                      </p:cBhvr>
+                                      <p:to>
+                                        <p:strVal val="visible"/>
+                                      </p:to>
+                                    </p:set>
+                                    <p:animEffect transition="in" filter="fade">
+                                      <p:cBhvr>
+                                        <p:cTn id="36" dur="500"/>
+                                        <p:tgtEl>
+                                          <p:spTgt spid="33"/>
+                                        </p:tgtEl>
+                                      </p:cBhvr>
+                                    </p:animEffect>
+                                  </p:childTnLst>
+                                </p:cTn>
+                              </p:par>
+                              <p:par>
+                                <p:cTn id="37" presetID="10" presetClass="entr" presetSubtype="0" fill="hold" grpId="0" nodeType="withEffect">
+                                  <p:stCondLst>
+                                    <p:cond delay="0"/>
+                                  </p:stCondLst>
+                                  <p:childTnLst>
+                                    <p:set>
+                                      <p:cBhvr>
+                                        <p:cTn id="38" dur="1" fill="hold">
+                                          <p:stCondLst>
+                                            <p:cond delay="0"/>
+                                          </p:stCondLst>
+                                        </p:cTn>
+                                        <p:tgtEl>
+                                          <p:spTgt spid="39"/>
+                                        </p:tgtEl>
+                                        <p:attrNameLst>
+                                          <p:attrName>style.visibility</p:attrName>
+                                        </p:attrNameLst>
+                                      </p:cBhvr>
+                                      <p:to>
+                                        <p:strVal val="visible"/>
+                                      </p:to>
+                                    </p:set>
+                                    <p:animEffect transition="in" filter="fade">
+                                      <p:cBhvr>
+                                        <p:cTn id="39" dur="500"/>
+                                        <p:tgtEl>
+                                          <p:spTgt spid="39"/>
+                                        </p:tgtEl>
+                                      </p:cBhvr>
+                                    </p:animEffect>
+                                  </p:childTnLst>
+                                </p:cTn>
+                              </p:par>
+                              <p:par>
+                                <p:cTn id="40" presetID="10" presetClass="entr" presetSubtype="0" fill="hold" grpId="0" nodeType="withEffect">
+                                  <p:stCondLst>
+                                    <p:cond delay="0"/>
+                                  </p:stCondLst>
+                                  <p:childTnLst>
+                                    <p:set>
+                                      <p:cBhvr>
+                                        <p:cTn id="41" dur="1" fill="hold">
+                                          <p:stCondLst>
+                                            <p:cond delay="0"/>
+                                          </p:stCondLst>
+                                        </p:cTn>
+                                        <p:tgtEl>
+                                          <p:spTgt spid="38"/>
+                                        </p:tgtEl>
+                                        <p:attrNameLst>
+                                          <p:attrName>style.visibility</p:attrName>
+                                        </p:attrNameLst>
+                                      </p:cBhvr>
+                                      <p:to>
+                                        <p:strVal val="visible"/>
+                                      </p:to>
+                                    </p:set>
+                                    <p:animEffect transition="in" filter="fade">
+                                      <p:cBhvr>
+                                        <p:cTn id="42" dur="500"/>
+                                        <p:tgtEl>
+                                          <p:spTgt spid="38"/>
+                                        </p:tgtEl>
+                                      </p:cBhvr>
+                                    </p:animEffect>
+                                  </p:childTnLst>
+                                </p:cTn>
+                              </p:par>
+                            </p:childTnLst>
+                          </p:cTn>
+                        </p:par>
+                      </p:childTnLst>
+                    </p:cTn>
+                  </p:par>
+                </p:childTnLst>
+              </p:cTn>
+              <p:prevCondLst>
+                <p:cond evt="onPrev" delay="0">
+                  <p:tgtEl>
+                    <p:sldTgt/>
+                  </p:tgtEl>
+                </p:cond>
+              </p:prevCondLst>
+              <p:nextCondLst>
+                <p:cond evt="onNext" delay="0">
+                  <p:tgtEl>
+                    <p:sldTgt/>
+                  </p:tgtEl>
+                </p:cond>
+              </p:nextCondLst>
+            </p:seq>
+          </p:childTnLst>
+        </p:cTn>
       </p:par>
     </p:tnLst>
+    <p:bldLst>
+      <p:bldP spid="6" grpId="0"/>
+      <p:bldP spid="5" grpId="0"/>
+      <p:bldP spid="16" grpId="0"/>
+      <p:bldP spid="30" grpId="0" animBg="1"/>
+      <p:bldP spid="31" grpId="0" animBg="1"/>
+      <p:bldP spid="33" grpId="0" animBg="1"/>
+      <p:bldP spid="38" grpId="0"/>
+      <p:bldP spid="39" grpId="0" animBg="1"/>
+      <p:bldP spid="42" grpId="0" animBg="1"/>
+      <p:bldP spid="43" grpId="0" animBg="1"/>
+    </p:bldLst>
   </p:timing>
 </p:sld>
 </file>
@@ -8772,7 +11767,13 @@
       </p:grpSpPr>
       <p:sp>
         <p:nvSpPr>
-          <p:cNvPr id="18" name="Title 17"/>
+          <p:cNvPr id="4" name="Title 3">
+            <a:extLst>
+              <a:ext uri="{FF2B5EF4-FFF2-40B4-BE49-F238E27FC236}">
+                <a16:creationId xmlns:a16="http://schemas.microsoft.com/office/drawing/2014/main" id="{20799E9E-B044-4786-A690-ECEEDB163BD3}"/>
+              </a:ext>
+            </a:extLst>
+          </p:cNvPr>
           <p:cNvSpPr>
             <a:spLocks noGrp="1"/>
           </p:cNvSpPr>
@@ -8786,845 +11787,3492 @@
           <a:lstStyle/>
           <a:p>
             <a:r>
-              <a:rPr lang="en-US" dirty="0" err="1" smtClean="0"/>
-              <a:t>Cos’é</a:t>
+              <a:rPr lang="en-US" dirty="0"/>
+              <a:t>Ops Studio </a:t>
             </a:r>
             <a:r>
               <a:rPr lang="en-US" dirty="0" smtClean="0"/>
-              <a:t> </a:t>
-            </a:r>
-            <a:r>
-              <a:rPr lang="en-US" dirty="0"/>
-              <a:t>SQL Operations Studio? </a:t>
-            </a:r>
-            <a:r>
-              <a:rPr lang="en-US" dirty="0" smtClean="0"/>
-              <a:t>              </a:t>
+              <a:t>é</a:t>
             </a:r>
             <a:endParaRPr lang="en-US" dirty="0"/>
           </a:p>
         </p:txBody>
       </p:sp>
-      <p:graphicFrame>
-        <p:nvGraphicFramePr>
-          <p:cNvPr id="2" name="Table 1"/>
-          <p:cNvGraphicFramePr>
-            <a:graphicFrameLocks noGrp="1"/>
-          </p:cNvGraphicFramePr>
-          <p:nvPr>
-            <p:extLst/>
-          </p:nvPr>
-        </p:nvGraphicFramePr>
-        <p:xfrm>
-          <a:off x="361038" y="1354975"/>
-          <a:ext cx="10800004" cy="4232045"/>
-        </p:xfrm>
-        <a:graphic>
-          <a:graphicData uri="http://schemas.openxmlformats.org/drawingml/2006/table">
-            <a:tbl>
-              <a:tblPr firstRow="1" bandRow="1">
-                <a:tableStyleId>{2D5ABB26-0587-4C30-8999-92F81FD0307C}</a:tableStyleId>
-              </a:tblPr>
-              <a:tblGrid>
-                <a:gridCol w="2700001">
-                  <a:extLst>
-                    <a:ext uri="{9D8B030D-6E8A-4147-A177-3AD203B41FA5}">
-                      <a16:colId xmlns:a16="http://schemas.microsoft.com/office/drawing/2014/main" val="149486434"/>
-                    </a:ext>
-                  </a:extLst>
-                </a:gridCol>
-                <a:gridCol w="2700001">
-                  <a:extLst>
-                    <a:ext uri="{9D8B030D-6E8A-4147-A177-3AD203B41FA5}">
-                      <a16:colId xmlns:a16="http://schemas.microsoft.com/office/drawing/2014/main" val="4285431742"/>
-                    </a:ext>
-                  </a:extLst>
-                </a:gridCol>
-                <a:gridCol w="2700001">
-                  <a:extLst>
-                    <a:ext uri="{9D8B030D-6E8A-4147-A177-3AD203B41FA5}">
-                      <a16:colId xmlns:a16="http://schemas.microsoft.com/office/drawing/2014/main" val="3030229242"/>
-                    </a:ext>
-                  </a:extLst>
-                </a:gridCol>
-                <a:gridCol w="2700001">
-                  <a:extLst>
-                    <a:ext uri="{9D8B030D-6E8A-4147-A177-3AD203B41FA5}">
-                      <a16:colId xmlns:a16="http://schemas.microsoft.com/office/drawing/2014/main" val="2875791407"/>
-                    </a:ext>
-                  </a:extLst>
-                </a:gridCol>
-              </a:tblGrid>
-              <a:tr h="887901">
-                <a:tc>
-                  <a:txBody>
-                    <a:bodyPr/>
-                    <a:lstStyle/>
-                    <a:p>
-                      <a:pPr algn="ctr"/>
-                      <a:r>
-                        <a:rPr lang="en-US" dirty="0" smtClean="0"/>
-                        <a:t>Light Weight</a:t>
-                      </a:r>
-                      <a:endParaRPr lang="en-US" dirty="0"/>
-                    </a:p>
-                  </a:txBody>
-                  <a:tcPr>
-                    <a:lnL w="12700" cap="flat" cmpd="sng" algn="ctr">
-                      <a:solidFill>
-                        <a:schemeClr val="bg1">
-                          <a:lumMod val="75000"/>
-                        </a:schemeClr>
-                      </a:solidFill>
-                      <a:prstDash val="solid"/>
-                      <a:round/>
-                      <a:headEnd type="none" w="med" len="med"/>
-                      <a:tailEnd type="none" w="med" len="med"/>
-                    </a:lnL>
-                    <a:lnR w="12700" cap="flat" cmpd="sng" algn="ctr">
-                      <a:solidFill>
-                        <a:schemeClr val="bg1">
-                          <a:lumMod val="75000"/>
-                        </a:schemeClr>
-                      </a:solidFill>
-                      <a:prstDash val="solid"/>
-                      <a:round/>
-                      <a:headEnd type="none" w="med" len="med"/>
-                      <a:tailEnd type="none" w="med" len="med"/>
-                    </a:lnR>
-                  </a:tcPr>
-                </a:tc>
-                <a:tc>
-                  <a:txBody>
-                    <a:bodyPr/>
-                    <a:lstStyle/>
-                    <a:p>
-                      <a:pPr algn="ctr"/>
-                      <a:r>
-                        <a:rPr lang="en-US" dirty="0" smtClean="0"/>
-                        <a:t>Extensible</a:t>
-                      </a:r>
-                      <a:endParaRPr lang="en-US" dirty="0"/>
-                    </a:p>
-                  </a:txBody>
-                  <a:tcPr>
-                    <a:lnL w="12700" cap="flat" cmpd="sng" algn="ctr">
-                      <a:solidFill>
-                        <a:schemeClr val="bg1">
-                          <a:lumMod val="75000"/>
-                        </a:schemeClr>
-                      </a:solidFill>
-                      <a:prstDash val="solid"/>
-                      <a:round/>
-                      <a:headEnd type="none" w="med" len="med"/>
-                      <a:tailEnd type="none" w="med" len="med"/>
-                    </a:lnL>
-                    <a:lnR w="12700" cap="flat" cmpd="sng" algn="ctr">
-                      <a:solidFill>
-                        <a:schemeClr val="bg1">
-                          <a:lumMod val="75000"/>
-                        </a:schemeClr>
-                      </a:solidFill>
-                      <a:prstDash val="solid"/>
-                      <a:round/>
-                      <a:headEnd type="none" w="med" len="med"/>
-                      <a:tailEnd type="none" w="med" len="med"/>
-                    </a:lnR>
-                  </a:tcPr>
-                </a:tc>
-                <a:tc>
-                  <a:txBody>
-                    <a:bodyPr/>
-                    <a:lstStyle/>
-                    <a:p>
-                      <a:pPr algn="ctr"/>
-                      <a:r>
-                        <a:rPr lang="en-US" dirty="0" smtClean="0"/>
-                        <a:t>Free</a:t>
-                      </a:r>
-                      <a:endParaRPr lang="en-US" dirty="0"/>
-                    </a:p>
-                  </a:txBody>
-                  <a:tcPr>
-                    <a:lnL w="12700" cap="flat" cmpd="sng" algn="ctr">
-                      <a:solidFill>
-                        <a:schemeClr val="bg1">
-                          <a:lumMod val="75000"/>
-                        </a:schemeClr>
-                      </a:solidFill>
-                      <a:prstDash val="solid"/>
-                      <a:round/>
-                      <a:headEnd type="none" w="med" len="med"/>
-                      <a:tailEnd type="none" w="med" len="med"/>
-                    </a:lnL>
-                    <a:lnR w="12700" cap="flat" cmpd="sng" algn="ctr">
-                      <a:solidFill>
-                        <a:schemeClr val="bg1">
-                          <a:lumMod val="75000"/>
-                        </a:schemeClr>
-                      </a:solidFill>
-                      <a:prstDash val="solid"/>
-                      <a:round/>
-                      <a:headEnd type="none" w="med" len="med"/>
-                      <a:tailEnd type="none" w="med" len="med"/>
-                    </a:lnR>
-                  </a:tcPr>
-                </a:tc>
-                <a:tc>
-                  <a:txBody>
-                    <a:bodyPr/>
-                    <a:lstStyle/>
-                    <a:p>
-                      <a:pPr algn="ctr"/>
-                      <a:r>
-                        <a:rPr lang="en-US" dirty="0" smtClean="0"/>
-                        <a:t>For Windows,</a:t>
-                      </a:r>
-                      <a:r>
-                        <a:rPr lang="en-US" baseline="0" dirty="0" smtClean="0"/>
-                        <a:t> </a:t>
-                      </a:r>
-                      <a:r>
-                        <a:rPr lang="en-US" baseline="0" dirty="0" err="1" smtClean="0"/>
-                        <a:t>macOS</a:t>
-                      </a:r>
-                      <a:r>
-                        <a:rPr lang="en-US" baseline="0" dirty="0" smtClean="0"/>
-                        <a:t> e Linux</a:t>
-                      </a:r>
-                      <a:endParaRPr lang="en-US" dirty="0"/>
-                    </a:p>
-                  </a:txBody>
-                  <a:tcPr>
-                    <a:lnL w="12700" cap="flat" cmpd="sng" algn="ctr">
-                      <a:solidFill>
-                        <a:schemeClr val="bg1">
-                          <a:lumMod val="75000"/>
-                        </a:schemeClr>
-                      </a:solidFill>
-                      <a:prstDash val="solid"/>
-                      <a:round/>
-                      <a:headEnd type="none" w="med" len="med"/>
-                      <a:tailEnd type="none" w="med" len="med"/>
-                    </a:lnL>
-                    <a:lnR w="12700" cap="flat" cmpd="sng" algn="ctr">
-                      <a:solidFill>
-                        <a:schemeClr val="bg1">
-                          <a:lumMod val="75000"/>
-                        </a:schemeClr>
-                      </a:solidFill>
-                      <a:prstDash val="solid"/>
-                      <a:round/>
-                      <a:headEnd type="none" w="med" len="med"/>
-                      <a:tailEnd type="none" w="med" len="med"/>
-                    </a:lnR>
-                  </a:tcPr>
-                </a:tc>
-                <a:extLst>
-                  <a:ext uri="{0D108BD9-81ED-4DB2-BD59-A6C34878D82A}">
-                    <a16:rowId xmlns:a16="http://schemas.microsoft.com/office/drawing/2014/main" val="2733939603"/>
-                  </a:ext>
-                </a:extLst>
-              </a:tr>
-              <a:tr h="2848328">
-                <a:tc>
-                  <a:txBody>
-                    <a:bodyPr/>
-                    <a:lstStyle/>
-                    <a:p>
-                      <a:pPr algn="ctr"/>
-                      <a:endParaRPr lang="en-US" dirty="0" smtClean="0"/>
-                    </a:p>
-                    <a:p>
-                      <a:pPr algn="ctr"/>
-                      <a:endParaRPr lang="en-US" dirty="0" smtClean="0"/>
-                    </a:p>
-                    <a:p>
-                      <a:pPr algn="ctr"/>
-                      <a:endParaRPr lang="en-US" dirty="0" smtClean="0"/>
-                    </a:p>
-                    <a:p>
-                      <a:pPr algn="ctr"/>
-                      <a:endParaRPr lang="en-US" dirty="0" smtClean="0"/>
-                    </a:p>
-                    <a:p>
-                      <a:pPr algn="ctr"/>
-                      <a:endParaRPr lang="en-US" dirty="0" smtClean="0"/>
-                    </a:p>
-                    <a:p>
-                      <a:pPr algn="ctr"/>
-                      <a:endParaRPr lang="en-US" dirty="0" smtClean="0"/>
-                    </a:p>
-                    <a:p>
-                      <a:pPr algn="ctr"/>
-                      <a:endParaRPr lang="en-US" dirty="0"/>
-                    </a:p>
-                  </a:txBody>
-                  <a:tcPr>
-                    <a:lnL w="12700" cap="flat" cmpd="sng" algn="ctr">
-                      <a:solidFill>
-                        <a:schemeClr val="bg1">
-                          <a:lumMod val="75000"/>
-                        </a:schemeClr>
-                      </a:solidFill>
-                      <a:prstDash val="solid"/>
-                      <a:round/>
-                      <a:headEnd type="none" w="med" len="med"/>
-                      <a:tailEnd type="none" w="med" len="med"/>
-                    </a:lnL>
-                    <a:lnR w="12700" cap="flat" cmpd="sng" algn="ctr">
-                      <a:solidFill>
-                        <a:schemeClr val="bg1">
-                          <a:lumMod val="75000"/>
-                        </a:schemeClr>
-                      </a:solidFill>
-                      <a:prstDash val="solid"/>
-                      <a:round/>
-                      <a:headEnd type="none" w="med" len="med"/>
-                      <a:tailEnd type="none" w="med" len="med"/>
-                    </a:lnR>
-                    <a:lnB>
-                      <a:noFill/>
-                    </a:lnB>
-                  </a:tcPr>
-                </a:tc>
-                <a:tc>
-                  <a:txBody>
-                    <a:bodyPr/>
-                    <a:lstStyle/>
-                    <a:p>
-                      <a:pPr algn="ctr"/>
-                      <a:endParaRPr lang="en-US" dirty="0"/>
-                    </a:p>
-                  </a:txBody>
-                  <a:tcPr>
-                    <a:lnL w="12700" cap="flat" cmpd="sng" algn="ctr">
-                      <a:solidFill>
-                        <a:schemeClr val="bg1">
-                          <a:lumMod val="75000"/>
-                        </a:schemeClr>
-                      </a:solidFill>
-                      <a:prstDash val="solid"/>
-                      <a:round/>
-                      <a:headEnd type="none" w="med" len="med"/>
-                      <a:tailEnd type="none" w="med" len="med"/>
-                    </a:lnL>
-                    <a:lnR w="12700" cap="flat" cmpd="sng" algn="ctr">
-                      <a:solidFill>
-                        <a:schemeClr val="bg1">
-                          <a:lumMod val="75000"/>
-                        </a:schemeClr>
-                      </a:solidFill>
-                      <a:prstDash val="solid"/>
-                      <a:round/>
-                      <a:headEnd type="none" w="med" len="med"/>
-                      <a:tailEnd type="none" w="med" len="med"/>
-                    </a:lnR>
-                    <a:lnB>
-                      <a:noFill/>
-                    </a:lnB>
-                  </a:tcPr>
-                </a:tc>
-                <a:tc>
-                  <a:txBody>
-                    <a:bodyPr/>
-                    <a:lstStyle/>
-                    <a:p>
-                      <a:pPr algn="ctr"/>
-                      <a:endParaRPr lang="en-US" dirty="0"/>
-                    </a:p>
-                  </a:txBody>
-                  <a:tcPr>
-                    <a:lnL w="12700" cap="flat" cmpd="sng" algn="ctr">
-                      <a:solidFill>
-                        <a:schemeClr val="bg1">
-                          <a:lumMod val="75000"/>
-                        </a:schemeClr>
-                      </a:solidFill>
-                      <a:prstDash val="solid"/>
-                      <a:round/>
-                      <a:headEnd type="none" w="med" len="med"/>
-                      <a:tailEnd type="none" w="med" len="med"/>
-                    </a:lnL>
-                    <a:lnR w="12700" cap="flat" cmpd="sng" algn="ctr">
-                      <a:solidFill>
-                        <a:schemeClr val="bg1">
-                          <a:lumMod val="75000"/>
-                        </a:schemeClr>
-                      </a:solidFill>
-                      <a:prstDash val="solid"/>
-                      <a:round/>
-                      <a:headEnd type="none" w="med" len="med"/>
-                      <a:tailEnd type="none" w="med" len="med"/>
-                    </a:lnR>
-                    <a:lnB>
-                      <a:noFill/>
-                    </a:lnB>
-                  </a:tcPr>
-                </a:tc>
-                <a:tc>
-                  <a:txBody>
-                    <a:bodyPr/>
-                    <a:lstStyle/>
-                    <a:p>
-                      <a:pPr algn="ctr"/>
-                      <a:endParaRPr lang="en-US" dirty="0"/>
-                    </a:p>
-                  </a:txBody>
-                  <a:tcPr>
-                    <a:lnL w="12700" cap="flat" cmpd="sng" algn="ctr">
-                      <a:solidFill>
-                        <a:schemeClr val="bg1">
-                          <a:lumMod val="75000"/>
-                        </a:schemeClr>
-                      </a:solidFill>
-                      <a:prstDash val="solid"/>
-                      <a:round/>
-                      <a:headEnd type="none" w="med" len="med"/>
-                      <a:tailEnd type="none" w="med" len="med"/>
-                    </a:lnL>
-                    <a:lnR w="12700" cap="flat" cmpd="sng" algn="ctr">
-                      <a:solidFill>
-                        <a:schemeClr val="bg1">
-                          <a:lumMod val="75000"/>
-                        </a:schemeClr>
-                      </a:solidFill>
-                      <a:prstDash val="solid"/>
-                      <a:round/>
-                      <a:headEnd type="none" w="med" len="med"/>
-                      <a:tailEnd type="none" w="med" len="med"/>
-                    </a:lnR>
-                    <a:lnB>
-                      <a:noFill/>
-                    </a:lnB>
-                  </a:tcPr>
-                </a:tc>
-                <a:extLst>
-                  <a:ext uri="{0D108BD9-81ED-4DB2-BD59-A6C34878D82A}">
-                    <a16:rowId xmlns:a16="http://schemas.microsoft.com/office/drawing/2014/main" val="2267458036"/>
-                  </a:ext>
-                </a:extLst>
-              </a:tr>
-              <a:tr h="495816">
-                <a:tc gridSpan="4">
-                  <a:txBody>
-                    <a:bodyPr/>
-                    <a:lstStyle/>
-                    <a:p>
-                      <a:pPr algn="ctr"/>
-                      <a:r>
-                        <a:rPr lang="en-US" dirty="0" smtClean="0"/>
-                        <a:t>For</a:t>
-                      </a:r>
-                      <a:r>
-                        <a:rPr lang="en-US" baseline="0" dirty="0" smtClean="0"/>
-                        <a:t> SQL Server running </a:t>
-                      </a:r>
-                      <a:r>
-                        <a:rPr lang="en-US" baseline="0" dirty="0" err="1" smtClean="0"/>
-                        <a:t>anyware</a:t>
-                      </a:r>
-                      <a:r>
-                        <a:rPr lang="en-US" baseline="0" dirty="0" smtClean="0"/>
-                        <a:t>, Azure SQLDB e DW</a:t>
-                      </a:r>
-                      <a:endParaRPr lang="en-US" dirty="0"/>
-                    </a:p>
-                  </a:txBody>
-                  <a:tcPr>
-                    <a:lnL w="12700" cap="flat" cmpd="sng" algn="ctr">
-                      <a:noFill/>
-                      <a:prstDash val="solid"/>
-                      <a:round/>
-                      <a:headEnd type="none" w="med" len="med"/>
-                      <a:tailEnd type="none" w="med" len="med"/>
-                    </a:lnL>
-                    <a:lnR w="12700" cap="flat" cmpd="sng" algn="ctr">
-                      <a:noFill/>
-                      <a:prstDash val="solid"/>
-                      <a:round/>
-                      <a:headEnd type="none" w="med" len="med"/>
-                      <a:tailEnd type="none" w="med" len="med"/>
-                    </a:lnR>
-                    <a:lnT>
-                      <a:noFill/>
-                    </a:lnT>
-                    <a:lnB>
-                      <a:noFill/>
-                    </a:lnB>
-                    <a:lnTlToBr w="12700" cmpd="sng">
-                      <a:noFill/>
-                      <a:prstDash val="solid"/>
-                    </a:lnTlToBr>
-                    <a:lnBlToTr w="12700" cmpd="sng">
-                      <a:noFill/>
-                      <a:prstDash val="solid"/>
-                    </a:lnBlToTr>
-                  </a:tcPr>
-                </a:tc>
-                <a:tc hMerge="1">
-                  <a:txBody>
-                    <a:bodyPr/>
-                    <a:lstStyle/>
-                    <a:p>
-                      <a:pPr algn="ctr"/>
-                      <a:endParaRPr lang="en-US" dirty="0"/>
-                    </a:p>
-                  </a:txBody>
-                  <a:tcPr>
-                    <a:lnL w="12700" cap="flat" cmpd="sng" algn="ctr">
-                      <a:noFill/>
-                      <a:prstDash val="solid"/>
-                      <a:round/>
-                      <a:headEnd type="none" w="med" len="med"/>
-                      <a:tailEnd type="none" w="med" len="med"/>
-                    </a:lnL>
-                    <a:lnR w="12700" cap="flat" cmpd="sng" algn="ctr">
-                      <a:noFill/>
-                      <a:prstDash val="solid"/>
-                      <a:round/>
-                      <a:headEnd type="none" w="med" len="med"/>
-                      <a:tailEnd type="none" w="med" len="med"/>
-                    </a:lnR>
-                    <a:lnT>
-                      <a:noFill/>
-                    </a:lnT>
-                    <a:lnB>
-                      <a:noFill/>
-                    </a:lnB>
-                    <a:lnTlToBr w="12700" cmpd="sng">
-                      <a:noFill/>
-                      <a:prstDash val="solid"/>
-                    </a:lnTlToBr>
-                    <a:lnBlToTr w="12700" cmpd="sng">
-                      <a:noFill/>
-                      <a:prstDash val="solid"/>
-                    </a:lnBlToTr>
-                  </a:tcPr>
-                </a:tc>
-                <a:tc hMerge="1">
-                  <a:txBody>
-                    <a:bodyPr/>
-                    <a:lstStyle/>
-                    <a:p>
-                      <a:pPr algn="ctr"/>
-                      <a:endParaRPr lang="en-US" dirty="0"/>
-                    </a:p>
-                  </a:txBody>
-                  <a:tcPr>
-                    <a:lnL w="12700" cap="flat" cmpd="sng" algn="ctr">
-                      <a:noFill/>
-                      <a:prstDash val="solid"/>
-                      <a:round/>
-                      <a:headEnd type="none" w="med" len="med"/>
-                      <a:tailEnd type="none" w="med" len="med"/>
-                    </a:lnL>
-                    <a:lnR w="12700" cap="flat" cmpd="sng" algn="ctr">
-                      <a:noFill/>
-                      <a:prstDash val="solid"/>
-                      <a:round/>
-                      <a:headEnd type="none" w="med" len="med"/>
-                      <a:tailEnd type="none" w="med" len="med"/>
-                    </a:lnR>
-                    <a:lnT>
-                      <a:noFill/>
-                    </a:lnT>
-                    <a:lnB>
-                      <a:noFill/>
-                    </a:lnB>
-                    <a:lnTlToBr w="12700" cmpd="sng">
-                      <a:noFill/>
-                      <a:prstDash val="solid"/>
-                    </a:lnTlToBr>
-                    <a:lnBlToTr w="12700" cmpd="sng">
-                      <a:noFill/>
-                      <a:prstDash val="solid"/>
-                    </a:lnBlToTr>
-                  </a:tcPr>
-                </a:tc>
-                <a:tc hMerge="1">
-                  <a:txBody>
-                    <a:bodyPr/>
-                    <a:lstStyle/>
-                    <a:p>
-                      <a:pPr algn="ctr"/>
-                      <a:endParaRPr lang="en-US" dirty="0"/>
-                    </a:p>
-                  </a:txBody>
-                  <a:tcPr>
-                    <a:lnL w="12700" cap="flat" cmpd="sng" algn="ctr">
-                      <a:noFill/>
-                      <a:prstDash val="solid"/>
-                      <a:round/>
-                      <a:headEnd type="none" w="med" len="med"/>
-                      <a:tailEnd type="none" w="med" len="med"/>
-                    </a:lnL>
-                    <a:lnR w="12700" cap="flat" cmpd="sng" algn="ctr">
-                      <a:noFill/>
-                      <a:prstDash val="solid"/>
-                      <a:round/>
-                      <a:headEnd type="none" w="med" len="med"/>
-                      <a:tailEnd type="none" w="med" len="med"/>
-                    </a:lnR>
-                    <a:lnT>
-                      <a:noFill/>
-                    </a:lnT>
-                    <a:lnB>
-                      <a:noFill/>
-                    </a:lnB>
-                    <a:lnTlToBr w="12700" cmpd="sng">
-                      <a:noFill/>
-                      <a:prstDash val="solid"/>
-                    </a:lnTlToBr>
-                    <a:lnBlToTr w="12700" cmpd="sng">
-                      <a:noFill/>
-                      <a:prstDash val="solid"/>
-                    </a:lnBlToTr>
-                  </a:tcPr>
-                </a:tc>
-                <a:extLst>
-                  <a:ext uri="{0D108BD9-81ED-4DB2-BD59-A6C34878D82A}">
-                    <a16:rowId xmlns:a16="http://schemas.microsoft.com/office/drawing/2014/main" val="3474531271"/>
-                  </a:ext>
-                </a:extLst>
-              </a:tr>
-            </a:tbl>
-          </a:graphicData>
-        </a:graphic>
-      </p:graphicFrame>
-      <p:pic>
-        <p:nvPicPr>
-          <p:cNvPr id="7" name="Picture 6"/>
-          <p:cNvPicPr>
-            <a:picLocks noChangeAspect="1"/>
-          </p:cNvPicPr>
+      <p:sp>
+        <p:nvSpPr>
+          <p:cNvPr id="96" name="Rectangle 95"/>
+          <p:cNvSpPr/>
           <p:nvPr/>
-        </p:nvPicPr>
-        <p:blipFill>
-          <a:blip r:embed="rId2"/>
-          <a:stretch>
-            <a:fillRect/>
-          </a:stretch>
-        </p:blipFill>
+        </p:nvSpPr>
         <p:spPr>
           <a:xfrm>
-            <a:off x="1368700" y="3073831"/>
-            <a:ext cx="952500" cy="828675"/>
+            <a:off x="4488656" y="3149287"/>
+            <a:ext cx="64294" cy="369332"/>
           </a:xfrm>
           <a:prstGeom prst="rect">
             <a:avLst/>
           </a:prstGeom>
         </p:spPr>
-      </p:pic>
-      <p:pic>
-        <p:nvPicPr>
-          <p:cNvPr id="6" name="Picture 5"/>
-          <p:cNvPicPr>
-            <a:picLocks noChangeAspect="1"/>
-          </p:cNvPicPr>
-          <p:nvPr/>
-        </p:nvPicPr>
-        <p:blipFill>
-          <a:blip r:embed="rId3"/>
-          <a:stretch>
-            <a:fillRect/>
-          </a:stretch>
-        </p:blipFill>
-        <p:spPr>
-          <a:xfrm>
-            <a:off x="6747293" y="3121455"/>
-            <a:ext cx="752475" cy="733425"/>
-          </a:xfrm>
-          <a:prstGeom prst="rect">
-            <a:avLst/>
-          </a:prstGeom>
-        </p:spPr>
-      </p:pic>
-      <p:pic>
-        <p:nvPicPr>
-          <p:cNvPr id="9" name="Picture 2" descr="https://pbs.twimg.com/profile_images/875388334003986432/eUsjmVRJ_400x400.jpg"/>
-          <p:cNvPicPr>
-            <a:picLocks noChangeAspect="1" noChangeArrowheads="1"/>
-          </p:cNvPicPr>
-          <p:nvPr/>
-        </p:nvPicPr>
-        <p:blipFill>
-          <a:blip r:embed="rId4">
+        <p:txBody>
+          <a:bodyPr lIns="0" tIns="0" rIns="0" bIns="0" rtlCol="0" anchor="ctr">
+            <a:spAutoFit/>
+          </a:bodyPr>
+          <a:lstStyle/>
+          <a:p>
+            <a:pPr algn="l"/>
+            <a:endParaRPr lang="it-IT" sz="2400" b="1" dirty="0" smtClean="0">
+              <a:solidFill>
+                <a:schemeClr val="accent1"/>
+              </a:solidFill>
+            </a:endParaRPr>
+          </a:p>
+        </p:txBody>
+      </p:sp>
+      <p:grpSp>
+        <p:nvGrpSpPr>
+          <p:cNvPr id="109" name="Group 108">
             <a:extLst>
-              <a:ext uri="{28A0092B-C50C-407E-A947-70E740481C1C}">
-                <a14:useLocalDpi xmlns:a14="http://schemas.microsoft.com/office/drawing/2010/main" val="0"/>
+              <a:ext uri="{FF2B5EF4-FFF2-40B4-BE49-F238E27FC236}">
+                <a16:creationId xmlns:a16="http://schemas.microsoft.com/office/drawing/2014/main" id="{0015B3CD-8700-432E-9C5F-5F9EE58B9B34}"/>
               </a:ext>
             </a:extLst>
-          </a:blip>
-          <a:srcRect/>
-          <a:stretch>
-            <a:fillRect/>
-          </a:stretch>
-        </p:blipFill>
-        <p:spPr bwMode="auto">
+          </p:cNvPr>
+          <p:cNvGrpSpPr/>
+          <p:nvPr/>
+        </p:nvGrpSpPr>
+        <p:grpSpPr>
           <a:xfrm>
-            <a:off x="8723722" y="3086271"/>
-            <a:ext cx="842760" cy="842760"/>
+            <a:off x="151234" y="1687160"/>
+            <a:ext cx="2807545" cy="3176410"/>
+            <a:chOff x="1563153" y="1820862"/>
+            <a:chExt cx="3030771" cy="3428965"/>
           </a:xfrm>
-          <a:prstGeom prst="rect">
-            <a:avLst/>
-          </a:prstGeom>
-          <a:noFill/>
-          <a:extLst>
-            <a:ext uri="{909E8E84-426E-40DD-AFC4-6F175D3DCCD1}">
-              <a14:hiddenFill xmlns:a14="http://schemas.microsoft.com/office/drawing/2010/main">
+        </p:grpSpPr>
+        <p:sp>
+          <p:nvSpPr>
+            <p:cNvPr id="110" name="TextBox 109">
+              <a:extLst>
+                <a:ext uri="{FF2B5EF4-FFF2-40B4-BE49-F238E27FC236}">
+                  <a16:creationId xmlns:a16="http://schemas.microsoft.com/office/drawing/2014/main" id="{4F438940-C1AF-4342-8CC4-168720456A4C}"/>
+                </a:ext>
+              </a:extLst>
+            </p:cNvPr>
+            <p:cNvSpPr txBox="1"/>
+            <p:nvPr/>
+          </p:nvSpPr>
+          <p:spPr>
+            <a:xfrm>
+              <a:off x="1992924" y="1885118"/>
+              <a:ext cx="2149781" cy="640450"/>
+            </a:xfrm>
+            <a:prstGeom prst="rect">
+              <a:avLst/>
+            </a:prstGeom>
+            <a:noFill/>
+          </p:spPr>
+          <p:txBody>
+            <a:bodyPr wrap="none" lIns="172783" tIns="138227" rIns="172783" bIns="138227" rtlCol="0">
+              <a:spAutoFit/>
+            </a:bodyPr>
+            <a:lstStyle/>
+            <a:p>
+              <a:pPr>
+                <a:lnSpc>
+                  <a:spcPct val="90000"/>
+                </a:lnSpc>
+                <a:spcAft>
+                  <a:spcPts val="567"/>
+                </a:spcAft>
+              </a:pPr>
+              <a:r>
+                <a:rPr lang="en-US" sz="2268" dirty="0">
+                  <a:gradFill>
+                    <a:gsLst>
+                      <a:gs pos="2917">
+                        <a:schemeClr val="tx1"/>
+                      </a:gs>
+                      <a:gs pos="30000">
+                        <a:schemeClr val="tx1"/>
+                      </a:gs>
+                    </a:gsLst>
+                    <a:lin ang="5400000" scaled="0"/>
+                  </a:gradFill>
+                </a:rPr>
+                <a:t>Light Weight</a:t>
+              </a:r>
+            </a:p>
+          </p:txBody>
+        </p:sp>
+        <p:cxnSp>
+          <p:nvCxnSpPr>
+            <p:cNvPr id="111" name="Straight Connector 110">
+              <a:extLst>
+                <a:ext uri="{FF2B5EF4-FFF2-40B4-BE49-F238E27FC236}">
+                  <a16:creationId xmlns:a16="http://schemas.microsoft.com/office/drawing/2014/main" id="{4CEAD1BD-05D3-42C4-9B24-E8B57CDEF12A}"/>
+                </a:ext>
+              </a:extLst>
+            </p:cNvPr>
+            <p:cNvCxnSpPr>
+              <a:cxnSpLocks/>
+            </p:cNvCxnSpPr>
+            <p:nvPr/>
+          </p:nvCxnSpPr>
+          <p:spPr>
+            <a:xfrm>
+              <a:off x="1563153" y="1820862"/>
+              <a:ext cx="0" cy="3428965"/>
+            </a:xfrm>
+            <a:prstGeom prst="line">
+              <a:avLst/>
+            </a:prstGeom>
+            <a:ln>
+              <a:solidFill>
+                <a:schemeClr val="tx1"/>
+              </a:solidFill>
+            </a:ln>
+          </p:spPr>
+          <p:style>
+            <a:lnRef idx="1">
+              <a:schemeClr val="accent1"/>
+            </a:lnRef>
+            <a:fillRef idx="0">
+              <a:schemeClr val="accent1"/>
+            </a:fillRef>
+            <a:effectRef idx="0">
+              <a:schemeClr val="accent1"/>
+            </a:effectRef>
+            <a:fontRef idx="minor">
+              <a:schemeClr val="tx1"/>
+            </a:fontRef>
+          </p:style>
+        </p:cxnSp>
+        <p:cxnSp>
+          <p:nvCxnSpPr>
+            <p:cNvPr id="112" name="Straight Connector 111">
+              <a:extLst>
+                <a:ext uri="{FF2B5EF4-FFF2-40B4-BE49-F238E27FC236}">
+                  <a16:creationId xmlns:a16="http://schemas.microsoft.com/office/drawing/2014/main" id="{6D527747-C67C-44CD-86B8-FFCBB8D04F56}"/>
+                </a:ext>
+              </a:extLst>
+            </p:cNvPr>
+            <p:cNvCxnSpPr>
+              <a:cxnSpLocks/>
+            </p:cNvCxnSpPr>
+            <p:nvPr/>
+          </p:nvCxnSpPr>
+          <p:spPr>
+            <a:xfrm>
+              <a:off x="4593924" y="1820862"/>
+              <a:ext cx="0" cy="3428965"/>
+            </a:xfrm>
+            <a:prstGeom prst="line">
+              <a:avLst/>
+            </a:prstGeom>
+            <a:ln>
+              <a:solidFill>
+                <a:schemeClr val="tx1"/>
+              </a:solidFill>
+            </a:ln>
+          </p:spPr>
+          <p:style>
+            <a:lnRef idx="1">
+              <a:schemeClr val="accent1"/>
+            </a:lnRef>
+            <a:fillRef idx="0">
+              <a:schemeClr val="accent1"/>
+            </a:fillRef>
+            <a:effectRef idx="0">
+              <a:schemeClr val="accent1"/>
+            </a:effectRef>
+            <a:fontRef idx="minor">
+              <a:schemeClr val="tx1"/>
+            </a:fontRef>
+          </p:style>
+        </p:cxnSp>
+        <p:grpSp>
+          <p:nvGrpSpPr>
+            <p:cNvPr id="113" name="Group 112">
+              <a:extLst>
+                <a:ext uri="{FF2B5EF4-FFF2-40B4-BE49-F238E27FC236}">
+                  <a16:creationId xmlns:a16="http://schemas.microsoft.com/office/drawing/2014/main" id="{6B98C207-FE60-48FC-9F99-99E1CA60BDB9}"/>
+                </a:ext>
+              </a:extLst>
+            </p:cNvPr>
+            <p:cNvGrpSpPr/>
+            <p:nvPr/>
+          </p:nvGrpSpPr>
+          <p:grpSpPr>
+            <a:xfrm>
+              <a:off x="2610516" y="3197803"/>
+              <a:ext cx="935070" cy="1057291"/>
+              <a:chOff x="2636837" y="2582034"/>
+              <a:chExt cx="1087471" cy="1243134"/>
+            </a:xfrm>
+          </p:grpSpPr>
+          <p:sp>
+            <p:nvSpPr>
+              <p:cNvPr id="114" name="Leaf" title="Icon of a leaf">
+                <a:extLst>
+                  <a:ext uri="{FF2B5EF4-FFF2-40B4-BE49-F238E27FC236}">
+                    <a16:creationId xmlns:a16="http://schemas.microsoft.com/office/drawing/2014/main" id="{0D668468-7EB8-470D-A94C-352EBAF70E4C}"/>
+                  </a:ext>
+                </a:extLst>
+              </p:cNvPr>
+              <p:cNvSpPr>
+                <a:spLocks noChangeAspect="1" noEditPoints="1"/>
+              </p:cNvSpPr>
+              <p:nvPr/>
+            </p:nvSpPr>
+            <p:spPr bwMode="auto">
+              <a:xfrm>
+                <a:off x="2636837" y="2958145"/>
+                <a:ext cx="575849" cy="867023"/>
+              </a:xfrm>
+              <a:custGeom>
+                <a:avLst/>
+                <a:gdLst>
+                  <a:gd name="T0" fmla="*/ 497 w 2487"/>
+                  <a:gd name="T1" fmla="*/ 2737 h 3743"/>
+                  <a:gd name="T2" fmla="*/ 249 w 2487"/>
+                  <a:gd name="T3" fmla="*/ 1990 h 3743"/>
+                  <a:gd name="T4" fmla="*/ 995 w 2487"/>
+                  <a:gd name="T5" fmla="*/ 995 h 3743"/>
+                  <a:gd name="T6" fmla="*/ 1741 w 2487"/>
+                  <a:gd name="T7" fmla="*/ 0 h 3743"/>
+                  <a:gd name="T8" fmla="*/ 2487 w 2487"/>
+                  <a:gd name="T9" fmla="*/ 1617 h 3743"/>
+                  <a:gd name="T10" fmla="*/ 871 w 2487"/>
+                  <a:gd name="T11" fmla="*/ 3234 h 3743"/>
+                  <a:gd name="T12" fmla="*/ 746 w 2487"/>
+                  <a:gd name="T13" fmla="*/ 3234 h 3743"/>
+                  <a:gd name="T14" fmla="*/ 0 w 2487"/>
+                  <a:gd name="T15" fmla="*/ 3743 h 3743"/>
+                  <a:gd name="T16" fmla="*/ 357 w 2487"/>
+                  <a:gd name="T17" fmla="*/ 3527 h 3743"/>
+                  <a:gd name="T18" fmla="*/ 997 w 2487"/>
+                  <a:gd name="T19" fmla="*/ 2999 h 3743"/>
+                  <a:gd name="T20" fmla="*/ 1525 w 2487"/>
+                  <a:gd name="T21" fmla="*/ 2358 h 3743"/>
+                  <a:gd name="T22" fmla="*/ 1741 w 2487"/>
+                  <a:gd name="T23" fmla="*/ 2002 h 3743"/>
+                </a:gdLst>
+                <a:ahLst/>
+                <a:cxnLst>
+                  <a:cxn ang="0">
+                    <a:pos x="T0" y="T1"/>
+                  </a:cxn>
+                  <a:cxn ang="0">
+                    <a:pos x="T2" y="T3"/>
+                  </a:cxn>
+                  <a:cxn ang="0">
+                    <a:pos x="T4" y="T5"/>
+                  </a:cxn>
+                  <a:cxn ang="0">
+                    <a:pos x="T6" y="T7"/>
+                  </a:cxn>
+                  <a:cxn ang="0">
+                    <a:pos x="T8" y="T9"/>
+                  </a:cxn>
+                  <a:cxn ang="0">
+                    <a:pos x="T10" y="T11"/>
+                  </a:cxn>
+                  <a:cxn ang="0">
+                    <a:pos x="T12" y="T13"/>
+                  </a:cxn>
+                  <a:cxn ang="0">
+                    <a:pos x="T14" y="T15"/>
+                  </a:cxn>
+                  <a:cxn ang="0">
+                    <a:pos x="T16" y="T17"/>
+                  </a:cxn>
+                  <a:cxn ang="0">
+                    <a:pos x="T18" y="T19"/>
+                  </a:cxn>
+                  <a:cxn ang="0">
+                    <a:pos x="T20" y="T21"/>
+                  </a:cxn>
+                  <a:cxn ang="0">
+                    <a:pos x="T22" y="T23"/>
+                  </a:cxn>
+                </a:cxnLst>
+                <a:rect l="0" t="0" r="r" b="b"/>
+                <a:pathLst>
+                  <a:path w="2487" h="3743">
+                    <a:moveTo>
+                      <a:pt x="497" y="2737"/>
+                    </a:moveTo>
+                    <a:cubicBezTo>
+                      <a:pt x="344" y="2546"/>
+                      <a:pt x="249" y="2282"/>
+                      <a:pt x="249" y="1990"/>
+                    </a:cubicBezTo>
+                    <a:cubicBezTo>
+                      <a:pt x="249" y="1602"/>
+                      <a:pt x="534" y="1250"/>
+                      <a:pt x="995" y="995"/>
+                    </a:cubicBezTo>
+                    <a:cubicBezTo>
+                      <a:pt x="1456" y="741"/>
+                      <a:pt x="1741" y="389"/>
+                      <a:pt x="1741" y="0"/>
+                    </a:cubicBezTo>
+                    <a:cubicBezTo>
+                      <a:pt x="2202" y="414"/>
+                      <a:pt x="2487" y="985"/>
+                      <a:pt x="2487" y="1617"/>
+                    </a:cubicBezTo>
+                    <a:cubicBezTo>
+                      <a:pt x="2487" y="2511"/>
+                      <a:pt x="1764" y="3234"/>
+                      <a:pt x="871" y="3234"/>
+                    </a:cubicBezTo>
+                    <a:cubicBezTo>
+                      <a:pt x="746" y="3234"/>
+                      <a:pt x="746" y="3234"/>
+                      <a:pt x="746" y="3234"/>
+                    </a:cubicBezTo>
+                    <a:moveTo>
+                      <a:pt x="0" y="3743"/>
+                    </a:moveTo>
+                    <a:cubicBezTo>
+                      <a:pt x="122" y="3677"/>
+                      <a:pt x="241" y="3604"/>
+                      <a:pt x="357" y="3527"/>
+                    </a:cubicBezTo>
+                    <a:cubicBezTo>
+                      <a:pt x="587" y="3371"/>
+                      <a:pt x="801" y="3194"/>
+                      <a:pt x="997" y="2999"/>
+                    </a:cubicBezTo>
+                    <a:cubicBezTo>
+                      <a:pt x="1192" y="2803"/>
+                      <a:pt x="1369" y="2589"/>
+                      <a:pt x="1525" y="2358"/>
+                    </a:cubicBezTo>
+                    <a:cubicBezTo>
+                      <a:pt x="1602" y="2243"/>
+                      <a:pt x="1675" y="2124"/>
+                      <a:pt x="1741" y="2002"/>
+                    </a:cubicBezTo>
+                  </a:path>
+                </a:pathLst>
+              </a:custGeom>
+              <a:noFill/>
+              <a:ln w="15875" cap="flat">
                 <a:solidFill>
-                  <a:srgbClr val="FFFFFF"/>
+                  <a:schemeClr val="tx1"/>
                 </a:solidFill>
-              </a14:hiddenFill>
-            </a:ext>
-          </a:extLst>
-        </p:spPr>
-      </p:pic>
-      <p:pic>
-        <p:nvPicPr>
-          <p:cNvPr id="10" name="Picture 6" descr="https://upload.wikimedia.org/wikipedia/commons/thumb/b/b0/NewTux.svg/500px-NewTux.svg.png"/>
-          <p:cNvPicPr>
-            <a:picLocks noChangeAspect="1" noChangeArrowheads="1"/>
-          </p:cNvPicPr>
-          <p:nvPr/>
-        </p:nvPicPr>
-        <p:blipFill>
-          <a:blip r:embed="rId5">
+                <a:prstDash val="solid"/>
+                <a:miter lim="800000"/>
+                <a:headEnd/>
+                <a:tailEnd/>
+              </a:ln>
+              <a:extLst>
+                <a:ext uri="{909E8E84-426E-40DD-AFC4-6F175D3DCCD1}">
+                  <a14:hiddenFill xmlns:a14="http://schemas.microsoft.com/office/drawing/2010/main">
+                    <a:solidFill>
+                      <a:srgbClr val="FFFFFF"/>
+                    </a:solidFill>
+                  </a14:hiddenFill>
+                </a:ext>
+              </a:extLst>
+            </p:spPr>
+            <p:txBody>
+              <a:bodyPr vert="horz" wrap="square" lIns="84705" tIns="42353" rIns="84705" bIns="42353" numCol="1" anchor="t" anchorCtr="0" compatLnSpc="1">
+                <a:prstTxWarp prst="textNoShape">
+                  <a:avLst/>
+                </a:prstTxWarp>
+              </a:bodyPr>
+              <a:lstStyle/>
+              <a:p>
+                <a:endParaRPr lang="en-US" sz="1667"/>
+              </a:p>
+            </p:txBody>
+          </p:sp>
+          <p:sp>
+            <p:nvSpPr>
+              <p:cNvPr id="115" name="TextBox 114">
+                <a:extLst>
+                  <a:ext uri="{FF2B5EF4-FFF2-40B4-BE49-F238E27FC236}">
+                    <a16:creationId xmlns:a16="http://schemas.microsoft.com/office/drawing/2014/main" id="{C33E87E0-532A-42A8-B8F5-2B3A992101AB}"/>
+                  </a:ext>
+                </a:extLst>
+              </p:cNvPr>
+              <p:cNvSpPr txBox="1"/>
+              <p:nvPr/>
+            </p:nvSpPr>
+            <p:spPr>
+              <a:xfrm>
+                <a:off x="3040733" y="2582034"/>
+                <a:ext cx="531175" cy="933697"/>
+              </a:xfrm>
+              <a:prstGeom prst="rect">
+                <a:avLst/>
+              </a:prstGeom>
+              <a:noFill/>
+            </p:spPr>
+            <p:txBody>
+              <a:bodyPr wrap="square" lIns="169410" tIns="135528" rIns="169410" bIns="135528" rtlCol="0">
+                <a:spAutoFit/>
+              </a:bodyPr>
+              <a:lstStyle/>
+              <a:p>
+                <a:pPr>
+                  <a:lnSpc>
+                    <a:spcPct val="90000"/>
+                  </a:lnSpc>
+                  <a:spcAft>
+                    <a:spcPts val="556"/>
+                  </a:spcAft>
+                </a:pPr>
+                <a:r>
+                  <a:rPr lang="en-US" sz="3335" dirty="0">
+                    <a:gradFill>
+                      <a:gsLst>
+                        <a:gs pos="2917">
+                          <a:schemeClr val="tx1"/>
+                        </a:gs>
+                        <a:gs pos="30000">
+                          <a:schemeClr val="tx1"/>
+                        </a:gs>
+                      </a:gsLst>
+                      <a:lin ang="5400000" scaled="0"/>
+                    </a:gradFill>
+                  </a:rPr>
+                  <a:t>~</a:t>
+                </a:r>
+              </a:p>
+            </p:txBody>
+          </p:sp>
+          <p:sp>
+            <p:nvSpPr>
+              <p:cNvPr id="116" name="TextBox 115">
+                <a:extLst>
+                  <a:ext uri="{FF2B5EF4-FFF2-40B4-BE49-F238E27FC236}">
+                    <a16:creationId xmlns:a16="http://schemas.microsoft.com/office/drawing/2014/main" id="{0C8FD7D0-2A2B-49B3-94ED-5033B3FB07AC}"/>
+                  </a:ext>
+                </a:extLst>
+              </p:cNvPr>
+              <p:cNvSpPr txBox="1"/>
+              <p:nvPr/>
+            </p:nvSpPr>
+            <p:spPr>
+              <a:xfrm>
+                <a:off x="3193133" y="2677629"/>
+                <a:ext cx="531175" cy="933697"/>
+              </a:xfrm>
+              <a:prstGeom prst="rect">
+                <a:avLst/>
+              </a:prstGeom>
+              <a:noFill/>
+            </p:spPr>
+            <p:txBody>
+              <a:bodyPr wrap="square" lIns="169410" tIns="135528" rIns="169410" bIns="135528" rtlCol="0">
+                <a:spAutoFit/>
+              </a:bodyPr>
+              <a:lstStyle/>
+              <a:p>
+                <a:pPr>
+                  <a:lnSpc>
+                    <a:spcPct val="90000"/>
+                  </a:lnSpc>
+                  <a:spcAft>
+                    <a:spcPts val="556"/>
+                  </a:spcAft>
+                </a:pPr>
+                <a:r>
+                  <a:rPr lang="en-US" sz="3335" dirty="0">
+                    <a:gradFill>
+                      <a:gsLst>
+                        <a:gs pos="2917">
+                          <a:schemeClr val="tx1"/>
+                        </a:gs>
+                        <a:gs pos="30000">
+                          <a:schemeClr val="tx1"/>
+                        </a:gs>
+                      </a:gsLst>
+                      <a:lin ang="5400000" scaled="0"/>
+                    </a:gradFill>
+                  </a:rPr>
+                  <a:t>~</a:t>
+                </a:r>
+              </a:p>
+            </p:txBody>
+          </p:sp>
+        </p:grpSp>
+      </p:grpSp>
+      <p:grpSp>
+        <p:nvGrpSpPr>
+          <p:cNvPr id="117" name="Group 116">
             <a:extLst>
-              <a:ext uri="{28A0092B-C50C-407E-A947-70E740481C1C}">
-                <a14:useLocalDpi xmlns:a14="http://schemas.microsoft.com/office/drawing/2010/main" val="0"/>
+              <a:ext uri="{FF2B5EF4-FFF2-40B4-BE49-F238E27FC236}">
+                <a16:creationId xmlns:a16="http://schemas.microsoft.com/office/drawing/2014/main" id="{F62A2583-2C66-470D-AD9E-DBF63B06042D}"/>
               </a:ext>
             </a:extLst>
-          </a:blip>
-          <a:srcRect/>
-          <a:stretch>
-            <a:fillRect/>
-          </a:stretch>
-        </p:blipFill>
-        <p:spPr bwMode="auto">
+          </p:cNvPr>
+          <p:cNvGrpSpPr/>
+          <p:nvPr/>
+        </p:nvGrpSpPr>
+        <p:grpSpPr>
           <a:xfrm>
-            <a:off x="10278515" y="3160423"/>
-            <a:ext cx="578714" cy="694457"/>
+            <a:off x="6706504" y="1687160"/>
+            <a:ext cx="1869535" cy="3176410"/>
+            <a:chOff x="5768051" y="1820862"/>
+            <a:chExt cx="2018179" cy="3428965"/>
           </a:xfrm>
-          <a:prstGeom prst="rect">
-            <a:avLst/>
-          </a:prstGeom>
-          <a:noFill/>
-          <a:extLst>
-            <a:ext uri="{909E8E84-426E-40DD-AFC4-6F175D3DCCD1}">
-              <a14:hiddenFill xmlns:a14="http://schemas.microsoft.com/office/drawing/2010/main">
-                <a:solidFill>
-                  <a:srgbClr val="FFFFFF"/>
-                </a:solidFill>
-              </a14:hiddenFill>
-            </a:ext>
-          </a:extLst>
-        </p:spPr>
-      </p:pic>
-      <p:pic>
-        <p:nvPicPr>
-          <p:cNvPr id="11" name="Picture 8" descr="Related image"/>
-          <p:cNvPicPr>
-            <a:picLocks noChangeAspect="1" noChangeArrowheads="1"/>
-          </p:cNvPicPr>
-          <p:nvPr/>
-        </p:nvPicPr>
-        <p:blipFill>
-          <a:blip r:embed="rId6">
+        </p:grpSpPr>
+        <p:sp>
+          <p:nvSpPr>
+            <p:cNvPr id="118" name="TextBox 117">
+              <a:extLst>
+                <a:ext uri="{FF2B5EF4-FFF2-40B4-BE49-F238E27FC236}">
+                  <a16:creationId xmlns:a16="http://schemas.microsoft.com/office/drawing/2014/main" id="{4EE47D07-F993-42E2-913E-785D22FF7810}"/>
+                </a:ext>
+              </a:extLst>
+            </p:cNvPr>
+            <p:cNvSpPr txBox="1"/>
+            <p:nvPr/>
+          </p:nvSpPr>
+          <p:spPr>
+            <a:xfrm>
+              <a:off x="5768051" y="1850975"/>
+              <a:ext cx="964347" cy="640450"/>
+            </a:xfrm>
+            <a:prstGeom prst="rect">
+              <a:avLst/>
+            </a:prstGeom>
+            <a:noFill/>
+          </p:spPr>
+          <p:txBody>
+            <a:bodyPr wrap="none" lIns="172783" tIns="138227" rIns="172783" bIns="138227" rtlCol="0">
+              <a:spAutoFit/>
+            </a:bodyPr>
+            <a:lstStyle/>
+            <a:p>
+              <a:pPr>
+                <a:lnSpc>
+                  <a:spcPct val="90000"/>
+                </a:lnSpc>
+                <a:spcAft>
+                  <a:spcPts val="567"/>
+                </a:spcAft>
+              </a:pPr>
+              <a:r>
+                <a:rPr lang="en-US" sz="2268" dirty="0">
+                  <a:gradFill>
+                    <a:gsLst>
+                      <a:gs pos="2917">
+                        <a:schemeClr val="tx1"/>
+                      </a:gs>
+                      <a:gs pos="30000">
+                        <a:schemeClr val="tx1"/>
+                      </a:gs>
+                    </a:gsLst>
+                    <a:lin ang="5400000" scaled="0"/>
+                  </a:gradFill>
+                </a:rPr>
+                <a:t>Free</a:t>
+              </a:r>
+            </a:p>
+          </p:txBody>
+        </p:sp>
+        <p:cxnSp>
+          <p:nvCxnSpPr>
+            <p:cNvPr id="119" name="Straight Connector 118">
+              <a:extLst>
+                <a:ext uri="{FF2B5EF4-FFF2-40B4-BE49-F238E27FC236}">
+                  <a16:creationId xmlns:a16="http://schemas.microsoft.com/office/drawing/2014/main" id="{8F079633-2265-4F0B-BBB6-FD1BEC5997E9}"/>
+                </a:ext>
+              </a:extLst>
+            </p:cNvPr>
+            <p:cNvCxnSpPr>
+              <a:cxnSpLocks/>
+            </p:cNvCxnSpPr>
+            <p:nvPr/>
+          </p:nvCxnSpPr>
+          <p:spPr>
+            <a:xfrm>
+              <a:off x="7786230" y="1820862"/>
+              <a:ext cx="0" cy="3428965"/>
+            </a:xfrm>
+            <a:prstGeom prst="line">
+              <a:avLst/>
+            </a:prstGeom>
+            <a:ln>
+              <a:solidFill>
+                <a:schemeClr val="tx1"/>
+              </a:solidFill>
+            </a:ln>
+          </p:spPr>
+          <p:style>
+            <a:lnRef idx="1">
+              <a:schemeClr val="accent1"/>
+            </a:lnRef>
+            <a:fillRef idx="0">
+              <a:schemeClr val="accent1"/>
+            </a:fillRef>
+            <a:effectRef idx="0">
+              <a:schemeClr val="accent1"/>
+            </a:effectRef>
+            <a:fontRef idx="minor">
+              <a:schemeClr val="tx1"/>
+            </a:fontRef>
+          </p:style>
+        </p:cxnSp>
+        <p:sp>
+          <p:nvSpPr>
+            <p:cNvPr id="120" name="Giftbox_EC1F" title="Icon of a gift wrapped box">
+              <a:extLst>
+                <a:ext uri="{FF2B5EF4-FFF2-40B4-BE49-F238E27FC236}">
+                  <a16:creationId xmlns:a16="http://schemas.microsoft.com/office/drawing/2014/main" id="{ECA5D59E-ADBA-4681-AE3A-E41EEBC5B3CF}"/>
+                </a:ext>
+              </a:extLst>
+            </p:cNvPr>
+            <p:cNvSpPr>
+              <a:spLocks noChangeAspect="1" noEditPoints="1"/>
+            </p:cNvSpPr>
+            <p:nvPr/>
+          </p:nvSpPr>
+          <p:spPr bwMode="auto">
+            <a:xfrm>
+              <a:off x="5929425" y="3550736"/>
+              <a:ext cx="656581" cy="655133"/>
+            </a:xfrm>
+            <a:custGeom>
+              <a:avLst/>
+              <a:gdLst>
+                <a:gd name="T0" fmla="*/ 0 w 2988"/>
+                <a:gd name="T1" fmla="*/ 2980 h 2980"/>
+                <a:gd name="T2" fmla="*/ 2988 w 2988"/>
+                <a:gd name="T3" fmla="*/ 2980 h 2980"/>
+                <a:gd name="T4" fmla="*/ 2988 w 2988"/>
+                <a:gd name="T5" fmla="*/ 740 h 2980"/>
+                <a:gd name="T6" fmla="*/ 0 w 2988"/>
+                <a:gd name="T7" fmla="*/ 740 h 2980"/>
+                <a:gd name="T8" fmla="*/ 0 w 2988"/>
+                <a:gd name="T9" fmla="*/ 2980 h 2980"/>
+                <a:gd name="T10" fmla="*/ 2114 w 2988"/>
+                <a:gd name="T11" fmla="*/ 0 h 2980"/>
+                <a:gd name="T12" fmla="*/ 1494 w 2988"/>
+                <a:gd name="T13" fmla="*/ 620 h 2980"/>
+                <a:gd name="T14" fmla="*/ 1494 w 2988"/>
+                <a:gd name="T15" fmla="*/ 740 h 2980"/>
+                <a:gd name="T16" fmla="*/ 2114 w 2988"/>
+                <a:gd name="T17" fmla="*/ 740 h 2980"/>
+                <a:gd name="T18" fmla="*/ 2484 w 2988"/>
+                <a:gd name="T19" fmla="*/ 370 h 2980"/>
+                <a:gd name="T20" fmla="*/ 2114 w 2988"/>
+                <a:gd name="T21" fmla="*/ 0 h 2980"/>
+                <a:gd name="T22" fmla="*/ 874 w 2988"/>
+                <a:gd name="T23" fmla="*/ 0 h 2980"/>
+                <a:gd name="T24" fmla="*/ 504 w 2988"/>
+                <a:gd name="T25" fmla="*/ 370 h 2980"/>
+                <a:gd name="T26" fmla="*/ 874 w 2988"/>
+                <a:gd name="T27" fmla="*/ 740 h 2980"/>
+                <a:gd name="T28" fmla="*/ 1494 w 2988"/>
+                <a:gd name="T29" fmla="*/ 740 h 2980"/>
+                <a:gd name="T30" fmla="*/ 1494 w 2988"/>
+                <a:gd name="T31" fmla="*/ 620 h 2980"/>
+                <a:gd name="T32" fmla="*/ 874 w 2988"/>
+                <a:gd name="T33" fmla="*/ 0 h 2980"/>
+                <a:gd name="T34" fmla="*/ 1494 w 2988"/>
+                <a:gd name="T35" fmla="*/ 740 h 2980"/>
+                <a:gd name="T36" fmla="*/ 1494 w 2988"/>
+                <a:gd name="T37" fmla="*/ 2980 h 2980"/>
+              </a:gdLst>
+              <a:ahLst/>
+              <a:cxnLst>
+                <a:cxn ang="0">
+                  <a:pos x="T0" y="T1"/>
+                </a:cxn>
+                <a:cxn ang="0">
+                  <a:pos x="T2" y="T3"/>
+                </a:cxn>
+                <a:cxn ang="0">
+                  <a:pos x="T4" y="T5"/>
+                </a:cxn>
+                <a:cxn ang="0">
+                  <a:pos x="T6" y="T7"/>
+                </a:cxn>
+                <a:cxn ang="0">
+                  <a:pos x="T8" y="T9"/>
+                </a:cxn>
+                <a:cxn ang="0">
+                  <a:pos x="T10" y="T11"/>
+                </a:cxn>
+                <a:cxn ang="0">
+                  <a:pos x="T12" y="T13"/>
+                </a:cxn>
+                <a:cxn ang="0">
+                  <a:pos x="T14" y="T15"/>
+                </a:cxn>
+                <a:cxn ang="0">
+                  <a:pos x="T16" y="T17"/>
+                </a:cxn>
+                <a:cxn ang="0">
+                  <a:pos x="T18" y="T19"/>
+                </a:cxn>
+                <a:cxn ang="0">
+                  <a:pos x="T20" y="T21"/>
+                </a:cxn>
+                <a:cxn ang="0">
+                  <a:pos x="T22" y="T23"/>
+                </a:cxn>
+                <a:cxn ang="0">
+                  <a:pos x="T24" y="T25"/>
+                </a:cxn>
+                <a:cxn ang="0">
+                  <a:pos x="T26" y="T27"/>
+                </a:cxn>
+                <a:cxn ang="0">
+                  <a:pos x="T28" y="T29"/>
+                </a:cxn>
+                <a:cxn ang="0">
+                  <a:pos x="T30" y="T31"/>
+                </a:cxn>
+                <a:cxn ang="0">
+                  <a:pos x="T32" y="T33"/>
+                </a:cxn>
+                <a:cxn ang="0">
+                  <a:pos x="T34" y="T35"/>
+                </a:cxn>
+                <a:cxn ang="0">
+                  <a:pos x="T36" y="T37"/>
+                </a:cxn>
+              </a:cxnLst>
+              <a:rect l="0" t="0" r="r" b="b"/>
+              <a:pathLst>
+                <a:path w="2988" h="2980">
+                  <a:moveTo>
+                    <a:pt x="0" y="2980"/>
+                  </a:moveTo>
+                  <a:cubicBezTo>
+                    <a:pt x="2988" y="2980"/>
+                    <a:pt x="2988" y="2980"/>
+                    <a:pt x="2988" y="2980"/>
+                  </a:cubicBezTo>
+                  <a:cubicBezTo>
+                    <a:pt x="2988" y="740"/>
+                    <a:pt x="2988" y="740"/>
+                    <a:pt x="2988" y="740"/>
+                  </a:cubicBezTo>
+                  <a:cubicBezTo>
+                    <a:pt x="0" y="740"/>
+                    <a:pt x="0" y="740"/>
+                    <a:pt x="0" y="740"/>
+                  </a:cubicBezTo>
+                  <a:lnTo>
+                    <a:pt x="0" y="2980"/>
+                  </a:lnTo>
+                  <a:close/>
+                  <a:moveTo>
+                    <a:pt x="2114" y="0"/>
+                  </a:moveTo>
+                  <a:cubicBezTo>
+                    <a:pt x="1772" y="0"/>
+                    <a:pt x="1494" y="278"/>
+                    <a:pt x="1494" y="620"/>
+                  </a:cubicBezTo>
+                  <a:cubicBezTo>
+                    <a:pt x="1494" y="740"/>
+                    <a:pt x="1494" y="740"/>
+                    <a:pt x="1494" y="740"/>
+                  </a:cubicBezTo>
+                  <a:cubicBezTo>
+                    <a:pt x="2114" y="740"/>
+                    <a:pt x="2114" y="740"/>
+                    <a:pt x="2114" y="740"/>
+                  </a:cubicBezTo>
+                  <a:cubicBezTo>
+                    <a:pt x="2318" y="740"/>
+                    <a:pt x="2484" y="574"/>
+                    <a:pt x="2484" y="370"/>
+                  </a:cubicBezTo>
+                  <a:cubicBezTo>
+                    <a:pt x="2484" y="166"/>
+                    <a:pt x="2318" y="0"/>
+                    <a:pt x="2114" y="0"/>
+                  </a:cubicBezTo>
+                  <a:close/>
+                  <a:moveTo>
+                    <a:pt x="874" y="0"/>
+                  </a:moveTo>
+                  <a:cubicBezTo>
+                    <a:pt x="670" y="0"/>
+                    <a:pt x="504" y="166"/>
+                    <a:pt x="504" y="370"/>
+                  </a:cubicBezTo>
+                  <a:cubicBezTo>
+                    <a:pt x="504" y="574"/>
+                    <a:pt x="670" y="740"/>
+                    <a:pt x="874" y="740"/>
+                  </a:cubicBezTo>
+                  <a:cubicBezTo>
+                    <a:pt x="1494" y="740"/>
+                    <a:pt x="1494" y="740"/>
+                    <a:pt x="1494" y="740"/>
+                  </a:cubicBezTo>
+                  <a:cubicBezTo>
+                    <a:pt x="1494" y="620"/>
+                    <a:pt x="1494" y="620"/>
+                    <a:pt x="1494" y="620"/>
+                  </a:cubicBezTo>
+                  <a:cubicBezTo>
+                    <a:pt x="1494" y="278"/>
+                    <a:pt x="1216" y="0"/>
+                    <a:pt x="874" y="0"/>
+                  </a:cubicBezTo>
+                  <a:close/>
+                  <a:moveTo>
+                    <a:pt x="1494" y="740"/>
+                  </a:moveTo>
+                  <a:cubicBezTo>
+                    <a:pt x="1494" y="2980"/>
+                    <a:pt x="1494" y="2980"/>
+                    <a:pt x="1494" y="2980"/>
+                  </a:cubicBezTo>
+                </a:path>
+              </a:pathLst>
+            </a:custGeom>
+            <a:noFill/>
+            <a:ln w="15875" cap="sq">
+              <a:solidFill>
+                <a:schemeClr val="tx1"/>
+              </a:solidFill>
+              <a:prstDash val="solid"/>
+              <a:miter lim="800000"/>
+              <a:headEnd/>
+              <a:tailEnd/>
+            </a:ln>
             <a:extLst>
-              <a:ext uri="{28A0092B-C50C-407E-A947-70E740481C1C}">
-                <a14:useLocalDpi xmlns:a14="http://schemas.microsoft.com/office/drawing/2010/main" val="0"/>
+              <a:ext uri="{909E8E84-426E-40DD-AFC4-6F175D3DCCD1}">
+                <a14:hiddenFill xmlns:a14="http://schemas.microsoft.com/office/drawing/2010/main">
+                  <a:solidFill>
+                    <a:srgbClr val="FFFFFF"/>
+                  </a:solidFill>
+                </a14:hiddenFill>
               </a:ext>
             </a:extLst>
-          </a:blip>
-          <a:srcRect/>
-          <a:stretch>
-            <a:fillRect/>
-          </a:stretch>
-        </p:blipFill>
-        <p:spPr bwMode="auto">
+          </p:spPr>
+          <p:txBody>
+            <a:bodyPr vert="horz" wrap="square" lIns="84705" tIns="42353" rIns="84705" bIns="42353" numCol="1" anchor="t" anchorCtr="0" compatLnSpc="1">
+              <a:prstTxWarp prst="textNoShape">
+                <a:avLst/>
+              </a:prstTxWarp>
+            </a:bodyPr>
+            <a:lstStyle/>
+            <a:p>
+              <a:endParaRPr lang="en-US" sz="1667"/>
+            </a:p>
+          </p:txBody>
+        </p:sp>
+      </p:grpSp>
+      <p:grpSp>
+        <p:nvGrpSpPr>
+          <p:cNvPr id="121" name="Group 120">
+            <a:extLst>
+              <a:ext uri="{FF2B5EF4-FFF2-40B4-BE49-F238E27FC236}">
+                <a16:creationId xmlns:a16="http://schemas.microsoft.com/office/drawing/2014/main" id="{29096FCD-4138-4D2A-8507-3385DF656A6C}"/>
+              </a:ext>
+            </a:extLst>
+          </p:cNvPr>
+          <p:cNvGrpSpPr/>
+          <p:nvPr/>
+        </p:nvGrpSpPr>
+        <p:grpSpPr>
           <a:xfrm>
-            <a:off x="9448915" y="3226083"/>
-            <a:ext cx="818805" cy="545870"/>
+            <a:off x="8761771" y="1687160"/>
+            <a:ext cx="2613511" cy="3176410"/>
+            <a:chOff x="8031588" y="1820862"/>
+            <a:chExt cx="2821309" cy="3428965"/>
           </a:xfrm>
-          <a:prstGeom prst="rect">
-            <a:avLst/>
-          </a:prstGeom>
-          <a:noFill/>
-          <a:extLst>
-            <a:ext uri="{909E8E84-426E-40DD-AFC4-6F175D3DCCD1}">
-              <a14:hiddenFill xmlns:a14="http://schemas.microsoft.com/office/drawing/2010/main">
+        </p:grpSpPr>
+        <p:cxnSp>
+          <p:nvCxnSpPr>
+            <p:cNvPr id="122" name="Straight Connector 121">
+              <a:extLst>
+                <a:ext uri="{FF2B5EF4-FFF2-40B4-BE49-F238E27FC236}">
+                  <a16:creationId xmlns:a16="http://schemas.microsoft.com/office/drawing/2014/main" id="{68BEEA1C-E4A1-41A2-945B-8FEDEDA21534}"/>
+                </a:ext>
+              </a:extLst>
+            </p:cNvPr>
+            <p:cNvCxnSpPr>
+              <a:cxnSpLocks/>
+            </p:cNvCxnSpPr>
+            <p:nvPr/>
+          </p:nvCxnSpPr>
+          <p:spPr>
+            <a:xfrm>
+              <a:off x="10852897" y="1820862"/>
+              <a:ext cx="0" cy="3428965"/>
+            </a:xfrm>
+            <a:prstGeom prst="line">
+              <a:avLst/>
+            </a:prstGeom>
+            <a:ln>
+              <a:solidFill>
+                <a:schemeClr val="tx1"/>
+              </a:solidFill>
+            </a:ln>
+          </p:spPr>
+          <p:style>
+            <a:lnRef idx="1">
+              <a:schemeClr val="accent1"/>
+            </a:lnRef>
+            <a:fillRef idx="0">
+              <a:schemeClr val="accent1"/>
+            </a:fillRef>
+            <a:effectRef idx="0">
+              <a:schemeClr val="accent1"/>
+            </a:effectRef>
+            <a:fontRef idx="minor">
+              <a:schemeClr val="tx1"/>
+            </a:fontRef>
+          </p:style>
+        </p:cxnSp>
+        <p:grpSp>
+          <p:nvGrpSpPr>
+            <p:cNvPr id="123" name="Group 122">
+              <a:extLst>
+                <a:ext uri="{FF2B5EF4-FFF2-40B4-BE49-F238E27FC236}">
+                  <a16:creationId xmlns:a16="http://schemas.microsoft.com/office/drawing/2014/main" id="{B51D6FB8-6853-4533-8A81-8DCDED3F0729}"/>
+                </a:ext>
+              </a:extLst>
+            </p:cNvPr>
+            <p:cNvGrpSpPr/>
+            <p:nvPr/>
+          </p:nvGrpSpPr>
+          <p:grpSpPr>
+            <a:xfrm>
+              <a:off x="8031588" y="1850975"/>
+              <a:ext cx="2773367" cy="2404119"/>
+              <a:chOff x="8031588" y="1850975"/>
+              <a:chExt cx="2773367" cy="2404119"/>
+            </a:xfrm>
+          </p:grpSpPr>
+          <p:sp>
+            <p:nvSpPr>
+              <p:cNvPr id="124" name="TextBox 123">
+                <a:extLst>
+                  <a:ext uri="{FF2B5EF4-FFF2-40B4-BE49-F238E27FC236}">
+                    <a16:creationId xmlns:a16="http://schemas.microsoft.com/office/drawing/2014/main" id="{2076005D-BDEA-4A20-A97F-C9DAD312DBFB}"/>
+                  </a:ext>
+                </a:extLst>
+              </p:cNvPr>
+              <p:cNvSpPr txBox="1"/>
+              <p:nvPr/>
+            </p:nvSpPr>
+            <p:spPr>
+              <a:xfrm>
+                <a:off x="8031588" y="1850975"/>
+                <a:ext cx="2773367" cy="1062612"/>
+              </a:xfrm>
+              <a:prstGeom prst="rect">
+                <a:avLst/>
+              </a:prstGeom>
+              <a:noFill/>
+            </p:spPr>
+            <p:txBody>
+              <a:bodyPr wrap="none" lIns="172783" tIns="138227" rIns="172783" bIns="138227" rtlCol="0">
+                <a:spAutoFit/>
+              </a:bodyPr>
+              <a:lstStyle/>
+              <a:p>
+                <a:pPr algn="ctr">
+                  <a:lnSpc>
+                    <a:spcPct val="90000"/>
+                  </a:lnSpc>
+                  <a:spcAft>
+                    <a:spcPts val="567"/>
+                  </a:spcAft>
+                </a:pPr>
+                <a:r>
+                  <a:rPr lang="en-US" sz="2268" dirty="0">
+                    <a:gradFill>
+                      <a:gsLst>
+                        <a:gs pos="2917">
+                          <a:schemeClr val="tx1"/>
+                        </a:gs>
+                        <a:gs pos="30000">
+                          <a:schemeClr val="tx1"/>
+                        </a:gs>
+                      </a:gsLst>
+                      <a:lin ang="5400000" scaled="0"/>
+                    </a:gradFill>
+                  </a:rPr>
+                  <a:t>For Windows, </a:t>
+                </a:r>
+              </a:p>
+              <a:p>
+                <a:pPr algn="ctr">
+                  <a:lnSpc>
+                    <a:spcPct val="90000"/>
+                  </a:lnSpc>
+                  <a:spcAft>
+                    <a:spcPts val="567"/>
+                  </a:spcAft>
+                </a:pPr>
+                <a:r>
+                  <a:rPr lang="en-US" sz="2268" dirty="0">
+                    <a:gradFill>
+                      <a:gsLst>
+                        <a:gs pos="2917">
+                          <a:schemeClr val="tx1"/>
+                        </a:gs>
+                        <a:gs pos="30000">
+                          <a:schemeClr val="tx1"/>
+                        </a:gs>
+                      </a:gsLst>
+                      <a:lin ang="5400000" scaled="0"/>
+                    </a:gradFill>
+                  </a:rPr>
+                  <a:t>macOS and Linux</a:t>
+                </a:r>
+              </a:p>
+            </p:txBody>
+          </p:sp>
+          <p:grpSp>
+            <p:nvGrpSpPr>
+              <p:cNvPr id="125" name="Group 124">
+                <a:extLst>
+                  <a:ext uri="{FF2B5EF4-FFF2-40B4-BE49-F238E27FC236}">
+                    <a16:creationId xmlns:a16="http://schemas.microsoft.com/office/drawing/2014/main" id="{48F694AC-D654-4B85-9F24-3E55342743EE}"/>
+                  </a:ext>
+                </a:extLst>
+              </p:cNvPr>
+              <p:cNvGrpSpPr/>
+              <p:nvPr/>
+            </p:nvGrpSpPr>
+            <p:grpSpPr>
+              <a:xfrm>
+                <a:off x="8504237" y="3573914"/>
+                <a:ext cx="1723530" cy="681180"/>
+                <a:chOff x="1644499" y="4608435"/>
+                <a:chExt cx="455115" cy="185906"/>
+              </a:xfrm>
+            </p:grpSpPr>
+            <p:sp>
+              <p:nvSpPr>
+                <p:cNvPr id="126" name="Freeform 15">
+                  <a:extLst>
+                    <a:ext uri="{FF2B5EF4-FFF2-40B4-BE49-F238E27FC236}">
+                      <a16:creationId xmlns:a16="http://schemas.microsoft.com/office/drawing/2014/main" id="{97846CDA-640A-4CED-9B29-8A717BFFFD6C}"/>
+                    </a:ext>
+                  </a:extLst>
+                </p:cNvPr>
+                <p:cNvSpPr>
+                  <a:spLocks noChangeAspect="1" noEditPoints="1"/>
+                </p:cNvSpPr>
+                <p:nvPr/>
+              </p:nvSpPr>
+              <p:spPr bwMode="black">
+                <a:xfrm>
+                  <a:off x="1644499" y="4639474"/>
+                  <a:ext cx="144557" cy="150680"/>
+                </a:xfrm>
+                <a:custGeom>
+                  <a:avLst/>
+                  <a:gdLst>
+                    <a:gd name="T0" fmla="*/ 112 w 246"/>
+                    <a:gd name="T1" fmla="*/ 19 h 245"/>
+                    <a:gd name="T2" fmla="*/ 246 w 246"/>
+                    <a:gd name="T3" fmla="*/ 0 h 245"/>
+                    <a:gd name="T4" fmla="*/ 246 w 246"/>
+                    <a:gd name="T5" fmla="*/ 116 h 245"/>
+                    <a:gd name="T6" fmla="*/ 112 w 246"/>
+                    <a:gd name="T7" fmla="*/ 116 h 245"/>
+                    <a:gd name="T8" fmla="*/ 112 w 246"/>
+                    <a:gd name="T9" fmla="*/ 19 h 245"/>
+                    <a:gd name="T10" fmla="*/ 102 w 246"/>
+                    <a:gd name="T11" fmla="*/ 116 h 245"/>
+                    <a:gd name="T12" fmla="*/ 102 w 246"/>
+                    <a:gd name="T13" fmla="*/ 19 h 245"/>
+                    <a:gd name="T14" fmla="*/ 0 w 246"/>
+                    <a:gd name="T15" fmla="*/ 34 h 245"/>
+                    <a:gd name="T16" fmla="*/ 0 w 246"/>
+                    <a:gd name="T17" fmla="*/ 116 h 245"/>
+                    <a:gd name="T18" fmla="*/ 102 w 246"/>
+                    <a:gd name="T19" fmla="*/ 116 h 245"/>
+                    <a:gd name="T20" fmla="*/ 102 w 246"/>
+                    <a:gd name="T21" fmla="*/ 126 h 245"/>
+                    <a:gd name="T22" fmla="*/ 0 w 246"/>
+                    <a:gd name="T23" fmla="*/ 126 h 245"/>
+                    <a:gd name="T24" fmla="*/ 0 w 246"/>
+                    <a:gd name="T25" fmla="*/ 211 h 245"/>
+                    <a:gd name="T26" fmla="*/ 102 w 246"/>
+                    <a:gd name="T27" fmla="*/ 226 h 245"/>
+                    <a:gd name="T28" fmla="*/ 102 w 246"/>
+                    <a:gd name="T29" fmla="*/ 126 h 245"/>
+                    <a:gd name="T30" fmla="*/ 112 w 246"/>
+                    <a:gd name="T31" fmla="*/ 126 h 245"/>
+                    <a:gd name="T32" fmla="*/ 112 w 246"/>
+                    <a:gd name="T33" fmla="*/ 226 h 245"/>
+                    <a:gd name="T34" fmla="*/ 246 w 246"/>
+                    <a:gd name="T35" fmla="*/ 245 h 245"/>
+                    <a:gd name="T36" fmla="*/ 246 w 246"/>
+                    <a:gd name="T37" fmla="*/ 126 h 245"/>
+                    <a:gd name="T38" fmla="*/ 112 w 246"/>
+                    <a:gd name="T39" fmla="*/ 126 h 245"/>
+                  </a:gdLst>
+                  <a:ahLst/>
+                  <a:cxnLst>
+                    <a:cxn ang="0">
+                      <a:pos x="T0" y="T1"/>
+                    </a:cxn>
+                    <a:cxn ang="0">
+                      <a:pos x="T2" y="T3"/>
+                    </a:cxn>
+                    <a:cxn ang="0">
+                      <a:pos x="T4" y="T5"/>
+                    </a:cxn>
+                    <a:cxn ang="0">
+                      <a:pos x="T6" y="T7"/>
+                    </a:cxn>
+                    <a:cxn ang="0">
+                      <a:pos x="T8" y="T9"/>
+                    </a:cxn>
+                    <a:cxn ang="0">
+                      <a:pos x="T10" y="T11"/>
+                    </a:cxn>
+                    <a:cxn ang="0">
+                      <a:pos x="T12" y="T13"/>
+                    </a:cxn>
+                    <a:cxn ang="0">
+                      <a:pos x="T14" y="T15"/>
+                    </a:cxn>
+                    <a:cxn ang="0">
+                      <a:pos x="T16" y="T17"/>
+                    </a:cxn>
+                    <a:cxn ang="0">
+                      <a:pos x="T18" y="T19"/>
+                    </a:cxn>
+                    <a:cxn ang="0">
+                      <a:pos x="T20" y="T21"/>
+                    </a:cxn>
+                    <a:cxn ang="0">
+                      <a:pos x="T22" y="T23"/>
+                    </a:cxn>
+                    <a:cxn ang="0">
+                      <a:pos x="T24" y="T25"/>
+                    </a:cxn>
+                    <a:cxn ang="0">
+                      <a:pos x="T26" y="T27"/>
+                    </a:cxn>
+                    <a:cxn ang="0">
+                      <a:pos x="T28" y="T29"/>
+                    </a:cxn>
+                    <a:cxn ang="0">
+                      <a:pos x="T30" y="T31"/>
+                    </a:cxn>
+                    <a:cxn ang="0">
+                      <a:pos x="T32" y="T33"/>
+                    </a:cxn>
+                    <a:cxn ang="0">
+                      <a:pos x="T34" y="T35"/>
+                    </a:cxn>
+                    <a:cxn ang="0">
+                      <a:pos x="T36" y="T37"/>
+                    </a:cxn>
+                    <a:cxn ang="0">
+                      <a:pos x="T38" y="T39"/>
+                    </a:cxn>
+                  </a:cxnLst>
+                  <a:rect l="0" t="0" r="r" b="b"/>
+                  <a:pathLst>
+                    <a:path w="246" h="245">
+                      <a:moveTo>
+                        <a:pt x="112" y="19"/>
+                      </a:moveTo>
+                      <a:lnTo>
+                        <a:pt x="246" y="0"/>
+                      </a:lnTo>
+                      <a:lnTo>
+                        <a:pt x="246" y="116"/>
+                      </a:lnTo>
+                      <a:lnTo>
+                        <a:pt x="112" y="116"/>
+                      </a:lnTo>
+                      <a:lnTo>
+                        <a:pt x="112" y="19"/>
+                      </a:lnTo>
+                      <a:close/>
+                      <a:moveTo>
+                        <a:pt x="102" y="116"/>
+                      </a:moveTo>
+                      <a:lnTo>
+                        <a:pt x="102" y="19"/>
+                      </a:lnTo>
+                      <a:lnTo>
+                        <a:pt x="0" y="34"/>
+                      </a:lnTo>
+                      <a:lnTo>
+                        <a:pt x="0" y="116"/>
+                      </a:lnTo>
+                      <a:lnTo>
+                        <a:pt x="102" y="116"/>
+                      </a:lnTo>
+                      <a:close/>
+                      <a:moveTo>
+                        <a:pt x="102" y="126"/>
+                      </a:moveTo>
+                      <a:lnTo>
+                        <a:pt x="0" y="126"/>
+                      </a:lnTo>
+                      <a:lnTo>
+                        <a:pt x="0" y="211"/>
+                      </a:lnTo>
+                      <a:lnTo>
+                        <a:pt x="102" y="226"/>
+                      </a:lnTo>
+                      <a:lnTo>
+                        <a:pt x="102" y="126"/>
+                      </a:lnTo>
+                      <a:close/>
+                      <a:moveTo>
+                        <a:pt x="112" y="126"/>
+                      </a:moveTo>
+                      <a:lnTo>
+                        <a:pt x="112" y="226"/>
+                      </a:lnTo>
+                      <a:lnTo>
+                        <a:pt x="246" y="245"/>
+                      </a:lnTo>
+                      <a:lnTo>
+                        <a:pt x="246" y="126"/>
+                      </a:lnTo>
+                      <a:lnTo>
+                        <a:pt x="112" y="126"/>
+                      </a:lnTo>
+                      <a:close/>
+                    </a:path>
+                  </a:pathLst>
+                </a:custGeom>
                 <a:solidFill>
-                  <a:srgbClr val="FFFFFF"/>
+                  <a:schemeClr val="tx1"/>
                 </a:solidFill>
-              </a14:hiddenFill>
-            </a:ext>
-          </a:extLst>
-        </p:spPr>
-      </p:pic>
-      <p:pic>
-        <p:nvPicPr>
-          <p:cNvPr id="8" name="Picture 7"/>
-          <p:cNvPicPr>
-            <a:picLocks noChangeAspect="1"/>
-          </p:cNvPicPr>
+                <a:ln>
+                  <a:noFill/>
+                </a:ln>
+                <a:extLst/>
+              </p:spPr>
+              <p:txBody>
+                <a:bodyPr vert="horz" wrap="square" lIns="84705" tIns="42353" rIns="84705" bIns="42353" numCol="1" anchor="t" anchorCtr="0" compatLnSpc="1">
+                  <a:prstTxWarp prst="textNoShape">
+                    <a:avLst/>
+                  </a:prstTxWarp>
+                </a:bodyPr>
+                <a:lstStyle/>
+                <a:p>
+                  <a:pPr defTabSz="863999">
+                    <a:defRPr/>
+                  </a:pPr>
+                  <a:endParaRPr lang="en-US" sz="1667" dirty="0">
+                    <a:solidFill>
+                      <a:srgbClr val="FFFFFF"/>
+                    </a:solidFill>
+                    <a:latin typeface="Segoe UI"/>
+                  </a:endParaRPr>
+                </a:p>
+              </p:txBody>
+            </p:sp>
+            <p:pic>
+              <p:nvPicPr>
+                <p:cNvPr id="127" name="Picture 126" descr="Dosya:Tux.svg">
+                  <a:extLst>
+                    <a:ext uri="{FF2B5EF4-FFF2-40B4-BE49-F238E27FC236}">
+                      <a16:creationId xmlns:a16="http://schemas.microsoft.com/office/drawing/2014/main" id="{D1D80DAB-10B7-4778-B3B1-CAEBBF3AECCA}"/>
+                    </a:ext>
+                  </a:extLst>
+                </p:cNvPr>
+                <p:cNvPicPr>
+                  <a:picLocks noChangeAspect="1"/>
+                </p:cNvPicPr>
+                <p:nvPr/>
+              </p:nvPicPr>
+              <p:blipFill>
+                <a:blip r:embed="rId3">
+                  <a:alphaModFix/>
+                </a:blip>
+                <a:stretch>
+                  <a:fillRect/>
+                </a:stretch>
+              </p:blipFill>
+              <p:spPr>
+                <a:xfrm>
+                  <a:off x="1948859" y="4608435"/>
+                  <a:ext cx="150755" cy="185906"/>
+                </a:xfrm>
+                <a:prstGeom prst="rect">
+                  <a:avLst/>
+                </a:prstGeom>
+                <a:effectLst>
+                  <a:outerShdw blurRad="279400" dist="76200" dir="2700000" sx="107000" sy="107000" algn="tl" rotWithShape="0">
+                    <a:schemeClr val="bg1">
+                      <a:alpha val="4000"/>
+                    </a:schemeClr>
+                  </a:outerShdw>
+                  <a:reflection blurRad="6350" stA="52000" endA="300" endPos="35000" dir="5400000" sy="-100000" algn="bl" rotWithShape="0"/>
+                </a:effectLst>
+              </p:spPr>
+            </p:pic>
+            <p:grpSp>
+              <p:nvGrpSpPr>
+                <p:cNvPr id="128" name="Group 127">
+                  <a:extLst>
+                    <a:ext uri="{FF2B5EF4-FFF2-40B4-BE49-F238E27FC236}">
+                      <a16:creationId xmlns:a16="http://schemas.microsoft.com/office/drawing/2014/main" id="{77832A26-C620-4154-B5A9-EBD4E464124C}"/>
+                    </a:ext>
+                  </a:extLst>
+                </p:cNvPr>
+                <p:cNvGrpSpPr/>
+                <p:nvPr/>
+              </p:nvGrpSpPr>
+              <p:grpSpPr>
+                <a:xfrm>
+                  <a:off x="1804762" y="4613361"/>
+                  <a:ext cx="129658" cy="168660"/>
+                  <a:chOff x="9759607" y="4598009"/>
+                  <a:chExt cx="179566" cy="219721"/>
+                </a:xfrm>
+              </p:grpSpPr>
+              <p:sp>
+                <p:nvSpPr>
+                  <p:cNvPr id="129" name="Freeform 20">
+                    <a:extLst>
+                      <a:ext uri="{FF2B5EF4-FFF2-40B4-BE49-F238E27FC236}">
+                        <a16:creationId xmlns:a16="http://schemas.microsoft.com/office/drawing/2014/main" id="{7807EB8D-CAC7-4FAA-8779-9DF2CE055D55}"/>
+                      </a:ext>
+                    </a:extLst>
+                  </p:cNvPr>
+                  <p:cNvSpPr>
+                    <a:spLocks/>
+                  </p:cNvSpPr>
+                  <p:nvPr/>
+                </p:nvSpPr>
+                <p:spPr bwMode="auto">
+                  <a:xfrm>
+                    <a:off x="9759607" y="4649139"/>
+                    <a:ext cx="179566" cy="168591"/>
+                  </a:xfrm>
+                  <a:custGeom>
+                    <a:avLst/>
+                    <a:gdLst>
+                      <a:gd name="T0" fmla="*/ 99 w 117"/>
+                      <a:gd name="T1" fmla="*/ 40 h 105"/>
+                      <a:gd name="T2" fmla="*/ 114 w 117"/>
+                      <a:gd name="T3" fmla="*/ 14 h 105"/>
+                      <a:gd name="T4" fmla="*/ 89 w 117"/>
+                      <a:gd name="T5" fmla="*/ 1 h 105"/>
+                      <a:gd name="T6" fmla="*/ 63 w 117"/>
+                      <a:gd name="T7" fmla="*/ 7 h 105"/>
+                      <a:gd name="T8" fmla="*/ 40 w 117"/>
+                      <a:gd name="T9" fmla="*/ 1 h 105"/>
+                      <a:gd name="T10" fmla="*/ 12 w 117"/>
+                      <a:gd name="T11" fmla="*/ 18 h 105"/>
+                      <a:gd name="T12" fmla="*/ 20 w 117"/>
+                      <a:gd name="T13" fmla="*/ 87 h 105"/>
+                      <a:gd name="T14" fmla="*/ 42 w 117"/>
+                      <a:gd name="T15" fmla="*/ 105 h 105"/>
+                      <a:gd name="T16" fmla="*/ 64 w 117"/>
+                      <a:gd name="T17" fmla="*/ 99 h 105"/>
+                      <a:gd name="T18" fmla="*/ 87 w 117"/>
+                      <a:gd name="T19" fmla="*/ 104 h 105"/>
+                      <a:gd name="T20" fmla="*/ 108 w 117"/>
+                      <a:gd name="T21" fmla="*/ 88 h 105"/>
+                      <a:gd name="T22" fmla="*/ 117 w 117"/>
+                      <a:gd name="T23" fmla="*/ 68 h 105"/>
+                      <a:gd name="T24" fmla="*/ 99 w 117"/>
+                      <a:gd name="T25" fmla="*/ 40 h 105"/>
+                    </a:gdLst>
+                    <a:ahLst/>
+                    <a:cxnLst>
+                      <a:cxn ang="0">
+                        <a:pos x="T0" y="T1"/>
+                      </a:cxn>
+                      <a:cxn ang="0">
+                        <a:pos x="T2" y="T3"/>
+                      </a:cxn>
+                      <a:cxn ang="0">
+                        <a:pos x="T4" y="T5"/>
+                      </a:cxn>
+                      <a:cxn ang="0">
+                        <a:pos x="T6" y="T7"/>
+                      </a:cxn>
+                      <a:cxn ang="0">
+                        <a:pos x="T8" y="T9"/>
+                      </a:cxn>
+                      <a:cxn ang="0">
+                        <a:pos x="T10" y="T11"/>
+                      </a:cxn>
+                      <a:cxn ang="0">
+                        <a:pos x="T12" y="T13"/>
+                      </a:cxn>
+                      <a:cxn ang="0">
+                        <a:pos x="T14" y="T15"/>
+                      </a:cxn>
+                      <a:cxn ang="0">
+                        <a:pos x="T16" y="T17"/>
+                      </a:cxn>
+                      <a:cxn ang="0">
+                        <a:pos x="T18" y="T19"/>
+                      </a:cxn>
+                      <a:cxn ang="0">
+                        <a:pos x="T20" y="T21"/>
+                      </a:cxn>
+                      <a:cxn ang="0">
+                        <a:pos x="T22" y="T23"/>
+                      </a:cxn>
+                      <a:cxn ang="0">
+                        <a:pos x="T24" y="T25"/>
+                      </a:cxn>
+                    </a:cxnLst>
+                    <a:rect l="0" t="0" r="r" b="b"/>
+                    <a:pathLst>
+                      <a:path w="117" h="105">
+                        <a:moveTo>
+                          <a:pt x="99" y="40"/>
+                        </a:moveTo>
+                        <a:cubicBezTo>
+                          <a:pt x="99" y="23"/>
+                          <a:pt x="113" y="15"/>
+                          <a:pt x="114" y="14"/>
+                        </a:cubicBezTo>
+                        <a:cubicBezTo>
+                          <a:pt x="106" y="3"/>
+                          <a:pt x="93" y="1"/>
+                          <a:pt x="89" y="1"/>
+                        </a:cubicBezTo>
+                        <a:cubicBezTo>
+                          <a:pt x="78" y="0"/>
+                          <a:pt x="68" y="7"/>
+                          <a:pt x="63" y="7"/>
+                        </a:cubicBezTo>
+                        <a:cubicBezTo>
+                          <a:pt x="57" y="7"/>
+                          <a:pt x="49" y="1"/>
+                          <a:pt x="40" y="1"/>
+                        </a:cubicBezTo>
+                        <a:cubicBezTo>
+                          <a:pt x="28" y="1"/>
+                          <a:pt x="18" y="8"/>
+                          <a:pt x="12" y="18"/>
+                        </a:cubicBezTo>
+                        <a:cubicBezTo>
+                          <a:pt x="0" y="39"/>
+                          <a:pt x="9" y="70"/>
+                          <a:pt x="20" y="87"/>
+                        </a:cubicBezTo>
+                        <a:cubicBezTo>
+                          <a:pt x="26" y="96"/>
+                          <a:pt x="33" y="105"/>
+                          <a:pt x="42" y="105"/>
+                        </a:cubicBezTo>
+                        <a:cubicBezTo>
+                          <a:pt x="51" y="104"/>
+                          <a:pt x="54" y="99"/>
+                          <a:pt x="64" y="99"/>
+                        </a:cubicBezTo>
+                        <a:cubicBezTo>
+                          <a:pt x="75" y="99"/>
+                          <a:pt x="78" y="105"/>
+                          <a:pt x="87" y="104"/>
+                        </a:cubicBezTo>
+                        <a:cubicBezTo>
+                          <a:pt x="96" y="104"/>
+                          <a:pt x="102" y="96"/>
+                          <a:pt x="108" y="88"/>
+                        </a:cubicBezTo>
+                        <a:cubicBezTo>
+                          <a:pt x="115" y="78"/>
+                          <a:pt x="117" y="69"/>
+                          <a:pt x="117" y="68"/>
+                        </a:cubicBezTo>
+                        <a:cubicBezTo>
+                          <a:pt x="117" y="68"/>
+                          <a:pt x="99" y="61"/>
+                          <a:pt x="99" y="40"/>
+                        </a:cubicBezTo>
+                        <a:close/>
+                      </a:path>
+                    </a:pathLst>
+                  </a:custGeom>
+                  <a:solidFill>
+                    <a:schemeClr val="tx1"/>
+                  </a:solidFill>
+                  <a:ln>
+                    <a:noFill/>
+                  </a:ln>
+                  <a:extLst>
+                    <a:ext uri="{91240B29-F687-4F45-9708-019B960494DF}">
+                      <a14:hiddenLine xmlns:a14="http://schemas.microsoft.com/office/drawing/2010/main" w="9525">
+                        <a:solidFill>
+                          <a:srgbClr val="000000"/>
+                        </a:solidFill>
+                        <a:round/>
+                        <a:headEnd/>
+                        <a:tailEnd/>
+                      </a14:hiddenLine>
+                    </a:ext>
+                  </a:extLst>
+                </p:spPr>
+                <p:txBody>
+                  <a:bodyPr vert="horz" wrap="square" lIns="84705" tIns="42353" rIns="84705" bIns="42353" numCol="1" anchor="t" anchorCtr="0" compatLnSpc="1">
+                    <a:prstTxWarp prst="textNoShape">
+                      <a:avLst/>
+                    </a:prstTxWarp>
+                  </a:bodyPr>
+                  <a:lstStyle/>
+                  <a:p>
+                    <a:pPr defTabSz="847009">
+                      <a:defRPr/>
+                    </a:pPr>
+                    <a:endParaRPr lang="en-US" sz="1667" kern="0">
+                      <a:solidFill>
+                        <a:sysClr val="windowText" lastClr="000000"/>
+                      </a:solidFill>
+                      <a:latin typeface="Segoe UI Semilight"/>
+                    </a:endParaRPr>
+                  </a:p>
+                </p:txBody>
+              </p:sp>
+              <p:sp>
+                <p:nvSpPr>
+                  <p:cNvPr id="130" name="Freeform 21">
+                    <a:extLst>
+                      <a:ext uri="{FF2B5EF4-FFF2-40B4-BE49-F238E27FC236}">
+                        <a16:creationId xmlns:a16="http://schemas.microsoft.com/office/drawing/2014/main" id="{B4D011C0-6661-4463-94F8-CB83204D237C}"/>
+                      </a:ext>
+                    </a:extLst>
+                  </p:cNvPr>
+                  <p:cNvSpPr>
+                    <a:spLocks/>
+                  </p:cNvSpPr>
+                  <p:nvPr/>
+                </p:nvSpPr>
+                <p:spPr bwMode="auto">
+                  <a:xfrm>
+                    <a:off x="9834029" y="4598009"/>
+                    <a:ext cx="43571" cy="51130"/>
+                  </a:xfrm>
+                  <a:custGeom>
+                    <a:avLst/>
+                    <a:gdLst>
+                      <a:gd name="T0" fmla="*/ 21 w 29"/>
+                      <a:gd name="T1" fmla="*/ 22 h 32"/>
+                      <a:gd name="T2" fmla="*/ 28 w 29"/>
+                      <a:gd name="T3" fmla="*/ 0 h 32"/>
+                      <a:gd name="T4" fmla="*/ 8 w 29"/>
+                      <a:gd name="T5" fmla="*/ 10 h 32"/>
+                      <a:gd name="T6" fmla="*/ 1 w 29"/>
+                      <a:gd name="T7" fmla="*/ 31 h 32"/>
+                      <a:gd name="T8" fmla="*/ 21 w 29"/>
+                      <a:gd name="T9" fmla="*/ 22 h 32"/>
+                    </a:gdLst>
+                    <a:ahLst/>
+                    <a:cxnLst>
+                      <a:cxn ang="0">
+                        <a:pos x="T0" y="T1"/>
+                      </a:cxn>
+                      <a:cxn ang="0">
+                        <a:pos x="T2" y="T3"/>
+                      </a:cxn>
+                      <a:cxn ang="0">
+                        <a:pos x="T4" y="T5"/>
+                      </a:cxn>
+                      <a:cxn ang="0">
+                        <a:pos x="T6" y="T7"/>
+                      </a:cxn>
+                      <a:cxn ang="0">
+                        <a:pos x="T8" y="T9"/>
+                      </a:cxn>
+                    </a:cxnLst>
+                    <a:rect l="0" t="0" r="r" b="b"/>
+                    <a:pathLst>
+                      <a:path w="29" h="32">
+                        <a:moveTo>
+                          <a:pt x="21" y="22"/>
+                        </a:moveTo>
+                        <a:cubicBezTo>
+                          <a:pt x="26" y="16"/>
+                          <a:pt x="29" y="8"/>
+                          <a:pt x="28" y="0"/>
+                        </a:cubicBezTo>
+                        <a:cubicBezTo>
+                          <a:pt x="21" y="0"/>
+                          <a:pt x="13" y="4"/>
+                          <a:pt x="8" y="10"/>
+                        </a:cubicBezTo>
+                        <a:cubicBezTo>
+                          <a:pt x="3" y="15"/>
+                          <a:pt x="0" y="23"/>
+                          <a:pt x="1" y="31"/>
+                        </a:cubicBezTo>
+                        <a:cubicBezTo>
+                          <a:pt x="8" y="32"/>
+                          <a:pt x="16" y="27"/>
+                          <a:pt x="21" y="22"/>
+                        </a:cubicBezTo>
+                        <a:close/>
+                      </a:path>
+                    </a:pathLst>
+                  </a:custGeom>
+                  <a:solidFill>
+                    <a:schemeClr val="tx1"/>
+                  </a:solidFill>
+                  <a:ln>
+                    <a:noFill/>
+                  </a:ln>
+                  <a:extLst>
+                    <a:ext uri="{91240B29-F687-4F45-9708-019B960494DF}">
+                      <a14:hiddenLine xmlns:a14="http://schemas.microsoft.com/office/drawing/2010/main" w="9525">
+                        <a:solidFill>
+                          <a:srgbClr val="000000"/>
+                        </a:solidFill>
+                        <a:round/>
+                        <a:headEnd/>
+                        <a:tailEnd/>
+                      </a14:hiddenLine>
+                    </a:ext>
+                  </a:extLst>
+                </p:spPr>
+                <p:txBody>
+                  <a:bodyPr vert="horz" wrap="square" lIns="84705" tIns="42353" rIns="84705" bIns="42353" numCol="1" anchor="t" anchorCtr="0" compatLnSpc="1">
+                    <a:prstTxWarp prst="textNoShape">
+                      <a:avLst/>
+                    </a:prstTxWarp>
+                  </a:bodyPr>
+                  <a:lstStyle/>
+                  <a:p>
+                    <a:pPr defTabSz="847009">
+                      <a:defRPr/>
+                    </a:pPr>
+                    <a:endParaRPr lang="en-US" sz="1667" kern="0">
+                      <a:solidFill>
+                        <a:sysClr val="windowText" lastClr="000000"/>
+                      </a:solidFill>
+                      <a:latin typeface="Segoe UI Semilight"/>
+                    </a:endParaRPr>
+                  </a:p>
+                </p:txBody>
+              </p:sp>
+            </p:grpSp>
+          </p:grpSp>
+        </p:grpSp>
+      </p:grpSp>
+      <p:grpSp>
+        <p:nvGrpSpPr>
+          <p:cNvPr id="131" name="Group 130">
+            <a:extLst>
+              <a:ext uri="{FF2B5EF4-FFF2-40B4-BE49-F238E27FC236}">
+                <a16:creationId xmlns:a16="http://schemas.microsoft.com/office/drawing/2014/main" id="{63006714-D1D1-4B12-8B43-51E4D22B5A57}"/>
+              </a:ext>
+            </a:extLst>
+          </p:cNvPr>
+          <p:cNvGrpSpPr/>
           <p:nvPr/>
-        </p:nvPicPr>
-        <p:blipFill>
-          <a:blip r:embed="rId7"/>
-          <a:stretch>
-            <a:fillRect/>
-          </a:stretch>
-        </p:blipFill>
-        <p:spPr>
+        </p:nvGrpSpPr>
+        <p:grpSpPr>
           <a:xfrm>
-            <a:off x="3983212" y="3154673"/>
-            <a:ext cx="779906" cy="700208"/>
+            <a:off x="1941941" y="5123948"/>
+            <a:ext cx="8093898" cy="605695"/>
+            <a:chOff x="1653863" y="5594454"/>
+            <a:chExt cx="8737440" cy="653853"/>
           </a:xfrm>
-          <a:prstGeom prst="rect">
-            <a:avLst/>
-          </a:prstGeom>
-        </p:spPr>
-      </p:pic>
-      <p:pic>
-        <p:nvPicPr>
-          <p:cNvPr id="14" name="Picture 13"/>
-          <p:cNvPicPr>
-            <a:picLocks noChangeAspect="1"/>
-          </p:cNvPicPr>
+        </p:grpSpPr>
+        <p:sp>
+          <p:nvSpPr>
+            <p:cNvPr id="132" name="TextBox 131">
+              <a:extLst>
+                <a:ext uri="{FF2B5EF4-FFF2-40B4-BE49-F238E27FC236}">
+                  <a16:creationId xmlns:a16="http://schemas.microsoft.com/office/drawing/2014/main" id="{98056719-F99B-4C5E-B156-45EDF81E9DD1}"/>
+                </a:ext>
+              </a:extLst>
+            </p:cNvPr>
+            <p:cNvSpPr txBox="1"/>
+            <p:nvPr/>
+          </p:nvSpPr>
+          <p:spPr>
+            <a:xfrm>
+              <a:off x="2618453" y="5620456"/>
+              <a:ext cx="7772850" cy="627851"/>
+            </a:xfrm>
+            <a:prstGeom prst="rect">
+              <a:avLst/>
+            </a:prstGeom>
+            <a:noFill/>
+          </p:spPr>
+          <p:txBody>
+            <a:bodyPr wrap="none" lIns="169410" tIns="135528" rIns="169410" bIns="135528" rtlCol="0">
+              <a:spAutoFit/>
+            </a:bodyPr>
+            <a:lstStyle/>
+            <a:p>
+              <a:pPr>
+                <a:lnSpc>
+                  <a:spcPct val="90000"/>
+                </a:lnSpc>
+                <a:spcAft>
+                  <a:spcPts val="556"/>
+                </a:spcAft>
+              </a:pPr>
+              <a:r>
+                <a:rPr lang="en-US" sz="2223" dirty="0">
+                  <a:gradFill>
+                    <a:gsLst>
+                      <a:gs pos="2917">
+                        <a:schemeClr val="tx1"/>
+                      </a:gs>
+                      <a:gs pos="30000">
+                        <a:schemeClr val="tx1"/>
+                      </a:gs>
+                    </a:gsLst>
+                    <a:lin ang="5400000" scaled="0"/>
+                  </a:gradFill>
+                </a:rPr>
+                <a:t>For SQL </a:t>
+              </a:r>
+              <a:r>
+                <a:rPr lang="en-US" sz="2223" dirty="0" smtClean="0">
+                  <a:gradFill>
+                    <a:gsLst>
+                      <a:gs pos="2917">
+                        <a:schemeClr val="tx1"/>
+                      </a:gs>
+                      <a:gs pos="30000">
+                        <a:schemeClr val="tx1"/>
+                      </a:gs>
+                    </a:gsLst>
+                    <a:lin ang="5400000" scaled="0"/>
+                  </a:gradFill>
+                </a:rPr>
+                <a:t>Server </a:t>
+              </a:r>
+              <a:r>
+                <a:rPr lang="en-US" sz="2223" dirty="0">
+                  <a:gradFill>
+                    <a:gsLst>
+                      <a:gs pos="2917">
+                        <a:schemeClr val="tx1"/>
+                      </a:gs>
+                      <a:gs pos="30000">
+                        <a:schemeClr val="tx1"/>
+                      </a:gs>
+                    </a:gsLst>
+                    <a:lin ang="5400000" scaled="0"/>
+                  </a:gradFill>
+                </a:rPr>
+                <a:t>running anywhere</a:t>
+              </a:r>
+              <a:r>
+                <a:rPr lang="en-US" sz="2223" dirty="0" smtClean="0">
+                  <a:gradFill>
+                    <a:gsLst>
+                      <a:gs pos="2917">
+                        <a:schemeClr val="tx1"/>
+                      </a:gs>
+                      <a:gs pos="30000">
+                        <a:schemeClr val="tx1"/>
+                      </a:gs>
+                    </a:gsLst>
+                    <a:lin ang="5400000" scaled="0"/>
+                  </a:gradFill>
+                </a:rPr>
+                <a:t>, </a:t>
+              </a:r>
+              <a:r>
+                <a:rPr lang="en-US" sz="2223" dirty="0">
+                  <a:gradFill>
+                    <a:gsLst>
+                      <a:gs pos="2917">
+                        <a:schemeClr val="tx1"/>
+                      </a:gs>
+                      <a:gs pos="30000">
+                        <a:schemeClr val="tx1"/>
+                      </a:gs>
+                    </a:gsLst>
+                    <a:lin ang="5400000" scaled="0"/>
+                  </a:gradFill>
+                </a:rPr>
+                <a:t>Azure SQLDB &amp; </a:t>
+              </a:r>
+              <a:r>
+                <a:rPr lang="en-US" sz="2223" dirty="0" smtClean="0">
+                  <a:gradFill>
+                    <a:gsLst>
+                      <a:gs pos="2917">
+                        <a:schemeClr val="tx1"/>
+                      </a:gs>
+                      <a:gs pos="30000">
+                        <a:schemeClr val="tx1"/>
+                      </a:gs>
+                    </a:gsLst>
+                    <a:lin ang="5400000" scaled="0"/>
+                  </a:gradFill>
+                </a:rPr>
+                <a:t>DW</a:t>
+              </a:r>
+              <a:endParaRPr lang="en-US" sz="2223" dirty="0">
+                <a:gradFill>
+                  <a:gsLst>
+                    <a:gs pos="2917">
+                      <a:schemeClr val="tx1"/>
+                    </a:gs>
+                    <a:gs pos="30000">
+                      <a:schemeClr val="tx1"/>
+                    </a:gs>
+                  </a:gsLst>
+                  <a:lin ang="5400000" scaled="0"/>
+                </a:gradFill>
+              </a:endParaRPr>
+            </a:p>
+          </p:txBody>
+        </p:sp>
+        <p:grpSp>
+          <p:nvGrpSpPr>
+            <p:cNvPr id="133" name="Group 132">
+              <a:extLst>
+                <a:ext uri="{FF2B5EF4-FFF2-40B4-BE49-F238E27FC236}">
+                  <a16:creationId xmlns:a16="http://schemas.microsoft.com/office/drawing/2014/main" id="{3575B1CC-FB9F-4048-A39A-81A4389C83BA}"/>
+                </a:ext>
+              </a:extLst>
+            </p:cNvPr>
+            <p:cNvGrpSpPr/>
+            <p:nvPr/>
+          </p:nvGrpSpPr>
+          <p:grpSpPr>
+            <a:xfrm>
+              <a:off x="1653863" y="5594454"/>
+              <a:ext cx="964590" cy="556642"/>
+              <a:chOff x="1464520" y="5607620"/>
+              <a:chExt cx="964590" cy="556642"/>
+            </a:xfrm>
+          </p:grpSpPr>
+          <p:sp>
+            <p:nvSpPr>
+              <p:cNvPr id="135" name="building_5" title="Icon of tall buildings">
+                <a:extLst>
+                  <a:ext uri="{FF2B5EF4-FFF2-40B4-BE49-F238E27FC236}">
+                    <a16:creationId xmlns:a16="http://schemas.microsoft.com/office/drawing/2014/main" id="{1226CEBB-1BBC-461E-A6F5-DBB5ACCF751C}"/>
+                  </a:ext>
+                </a:extLst>
+              </p:cNvPr>
+              <p:cNvSpPr>
+                <a:spLocks noChangeAspect="1" noEditPoints="1"/>
+              </p:cNvSpPr>
+              <p:nvPr/>
+            </p:nvSpPr>
+            <p:spPr bwMode="auto">
+              <a:xfrm>
+                <a:off x="1722437" y="5707062"/>
+                <a:ext cx="336772" cy="365760"/>
+              </a:xfrm>
+              <a:custGeom>
+                <a:avLst/>
+                <a:gdLst>
+                  <a:gd name="T0" fmla="*/ 299 w 395"/>
+                  <a:gd name="T1" fmla="*/ 151 h 429"/>
+                  <a:gd name="T2" fmla="*/ 299 w 395"/>
+                  <a:gd name="T3" fmla="*/ 429 h 429"/>
+                  <a:gd name="T4" fmla="*/ 242 w 395"/>
+                  <a:gd name="T5" fmla="*/ 429 h 429"/>
+                  <a:gd name="T6" fmla="*/ 242 w 395"/>
+                  <a:gd name="T7" fmla="*/ 333 h 429"/>
+                  <a:gd name="T8" fmla="*/ 181 w 395"/>
+                  <a:gd name="T9" fmla="*/ 333 h 429"/>
+                  <a:gd name="T10" fmla="*/ 181 w 395"/>
+                  <a:gd name="T11" fmla="*/ 429 h 429"/>
+                  <a:gd name="T12" fmla="*/ 121 w 395"/>
+                  <a:gd name="T13" fmla="*/ 429 h 429"/>
+                  <a:gd name="T14" fmla="*/ 121 w 395"/>
+                  <a:gd name="T15" fmla="*/ 151 h 429"/>
+                  <a:gd name="T16" fmla="*/ 211 w 395"/>
+                  <a:gd name="T17" fmla="*/ 151 h 429"/>
+                  <a:gd name="T18" fmla="*/ 299 w 395"/>
+                  <a:gd name="T19" fmla="*/ 151 h 429"/>
+                  <a:gd name="T20" fmla="*/ 211 w 395"/>
+                  <a:gd name="T21" fmla="*/ 151 h 429"/>
+                  <a:gd name="T22" fmla="*/ 211 w 395"/>
+                  <a:gd name="T23" fmla="*/ 92 h 429"/>
+                  <a:gd name="T24" fmla="*/ 0 w 395"/>
+                  <a:gd name="T25" fmla="*/ 92 h 429"/>
+                  <a:gd name="T26" fmla="*/ 0 w 395"/>
+                  <a:gd name="T27" fmla="*/ 429 h 429"/>
+                  <a:gd name="T28" fmla="*/ 395 w 395"/>
+                  <a:gd name="T29" fmla="*/ 429 h 429"/>
+                  <a:gd name="T30" fmla="*/ 395 w 395"/>
+                  <a:gd name="T31" fmla="*/ 123 h 429"/>
+                  <a:gd name="T32" fmla="*/ 268 w 395"/>
+                  <a:gd name="T33" fmla="*/ 0 h 429"/>
+                  <a:gd name="T34" fmla="*/ 268 w 395"/>
+                  <a:gd name="T35" fmla="*/ 151 h 429"/>
+                  <a:gd name="T36" fmla="*/ 62 w 395"/>
+                  <a:gd name="T37" fmla="*/ 151 h 429"/>
+                  <a:gd name="T38" fmla="*/ 56 w 395"/>
+                  <a:gd name="T39" fmla="*/ 151 h 429"/>
+                  <a:gd name="T40" fmla="*/ 56 w 395"/>
+                  <a:gd name="T41" fmla="*/ 155 h 429"/>
+                  <a:gd name="T42" fmla="*/ 62 w 395"/>
+                  <a:gd name="T43" fmla="*/ 155 h 429"/>
+                  <a:gd name="T44" fmla="*/ 62 w 395"/>
+                  <a:gd name="T45" fmla="*/ 151 h 429"/>
+                  <a:gd name="T46" fmla="*/ 62 w 395"/>
+                  <a:gd name="T47" fmla="*/ 211 h 429"/>
+                  <a:gd name="T48" fmla="*/ 56 w 395"/>
+                  <a:gd name="T49" fmla="*/ 211 h 429"/>
+                  <a:gd name="T50" fmla="*/ 56 w 395"/>
+                  <a:gd name="T51" fmla="*/ 217 h 429"/>
+                  <a:gd name="T52" fmla="*/ 62 w 395"/>
+                  <a:gd name="T53" fmla="*/ 217 h 429"/>
+                  <a:gd name="T54" fmla="*/ 62 w 395"/>
+                  <a:gd name="T55" fmla="*/ 211 h 429"/>
+                  <a:gd name="T56" fmla="*/ 62 w 395"/>
+                  <a:gd name="T57" fmla="*/ 271 h 429"/>
+                  <a:gd name="T58" fmla="*/ 56 w 395"/>
+                  <a:gd name="T59" fmla="*/ 271 h 429"/>
+                  <a:gd name="T60" fmla="*/ 56 w 395"/>
+                  <a:gd name="T61" fmla="*/ 277 h 429"/>
+                  <a:gd name="T62" fmla="*/ 62 w 395"/>
+                  <a:gd name="T63" fmla="*/ 277 h 429"/>
+                  <a:gd name="T64" fmla="*/ 62 w 395"/>
+                  <a:gd name="T65" fmla="*/ 271 h 429"/>
+                  <a:gd name="T66" fmla="*/ 62 w 395"/>
+                  <a:gd name="T67" fmla="*/ 332 h 429"/>
+                  <a:gd name="T68" fmla="*/ 56 w 395"/>
+                  <a:gd name="T69" fmla="*/ 332 h 429"/>
+                  <a:gd name="T70" fmla="*/ 56 w 395"/>
+                  <a:gd name="T71" fmla="*/ 337 h 429"/>
+                  <a:gd name="T72" fmla="*/ 62 w 395"/>
+                  <a:gd name="T73" fmla="*/ 337 h 429"/>
+                  <a:gd name="T74" fmla="*/ 62 w 395"/>
+                  <a:gd name="T75" fmla="*/ 332 h 429"/>
+                  <a:gd name="T76" fmla="*/ 62 w 395"/>
+                  <a:gd name="T77" fmla="*/ 392 h 429"/>
+                  <a:gd name="T78" fmla="*/ 56 w 395"/>
+                  <a:gd name="T79" fmla="*/ 392 h 429"/>
+                  <a:gd name="T80" fmla="*/ 56 w 395"/>
+                  <a:gd name="T81" fmla="*/ 397 h 429"/>
+                  <a:gd name="T82" fmla="*/ 62 w 395"/>
+                  <a:gd name="T83" fmla="*/ 397 h 429"/>
+                  <a:gd name="T84" fmla="*/ 62 w 395"/>
+                  <a:gd name="T85" fmla="*/ 392 h 429"/>
+                  <a:gd name="T86" fmla="*/ 182 w 395"/>
+                  <a:gd name="T87" fmla="*/ 211 h 429"/>
+                  <a:gd name="T88" fmla="*/ 177 w 395"/>
+                  <a:gd name="T89" fmla="*/ 211 h 429"/>
+                  <a:gd name="T90" fmla="*/ 177 w 395"/>
+                  <a:gd name="T91" fmla="*/ 217 h 429"/>
+                  <a:gd name="T92" fmla="*/ 182 w 395"/>
+                  <a:gd name="T93" fmla="*/ 217 h 429"/>
+                  <a:gd name="T94" fmla="*/ 182 w 395"/>
+                  <a:gd name="T95" fmla="*/ 211 h 429"/>
+                  <a:gd name="T96" fmla="*/ 182 w 395"/>
+                  <a:gd name="T97" fmla="*/ 273 h 429"/>
+                  <a:gd name="T98" fmla="*/ 177 w 395"/>
+                  <a:gd name="T99" fmla="*/ 273 h 429"/>
+                  <a:gd name="T100" fmla="*/ 177 w 395"/>
+                  <a:gd name="T101" fmla="*/ 277 h 429"/>
+                  <a:gd name="T102" fmla="*/ 182 w 395"/>
+                  <a:gd name="T103" fmla="*/ 277 h 429"/>
+                  <a:gd name="T104" fmla="*/ 182 w 395"/>
+                  <a:gd name="T105" fmla="*/ 273 h 429"/>
+                  <a:gd name="T106" fmla="*/ 243 w 395"/>
+                  <a:gd name="T107" fmla="*/ 211 h 429"/>
+                  <a:gd name="T108" fmla="*/ 237 w 395"/>
+                  <a:gd name="T109" fmla="*/ 211 h 429"/>
+                  <a:gd name="T110" fmla="*/ 237 w 395"/>
+                  <a:gd name="T111" fmla="*/ 217 h 429"/>
+                  <a:gd name="T112" fmla="*/ 243 w 395"/>
+                  <a:gd name="T113" fmla="*/ 217 h 429"/>
+                  <a:gd name="T114" fmla="*/ 243 w 395"/>
+                  <a:gd name="T115" fmla="*/ 211 h 429"/>
+                  <a:gd name="T116" fmla="*/ 243 w 395"/>
+                  <a:gd name="T117" fmla="*/ 273 h 429"/>
+                  <a:gd name="T118" fmla="*/ 237 w 395"/>
+                  <a:gd name="T119" fmla="*/ 273 h 429"/>
+                  <a:gd name="T120" fmla="*/ 237 w 395"/>
+                  <a:gd name="T121" fmla="*/ 277 h 429"/>
+                  <a:gd name="T122" fmla="*/ 243 w 395"/>
+                  <a:gd name="T123" fmla="*/ 277 h 429"/>
+                  <a:gd name="T124" fmla="*/ 243 w 395"/>
+                  <a:gd name="T125" fmla="*/ 273 h 429"/>
+                </a:gdLst>
+                <a:ahLst/>
+                <a:cxnLst>
+                  <a:cxn ang="0">
+                    <a:pos x="T0" y="T1"/>
+                  </a:cxn>
+                  <a:cxn ang="0">
+                    <a:pos x="T2" y="T3"/>
+                  </a:cxn>
+                  <a:cxn ang="0">
+                    <a:pos x="T4" y="T5"/>
+                  </a:cxn>
+                  <a:cxn ang="0">
+                    <a:pos x="T6" y="T7"/>
+                  </a:cxn>
+                  <a:cxn ang="0">
+                    <a:pos x="T8" y="T9"/>
+                  </a:cxn>
+                  <a:cxn ang="0">
+                    <a:pos x="T10" y="T11"/>
+                  </a:cxn>
+                  <a:cxn ang="0">
+                    <a:pos x="T12" y="T13"/>
+                  </a:cxn>
+                  <a:cxn ang="0">
+                    <a:pos x="T14" y="T15"/>
+                  </a:cxn>
+                  <a:cxn ang="0">
+                    <a:pos x="T16" y="T17"/>
+                  </a:cxn>
+                  <a:cxn ang="0">
+                    <a:pos x="T18" y="T19"/>
+                  </a:cxn>
+                  <a:cxn ang="0">
+                    <a:pos x="T20" y="T21"/>
+                  </a:cxn>
+                  <a:cxn ang="0">
+                    <a:pos x="T22" y="T23"/>
+                  </a:cxn>
+                  <a:cxn ang="0">
+                    <a:pos x="T24" y="T25"/>
+                  </a:cxn>
+                  <a:cxn ang="0">
+                    <a:pos x="T26" y="T27"/>
+                  </a:cxn>
+                  <a:cxn ang="0">
+                    <a:pos x="T28" y="T29"/>
+                  </a:cxn>
+                  <a:cxn ang="0">
+                    <a:pos x="T30" y="T31"/>
+                  </a:cxn>
+                  <a:cxn ang="0">
+                    <a:pos x="T32" y="T33"/>
+                  </a:cxn>
+                  <a:cxn ang="0">
+                    <a:pos x="T34" y="T35"/>
+                  </a:cxn>
+                  <a:cxn ang="0">
+                    <a:pos x="T36" y="T37"/>
+                  </a:cxn>
+                  <a:cxn ang="0">
+                    <a:pos x="T38" y="T39"/>
+                  </a:cxn>
+                  <a:cxn ang="0">
+                    <a:pos x="T40" y="T41"/>
+                  </a:cxn>
+                  <a:cxn ang="0">
+                    <a:pos x="T42" y="T43"/>
+                  </a:cxn>
+                  <a:cxn ang="0">
+                    <a:pos x="T44" y="T45"/>
+                  </a:cxn>
+                  <a:cxn ang="0">
+                    <a:pos x="T46" y="T47"/>
+                  </a:cxn>
+                  <a:cxn ang="0">
+                    <a:pos x="T48" y="T49"/>
+                  </a:cxn>
+                  <a:cxn ang="0">
+                    <a:pos x="T50" y="T51"/>
+                  </a:cxn>
+                  <a:cxn ang="0">
+                    <a:pos x="T52" y="T53"/>
+                  </a:cxn>
+                  <a:cxn ang="0">
+                    <a:pos x="T54" y="T55"/>
+                  </a:cxn>
+                  <a:cxn ang="0">
+                    <a:pos x="T56" y="T57"/>
+                  </a:cxn>
+                  <a:cxn ang="0">
+                    <a:pos x="T58" y="T59"/>
+                  </a:cxn>
+                  <a:cxn ang="0">
+                    <a:pos x="T60" y="T61"/>
+                  </a:cxn>
+                  <a:cxn ang="0">
+                    <a:pos x="T62" y="T63"/>
+                  </a:cxn>
+                  <a:cxn ang="0">
+                    <a:pos x="T64" y="T65"/>
+                  </a:cxn>
+                  <a:cxn ang="0">
+                    <a:pos x="T66" y="T67"/>
+                  </a:cxn>
+                  <a:cxn ang="0">
+                    <a:pos x="T68" y="T69"/>
+                  </a:cxn>
+                  <a:cxn ang="0">
+                    <a:pos x="T70" y="T71"/>
+                  </a:cxn>
+                  <a:cxn ang="0">
+                    <a:pos x="T72" y="T73"/>
+                  </a:cxn>
+                  <a:cxn ang="0">
+                    <a:pos x="T74" y="T75"/>
+                  </a:cxn>
+                  <a:cxn ang="0">
+                    <a:pos x="T76" y="T77"/>
+                  </a:cxn>
+                  <a:cxn ang="0">
+                    <a:pos x="T78" y="T79"/>
+                  </a:cxn>
+                  <a:cxn ang="0">
+                    <a:pos x="T80" y="T81"/>
+                  </a:cxn>
+                  <a:cxn ang="0">
+                    <a:pos x="T82" y="T83"/>
+                  </a:cxn>
+                  <a:cxn ang="0">
+                    <a:pos x="T84" y="T85"/>
+                  </a:cxn>
+                  <a:cxn ang="0">
+                    <a:pos x="T86" y="T87"/>
+                  </a:cxn>
+                  <a:cxn ang="0">
+                    <a:pos x="T88" y="T89"/>
+                  </a:cxn>
+                  <a:cxn ang="0">
+                    <a:pos x="T90" y="T91"/>
+                  </a:cxn>
+                  <a:cxn ang="0">
+                    <a:pos x="T92" y="T93"/>
+                  </a:cxn>
+                  <a:cxn ang="0">
+                    <a:pos x="T94" y="T95"/>
+                  </a:cxn>
+                  <a:cxn ang="0">
+                    <a:pos x="T96" y="T97"/>
+                  </a:cxn>
+                  <a:cxn ang="0">
+                    <a:pos x="T98" y="T99"/>
+                  </a:cxn>
+                  <a:cxn ang="0">
+                    <a:pos x="T100" y="T101"/>
+                  </a:cxn>
+                  <a:cxn ang="0">
+                    <a:pos x="T102" y="T103"/>
+                  </a:cxn>
+                  <a:cxn ang="0">
+                    <a:pos x="T104" y="T105"/>
+                  </a:cxn>
+                  <a:cxn ang="0">
+                    <a:pos x="T106" y="T107"/>
+                  </a:cxn>
+                  <a:cxn ang="0">
+                    <a:pos x="T108" y="T109"/>
+                  </a:cxn>
+                  <a:cxn ang="0">
+                    <a:pos x="T110" y="T111"/>
+                  </a:cxn>
+                  <a:cxn ang="0">
+                    <a:pos x="T112" y="T113"/>
+                  </a:cxn>
+                  <a:cxn ang="0">
+                    <a:pos x="T114" y="T115"/>
+                  </a:cxn>
+                  <a:cxn ang="0">
+                    <a:pos x="T116" y="T117"/>
+                  </a:cxn>
+                  <a:cxn ang="0">
+                    <a:pos x="T118" y="T119"/>
+                  </a:cxn>
+                  <a:cxn ang="0">
+                    <a:pos x="T120" y="T121"/>
+                  </a:cxn>
+                  <a:cxn ang="0">
+                    <a:pos x="T122" y="T123"/>
+                  </a:cxn>
+                  <a:cxn ang="0">
+                    <a:pos x="T124" y="T125"/>
+                  </a:cxn>
+                </a:cxnLst>
+                <a:rect l="0" t="0" r="r" b="b"/>
+                <a:pathLst>
+                  <a:path w="395" h="429">
+                    <a:moveTo>
+                      <a:pt x="299" y="151"/>
+                    </a:moveTo>
+                    <a:lnTo>
+                      <a:pt x="299" y="429"/>
+                    </a:lnTo>
+                    <a:lnTo>
+                      <a:pt x="242" y="429"/>
+                    </a:lnTo>
+                    <a:lnTo>
+                      <a:pt x="242" y="333"/>
+                    </a:lnTo>
+                    <a:lnTo>
+                      <a:pt x="181" y="333"/>
+                    </a:lnTo>
+                    <a:lnTo>
+                      <a:pt x="181" y="429"/>
+                    </a:lnTo>
+                    <a:lnTo>
+                      <a:pt x="121" y="429"/>
+                    </a:lnTo>
+                    <a:lnTo>
+                      <a:pt x="121" y="151"/>
+                    </a:lnTo>
+                    <a:lnTo>
+                      <a:pt x="211" y="151"/>
+                    </a:lnTo>
+                    <a:lnTo>
+                      <a:pt x="299" y="151"/>
+                    </a:lnTo>
+                    <a:moveTo>
+                      <a:pt x="211" y="151"/>
+                    </a:moveTo>
+                    <a:lnTo>
+                      <a:pt x="211" y="92"/>
+                    </a:lnTo>
+                    <a:lnTo>
+                      <a:pt x="0" y="92"/>
+                    </a:lnTo>
+                    <a:lnTo>
+                      <a:pt x="0" y="429"/>
+                    </a:lnTo>
+                    <a:moveTo>
+                      <a:pt x="395" y="429"/>
+                    </a:moveTo>
+                    <a:lnTo>
+                      <a:pt x="395" y="123"/>
+                    </a:lnTo>
+                    <a:lnTo>
+                      <a:pt x="268" y="0"/>
+                    </a:lnTo>
+                    <a:lnTo>
+                      <a:pt x="268" y="151"/>
+                    </a:lnTo>
+                    <a:moveTo>
+                      <a:pt x="62" y="151"/>
+                    </a:moveTo>
+                    <a:lnTo>
+                      <a:pt x="56" y="151"/>
+                    </a:lnTo>
+                    <a:lnTo>
+                      <a:pt x="56" y="155"/>
+                    </a:lnTo>
+                    <a:lnTo>
+                      <a:pt x="62" y="155"/>
+                    </a:lnTo>
+                    <a:lnTo>
+                      <a:pt x="62" y="151"/>
+                    </a:lnTo>
+                    <a:moveTo>
+                      <a:pt x="62" y="211"/>
+                    </a:moveTo>
+                    <a:lnTo>
+                      <a:pt x="56" y="211"/>
+                    </a:lnTo>
+                    <a:lnTo>
+                      <a:pt x="56" y="217"/>
+                    </a:lnTo>
+                    <a:lnTo>
+                      <a:pt x="62" y="217"/>
+                    </a:lnTo>
+                    <a:lnTo>
+                      <a:pt x="62" y="211"/>
+                    </a:lnTo>
+                    <a:moveTo>
+                      <a:pt x="62" y="271"/>
+                    </a:moveTo>
+                    <a:lnTo>
+                      <a:pt x="56" y="271"/>
+                    </a:lnTo>
+                    <a:lnTo>
+                      <a:pt x="56" y="277"/>
+                    </a:lnTo>
+                    <a:lnTo>
+                      <a:pt x="62" y="277"/>
+                    </a:lnTo>
+                    <a:lnTo>
+                      <a:pt x="62" y="271"/>
+                    </a:lnTo>
+                    <a:moveTo>
+                      <a:pt x="62" y="332"/>
+                    </a:moveTo>
+                    <a:lnTo>
+                      <a:pt x="56" y="332"/>
+                    </a:lnTo>
+                    <a:lnTo>
+                      <a:pt x="56" y="337"/>
+                    </a:lnTo>
+                    <a:lnTo>
+                      <a:pt x="62" y="337"/>
+                    </a:lnTo>
+                    <a:lnTo>
+                      <a:pt x="62" y="332"/>
+                    </a:lnTo>
+                    <a:moveTo>
+                      <a:pt x="62" y="392"/>
+                    </a:moveTo>
+                    <a:lnTo>
+                      <a:pt x="56" y="392"/>
+                    </a:lnTo>
+                    <a:lnTo>
+                      <a:pt x="56" y="397"/>
+                    </a:lnTo>
+                    <a:lnTo>
+                      <a:pt x="62" y="397"/>
+                    </a:lnTo>
+                    <a:lnTo>
+                      <a:pt x="62" y="392"/>
+                    </a:lnTo>
+                    <a:moveTo>
+                      <a:pt x="182" y="211"/>
+                    </a:moveTo>
+                    <a:lnTo>
+                      <a:pt x="177" y="211"/>
+                    </a:lnTo>
+                    <a:lnTo>
+                      <a:pt x="177" y="217"/>
+                    </a:lnTo>
+                    <a:lnTo>
+                      <a:pt x="182" y="217"/>
+                    </a:lnTo>
+                    <a:lnTo>
+                      <a:pt x="182" y="211"/>
+                    </a:lnTo>
+                    <a:moveTo>
+                      <a:pt x="182" y="273"/>
+                    </a:moveTo>
+                    <a:lnTo>
+                      <a:pt x="177" y="273"/>
+                    </a:lnTo>
+                    <a:lnTo>
+                      <a:pt x="177" y="277"/>
+                    </a:lnTo>
+                    <a:lnTo>
+                      <a:pt x="182" y="277"/>
+                    </a:lnTo>
+                    <a:lnTo>
+                      <a:pt x="182" y="273"/>
+                    </a:lnTo>
+                    <a:moveTo>
+                      <a:pt x="243" y="211"/>
+                    </a:moveTo>
+                    <a:lnTo>
+                      <a:pt x="237" y="211"/>
+                    </a:lnTo>
+                    <a:lnTo>
+                      <a:pt x="237" y="217"/>
+                    </a:lnTo>
+                    <a:lnTo>
+                      <a:pt x="243" y="217"/>
+                    </a:lnTo>
+                    <a:lnTo>
+                      <a:pt x="243" y="211"/>
+                    </a:lnTo>
+                    <a:moveTo>
+                      <a:pt x="243" y="273"/>
+                    </a:moveTo>
+                    <a:lnTo>
+                      <a:pt x="237" y="273"/>
+                    </a:lnTo>
+                    <a:lnTo>
+                      <a:pt x="237" y="277"/>
+                    </a:lnTo>
+                    <a:lnTo>
+                      <a:pt x="243" y="277"/>
+                    </a:lnTo>
+                    <a:lnTo>
+                      <a:pt x="243" y="273"/>
+                    </a:lnTo>
+                  </a:path>
+                </a:pathLst>
+              </a:custGeom>
+              <a:noFill/>
+              <a:ln w="15875" cap="flat">
+                <a:solidFill>
+                  <a:schemeClr val="tx1"/>
+                </a:solidFill>
+                <a:prstDash val="solid"/>
+                <a:miter lim="800000"/>
+                <a:headEnd/>
+                <a:tailEnd/>
+              </a:ln>
+              <a:extLst>
+                <a:ext uri="{909E8E84-426E-40DD-AFC4-6F175D3DCCD1}">
+                  <a14:hiddenFill xmlns:a14="http://schemas.microsoft.com/office/drawing/2010/main">
+                    <a:solidFill>
+                      <a:srgbClr val="FFFFFF"/>
+                    </a:solidFill>
+                  </a14:hiddenFill>
+                </a:ext>
+              </a:extLst>
+            </p:spPr>
+            <p:txBody>
+              <a:bodyPr vert="horz" wrap="square" lIns="84705" tIns="42353" rIns="84705" bIns="42353" numCol="1" anchor="t" anchorCtr="0" compatLnSpc="1">
+                <a:prstTxWarp prst="textNoShape">
+                  <a:avLst/>
+                </a:prstTxWarp>
+              </a:bodyPr>
+              <a:lstStyle/>
+              <a:p>
+                <a:endParaRPr lang="en-US" sz="1667" dirty="0"/>
+              </a:p>
+            </p:txBody>
+          </p:sp>
+          <p:sp>
+            <p:nvSpPr>
+              <p:cNvPr id="136" name="cloud_2" title="Icon of a cloud made of two arrows pointing towards eachother">
+                <a:extLst>
+                  <a:ext uri="{FF2B5EF4-FFF2-40B4-BE49-F238E27FC236}">
+                    <a16:creationId xmlns:a16="http://schemas.microsoft.com/office/drawing/2014/main" id="{345AC72D-0F97-4C1E-8A39-B3BA70C48569}"/>
+                  </a:ext>
+                </a:extLst>
+              </p:cNvPr>
+              <p:cNvSpPr>
+                <a:spLocks noChangeAspect="1" noEditPoints="1"/>
+              </p:cNvSpPr>
+              <p:nvPr/>
+            </p:nvSpPr>
+            <p:spPr bwMode="auto">
+              <a:xfrm>
+                <a:off x="1464520" y="5607620"/>
+                <a:ext cx="964590" cy="556642"/>
+              </a:xfrm>
+              <a:custGeom>
+                <a:avLst/>
+                <a:gdLst>
+                  <a:gd name="T0" fmla="*/ 138 w 349"/>
+                  <a:gd name="T1" fmla="*/ 181 h 200"/>
+                  <a:gd name="T2" fmla="*/ 49 w 349"/>
+                  <a:gd name="T3" fmla="*/ 181 h 200"/>
+                  <a:gd name="T4" fmla="*/ 0 w 349"/>
+                  <a:gd name="T5" fmla="*/ 132 h 200"/>
+                  <a:gd name="T6" fmla="*/ 49 w 349"/>
+                  <a:gd name="T7" fmla="*/ 84 h 200"/>
+                  <a:gd name="T8" fmla="*/ 59 w 349"/>
+                  <a:gd name="T9" fmla="*/ 85 h 200"/>
+                  <a:gd name="T10" fmla="*/ 148 w 349"/>
+                  <a:gd name="T11" fmla="*/ 0 h 200"/>
+                  <a:gd name="T12" fmla="*/ 234 w 349"/>
+                  <a:gd name="T13" fmla="*/ 68 h 200"/>
+                  <a:gd name="T14" fmla="*/ 282 w 349"/>
+                  <a:gd name="T15" fmla="*/ 47 h 200"/>
+                  <a:gd name="T16" fmla="*/ 349 w 349"/>
+                  <a:gd name="T17" fmla="*/ 114 h 200"/>
+                  <a:gd name="T18" fmla="*/ 282 w 349"/>
+                  <a:gd name="T19" fmla="*/ 180 h 200"/>
+                  <a:gd name="T20" fmla="*/ 282 w 349"/>
+                  <a:gd name="T21" fmla="*/ 180 h 200"/>
+                  <a:gd name="T22" fmla="*/ 206 w 349"/>
+                  <a:gd name="T23" fmla="*/ 180 h 200"/>
+                  <a:gd name="T24" fmla="*/ 119 w 349"/>
+                  <a:gd name="T25" fmla="*/ 200 h 200"/>
+                  <a:gd name="T26" fmla="*/ 138 w 349"/>
+                  <a:gd name="T27" fmla="*/ 181 h 200"/>
+                  <a:gd name="T28" fmla="*/ 119 w 349"/>
+                  <a:gd name="T29" fmla="*/ 161 h 200"/>
+                  <a:gd name="T30" fmla="*/ 225 w 349"/>
+                  <a:gd name="T31" fmla="*/ 161 h 200"/>
+                  <a:gd name="T32" fmla="*/ 206 w 349"/>
+                  <a:gd name="T33" fmla="*/ 180 h 200"/>
+                  <a:gd name="T34" fmla="*/ 225 w 349"/>
+                  <a:gd name="T35" fmla="*/ 200 h 200"/>
+                </a:gdLst>
+                <a:ahLst/>
+                <a:cxnLst>
+                  <a:cxn ang="0">
+                    <a:pos x="T0" y="T1"/>
+                  </a:cxn>
+                  <a:cxn ang="0">
+                    <a:pos x="T2" y="T3"/>
+                  </a:cxn>
+                  <a:cxn ang="0">
+                    <a:pos x="T4" y="T5"/>
+                  </a:cxn>
+                  <a:cxn ang="0">
+                    <a:pos x="T6" y="T7"/>
+                  </a:cxn>
+                  <a:cxn ang="0">
+                    <a:pos x="T8" y="T9"/>
+                  </a:cxn>
+                  <a:cxn ang="0">
+                    <a:pos x="T10" y="T11"/>
+                  </a:cxn>
+                  <a:cxn ang="0">
+                    <a:pos x="T12" y="T13"/>
+                  </a:cxn>
+                  <a:cxn ang="0">
+                    <a:pos x="T14" y="T15"/>
+                  </a:cxn>
+                  <a:cxn ang="0">
+                    <a:pos x="T16" y="T17"/>
+                  </a:cxn>
+                  <a:cxn ang="0">
+                    <a:pos x="T18" y="T19"/>
+                  </a:cxn>
+                  <a:cxn ang="0">
+                    <a:pos x="T20" y="T21"/>
+                  </a:cxn>
+                  <a:cxn ang="0">
+                    <a:pos x="T22" y="T23"/>
+                  </a:cxn>
+                  <a:cxn ang="0">
+                    <a:pos x="T24" y="T25"/>
+                  </a:cxn>
+                  <a:cxn ang="0">
+                    <a:pos x="T26" y="T27"/>
+                  </a:cxn>
+                  <a:cxn ang="0">
+                    <a:pos x="T28" y="T29"/>
+                  </a:cxn>
+                  <a:cxn ang="0">
+                    <a:pos x="T30" y="T31"/>
+                  </a:cxn>
+                  <a:cxn ang="0">
+                    <a:pos x="T32" y="T33"/>
+                  </a:cxn>
+                  <a:cxn ang="0">
+                    <a:pos x="T34" y="T35"/>
+                  </a:cxn>
+                </a:cxnLst>
+                <a:rect l="0" t="0" r="r" b="b"/>
+                <a:pathLst>
+                  <a:path w="349" h="200">
+                    <a:moveTo>
+                      <a:pt x="138" y="181"/>
+                    </a:moveTo>
+                    <a:cubicBezTo>
+                      <a:pt x="49" y="181"/>
+                      <a:pt x="49" y="181"/>
+                      <a:pt x="49" y="181"/>
+                    </a:cubicBezTo>
+                    <a:cubicBezTo>
+                      <a:pt x="22" y="181"/>
+                      <a:pt x="0" y="159"/>
+                      <a:pt x="0" y="132"/>
+                    </a:cubicBezTo>
+                    <a:cubicBezTo>
+                      <a:pt x="0" y="105"/>
+                      <a:pt x="22" y="84"/>
+                      <a:pt x="49" y="84"/>
+                    </a:cubicBezTo>
+                    <a:cubicBezTo>
+                      <a:pt x="52" y="84"/>
+                      <a:pt x="56" y="84"/>
+                      <a:pt x="59" y="85"/>
+                    </a:cubicBezTo>
+                    <a:cubicBezTo>
+                      <a:pt x="61" y="38"/>
+                      <a:pt x="100" y="0"/>
+                      <a:pt x="148" y="0"/>
+                    </a:cubicBezTo>
+                    <a:cubicBezTo>
+                      <a:pt x="189" y="0"/>
+                      <a:pt x="224" y="29"/>
+                      <a:pt x="234" y="68"/>
+                    </a:cubicBezTo>
+                    <a:cubicBezTo>
+                      <a:pt x="246" y="55"/>
+                      <a:pt x="263" y="47"/>
+                      <a:pt x="282" y="47"/>
+                    </a:cubicBezTo>
+                    <a:cubicBezTo>
+                      <a:pt x="319" y="47"/>
+                      <a:pt x="349" y="77"/>
+                      <a:pt x="349" y="114"/>
+                    </a:cubicBezTo>
+                    <a:cubicBezTo>
+                      <a:pt x="349" y="151"/>
+                      <a:pt x="319" y="180"/>
+                      <a:pt x="282" y="180"/>
+                    </a:cubicBezTo>
+                    <a:cubicBezTo>
+                      <a:pt x="282" y="180"/>
+                      <a:pt x="282" y="180"/>
+                      <a:pt x="282" y="180"/>
+                    </a:cubicBezTo>
+                    <a:cubicBezTo>
+                      <a:pt x="206" y="180"/>
+                      <a:pt x="206" y="180"/>
+                      <a:pt x="206" y="180"/>
+                    </a:cubicBezTo>
+                    <a:moveTo>
+                      <a:pt x="119" y="200"/>
+                    </a:moveTo>
+                    <a:cubicBezTo>
+                      <a:pt x="138" y="181"/>
+                      <a:pt x="138" y="181"/>
+                      <a:pt x="138" y="181"/>
+                    </a:cubicBezTo>
+                    <a:cubicBezTo>
+                      <a:pt x="119" y="161"/>
+                      <a:pt x="119" y="161"/>
+                      <a:pt x="119" y="161"/>
+                    </a:cubicBezTo>
+                    <a:moveTo>
+                      <a:pt x="225" y="161"/>
+                    </a:moveTo>
+                    <a:cubicBezTo>
+                      <a:pt x="206" y="180"/>
+                      <a:pt x="206" y="180"/>
+                      <a:pt x="206" y="180"/>
+                    </a:cubicBezTo>
+                    <a:cubicBezTo>
+                      <a:pt x="225" y="200"/>
+                      <a:pt x="225" y="200"/>
+                      <a:pt x="225" y="200"/>
+                    </a:cubicBezTo>
+                  </a:path>
+                </a:pathLst>
+              </a:custGeom>
+              <a:noFill/>
+              <a:ln w="15875" cap="sq">
+                <a:solidFill>
+                  <a:schemeClr val="tx1"/>
+                </a:solidFill>
+                <a:prstDash val="solid"/>
+                <a:miter lim="800000"/>
+                <a:headEnd/>
+                <a:tailEnd/>
+              </a:ln>
+              <a:extLst/>
+            </p:spPr>
+            <p:txBody>
+              <a:bodyPr vert="horz" wrap="square" lIns="84705" tIns="42353" rIns="84705" bIns="42353" numCol="1" anchor="t" anchorCtr="0" compatLnSpc="1">
+                <a:prstTxWarp prst="textNoShape">
+                  <a:avLst/>
+                </a:prstTxWarp>
+              </a:bodyPr>
+              <a:lstStyle/>
+              <a:p>
+                <a:endParaRPr lang="en-US" sz="1667" dirty="0">
+                  <a:gradFill>
+                    <a:gsLst>
+                      <a:gs pos="0">
+                        <a:srgbClr val="505050"/>
+                      </a:gs>
+                      <a:gs pos="100000">
+                        <a:srgbClr val="505050"/>
+                      </a:gs>
+                    </a:gsLst>
+                  </a:gradFill>
+                </a:endParaRPr>
+              </a:p>
+            </p:txBody>
+          </p:sp>
+        </p:grpSp>
+        <p:sp>
+          <p:nvSpPr>
+            <p:cNvPr id="134" name="Database_EFC7" title="Icon of a cylinder">
+              <a:extLst>
+                <a:ext uri="{FF2B5EF4-FFF2-40B4-BE49-F238E27FC236}">
+                  <a16:creationId xmlns:a16="http://schemas.microsoft.com/office/drawing/2014/main" id="{8D65A917-3FEB-46CC-A8ED-0A34E40545C0}"/>
+                </a:ext>
+              </a:extLst>
+            </p:cNvPr>
+            <p:cNvSpPr>
+              <a:spLocks noChangeAspect="1" noEditPoints="1"/>
+            </p:cNvSpPr>
+            <p:nvPr/>
+          </p:nvSpPr>
+          <p:spPr bwMode="auto">
+            <a:xfrm>
+              <a:off x="2337702" y="5930116"/>
+              <a:ext cx="199317" cy="259080"/>
+            </a:xfrm>
+            <a:custGeom>
+              <a:avLst/>
+              <a:gdLst>
+                <a:gd name="T0" fmla="*/ 2470 w 2511"/>
+                <a:gd name="T1" fmla="*/ 627 h 3264"/>
+                <a:gd name="T2" fmla="*/ 2511 w 2511"/>
+                <a:gd name="T3" fmla="*/ 627 h 3264"/>
+                <a:gd name="T4" fmla="*/ 2511 w 2511"/>
+                <a:gd name="T5" fmla="*/ 2762 h 3264"/>
+                <a:gd name="T6" fmla="*/ 1255 w 2511"/>
+                <a:gd name="T7" fmla="*/ 3264 h 3264"/>
+                <a:gd name="T8" fmla="*/ 0 w 2511"/>
+                <a:gd name="T9" fmla="*/ 2762 h 3264"/>
+                <a:gd name="T10" fmla="*/ 0 w 2511"/>
+                <a:gd name="T11" fmla="*/ 627 h 3264"/>
+                <a:gd name="T12" fmla="*/ 41 w 2511"/>
+                <a:gd name="T13" fmla="*/ 627 h 3264"/>
+                <a:gd name="T14" fmla="*/ 1255 w 2511"/>
+                <a:gd name="T15" fmla="*/ 1004 h 3264"/>
+                <a:gd name="T16" fmla="*/ 2470 w 2511"/>
+                <a:gd name="T17" fmla="*/ 627 h 3264"/>
+                <a:gd name="T18" fmla="*/ 1255 w 2511"/>
+                <a:gd name="T19" fmla="*/ 0 h 3264"/>
+                <a:gd name="T20" fmla="*/ 0 w 2511"/>
+                <a:gd name="T21" fmla="*/ 502 h 3264"/>
+                <a:gd name="T22" fmla="*/ 1255 w 2511"/>
+                <a:gd name="T23" fmla="*/ 1004 h 3264"/>
+                <a:gd name="T24" fmla="*/ 2511 w 2511"/>
+                <a:gd name="T25" fmla="*/ 502 h 3264"/>
+                <a:gd name="T26" fmla="*/ 1255 w 2511"/>
+                <a:gd name="T27" fmla="*/ 0 h 3264"/>
+              </a:gdLst>
+              <a:ahLst/>
+              <a:cxnLst>
+                <a:cxn ang="0">
+                  <a:pos x="T0" y="T1"/>
+                </a:cxn>
+                <a:cxn ang="0">
+                  <a:pos x="T2" y="T3"/>
+                </a:cxn>
+                <a:cxn ang="0">
+                  <a:pos x="T4" y="T5"/>
+                </a:cxn>
+                <a:cxn ang="0">
+                  <a:pos x="T6" y="T7"/>
+                </a:cxn>
+                <a:cxn ang="0">
+                  <a:pos x="T8" y="T9"/>
+                </a:cxn>
+                <a:cxn ang="0">
+                  <a:pos x="T10" y="T11"/>
+                </a:cxn>
+                <a:cxn ang="0">
+                  <a:pos x="T12" y="T13"/>
+                </a:cxn>
+                <a:cxn ang="0">
+                  <a:pos x="T14" y="T15"/>
+                </a:cxn>
+                <a:cxn ang="0">
+                  <a:pos x="T16" y="T17"/>
+                </a:cxn>
+                <a:cxn ang="0">
+                  <a:pos x="T18" y="T19"/>
+                </a:cxn>
+                <a:cxn ang="0">
+                  <a:pos x="T20" y="T21"/>
+                </a:cxn>
+                <a:cxn ang="0">
+                  <a:pos x="T22" y="T23"/>
+                </a:cxn>
+                <a:cxn ang="0">
+                  <a:pos x="T24" y="T25"/>
+                </a:cxn>
+                <a:cxn ang="0">
+                  <a:pos x="T26" y="T27"/>
+                </a:cxn>
+              </a:cxnLst>
+              <a:rect l="0" t="0" r="r" b="b"/>
+              <a:pathLst>
+                <a:path w="2511" h="3264">
+                  <a:moveTo>
+                    <a:pt x="2470" y="627"/>
+                  </a:moveTo>
+                  <a:cubicBezTo>
+                    <a:pt x="2511" y="627"/>
+                    <a:pt x="2511" y="627"/>
+                    <a:pt x="2511" y="627"/>
+                  </a:cubicBezTo>
+                  <a:cubicBezTo>
+                    <a:pt x="2511" y="2762"/>
+                    <a:pt x="2511" y="2762"/>
+                    <a:pt x="2511" y="2762"/>
+                  </a:cubicBezTo>
+                  <a:cubicBezTo>
+                    <a:pt x="2511" y="3040"/>
+                    <a:pt x="1949" y="3264"/>
+                    <a:pt x="1255" y="3264"/>
+                  </a:cubicBezTo>
+                  <a:cubicBezTo>
+                    <a:pt x="562" y="3264"/>
+                    <a:pt x="0" y="3040"/>
+                    <a:pt x="0" y="2762"/>
+                  </a:cubicBezTo>
+                  <a:cubicBezTo>
+                    <a:pt x="0" y="627"/>
+                    <a:pt x="0" y="627"/>
+                    <a:pt x="0" y="627"/>
+                  </a:cubicBezTo>
+                  <a:cubicBezTo>
+                    <a:pt x="41" y="627"/>
+                    <a:pt x="41" y="627"/>
+                    <a:pt x="41" y="627"/>
+                  </a:cubicBezTo>
+                  <a:cubicBezTo>
+                    <a:pt x="180" y="844"/>
+                    <a:pt x="671" y="1004"/>
+                    <a:pt x="1255" y="1004"/>
+                  </a:cubicBezTo>
+                  <a:cubicBezTo>
+                    <a:pt x="1840" y="1004"/>
+                    <a:pt x="2330" y="844"/>
+                    <a:pt x="2470" y="627"/>
+                  </a:cubicBezTo>
+                  <a:close/>
+                  <a:moveTo>
+                    <a:pt x="1255" y="0"/>
+                  </a:moveTo>
+                  <a:cubicBezTo>
+                    <a:pt x="562" y="0"/>
+                    <a:pt x="0" y="224"/>
+                    <a:pt x="0" y="502"/>
+                  </a:cubicBezTo>
+                  <a:cubicBezTo>
+                    <a:pt x="0" y="779"/>
+                    <a:pt x="562" y="1004"/>
+                    <a:pt x="1255" y="1004"/>
+                  </a:cubicBezTo>
+                  <a:cubicBezTo>
+                    <a:pt x="1949" y="1004"/>
+                    <a:pt x="2511" y="779"/>
+                    <a:pt x="2511" y="502"/>
+                  </a:cubicBezTo>
+                  <a:cubicBezTo>
+                    <a:pt x="2511" y="224"/>
+                    <a:pt x="1949" y="0"/>
+                    <a:pt x="1255" y="0"/>
+                  </a:cubicBezTo>
+                  <a:close/>
+                </a:path>
+              </a:pathLst>
+            </a:custGeom>
+            <a:solidFill>
+              <a:schemeClr val="bg1"/>
+            </a:solidFill>
+            <a:ln w="15875" cap="sq">
+              <a:solidFill>
+                <a:schemeClr val="tx1"/>
+              </a:solidFill>
+              <a:prstDash val="solid"/>
+              <a:miter lim="800000"/>
+              <a:headEnd/>
+              <a:tailEnd/>
+            </a:ln>
+            <a:extLst/>
+          </p:spPr>
+          <p:txBody>
+            <a:bodyPr vert="horz" wrap="square" lIns="84705" tIns="42353" rIns="84705" bIns="42353" numCol="1" anchor="t" anchorCtr="0" compatLnSpc="1">
+              <a:prstTxWarp prst="textNoShape">
+                <a:avLst/>
+              </a:prstTxWarp>
+            </a:bodyPr>
+            <a:lstStyle/>
+            <a:p>
+              <a:endParaRPr lang="en-US" sz="1667"/>
+            </a:p>
+          </p:txBody>
+        </p:sp>
+      </p:grpSp>
+      <p:grpSp>
+        <p:nvGrpSpPr>
+          <p:cNvPr id="137" name="Group 136"/>
+          <p:cNvGrpSpPr/>
           <p:nvPr/>
-        </p:nvPicPr>
-        <p:blipFill>
-          <a:blip r:embed="rId8"/>
-          <a:stretch>
-            <a:fillRect/>
-          </a:stretch>
-        </p:blipFill>
-        <p:spPr>
+        </p:nvGrpSpPr>
+        <p:grpSpPr>
           <a:xfrm>
-            <a:off x="1105593" y="4982513"/>
-            <a:ext cx="875823" cy="604508"/>
+            <a:off x="3567077" y="1689931"/>
+            <a:ext cx="2230474" cy="3176410"/>
+            <a:chOff x="3567077" y="1689931"/>
+            <a:chExt cx="2230474" cy="3176410"/>
           </a:xfrm>
-          <a:prstGeom prst="rect">
-            <a:avLst/>
-          </a:prstGeom>
-        </p:spPr>
-      </p:pic>
+        </p:grpSpPr>
+        <p:grpSp>
+          <p:nvGrpSpPr>
+            <p:cNvPr id="138" name="Group 137">
+              <a:extLst>
+                <a:ext uri="{FF2B5EF4-FFF2-40B4-BE49-F238E27FC236}">
+                  <a16:creationId xmlns:a16="http://schemas.microsoft.com/office/drawing/2014/main" id="{F62A2583-2C66-470D-AD9E-DBF63B06042D}"/>
+                </a:ext>
+              </a:extLst>
+            </p:cNvPr>
+            <p:cNvGrpSpPr/>
+            <p:nvPr/>
+          </p:nvGrpSpPr>
+          <p:grpSpPr>
+            <a:xfrm>
+              <a:off x="3567077" y="1689931"/>
+              <a:ext cx="2230474" cy="3176410"/>
+              <a:chOff x="5378413" y="1820862"/>
+              <a:chExt cx="2407817" cy="3428965"/>
+            </a:xfrm>
+          </p:grpSpPr>
+          <p:sp>
+            <p:nvSpPr>
+              <p:cNvPr id="145" name="TextBox 144">
+                <a:extLst>
+                  <a:ext uri="{FF2B5EF4-FFF2-40B4-BE49-F238E27FC236}">
+                    <a16:creationId xmlns:a16="http://schemas.microsoft.com/office/drawing/2014/main" id="{4EE47D07-F993-42E2-913E-785D22FF7810}"/>
+                  </a:ext>
+                </a:extLst>
+              </p:cNvPr>
+              <p:cNvSpPr txBox="1"/>
+              <p:nvPr/>
+            </p:nvSpPr>
+            <p:spPr>
+              <a:xfrm>
+                <a:off x="5378413" y="1850975"/>
+                <a:ext cx="1760358" cy="640450"/>
+              </a:xfrm>
+              <a:prstGeom prst="rect">
+                <a:avLst/>
+              </a:prstGeom>
+              <a:noFill/>
+            </p:spPr>
+            <p:txBody>
+              <a:bodyPr wrap="none" lIns="172783" tIns="138227" rIns="172783" bIns="138227" rtlCol="0">
+                <a:spAutoFit/>
+              </a:bodyPr>
+              <a:lstStyle/>
+              <a:p>
+                <a:pPr>
+                  <a:lnSpc>
+                    <a:spcPct val="90000"/>
+                  </a:lnSpc>
+                  <a:spcAft>
+                    <a:spcPts val="567"/>
+                  </a:spcAft>
+                </a:pPr>
+                <a:r>
+                  <a:rPr lang="en-US" sz="2268" dirty="0" smtClean="0">
+                    <a:gradFill>
+                      <a:gsLst>
+                        <a:gs pos="2917">
+                          <a:schemeClr val="tx1"/>
+                        </a:gs>
+                        <a:gs pos="30000">
+                          <a:schemeClr val="tx1"/>
+                        </a:gs>
+                      </a:gsLst>
+                      <a:lin ang="5400000" scaled="0"/>
+                    </a:gradFill>
+                  </a:rPr>
+                  <a:t>Extensible</a:t>
+                </a:r>
+                <a:endParaRPr lang="en-US" sz="2268" dirty="0">
+                  <a:gradFill>
+                    <a:gsLst>
+                      <a:gs pos="2917">
+                        <a:schemeClr val="tx1"/>
+                      </a:gs>
+                      <a:gs pos="30000">
+                        <a:schemeClr val="tx1"/>
+                      </a:gs>
+                    </a:gsLst>
+                    <a:lin ang="5400000" scaled="0"/>
+                  </a:gradFill>
+                </a:endParaRPr>
+              </a:p>
+            </p:txBody>
+          </p:sp>
+          <p:cxnSp>
+            <p:nvCxnSpPr>
+              <p:cNvPr id="146" name="Straight Connector 145">
+                <a:extLst>
+                  <a:ext uri="{FF2B5EF4-FFF2-40B4-BE49-F238E27FC236}">
+                    <a16:creationId xmlns:a16="http://schemas.microsoft.com/office/drawing/2014/main" id="{8F079633-2265-4F0B-BBB6-FD1BEC5997E9}"/>
+                  </a:ext>
+                </a:extLst>
+              </p:cNvPr>
+              <p:cNvCxnSpPr>
+                <a:cxnSpLocks/>
+              </p:cNvCxnSpPr>
+              <p:nvPr/>
+            </p:nvCxnSpPr>
+            <p:spPr>
+              <a:xfrm>
+                <a:off x="7786230" y="1820862"/>
+                <a:ext cx="0" cy="3428965"/>
+              </a:xfrm>
+              <a:prstGeom prst="line">
+                <a:avLst/>
+              </a:prstGeom>
+              <a:ln>
+                <a:solidFill>
+                  <a:schemeClr val="tx1"/>
+                </a:solidFill>
+              </a:ln>
+            </p:spPr>
+            <p:style>
+              <a:lnRef idx="1">
+                <a:schemeClr val="accent1"/>
+              </a:lnRef>
+              <a:fillRef idx="0">
+                <a:schemeClr val="accent1"/>
+              </a:fillRef>
+              <a:effectRef idx="0">
+                <a:schemeClr val="accent1"/>
+              </a:effectRef>
+              <a:fontRef idx="minor">
+                <a:schemeClr val="tx1"/>
+              </a:fontRef>
+            </p:style>
+          </p:cxnSp>
+        </p:grpSp>
+        <p:grpSp>
+          <p:nvGrpSpPr>
+            <p:cNvPr id="139" name="Group 138"/>
+            <p:cNvGrpSpPr/>
+            <p:nvPr/>
+          </p:nvGrpSpPr>
+          <p:grpSpPr>
+            <a:xfrm>
+              <a:off x="4106890" y="3327813"/>
+              <a:ext cx="689393" cy="583882"/>
+              <a:chOff x="4106890" y="3327813"/>
+              <a:chExt cx="689393" cy="583882"/>
+            </a:xfrm>
+          </p:grpSpPr>
+          <p:sp>
+            <p:nvSpPr>
+              <p:cNvPr id="140" name="Rectangle 139"/>
+              <p:cNvSpPr/>
+              <p:nvPr/>
+            </p:nvSpPr>
+            <p:spPr>
+              <a:xfrm>
+                <a:off x="4106890" y="3342319"/>
+                <a:ext cx="604411" cy="568690"/>
+              </a:xfrm>
+              <a:prstGeom prst="rect">
+                <a:avLst/>
+              </a:prstGeom>
+              <a:noFill/>
+              <a:ln w="12700">
+                <a:solidFill>
+                  <a:schemeClr val="dk1"/>
+                </a:solidFill>
+              </a:ln>
+            </p:spPr>
+            <p:txBody>
+              <a:bodyPr lIns="0" tIns="0" rIns="0" bIns="0" rtlCol="0" anchor="ctr">
+                <a:spAutoFit/>
+              </a:bodyPr>
+              <a:lstStyle/>
+              <a:p>
+                <a:pPr algn="l"/>
+                <a:endParaRPr lang="it-IT" sz="2400" dirty="0" smtClean="0">
+                  <a:solidFill>
+                    <a:schemeClr val="accent1"/>
+                  </a:solidFill>
+                </a:endParaRPr>
+              </a:p>
+            </p:txBody>
+          </p:sp>
+          <p:cxnSp>
+            <p:nvCxnSpPr>
+              <p:cNvPr id="141" name="Straight Connector 140"/>
+              <p:cNvCxnSpPr/>
+              <p:nvPr/>
+            </p:nvCxnSpPr>
+            <p:spPr>
+              <a:xfrm flipV="1">
+                <a:off x="4454527" y="3342319"/>
+                <a:ext cx="256774" cy="284345"/>
+              </a:xfrm>
+              <a:prstGeom prst="line">
+                <a:avLst/>
+              </a:prstGeom>
+              <a:ln w="12700">
+                <a:solidFill>
+                  <a:schemeClr val="tx1"/>
+                </a:solidFill>
+              </a:ln>
+              <a:effectLst>
+                <a:outerShdw blurRad="40000" dist="20000" dir="5400000" rotWithShape="0">
+                  <a:schemeClr val="bg1">
+                    <a:alpha val="38000"/>
+                  </a:schemeClr>
+                </a:outerShdw>
+              </a:effectLst>
+            </p:spPr>
+            <p:style>
+              <a:lnRef idx="2">
+                <a:schemeClr val="accent1"/>
+              </a:lnRef>
+              <a:fillRef idx="0">
+                <a:schemeClr val="accent1"/>
+              </a:fillRef>
+              <a:effectRef idx="1">
+                <a:schemeClr val="accent1"/>
+              </a:effectRef>
+              <a:fontRef idx="minor">
+                <a:schemeClr val="tx1"/>
+              </a:fontRef>
+            </p:style>
+          </p:cxnSp>
+          <p:sp>
+            <p:nvSpPr>
+              <p:cNvPr id="142" name="Rectangle 141"/>
+              <p:cNvSpPr/>
+              <p:nvPr/>
+            </p:nvSpPr>
+            <p:spPr>
+              <a:xfrm>
+                <a:off x="4110077" y="3687361"/>
+                <a:ext cx="277888" cy="224334"/>
+              </a:xfrm>
+              <a:prstGeom prst="rect">
+                <a:avLst/>
+              </a:prstGeom>
+              <a:ln w="12700">
+                <a:solidFill>
+                  <a:schemeClr val="tx1"/>
+                </a:solidFill>
+              </a:ln>
+            </p:spPr>
+            <p:txBody>
+              <a:bodyPr lIns="0" tIns="0" rIns="0" bIns="0" rtlCol="0" anchor="ctr">
+                <a:spAutoFit/>
+              </a:bodyPr>
+              <a:lstStyle/>
+              <a:p>
+                <a:pPr algn="l"/>
+                <a:endParaRPr lang="it-IT" sz="2400" dirty="0" smtClean="0">
+                  <a:solidFill>
+                    <a:schemeClr val="accent1"/>
+                  </a:solidFill>
+                </a:endParaRPr>
+              </a:p>
+            </p:txBody>
+          </p:sp>
+          <p:sp>
+            <p:nvSpPr>
+              <p:cNvPr id="143" name="Rectangle 142"/>
+              <p:cNvSpPr/>
+              <p:nvPr/>
+            </p:nvSpPr>
+            <p:spPr>
+              <a:xfrm>
+                <a:off x="4512858" y="3327813"/>
+                <a:ext cx="59532" cy="50374"/>
+              </a:xfrm>
+              <a:prstGeom prst="rect">
+                <a:avLst/>
+              </a:prstGeom>
+              <a:solidFill>
+                <a:schemeClr val="bg1"/>
+              </a:solidFill>
+            </p:spPr>
+            <p:txBody>
+              <a:bodyPr lIns="0" tIns="0" rIns="0" bIns="0" rtlCol="0" anchor="ctr">
+                <a:spAutoFit/>
+              </a:bodyPr>
+              <a:lstStyle/>
+              <a:p>
+                <a:pPr algn="l"/>
+                <a:endParaRPr lang="it-IT" sz="2400" dirty="0" smtClean="0">
+                  <a:solidFill>
+                    <a:schemeClr val="accent1"/>
+                  </a:solidFill>
+                </a:endParaRPr>
+              </a:p>
+            </p:txBody>
+          </p:sp>
+          <p:sp>
+            <p:nvSpPr>
+              <p:cNvPr id="144" name="Rectangle 143"/>
+              <p:cNvSpPr/>
+              <p:nvPr/>
+            </p:nvSpPr>
+            <p:spPr>
+              <a:xfrm rot="5400000">
+                <a:off x="4679860" y="3427308"/>
+                <a:ext cx="58944" cy="173903"/>
+              </a:xfrm>
+              <a:prstGeom prst="rect">
+                <a:avLst/>
+              </a:prstGeom>
+              <a:solidFill>
+                <a:schemeClr val="bg1"/>
+              </a:solidFill>
+            </p:spPr>
+            <p:txBody>
+              <a:bodyPr lIns="0" tIns="0" rIns="0" bIns="0" rtlCol="0" anchor="ctr">
+                <a:spAutoFit/>
+              </a:bodyPr>
+              <a:lstStyle/>
+              <a:p>
+                <a:pPr algn="l"/>
+                <a:endParaRPr lang="it-IT" sz="2400" dirty="0" smtClean="0">
+                  <a:solidFill>
+                    <a:schemeClr val="accent1"/>
+                  </a:solidFill>
+                </a:endParaRPr>
+              </a:p>
+            </p:txBody>
+          </p:sp>
+        </p:grpSp>
+      </p:grpSp>
     </p:spTree>
     <p:extLst>
       <p:ext uri="{BB962C8B-B14F-4D97-AF65-F5344CB8AC3E}">
-        <p14:creationId xmlns:p14="http://schemas.microsoft.com/office/powerpoint/2010/main" val="2175216445"/>
+        <p14:creationId xmlns:p14="http://schemas.microsoft.com/office/powerpoint/2010/main" val="4139348103"/>
       </p:ext>
     </p:extLst>
   </p:cSld>
   <p:clrMapOvr>
     <a:masterClrMapping/>
   </p:clrMapOvr>
+  <mc:AlternateContent xmlns:mc="http://schemas.openxmlformats.org/markup-compatibility/2006">
+    <mc:Choice xmlns:p14="http://schemas.microsoft.com/office/powerpoint/2010/main" Requires="p14">
+      <p:transition spd="med" p14:dur="700">
+        <p:fade/>
+      </p:transition>
+    </mc:Choice>
+    <mc:Fallback>
+      <p:transition spd="med">
+        <p:fade/>
+      </p:transition>
+    </mc:Fallback>
+  </mc:AlternateContent>
   <p:timing>
     <p:tnLst>
       <p:par>
-        <p:cTn id="1" dur="indefinite" restart="never" nodeType="tmRoot"/>
+        <p:cTn id="1" dur="indefinite" restart="never" nodeType="tmRoot">
+          <p:childTnLst>
+            <p:seq concurrent="1" nextAc="seek">
+              <p:cTn id="2" dur="indefinite" nodeType="mainSeq">
+                <p:childTnLst>
+                  <p:par>
+                    <p:cTn id="3" fill="hold">
+                      <p:stCondLst>
+                        <p:cond delay="indefinite"/>
+                      </p:stCondLst>
+                      <p:childTnLst>
+                        <p:par>
+                          <p:cTn id="4" fill="hold">
+                            <p:stCondLst>
+                              <p:cond delay="0"/>
+                            </p:stCondLst>
+                            <p:childTnLst>
+                              <p:par>
+                                <p:cTn id="5" presetID="10" presetClass="entr" presetSubtype="0" fill="hold" nodeType="clickEffect">
+                                  <p:stCondLst>
+                                    <p:cond delay="0"/>
+                                  </p:stCondLst>
+                                  <p:childTnLst>
+                                    <p:set>
+                                      <p:cBhvr>
+                                        <p:cTn id="6" dur="1" fill="hold">
+                                          <p:stCondLst>
+                                            <p:cond delay="0"/>
+                                          </p:stCondLst>
+                                        </p:cTn>
+                                        <p:tgtEl>
+                                          <p:spTgt spid="109"/>
+                                        </p:tgtEl>
+                                        <p:attrNameLst>
+                                          <p:attrName>style.visibility</p:attrName>
+                                        </p:attrNameLst>
+                                      </p:cBhvr>
+                                      <p:to>
+                                        <p:strVal val="visible"/>
+                                      </p:to>
+                                    </p:set>
+                                    <p:animEffect transition="in" filter="fade">
+                                      <p:cBhvr>
+                                        <p:cTn id="7" dur="500"/>
+                                        <p:tgtEl>
+                                          <p:spTgt spid="109"/>
+                                        </p:tgtEl>
+                                      </p:cBhvr>
+                                    </p:animEffect>
+                                  </p:childTnLst>
+                                </p:cTn>
+                              </p:par>
+                            </p:childTnLst>
+                          </p:cTn>
+                        </p:par>
+                        <p:par>
+                          <p:cTn id="8" fill="hold">
+                            <p:stCondLst>
+                              <p:cond delay="500"/>
+                            </p:stCondLst>
+                            <p:childTnLst>
+                              <p:par>
+                                <p:cTn id="9" presetID="10" presetClass="entr" presetSubtype="0" fill="hold" nodeType="afterEffect">
+                                  <p:stCondLst>
+                                    <p:cond delay="0"/>
+                                  </p:stCondLst>
+                                  <p:childTnLst>
+                                    <p:set>
+                                      <p:cBhvr>
+                                        <p:cTn id="10" dur="1" fill="hold">
+                                          <p:stCondLst>
+                                            <p:cond delay="0"/>
+                                          </p:stCondLst>
+                                        </p:cTn>
+                                        <p:tgtEl>
+                                          <p:spTgt spid="137"/>
+                                        </p:tgtEl>
+                                        <p:attrNameLst>
+                                          <p:attrName>style.visibility</p:attrName>
+                                        </p:attrNameLst>
+                                      </p:cBhvr>
+                                      <p:to>
+                                        <p:strVal val="visible"/>
+                                      </p:to>
+                                    </p:set>
+                                    <p:animEffect transition="in" filter="fade">
+                                      <p:cBhvr>
+                                        <p:cTn id="11" dur="500"/>
+                                        <p:tgtEl>
+                                          <p:spTgt spid="137"/>
+                                        </p:tgtEl>
+                                      </p:cBhvr>
+                                    </p:animEffect>
+                                  </p:childTnLst>
+                                </p:cTn>
+                              </p:par>
+                            </p:childTnLst>
+                          </p:cTn>
+                        </p:par>
+                        <p:par>
+                          <p:cTn id="12" fill="hold">
+                            <p:stCondLst>
+                              <p:cond delay="1000"/>
+                            </p:stCondLst>
+                            <p:childTnLst>
+                              <p:par>
+                                <p:cTn id="13" presetID="10" presetClass="entr" presetSubtype="0" fill="hold" nodeType="afterEffect">
+                                  <p:stCondLst>
+                                    <p:cond delay="0"/>
+                                  </p:stCondLst>
+                                  <p:childTnLst>
+                                    <p:set>
+                                      <p:cBhvr>
+                                        <p:cTn id="14" dur="1" fill="hold">
+                                          <p:stCondLst>
+                                            <p:cond delay="0"/>
+                                          </p:stCondLst>
+                                        </p:cTn>
+                                        <p:tgtEl>
+                                          <p:spTgt spid="117"/>
+                                        </p:tgtEl>
+                                        <p:attrNameLst>
+                                          <p:attrName>style.visibility</p:attrName>
+                                        </p:attrNameLst>
+                                      </p:cBhvr>
+                                      <p:to>
+                                        <p:strVal val="visible"/>
+                                      </p:to>
+                                    </p:set>
+                                    <p:animEffect transition="in" filter="fade">
+                                      <p:cBhvr>
+                                        <p:cTn id="15" dur="500"/>
+                                        <p:tgtEl>
+                                          <p:spTgt spid="117"/>
+                                        </p:tgtEl>
+                                      </p:cBhvr>
+                                    </p:animEffect>
+                                  </p:childTnLst>
+                                </p:cTn>
+                              </p:par>
+                            </p:childTnLst>
+                          </p:cTn>
+                        </p:par>
+                        <p:par>
+                          <p:cTn id="16" fill="hold">
+                            <p:stCondLst>
+                              <p:cond delay="1500"/>
+                            </p:stCondLst>
+                            <p:childTnLst>
+                              <p:par>
+                                <p:cTn id="17" presetID="10" presetClass="entr" presetSubtype="0" fill="hold" nodeType="afterEffect">
+                                  <p:stCondLst>
+                                    <p:cond delay="0"/>
+                                  </p:stCondLst>
+                                  <p:childTnLst>
+                                    <p:set>
+                                      <p:cBhvr>
+                                        <p:cTn id="18" dur="1" fill="hold">
+                                          <p:stCondLst>
+                                            <p:cond delay="0"/>
+                                          </p:stCondLst>
+                                        </p:cTn>
+                                        <p:tgtEl>
+                                          <p:spTgt spid="121"/>
+                                        </p:tgtEl>
+                                        <p:attrNameLst>
+                                          <p:attrName>style.visibility</p:attrName>
+                                        </p:attrNameLst>
+                                      </p:cBhvr>
+                                      <p:to>
+                                        <p:strVal val="visible"/>
+                                      </p:to>
+                                    </p:set>
+                                    <p:animEffect transition="in" filter="fade">
+                                      <p:cBhvr>
+                                        <p:cTn id="19" dur="500"/>
+                                        <p:tgtEl>
+                                          <p:spTgt spid="121"/>
+                                        </p:tgtEl>
+                                      </p:cBhvr>
+                                    </p:animEffect>
+                                  </p:childTnLst>
+                                </p:cTn>
+                              </p:par>
+                            </p:childTnLst>
+                          </p:cTn>
+                        </p:par>
+                        <p:par>
+                          <p:cTn id="20" fill="hold">
+                            <p:stCondLst>
+                              <p:cond delay="2000"/>
+                            </p:stCondLst>
+                            <p:childTnLst>
+                              <p:par>
+                                <p:cTn id="21" presetID="10" presetClass="entr" presetSubtype="0" fill="hold" nodeType="afterEffect">
+                                  <p:stCondLst>
+                                    <p:cond delay="0"/>
+                                  </p:stCondLst>
+                                  <p:childTnLst>
+                                    <p:set>
+                                      <p:cBhvr>
+                                        <p:cTn id="22" dur="1" fill="hold">
+                                          <p:stCondLst>
+                                            <p:cond delay="0"/>
+                                          </p:stCondLst>
+                                        </p:cTn>
+                                        <p:tgtEl>
+                                          <p:spTgt spid="131"/>
+                                        </p:tgtEl>
+                                        <p:attrNameLst>
+                                          <p:attrName>style.visibility</p:attrName>
+                                        </p:attrNameLst>
+                                      </p:cBhvr>
+                                      <p:to>
+                                        <p:strVal val="visible"/>
+                                      </p:to>
+                                    </p:set>
+                                    <p:animEffect transition="in" filter="fade">
+                                      <p:cBhvr>
+                                        <p:cTn id="23" dur="500"/>
+                                        <p:tgtEl>
+                                          <p:spTgt spid="131"/>
+                                        </p:tgtEl>
+                                      </p:cBhvr>
+                                    </p:animEffect>
+                                  </p:childTnLst>
+                                </p:cTn>
+                              </p:par>
+                            </p:childTnLst>
+                          </p:cTn>
+                        </p:par>
+                      </p:childTnLst>
+                    </p:cTn>
+                  </p:par>
+                </p:childTnLst>
+              </p:cTn>
+              <p:prevCondLst>
+                <p:cond evt="onPrev" delay="0">
+                  <p:tgtEl>
+                    <p:sldTgt/>
+                  </p:tgtEl>
+                </p:cond>
+              </p:prevCondLst>
+              <p:nextCondLst>
+                <p:cond evt="onNext" delay="0">
+                  <p:tgtEl>
+                    <p:sldTgt/>
+                  </p:tgtEl>
+                </p:cond>
+              </p:nextCondLst>
+            </p:seq>
+          </p:childTnLst>
+        </p:cTn>
       </p:par>
     </p:tnLst>
   </p:timing>
@@ -9885,4 +15533,265 @@
   </a:objectDefaults>
   <a:extraClrSchemeLst/>
 </a:theme>
+</file>
+
+<file path=ppt/theme/theme2.xml><?xml version="1.0" encoding="utf-8"?>
+<a:theme xmlns:a="http://schemas.openxmlformats.org/drawingml/2006/main" name="Office Theme">
+  <a:themeElements>
+    <a:clrScheme name="Office">
+      <a:dk1>
+        <a:sysClr val="windowText" lastClr="000000"/>
+      </a:dk1>
+      <a:lt1>
+        <a:sysClr val="window" lastClr="FFFFFF"/>
+      </a:lt1>
+      <a:dk2>
+        <a:srgbClr val="44546A"/>
+      </a:dk2>
+      <a:lt2>
+        <a:srgbClr val="E7E6E6"/>
+      </a:lt2>
+      <a:accent1>
+        <a:srgbClr val="5B9BD5"/>
+      </a:accent1>
+      <a:accent2>
+        <a:srgbClr val="ED7D31"/>
+      </a:accent2>
+      <a:accent3>
+        <a:srgbClr val="A5A5A5"/>
+      </a:accent3>
+      <a:accent4>
+        <a:srgbClr val="FFC000"/>
+      </a:accent4>
+      <a:accent5>
+        <a:srgbClr val="4472C4"/>
+      </a:accent5>
+      <a:accent6>
+        <a:srgbClr val="70AD47"/>
+      </a:accent6>
+      <a:hlink>
+        <a:srgbClr val="0563C1"/>
+      </a:hlink>
+      <a:folHlink>
+        <a:srgbClr val="954F72"/>
+      </a:folHlink>
+    </a:clrScheme>
+    <a:fontScheme name="Office">
+      <a:majorFont>
+        <a:latin typeface="Calibri Light" panose="020F0302020204030204"/>
+        <a:ea typeface=""/>
+        <a:cs typeface=""/>
+        <a:font script="Jpan" typeface="游ゴシック Light"/>
+        <a:font script="Hang" typeface="맑은 고딕"/>
+        <a:font script="Hans" typeface="等线 Light"/>
+        <a:font script="Hant" typeface="新細明體"/>
+        <a:font script="Arab" typeface="Times New Roman"/>
+        <a:font script="Hebr" typeface="Times New Roman"/>
+        <a:font script="Thai" typeface="Angsana New"/>
+        <a:font script="Ethi" typeface="Nyala"/>
+        <a:font script="Beng" typeface="Vrinda"/>
+        <a:font script="Gujr" typeface="Shruti"/>
+        <a:font script="Khmr" typeface="MoolBoran"/>
+        <a:font script="Knda" typeface="Tunga"/>
+        <a:font script="Guru" typeface="Raavi"/>
+        <a:font script="Cans" typeface="Euphemia"/>
+        <a:font script="Cher" typeface="Plantagenet Cherokee"/>
+        <a:font script="Yiii" typeface="Microsoft Yi Baiti"/>
+        <a:font script="Tibt" typeface="Microsoft Himalaya"/>
+        <a:font script="Thaa" typeface="MV Boli"/>
+        <a:font script="Deva" typeface="Mangal"/>
+        <a:font script="Telu" typeface="Gautami"/>
+        <a:font script="Taml" typeface="Latha"/>
+        <a:font script="Syrc" typeface="Estrangelo Edessa"/>
+        <a:font script="Orya" typeface="Kalinga"/>
+        <a:font script="Mlym" typeface="Kartika"/>
+        <a:font script="Laoo" typeface="DokChampa"/>
+        <a:font script="Sinh" typeface="Iskoola Pota"/>
+        <a:font script="Mong" typeface="Mongolian Baiti"/>
+        <a:font script="Viet" typeface="Times New Roman"/>
+        <a:font script="Uigh" typeface="Microsoft Uighur"/>
+        <a:font script="Geor" typeface="Sylfaen"/>
+      </a:majorFont>
+      <a:minorFont>
+        <a:latin typeface="Calibri" panose="020F0502020204030204"/>
+        <a:ea typeface=""/>
+        <a:cs typeface=""/>
+        <a:font script="Jpan" typeface="游ゴシック"/>
+        <a:font script="Hang" typeface="맑은 고딕"/>
+        <a:font script="Hans" typeface="等线"/>
+        <a:font script="Hant" typeface="新細明體"/>
+        <a:font script="Arab" typeface="Arial"/>
+        <a:font script="Hebr" typeface="Arial"/>
+        <a:font script="Thai" typeface="Cordia New"/>
+        <a:font script="Ethi" typeface="Nyala"/>
+        <a:font script="Beng" typeface="Vrinda"/>
+        <a:font script="Gujr" typeface="Shruti"/>
+        <a:font script="Khmr" typeface="DaunPenh"/>
+        <a:font script="Knda" typeface="Tunga"/>
+        <a:font script="Guru" typeface="Raavi"/>
+        <a:font script="Cans" typeface="Euphemia"/>
+        <a:font script="Cher" typeface="Plantagenet Cherokee"/>
+        <a:font script="Yiii" typeface="Microsoft Yi Baiti"/>
+        <a:font script="Tibt" typeface="Microsoft Himalaya"/>
+        <a:font script="Thaa" typeface="MV Boli"/>
+        <a:font script="Deva" typeface="Mangal"/>
+        <a:font script="Telu" typeface="Gautami"/>
+        <a:font script="Taml" typeface="Latha"/>
+        <a:font script="Syrc" typeface="Estrangelo Edessa"/>
+        <a:font script="Orya" typeface="Kalinga"/>
+        <a:font script="Mlym" typeface="Kartika"/>
+        <a:font script="Laoo" typeface="DokChampa"/>
+        <a:font script="Sinh" typeface="Iskoola Pota"/>
+        <a:font script="Mong" typeface="Mongolian Baiti"/>
+        <a:font script="Viet" typeface="Arial"/>
+        <a:font script="Uigh" typeface="Microsoft Uighur"/>
+        <a:font script="Geor" typeface="Sylfaen"/>
+      </a:minorFont>
+    </a:fontScheme>
+    <a:fmtScheme name="Office">
+      <a:fillStyleLst>
+        <a:solidFill>
+          <a:schemeClr val="phClr"/>
+        </a:solidFill>
+        <a:gradFill rotWithShape="1">
+          <a:gsLst>
+            <a:gs pos="0">
+              <a:schemeClr val="phClr">
+                <a:lumMod val="110000"/>
+                <a:satMod val="105000"/>
+                <a:tint val="67000"/>
+              </a:schemeClr>
+            </a:gs>
+            <a:gs pos="50000">
+              <a:schemeClr val="phClr">
+                <a:lumMod val="105000"/>
+                <a:satMod val="103000"/>
+                <a:tint val="73000"/>
+              </a:schemeClr>
+            </a:gs>
+            <a:gs pos="100000">
+              <a:schemeClr val="phClr">
+                <a:lumMod val="105000"/>
+                <a:satMod val="109000"/>
+                <a:tint val="81000"/>
+              </a:schemeClr>
+            </a:gs>
+          </a:gsLst>
+          <a:lin ang="5400000" scaled="0"/>
+        </a:gradFill>
+        <a:gradFill rotWithShape="1">
+          <a:gsLst>
+            <a:gs pos="0">
+              <a:schemeClr val="phClr">
+                <a:satMod val="103000"/>
+                <a:lumMod val="102000"/>
+                <a:tint val="94000"/>
+              </a:schemeClr>
+            </a:gs>
+            <a:gs pos="50000">
+              <a:schemeClr val="phClr">
+                <a:satMod val="110000"/>
+                <a:lumMod val="100000"/>
+                <a:shade val="100000"/>
+              </a:schemeClr>
+            </a:gs>
+            <a:gs pos="100000">
+              <a:schemeClr val="phClr">
+                <a:lumMod val="99000"/>
+                <a:satMod val="120000"/>
+                <a:shade val="78000"/>
+              </a:schemeClr>
+            </a:gs>
+          </a:gsLst>
+          <a:lin ang="5400000" scaled="0"/>
+        </a:gradFill>
+      </a:fillStyleLst>
+      <a:lnStyleLst>
+        <a:ln w="6350" cap="flat" cmpd="sng" algn="ctr">
+          <a:solidFill>
+            <a:schemeClr val="phClr"/>
+          </a:solidFill>
+          <a:prstDash val="solid"/>
+          <a:miter lim="800000"/>
+        </a:ln>
+        <a:ln w="12700" cap="flat" cmpd="sng" algn="ctr">
+          <a:solidFill>
+            <a:schemeClr val="phClr"/>
+          </a:solidFill>
+          <a:prstDash val="solid"/>
+          <a:miter lim="800000"/>
+        </a:ln>
+        <a:ln w="19050" cap="flat" cmpd="sng" algn="ctr">
+          <a:solidFill>
+            <a:schemeClr val="phClr"/>
+          </a:solidFill>
+          <a:prstDash val="solid"/>
+          <a:miter lim="800000"/>
+        </a:ln>
+      </a:lnStyleLst>
+      <a:effectStyleLst>
+        <a:effectStyle>
+          <a:effectLst/>
+        </a:effectStyle>
+        <a:effectStyle>
+          <a:effectLst/>
+        </a:effectStyle>
+        <a:effectStyle>
+          <a:effectLst>
+            <a:outerShdw blurRad="57150" dist="19050" dir="5400000" algn="ctr" rotWithShape="0">
+              <a:srgbClr val="000000">
+                <a:alpha val="63000"/>
+              </a:srgbClr>
+            </a:outerShdw>
+          </a:effectLst>
+        </a:effectStyle>
+      </a:effectStyleLst>
+      <a:bgFillStyleLst>
+        <a:solidFill>
+          <a:schemeClr val="phClr"/>
+        </a:solidFill>
+        <a:solidFill>
+          <a:schemeClr val="phClr">
+            <a:tint val="95000"/>
+            <a:satMod val="170000"/>
+          </a:schemeClr>
+        </a:solidFill>
+        <a:gradFill rotWithShape="1">
+          <a:gsLst>
+            <a:gs pos="0">
+              <a:schemeClr val="phClr">
+                <a:tint val="93000"/>
+                <a:satMod val="150000"/>
+                <a:shade val="98000"/>
+                <a:lumMod val="102000"/>
+              </a:schemeClr>
+            </a:gs>
+            <a:gs pos="50000">
+              <a:schemeClr val="phClr">
+                <a:tint val="98000"/>
+                <a:satMod val="130000"/>
+                <a:shade val="90000"/>
+                <a:lumMod val="103000"/>
+              </a:schemeClr>
+            </a:gs>
+            <a:gs pos="100000">
+              <a:schemeClr val="phClr">
+                <a:shade val="63000"/>
+                <a:satMod val="120000"/>
+              </a:schemeClr>
+            </a:gs>
+          </a:gsLst>
+          <a:lin ang="5400000" scaled="0"/>
+        </a:gradFill>
+      </a:bgFillStyleLst>
+    </a:fmtScheme>
+  </a:themeElements>
+  <a:objectDefaults/>
+  <a:extraClrSchemeLst/>
+  <a:extLst>
+    <a:ext uri="{05A4C25C-085E-4340-85A3-A5531E510DB2}">
+      <thm15:themeFamily xmlns:thm15="http://schemas.microsoft.com/office/thememl/2012/main" name="Office Theme" id="{62F939B6-93AF-4DB8-9C6B-D6C7DFDC589F}" vid="{4A3C46E8-61CC-4603-A589-7422A47A8E4A}"/>
+    </a:ext>
+  </a:extLst>
+</a:theme>
 </file>
--- a/Introducing SQL Operations Studio.pptx
+++ b/Introducing SQL Operations Studio.pptx
@@ -5,7 +5,7 @@
     <p:sldMasterId id="2147483648" r:id="rId1"/>
   </p:sldMasterIdLst>
   <p:notesMasterIdLst>
-    <p:notesMasterId r:id="rId33"/>
+    <p:notesMasterId r:id="rId35"/>
   </p:notesMasterIdLst>
   <p:sldIdLst>
     <p:sldId id="263" r:id="rId2"/>
@@ -29,16 +29,18 @@
     <p:sldId id="278" r:id="rId20"/>
     <p:sldId id="277" r:id="rId21"/>
     <p:sldId id="267" r:id="rId22"/>
-    <p:sldId id="283" r:id="rId23"/>
-    <p:sldId id="289" r:id="rId24"/>
-    <p:sldId id="273" r:id="rId25"/>
-    <p:sldId id="288" r:id="rId26"/>
-    <p:sldId id="301" r:id="rId27"/>
-    <p:sldId id="299" r:id="rId28"/>
-    <p:sldId id="302" r:id="rId29"/>
-    <p:sldId id="284" r:id="rId30"/>
-    <p:sldId id="296" r:id="rId31"/>
-    <p:sldId id="297" r:id="rId32"/>
+    <p:sldId id="289" r:id="rId23"/>
+    <p:sldId id="273" r:id="rId24"/>
+    <p:sldId id="288" r:id="rId25"/>
+    <p:sldId id="301" r:id="rId26"/>
+    <p:sldId id="299" r:id="rId27"/>
+    <p:sldId id="302" r:id="rId28"/>
+    <p:sldId id="305" r:id="rId29"/>
+    <p:sldId id="306" r:id="rId30"/>
+    <p:sldId id="307" r:id="rId31"/>
+    <p:sldId id="284" r:id="rId32"/>
+    <p:sldId id="296" r:id="rId33"/>
+    <p:sldId id="297" r:id="rId34"/>
   </p:sldIdLst>
   <p:sldSz cx="11520488" cy="6480175"/>
   <p:notesSz cx="6858000" cy="9144000"/>
@@ -852,7 +854,7 @@
           <a:p>
             <a:fld id="{F652E4A1-3D45-4EBA-B418-0015710CCD69}" type="datetimeFigureOut">
               <a:rPr lang="it-IT" smtClean="0"/>
-              <a:t>03/02/2018</a:t>
+              <a:t>05/02/2018</a:t>
             </a:fld>
             <a:endParaRPr lang="it-IT"/>
           </a:p>
@@ -3518,13 +3520,13 @@
   <p:clrMapOvr>
     <a:masterClrMapping/>
   </p:clrMapOvr>
-  <mc:AlternateContent xmlns:mc="http://schemas.openxmlformats.org/markup-compatibility/2006">
-    <mc:Choice xmlns:p14="http://schemas.microsoft.com/office/powerpoint/2010/main" Requires="p14">
+  <mc:AlternateContent xmlns:mc="http://schemas.openxmlformats.org/markup-compatibility/2006" xmlns:p14="http://schemas.microsoft.com/office/powerpoint/2010/main">
+    <mc:Choice Requires="p14">
       <p:transition spd="med" p14:dur="700">
         <p:fade/>
       </p:transition>
     </mc:Choice>
-    <mc:Fallback>
+    <mc:Fallback xmlns="">
       <p:transition spd="med">
         <p:fade/>
       </p:transition>
@@ -3808,13 +3810,13 @@
   <p:clrMapOvr>
     <a:masterClrMapping/>
   </p:clrMapOvr>
-  <mc:AlternateContent xmlns:mc="http://schemas.openxmlformats.org/markup-compatibility/2006">
-    <mc:Choice xmlns:p14="http://schemas.microsoft.com/office/powerpoint/2010/main" Requires="p14">
+  <mc:AlternateContent xmlns:mc="http://schemas.openxmlformats.org/markup-compatibility/2006" xmlns:p14="http://schemas.microsoft.com/office/powerpoint/2010/main">
+    <mc:Choice Requires="p14">
       <p:transition spd="med" p14:dur="700">
         <p:fade/>
       </p:transition>
     </mc:Choice>
-    <mc:Fallback>
+    <mc:Fallback xmlns="">
       <p:transition spd="med">
         <p:fade/>
       </p:transition>
@@ -3895,13 +3897,13 @@
   <p:clrMapOvr>
     <a:masterClrMapping/>
   </p:clrMapOvr>
-  <mc:AlternateContent xmlns:mc="http://schemas.openxmlformats.org/markup-compatibility/2006">
-    <mc:Choice xmlns:p14="http://schemas.microsoft.com/office/powerpoint/2010/main" Requires="p14">
+  <mc:AlternateContent xmlns:mc="http://schemas.openxmlformats.org/markup-compatibility/2006" xmlns:p14="http://schemas.microsoft.com/office/powerpoint/2010/main">
+    <mc:Choice Requires="p14">
       <p:transition spd="med" p14:dur="700">
         <p:fade/>
       </p:transition>
     </mc:Choice>
-    <mc:Fallback>
+    <mc:Fallback xmlns="">
       <p:transition spd="med">
         <p:fade/>
       </p:transition>
@@ -4110,13 +4112,13 @@
   <p:clrMapOvr>
     <a:masterClrMapping/>
   </p:clrMapOvr>
-  <mc:AlternateContent xmlns:mc="http://schemas.openxmlformats.org/markup-compatibility/2006">
-    <mc:Choice xmlns:p14="http://schemas.microsoft.com/office/powerpoint/2010/main" Requires="p14">
+  <mc:AlternateContent xmlns:mc="http://schemas.openxmlformats.org/markup-compatibility/2006" xmlns:p14="http://schemas.microsoft.com/office/powerpoint/2010/main">
+    <mc:Choice Requires="p14">
       <p:transition spd="med" p14:dur="700">
         <p:fade/>
       </p:transition>
     </mc:Choice>
-    <mc:Fallback>
+    <mc:Fallback xmlns="">
       <p:transition spd="med">
         <p:fade/>
       </p:transition>
@@ -4274,13 +4276,13 @@
   <p:clrMapOvr>
     <a:masterClrMapping/>
   </p:clrMapOvr>
-  <mc:AlternateContent xmlns:mc="http://schemas.openxmlformats.org/markup-compatibility/2006">
-    <mc:Choice xmlns:p14="http://schemas.microsoft.com/office/powerpoint/2010/main" Requires="p14">
+  <mc:AlternateContent xmlns:mc="http://schemas.openxmlformats.org/markup-compatibility/2006" xmlns:p14="http://schemas.microsoft.com/office/powerpoint/2010/main">
+    <mc:Choice Requires="p14">
       <p:transition spd="med" p14:dur="700">
         <p:fade/>
       </p:transition>
     </mc:Choice>
-    <mc:Fallback>
+    <mc:Fallback xmlns="">
       <p:transition spd="med">
         <p:fade/>
       </p:transition>
@@ -4462,13 +4464,13 @@
   <p:clrMapOvr>
     <a:masterClrMapping/>
   </p:clrMapOvr>
-  <mc:AlternateContent xmlns:mc="http://schemas.openxmlformats.org/markup-compatibility/2006">
-    <mc:Choice xmlns:p14="http://schemas.microsoft.com/office/powerpoint/2010/main" Requires="p14">
+  <mc:AlternateContent xmlns:mc="http://schemas.openxmlformats.org/markup-compatibility/2006" xmlns:p14="http://schemas.microsoft.com/office/powerpoint/2010/main">
+    <mc:Choice Requires="p14">
       <p:transition spd="med" p14:dur="700">
         <p:fade/>
       </p:transition>
     </mc:Choice>
-    <mc:Fallback>
+    <mc:Fallback xmlns="">
       <p:transition spd="med">
         <p:fade/>
       </p:transition>
@@ -4720,13 +4722,13 @@
   <p:clrMapOvr>
     <a:masterClrMapping/>
   </p:clrMapOvr>
-  <mc:AlternateContent xmlns:mc="http://schemas.openxmlformats.org/markup-compatibility/2006">
-    <mc:Choice xmlns:p14="http://schemas.microsoft.com/office/powerpoint/2010/main" Requires="p14">
+  <mc:AlternateContent xmlns:mc="http://schemas.openxmlformats.org/markup-compatibility/2006" xmlns:p14="http://schemas.microsoft.com/office/powerpoint/2010/main">
+    <mc:Choice Requires="p14">
       <p:transition spd="med" p14:dur="700">
         <p:fade/>
       </p:transition>
     </mc:Choice>
-    <mc:Fallback>
+    <mc:Fallback xmlns="">
       <p:transition spd="med">
         <p:fade/>
       </p:transition>
@@ -4975,13 +4977,13 @@
   <p:clrMapOvr>
     <a:masterClrMapping/>
   </p:clrMapOvr>
-  <mc:AlternateContent xmlns:mc="http://schemas.openxmlformats.org/markup-compatibility/2006">
-    <mc:Choice xmlns:p14="http://schemas.microsoft.com/office/powerpoint/2010/main" Requires="p14">
+  <mc:AlternateContent xmlns:mc="http://schemas.openxmlformats.org/markup-compatibility/2006" xmlns:p14="http://schemas.microsoft.com/office/powerpoint/2010/main">
+    <mc:Choice Requires="p14">
       <p:transition spd="med" p14:dur="700">
         <p:fade/>
       </p:transition>
     </mc:Choice>
-    <mc:Fallback>
+    <mc:Fallback xmlns="">
       <p:transition spd="med">
         <p:fade/>
       </p:transition>
@@ -5244,13 +5246,13 @@
   <p:clrMapOvr>
     <a:masterClrMapping/>
   </p:clrMapOvr>
-  <mc:AlternateContent xmlns:mc="http://schemas.openxmlformats.org/markup-compatibility/2006">
-    <mc:Choice xmlns:p14="http://schemas.microsoft.com/office/powerpoint/2010/main" Requires="p14">
+  <mc:AlternateContent xmlns:mc="http://schemas.openxmlformats.org/markup-compatibility/2006" xmlns:p14="http://schemas.microsoft.com/office/powerpoint/2010/main">
+    <mc:Choice Requires="p14">
       <p:transition spd="med" p14:dur="700">
         <p:fade/>
       </p:transition>
     </mc:Choice>
-    <mc:Fallback>
+    <mc:Fallback xmlns="">
       <p:transition spd="med">
         <p:fade/>
       </p:transition>
@@ -5541,13 +5543,13 @@
   <p:clrMapOvr>
     <a:masterClrMapping/>
   </p:clrMapOvr>
-  <mc:AlternateContent xmlns:mc="http://schemas.openxmlformats.org/markup-compatibility/2006">
-    <mc:Choice xmlns:p14="http://schemas.microsoft.com/office/powerpoint/2010/main" Requires="p14">
+  <mc:AlternateContent xmlns:mc="http://schemas.openxmlformats.org/markup-compatibility/2006" xmlns:p14="http://schemas.microsoft.com/office/powerpoint/2010/main">
+    <mc:Choice Requires="p14">
       <p:transition spd="med" p14:dur="700">
         <p:fade/>
       </p:transition>
     </mc:Choice>
-    <mc:Fallback>
+    <mc:Fallback xmlns="">
       <p:transition spd="med">
         <p:fade/>
       </p:transition>
@@ -5681,6 +5683,47 @@
           </a:p>
         </p:txBody>
       </p:sp>
+      <p:sp>
+        <p:nvSpPr>
+          <p:cNvPr id="4" name="TextBox 3"/>
+          <p:cNvSpPr txBox="1"/>
+          <p:nvPr/>
+        </p:nvSpPr>
+        <p:spPr>
+          <a:xfrm>
+            <a:off x="2277688" y="6063847"/>
+            <a:ext cx="6525490" cy="292388"/>
+          </a:xfrm>
+          <a:prstGeom prst="rect">
+            <a:avLst/>
+          </a:prstGeom>
+          <a:noFill/>
+        </p:spPr>
+        <p:txBody>
+          <a:bodyPr wrap="square" rtlCol="0" anchor="b">
+            <a:spAutoFit/>
+          </a:bodyPr>
+          <a:lstStyle/>
+          <a:p>
+            <a:pPr algn="ctr"/>
+            <a:r>
+              <a:rPr lang="en-US" sz="700" dirty="0"/>
+              <a:t>SQL Operations Studio SQL Tiger Team Introduction</a:t>
+            </a:r>
+            <a:endParaRPr lang="en-US" sz="800" dirty="0"/>
+          </a:p>
+          <a:p>
+            <a:pPr algn="ctr"/>
+            <a:r>
+              <a:rPr lang="en-US" sz="600" dirty="0">
+                <a:hlinkClick r:id="rId3"/>
+              </a:rPr>
+              <a:t>https://www.youtube.com/watch?v=AwW-SRFU2zQ</a:t>
+            </a:r>
+            <a:endParaRPr lang="en-US" sz="600" dirty="0"/>
+          </a:p>
+        </p:txBody>
+      </p:sp>
     </p:spTree>
     <p:extLst>
       <p:ext uri="{BB962C8B-B14F-4D97-AF65-F5344CB8AC3E}">
@@ -5691,13 +5734,13 @@
   <p:clrMapOvr>
     <a:masterClrMapping/>
   </p:clrMapOvr>
-  <mc:AlternateContent xmlns:mc="http://schemas.openxmlformats.org/markup-compatibility/2006">
-    <mc:Choice xmlns:p14="http://schemas.microsoft.com/office/powerpoint/2010/main" Requires="p14">
+  <mc:AlternateContent xmlns:mc="http://schemas.openxmlformats.org/markup-compatibility/2006" xmlns:p14="http://schemas.microsoft.com/office/powerpoint/2010/main">
+    <mc:Choice Requires="p14">
       <p:transition spd="med" p14:dur="700">
         <p:fade/>
       </p:transition>
     </mc:Choice>
-    <mc:Fallback>
+    <mc:Fallback xmlns="">
       <p:transition spd="med">
         <p:fade/>
       </p:transition>
@@ -5768,13 +5811,13 @@
   <p:clrMapOvr>
     <a:masterClrMapping/>
   </p:clrMapOvr>
-  <mc:AlternateContent xmlns:mc="http://schemas.openxmlformats.org/markup-compatibility/2006">
-    <mc:Choice xmlns:p14="http://schemas.microsoft.com/office/powerpoint/2010/main" Requires="p14">
+  <mc:AlternateContent xmlns:mc="http://schemas.openxmlformats.org/markup-compatibility/2006" xmlns:p14="http://schemas.microsoft.com/office/powerpoint/2010/main">
+    <mc:Choice Requires="p14">
       <p:transition spd="med" p14:dur="700">
         <p:fade/>
       </p:transition>
     </mc:Choice>
-    <mc:Fallback>
+    <mc:Fallback xmlns="">
       <p:transition spd="med">
         <p:fade/>
       </p:transition>
@@ -5840,13 +5883,13 @@
   <p:clrMapOvr>
     <a:masterClrMapping/>
   </p:clrMapOvr>
-  <mc:AlternateContent xmlns:mc="http://schemas.openxmlformats.org/markup-compatibility/2006">
-    <mc:Choice xmlns:p14="http://schemas.microsoft.com/office/powerpoint/2010/main" Requires="p14">
+  <mc:AlternateContent xmlns:mc="http://schemas.openxmlformats.org/markup-compatibility/2006" xmlns:p14="http://schemas.microsoft.com/office/powerpoint/2010/main">
+    <mc:Choice Requires="p14">
       <p:transition spd="med" p14:dur="700">
         <p:fade/>
       </p:transition>
     </mc:Choice>
-    <mc:Fallback>
+    <mc:Fallback xmlns="">
       <p:transition spd="med">
         <p:fade/>
       </p:transition>
@@ -5895,8 +5938,27 @@
           <a:lstStyle/>
           <a:p>
             <a:r>
-              <a:rPr lang="en-US" dirty="0" err="1" smtClean="0"/>
-              <a:t>Conclusioni</a:t>
+              <a:rPr lang="en-US" dirty="0" err="1"/>
+              <a:t>Prospettive</a:t>
+            </a:r>
+            <a:r>
+              <a:rPr lang="en-US" dirty="0"/>
+              <a:t> </a:t>
+            </a:r>
+            <a:r>
+              <a:rPr lang="en-US" dirty="0" smtClean="0"/>
+              <a:t>future</a:t>
+            </a:r>
+            <a:br>
+              <a:rPr lang="en-US" dirty="0" smtClean="0"/>
+            </a:br>
+            <a:r>
+              <a:rPr lang="en-US" dirty="0" smtClean="0"/>
+              <a:t>e </a:t>
+            </a:r>
+            <a:r>
+              <a:rPr lang="en-US" dirty="0"/>
+              <a:t>FAQ</a:t>
             </a:r>
             <a:endParaRPr lang="en-US" dirty="0"/>
           </a:p>
@@ -5912,13 +5974,13 @@
   <p:clrMapOvr>
     <a:masterClrMapping/>
   </p:clrMapOvr>
-  <mc:AlternateContent xmlns:mc="http://schemas.openxmlformats.org/markup-compatibility/2006">
-    <mc:Choice xmlns:p14="http://schemas.microsoft.com/office/powerpoint/2010/main" Requires="p14">
+  <mc:AlternateContent xmlns:mc="http://schemas.openxmlformats.org/markup-compatibility/2006" xmlns:p14="http://schemas.microsoft.com/office/powerpoint/2010/main">
+    <mc:Choice Requires="p14">
       <p:transition spd="med" p14:dur="700">
         <p:fade/>
       </p:transition>
     </mc:Choice>
-    <mc:Fallback>
+    <mc:Fallback xmlns="">
       <p:transition spd="med">
         <p:fade/>
       </p:transition>
@@ -5967,8 +6029,12 @@
           <a:lstStyle/>
           <a:p>
             <a:r>
+              <a:rPr lang="en-US" dirty="0" err="1" smtClean="0"/>
+              <a:t>Prospettive</a:t>
+            </a:r>
+            <a:r>
               <a:rPr lang="en-US" dirty="0" smtClean="0"/>
-              <a:t>Recap</a:t>
+              <a:t> future e FAQ</a:t>
             </a:r>
             <a:endParaRPr lang="en-US" dirty="0"/>
           </a:p>
@@ -5996,10 +6062,41 @@
               <a:buChar char="•"/>
             </a:pPr>
             <a:r>
+              <a:rPr lang="en-US" dirty="0" smtClean="0"/>
+              <a:t>A </a:t>
+            </a:r>
+            <a:r>
               <a:rPr lang="en-US" dirty="0" err="1" smtClean="0"/>
-              <a:t>Premessa</a:t>
-            </a:r>
-            <a:endParaRPr lang="en-US" dirty="0" smtClean="0"/>
+              <a:t>che</a:t>
+            </a:r>
+            <a:r>
+              <a:rPr lang="en-US" dirty="0" smtClean="0"/>
+              <a:t> </a:t>
+            </a:r>
+            <a:r>
+              <a:rPr lang="en-US" dirty="0" err="1" smtClean="0"/>
+              <a:t>punto</a:t>
+            </a:r>
+            <a:r>
+              <a:rPr lang="en-US" dirty="0" smtClean="0"/>
+              <a:t> è </a:t>
+            </a:r>
+            <a:r>
+              <a:rPr lang="en-US" dirty="0" err="1" smtClean="0"/>
+              <a:t>il</a:t>
+            </a:r>
+            <a:r>
+              <a:rPr lang="en-US" dirty="0" smtClean="0"/>
+              <a:t> </a:t>
+            </a:r>
+            <a:r>
+              <a:rPr lang="en-US" dirty="0" err="1" smtClean="0"/>
+              <a:t>progetto</a:t>
+            </a:r>
+            <a:r>
+              <a:rPr lang="en-US" dirty="0" smtClean="0"/>
+              <a:t>?</a:t>
+            </a:r>
           </a:p>
           <a:p>
             <a:pPr marL="571500" indent="-571500">
@@ -6007,13 +6104,18 @@
               <a:buChar char="•"/>
             </a:pPr>
             <a:r>
+              <a:rPr lang="en-US" dirty="0" smtClean="0"/>
+              <a:t>A </a:t>
+            </a:r>
+            <a:r>
               <a:rPr lang="en-US" dirty="0" err="1" smtClean="0"/>
-              <a:t>Introduzione</a:t>
+              <a:t>quando</a:t>
             </a:r>
             <a:r>
               <a:rPr lang="en-US" dirty="0" smtClean="0"/>
-              <a:t> al tool</a:t>
-            </a:r>
+              <a:t> la General Availability?</a:t>
+            </a:r>
+            <a:endParaRPr lang="en-US" dirty="0"/>
           </a:p>
           <a:p>
             <a:pPr marL="571500" indent="-571500">
@@ -6021,20 +6123,16 @@
               <a:buChar char="•"/>
             </a:pPr>
             <a:r>
+              <a:rPr lang="en-US" dirty="0" smtClean="0"/>
+              <a:t>SQL Ops Studio </a:t>
+            </a:r>
+            <a:r>
               <a:rPr lang="en-US" dirty="0" err="1" smtClean="0"/>
-              <a:t>Esplorazione</a:t>
+              <a:t>sostituirà</a:t>
             </a:r>
             <a:r>
               <a:rPr lang="en-US" dirty="0" smtClean="0"/>
-              <a:t> </a:t>
-            </a:r>
-            <a:r>
-              <a:rPr lang="en-US" dirty="0" err="1" smtClean="0"/>
-              <a:t>funzionalità</a:t>
-            </a:r>
-            <a:r>
-              <a:rPr lang="en-US" dirty="0" smtClean="0"/>
-              <a:t> di base</a:t>
+              <a:t> SSMS?</a:t>
             </a:r>
           </a:p>
           <a:p>
@@ -6044,7 +6142,15 @@
             </a:pPr>
             <a:r>
               <a:rPr lang="en-US" dirty="0" err="1" smtClean="0"/>
-              <a:t>Introduzione</a:t>
+              <a:t>Che</a:t>
+            </a:r>
+            <a:r>
+              <a:rPr lang="en-US" dirty="0" smtClean="0"/>
+              <a:t> ne è </a:t>
+            </a:r>
+            <a:r>
+              <a:rPr lang="en-US" dirty="0" err="1" smtClean="0"/>
+              <a:t>delle</a:t>
             </a:r>
             <a:r>
               <a:rPr lang="en-US" dirty="0" smtClean="0"/>
@@ -6052,32 +6158,30 @@
             </a:r>
             <a:r>
               <a:rPr lang="en-US" dirty="0" err="1" smtClean="0"/>
-              <a:t>nuove</a:t>
+              <a:t>altre</a:t>
             </a:r>
             <a:r>
               <a:rPr lang="en-US" dirty="0" smtClean="0"/>
-              <a:t> feature</a:t>
-            </a:r>
-          </a:p>
-          <a:p>
-            <a:pPr marL="571500" indent="-571500">
-              <a:buFont typeface="Arial" panose="020B0604020202020204" pitchFamily="34" charset="0"/>
-              <a:buChar char="•"/>
-            </a:pPr>
+              <a:t> </a:t>
+            </a:r>
+            <a:r>
+              <a:rPr lang="en-US" dirty="0" err="1" smtClean="0"/>
+              <a:t>componenti</a:t>
+            </a:r>
             <a:r>
               <a:rPr lang="en-US" dirty="0" smtClean="0"/>
-              <a:t>Demo </a:t>
-            </a:r>
-          </a:p>
-          <a:p>
-            <a:pPr marL="571500" indent="-571500">
-              <a:buFont typeface="Arial" panose="020B0604020202020204" pitchFamily="34" charset="0"/>
-              <a:buChar char="•"/>
-            </a:pPr>
+              <a:t> (SSRS, SSIS, </a:t>
+            </a:r>
+            <a:r>
+              <a:rPr lang="en-US" dirty="0" err="1" smtClean="0"/>
+              <a:t>etc</a:t>
+            </a:r>
             <a:r>
               <a:rPr lang="en-US" dirty="0" smtClean="0"/>
-              <a:t>…</a:t>
-            </a:r>
+              <a:t>) ?</a:t>
+            </a:r>
+          </a:p>
+          <a:p>
             <a:endParaRPr lang="en-US" dirty="0"/>
           </a:p>
         </p:txBody>
@@ -6085,20 +6189,20 @@
     </p:spTree>
     <p:extLst>
       <p:ext uri="{BB962C8B-B14F-4D97-AF65-F5344CB8AC3E}">
-        <p14:creationId xmlns:p14="http://schemas.microsoft.com/office/powerpoint/2010/main" val="1290525693"/>
+        <p14:creationId xmlns:p14="http://schemas.microsoft.com/office/powerpoint/2010/main" val="1556474539"/>
       </p:ext>
     </p:extLst>
   </p:cSld>
   <p:clrMapOvr>
     <a:masterClrMapping/>
   </p:clrMapOvr>
-  <mc:AlternateContent xmlns:mc="http://schemas.openxmlformats.org/markup-compatibility/2006">
-    <mc:Choice xmlns:p14="http://schemas.microsoft.com/office/powerpoint/2010/main" Requires="p14">
+  <mc:AlternateContent xmlns:mc="http://schemas.openxmlformats.org/markup-compatibility/2006" xmlns:p14="http://schemas.microsoft.com/office/powerpoint/2010/main">
+    <mc:Choice Requires="p14">
       <p:transition spd="med" p14:dur="700">
         <p:fade/>
       </p:transition>
     </mc:Choice>
-    <mc:Fallback>
+    <mc:Fallback xmlns="">
       <p:transition spd="med">
         <p:fade/>
       </p:transition>
@@ -6147,12 +6251,12 @@
           <a:lstStyle/>
           <a:p>
             <a:r>
+              <a:rPr lang="en-US" dirty="0" smtClean="0"/>
+              <a:t>Focus del team di </a:t>
+            </a:r>
+            <a:r>
               <a:rPr lang="en-US" dirty="0" err="1" smtClean="0"/>
-              <a:t>Prospettive</a:t>
-            </a:r>
-            <a:r>
-              <a:rPr lang="en-US" dirty="0" smtClean="0"/>
-              <a:t> future e FAQ</a:t>
+              <a:t>sviluppo</a:t>
             </a:r>
             <a:endParaRPr lang="en-US" dirty="0"/>
           </a:p>
@@ -6180,40 +6284,20 @@
               <a:buChar char="•"/>
             </a:pPr>
             <a:r>
-              <a:rPr lang="en-US" dirty="0" smtClean="0"/>
-              <a:t>A </a:t>
-            </a:r>
-            <a:r>
-              <a:rPr lang="en-US" dirty="0" err="1" smtClean="0"/>
-              <a:t>che</a:t>
-            </a:r>
-            <a:r>
-              <a:rPr lang="en-US" dirty="0" smtClean="0"/>
+              <a:rPr lang="en-US" sz="3200" dirty="0" err="1" smtClean="0"/>
+              <a:t>Sviluppo</a:t>
+            </a:r>
+            <a:r>
+              <a:rPr lang="en-US" sz="3200" dirty="0" smtClean="0"/>
               <a:t> </a:t>
             </a:r>
             <a:r>
-              <a:rPr lang="en-US" dirty="0" err="1" smtClean="0"/>
-              <a:t>punto</a:t>
-            </a:r>
-            <a:r>
-              <a:rPr lang="en-US" dirty="0" smtClean="0"/>
-              <a:t> è </a:t>
-            </a:r>
-            <a:r>
-              <a:rPr lang="en-US" dirty="0" err="1" smtClean="0"/>
-              <a:t>il</a:t>
-            </a:r>
-            <a:r>
-              <a:rPr lang="en-US" dirty="0" smtClean="0"/>
-              <a:t> </a:t>
-            </a:r>
-            <a:r>
-              <a:rPr lang="en-US" dirty="0" err="1" smtClean="0"/>
-              <a:t>progetto</a:t>
-            </a:r>
-            <a:r>
-              <a:rPr lang="en-US" dirty="0" smtClean="0"/>
-              <a:t>?</a:t>
+              <a:rPr lang="en-US" sz="3200" dirty="0" err="1" smtClean="0"/>
+              <a:t>delle</a:t>
+            </a:r>
+            <a:r>
+              <a:rPr lang="en-US" sz="3200" dirty="0" smtClean="0"/>
+              <a:t> Core Functionalities</a:t>
             </a:r>
           </a:p>
           <a:p>
@@ -6222,18 +6306,37 @@
               <a:buChar char="•"/>
             </a:pPr>
             <a:r>
-              <a:rPr lang="en-US" dirty="0" smtClean="0"/>
-              <a:t>A </a:t>
-            </a:r>
-            <a:r>
-              <a:rPr lang="en-US" dirty="0" err="1" smtClean="0"/>
-              <a:t>quando</a:t>
-            </a:r>
-            <a:r>
-              <a:rPr lang="en-US" dirty="0" smtClean="0"/>
-              <a:t> la General Availability?</a:t>
-            </a:r>
-            <a:endParaRPr lang="en-US" dirty="0"/>
+              <a:rPr lang="en-US" sz="3200" dirty="0" err="1" smtClean="0"/>
+              <a:t>Rendere</a:t>
+            </a:r>
+            <a:r>
+              <a:rPr lang="en-US" sz="3200" dirty="0" smtClean="0"/>
+              <a:t> </a:t>
+            </a:r>
+            <a:r>
+              <a:rPr lang="en-US" sz="3200" dirty="0" err="1" smtClean="0"/>
+              <a:t>il</a:t>
+            </a:r>
+            <a:r>
+              <a:rPr lang="en-US" sz="3200" dirty="0" smtClean="0"/>
+              <a:t> tool </a:t>
+            </a:r>
+            <a:r>
+              <a:rPr lang="en-US" sz="3200" dirty="0" err="1" smtClean="0"/>
+              <a:t>più</a:t>
+            </a:r>
+            <a:r>
+              <a:rPr lang="en-US" sz="3200" dirty="0" smtClean="0"/>
+              <a:t> stabile, </a:t>
+            </a:r>
+            <a:r>
+              <a:rPr lang="en-US" sz="3200" dirty="0" err="1" smtClean="0"/>
+              <a:t>performante</a:t>
+            </a:r>
+            <a:r>
+              <a:rPr lang="en-US" sz="3200" dirty="0" smtClean="0"/>
+              <a:t> e UI-driven</a:t>
+            </a:r>
           </a:p>
           <a:p>
             <a:pPr marL="571500" indent="-571500">
@@ -6241,62 +6344,90 @@
               <a:buChar char="•"/>
             </a:pPr>
             <a:r>
-              <a:rPr lang="en-US" dirty="0" smtClean="0"/>
-              <a:t>SQL Ops Studio </a:t>
-            </a:r>
-            <a:r>
-              <a:rPr lang="en-US" dirty="0" err="1" smtClean="0"/>
-              <a:t>sostituirà</a:t>
-            </a:r>
-            <a:r>
-              <a:rPr lang="en-US" dirty="0" smtClean="0"/>
-              <a:t> SSMS?</a:t>
-            </a:r>
-          </a:p>
-          <a:p>
-            <a:pPr marL="571500" indent="-571500">
+              <a:rPr lang="en-US" sz="3200" dirty="0" err="1" smtClean="0"/>
+              <a:t>Sviluppo</a:t>
+            </a:r>
+            <a:r>
+              <a:rPr lang="en-US" sz="3200" dirty="0" smtClean="0"/>
+              <a:t> </a:t>
+            </a:r>
+            <a:r>
+              <a:rPr lang="en-US" sz="3200" dirty="0"/>
+              <a:t>del </a:t>
+            </a:r>
+            <a:r>
+              <a:rPr lang="en-US" sz="3200" dirty="0" err="1"/>
+              <a:t>sistema</a:t>
+            </a:r>
+            <a:r>
+              <a:rPr lang="en-US" sz="3200" dirty="0"/>
+              <a:t> di </a:t>
+            </a:r>
+            <a:r>
+              <a:rPr lang="en-US" sz="3200" dirty="0" smtClean="0"/>
+              <a:t>Extensibility</a:t>
+            </a:r>
+          </a:p>
+          <a:p>
+            <a:pPr marL="1147527" lvl="1" indent="-571500">
               <a:buFont typeface="Arial" panose="020B0604020202020204" pitchFamily="34" charset="0"/>
               <a:buChar char="•"/>
             </a:pPr>
             <a:r>
-              <a:rPr lang="en-US" dirty="0" err="1" smtClean="0"/>
-              <a:t>Che</a:t>
-            </a:r>
-            <a:r>
-              <a:rPr lang="en-US" dirty="0" smtClean="0"/>
-              <a:t> ne è </a:t>
-            </a:r>
-            <a:r>
-              <a:rPr lang="en-US" dirty="0" err="1" smtClean="0"/>
-              <a:t>delle</a:t>
-            </a:r>
-            <a:r>
-              <a:rPr lang="en-US" dirty="0" smtClean="0"/>
+              <a:rPr lang="en-US" sz="2800" dirty="0" err="1" smtClean="0"/>
+              <a:t>mettere</a:t>
+            </a:r>
+            <a:r>
+              <a:rPr lang="en-US" sz="2800" dirty="0" smtClean="0"/>
+              <a:t> in </a:t>
+            </a:r>
+            <a:r>
+              <a:rPr lang="en-US" sz="2800" dirty="0" err="1" smtClean="0"/>
+              <a:t>grado</a:t>
+            </a:r>
+            <a:r>
+              <a:rPr lang="en-US" sz="2800" dirty="0" smtClean="0"/>
               <a:t> </a:t>
             </a:r>
             <a:r>
-              <a:rPr lang="en-US" dirty="0" err="1" smtClean="0"/>
-              <a:t>altre</a:t>
-            </a:r>
-            <a:r>
-              <a:rPr lang="en-US" dirty="0" smtClean="0"/>
+              <a:rPr lang="en-US" sz="2800" dirty="0" err="1" smtClean="0"/>
+              <a:t>chiunque</a:t>
+            </a:r>
+            <a:r>
+              <a:rPr lang="en-US" sz="2800" dirty="0" smtClean="0"/>
+              <a:t> di </a:t>
+            </a:r>
+            <a:r>
+              <a:rPr lang="en-US" sz="2800" dirty="0" err="1" smtClean="0"/>
+              <a:t>sviluppare</a:t>
+            </a:r>
+            <a:r>
+              <a:rPr lang="en-US" sz="2800" dirty="0" smtClean="0"/>
+              <a:t> le </a:t>
+            </a:r>
+            <a:r>
+              <a:rPr lang="en-US" sz="2800" dirty="0" err="1" smtClean="0"/>
+              <a:t>proprie</a:t>
+            </a:r>
+            <a:r>
+              <a:rPr lang="en-US" sz="2800" dirty="0" smtClean="0"/>
               <a:t> </a:t>
             </a:r>
             <a:r>
-              <a:rPr lang="en-US" dirty="0" err="1" smtClean="0"/>
-              <a:t>componenti</a:t>
-            </a:r>
-            <a:r>
-              <a:rPr lang="en-US" dirty="0" smtClean="0"/>
-              <a:t> (SSRS, SSIS, </a:t>
-            </a:r>
-            <a:r>
-              <a:rPr lang="en-US" dirty="0" err="1" smtClean="0"/>
-              <a:t>etc</a:t>
-            </a:r>
-            <a:r>
-              <a:rPr lang="en-US" dirty="0" smtClean="0"/>
-              <a:t>) ?</a:t>
+              <a:rPr lang="en-US" sz="2800" dirty="0" err="1" smtClean="0"/>
+              <a:t>estensioni</a:t>
+            </a:r>
+            <a:r>
+              <a:rPr lang="en-US" sz="2800" dirty="0" smtClean="0"/>
+              <a:t> (Microsoft </a:t>
+            </a:r>
+            <a:r>
+              <a:rPr lang="en-US" sz="2800" dirty="0" err="1" smtClean="0"/>
+              <a:t>stessa</a:t>
+            </a:r>
+            <a:r>
+              <a:rPr lang="en-US" sz="2800" dirty="0" smtClean="0"/>
+              <a:t>, ISV e community members)</a:t>
             </a:r>
           </a:p>
           <a:p>
@@ -6307,20 +6438,20 @@
     </p:spTree>
     <p:extLst>
       <p:ext uri="{BB962C8B-B14F-4D97-AF65-F5344CB8AC3E}">
-        <p14:creationId xmlns:p14="http://schemas.microsoft.com/office/powerpoint/2010/main" val="1556474539"/>
+        <p14:creationId xmlns:p14="http://schemas.microsoft.com/office/powerpoint/2010/main" val="751609766"/>
       </p:ext>
     </p:extLst>
   </p:cSld>
   <p:clrMapOvr>
     <a:masterClrMapping/>
   </p:clrMapOvr>
-  <mc:AlternateContent xmlns:mc="http://schemas.openxmlformats.org/markup-compatibility/2006">
-    <mc:Choice xmlns:p14="http://schemas.microsoft.com/office/powerpoint/2010/main" Requires="p14">
+  <mc:AlternateContent xmlns:mc="http://schemas.openxmlformats.org/markup-compatibility/2006" xmlns:p14="http://schemas.microsoft.com/office/powerpoint/2010/main">
+    <mc:Choice Requires="p14">
       <p:transition spd="med" p14:dur="700">
         <p:fade/>
       </p:transition>
     </mc:Choice>
-    <mc:Fallback>
+    <mc:Fallback xmlns="">
       <p:transition spd="med">
         <p:fade/>
       </p:transition>
@@ -6337,255 +6468,6 @@
 </file>
 
 <file path=ppt/slides/slide24.xml><?xml version="1.0" encoding="utf-8"?>
-<p:sld xmlns:a="http://schemas.openxmlformats.org/drawingml/2006/main" xmlns:r="http://schemas.openxmlformats.org/officeDocument/2006/relationships" xmlns:p="http://schemas.openxmlformats.org/presentationml/2006/main">
-  <p:cSld>
-    <p:spTree>
-      <p:nvGrpSpPr>
-        <p:cNvPr id="1" name=""/>
-        <p:cNvGrpSpPr/>
-        <p:nvPr/>
-      </p:nvGrpSpPr>
-      <p:grpSpPr>
-        <a:xfrm>
-          <a:off x="0" y="0"/>
-          <a:ext cx="0" cy="0"/>
-          <a:chOff x="0" y="0"/>
-          <a:chExt cx="0" cy="0"/>
-        </a:xfrm>
-      </p:grpSpPr>
-      <p:sp>
-        <p:nvSpPr>
-          <p:cNvPr id="18" name="Title 17"/>
-          <p:cNvSpPr>
-            <a:spLocks noGrp="1"/>
-          </p:cNvSpPr>
-          <p:nvPr>
-            <p:ph type="title"/>
-          </p:nvPr>
-        </p:nvSpPr>
-        <p:spPr/>
-        <p:txBody>
-          <a:bodyPr/>
-          <a:lstStyle/>
-          <a:p>
-            <a:r>
-              <a:rPr lang="en-US" dirty="0" smtClean="0"/>
-              <a:t>Focus del team di </a:t>
-            </a:r>
-            <a:r>
-              <a:rPr lang="en-US" dirty="0" err="1" smtClean="0"/>
-              <a:t>sviluppo</a:t>
-            </a:r>
-            <a:endParaRPr lang="en-US" dirty="0"/>
-          </a:p>
-        </p:txBody>
-      </p:sp>
-      <p:sp>
-        <p:nvSpPr>
-          <p:cNvPr id="19" name="Content Placeholder 18"/>
-          <p:cNvSpPr>
-            <a:spLocks noGrp="1"/>
-          </p:cNvSpPr>
-          <p:nvPr>
-            <p:ph idx="1"/>
-          </p:nvPr>
-        </p:nvSpPr>
-        <p:spPr/>
-        <p:txBody>
-          <a:bodyPr>
-            <a:normAutofit/>
-          </a:bodyPr>
-          <a:lstStyle/>
-          <a:p>
-            <a:pPr marL="571500" indent="-571500">
-              <a:buFont typeface="Arial" panose="020B0604020202020204" pitchFamily="34" charset="0"/>
-              <a:buChar char="•"/>
-            </a:pPr>
-            <a:r>
-              <a:rPr lang="en-US" sz="3200" dirty="0" err="1" smtClean="0"/>
-              <a:t>Sviluppo</a:t>
-            </a:r>
-            <a:r>
-              <a:rPr lang="en-US" sz="3200" dirty="0" smtClean="0"/>
-              <a:t> </a:t>
-            </a:r>
-            <a:r>
-              <a:rPr lang="en-US" sz="3200" dirty="0" err="1" smtClean="0"/>
-              <a:t>delle</a:t>
-            </a:r>
-            <a:r>
-              <a:rPr lang="en-US" sz="3200" dirty="0" smtClean="0"/>
-              <a:t> Core Functionalities</a:t>
-            </a:r>
-          </a:p>
-          <a:p>
-            <a:pPr marL="571500" indent="-571500">
-              <a:buFont typeface="Arial" panose="020B0604020202020204" pitchFamily="34" charset="0"/>
-              <a:buChar char="•"/>
-            </a:pPr>
-            <a:r>
-              <a:rPr lang="en-US" sz="3200" dirty="0" err="1" smtClean="0"/>
-              <a:t>Rendere</a:t>
-            </a:r>
-            <a:r>
-              <a:rPr lang="en-US" sz="3200" dirty="0" smtClean="0"/>
-              <a:t> </a:t>
-            </a:r>
-            <a:r>
-              <a:rPr lang="en-US" sz="3200" dirty="0" err="1" smtClean="0"/>
-              <a:t>il</a:t>
-            </a:r>
-            <a:r>
-              <a:rPr lang="en-US" sz="3200" dirty="0" smtClean="0"/>
-              <a:t> tool </a:t>
-            </a:r>
-            <a:r>
-              <a:rPr lang="en-US" sz="3200" dirty="0" err="1" smtClean="0"/>
-              <a:t>più</a:t>
-            </a:r>
-            <a:r>
-              <a:rPr lang="en-US" sz="3200" dirty="0" smtClean="0"/>
-              <a:t> stabile, </a:t>
-            </a:r>
-            <a:r>
-              <a:rPr lang="en-US" sz="3200" dirty="0" err="1" smtClean="0"/>
-              <a:t>performante</a:t>
-            </a:r>
-            <a:r>
-              <a:rPr lang="en-US" sz="3200" dirty="0" smtClean="0"/>
-              <a:t> e UI-driven</a:t>
-            </a:r>
-          </a:p>
-          <a:p>
-            <a:pPr marL="571500" indent="-571500">
-              <a:buFont typeface="Arial" panose="020B0604020202020204" pitchFamily="34" charset="0"/>
-              <a:buChar char="•"/>
-            </a:pPr>
-            <a:r>
-              <a:rPr lang="en-US" sz="3200" dirty="0" err="1" smtClean="0"/>
-              <a:t>Sviluppo</a:t>
-            </a:r>
-            <a:r>
-              <a:rPr lang="en-US" sz="3200" dirty="0" smtClean="0"/>
-              <a:t> </a:t>
-            </a:r>
-            <a:r>
-              <a:rPr lang="en-US" sz="3200" dirty="0"/>
-              <a:t>del </a:t>
-            </a:r>
-            <a:r>
-              <a:rPr lang="en-US" sz="3200" dirty="0" err="1"/>
-              <a:t>sistema</a:t>
-            </a:r>
-            <a:r>
-              <a:rPr lang="en-US" sz="3200" dirty="0"/>
-              <a:t> di </a:t>
-            </a:r>
-            <a:r>
-              <a:rPr lang="en-US" sz="3200" dirty="0" smtClean="0"/>
-              <a:t>Extensibility</a:t>
-            </a:r>
-          </a:p>
-          <a:p>
-            <a:pPr marL="1147527" lvl="1" indent="-571500">
-              <a:buFont typeface="Arial" panose="020B0604020202020204" pitchFamily="34" charset="0"/>
-              <a:buChar char="•"/>
-            </a:pPr>
-            <a:r>
-              <a:rPr lang="en-US" sz="2800" dirty="0" err="1" smtClean="0"/>
-              <a:t>mettere</a:t>
-            </a:r>
-            <a:r>
-              <a:rPr lang="en-US" sz="2800" dirty="0" smtClean="0"/>
-              <a:t> in </a:t>
-            </a:r>
-            <a:r>
-              <a:rPr lang="en-US" sz="2800" dirty="0" err="1" smtClean="0"/>
-              <a:t>grado</a:t>
-            </a:r>
-            <a:r>
-              <a:rPr lang="en-US" sz="2800" dirty="0" smtClean="0"/>
-              <a:t> </a:t>
-            </a:r>
-            <a:r>
-              <a:rPr lang="en-US" sz="2800" dirty="0" err="1" smtClean="0"/>
-              <a:t>chiunque</a:t>
-            </a:r>
-            <a:r>
-              <a:rPr lang="en-US" sz="2800" dirty="0" smtClean="0"/>
-              <a:t> di </a:t>
-            </a:r>
-            <a:r>
-              <a:rPr lang="en-US" sz="2800" dirty="0" err="1" smtClean="0"/>
-              <a:t>sviluppare</a:t>
-            </a:r>
-            <a:r>
-              <a:rPr lang="en-US" sz="2800" dirty="0" smtClean="0"/>
-              <a:t> le </a:t>
-            </a:r>
-            <a:r>
-              <a:rPr lang="en-US" sz="2800" dirty="0" err="1" smtClean="0"/>
-              <a:t>proprie</a:t>
-            </a:r>
-            <a:r>
-              <a:rPr lang="en-US" sz="2800" dirty="0" smtClean="0"/>
-              <a:t> </a:t>
-            </a:r>
-            <a:r>
-              <a:rPr lang="en-US" sz="2800" dirty="0" err="1" smtClean="0"/>
-              <a:t>estensioni</a:t>
-            </a:r>
-            <a:r>
-              <a:rPr lang="en-US" sz="2800" dirty="0" smtClean="0"/>
-              <a:t> (Microsoft </a:t>
-            </a:r>
-            <a:r>
-              <a:rPr lang="en-US" sz="2800" dirty="0" err="1" smtClean="0"/>
-              <a:t>stessa</a:t>
-            </a:r>
-            <a:r>
-              <a:rPr lang="en-US" sz="2800" dirty="0" smtClean="0"/>
-              <a:t>, ISV e community members)</a:t>
-            </a:r>
-          </a:p>
-          <a:p>
-            <a:endParaRPr lang="en-US" dirty="0"/>
-          </a:p>
-        </p:txBody>
-      </p:sp>
-    </p:spTree>
-    <p:extLst>
-      <p:ext uri="{BB962C8B-B14F-4D97-AF65-F5344CB8AC3E}">
-        <p14:creationId xmlns:p14="http://schemas.microsoft.com/office/powerpoint/2010/main" val="751609766"/>
-      </p:ext>
-    </p:extLst>
-  </p:cSld>
-  <p:clrMapOvr>
-    <a:masterClrMapping/>
-  </p:clrMapOvr>
-  <mc:AlternateContent xmlns:mc="http://schemas.openxmlformats.org/markup-compatibility/2006">
-    <mc:Choice xmlns:p14="http://schemas.microsoft.com/office/powerpoint/2010/main" Requires="p14">
-      <p:transition spd="med" p14:dur="700">
-        <p:fade/>
-      </p:transition>
-    </mc:Choice>
-    <mc:Fallback>
-      <p:transition spd="med">
-        <p:fade/>
-      </p:transition>
-    </mc:Fallback>
-  </mc:AlternateContent>
-  <p:timing>
-    <p:tnLst>
-      <p:par>
-        <p:cTn id="1" dur="indefinite" restart="never" nodeType="tmRoot"/>
-      </p:par>
-    </p:tnLst>
-  </p:timing>
-</p:sld>
-</file>
-
-<file path=ppt/slides/slide25.xml><?xml version="1.0" encoding="utf-8"?>
 <p:sld xmlns:a="http://schemas.openxmlformats.org/drawingml/2006/main" xmlns:r="http://schemas.openxmlformats.org/officeDocument/2006/relationships" xmlns:p="http://schemas.openxmlformats.org/presentationml/2006/main">
   <p:cSld>
     <p:spTree>
@@ -6711,13 +6593,13 @@
   <p:clrMapOvr>
     <a:masterClrMapping/>
   </p:clrMapOvr>
-  <mc:AlternateContent xmlns:mc="http://schemas.openxmlformats.org/markup-compatibility/2006">
-    <mc:Choice xmlns:p14="http://schemas.microsoft.com/office/powerpoint/2010/main" Requires="p14">
+  <mc:AlternateContent xmlns:mc="http://schemas.openxmlformats.org/markup-compatibility/2006" xmlns:p14="http://schemas.microsoft.com/office/powerpoint/2010/main">
+    <mc:Choice Requires="p14">
       <p:transition spd="med" p14:dur="700">
         <p:fade/>
       </p:transition>
     </mc:Choice>
-    <mc:Fallback>
+    <mc:Fallback xmlns="">
       <p:transition spd="med">
         <p:fade/>
       </p:transition>
@@ -6733,7 +6615,7 @@
 </p:sld>
 </file>
 
-<file path=ppt/slides/slide26.xml><?xml version="1.0" encoding="utf-8"?>
+<file path=ppt/slides/slide25.xml><?xml version="1.0" encoding="utf-8"?>
 <p:sld xmlns:a="http://schemas.openxmlformats.org/drawingml/2006/main" xmlns:r="http://schemas.openxmlformats.org/officeDocument/2006/relationships" xmlns:p="http://schemas.openxmlformats.org/presentationml/2006/main">
   <p:cSld>
     <p:spTree>
@@ -6993,13 +6875,173 @@
   <p:clrMapOvr>
     <a:masterClrMapping/>
   </p:clrMapOvr>
-  <mc:AlternateContent xmlns:mc="http://schemas.openxmlformats.org/markup-compatibility/2006">
-    <mc:Choice xmlns:p14="http://schemas.microsoft.com/office/powerpoint/2010/main" Requires="p14">
+  <mc:AlternateContent xmlns:mc="http://schemas.openxmlformats.org/markup-compatibility/2006" xmlns:p14="http://schemas.microsoft.com/office/powerpoint/2010/main">
+    <mc:Choice Requires="p14">
       <p:transition spd="med" p14:dur="700">
         <p:fade/>
       </p:transition>
     </mc:Choice>
-    <mc:Fallback>
+    <mc:Fallback xmlns="">
+      <p:transition spd="med">
+        <p:fade/>
+      </p:transition>
+    </mc:Fallback>
+  </mc:AlternateContent>
+  <p:timing>
+    <p:tnLst>
+      <p:par>
+        <p:cTn id="1" dur="indefinite" restart="never" nodeType="tmRoot"/>
+      </p:par>
+    </p:tnLst>
+  </p:timing>
+</p:sld>
+</file>
+
+<file path=ppt/slides/slide26.xml><?xml version="1.0" encoding="utf-8"?>
+<p:sld xmlns:a="http://schemas.openxmlformats.org/drawingml/2006/main" xmlns:r="http://schemas.openxmlformats.org/officeDocument/2006/relationships" xmlns:p="http://schemas.openxmlformats.org/presentationml/2006/main">
+  <p:cSld>
+    <p:spTree>
+      <p:nvGrpSpPr>
+        <p:cNvPr id="1" name=""/>
+        <p:cNvGrpSpPr/>
+        <p:nvPr/>
+      </p:nvGrpSpPr>
+      <p:grpSpPr>
+        <a:xfrm>
+          <a:off x="0" y="0"/>
+          <a:ext cx="0" cy="0"/>
+          <a:chOff x="0" y="0"/>
+          <a:chExt cx="0" cy="0"/>
+        </a:xfrm>
+      </p:grpSpPr>
+      <p:sp>
+        <p:nvSpPr>
+          <p:cNvPr id="18" name="Title 17"/>
+          <p:cNvSpPr>
+            <a:spLocks noGrp="1"/>
+          </p:cNvSpPr>
+          <p:nvPr>
+            <p:ph type="title"/>
+          </p:nvPr>
+        </p:nvSpPr>
+        <p:spPr/>
+        <p:txBody>
+          <a:bodyPr/>
+          <a:lstStyle/>
+          <a:p>
+            <a:r>
+              <a:rPr lang="en-US" dirty="0"/>
+              <a:t>SQL Ops Studio </a:t>
+            </a:r>
+            <a:r>
+              <a:rPr lang="en-US" dirty="0" err="1"/>
+              <a:t>sostituirà</a:t>
+            </a:r>
+            <a:r>
+              <a:rPr lang="en-US" dirty="0"/>
+              <a:t> SSMS?</a:t>
+            </a:r>
+          </a:p>
+        </p:txBody>
+      </p:sp>
+      <p:sp>
+        <p:nvSpPr>
+          <p:cNvPr id="19" name="Content Placeholder 18"/>
+          <p:cNvSpPr>
+            <a:spLocks noGrp="1"/>
+          </p:cNvSpPr>
+          <p:nvPr>
+            <p:ph idx="1"/>
+          </p:nvPr>
+        </p:nvSpPr>
+        <p:spPr/>
+        <p:txBody>
+          <a:bodyPr>
+            <a:normAutofit/>
+          </a:bodyPr>
+          <a:lstStyle/>
+          <a:p>
+            <a:r>
+              <a:rPr lang="en-US" dirty="0" smtClean="0"/>
+              <a:t>Come </a:t>
+            </a:r>
+            <a:r>
+              <a:rPr lang="en-US" dirty="0" err="1" smtClean="0"/>
+              <a:t>riportato</a:t>
+            </a:r>
+            <a:r>
+              <a:rPr lang="en-US" dirty="0" smtClean="0"/>
+              <a:t> </a:t>
+            </a:r>
+            <a:r>
+              <a:rPr lang="en-US" dirty="0" err="1" smtClean="0"/>
+              <a:t>sulla</a:t>
+            </a:r>
+            <a:r>
+              <a:rPr lang="en-US" dirty="0" smtClean="0"/>
+              <a:t> FAQ del </a:t>
+            </a:r>
+            <a:r>
+              <a:rPr lang="en-US" dirty="0" err="1" smtClean="0"/>
+              <a:t>sito</a:t>
+            </a:r>
+            <a:r>
+              <a:rPr lang="en-US" dirty="0" smtClean="0"/>
+              <a:t> </a:t>
+            </a:r>
+            <a:r>
+              <a:rPr lang="en-US" dirty="0" err="1" smtClean="0"/>
+              <a:t>ufficiale</a:t>
+            </a:r>
+            <a:r>
+              <a:rPr lang="en-US" dirty="0" smtClean="0"/>
+              <a:t>:</a:t>
+            </a:r>
+            <a:endParaRPr lang="en-US" dirty="0"/>
+          </a:p>
+        </p:txBody>
+      </p:sp>
+      <p:pic>
+        <p:nvPicPr>
+          <p:cNvPr id="2" name="Picture 1"/>
+          <p:cNvPicPr>
+            <a:picLocks noChangeAspect="1"/>
+          </p:cNvPicPr>
+          <p:nvPr/>
+        </p:nvPicPr>
+        <p:blipFill>
+          <a:blip r:embed="rId2"/>
+          <a:stretch>
+            <a:fillRect/>
+          </a:stretch>
+        </p:blipFill>
+        <p:spPr>
+          <a:xfrm>
+            <a:off x="621387" y="2435224"/>
+            <a:ext cx="10277475" cy="1609725"/>
+          </a:xfrm>
+          <a:prstGeom prst="rect">
+            <a:avLst/>
+          </a:prstGeom>
+        </p:spPr>
+      </p:pic>
+    </p:spTree>
+    <p:extLst>
+      <p:ext uri="{BB962C8B-B14F-4D97-AF65-F5344CB8AC3E}">
+        <p14:creationId xmlns:p14="http://schemas.microsoft.com/office/powerpoint/2010/main" val="3677202043"/>
+      </p:ext>
+    </p:extLst>
+  </p:cSld>
+  <p:clrMapOvr>
+    <a:masterClrMapping/>
+  </p:clrMapOvr>
+  <mc:AlternateContent xmlns:mc="http://schemas.openxmlformats.org/markup-compatibility/2006" xmlns:p14="http://schemas.microsoft.com/office/powerpoint/2010/main">
+    <mc:Choice Requires="p14">
+      <p:transition spd="med" p14:dur="700">
+        <p:fade/>
+      </p:transition>
+    </mc:Choice>
+    <mc:Fallback xmlns="">
       <p:transition spd="med">
         <p:fade/>
       </p:transition>
@@ -7048,16 +7090,36 @@
           <a:lstStyle/>
           <a:p>
             <a:r>
+              <a:rPr lang="en-US" dirty="0" err="1"/>
+              <a:t>Che</a:t>
+            </a:r>
+            <a:r>
               <a:rPr lang="en-US" dirty="0"/>
-              <a:t>SQL Ops Studio </a:t>
+              <a:t> ne è </a:t>
             </a:r>
             <a:r>
               <a:rPr lang="en-US" dirty="0" err="1"/>
-              <a:t>sostituirà</a:t>
+              <a:t>delle</a:t>
             </a:r>
             <a:r>
               <a:rPr lang="en-US" dirty="0"/>
-              <a:t> SSMS?</a:t>
+              <a:t> </a:t>
+            </a:r>
+            <a:r>
+              <a:rPr lang="en-US" dirty="0" err="1"/>
+              <a:t>altre</a:t>
+            </a:r>
+            <a:r>
+              <a:rPr lang="en-US" dirty="0"/>
+              <a:t> </a:t>
+            </a:r>
+            <a:r>
+              <a:rPr lang="en-US" dirty="0" err="1"/>
+              <a:t>componenti</a:t>
+            </a:r>
+            <a:r>
+              <a:rPr lang="en-US" dirty="0"/>
+              <a:t>?</a:t>
             </a:r>
           </a:p>
         </p:txBody>
@@ -7075,17 +7137,17 @@
         <p:spPr/>
         <p:txBody>
           <a:bodyPr>
-            <a:normAutofit/>
+            <a:normAutofit fontScale="85000" lnSpcReduction="20000"/>
           </a:bodyPr>
           <a:lstStyle/>
           <a:p>
-            <a:r>
-              <a:rPr lang="en-US" dirty="0" smtClean="0"/>
-              <a:t>Come </a:t>
-            </a:r>
+            <a:pPr marL="571500" indent="-571500">
+              <a:buFont typeface="Arial" panose="020B0604020202020204" pitchFamily="34" charset="0"/>
+              <a:buChar char="•"/>
+            </a:pPr>
             <a:r>
               <a:rPr lang="en-US" dirty="0" err="1" smtClean="0"/>
-              <a:t>riportato</a:t>
+              <a:t>Alcuni</a:t>
             </a:r>
             <a:r>
               <a:rPr lang="en-US" dirty="0" smtClean="0"/>
@@ -7093,15 +7155,7 @@
             </a:r>
             <a:r>
               <a:rPr lang="en-US" dirty="0" err="1" smtClean="0"/>
-              <a:t>sulla</a:t>
-            </a:r>
-            <a:r>
-              <a:rPr lang="en-US" dirty="0" smtClean="0"/>
-              <a:t> FAQ del </a:t>
-            </a:r>
-            <a:r>
-              <a:rPr lang="en-US" dirty="0" err="1" smtClean="0"/>
-              <a:t>sito</a:t>
+              <a:t>strumenti</a:t>
             </a:r>
             <a:r>
               <a:rPr lang="en-US" dirty="0" smtClean="0"/>
@@ -7109,57 +7163,243 @@
             </a:r>
             <a:r>
               <a:rPr lang="en-US" dirty="0" err="1" smtClean="0"/>
-              <a:t>ufficiale</a:t>
+              <a:t>sembra</a:t>
             </a:r>
             <a:r>
               <a:rPr lang="en-US" dirty="0" smtClean="0"/>
-              <a:t>:</a:t>
+              <a:t> non </a:t>
+            </a:r>
+            <a:r>
+              <a:rPr lang="en-US" dirty="0" err="1" smtClean="0"/>
+              <a:t>rientreranno</a:t>
+            </a:r>
+            <a:r>
+              <a:rPr lang="en-US" dirty="0" smtClean="0"/>
+              <a:t> </a:t>
+            </a:r>
+            <a:r>
+              <a:rPr lang="en-US" dirty="0" err="1" smtClean="0"/>
+              <a:t>nel</a:t>
+            </a:r>
+            <a:r>
+              <a:rPr lang="en-US" dirty="0" smtClean="0"/>
+              <a:t> </a:t>
+            </a:r>
+            <a:r>
+              <a:rPr lang="en-US" dirty="0" err="1" smtClean="0"/>
+              <a:t>progetto</a:t>
+            </a:r>
+            <a:endParaRPr lang="en-US" dirty="0" smtClean="0"/>
+          </a:p>
+          <a:p>
+            <a:pPr marL="1723553" lvl="2" indent="-571500">
+              <a:buFont typeface="Arial" panose="020B0604020202020204" pitchFamily="34" charset="0"/>
+              <a:buChar char="•"/>
+            </a:pPr>
+            <a:r>
+              <a:rPr lang="en-US" dirty="0" smtClean="0"/>
+              <a:t>Reporting Services</a:t>
+            </a:r>
+          </a:p>
+          <a:p>
+            <a:pPr marL="1723553" lvl="2" indent="-571500">
+              <a:buFont typeface="Arial" panose="020B0604020202020204" pitchFamily="34" charset="0"/>
+              <a:buChar char="•"/>
+            </a:pPr>
+            <a:r>
+              <a:rPr lang="en-US" dirty="0" smtClean="0"/>
+              <a:t>Integration Services</a:t>
+            </a:r>
+          </a:p>
+          <a:p>
+            <a:pPr marL="1723553" lvl="2" indent="-571500">
+              <a:buFont typeface="Arial" panose="020B0604020202020204" pitchFamily="34" charset="0"/>
+              <a:buChar char="•"/>
+            </a:pPr>
+            <a:r>
+              <a:rPr lang="en-US" dirty="0" smtClean="0"/>
+              <a:t>…</a:t>
+            </a:r>
+          </a:p>
+          <a:p>
+            <a:pPr marL="571500" indent="-571500">
+              <a:buFont typeface="Arial" panose="020B0604020202020204" pitchFamily="34" charset="0"/>
+              <a:buChar char="•"/>
+            </a:pPr>
+            <a:r>
+              <a:rPr lang="en-US" dirty="0" err="1" smtClean="0"/>
+              <a:t>Altri</a:t>
+            </a:r>
+            <a:r>
+              <a:rPr lang="en-US" dirty="0" smtClean="0"/>
+              <a:t> </a:t>
+            </a:r>
+            <a:r>
+              <a:rPr lang="en-US" dirty="0" err="1" smtClean="0"/>
+              <a:t>sono</a:t>
+            </a:r>
+            <a:r>
+              <a:rPr lang="en-US" dirty="0" smtClean="0"/>
+              <a:t> </a:t>
+            </a:r>
+            <a:r>
+              <a:rPr lang="en-US" dirty="0" err="1" smtClean="0"/>
+              <a:t>già</a:t>
+            </a:r>
+            <a:r>
+              <a:rPr lang="en-US" dirty="0" smtClean="0"/>
+              <a:t> </a:t>
+            </a:r>
+            <a:r>
+              <a:rPr lang="en-US" dirty="0" err="1" smtClean="0"/>
+              <a:t>pianificati</a:t>
+            </a:r>
+            <a:r>
+              <a:rPr lang="en-US" dirty="0" smtClean="0"/>
+              <a:t> </a:t>
+            </a:r>
+            <a:r>
+              <a:rPr lang="en-US" dirty="0" err="1" smtClean="0"/>
+              <a:t>oppure</a:t>
+            </a:r>
+            <a:r>
+              <a:rPr lang="en-US" dirty="0" smtClean="0"/>
+              <a:t> in </a:t>
+            </a:r>
+            <a:r>
+              <a:rPr lang="en-US" dirty="0" err="1" smtClean="0"/>
+              <a:t>fase</a:t>
+            </a:r>
+            <a:r>
+              <a:rPr lang="en-US" dirty="0" smtClean="0"/>
+              <a:t> di </a:t>
+            </a:r>
+            <a:r>
+              <a:rPr lang="en-US" dirty="0" err="1" smtClean="0"/>
+              <a:t>valutazione</a:t>
+            </a:r>
+            <a:endParaRPr lang="en-US" dirty="0" smtClean="0"/>
+          </a:p>
+          <a:p>
+            <a:pPr marL="1723553" lvl="2" indent="-571500">
+              <a:buFont typeface="Arial" panose="020B0604020202020204" pitchFamily="34" charset="0"/>
+              <a:buChar char="•"/>
+            </a:pPr>
+            <a:r>
+              <a:rPr lang="en-US" dirty="0" err="1"/>
+              <a:t>Supporto</a:t>
+            </a:r>
+            <a:r>
+              <a:rPr lang="en-US" dirty="0"/>
+              <a:t> per Always On Availability Group </a:t>
+            </a:r>
+          </a:p>
+          <a:p>
+            <a:pPr marL="1723553" lvl="2" indent="-571500">
+              <a:buFont typeface="Arial" panose="020B0604020202020204" pitchFamily="34" charset="0"/>
+              <a:buChar char="•"/>
+            </a:pPr>
+            <a:r>
+              <a:rPr lang="en-US" dirty="0" smtClean="0"/>
+              <a:t>Profiler</a:t>
+            </a:r>
+          </a:p>
+          <a:p>
+            <a:pPr marL="1723553" lvl="2" indent="-571500">
+              <a:buFont typeface="Arial" panose="020B0604020202020204" pitchFamily="34" charset="0"/>
+              <a:buChar char="•"/>
+            </a:pPr>
+            <a:r>
+              <a:rPr lang="en-US" dirty="0" smtClean="0"/>
+              <a:t>Table designer</a:t>
+            </a:r>
+          </a:p>
+          <a:p>
+            <a:pPr marL="1723553" lvl="2" indent="-571500">
+              <a:buFont typeface="Arial" panose="020B0604020202020204" pitchFamily="34" charset="0"/>
+              <a:buChar char="•"/>
+            </a:pPr>
+            <a:r>
+              <a:rPr lang="en-US" dirty="0" smtClean="0"/>
+              <a:t>SQL Agent</a:t>
+            </a:r>
+          </a:p>
+          <a:p>
+            <a:pPr marL="1723553" lvl="2" indent="-571500">
+              <a:buFont typeface="Arial" panose="020B0604020202020204" pitchFamily="34" charset="0"/>
+              <a:buChar char="•"/>
+            </a:pPr>
+            <a:r>
+              <a:rPr lang="en-US" dirty="0" smtClean="0"/>
+              <a:t>…</a:t>
+            </a:r>
+          </a:p>
+          <a:p>
+            <a:pPr marL="571500" indent="-571500">
+              <a:buFont typeface="Arial" panose="020B0604020202020204" pitchFamily="34" charset="0"/>
+              <a:buChar char="•"/>
+            </a:pPr>
+            <a:r>
+              <a:rPr lang="en-US" dirty="0" err="1" smtClean="0"/>
+              <a:t>Altre</a:t>
+            </a:r>
+            <a:r>
+              <a:rPr lang="en-US" dirty="0" smtClean="0"/>
+              <a:t> feature </a:t>
+            </a:r>
+            <a:r>
+              <a:rPr lang="en-US" dirty="0" err="1" smtClean="0"/>
+              <a:t>saranno</a:t>
+            </a:r>
+            <a:r>
+              <a:rPr lang="en-US" dirty="0" smtClean="0"/>
+              <a:t> rese </a:t>
+            </a:r>
+            <a:r>
+              <a:rPr lang="en-US" dirty="0" err="1" smtClean="0"/>
+              <a:t>disponibili</a:t>
+            </a:r>
+            <a:r>
+              <a:rPr lang="en-US" dirty="0" smtClean="0"/>
+              <a:t> </a:t>
+            </a:r>
+            <a:r>
+              <a:rPr lang="en-US" dirty="0" err="1" smtClean="0"/>
+              <a:t>attraverso</a:t>
+            </a:r>
+            <a:r>
+              <a:rPr lang="en-US" dirty="0" smtClean="0"/>
+              <a:t> </a:t>
+            </a:r>
+            <a:r>
+              <a:rPr lang="en-US" dirty="0" err="1" smtClean="0"/>
+              <a:t>il</a:t>
+            </a:r>
+            <a:r>
+              <a:rPr lang="en-US" dirty="0" smtClean="0"/>
+              <a:t> Sistema di Extensibility</a:t>
             </a:r>
             <a:endParaRPr lang="en-US" dirty="0"/>
           </a:p>
         </p:txBody>
       </p:sp>
-      <p:pic>
-        <p:nvPicPr>
-          <p:cNvPr id="2" name="Picture 1"/>
-          <p:cNvPicPr>
-            <a:picLocks noChangeAspect="1"/>
-          </p:cNvPicPr>
-          <p:nvPr/>
-        </p:nvPicPr>
-        <p:blipFill>
-          <a:blip r:embed="rId2"/>
-          <a:stretch>
-            <a:fillRect/>
-          </a:stretch>
-        </p:blipFill>
-        <p:spPr>
-          <a:xfrm>
-            <a:off x="621387" y="2435224"/>
-            <a:ext cx="10277475" cy="1609725"/>
-          </a:xfrm>
-          <a:prstGeom prst="rect">
-            <a:avLst/>
-          </a:prstGeom>
-        </p:spPr>
-      </p:pic>
     </p:spTree>
     <p:extLst>
       <p:ext uri="{BB962C8B-B14F-4D97-AF65-F5344CB8AC3E}">
-        <p14:creationId xmlns:p14="http://schemas.microsoft.com/office/powerpoint/2010/main" val="3677202043"/>
+        <p14:creationId xmlns:p14="http://schemas.microsoft.com/office/powerpoint/2010/main" val="2218737118"/>
       </p:ext>
     </p:extLst>
   </p:cSld>
   <p:clrMapOvr>
     <a:masterClrMapping/>
   </p:clrMapOvr>
-  <mc:AlternateContent xmlns:mc="http://schemas.openxmlformats.org/markup-compatibility/2006">
-    <mc:Choice xmlns:p14="http://schemas.microsoft.com/office/powerpoint/2010/main" Requires="p14">
+  <mc:AlternateContent xmlns:mc="http://schemas.openxmlformats.org/markup-compatibility/2006" xmlns:p14="http://schemas.microsoft.com/office/powerpoint/2010/main">
+    <mc:Choice Requires="p14">
       <p:transition spd="med" p14:dur="700">
         <p:fade/>
       </p:transition>
     </mc:Choice>
-    <mc:Fallback>
+    <mc:Fallback xmlns="">
       <p:transition spd="med">
         <p:fade/>
       </p:transition>
@@ -7194,7 +7434,7 @@
       </p:grpSpPr>
       <p:sp>
         <p:nvSpPr>
-          <p:cNvPr id="18" name="Title 17"/>
+          <p:cNvPr id="2" name="Title 1"/>
           <p:cNvSpPr>
             <a:spLocks noGrp="1"/>
           </p:cNvSpPr>
@@ -7208,294 +7448,8 @@
           <a:lstStyle/>
           <a:p>
             <a:r>
-              <a:rPr lang="en-US" dirty="0" err="1"/>
-              <a:t>Che</a:t>
-            </a:r>
-            <a:r>
-              <a:rPr lang="en-US" dirty="0"/>
-              <a:t> ne è </a:t>
-            </a:r>
-            <a:r>
-              <a:rPr lang="en-US" dirty="0" err="1"/>
-              <a:t>delle</a:t>
-            </a:r>
-            <a:r>
-              <a:rPr lang="en-US" dirty="0"/>
-              <a:t> </a:t>
-            </a:r>
-            <a:r>
-              <a:rPr lang="en-US" dirty="0" err="1"/>
-              <a:t>altre</a:t>
-            </a:r>
-            <a:r>
-              <a:rPr lang="en-US" dirty="0"/>
-              <a:t> </a:t>
-            </a:r>
-            <a:r>
-              <a:rPr lang="en-US" dirty="0" err="1"/>
-              <a:t>componenti</a:t>
-            </a:r>
-            <a:r>
-              <a:rPr lang="en-US" dirty="0"/>
-              <a:t>?</a:t>
-            </a:r>
-          </a:p>
-        </p:txBody>
-      </p:sp>
-      <p:sp>
-        <p:nvSpPr>
-          <p:cNvPr id="19" name="Content Placeholder 18"/>
-          <p:cNvSpPr>
-            <a:spLocks noGrp="1"/>
-          </p:cNvSpPr>
-          <p:nvPr>
-            <p:ph idx="1"/>
-          </p:nvPr>
-        </p:nvSpPr>
-        <p:spPr/>
-        <p:txBody>
-          <a:bodyPr>
-            <a:normAutofit fontScale="85000" lnSpcReduction="20000"/>
-          </a:bodyPr>
-          <a:lstStyle/>
-          <a:p>
-            <a:pPr marL="571500" indent="-571500">
-              <a:buFont typeface="Arial" panose="020B0604020202020204" pitchFamily="34" charset="0"/>
-              <a:buChar char="•"/>
-            </a:pPr>
-            <a:r>
               <a:rPr lang="en-US" dirty="0" err="1" smtClean="0"/>
-              <a:t>Alcuni</a:t>
-            </a:r>
-            <a:r>
-              <a:rPr lang="en-US" dirty="0" smtClean="0"/>
-              <a:t> </a:t>
-            </a:r>
-            <a:r>
-              <a:rPr lang="en-US" dirty="0" err="1" smtClean="0"/>
-              <a:t>strumenti</a:t>
-            </a:r>
-            <a:r>
-              <a:rPr lang="en-US" dirty="0" smtClean="0"/>
-              <a:t> </a:t>
-            </a:r>
-            <a:r>
-              <a:rPr lang="en-US" dirty="0" err="1" smtClean="0"/>
-              <a:t>sembra</a:t>
-            </a:r>
-            <a:r>
-              <a:rPr lang="en-US" dirty="0" smtClean="0"/>
-              <a:t> non </a:t>
-            </a:r>
-            <a:r>
-              <a:rPr lang="en-US" dirty="0" err="1" smtClean="0"/>
-              <a:t>rientreranno</a:t>
-            </a:r>
-            <a:r>
-              <a:rPr lang="en-US" dirty="0" smtClean="0"/>
-              <a:t> </a:t>
-            </a:r>
-            <a:r>
-              <a:rPr lang="en-US" dirty="0" err="1" smtClean="0"/>
-              <a:t>nel</a:t>
-            </a:r>
-            <a:r>
-              <a:rPr lang="en-US" dirty="0" smtClean="0"/>
-              <a:t> </a:t>
-            </a:r>
-            <a:r>
-              <a:rPr lang="en-US" dirty="0" err="1" smtClean="0"/>
-              <a:t>progetto</a:t>
-            </a:r>
-            <a:endParaRPr lang="en-US" dirty="0" smtClean="0"/>
-          </a:p>
-          <a:p>
-            <a:pPr marL="1723553" lvl="2" indent="-571500">
-              <a:buFont typeface="Arial" panose="020B0604020202020204" pitchFamily="34" charset="0"/>
-              <a:buChar char="•"/>
-            </a:pPr>
-            <a:r>
-              <a:rPr lang="en-US" dirty="0" smtClean="0"/>
-              <a:t>Reporting Services</a:t>
-            </a:r>
-          </a:p>
-          <a:p>
-            <a:pPr marL="1723553" lvl="2" indent="-571500">
-              <a:buFont typeface="Arial" panose="020B0604020202020204" pitchFamily="34" charset="0"/>
-              <a:buChar char="•"/>
-            </a:pPr>
-            <a:r>
-              <a:rPr lang="en-US" dirty="0" smtClean="0"/>
-              <a:t>Integration Services</a:t>
-            </a:r>
-          </a:p>
-          <a:p>
-            <a:pPr marL="1723553" lvl="2" indent="-571500">
-              <a:buFont typeface="Arial" panose="020B0604020202020204" pitchFamily="34" charset="0"/>
-              <a:buChar char="•"/>
-            </a:pPr>
-            <a:r>
-              <a:rPr lang="en-US" dirty="0" smtClean="0"/>
-              <a:t>…</a:t>
-            </a:r>
-          </a:p>
-          <a:p>
-            <a:pPr marL="571500" indent="-571500">
-              <a:buFont typeface="Arial" panose="020B0604020202020204" pitchFamily="34" charset="0"/>
-              <a:buChar char="•"/>
-            </a:pPr>
-            <a:r>
-              <a:rPr lang="en-US" dirty="0" err="1" smtClean="0"/>
-              <a:t>Altri</a:t>
-            </a:r>
-            <a:r>
-              <a:rPr lang="en-US" dirty="0" smtClean="0"/>
-              <a:t> </a:t>
-            </a:r>
-            <a:r>
-              <a:rPr lang="en-US" dirty="0" err="1" smtClean="0"/>
-              <a:t>sono</a:t>
-            </a:r>
-            <a:r>
-              <a:rPr lang="en-US" dirty="0" smtClean="0"/>
-              <a:t> </a:t>
-            </a:r>
-            <a:r>
-              <a:rPr lang="en-US" dirty="0" err="1" smtClean="0"/>
-              <a:t>già</a:t>
-            </a:r>
-            <a:r>
-              <a:rPr lang="en-US" dirty="0" smtClean="0"/>
-              <a:t> </a:t>
-            </a:r>
-            <a:r>
-              <a:rPr lang="en-US" dirty="0" err="1" smtClean="0"/>
-              <a:t>pianificati</a:t>
-            </a:r>
-            <a:r>
-              <a:rPr lang="en-US" dirty="0" smtClean="0"/>
-              <a:t> </a:t>
-            </a:r>
-            <a:r>
-              <a:rPr lang="en-US" dirty="0" err="1" smtClean="0"/>
-              <a:t>oppure</a:t>
-            </a:r>
-            <a:r>
-              <a:rPr lang="en-US" dirty="0" smtClean="0"/>
-              <a:t> in </a:t>
-            </a:r>
-            <a:r>
-              <a:rPr lang="en-US" dirty="0" err="1" smtClean="0"/>
-              <a:t>fase</a:t>
-            </a:r>
-            <a:r>
-              <a:rPr lang="en-US" dirty="0" smtClean="0"/>
-              <a:t> di </a:t>
-            </a:r>
-            <a:r>
-              <a:rPr lang="en-US" dirty="0" err="1" smtClean="0"/>
-              <a:t>valutazione</a:t>
-            </a:r>
-            <a:endParaRPr lang="en-US" dirty="0" smtClean="0"/>
-          </a:p>
-          <a:p>
-            <a:pPr marL="1723553" lvl="2" indent="-571500">
-              <a:buFont typeface="Arial" panose="020B0604020202020204" pitchFamily="34" charset="0"/>
-              <a:buChar char="•"/>
-            </a:pPr>
-            <a:r>
-              <a:rPr lang="en-US" dirty="0" err="1"/>
-              <a:t>Supporto</a:t>
-            </a:r>
-            <a:r>
-              <a:rPr lang="en-US" dirty="0"/>
-              <a:t> per Always On Availability Group </a:t>
-            </a:r>
-          </a:p>
-          <a:p>
-            <a:pPr marL="1723553" lvl="2" indent="-571500">
-              <a:buFont typeface="Arial" panose="020B0604020202020204" pitchFamily="34" charset="0"/>
-              <a:buChar char="•"/>
-            </a:pPr>
-            <a:r>
-              <a:rPr lang="en-US" dirty="0" smtClean="0"/>
-              <a:t>Profiler</a:t>
-            </a:r>
-          </a:p>
-          <a:p>
-            <a:pPr marL="1723553" lvl="2" indent="-571500">
-              <a:buFont typeface="Arial" panose="020B0604020202020204" pitchFamily="34" charset="0"/>
-              <a:buChar char="•"/>
-            </a:pPr>
-            <a:r>
-              <a:rPr lang="en-US" dirty="0" smtClean="0"/>
-              <a:t>Table designer</a:t>
-            </a:r>
-          </a:p>
-          <a:p>
-            <a:pPr marL="1723553" lvl="2" indent="-571500">
-              <a:buFont typeface="Arial" panose="020B0604020202020204" pitchFamily="34" charset="0"/>
-              <a:buChar char="•"/>
-            </a:pPr>
-            <a:r>
-              <a:rPr lang="en-US" dirty="0" smtClean="0"/>
-              <a:t>SQL Agent</a:t>
-            </a:r>
-          </a:p>
-          <a:p>
-            <a:pPr marL="1723553" lvl="2" indent="-571500">
-              <a:buFont typeface="Arial" panose="020B0604020202020204" pitchFamily="34" charset="0"/>
-              <a:buChar char="•"/>
-            </a:pPr>
-            <a:r>
-              <a:rPr lang="en-US" dirty="0" smtClean="0"/>
-              <a:t>…</a:t>
-            </a:r>
-          </a:p>
-          <a:p>
-            <a:pPr marL="571500" indent="-571500">
-              <a:buFont typeface="Arial" panose="020B0604020202020204" pitchFamily="34" charset="0"/>
-              <a:buChar char="•"/>
-            </a:pPr>
-            <a:r>
-              <a:rPr lang="en-US" dirty="0" err="1" smtClean="0"/>
-              <a:t>Altre</a:t>
-            </a:r>
-            <a:r>
-              <a:rPr lang="en-US" dirty="0" smtClean="0"/>
-              <a:t> feature </a:t>
-            </a:r>
-            <a:r>
-              <a:rPr lang="en-US" dirty="0" err="1" smtClean="0"/>
-              <a:t>saranno</a:t>
-            </a:r>
-            <a:r>
-              <a:rPr lang="en-US" dirty="0" smtClean="0"/>
-              <a:t> rese </a:t>
-            </a:r>
-            <a:r>
-              <a:rPr lang="en-US" dirty="0" err="1" smtClean="0"/>
-              <a:t>disponibili</a:t>
-            </a:r>
-            <a:r>
-              <a:rPr lang="en-US" dirty="0" smtClean="0"/>
-              <a:t> </a:t>
-            </a:r>
-            <a:r>
-              <a:rPr lang="en-US" dirty="0" err="1" smtClean="0"/>
-              <a:t>attraverso</a:t>
-            </a:r>
-            <a:r>
-              <a:rPr lang="en-US" dirty="0" smtClean="0"/>
-              <a:t> </a:t>
-            </a:r>
-            <a:r>
-              <a:rPr lang="en-US" dirty="0" err="1" smtClean="0"/>
-              <a:t>il</a:t>
-            </a:r>
-            <a:r>
-              <a:rPr lang="en-US" dirty="0" smtClean="0"/>
-              <a:t> Sistema di Extensibility</a:t>
+              <a:t>Conclusioni</a:t>
             </a:r>
             <a:endParaRPr lang="en-US" dirty="0"/>
           </a:p>
@@ -7504,20 +7458,20 @@
     </p:spTree>
     <p:extLst>
       <p:ext uri="{BB962C8B-B14F-4D97-AF65-F5344CB8AC3E}">
-        <p14:creationId xmlns:p14="http://schemas.microsoft.com/office/powerpoint/2010/main" val="2218737118"/>
+        <p14:creationId xmlns:p14="http://schemas.microsoft.com/office/powerpoint/2010/main" val="1554858338"/>
       </p:ext>
     </p:extLst>
   </p:cSld>
   <p:clrMapOvr>
     <a:masterClrMapping/>
   </p:clrMapOvr>
-  <mc:AlternateContent xmlns:mc="http://schemas.openxmlformats.org/markup-compatibility/2006">
-    <mc:Choice xmlns:p14="http://schemas.microsoft.com/office/powerpoint/2010/main" Requires="p14">
+  <mc:AlternateContent xmlns:mc="http://schemas.openxmlformats.org/markup-compatibility/2006" xmlns:p14="http://schemas.microsoft.com/office/powerpoint/2010/main">
+    <mc:Choice Requires="p14">
       <p:transition spd="med" p14:dur="700">
         <p:fade/>
       </p:transition>
     </mc:Choice>
-    <mc:Fallback>
+    <mc:Fallback xmlns="">
       <p:transition spd="med">
         <p:fade/>
       </p:transition>
@@ -7566,8 +7520,8 @@
           <a:lstStyle/>
           <a:p>
             <a:r>
-              <a:rPr lang="en-US" dirty="0" err="1" smtClean="0"/>
-              <a:t>Risorse</a:t>
+              <a:rPr lang="en-US" dirty="0" smtClean="0"/>
+              <a:t>Recap</a:t>
             </a:r>
             <a:endParaRPr lang="en-US" dirty="0"/>
           </a:p>
@@ -7586,156 +7540,107 @@
         <p:spPr/>
         <p:txBody>
           <a:bodyPr>
-            <a:normAutofit fontScale="77500" lnSpcReduction="20000"/>
+            <a:normAutofit lnSpcReduction="10000"/>
           </a:bodyPr>
           <a:lstStyle/>
           <a:p>
-            <a:r>
-              <a:rPr lang="en-US" sz="2400" dirty="0" err="1" smtClean="0"/>
-              <a:t>Github</a:t>
-            </a:r>
-            <a:endParaRPr lang="en-US" sz="2400" dirty="0" smtClean="0"/>
-          </a:p>
-          <a:p>
-            <a:r>
-              <a:rPr lang="en-US" sz="2400" dirty="0" smtClean="0">
-                <a:hlinkClick r:id="rId2"/>
-              </a:rPr>
-              <a:t>https</a:t>
-            </a:r>
-            <a:r>
-              <a:rPr lang="en-US" sz="2400" dirty="0">
-                <a:hlinkClick r:id="rId2"/>
-              </a:rPr>
-              <a:t>://</a:t>
-            </a:r>
-            <a:r>
-              <a:rPr lang="en-US" sz="2400" dirty="0" smtClean="0">
-                <a:hlinkClick r:id="rId2"/>
-              </a:rPr>
-              <a:t>github.com/Microsoft/sqlopsstudio</a:t>
-            </a:r>
-            <a:endParaRPr lang="en-US" sz="2400" dirty="0" smtClean="0"/>
-          </a:p>
-          <a:p>
-            <a:endParaRPr lang="en-US" sz="2400" dirty="0" smtClean="0"/>
-          </a:p>
-          <a:p>
-            <a:r>
-              <a:rPr lang="en-US" sz="2400" dirty="0" err="1" smtClean="0"/>
-              <a:t>Documentazione</a:t>
-            </a:r>
-            <a:r>
-              <a:rPr lang="en-US" sz="2400" dirty="0" smtClean="0"/>
-              <a:t> online</a:t>
-            </a:r>
-          </a:p>
-          <a:p>
-            <a:r>
-              <a:rPr lang="en-US" sz="2400" dirty="0" smtClean="0">
-                <a:hlinkClick r:id="rId3"/>
-              </a:rPr>
-              <a:t>https://docs.microsoft.com/en-us/sql/sql-operations-studio/what-is</a:t>
-            </a:r>
-            <a:endParaRPr lang="en-US" sz="2400" dirty="0" smtClean="0"/>
-          </a:p>
-          <a:p>
-            <a:endParaRPr lang="en-US" sz="2400" dirty="0" smtClean="0"/>
-          </a:p>
-          <a:p>
-            <a:r>
-              <a:rPr lang="en-US" sz="2400" dirty="0" smtClean="0"/>
-              <a:t>Account twitter </a:t>
-            </a:r>
-            <a:r>
-              <a:rPr lang="en-US" sz="2400" dirty="0" err="1" smtClean="0"/>
-              <a:t>ufficiale</a:t>
-            </a:r>
-            <a:r>
-              <a:rPr lang="en-US" sz="2400" dirty="0" smtClean="0"/>
-              <a:t> - @</a:t>
-            </a:r>
-            <a:r>
-              <a:rPr lang="en-US" sz="2400" dirty="0" err="1" smtClean="0"/>
-              <a:t>sqlopsstudio</a:t>
-            </a:r>
-            <a:endParaRPr lang="en-US" sz="2400" dirty="0" smtClean="0"/>
-          </a:p>
-          <a:p>
-            <a:r>
-              <a:rPr lang="en-US" sz="2400" dirty="0">
-                <a:hlinkClick r:id="rId4"/>
-              </a:rPr>
-              <a:t>https://</a:t>
-            </a:r>
-            <a:r>
-              <a:rPr lang="en-US" sz="2400" dirty="0" smtClean="0">
-                <a:hlinkClick r:id="rId4"/>
-              </a:rPr>
-              <a:t>twitter.com/sqlopsstudio</a:t>
-            </a:r>
-            <a:endParaRPr lang="en-US" sz="2400" dirty="0" smtClean="0"/>
-          </a:p>
-          <a:p>
-            <a:endParaRPr lang="en-US" sz="2400" dirty="0"/>
-          </a:p>
-          <a:p>
-            <a:r>
-              <a:rPr lang="en-US" sz="2400" dirty="0"/>
-              <a:t>Introducing SQL Operations Studio – Eric Kang</a:t>
-            </a:r>
-          </a:p>
-          <a:p>
-            <a:r>
-              <a:rPr lang="en-US" sz="2400" dirty="0">
-                <a:hlinkClick r:id="rId5"/>
-              </a:rPr>
-              <a:t>https://channel9.msdn.com/Events/Connect/2017/T255/player</a:t>
-            </a:r>
-            <a:endParaRPr lang="en-US" sz="2400" dirty="0"/>
-          </a:p>
-          <a:p>
-            <a:endParaRPr lang="en-US" sz="2400" dirty="0" smtClean="0"/>
-          </a:p>
-          <a:p>
-            <a:r>
-              <a:rPr lang="en-US" sz="2400" dirty="0"/>
-              <a:t>SQL Operations Studio – Comprehensive guide to the new database DevOps tool</a:t>
-            </a:r>
-            <a:r>
-              <a:rPr lang="en-US" sz="2400" dirty="0" smtClean="0"/>
-              <a:t>!</a:t>
+            <a:pPr marL="571500" indent="-571500">
+              <a:buFont typeface="Arial" panose="020B0604020202020204" pitchFamily="34" charset="0"/>
+              <a:buChar char="•"/>
+            </a:pPr>
+            <a:r>
+              <a:rPr lang="en-US" dirty="0" err="1" smtClean="0"/>
+              <a:t>Premessa</a:t>
+            </a:r>
+            <a:endParaRPr lang="en-US" dirty="0" smtClean="0"/>
+          </a:p>
+          <a:p>
+            <a:pPr marL="571500" indent="-571500">
+              <a:buFont typeface="Arial" panose="020B0604020202020204" pitchFamily="34" charset="0"/>
+              <a:buChar char="•"/>
+            </a:pPr>
+            <a:r>
+              <a:rPr lang="en-US" dirty="0" err="1" smtClean="0"/>
+              <a:t>Introduzione</a:t>
+            </a:r>
+            <a:r>
+              <a:rPr lang="en-US" dirty="0" smtClean="0"/>
+              <a:t> al tool</a:t>
+            </a:r>
+          </a:p>
+          <a:p>
+            <a:pPr marL="571500" indent="-571500">
+              <a:buFont typeface="Arial" panose="020B0604020202020204" pitchFamily="34" charset="0"/>
+              <a:buChar char="•"/>
+            </a:pPr>
+            <a:r>
+              <a:rPr lang="en-US" dirty="0" err="1" smtClean="0"/>
+              <a:t>Esplorazione</a:t>
             </a:r>
             <a:r>
               <a:rPr lang="en-US" dirty="0" smtClean="0"/>
               <a:t> </a:t>
             </a:r>
-          </a:p>
-          <a:p>
-            <a:r>
-              <a:rPr lang="en-US" sz="2400" dirty="0">
-                <a:hlinkClick r:id="rId6"/>
-              </a:rPr>
-              <a:t>http://blog.sqlterritory.com/2017/12/19/sql-operations-studio-comprehensive-guide</a:t>
-            </a:r>
-            <a:r>
-              <a:rPr lang="en-US" sz="2400" dirty="0" smtClean="0">
-                <a:hlinkClick r:id="rId6"/>
-              </a:rPr>
-              <a:t>/</a:t>
-            </a:r>
-            <a:endParaRPr lang="en-US" sz="2400" dirty="0" smtClean="0"/>
-          </a:p>
-          <a:p>
-            <a:endParaRPr lang="en-US" sz="2400" dirty="0" smtClean="0"/>
-          </a:p>
-          <a:p>
-            <a:endParaRPr lang="en-US" dirty="0" smtClean="0"/>
-          </a:p>
-          <a:p>
-            <a:endParaRPr lang="en-US" dirty="0" smtClean="0"/>
-          </a:p>
-          <a:p>
+            <a:r>
+              <a:rPr lang="en-US" dirty="0" err="1" smtClean="0"/>
+              <a:t>funzionalità</a:t>
+            </a:r>
+            <a:r>
+              <a:rPr lang="en-US" dirty="0" smtClean="0"/>
+              <a:t> di base</a:t>
+            </a:r>
+          </a:p>
+          <a:p>
+            <a:pPr marL="571500" indent="-571500">
+              <a:buFont typeface="Arial" panose="020B0604020202020204" pitchFamily="34" charset="0"/>
+              <a:buChar char="•"/>
+            </a:pPr>
+            <a:r>
+              <a:rPr lang="en-US" dirty="0" err="1" smtClean="0"/>
+              <a:t>Introduzione</a:t>
+            </a:r>
+            <a:r>
+              <a:rPr lang="en-US" dirty="0" smtClean="0"/>
+              <a:t> </a:t>
+            </a:r>
+            <a:r>
+              <a:rPr lang="en-US" dirty="0" err="1" smtClean="0"/>
+              <a:t>nuove</a:t>
+            </a:r>
+            <a:r>
+              <a:rPr lang="en-US" dirty="0" smtClean="0"/>
+              <a:t> feature</a:t>
+            </a:r>
+          </a:p>
+          <a:p>
+            <a:pPr marL="571500" indent="-571500">
+              <a:buFont typeface="Arial" panose="020B0604020202020204" pitchFamily="34" charset="0"/>
+              <a:buChar char="•"/>
+            </a:pPr>
+            <a:r>
+              <a:rPr lang="en-US" dirty="0" smtClean="0"/>
+              <a:t>Demo </a:t>
+            </a:r>
+          </a:p>
+          <a:p>
+            <a:pPr marL="571500" indent="-571500">
+              <a:buFont typeface="Arial" panose="020B0604020202020204" pitchFamily="34" charset="0"/>
+              <a:buChar char="•"/>
+            </a:pPr>
+            <a:r>
+              <a:rPr lang="en-US" dirty="0" smtClean="0"/>
+              <a:t>Road map</a:t>
+            </a:r>
+          </a:p>
+          <a:p>
+            <a:pPr marL="571500" indent="-571500">
+              <a:buFont typeface="Arial" panose="020B0604020202020204" pitchFamily="34" charset="0"/>
+              <a:buChar char="•"/>
+            </a:pPr>
+            <a:r>
+              <a:rPr lang="en-US" dirty="0" err="1" smtClean="0"/>
+              <a:t>Limitazioni</a:t>
+            </a:r>
             <a:endParaRPr lang="en-US" dirty="0"/>
           </a:p>
         </p:txBody>
@@ -7743,20 +7648,20 @@
     </p:spTree>
     <p:extLst>
       <p:ext uri="{BB962C8B-B14F-4D97-AF65-F5344CB8AC3E}">
-        <p14:creationId xmlns:p14="http://schemas.microsoft.com/office/powerpoint/2010/main" val="4106770360"/>
+        <p14:creationId xmlns:p14="http://schemas.microsoft.com/office/powerpoint/2010/main" val="1929527526"/>
       </p:ext>
     </p:extLst>
   </p:cSld>
   <p:clrMapOvr>
     <a:masterClrMapping/>
   </p:clrMapOvr>
-  <mc:AlternateContent xmlns:mc="http://schemas.openxmlformats.org/markup-compatibility/2006">
-    <mc:Choice xmlns:p14="http://schemas.microsoft.com/office/powerpoint/2010/main" Requires="p14">
+  <mc:AlternateContent xmlns:mc="http://schemas.openxmlformats.org/markup-compatibility/2006" xmlns:p14="http://schemas.microsoft.com/office/powerpoint/2010/main">
+    <mc:Choice Requires="p14">
       <p:transition spd="med" p14:dur="700">
         <p:fade/>
       </p:transition>
     </mc:Choice>
-    <mc:Fallback>
+    <mc:Fallback xmlns="">
       <p:transition spd="med">
         <p:fade/>
       </p:transition>
@@ -8125,13 +8030,13 @@
   <p:clrMapOvr>
     <a:masterClrMapping/>
   </p:clrMapOvr>
-  <mc:AlternateContent xmlns:mc="http://schemas.openxmlformats.org/markup-compatibility/2006">
-    <mc:Choice xmlns:p14="http://schemas.microsoft.com/office/powerpoint/2010/main" Requires="p14">
+  <mc:AlternateContent xmlns:mc="http://schemas.openxmlformats.org/markup-compatibility/2006" xmlns:p14="http://schemas.microsoft.com/office/powerpoint/2010/main">
+    <mc:Choice Requires="p14">
       <p:transition spd="med" p14:dur="700">
         <p:fade/>
       </p:transition>
     </mc:Choice>
-    <mc:Fallback>
+    <mc:Fallback xmlns="">
       <p:transition spd="med">
         <p:fade/>
       </p:transition>
@@ -8148,6 +8053,486 @@
 </file>
 
 <file path=ppt/slides/slide30.xml><?xml version="1.0" encoding="utf-8"?>
+<p:sld xmlns:a="http://schemas.openxmlformats.org/drawingml/2006/main" xmlns:r="http://schemas.openxmlformats.org/officeDocument/2006/relationships" xmlns:p="http://schemas.openxmlformats.org/presentationml/2006/main">
+  <p:cSld>
+    <p:spTree>
+      <p:nvGrpSpPr>
+        <p:cNvPr id="1" name=""/>
+        <p:cNvGrpSpPr/>
+        <p:nvPr/>
+      </p:nvGrpSpPr>
+      <p:grpSpPr>
+        <a:xfrm>
+          <a:off x="0" y="0"/>
+          <a:ext cx="0" cy="0"/>
+          <a:chOff x="0" y="0"/>
+          <a:chExt cx="0" cy="0"/>
+        </a:xfrm>
+      </p:grpSpPr>
+      <p:sp>
+        <p:nvSpPr>
+          <p:cNvPr id="18" name="Title 17"/>
+          <p:cNvSpPr>
+            <a:spLocks noGrp="1"/>
+          </p:cNvSpPr>
+          <p:nvPr>
+            <p:ph type="title"/>
+          </p:nvPr>
+        </p:nvSpPr>
+        <p:spPr/>
+        <p:txBody>
+          <a:bodyPr/>
+          <a:lstStyle/>
+          <a:p>
+            <a:r>
+              <a:rPr lang="en-US" dirty="0" smtClean="0"/>
+              <a:t>Il </a:t>
+            </a:r>
+            <a:r>
+              <a:rPr lang="en-US" dirty="0" err="1" smtClean="0"/>
+              <a:t>potenziale</a:t>
+            </a:r>
+            <a:r>
+              <a:rPr lang="en-US" dirty="0" smtClean="0"/>
+              <a:t> di SQL Ops Studio</a:t>
+            </a:r>
+            <a:endParaRPr lang="en-US" dirty="0"/>
+          </a:p>
+        </p:txBody>
+      </p:sp>
+      <p:sp>
+        <p:nvSpPr>
+          <p:cNvPr id="19" name="Content Placeholder 18"/>
+          <p:cNvSpPr>
+            <a:spLocks noGrp="1"/>
+          </p:cNvSpPr>
+          <p:nvPr>
+            <p:ph idx="1"/>
+          </p:nvPr>
+        </p:nvSpPr>
+        <p:spPr/>
+        <p:txBody>
+          <a:bodyPr>
+            <a:normAutofit/>
+          </a:bodyPr>
+          <a:lstStyle/>
+          <a:p>
+            <a:pPr marL="571500" indent="-571500">
+              <a:buFont typeface="Arial" panose="020B0604020202020204" pitchFamily="34" charset="0"/>
+              <a:buChar char="•"/>
+            </a:pPr>
+            <a:r>
+              <a:rPr lang="en-US" dirty="0" err="1" smtClean="0"/>
+              <a:t>Strumento</a:t>
+            </a:r>
+            <a:r>
+              <a:rPr lang="en-US" dirty="0" smtClean="0"/>
+              <a:t> per la </a:t>
+            </a:r>
+            <a:r>
+              <a:rPr lang="en-US" dirty="0" err="1" smtClean="0"/>
+              <a:t>creazione</a:t>
+            </a:r>
+            <a:r>
+              <a:rPr lang="en-US" dirty="0" smtClean="0"/>
+              <a:t> di </a:t>
+            </a:r>
+            <a:r>
+              <a:rPr lang="en-US" dirty="0" err="1" smtClean="0"/>
+              <a:t>soluzioni</a:t>
+            </a:r>
+            <a:endParaRPr lang="en-US" dirty="0"/>
+          </a:p>
+          <a:p>
+            <a:pPr marL="1147527" lvl="1" indent="-571500">
+              <a:buFont typeface="Arial" panose="020B0604020202020204" pitchFamily="34" charset="0"/>
+              <a:buChar char="•"/>
+            </a:pPr>
+            <a:r>
+              <a:rPr lang="en-US" dirty="0" smtClean="0"/>
+              <a:t>Portable</a:t>
+            </a:r>
+          </a:p>
+          <a:p>
+            <a:pPr marL="1147527" lvl="1" indent="-571500">
+              <a:buFont typeface="Arial" panose="020B0604020202020204" pitchFamily="34" charset="0"/>
+              <a:buChar char="•"/>
+            </a:pPr>
+            <a:r>
+              <a:rPr lang="en-US" dirty="0" smtClean="0"/>
+              <a:t>Repeatable</a:t>
+            </a:r>
+          </a:p>
+          <a:p>
+            <a:pPr marL="1147527" lvl="1" indent="-571500">
+              <a:buFont typeface="Arial" panose="020B0604020202020204" pitchFamily="34" charset="0"/>
+              <a:buChar char="•"/>
+            </a:pPr>
+            <a:r>
+              <a:rPr lang="en-US" dirty="0" smtClean="0"/>
+              <a:t>Automatable</a:t>
+            </a:r>
+          </a:p>
+          <a:p>
+            <a:pPr marL="571500" indent="-571500">
+              <a:buFont typeface="Arial" panose="020B0604020202020204" pitchFamily="34" charset="0"/>
+              <a:buChar char="•"/>
+            </a:pPr>
+            <a:r>
+              <a:rPr lang="en-US" dirty="0" err="1" smtClean="0"/>
+              <a:t>Strumento</a:t>
+            </a:r>
+            <a:r>
+              <a:rPr lang="en-US" dirty="0" smtClean="0"/>
+              <a:t> per lo </a:t>
+            </a:r>
+            <a:r>
+              <a:rPr lang="en-US" dirty="0" err="1" smtClean="0"/>
+              <a:t>sviluppo</a:t>
+            </a:r>
+            <a:r>
+              <a:rPr lang="en-US" dirty="0" smtClean="0"/>
+              <a:t> e la </a:t>
+            </a:r>
+            <a:r>
+              <a:rPr lang="en-US" dirty="0" err="1" smtClean="0"/>
+              <a:t>gestione</a:t>
+            </a:r>
+            <a:r>
+              <a:rPr lang="en-US" dirty="0" smtClean="0"/>
+              <a:t> di </a:t>
+            </a:r>
+          </a:p>
+          <a:p>
+            <a:pPr marL="1147527" lvl="1" indent="-571500">
+              <a:buFont typeface="Arial" panose="020B0604020202020204" pitchFamily="34" charset="0"/>
+              <a:buChar char="•"/>
+            </a:pPr>
+            <a:r>
+              <a:rPr lang="en-US" dirty="0" smtClean="0"/>
+              <a:t>Server</a:t>
+            </a:r>
+          </a:p>
+          <a:p>
+            <a:pPr marL="1147527" lvl="1" indent="-571500">
+              <a:buFont typeface="Arial" panose="020B0604020202020204" pitchFamily="34" charset="0"/>
+              <a:buChar char="•"/>
+            </a:pPr>
+            <a:r>
+              <a:rPr lang="en-US" dirty="0" smtClean="0"/>
+              <a:t>Database</a:t>
+            </a:r>
+            <a:endParaRPr lang="en-US" dirty="0"/>
+          </a:p>
+          <a:p>
+            <a:pPr marL="571500" indent="-571500">
+              <a:buFont typeface="Arial" panose="020B0604020202020204" pitchFamily="34" charset="0"/>
+              <a:buChar char="•"/>
+            </a:pPr>
+            <a:endParaRPr lang="en-US" dirty="0"/>
+          </a:p>
+        </p:txBody>
+      </p:sp>
+    </p:spTree>
+    <p:extLst>
+      <p:ext uri="{BB962C8B-B14F-4D97-AF65-F5344CB8AC3E}">
+        <p14:creationId xmlns:p14="http://schemas.microsoft.com/office/powerpoint/2010/main" val="2372110137"/>
+      </p:ext>
+    </p:extLst>
+  </p:cSld>
+  <p:clrMapOvr>
+    <a:masterClrMapping/>
+  </p:clrMapOvr>
+  <mc:AlternateContent xmlns:mc="http://schemas.openxmlformats.org/markup-compatibility/2006" xmlns:p14="http://schemas.microsoft.com/office/powerpoint/2010/main">
+    <mc:Choice Requires="p14">
+      <p:transition spd="med" p14:dur="700">
+        <p:fade/>
+      </p:transition>
+    </mc:Choice>
+    <mc:Fallback xmlns="">
+      <p:transition spd="med">
+        <p:fade/>
+      </p:transition>
+    </mc:Fallback>
+  </mc:AlternateContent>
+  <p:timing>
+    <p:tnLst>
+      <p:par>
+        <p:cTn id="1" dur="indefinite" restart="never" nodeType="tmRoot"/>
+      </p:par>
+    </p:tnLst>
+  </p:timing>
+</p:sld>
+</file>
+
+<file path=ppt/slides/slide31.xml><?xml version="1.0" encoding="utf-8"?>
+<p:sld xmlns:a="http://schemas.openxmlformats.org/drawingml/2006/main" xmlns:r="http://schemas.openxmlformats.org/officeDocument/2006/relationships" xmlns:p="http://schemas.openxmlformats.org/presentationml/2006/main">
+  <p:cSld>
+    <p:spTree>
+      <p:nvGrpSpPr>
+        <p:cNvPr id="1" name=""/>
+        <p:cNvGrpSpPr/>
+        <p:nvPr/>
+      </p:nvGrpSpPr>
+      <p:grpSpPr>
+        <a:xfrm>
+          <a:off x="0" y="0"/>
+          <a:ext cx="0" cy="0"/>
+          <a:chOff x="0" y="0"/>
+          <a:chExt cx="0" cy="0"/>
+        </a:xfrm>
+      </p:grpSpPr>
+      <p:sp>
+        <p:nvSpPr>
+          <p:cNvPr id="18" name="Title 17"/>
+          <p:cNvSpPr>
+            <a:spLocks noGrp="1"/>
+          </p:cNvSpPr>
+          <p:nvPr>
+            <p:ph type="title"/>
+          </p:nvPr>
+        </p:nvSpPr>
+        <p:spPr/>
+        <p:txBody>
+          <a:bodyPr/>
+          <a:lstStyle/>
+          <a:p>
+            <a:r>
+              <a:rPr lang="en-US" dirty="0" err="1" smtClean="0"/>
+              <a:t>Risorse</a:t>
+            </a:r>
+            <a:endParaRPr lang="en-US" dirty="0"/>
+          </a:p>
+        </p:txBody>
+      </p:sp>
+      <p:sp>
+        <p:nvSpPr>
+          <p:cNvPr id="19" name="Content Placeholder 18"/>
+          <p:cNvSpPr>
+            <a:spLocks noGrp="1"/>
+          </p:cNvSpPr>
+          <p:nvPr>
+            <p:ph idx="1"/>
+          </p:nvPr>
+        </p:nvSpPr>
+        <p:spPr/>
+        <p:txBody>
+          <a:bodyPr>
+            <a:normAutofit fontScale="62500" lnSpcReduction="20000"/>
+          </a:bodyPr>
+          <a:lstStyle/>
+          <a:p>
+            <a:r>
+              <a:rPr lang="en-US" sz="2400" dirty="0" err="1" smtClean="0"/>
+              <a:t>Github</a:t>
+            </a:r>
+            <a:endParaRPr lang="en-US" sz="2400" dirty="0" smtClean="0"/>
+          </a:p>
+          <a:p>
+            <a:r>
+              <a:rPr lang="en-US" sz="2400" dirty="0" smtClean="0">
+                <a:hlinkClick r:id="rId2"/>
+              </a:rPr>
+              <a:t>https</a:t>
+            </a:r>
+            <a:r>
+              <a:rPr lang="en-US" sz="2400" dirty="0">
+                <a:hlinkClick r:id="rId2"/>
+              </a:rPr>
+              <a:t>://</a:t>
+            </a:r>
+            <a:r>
+              <a:rPr lang="en-US" sz="2400" dirty="0" smtClean="0">
+                <a:hlinkClick r:id="rId2"/>
+              </a:rPr>
+              <a:t>github.com/Microsoft/sqlopsstudio</a:t>
+            </a:r>
+            <a:endParaRPr lang="en-US" sz="2400" dirty="0" smtClean="0"/>
+          </a:p>
+          <a:p>
+            <a:endParaRPr lang="en-US" sz="2400" dirty="0" smtClean="0"/>
+          </a:p>
+          <a:p>
+            <a:r>
+              <a:rPr lang="en-US" sz="2400" dirty="0" err="1" smtClean="0"/>
+              <a:t>Documentazione</a:t>
+            </a:r>
+            <a:r>
+              <a:rPr lang="en-US" sz="2400" dirty="0" smtClean="0"/>
+              <a:t> online</a:t>
+            </a:r>
+          </a:p>
+          <a:p>
+            <a:r>
+              <a:rPr lang="en-US" sz="2400" dirty="0" smtClean="0">
+                <a:hlinkClick r:id="rId3"/>
+              </a:rPr>
+              <a:t>https://docs.microsoft.com/en-us/sql/sql-operations-studio/what-is</a:t>
+            </a:r>
+            <a:endParaRPr lang="en-US" sz="2400" dirty="0" smtClean="0"/>
+          </a:p>
+          <a:p>
+            <a:endParaRPr lang="en-US" sz="2400" dirty="0" smtClean="0"/>
+          </a:p>
+          <a:p>
+            <a:r>
+              <a:rPr lang="en-US" sz="2400" dirty="0" smtClean="0"/>
+              <a:t>Account twitter </a:t>
+            </a:r>
+            <a:r>
+              <a:rPr lang="en-US" sz="2400" dirty="0" err="1" smtClean="0"/>
+              <a:t>ufficiale</a:t>
+            </a:r>
+            <a:r>
+              <a:rPr lang="en-US" sz="2400" dirty="0" smtClean="0"/>
+              <a:t> - @</a:t>
+            </a:r>
+            <a:r>
+              <a:rPr lang="en-US" sz="2400" dirty="0" err="1" smtClean="0"/>
+              <a:t>sqlopsstudio</a:t>
+            </a:r>
+            <a:endParaRPr lang="en-US" sz="2400" dirty="0" smtClean="0"/>
+          </a:p>
+          <a:p>
+            <a:r>
+              <a:rPr lang="en-US" sz="2400" dirty="0">
+                <a:hlinkClick r:id="rId4"/>
+              </a:rPr>
+              <a:t>https://</a:t>
+            </a:r>
+            <a:r>
+              <a:rPr lang="en-US" sz="2400" dirty="0" smtClean="0">
+                <a:hlinkClick r:id="rId4"/>
+              </a:rPr>
+              <a:t>twitter.com/sqlopsstudio</a:t>
+            </a:r>
+            <a:endParaRPr lang="en-US" sz="2400" dirty="0" smtClean="0"/>
+          </a:p>
+          <a:p>
+            <a:endParaRPr lang="en-US" sz="2400" dirty="0"/>
+          </a:p>
+          <a:p>
+            <a:r>
+              <a:rPr lang="en-US" sz="2400" dirty="0"/>
+              <a:t>Introducing SQL Operations Studio – Eric Kang</a:t>
+            </a:r>
+          </a:p>
+          <a:p>
+            <a:r>
+              <a:rPr lang="en-US" sz="2400" dirty="0">
+                <a:hlinkClick r:id="rId5"/>
+              </a:rPr>
+              <a:t>https://channel9.msdn.com/Events/Connect/2017/T255/player</a:t>
+            </a:r>
+            <a:endParaRPr lang="en-US" sz="2400" dirty="0"/>
+          </a:p>
+          <a:p>
+            <a:endParaRPr lang="en-US" sz="2400" dirty="0" smtClean="0"/>
+          </a:p>
+          <a:p>
+            <a:r>
+              <a:rPr lang="en-US" sz="2400" dirty="0"/>
+              <a:t>SQL Operations Studio SQL Tiger Team </a:t>
+            </a:r>
+            <a:r>
+              <a:rPr lang="en-US" sz="2400" dirty="0" smtClean="0"/>
+              <a:t>Introduction</a:t>
+            </a:r>
+          </a:p>
+          <a:p>
+            <a:r>
+              <a:rPr lang="en-US" sz="2400" dirty="0">
+                <a:hlinkClick r:id="rId6"/>
+              </a:rPr>
+              <a:t>https://</a:t>
+            </a:r>
+            <a:r>
+              <a:rPr lang="en-US" sz="2400" dirty="0" smtClean="0">
+                <a:hlinkClick r:id="rId6"/>
+              </a:rPr>
+              <a:t>www.youtube.com/watch?v=AwW-SRFU2zQ</a:t>
+            </a:r>
+            <a:endParaRPr lang="en-US" sz="2400" dirty="0" smtClean="0"/>
+          </a:p>
+          <a:p>
+            <a:endParaRPr lang="en-US" sz="2400" dirty="0" smtClean="0"/>
+          </a:p>
+          <a:p>
+            <a:r>
+              <a:rPr lang="en-US" sz="2400" dirty="0"/>
+              <a:t>SQL Operations Studio – Comprehensive guide to the new database DevOps tool</a:t>
+            </a:r>
+            <a:r>
+              <a:rPr lang="en-US" sz="2400" dirty="0" smtClean="0"/>
+              <a:t>!</a:t>
+            </a:r>
+            <a:r>
+              <a:rPr lang="en-US" dirty="0" smtClean="0"/>
+              <a:t> </a:t>
+            </a:r>
+          </a:p>
+          <a:p>
+            <a:r>
+              <a:rPr lang="en-US" sz="2400" dirty="0">
+                <a:hlinkClick r:id="rId7"/>
+              </a:rPr>
+              <a:t>http://blog.sqlterritory.com/2017/12/19/sql-operations-studio-comprehensive-guide</a:t>
+            </a:r>
+            <a:r>
+              <a:rPr lang="en-US" sz="2400" dirty="0" smtClean="0">
+                <a:hlinkClick r:id="rId7"/>
+              </a:rPr>
+              <a:t>/</a:t>
+            </a:r>
+            <a:endParaRPr lang="en-US" sz="2400" dirty="0" smtClean="0"/>
+          </a:p>
+          <a:p>
+            <a:endParaRPr lang="en-US" sz="2400" dirty="0" smtClean="0"/>
+          </a:p>
+          <a:p>
+            <a:endParaRPr lang="en-US" dirty="0" smtClean="0"/>
+          </a:p>
+          <a:p>
+            <a:endParaRPr lang="en-US" dirty="0" smtClean="0"/>
+          </a:p>
+          <a:p>
+            <a:endParaRPr lang="en-US" dirty="0"/>
+          </a:p>
+        </p:txBody>
+      </p:sp>
+    </p:spTree>
+    <p:extLst>
+      <p:ext uri="{BB962C8B-B14F-4D97-AF65-F5344CB8AC3E}">
+        <p14:creationId xmlns:p14="http://schemas.microsoft.com/office/powerpoint/2010/main" val="4106770360"/>
+      </p:ext>
+    </p:extLst>
+  </p:cSld>
+  <p:clrMapOvr>
+    <a:masterClrMapping/>
+  </p:clrMapOvr>
+  <mc:AlternateContent xmlns:mc="http://schemas.openxmlformats.org/markup-compatibility/2006" xmlns:p14="http://schemas.microsoft.com/office/powerpoint/2010/main">
+    <mc:Choice Requires="p14">
+      <p:transition spd="med" p14:dur="700">
+        <p:fade/>
+      </p:transition>
+    </mc:Choice>
+    <mc:Fallback xmlns="">
+      <p:transition spd="med">
+        <p:fade/>
+      </p:transition>
+    </mc:Fallback>
+  </mc:AlternateContent>
+  <p:timing>
+    <p:tnLst>
+      <p:par>
+        <p:cTn id="1" dur="indefinite" restart="never" nodeType="tmRoot"/>
+      </p:par>
+    </p:tnLst>
+  </p:timing>
+</p:sld>
+</file>
+
+<file path=ppt/slides/slide32.xml><?xml version="1.0" encoding="utf-8"?>
 <p:sld xmlns:a="http://schemas.openxmlformats.org/drawingml/2006/main" xmlns:r="http://schemas.openxmlformats.org/officeDocument/2006/relationships" xmlns:p="http://schemas.openxmlformats.org/presentationml/2006/main">
   <p:cSld>
     <p:spTree>
@@ -8289,13 +8674,13 @@
   <p:clrMapOvr>
     <a:masterClrMapping/>
   </p:clrMapOvr>
-  <mc:AlternateContent xmlns:mc="http://schemas.openxmlformats.org/markup-compatibility/2006">
-    <mc:Choice xmlns:p14="http://schemas.microsoft.com/office/powerpoint/2010/main" Requires="p14">
+  <mc:AlternateContent xmlns:mc="http://schemas.openxmlformats.org/markup-compatibility/2006" xmlns:p14="http://schemas.microsoft.com/office/powerpoint/2010/main">
+    <mc:Choice Requires="p14">
       <p:transition spd="med" p14:dur="700">
         <p:fade/>
       </p:transition>
     </mc:Choice>
-    <mc:Fallback>
+    <mc:Fallback xmlns="">
       <p:transition spd="med">
         <p:fade/>
       </p:transition>
@@ -8311,7 +8696,7 @@
 </p:sld>
 </file>
 
-<file path=ppt/slides/slide31.xml><?xml version="1.0" encoding="utf-8"?>
+<file path=ppt/slides/slide33.xml><?xml version="1.0" encoding="utf-8"?>
 <p:sld xmlns:a="http://schemas.openxmlformats.org/drawingml/2006/main" xmlns:r="http://schemas.openxmlformats.org/officeDocument/2006/relationships" xmlns:p="http://schemas.openxmlformats.org/presentationml/2006/main">
   <p:cSld>
     <p:spTree>
@@ -8459,13 +8844,13 @@
   <p:clrMapOvr>
     <a:masterClrMapping/>
   </p:clrMapOvr>
-  <mc:AlternateContent xmlns:mc="http://schemas.openxmlformats.org/markup-compatibility/2006">
-    <mc:Choice xmlns:p14="http://schemas.microsoft.com/office/powerpoint/2010/main" Requires="p14">
+  <mc:AlternateContent xmlns:mc="http://schemas.openxmlformats.org/markup-compatibility/2006" xmlns:p14="http://schemas.microsoft.com/office/powerpoint/2010/main">
+    <mc:Choice Requires="p14">
       <p:transition spd="med" p14:dur="700">
         <p:fade/>
       </p:transition>
     </mc:Choice>
-    <mc:Fallback>
+    <mc:Fallback xmlns="">
       <p:transition spd="med">
         <p:fade/>
       </p:transition>
@@ -8531,13 +8916,13 @@
   <p:clrMapOvr>
     <a:masterClrMapping/>
   </p:clrMapOvr>
-  <mc:AlternateContent xmlns:mc="http://schemas.openxmlformats.org/markup-compatibility/2006">
-    <mc:Choice xmlns:p14="http://schemas.microsoft.com/office/powerpoint/2010/main" Requires="p14">
+  <mc:AlternateContent xmlns:mc="http://schemas.openxmlformats.org/markup-compatibility/2006" xmlns:p14="http://schemas.microsoft.com/office/powerpoint/2010/main">
+    <mc:Choice Requires="p14">
       <p:transition spd="med" p14:dur="700">
         <p:fade/>
       </p:transition>
     </mc:Choice>
-    <mc:Fallback>
+    <mc:Fallback xmlns="">
       <p:transition spd="med">
         <p:fade/>
       </p:transition>
@@ -8914,13 +9299,13 @@
   <p:clrMapOvr>
     <a:masterClrMapping/>
   </p:clrMapOvr>
-  <mc:AlternateContent xmlns:mc="http://schemas.openxmlformats.org/markup-compatibility/2006">
-    <mc:Choice xmlns:p14="http://schemas.microsoft.com/office/powerpoint/2010/main" Requires="p14">
+  <mc:AlternateContent xmlns:mc="http://schemas.openxmlformats.org/markup-compatibility/2006" xmlns:p14="http://schemas.microsoft.com/office/powerpoint/2010/main">
+    <mc:Choice Requires="p14">
       <p:transition spd="med" p14:dur="700">
         <p:fade/>
       </p:transition>
     </mc:Choice>
-    <mc:Fallback>
+    <mc:Fallback xmlns="">
       <p:transition spd="med">
         <p:fade/>
       </p:transition>
@@ -9004,7 +9389,7 @@
         <p:spPr bwMode="auto">
           <a:xfrm>
             <a:off x="5718839" y="1371600"/>
-            <a:ext cx="5442199" cy="4081650"/>
+            <a:ext cx="4081866" cy="3061400"/>
           </a:xfrm>
           <a:prstGeom prst="rect">
             <a:avLst/>
@@ -9062,6 +9447,30 @@
           </a:extLst>
         </p:spPr>
       </p:pic>
+      <p:pic>
+        <p:nvPicPr>
+          <p:cNvPr id="3" name="Picture 2"/>
+          <p:cNvPicPr>
+            <a:picLocks noChangeAspect="1"/>
+          </p:cNvPicPr>
+          <p:nvPr/>
+        </p:nvPicPr>
+        <p:blipFill>
+          <a:blip r:embed="rId4"/>
+          <a:stretch>
+            <a:fillRect/>
+          </a:stretch>
+        </p:blipFill>
+        <p:spPr>
+          <a:xfrm>
+            <a:off x="7406568" y="3343558"/>
+            <a:ext cx="3754470" cy="2109692"/>
+          </a:xfrm>
+          <a:prstGeom prst="rect">
+            <a:avLst/>
+          </a:prstGeom>
+        </p:spPr>
+      </p:pic>
     </p:spTree>
     <p:extLst>
       <p:ext uri="{BB962C8B-B14F-4D97-AF65-F5344CB8AC3E}">
@@ -9072,13 +9481,13 @@
   <p:clrMapOvr>
     <a:masterClrMapping/>
   </p:clrMapOvr>
-  <mc:AlternateContent xmlns:mc="http://schemas.openxmlformats.org/markup-compatibility/2006">
-    <mc:Choice xmlns:p14="http://schemas.microsoft.com/office/powerpoint/2010/main" Requires="p14">
+  <mc:AlternateContent xmlns:mc="http://schemas.openxmlformats.org/markup-compatibility/2006" xmlns:p14="http://schemas.microsoft.com/office/powerpoint/2010/main">
+    <mc:Choice Requires="p14">
       <p:transition spd="med" p14:dur="700">
         <p:fade/>
       </p:transition>
     </mc:Choice>
-    <mc:Fallback>
+    <mc:Fallback xmlns="">
       <p:transition spd="med">
         <p:fade/>
       </p:transition>
@@ -9176,13 +9585,13 @@
   <p:clrMapOvr>
     <a:masterClrMapping/>
   </p:clrMapOvr>
-  <mc:AlternateContent xmlns:mc="http://schemas.openxmlformats.org/markup-compatibility/2006">
-    <mc:Choice xmlns:p14="http://schemas.microsoft.com/office/powerpoint/2010/main" Requires="p14">
+  <mc:AlternateContent xmlns:mc="http://schemas.openxmlformats.org/markup-compatibility/2006" xmlns:p14="http://schemas.microsoft.com/office/powerpoint/2010/main">
+    <mc:Choice Requires="p14">
       <p:transition spd="med" p14:dur="700">
         <p:fade/>
       </p:transition>
     </mc:Choice>
-    <mc:Fallback>
+    <mc:Fallback xmlns="">
       <p:transition spd="med">
         <p:fade/>
       </p:transition>
@@ -11219,6 +11628,60 @@
               </a:rPr>
               <a:t>public preview </a:t>
             </a:r>
+          </a:p>
+        </p:txBody>
+      </p:sp>
+      <p:sp>
+        <p:nvSpPr>
+          <p:cNvPr id="2" name="TextBox 1"/>
+          <p:cNvSpPr txBox="1"/>
+          <p:nvPr/>
+        </p:nvSpPr>
+        <p:spPr>
+          <a:xfrm>
+            <a:off x="2277688" y="6063847"/>
+            <a:ext cx="6525490" cy="292388"/>
+          </a:xfrm>
+          <a:prstGeom prst="rect">
+            <a:avLst/>
+          </a:prstGeom>
+          <a:noFill/>
+        </p:spPr>
+        <p:txBody>
+          <a:bodyPr wrap="square" rtlCol="0" anchor="b">
+            <a:spAutoFit/>
+          </a:bodyPr>
+          <a:lstStyle/>
+          <a:p>
+            <a:pPr algn="ctr"/>
+            <a:r>
+              <a:rPr lang="en-US" sz="700" i="1" dirty="0" smtClean="0"/>
+              <a:t>Introducing </a:t>
+            </a:r>
+            <a:r>
+              <a:rPr lang="en-US" sz="700" i="1" dirty="0"/>
+              <a:t>SQL Operations Studio – Eric </a:t>
+            </a:r>
+            <a:r>
+              <a:rPr lang="en-US" sz="700" i="1" dirty="0" smtClean="0"/>
+              <a:t>Kang</a:t>
+            </a:r>
+          </a:p>
+          <a:p>
+            <a:pPr algn="ctr"/>
+            <a:r>
+              <a:rPr lang="en-US" sz="600" dirty="0">
+                <a:hlinkClick r:id="rId3"/>
+              </a:rPr>
+              <a:t>https://</a:t>
+            </a:r>
+            <a:r>
+              <a:rPr lang="en-US" sz="600" dirty="0" smtClean="0">
+                <a:hlinkClick r:id="rId3"/>
+              </a:rPr>
+              <a:t>channel9.msdn.com/Events/Connect/2017/T255/player</a:t>
+            </a:r>
+            <a:endParaRPr lang="en-US" sz="600" dirty="0"/>
           </a:p>
         </p:txBody>
       </p:sp>
@@ -14995,6 +15458,60 @@
           </p:sp>
         </p:grpSp>
       </p:grpSp>
+      <p:sp>
+        <p:nvSpPr>
+          <p:cNvPr id="42" name="TextBox 41"/>
+          <p:cNvSpPr txBox="1"/>
+          <p:nvPr/>
+        </p:nvSpPr>
+        <p:spPr>
+          <a:xfrm>
+            <a:off x="2277688" y="6063847"/>
+            <a:ext cx="6525490" cy="292388"/>
+          </a:xfrm>
+          <a:prstGeom prst="rect">
+            <a:avLst/>
+          </a:prstGeom>
+          <a:noFill/>
+        </p:spPr>
+        <p:txBody>
+          <a:bodyPr wrap="square" rtlCol="0" anchor="b">
+            <a:spAutoFit/>
+          </a:bodyPr>
+          <a:lstStyle/>
+          <a:p>
+            <a:pPr algn="ctr"/>
+            <a:r>
+              <a:rPr lang="en-US" sz="700" i="1" dirty="0" smtClean="0"/>
+              <a:t>Introducing </a:t>
+            </a:r>
+            <a:r>
+              <a:rPr lang="en-US" sz="700" i="1" dirty="0"/>
+              <a:t>SQL Operations Studio – Eric </a:t>
+            </a:r>
+            <a:r>
+              <a:rPr lang="en-US" sz="700" i="1" dirty="0" smtClean="0"/>
+              <a:t>Kang</a:t>
+            </a:r>
+          </a:p>
+          <a:p>
+            <a:pPr algn="ctr"/>
+            <a:r>
+              <a:rPr lang="en-US" sz="600" dirty="0">
+                <a:hlinkClick r:id="rId4"/>
+              </a:rPr>
+              <a:t>https://</a:t>
+            </a:r>
+            <a:r>
+              <a:rPr lang="en-US" sz="600" dirty="0" smtClean="0">
+                <a:hlinkClick r:id="rId4"/>
+              </a:rPr>
+              <a:t>channel9.msdn.com/Events/Connect/2017/T255/player</a:t>
+            </a:r>
+            <a:endParaRPr lang="en-US" sz="600" dirty="0"/>
+          </a:p>
+        </p:txBody>
+      </p:sp>
     </p:spTree>
     <p:extLst>
       <p:ext uri="{BB962C8B-B14F-4D97-AF65-F5344CB8AC3E}">
@@ -15005,13 +15522,13 @@
   <p:clrMapOvr>
     <a:masterClrMapping/>
   </p:clrMapOvr>
-  <mc:AlternateContent xmlns:mc="http://schemas.openxmlformats.org/markup-compatibility/2006">
-    <mc:Choice xmlns:p14="http://schemas.microsoft.com/office/powerpoint/2010/main" Requires="p14">
+  <mc:AlternateContent xmlns:mc="http://schemas.openxmlformats.org/markup-compatibility/2006" xmlns:p14="http://schemas.microsoft.com/office/powerpoint/2010/main">
+    <mc:Choice Requires="p14">
       <p:transition spd="med" p14:dur="700">
         <p:fade/>
       </p:transition>
     </mc:Choice>
-    <mc:Fallback>
+    <mc:Fallback xmlns="">
       <p:transition spd="med">
         <p:fade/>
       </p:transition>

--- a/Introducing SQL Operations Studio.pptx
+++ b/Introducing SQL Operations Studio.pptx
@@ -854,7 +854,7 @@
           <a:p>
             <a:fld id="{F652E4A1-3D45-4EBA-B418-0015710CCD69}" type="datetimeFigureOut">
               <a:rPr lang="it-IT" smtClean="0"/>
-              <a:t>05/02/2018</a:t>
+              <a:t>06/02/2018</a:t>
             </a:fld>
             <a:endParaRPr lang="it-IT"/>
           </a:p>
@@ -4225,12 +4225,8 @@
               <a:buChar char="•"/>
             </a:pPr>
             <a:r>
-              <a:rPr lang="en-US" sz="2800" smtClean="0"/>
-              <a:t>User e </a:t>
-            </a:r>
-            <a:r>
               <a:rPr lang="en-US" sz="2800" dirty="0" smtClean="0"/>
-              <a:t>workspace settings</a:t>
+              <a:t>User e workspace settings</a:t>
             </a:r>
           </a:p>
           <a:p>
@@ -4811,20 +4807,12 @@
               <a:buChar char="•"/>
             </a:pPr>
             <a:r>
-              <a:rPr lang="en-US" sz="2800" dirty="0" err="1" smtClean="0"/>
-              <a:t>Possibilità</a:t>
-            </a:r>
-            <a:r>
               <a:rPr lang="en-US" sz="2800" dirty="0" smtClean="0"/>
-              <a:t> di </a:t>
-            </a:r>
-            <a:r>
-              <a:rPr lang="en-US" sz="2800" dirty="0" err="1" smtClean="0"/>
-              <a:t>impostare</a:t>
+              <a:t>Workspace = </a:t>
             </a:r>
             <a:r>
               <a:rPr lang="en-US" sz="2800" dirty="0" smtClean="0"/>
-              <a:t> un folder di </a:t>
+              <a:t>folder di </a:t>
             </a:r>
             <a:r>
               <a:rPr lang="en-US" sz="2800" dirty="0" err="1" smtClean="0"/>
@@ -5960,7 +5948,6 @@
               <a:rPr lang="en-US" dirty="0"/>
               <a:t>FAQ</a:t>
             </a:r>
-            <a:endParaRPr lang="en-US" dirty="0"/>
           </a:p>
         </p:txBody>
       </p:sp>
@@ -7540,7 +7527,7 @@
         <p:spPr/>
         <p:txBody>
           <a:bodyPr>
-            <a:normAutofit lnSpcReduction="10000"/>
+            <a:normAutofit/>
           </a:bodyPr>
           <a:lstStyle/>
           <a:p>
@@ -7628,18 +7615,12 @@
               <a:buChar char="•"/>
             </a:pPr>
             <a:r>
+              <a:rPr lang="en-US" dirty="0" err="1" smtClean="0"/>
+              <a:t>Prospettive</a:t>
+            </a:r>
+            <a:r>
               <a:rPr lang="en-US" dirty="0" smtClean="0"/>
-              <a:t>Road map</a:t>
-            </a:r>
-          </a:p>
-          <a:p>
-            <a:pPr marL="571500" indent="-571500">
-              <a:buFont typeface="Arial" panose="020B0604020202020204" pitchFamily="34" charset="0"/>
-              <a:buChar char="•"/>
-            </a:pPr>
-            <a:r>
-              <a:rPr lang="en-US" dirty="0" err="1" smtClean="0"/>
-              <a:t>Limitazioni</a:t>
+              <a:t> future e FAQ</a:t>
             </a:r>
             <a:endParaRPr lang="en-US" dirty="0"/>
           </a:p>
@@ -8122,26 +8103,29 @@
               <a:buChar char="•"/>
             </a:pPr>
             <a:r>
-              <a:rPr lang="en-US" dirty="0" err="1" smtClean="0"/>
+              <a:rPr lang="en-US" dirty="0" err="1"/>
               <a:t>Strumento</a:t>
             </a:r>
             <a:r>
-              <a:rPr lang="en-US" dirty="0" smtClean="0"/>
-              <a:t> per la </a:t>
-            </a:r>
-            <a:r>
-              <a:rPr lang="en-US" dirty="0" err="1" smtClean="0"/>
-              <a:t>creazione</a:t>
-            </a:r>
-            <a:r>
-              <a:rPr lang="en-US" dirty="0" smtClean="0"/>
+              <a:rPr lang="en-US" dirty="0"/>
+              <a:t> per lo </a:t>
+            </a:r>
+            <a:r>
+              <a:rPr lang="en-US" dirty="0" err="1"/>
+              <a:t>sviluppo</a:t>
+            </a:r>
+            <a:r>
+              <a:rPr lang="en-US" dirty="0"/>
+              <a:t> e la </a:t>
+            </a:r>
+            <a:r>
+              <a:rPr lang="en-US" dirty="0" err="1"/>
+              <a:t>gestione</a:t>
+            </a:r>
+            <a:r>
+              <a:rPr lang="en-US" dirty="0"/>
               <a:t> di </a:t>
             </a:r>
-            <a:r>
-              <a:rPr lang="en-US" dirty="0" err="1" smtClean="0"/>
-              <a:t>soluzioni</a:t>
-            </a:r>
-            <a:endParaRPr lang="en-US" dirty="0"/>
           </a:p>
           <a:p>
             <a:pPr marL="1147527" lvl="1" indent="-571500">
@@ -8149,8 +8133,8 @@
               <a:buChar char="•"/>
             </a:pPr>
             <a:r>
-              <a:rPr lang="en-US" dirty="0" smtClean="0"/>
-              <a:t>Portable</a:t>
+              <a:rPr lang="en-US" dirty="0"/>
+              <a:t>Server</a:t>
             </a:r>
           </a:p>
           <a:p>
@@ -8159,9 +8143,41 @@
               <a:buChar char="•"/>
             </a:pPr>
             <a:r>
+              <a:rPr lang="en-US" dirty="0"/>
+              <a:t>Database </a:t>
+            </a:r>
+            <a:endParaRPr lang="en-US" dirty="0" smtClean="0"/>
+          </a:p>
+          <a:p>
+            <a:pPr marL="571500" indent="-571500">
+              <a:buFont typeface="Arial" panose="020B0604020202020204" pitchFamily="34" charset="0"/>
+              <a:buChar char="•"/>
+            </a:pPr>
+            <a:r>
+              <a:rPr lang="en-US" dirty="0" err="1" smtClean="0"/>
+              <a:t>Strumento</a:t>
+            </a:r>
+            <a:r>
               <a:rPr lang="en-US" dirty="0" smtClean="0"/>
-              <a:t>Repeatable</a:t>
-            </a:r>
+              <a:t> </a:t>
+            </a:r>
+            <a:r>
+              <a:rPr lang="en-US" dirty="0" smtClean="0"/>
+              <a:t>per la </a:t>
+            </a:r>
+            <a:r>
+              <a:rPr lang="en-US" dirty="0" err="1" smtClean="0"/>
+              <a:t>creazione</a:t>
+            </a:r>
+            <a:r>
+              <a:rPr lang="en-US" dirty="0" smtClean="0"/>
+              <a:t> di </a:t>
+            </a:r>
+            <a:r>
+              <a:rPr lang="en-US" dirty="0" err="1" smtClean="0"/>
+              <a:t>soluzioni</a:t>
+            </a:r>
+            <a:endParaRPr lang="en-US" dirty="0"/>
           </a:p>
           <a:p>
             <a:pPr marL="1147527" lvl="1" indent="-571500">
@@ -8170,6 +8186,26 @@
             </a:pPr>
             <a:r>
               <a:rPr lang="en-US" dirty="0" smtClean="0"/>
+              <a:t>Portable</a:t>
+            </a:r>
+          </a:p>
+          <a:p>
+            <a:pPr marL="1147527" lvl="1" indent="-571500">
+              <a:buFont typeface="Arial" panose="020B0604020202020204" pitchFamily="34" charset="0"/>
+              <a:buChar char="•"/>
+            </a:pPr>
+            <a:r>
+              <a:rPr lang="en-US" dirty="0" smtClean="0"/>
+              <a:t>Repeatable</a:t>
+            </a:r>
+          </a:p>
+          <a:p>
+            <a:pPr marL="1147527" lvl="1" indent="-571500">
+              <a:buFont typeface="Arial" panose="020B0604020202020204" pitchFamily="34" charset="0"/>
+              <a:buChar char="•"/>
+            </a:pPr>
+            <a:r>
+              <a:rPr lang="en-US" dirty="0" smtClean="0"/>
               <a:t>Automatable</a:t>
             </a:r>
           </a:p>
@@ -8178,50 +8214,6 @@
               <a:buFont typeface="Arial" panose="020B0604020202020204" pitchFamily="34" charset="0"/>
               <a:buChar char="•"/>
             </a:pPr>
-            <a:r>
-              <a:rPr lang="en-US" dirty="0" err="1" smtClean="0"/>
-              <a:t>Strumento</a:t>
-            </a:r>
-            <a:r>
-              <a:rPr lang="en-US" dirty="0" smtClean="0"/>
-              <a:t> per lo </a:t>
-            </a:r>
-            <a:r>
-              <a:rPr lang="en-US" dirty="0" err="1" smtClean="0"/>
-              <a:t>sviluppo</a:t>
-            </a:r>
-            <a:r>
-              <a:rPr lang="en-US" dirty="0" smtClean="0"/>
-              <a:t> e la </a:t>
-            </a:r>
-            <a:r>
-              <a:rPr lang="en-US" dirty="0" err="1" smtClean="0"/>
-              <a:t>gestione</a:t>
-            </a:r>
-            <a:r>
-              <a:rPr lang="en-US" dirty="0" smtClean="0"/>
-              <a:t> di </a:t>
-            </a:r>
-          </a:p>
-          <a:p>
-            <a:pPr marL="1147527" lvl="1" indent="-571500">
-              <a:buFont typeface="Arial" panose="020B0604020202020204" pitchFamily="34" charset="0"/>
-              <a:buChar char="•"/>
-            </a:pPr>
-            <a:r>
-              <a:rPr lang="en-US" dirty="0" smtClean="0"/>
-              <a:t>Server</a:t>
-            </a:r>
-          </a:p>
-          <a:p>
-            <a:pPr marL="1147527" lvl="1" indent="-571500">
-              <a:buFont typeface="Arial" panose="020B0604020202020204" pitchFamily="34" charset="0"/>
-              <a:buChar char="•"/>
-            </a:pPr>
-            <a:r>
-              <a:rPr lang="en-US" dirty="0" smtClean="0"/>
-              <a:t>Database</a:t>
-            </a:r>
             <a:endParaRPr lang="en-US" dirty="0"/>
           </a:p>
           <a:p>

--- a/Introducing SQL Operations Studio.pptx
+++ b/Introducing SQL Operations Studio.pptx
@@ -9,7 +9,7 @@
   </p:notesMasterIdLst>
   <p:sldIdLst>
     <p:sldId id="263" r:id="rId2"/>
-    <p:sldId id="264" r:id="rId3"/>
+    <p:sldId id="308" r:id="rId3"/>
     <p:sldId id="265" r:id="rId4"/>
     <p:sldId id="262" r:id="rId5"/>
     <p:sldId id="282" r:id="rId6"/>
@@ -854,7 +854,7 @@
           <a:p>
             <a:fld id="{F652E4A1-3D45-4EBA-B418-0015710CCD69}" type="datetimeFigureOut">
               <a:rPr lang="it-IT" smtClean="0"/>
-              <a:t>06/02/2018</a:t>
+              <a:t>12/02/2018</a:t>
             </a:fld>
             <a:endParaRPr lang="it-IT"/>
           </a:p>
@@ -1867,7 +1867,7 @@
 </file>
 
 <file path=ppt/slideLayouts/slideLayout5.xml><?xml version="1.0" encoding="utf-8"?>
-<p:sldLayout xmlns:a="http://schemas.openxmlformats.org/drawingml/2006/main" xmlns:r="http://schemas.openxmlformats.org/officeDocument/2006/relationships" xmlns:p="http://schemas.openxmlformats.org/presentationml/2006/main" type="titleOnly" preserve="1">
+<p:sldLayout xmlns:a="http://schemas.openxmlformats.org/drawingml/2006/main" xmlns:r="http://schemas.openxmlformats.org/officeDocument/2006/relationships" xmlns:p="http://schemas.openxmlformats.org/presentationml/2006/main" preserve="1" userDrawn="1">
   <p:cSld name="Sponsors">
     <p:spTree>
       <p:nvGrpSpPr>
@@ -1885,7 +1885,7 @@
       </p:grpSpPr>
       <p:sp>
         <p:nvSpPr>
-          <p:cNvPr id="2" name="Title 1"/>
+          <p:cNvPr id="14" name="Title 1"/>
           <p:cNvSpPr>
             <a:spLocks noGrp="1"/>
           </p:cNvSpPr>
@@ -1893,7 +1893,12 @@
             <p:ph type="title" hasCustomPrompt="1"/>
           </p:nvPr>
         </p:nvSpPr>
-        <p:spPr/>
+        <p:spPr>
+          <a:xfrm>
+            <a:off x="361038" y="360363"/>
+            <a:ext cx="10800000" cy="720000"/>
+          </a:xfrm>
+        </p:spPr>
         <p:txBody>
           <a:bodyPr/>
           <a:lstStyle>
@@ -1911,7 +1916,7 @@
       </p:sp>
       <p:pic>
         <p:nvPicPr>
-          <p:cNvPr id="3074" name="Picture 2" descr="Beantech">
+          <p:cNvPr id="15" name="Picture 2" descr="Beantech">
             <a:extLst>
               <a:ext uri="{FF2B5EF4-FFF2-40B4-BE49-F238E27FC236}">
                 <a16:creationId xmlns:a16="http://schemas.microsoft.com/office/drawing/2014/main" id="{1624D99F-7DDA-4526-B079-9FBA0DA7BF39}"/>
@@ -1938,7 +1943,7 @@
         </p:blipFill>
         <p:spPr bwMode="auto">
           <a:xfrm>
-            <a:off x="2974666" y="4845502"/>
+            <a:off x="3066106" y="5170500"/>
             <a:ext cx="1619250" cy="571500"/>
           </a:xfrm>
           <a:prstGeom prst="rect">
@@ -1958,7 +1963,7 @@
       </p:pic>
       <p:pic>
         <p:nvPicPr>
-          <p:cNvPr id="3076" name="Picture 4" descr="Microsoft Corporation (GAP) (GAP Sponsor)">
+          <p:cNvPr id="17" name="Picture 4" descr="Microsoft Corporation (GAP) (GAP Sponsor)">
             <a:extLst>
               <a:ext uri="{FF2B5EF4-FFF2-40B4-BE49-F238E27FC236}">
                 <a16:creationId xmlns:a16="http://schemas.microsoft.com/office/drawing/2014/main" id="{F611AACC-9EA2-42C0-A07E-7E2E94181954}"/>
@@ -1985,7 +1990,7 @@
         </p:blipFill>
         <p:spPr bwMode="auto">
           <a:xfrm>
-            <a:off x="4480207" y="2976311"/>
+            <a:off x="4405392" y="2688015"/>
             <a:ext cx="2286000" cy="485775"/>
           </a:xfrm>
           <a:prstGeom prst="rect">
@@ -2005,7 +2010,7 @@
       </p:pic>
       <p:pic>
         <p:nvPicPr>
-          <p:cNvPr id="3078" name="Picture 6" descr="Realcomm Srl">
+          <p:cNvPr id="18" name="Picture 6" descr="Realcomm Srl">
             <a:extLst>
               <a:ext uri="{FF2B5EF4-FFF2-40B4-BE49-F238E27FC236}">
                 <a16:creationId xmlns:a16="http://schemas.microsoft.com/office/drawing/2014/main" id="{2AF7ECE7-09C1-4659-8248-3F66E46B2270}"/>
@@ -2032,7 +2037,7 @@
         </p:blipFill>
         <p:spPr bwMode="auto">
           <a:xfrm>
-            <a:off x="8406428" y="4126009"/>
+            <a:off x="8497868" y="4451007"/>
             <a:ext cx="1619250" cy="571500"/>
           </a:xfrm>
           <a:prstGeom prst="rect">
@@ -2052,7 +2057,7 @@
       </p:pic>
       <p:pic>
         <p:nvPicPr>
-          <p:cNvPr id="3080" name="Picture 8" descr="Quest Software (GAP Sponsor)">
+          <p:cNvPr id="19" name="Picture 8" descr="Quest Software (GAP Sponsor)">
             <a:extLst>
               <a:ext uri="{FF2B5EF4-FFF2-40B4-BE49-F238E27FC236}">
                 <a16:creationId xmlns:a16="http://schemas.microsoft.com/office/drawing/2014/main" id="{9662600D-1B4E-4881-BD0F-49038FEB9E1D}"/>
@@ -2079,7 +2084,7 @@
         </p:blipFill>
         <p:spPr bwMode="auto">
           <a:xfrm>
-            <a:off x="6475695" y="4845502"/>
+            <a:off x="6567135" y="5170500"/>
             <a:ext cx="1619250" cy="571500"/>
           </a:xfrm>
           <a:prstGeom prst="rect">
@@ -2099,7 +2104,7 @@
       </p:pic>
       <p:pic>
         <p:nvPicPr>
-          <p:cNvPr id="3082" name="Picture 10" descr="Datamaze">
+          <p:cNvPr id="20" name="Picture 10" descr="Datamaze">
             <a:extLst>
               <a:ext uri="{FF2B5EF4-FFF2-40B4-BE49-F238E27FC236}">
                 <a16:creationId xmlns:a16="http://schemas.microsoft.com/office/drawing/2014/main" id="{D3B5DF13-7309-438B-AF7D-CB64812E647D}"/>
@@ -2126,7 +2131,7 @@
         </p:blipFill>
         <p:spPr bwMode="auto">
           <a:xfrm>
-            <a:off x="877355" y="3914847"/>
+            <a:off x="968795" y="4239845"/>
             <a:ext cx="2286000" cy="809625"/>
           </a:xfrm>
           <a:prstGeom prst="rect">
@@ -2146,10 +2151,10 @@
       </p:pic>
       <p:pic>
         <p:nvPicPr>
-          <p:cNvPr id="3084" name="Picture 12" descr="thinkIT">
+          <p:cNvPr id="21" name="Picture 14" descr="TimeXtender">
             <a:extLst>
               <a:ext uri="{FF2B5EF4-FFF2-40B4-BE49-F238E27FC236}">
-                <a16:creationId xmlns:a16="http://schemas.microsoft.com/office/drawing/2014/main" id="{2E3FE5E1-05A5-4EE6-99AE-A9209FD4DEFF}"/>
+                <a16:creationId xmlns:a16="http://schemas.microsoft.com/office/drawing/2014/main" id="{7F514B4F-394A-4017-88B0-1118A5E74F02}"/>
               </a:ext>
             </a:extLst>
           </p:cNvPr>
@@ -2173,8 +2178,8 @@
         </p:blipFill>
         <p:spPr bwMode="auto">
           <a:xfrm>
-            <a:off x="1807075" y="1503935"/>
-            <a:ext cx="1019175" cy="838200"/>
+            <a:off x="4052535" y="4453547"/>
+            <a:ext cx="3324225" cy="390525"/>
           </a:xfrm>
           <a:prstGeom prst="rect">
             <a:avLst/>
@@ -2193,10 +2198,10 @@
       </p:pic>
       <p:pic>
         <p:nvPicPr>
-          <p:cNvPr id="3086" name="Picture 14" descr="TimeXtender">
+          <p:cNvPr id="22" name="Picture 6" descr="http://www.security-research-map.eu/files/225.jpg">
             <a:extLst>
               <a:ext uri="{FF2B5EF4-FFF2-40B4-BE49-F238E27FC236}">
-                <a16:creationId xmlns:a16="http://schemas.microsoft.com/office/drawing/2014/main" id="{7F514B4F-394A-4017-88B0-1118A5E74F02}"/>
+                <a16:creationId xmlns:a16="http://schemas.microsoft.com/office/drawing/2014/main" id="{314ED9A4-7D50-4789-9E3C-6BDD1DCE8C6A}"/>
               </a:ext>
             </a:extLst>
           </p:cNvPr>
@@ -2220,54 +2225,7 @@
         </p:blipFill>
         <p:spPr bwMode="auto">
           <a:xfrm>
-            <a:off x="3961095" y="4128549"/>
-            <a:ext cx="3324225" cy="390525"/>
-          </a:xfrm>
-          <a:prstGeom prst="rect">
-            <a:avLst/>
-          </a:prstGeom>
-          <a:noFill/>
-          <a:extLst>
-            <a:ext uri="{909E8E84-426E-40DD-AFC4-6F175D3DCCD1}">
-              <a14:hiddenFill xmlns:a14="http://schemas.microsoft.com/office/drawing/2010/main">
-                <a:solidFill>
-                  <a:srgbClr val="FFFFFF"/>
-                </a:solidFill>
-              </a14:hiddenFill>
-            </a:ext>
-          </a:extLst>
-        </p:spPr>
-      </p:pic>
-      <p:pic>
-        <p:nvPicPr>
-          <p:cNvPr id="10" name="Picture 6" descr="http://www.security-research-map.eu/files/225.jpg">
-            <a:extLst>
-              <a:ext uri="{FF2B5EF4-FFF2-40B4-BE49-F238E27FC236}">
-                <a16:creationId xmlns:a16="http://schemas.microsoft.com/office/drawing/2014/main" id="{314ED9A4-7D50-4789-9E3C-6BDD1DCE8C6A}"/>
-              </a:ext>
-            </a:extLst>
-          </p:cNvPr>
-          <p:cNvPicPr>
-            <a:picLocks noChangeAspect="1" noChangeArrowheads="1"/>
-          </p:cNvPicPr>
-          <p:nvPr userDrawn="1"/>
-        </p:nvPicPr>
-        <p:blipFill>
-          <a:blip r:embed="rId9">
-            <a:extLst>
-              <a:ext uri="{28A0092B-C50C-407E-A947-70E740481C1C}">
-                <a14:useLocalDpi xmlns:a14="http://schemas.microsoft.com/office/drawing/2010/main" val="0"/>
-              </a:ext>
-            </a:extLst>
-          </a:blip>
-          <a:srcRect/>
-          <a:stretch>
-            <a:fillRect/>
-          </a:stretch>
-        </p:blipFill>
-        <p:spPr bwMode="auto">
-          <a:xfrm>
-            <a:off x="8705357" y="1370298"/>
+            <a:off x="8630543" y="1264807"/>
             <a:ext cx="827750" cy="1183934"/>
           </a:xfrm>
           <a:prstGeom prst="rect">
@@ -2287,7 +2245,7 @@
       </p:pic>
       <p:cxnSp>
         <p:nvCxnSpPr>
-          <p:cNvPr id="4" name="Straight Connector 3">
+          <p:cNvPr id="24" name="Straight Connector 23">
             <a:extLst>
               <a:ext uri="{FF2B5EF4-FFF2-40B4-BE49-F238E27FC236}">
                 <a16:creationId xmlns:a16="http://schemas.microsoft.com/office/drawing/2014/main" id="{03386B52-5D1B-4B5A-B1AD-E071951ACA23}"/>
@@ -2299,7 +2257,7 @@
         </p:nvCxnSpPr>
         <p:spPr>
           <a:xfrm>
-            <a:off x="399673" y="2660104"/>
+            <a:off x="399673" y="2554232"/>
             <a:ext cx="10800000" cy="0"/>
           </a:xfrm>
           <a:prstGeom prst="line">
@@ -2330,7 +2288,7 @@
       </p:cxnSp>
       <p:cxnSp>
         <p:nvCxnSpPr>
-          <p:cNvPr id="16" name="Straight Connector 15">
+          <p:cNvPr id="25" name="Straight Connector 24">
             <a:extLst>
               <a:ext uri="{FF2B5EF4-FFF2-40B4-BE49-F238E27FC236}">
                 <a16:creationId xmlns:a16="http://schemas.microsoft.com/office/drawing/2014/main" id="{91957C17-AF2C-49A7-9A27-81C898E57324}"/>
@@ -2342,7 +2300,7 @@
         </p:nvCxnSpPr>
         <p:spPr>
           <a:xfrm>
-            <a:off x="399673" y="3745726"/>
+            <a:off x="399673" y="4133973"/>
             <a:ext cx="10800000" cy="0"/>
           </a:xfrm>
           <a:prstGeom prst="line">
@@ -2373,7 +2331,7 @@
       </p:cxnSp>
       <p:pic>
         <p:nvPicPr>
-          <p:cNvPr id="23" name="Picture 22">
+          <p:cNvPr id="26" name="Picture 25">
             <a:extLst>
               <a:ext uri="{FF2B5EF4-FFF2-40B4-BE49-F238E27FC236}">
                 <a16:creationId xmlns:a16="http://schemas.microsoft.com/office/drawing/2014/main" id="{9C561837-1BC2-41EE-9C8E-057DB9F92C55}"/>
@@ -2386,14 +2344,117 @@
           <p:nvPr userDrawn="1"/>
         </p:nvPicPr>
         <p:blipFill rotWithShape="1">
-          <a:blip r:embed="rId10"/>
+          <a:blip r:embed="rId9"/>
           <a:srcRect r="49693"/>
           <a:stretch/>
         </p:blipFill>
         <p:spPr>
           <a:xfrm>
-            <a:off x="4204030" y="1348923"/>
+            <a:off x="5068553" y="1279655"/>
             <a:ext cx="2838355" cy="1121435"/>
+          </a:xfrm>
+          <a:prstGeom prst="rect">
+            <a:avLst/>
+          </a:prstGeom>
+        </p:spPr>
+      </p:pic>
+      <p:cxnSp>
+        <p:nvCxnSpPr>
+          <p:cNvPr id="27" name="Straight Connector 26">
+            <a:extLst>
+              <a:ext uri="{FF2B5EF4-FFF2-40B4-BE49-F238E27FC236}">
+                <a16:creationId xmlns:a16="http://schemas.microsoft.com/office/drawing/2014/main" id="{2BBDEA89-E836-4567-88BD-E235521575DE}"/>
+              </a:ext>
+            </a:extLst>
+          </p:cNvPr>
+          <p:cNvCxnSpPr/>
+          <p:nvPr userDrawn="1"/>
+        </p:nvCxnSpPr>
+        <p:spPr>
+          <a:xfrm>
+            <a:off x="399673" y="3286330"/>
+            <a:ext cx="10800000" cy="0"/>
+          </a:xfrm>
+          <a:prstGeom prst="line">
+            <a:avLst/>
+          </a:prstGeom>
+          <a:ln w="3175">
+            <a:solidFill>
+              <a:schemeClr val="accent1">
+                <a:alpha val="26000"/>
+              </a:schemeClr>
+            </a:solidFill>
+          </a:ln>
+        </p:spPr>
+        <p:style>
+          <a:lnRef idx="2">
+            <a:schemeClr val="accent1"/>
+          </a:lnRef>
+          <a:fillRef idx="0">
+            <a:schemeClr val="accent1"/>
+          </a:fillRef>
+          <a:effectRef idx="1">
+            <a:schemeClr val="accent1"/>
+          </a:effectRef>
+          <a:fontRef idx="minor">
+            <a:schemeClr val="tx1"/>
+          </a:fontRef>
+        </p:style>
+      </p:cxnSp>
+      <p:pic>
+        <p:nvPicPr>
+          <p:cNvPr id="28" name="Picture 27">
+            <a:extLst>
+              <a:ext uri="{FF2B5EF4-FFF2-40B4-BE49-F238E27FC236}">
+                <a16:creationId xmlns:a16="http://schemas.microsoft.com/office/drawing/2014/main" id="{640CF736-BF37-4382-931C-2109FE876F3F}"/>
+              </a:ext>
+            </a:extLst>
+          </p:cNvPr>
+          <p:cNvPicPr>
+            <a:picLocks noChangeAspect="1"/>
+          </p:cNvPicPr>
+          <p:nvPr userDrawn="1"/>
+        </p:nvPicPr>
+        <p:blipFill>
+          <a:blip r:embed="rId10"/>
+          <a:stretch>
+            <a:fillRect/>
+          </a:stretch>
+        </p:blipFill>
+        <p:spPr>
+          <a:xfrm>
+            <a:off x="4909513" y="3410735"/>
+            <a:ext cx="1427388" cy="617367"/>
+          </a:xfrm>
+          <a:prstGeom prst="rect">
+            <a:avLst/>
+          </a:prstGeom>
+        </p:spPr>
+      </p:pic>
+      <p:pic>
+        <p:nvPicPr>
+          <p:cNvPr id="29" name="Picture 28">
+            <a:extLst>
+              <a:ext uri="{FF2B5EF4-FFF2-40B4-BE49-F238E27FC236}">
+                <a16:creationId xmlns:a16="http://schemas.microsoft.com/office/drawing/2014/main" id="{CA2A7BDA-1045-47CA-963A-FB7FD81D3706}"/>
+              </a:ext>
+            </a:extLst>
+          </p:cNvPr>
+          <p:cNvPicPr>
+            <a:picLocks noChangeAspect="1"/>
+          </p:cNvPicPr>
+          <p:nvPr userDrawn="1"/>
+        </p:nvPicPr>
+        <p:blipFill>
+          <a:blip r:embed="rId11"/>
+          <a:stretch>
+            <a:fillRect/>
+          </a:stretch>
+        </p:blipFill>
+        <p:spPr>
+          <a:xfrm>
+            <a:off x="1260926" y="1317253"/>
+            <a:ext cx="3291589" cy="1149014"/>
           </a:xfrm>
           <a:prstGeom prst="rect">
             <a:avLst/>
@@ -2410,6 +2471,13 @@
   <p:clrMapOvr>
     <a:masterClrMapping/>
   </p:clrMapOvr>
+  <p:timing>
+    <p:tnLst>
+      <p:par>
+        <p:cTn id="1" dur="indefinite" restart="never" nodeType="tmRoot"/>
+      </p:par>
+    </p:tnLst>
+  </p:timing>
 </p:sldLayout>
 </file>
 
@@ -9068,7 +9136,12 @@
             <p:ph type="title"/>
           </p:nvPr>
         </p:nvSpPr>
-        <p:spPr/>
+        <p:spPr>
+          <a:xfrm>
+            <a:off x="361038" y="360363"/>
+            <a:ext cx="10800000" cy="720000"/>
+          </a:xfrm>
+        </p:spPr>
         <p:txBody>
           <a:bodyPr/>
           <a:lstStyle/>
@@ -9083,25 +9156,13 @@
     </p:spTree>
     <p:extLst>
       <p:ext uri="{BB962C8B-B14F-4D97-AF65-F5344CB8AC3E}">
-        <p14:creationId xmlns:p14="http://schemas.microsoft.com/office/powerpoint/2010/main" val="1237612111"/>
+        <p14:creationId xmlns:p14="http://schemas.microsoft.com/office/powerpoint/2010/main" val="3706350202"/>
       </p:ext>
     </p:extLst>
   </p:cSld>
   <p:clrMapOvr>
     <a:masterClrMapping/>
   </p:clrMapOvr>
-  <mc:AlternateContent xmlns:mc="http://schemas.openxmlformats.org/markup-compatibility/2006" xmlns:p14="http://schemas.microsoft.com/office/powerpoint/2010/main">
-    <mc:Choice Requires="p14">
-      <p:transition spd="med" p14:dur="700">
-        <p:fade/>
-      </p:transition>
-    </mc:Choice>
-    <mc:Fallback xmlns="">
-      <p:transition spd="med">
-        <p:fade/>
-      </p:transition>
-    </mc:Fallback>
-  </mc:AlternateContent>
   <p:timing>
     <p:tnLst>
       <p:par>

--- a/Introducing SQL Operations Studio.pptx
+++ b/Introducing SQL Operations Studio.pptx
@@ -854,7 +854,7 @@
           <a:p>
             <a:fld id="{F652E4A1-3D45-4EBA-B418-0015710CCD69}" type="datetimeFigureOut">
               <a:rPr lang="it-IT" smtClean="0"/>
-              <a:t>12/02/2018</a:t>
+              <a:t>15/02/2018</a:t>
             </a:fld>
             <a:endParaRPr lang="it-IT"/>
           </a:p>
@@ -7316,11 +7316,11 @@
           <a:p>
             <a:r>
               <a:rPr lang="en-US" dirty="0" smtClean="0"/>
-              <a:t>Core functionalities </a:t>
-            </a:r>
-            <a:r>
-              <a:rPr lang="en-US" sz="2800" dirty="0" smtClean="0"/>
-              <a:t>(la parte Dev)</a:t>
+              <a:t>Core </a:t>
+            </a:r>
+            <a:r>
+              <a:rPr lang="en-US" dirty="0" smtClean="0"/>
+              <a:t>functionalities</a:t>
             </a:r>
             <a:endParaRPr lang="en-US" dirty="0"/>
           </a:p>
@@ -7763,7 +7763,48 @@
               <a:rPr lang="en-US" dirty="0" err="1" smtClean="0"/>
               <a:t>oggetti</a:t>
             </a:r>
-            <a:endParaRPr lang="en-US" dirty="0"/>
+            <a:endParaRPr lang="en-US" dirty="0" smtClean="0"/>
+          </a:p>
+          <a:p>
+            <a:pPr marL="571500" indent="-571500">
+              <a:buFont typeface="Arial" panose="020B0604020202020204" pitchFamily="34" charset="0"/>
+              <a:buChar char="•"/>
+            </a:pPr>
+            <a:r>
+              <a:rPr lang="en-US" dirty="0" err="1" smtClean="0"/>
+              <a:t>Richiamabili</a:t>
+            </a:r>
+            <a:r>
+              <a:rPr lang="en-US" dirty="0" smtClean="0"/>
+              <a:t> </a:t>
+            </a:r>
+            <a:r>
+              <a:rPr lang="en-US" dirty="0" err="1" smtClean="0"/>
+              <a:t>mediante</a:t>
+            </a:r>
+            <a:r>
+              <a:rPr lang="en-US" dirty="0" smtClean="0"/>
+              <a:t> la keyword </a:t>
+            </a:r>
+            <a:r>
+              <a:rPr lang="en-US" dirty="0" err="1">
+                <a:solidFill>
+                  <a:schemeClr val="accent1"/>
+                </a:solidFill>
+                <a:latin typeface="+mj-lt"/>
+                <a:ea typeface="+mj-ea"/>
+                <a:cs typeface="+mj-cs"/>
+              </a:rPr>
+              <a:t>sql</a:t>
+            </a:r>
+            <a:endParaRPr lang="en-US" sz="4400" dirty="0">
+              <a:solidFill>
+                <a:schemeClr val="accent1"/>
+              </a:solidFill>
+              <a:latin typeface="+mj-lt"/>
+              <a:ea typeface="+mj-ea"/>
+              <a:cs typeface="+mj-cs"/>
+            </a:endParaRPr>
           </a:p>
           <a:p>
             <a:pPr marL="571500" indent="-571500">
@@ -8170,14 +8211,48 @@
               <a:buChar char="•"/>
             </a:pPr>
             <a:r>
+              <a:rPr lang="en-US" sz="2800" dirty="0" err="1" smtClean="0"/>
+              <a:t>Possibilità</a:t>
+            </a:r>
+            <a:r>
               <a:rPr lang="en-US" sz="2800" dirty="0" smtClean="0"/>
-              <a:t>Workspace = folder di </a:t>
+              <a:t> </a:t>
+            </a:r>
+            <a:r>
+              <a:rPr lang="en-US" sz="2800" dirty="0" smtClean="0"/>
+              <a:t>di </a:t>
             </a:r>
             <a:r>
               <a:rPr lang="en-US" sz="2800" dirty="0" err="1" smtClean="0"/>
-              <a:t>lavoro</a:t>
+              <a:t>personalizzare</a:t>
+            </a:r>
+            <a:r>
+              <a:rPr lang="en-US" sz="2800" dirty="0" smtClean="0"/>
+              <a:t> </a:t>
+            </a:r>
+            <a:r>
+              <a:rPr lang="en-US" sz="2800" dirty="0" err="1" smtClean="0"/>
+              <a:t>praticamente</a:t>
+            </a:r>
+            <a:r>
+              <a:rPr lang="en-US" sz="2800" dirty="0" smtClean="0"/>
+              <a:t> </a:t>
+            </a:r>
+            <a:r>
+              <a:rPr lang="en-US" sz="2800" dirty="0" err="1" smtClean="0"/>
+              <a:t>tutto</a:t>
             </a:r>
             <a:endParaRPr lang="en-US" sz="2800" dirty="0" smtClean="0"/>
+          </a:p>
+          <a:p>
+            <a:pPr marL="1261827" lvl="1" indent="-685800">
+              <a:buFont typeface="Arial" panose="020B0604020202020204" pitchFamily="34" charset="0"/>
+              <a:buChar char="•"/>
+            </a:pPr>
+            <a:r>
+              <a:rPr lang="en-US" sz="2000" dirty="0" smtClean="0"/>
+              <a:t>Editor, UI e Functional behavior</a:t>
+            </a:r>
           </a:p>
           <a:p>
             <a:pPr marL="685800" indent="-685800">
@@ -8185,34 +8260,17 @@
               <a:buChar char="•"/>
             </a:pPr>
             <a:r>
+              <a:rPr lang="en-US" sz="2800" dirty="0" smtClean="0"/>
+              <a:t>Due </a:t>
+            </a:r>
+            <a:r>
               <a:rPr lang="en-US" sz="2800" dirty="0" err="1" smtClean="0"/>
-              <a:t>Possibilità</a:t>
+              <a:t>diversi</a:t>
             </a:r>
             <a:r>
               <a:rPr lang="en-US" sz="2800" dirty="0" smtClean="0"/>
-              <a:t> di </a:t>
-            </a:r>
-            <a:r>
-              <a:rPr lang="en-US" sz="2800" dirty="0" err="1" smtClean="0"/>
-              <a:t>personalizzare</a:t>
-            </a:r>
-            <a:r>
-              <a:rPr lang="en-US" sz="2800" dirty="0" smtClean="0"/>
-              <a:t> </a:t>
-            </a:r>
-            <a:r>
-              <a:rPr lang="en-US" sz="2800" dirty="0" err="1" smtClean="0"/>
-              <a:t>praticamente</a:t>
-            </a:r>
-            <a:r>
-              <a:rPr lang="en-US" sz="2800" dirty="0" smtClean="0"/>
-              <a:t> </a:t>
-            </a:r>
-            <a:r>
-              <a:rPr lang="en-US" sz="2800" dirty="0" err="1" smtClean="0"/>
-              <a:t>tutto</a:t>
-            </a:r>
-            <a:endParaRPr lang="en-US" sz="2800" dirty="0" smtClean="0"/>
+              <a:t> scope</a:t>
+            </a:r>
           </a:p>
           <a:p>
             <a:pPr marL="1261827" lvl="1" indent="-685800">
@@ -8220,8 +8278,18 @@
               <a:buChar char="•"/>
             </a:pPr>
             <a:r>
-              <a:rPr lang="en-US" sz="2000" dirty="0" smtClean="0"/>
-              <a:t>Editor, UI e Functional behavior</a:t>
+              <a:rPr lang="en-US" sz="2400" dirty="0" smtClean="0"/>
+              <a:t>User settings</a:t>
+            </a:r>
+          </a:p>
+          <a:p>
+            <a:pPr marL="1261827" lvl="1" indent="-685800">
+              <a:buFont typeface="Arial" panose="020B0604020202020204" pitchFamily="34" charset="0"/>
+              <a:buChar char="•"/>
+            </a:pPr>
+            <a:r>
+              <a:rPr lang="en-US" sz="2400" dirty="0" smtClean="0"/>
+              <a:t>Workspace settings</a:t>
             </a:r>
           </a:p>
           <a:p>
@@ -8230,37 +8298,14 @@
               <a:buChar char="•"/>
             </a:pPr>
             <a:r>
-              <a:rPr lang="en-US" sz="2800" dirty="0" smtClean="0"/>
-              <a:t>Due </a:t>
-            </a:r>
-            <a:r>
-              <a:rPr lang="en-US" sz="2800" dirty="0" err="1" smtClean="0"/>
-              <a:t>diversi</a:t>
-            </a:r>
-            <a:r>
-              <a:rPr lang="en-US" sz="2800" dirty="0" smtClean="0"/>
-              <a:t> scope</a:t>
-            </a:r>
-          </a:p>
-          <a:p>
-            <a:pPr marL="1261827" lvl="1" indent="-685800">
-              <a:buFont typeface="Arial" panose="020B0604020202020204" pitchFamily="34" charset="0"/>
-              <a:buChar char="•"/>
-            </a:pPr>
-            <a:r>
-              <a:rPr lang="en-US" sz="2400" dirty="0" smtClean="0"/>
-              <a:t>User settings</a:t>
-            </a:r>
-          </a:p>
-          <a:p>
-            <a:pPr marL="1261827" lvl="1" indent="-685800">
-              <a:buFont typeface="Arial" panose="020B0604020202020204" pitchFamily="34" charset="0"/>
-              <a:buChar char="•"/>
-            </a:pPr>
-            <a:r>
-              <a:rPr lang="en-US" sz="2400" dirty="0" smtClean="0"/>
-              <a:t>Workspace settings</a:t>
-            </a:r>
+              <a:rPr lang="en-US" sz="2800" dirty="0"/>
+              <a:t>Workspace = folder di </a:t>
+            </a:r>
+            <a:r>
+              <a:rPr lang="en-US" sz="2800" dirty="0" err="1"/>
+              <a:t>lavoro</a:t>
+            </a:r>
+            <a:endParaRPr lang="en-US" sz="2800" dirty="0"/>
           </a:p>
           <a:p>
             <a:pPr marL="685800" indent="-685800">
@@ -8273,7 +8318,11 @@
             </a:r>
             <a:r>
               <a:rPr lang="en-US" sz="2800" dirty="0" smtClean="0"/>
-              <a:t> settings “</a:t>
+              <a:t> </a:t>
+            </a:r>
+            <a:r>
+              <a:rPr lang="en-US" sz="2800" dirty="0" smtClean="0"/>
+              <a:t>settings “</a:t>
             </a:r>
             <a:r>
               <a:rPr lang="en-US" sz="2800" dirty="0" err="1" smtClean="0"/>
@@ -8418,8 +8467,13 @@
             </a:r>
             <a:r>
               <a:rPr lang="en-US" sz="2800" dirty="0" smtClean="0"/>
-              <a:t> Source Control Manager (SMC) by default</a:t>
-            </a:r>
+              <a:t> Source Control Manager (SMC) by </a:t>
+            </a:r>
+            <a:r>
+              <a:rPr lang="en-US" sz="2800" dirty="0" smtClean="0"/>
+              <a:t>design</a:t>
+            </a:r>
+            <a:endParaRPr lang="en-US" sz="2800" dirty="0" smtClean="0"/>
           </a:p>
           <a:p>
             <a:pPr marL="685800" indent="-685800">
@@ -8472,7 +8526,7 @@
             </a:pPr>
             <a:r>
               <a:rPr lang="en-US" sz="2800" dirty="0" smtClean="0"/>
-              <a:t>Ma non </a:t>
+              <a:t>Non </a:t>
             </a:r>
             <a:r>
               <a:rPr lang="en-US" sz="2800" dirty="0" err="1" smtClean="0"/>
@@ -8644,7 +8698,9 @@
         </p:nvSpPr>
         <p:spPr/>
         <p:txBody>
-          <a:bodyPr/>
+          <a:bodyPr>
+            <a:normAutofit lnSpcReduction="10000"/>
+          </a:bodyPr>
           <a:lstStyle/>
           <a:p>
             <a:pPr marL="571500" indent="-571500">
@@ -8653,61 +8709,53 @@
             </a:pPr>
             <a:r>
               <a:rPr lang="en-US" sz="3200" dirty="0" smtClean="0"/>
-              <a:t>Dare </a:t>
-            </a:r>
-            <a:r>
-              <a:rPr lang="en-US" sz="3200" dirty="0" err="1" smtClean="0"/>
-              <a:t>uno</a:t>
-            </a:r>
-            <a:r>
-              <a:rPr lang="en-US" sz="3200" dirty="0" smtClean="0"/>
+              <a:t>Dashboard</a:t>
+            </a:r>
+          </a:p>
+          <a:p>
+            <a:pPr marL="1147527" lvl="1" indent="-571500">
+              <a:buFont typeface="Arial" panose="020B0604020202020204" pitchFamily="34" charset="0"/>
+              <a:buChar char="•"/>
+            </a:pPr>
+            <a:r>
+              <a:rPr lang="en-US" sz="2800" dirty="0" smtClean="0"/>
+              <a:t>Server &amp; </a:t>
+            </a:r>
+            <a:r>
+              <a:rPr lang="en-US" sz="2800" dirty="0" smtClean="0"/>
+              <a:t>Database Dashboard</a:t>
+            </a:r>
+          </a:p>
+          <a:p>
+            <a:pPr marL="1147527" lvl="1" indent="-571500">
+              <a:buFont typeface="Arial" panose="020B0604020202020204" pitchFamily="34" charset="0"/>
+              <a:buChar char="•"/>
+            </a:pPr>
+            <a:r>
+              <a:rPr lang="en-US" sz="2800" dirty="0" err="1" smtClean="0"/>
+              <a:t>Struttura</a:t>
+            </a:r>
+            <a:r>
+              <a:rPr lang="en-US" sz="2800" dirty="0" smtClean="0"/>
               <a:t> </a:t>
             </a:r>
             <a:r>
-              <a:rPr lang="en-US" sz="3200" dirty="0" err="1" smtClean="0"/>
-              <a:t>sguardo</a:t>
-            </a:r>
-            <a:r>
-              <a:rPr lang="en-US" sz="3200" dirty="0" smtClean="0"/>
+              <a:rPr lang="en-US" sz="2800" dirty="0" err="1" smtClean="0"/>
+              <a:t>salvata</a:t>
+            </a:r>
+            <a:r>
+              <a:rPr lang="en-US" sz="2800" dirty="0" smtClean="0"/>
               <a:t> </a:t>
             </a:r>
             <a:r>
-              <a:rPr lang="en-US" sz="3200" dirty="0" err="1" smtClean="0"/>
-              <a:t>rapido</a:t>
-            </a:r>
-            <a:r>
-              <a:rPr lang="en-US" sz="3200" dirty="0" smtClean="0"/>
-              <a:t> a </a:t>
-            </a:r>
-            <a:r>
-              <a:rPr lang="en-US" sz="3200" dirty="0" err="1" smtClean="0"/>
-              <a:t>cosa</a:t>
-            </a:r>
-            <a:r>
-              <a:rPr lang="en-US" sz="3200" dirty="0" smtClean="0"/>
-              <a:t> </a:t>
-            </a:r>
-            <a:r>
-              <a:rPr lang="en-US" sz="3200" dirty="0" err="1" smtClean="0"/>
-              <a:t>succede</a:t>
-            </a:r>
-            <a:r>
-              <a:rPr lang="en-US" sz="3200" dirty="0" smtClean="0"/>
-              <a:t> </a:t>
-            </a:r>
-            <a:r>
-              <a:rPr lang="en-US" sz="3200" dirty="0" err="1" smtClean="0"/>
-              <a:t>nel</a:t>
-            </a:r>
-            <a:r>
-              <a:rPr lang="en-US" sz="3200" dirty="0" smtClean="0"/>
-              <a:t> </a:t>
-            </a:r>
-            <a:r>
-              <a:rPr lang="en-US" sz="3200" dirty="0" err="1" smtClean="0"/>
-              <a:t>sistema</a:t>
-            </a:r>
-            <a:endParaRPr lang="en-US" sz="3200" dirty="0" smtClean="0"/>
+              <a:rPr lang="en-US" sz="2800" dirty="0" err="1" smtClean="0"/>
+              <a:t>nei</a:t>
+            </a:r>
+            <a:r>
+              <a:rPr lang="en-US" sz="2800" dirty="0" smtClean="0"/>
+              <a:t> Settings</a:t>
+            </a:r>
+            <a:endParaRPr lang="en-US" sz="2800" dirty="0" smtClean="0"/>
           </a:p>
           <a:p>
             <a:pPr marL="571500" indent="-571500">
@@ -8715,55 +8763,8 @@
               <a:buChar char="•"/>
             </a:pPr>
             <a:r>
-              <a:rPr lang="en-US" sz="3200" dirty="0" err="1" smtClean="0"/>
-              <a:t>Entrare</a:t>
-            </a:r>
-            <a:r>
               <a:rPr lang="en-US" sz="3200" dirty="0" smtClean="0"/>
-              <a:t> </a:t>
-            </a:r>
-            <a:r>
-              <a:rPr lang="en-US" sz="3200" dirty="0" err="1" smtClean="0"/>
-              <a:t>nei</a:t>
-            </a:r>
-            <a:r>
-              <a:rPr lang="en-US" sz="3200" dirty="0" smtClean="0"/>
-              <a:t> </a:t>
-            </a:r>
-            <a:r>
-              <a:rPr lang="en-US" sz="3200" dirty="0" err="1" smtClean="0"/>
-              <a:t>dettagli</a:t>
-            </a:r>
-            <a:endParaRPr lang="en-US" sz="3200" dirty="0" smtClean="0"/>
-          </a:p>
-          <a:p>
-            <a:pPr marL="571500" indent="-571500">
-              <a:buFont typeface="Arial" panose="020B0604020202020204" pitchFamily="34" charset="0"/>
-              <a:buChar char="•"/>
-            </a:pPr>
-            <a:r>
-              <a:rPr lang="en-US" sz="3200" dirty="0" err="1" smtClean="0"/>
-              <a:t>Prendere</a:t>
-            </a:r>
-            <a:r>
-              <a:rPr lang="en-US" sz="3200" dirty="0" smtClean="0"/>
-              <a:t> </a:t>
-            </a:r>
-            <a:r>
-              <a:rPr lang="en-US" sz="3200" dirty="0" err="1" smtClean="0"/>
-              <a:t>decisioni</a:t>
-            </a:r>
-            <a:r>
-              <a:rPr lang="en-US" sz="3200" dirty="0" smtClean="0"/>
-              <a:t> </a:t>
-            </a:r>
-            <a:r>
-              <a:rPr lang="en-US" sz="3200" dirty="0" err="1" smtClean="0"/>
-              <a:t>attraverso</a:t>
-            </a:r>
-            <a:r>
-              <a:rPr lang="en-US" sz="3200" dirty="0" smtClean="0"/>
-              <a:t> le Insight Action </a:t>
+              <a:t>Insight Widget</a:t>
             </a:r>
           </a:p>
           <a:p>
@@ -8773,35 +8774,160 @@
             </a:pPr>
             <a:r>
               <a:rPr lang="en-US" sz="2800" dirty="0" smtClean="0"/>
-              <a:t>non </a:t>
+              <a:t>Dare </a:t>
             </a:r>
             <a:r>
               <a:rPr lang="en-US" sz="2800" dirty="0" err="1" smtClean="0"/>
-              <a:t>disponibile</a:t>
+              <a:t>uno</a:t>
             </a:r>
             <a:r>
               <a:rPr lang="en-US" sz="2800" dirty="0" smtClean="0"/>
-              <a:t> in Preview! </a:t>
-            </a:r>
-          </a:p>
-          <a:p>
-            <a:pPr marL="571500" indent="-571500">
+              <a:t> </a:t>
+            </a:r>
+            <a:r>
+              <a:rPr lang="en-US" sz="2800" dirty="0" err="1" smtClean="0"/>
+              <a:t>sguardo</a:t>
+            </a:r>
+            <a:r>
+              <a:rPr lang="en-US" sz="2800" dirty="0" smtClean="0"/>
+              <a:t> </a:t>
+            </a:r>
+            <a:r>
+              <a:rPr lang="en-US" sz="2800" dirty="0" err="1" smtClean="0"/>
+              <a:t>rapido</a:t>
+            </a:r>
+            <a:r>
+              <a:rPr lang="en-US" sz="2800" dirty="0" smtClean="0"/>
+              <a:t> a </a:t>
+            </a:r>
+            <a:r>
+              <a:rPr lang="en-US" sz="2800" dirty="0" err="1" smtClean="0"/>
+              <a:t>cosa</a:t>
+            </a:r>
+            <a:r>
+              <a:rPr lang="en-US" sz="2800" dirty="0" smtClean="0"/>
+              <a:t> </a:t>
+            </a:r>
+            <a:r>
+              <a:rPr lang="en-US" sz="2800" dirty="0" err="1" smtClean="0"/>
+              <a:t>succede</a:t>
+            </a:r>
+            <a:r>
+              <a:rPr lang="en-US" sz="2800" dirty="0" smtClean="0"/>
+              <a:t> </a:t>
+            </a:r>
+            <a:r>
+              <a:rPr lang="en-US" sz="2800" dirty="0" err="1" smtClean="0"/>
+              <a:t>nel</a:t>
+            </a:r>
+            <a:r>
+              <a:rPr lang="en-US" sz="2800" dirty="0" smtClean="0"/>
+              <a:t> </a:t>
+            </a:r>
+            <a:r>
+              <a:rPr lang="en-US" sz="2800" dirty="0" err="1" smtClean="0"/>
+              <a:t>sistema</a:t>
+            </a:r>
+            <a:endParaRPr lang="en-US" sz="2800" dirty="0" smtClean="0"/>
+          </a:p>
+          <a:p>
+            <a:pPr marL="1147527" lvl="1" indent="-571500">
               <a:buFont typeface="Arial" panose="020B0604020202020204" pitchFamily="34" charset="0"/>
               <a:buChar char="•"/>
             </a:pPr>
             <a:r>
-              <a:rPr lang="en-US" sz="3200" dirty="0" err="1" smtClean="0"/>
-              <a:t>Completamente</a:t>
-            </a:r>
-            <a:r>
-              <a:rPr lang="en-US" sz="3200" dirty="0" smtClean="0"/>
+              <a:rPr lang="en-US" sz="2800" dirty="0" err="1" smtClean="0"/>
+              <a:t>Entrare</a:t>
+            </a:r>
+            <a:r>
+              <a:rPr lang="en-US" sz="2800" dirty="0" smtClean="0"/>
               <a:t> </a:t>
             </a:r>
             <a:r>
-              <a:rPr lang="en-US" sz="3200" dirty="0" err="1" smtClean="0"/>
-              <a:t>personalizzabile</a:t>
-            </a:r>
-            <a:endParaRPr lang="en-US" sz="3200" dirty="0" smtClean="0"/>
+              <a:rPr lang="en-US" sz="2800" dirty="0" err="1" smtClean="0"/>
+              <a:t>nei</a:t>
+            </a:r>
+            <a:r>
+              <a:rPr lang="en-US" sz="2800" dirty="0" smtClean="0"/>
+              <a:t> </a:t>
+            </a:r>
+            <a:r>
+              <a:rPr lang="en-US" sz="2800" dirty="0" err="1" smtClean="0"/>
+              <a:t>dettagli</a:t>
+            </a:r>
+            <a:endParaRPr lang="en-US" sz="2800" dirty="0" smtClean="0"/>
+          </a:p>
+          <a:p>
+            <a:pPr marL="1147527" lvl="1" indent="-571500">
+              <a:buFont typeface="Arial" panose="020B0604020202020204" pitchFamily="34" charset="0"/>
+              <a:buChar char="•"/>
+            </a:pPr>
+            <a:r>
+              <a:rPr lang="en-US" sz="2800" dirty="0" err="1" smtClean="0"/>
+              <a:t>Prendere</a:t>
+            </a:r>
+            <a:r>
+              <a:rPr lang="en-US" sz="2800" dirty="0" smtClean="0"/>
+              <a:t> </a:t>
+            </a:r>
+            <a:r>
+              <a:rPr lang="en-US" sz="2800" dirty="0" err="1" smtClean="0"/>
+              <a:t>decisioni</a:t>
+            </a:r>
+            <a:r>
+              <a:rPr lang="en-US" sz="2800" dirty="0" smtClean="0"/>
+              <a:t> </a:t>
+            </a:r>
+            <a:r>
+              <a:rPr lang="en-US" sz="2800" dirty="0" err="1" smtClean="0"/>
+              <a:t>attraverso</a:t>
+            </a:r>
+            <a:r>
+              <a:rPr lang="en-US" sz="2800" dirty="0" smtClean="0"/>
+              <a:t> le Insight Action </a:t>
+            </a:r>
+          </a:p>
+          <a:p>
+            <a:pPr marL="1723553" lvl="2" indent="-571500">
+              <a:buFont typeface="Arial" panose="020B0604020202020204" pitchFamily="34" charset="0"/>
+              <a:buChar char="•"/>
+            </a:pPr>
+            <a:r>
+              <a:rPr lang="en-US" sz="2000" dirty="0" smtClean="0"/>
+              <a:t>non </a:t>
+            </a:r>
+            <a:r>
+              <a:rPr lang="en-US" sz="2000" dirty="0" err="1" smtClean="0"/>
+              <a:t>disponibile</a:t>
+            </a:r>
+            <a:r>
+              <a:rPr lang="en-US" sz="2000" dirty="0" smtClean="0"/>
+              <a:t> in </a:t>
+            </a:r>
+            <a:r>
+              <a:rPr lang="en-US" sz="2000" dirty="0" smtClean="0"/>
+              <a:t>Preview </a:t>
+            </a:r>
+            <a:endParaRPr lang="en-US" sz="2000" dirty="0" smtClean="0"/>
+          </a:p>
+          <a:p>
+            <a:pPr marL="1147527" lvl="1" indent="-571500">
+              <a:buFont typeface="Arial" panose="020B0604020202020204" pitchFamily="34" charset="0"/>
+              <a:buChar char="•"/>
+            </a:pPr>
+            <a:r>
+              <a:rPr lang="en-US" sz="2800" dirty="0" err="1" smtClean="0"/>
+              <a:t>Definibili</a:t>
+            </a:r>
+            <a:r>
+              <a:rPr lang="en-US" sz="2800" dirty="0" smtClean="0"/>
+              <a:t> </a:t>
+            </a:r>
+            <a:r>
+              <a:rPr lang="en-US" sz="2800" dirty="0" err="1" smtClean="0"/>
+              <a:t>dall’utente</a:t>
+            </a:r>
+            <a:endParaRPr lang="en-US" sz="2800" dirty="0" smtClean="0"/>
           </a:p>
           <a:p>
             <a:pPr marL="571500" indent="-571500">
@@ -8829,11 +8955,11 @@
           <a:p>
             <a:r>
               <a:rPr lang="en-US" dirty="0" smtClean="0"/>
-              <a:t>Dashboard &amp; Insights </a:t>
-            </a:r>
-            <a:r>
-              <a:rPr lang="en-US" sz="2800" dirty="0" smtClean="0"/>
-              <a:t>(la parte Ops)</a:t>
+              <a:t>Dashboard &amp; </a:t>
+            </a:r>
+            <a:r>
+              <a:rPr lang="en-US" dirty="0" smtClean="0"/>
+              <a:t>Insights</a:t>
             </a:r>
             <a:endParaRPr lang="en-US" dirty="0"/>
           </a:p>
@@ -8862,8 +8988,8 @@
         </p:blipFill>
         <p:spPr bwMode="auto">
           <a:xfrm flipH="1">
-            <a:off x="6106249" y="3128357"/>
-            <a:ext cx="586449" cy="537206"/>
+            <a:off x="5142512" y="4763191"/>
+            <a:ext cx="353151" cy="323498"/>
           </a:xfrm>
           <a:prstGeom prst="rect">
             <a:avLst/>
@@ -9163,6 +9289,18 @@
   <p:clrMapOvr>
     <a:masterClrMapping/>
   </p:clrMapOvr>
+  <mc:AlternateContent xmlns:mc="http://schemas.openxmlformats.org/markup-compatibility/2006">
+    <mc:Choice xmlns:p14="http://schemas.microsoft.com/office/powerpoint/2010/main" Requires="p14">
+      <p:transition spd="med" p14:dur="700">
+        <p:fade/>
+      </p:transition>
+    </mc:Choice>
+    <mc:Fallback>
+      <p:transition spd="med">
+        <p:fade/>
+      </p:transition>
+    </mc:Fallback>
+  </mc:AlternateContent>
   <p:timing>
     <p:tnLst>
       <p:par>
@@ -9206,10 +9344,35 @@
           <a:lstStyle/>
           <a:p>
             <a:r>
-              <a:rPr lang="it-IT" dirty="0" smtClean="0"/>
+              <a:rPr lang="it-IT" sz="6600" dirty="0" smtClean="0"/>
               <a:t>DEMO</a:t>
             </a:r>
-            <a:endParaRPr lang="it-IT" dirty="0"/>
+            <a:r>
+              <a:rPr lang="it-IT" sz="1400" dirty="0" smtClean="0"/>
+              <a:t/>
+            </a:r>
+            <a:br>
+              <a:rPr lang="it-IT" sz="1400" dirty="0" smtClean="0"/>
+            </a:br>
+            <a:r>
+              <a:rPr lang="it-IT" sz="900" dirty="0" smtClean="0">
+                <a:hlinkClick r:id="rId2"/>
+              </a:rPr>
+              <a:t>https</a:t>
+            </a:r>
+            <a:r>
+              <a:rPr lang="it-IT" sz="900" dirty="0">
+                <a:hlinkClick r:id="rId2"/>
+              </a:rPr>
+              <a:t>://</a:t>
+            </a:r>
+            <a:r>
+              <a:rPr lang="it-IT" sz="900" dirty="0" smtClean="0">
+                <a:hlinkClick r:id="rId2"/>
+              </a:rPr>
+              <a:t>github.com/mrg3d/demo-opsstudio-repo</a:t>
+            </a:r>
+            <a:endParaRPr lang="it-IT" sz="6600" dirty="0"/>
           </a:p>
         </p:txBody>
       </p:sp>
@@ -10229,9 +10392,318 @@
   <p:timing>
     <p:tnLst>
       <p:par>
-        <p:cTn id="1" dur="indefinite" restart="never" nodeType="tmRoot"/>
+        <p:cTn id="1" dur="indefinite" restart="never" nodeType="tmRoot">
+          <p:childTnLst>
+            <p:seq concurrent="1" nextAc="seek">
+              <p:cTn id="2" dur="indefinite" nodeType="mainSeq">
+                <p:childTnLst>
+                  <p:par>
+                    <p:cTn id="3" fill="hold">
+                      <p:stCondLst>
+                        <p:cond delay="indefinite"/>
+                        <p:cond evt="onBegin" delay="0">
+                          <p:tn val="2"/>
+                        </p:cond>
+                      </p:stCondLst>
+                      <p:childTnLst>
+                        <p:par>
+                          <p:cTn id="4" fill="hold">
+                            <p:stCondLst>
+                              <p:cond delay="0"/>
+                            </p:stCondLst>
+                            <p:childTnLst>
+                              <p:par>
+                                <p:cTn id="5" presetID="10" presetClass="entr" presetSubtype="0" fill="hold" grpId="0" nodeType="withEffect">
+                                  <p:stCondLst>
+                                    <p:cond delay="0"/>
+                                  </p:stCondLst>
+                                  <p:childTnLst>
+                                    <p:set>
+                                      <p:cBhvr>
+                                        <p:cTn id="6" dur="1" fill="hold">
+                                          <p:stCondLst>
+                                            <p:cond delay="0"/>
+                                          </p:stCondLst>
+                                        </p:cTn>
+                                        <p:tgtEl>
+                                          <p:spTgt spid="19">
+                                            <p:txEl>
+                                              <p:pRg st="0" end="0"/>
+                                            </p:txEl>
+                                          </p:spTgt>
+                                        </p:tgtEl>
+                                        <p:attrNameLst>
+                                          <p:attrName>style.visibility</p:attrName>
+                                        </p:attrNameLst>
+                                      </p:cBhvr>
+                                      <p:to>
+                                        <p:strVal val="visible"/>
+                                      </p:to>
+                                    </p:set>
+                                    <p:animEffect transition="in" filter="fade">
+                                      <p:cBhvr>
+                                        <p:cTn id="7" dur="500"/>
+                                        <p:tgtEl>
+                                          <p:spTgt spid="19">
+                                            <p:txEl>
+                                              <p:pRg st="0" end="0"/>
+                                            </p:txEl>
+                                          </p:spTgt>
+                                        </p:tgtEl>
+                                      </p:cBhvr>
+                                    </p:animEffect>
+                                  </p:childTnLst>
+                                </p:cTn>
+                              </p:par>
+                              <p:par>
+                                <p:cTn id="8" presetID="10" presetClass="entr" presetSubtype="0" fill="hold" grpId="0" nodeType="withEffect">
+                                  <p:stCondLst>
+                                    <p:cond delay="0"/>
+                                  </p:stCondLst>
+                                  <p:childTnLst>
+                                    <p:set>
+                                      <p:cBhvr>
+                                        <p:cTn id="9" dur="1" fill="hold">
+                                          <p:stCondLst>
+                                            <p:cond delay="0"/>
+                                          </p:stCondLst>
+                                        </p:cTn>
+                                        <p:tgtEl>
+                                          <p:spTgt spid="19">
+                                            <p:txEl>
+                                              <p:pRg st="1" end="1"/>
+                                            </p:txEl>
+                                          </p:spTgt>
+                                        </p:tgtEl>
+                                        <p:attrNameLst>
+                                          <p:attrName>style.visibility</p:attrName>
+                                        </p:attrNameLst>
+                                      </p:cBhvr>
+                                      <p:to>
+                                        <p:strVal val="visible"/>
+                                      </p:to>
+                                    </p:set>
+                                    <p:animEffect transition="in" filter="fade">
+                                      <p:cBhvr>
+                                        <p:cTn id="10" dur="500"/>
+                                        <p:tgtEl>
+                                          <p:spTgt spid="19">
+                                            <p:txEl>
+                                              <p:pRg st="1" end="1"/>
+                                            </p:txEl>
+                                          </p:spTgt>
+                                        </p:tgtEl>
+                                      </p:cBhvr>
+                                    </p:animEffect>
+                                  </p:childTnLst>
+                                </p:cTn>
+                              </p:par>
+                              <p:par>
+                                <p:cTn id="11" presetID="10" presetClass="entr" presetSubtype="0" fill="hold" grpId="0" nodeType="withEffect">
+                                  <p:stCondLst>
+                                    <p:cond delay="0"/>
+                                  </p:stCondLst>
+                                  <p:childTnLst>
+                                    <p:set>
+                                      <p:cBhvr>
+                                        <p:cTn id="12" dur="1" fill="hold">
+                                          <p:stCondLst>
+                                            <p:cond delay="0"/>
+                                          </p:stCondLst>
+                                        </p:cTn>
+                                        <p:tgtEl>
+                                          <p:spTgt spid="19">
+                                            <p:txEl>
+                                              <p:pRg st="2" end="2"/>
+                                            </p:txEl>
+                                          </p:spTgt>
+                                        </p:tgtEl>
+                                        <p:attrNameLst>
+                                          <p:attrName>style.visibility</p:attrName>
+                                        </p:attrNameLst>
+                                      </p:cBhvr>
+                                      <p:to>
+                                        <p:strVal val="visible"/>
+                                      </p:to>
+                                    </p:set>
+                                    <p:animEffect transition="in" filter="fade">
+                                      <p:cBhvr>
+                                        <p:cTn id="13" dur="500"/>
+                                        <p:tgtEl>
+                                          <p:spTgt spid="19">
+                                            <p:txEl>
+                                              <p:pRg st="2" end="2"/>
+                                            </p:txEl>
+                                          </p:spTgt>
+                                        </p:tgtEl>
+                                      </p:cBhvr>
+                                    </p:animEffect>
+                                  </p:childTnLst>
+                                </p:cTn>
+                              </p:par>
+                            </p:childTnLst>
+                          </p:cTn>
+                        </p:par>
+                      </p:childTnLst>
+                    </p:cTn>
+                  </p:par>
+                  <p:par>
+                    <p:cTn id="14" fill="hold">
+                      <p:stCondLst>
+                        <p:cond delay="indefinite"/>
+                      </p:stCondLst>
+                      <p:childTnLst>
+                        <p:par>
+                          <p:cTn id="15" fill="hold">
+                            <p:stCondLst>
+                              <p:cond delay="0"/>
+                            </p:stCondLst>
+                            <p:childTnLst>
+                              <p:par>
+                                <p:cTn id="16" presetID="10" presetClass="entr" presetSubtype="0" fill="hold" grpId="0" nodeType="clickEffect">
+                                  <p:stCondLst>
+                                    <p:cond delay="0"/>
+                                  </p:stCondLst>
+                                  <p:childTnLst>
+                                    <p:set>
+                                      <p:cBhvr>
+                                        <p:cTn id="17" dur="1" fill="hold">
+                                          <p:stCondLst>
+                                            <p:cond delay="0"/>
+                                          </p:stCondLst>
+                                        </p:cTn>
+                                        <p:tgtEl>
+                                          <p:spTgt spid="19">
+                                            <p:txEl>
+                                              <p:pRg st="4" end="4"/>
+                                            </p:txEl>
+                                          </p:spTgt>
+                                        </p:tgtEl>
+                                        <p:attrNameLst>
+                                          <p:attrName>style.visibility</p:attrName>
+                                        </p:attrNameLst>
+                                      </p:cBhvr>
+                                      <p:to>
+                                        <p:strVal val="visible"/>
+                                      </p:to>
+                                    </p:set>
+                                    <p:animEffect transition="in" filter="fade">
+                                      <p:cBhvr>
+                                        <p:cTn id="18" dur="500"/>
+                                        <p:tgtEl>
+                                          <p:spTgt spid="19">
+                                            <p:txEl>
+                                              <p:pRg st="4" end="4"/>
+                                            </p:txEl>
+                                          </p:spTgt>
+                                        </p:tgtEl>
+                                      </p:cBhvr>
+                                    </p:animEffect>
+                                  </p:childTnLst>
+                                </p:cTn>
+                              </p:par>
+                              <p:par>
+                                <p:cTn id="19" presetID="10" presetClass="entr" presetSubtype="0" fill="hold" grpId="0" nodeType="withEffect">
+                                  <p:stCondLst>
+                                    <p:cond delay="0"/>
+                                  </p:stCondLst>
+                                  <p:childTnLst>
+                                    <p:set>
+                                      <p:cBhvr>
+                                        <p:cTn id="20" dur="1" fill="hold">
+                                          <p:stCondLst>
+                                            <p:cond delay="0"/>
+                                          </p:stCondLst>
+                                        </p:cTn>
+                                        <p:tgtEl>
+                                          <p:spTgt spid="3"/>
+                                        </p:tgtEl>
+                                        <p:attrNameLst>
+                                          <p:attrName>style.visibility</p:attrName>
+                                        </p:attrNameLst>
+                                      </p:cBhvr>
+                                      <p:to>
+                                        <p:strVal val="visible"/>
+                                      </p:to>
+                                    </p:set>
+                                    <p:animEffect transition="in" filter="fade">
+                                      <p:cBhvr>
+                                        <p:cTn id="21" dur="500"/>
+                                        <p:tgtEl>
+                                          <p:spTgt spid="3"/>
+                                        </p:tgtEl>
+                                      </p:cBhvr>
+                                    </p:animEffect>
+                                  </p:childTnLst>
+                                </p:cTn>
+                              </p:par>
+                              <p:par>
+                                <p:cTn id="22" presetID="10" presetClass="entr" presetSubtype="0" fill="hold" grpId="0" nodeType="withEffect">
+                                  <p:stCondLst>
+                                    <p:cond delay="0"/>
+                                  </p:stCondLst>
+                                  <p:childTnLst>
+                                    <p:set>
+                                      <p:cBhvr>
+                                        <p:cTn id="23" dur="1" fill="hold">
+                                          <p:stCondLst>
+                                            <p:cond delay="0"/>
+                                          </p:stCondLst>
+                                        </p:cTn>
+                                        <p:tgtEl>
+                                          <p:spTgt spid="5"/>
+                                        </p:tgtEl>
+                                        <p:attrNameLst>
+                                          <p:attrName>style.visibility</p:attrName>
+                                        </p:attrNameLst>
+                                      </p:cBhvr>
+                                      <p:to>
+                                        <p:strVal val="visible"/>
+                                      </p:to>
+                                    </p:set>
+                                    <p:animEffect transition="in" filter="fade">
+                                      <p:cBhvr>
+                                        <p:cTn id="24" dur="500"/>
+                                        <p:tgtEl>
+                                          <p:spTgt spid="5"/>
+                                        </p:tgtEl>
+                                      </p:cBhvr>
+                                    </p:animEffect>
+                                  </p:childTnLst>
+                                </p:cTn>
+                              </p:par>
+                            </p:childTnLst>
+                          </p:cTn>
+                        </p:par>
+                      </p:childTnLst>
+                    </p:cTn>
+                  </p:par>
+                </p:childTnLst>
+              </p:cTn>
+              <p:prevCondLst>
+                <p:cond evt="onPrev" delay="0">
+                  <p:tgtEl>
+                    <p:sldTgt/>
+                  </p:tgtEl>
+                </p:cond>
+              </p:prevCondLst>
+              <p:nextCondLst>
+                <p:cond evt="onNext" delay="0">
+                  <p:tgtEl>
+                    <p:sldTgt/>
+                  </p:tgtEl>
+                </p:cond>
+              </p:nextCondLst>
+            </p:seq>
+          </p:childTnLst>
+        </p:cTn>
       </p:par>
     </p:tnLst>
+    <p:bldLst>
+      <p:bldP spid="19" grpId="0" uiExpand="1" build="p"/>
+      <p:bldP spid="3" grpId="0" animBg="1"/>
+      <p:bldP spid="5" grpId="0" animBg="1"/>
+    </p:bldLst>
   </p:timing>
 </p:sld>
 </file>
@@ -10688,11 +11160,23 @@
             </a:r>
             <a:r>
               <a:rPr lang="en-US" dirty="0" err="1" smtClean="0"/>
-              <a:t>saranno</a:t>
+              <a:t>potrebbero</a:t>
             </a:r>
             <a:r>
               <a:rPr lang="en-US" dirty="0" smtClean="0"/>
-              <a:t> rese </a:t>
+              <a:t> </a:t>
+            </a:r>
+            <a:r>
+              <a:rPr lang="en-US" dirty="0" err="1" smtClean="0"/>
+              <a:t>essere</a:t>
+            </a:r>
+            <a:r>
+              <a:rPr lang="en-US" dirty="0" smtClean="0"/>
+              <a:t> </a:t>
+            </a:r>
+            <a:r>
+              <a:rPr lang="en-US" dirty="0" smtClean="0"/>
+              <a:t>rese </a:t>
             </a:r>
             <a:r>
               <a:rPr lang="en-US" dirty="0" err="1" smtClean="0"/>
@@ -10716,7 +11200,19 @@
             </a:r>
             <a:r>
               <a:rPr lang="en-US" dirty="0" smtClean="0"/>
-              <a:t> Sistema di Extensibility</a:t>
+              <a:t> </a:t>
+            </a:r>
+            <a:r>
+              <a:rPr lang="en-US" dirty="0" err="1" smtClean="0"/>
+              <a:t>sistema</a:t>
+            </a:r>
+            <a:r>
+              <a:rPr lang="en-US" dirty="0" smtClean="0"/>
+              <a:t> </a:t>
+            </a:r>
+            <a:r>
+              <a:rPr lang="en-US" dirty="0" smtClean="0"/>
+              <a:t>di Extensibility</a:t>
             </a:r>
             <a:endParaRPr lang="en-US" dirty="0"/>
           </a:p>

--- a/Introducing SQL Operations Studio.pptx
+++ b/Introducing SQL Operations Studio.pptx
@@ -7316,11 +7316,7 @@
           <a:p>
             <a:r>
               <a:rPr lang="en-US" dirty="0" smtClean="0"/>
-              <a:t>Core </a:t>
-            </a:r>
-            <a:r>
-              <a:rPr lang="en-US" dirty="0" smtClean="0"/>
-              <a:t>functionalities</a:t>
+              <a:t>Core functionalities</a:t>
             </a:r>
             <a:endParaRPr lang="en-US" dirty="0"/>
           </a:p>
@@ -8216,11 +8212,7 @@
             </a:r>
             <a:r>
               <a:rPr lang="en-US" sz="2800" dirty="0" smtClean="0"/>
-              <a:t> </a:t>
-            </a:r>
-            <a:r>
-              <a:rPr lang="en-US" sz="2800" dirty="0" smtClean="0"/>
-              <a:t>di </a:t>
+              <a:t> di </a:t>
             </a:r>
             <a:r>
               <a:rPr lang="en-US" sz="2800" dirty="0" err="1" smtClean="0"/>
@@ -8318,11 +8310,7 @@
             </a:r>
             <a:r>
               <a:rPr lang="en-US" sz="2800" dirty="0" smtClean="0"/>
-              <a:t> </a:t>
-            </a:r>
-            <a:r>
-              <a:rPr lang="en-US" sz="2800" dirty="0" smtClean="0"/>
-              <a:t>settings “</a:t>
+              <a:t> settings “</a:t>
             </a:r>
             <a:r>
               <a:rPr lang="en-US" sz="2800" dirty="0" err="1" smtClean="0"/>
@@ -8467,13 +8455,8 @@
             </a:r>
             <a:r>
               <a:rPr lang="en-US" sz="2800" dirty="0" smtClean="0"/>
-              <a:t> Source Control Manager (SMC) by </a:t>
-            </a:r>
-            <a:r>
-              <a:rPr lang="en-US" sz="2800" dirty="0" smtClean="0"/>
-              <a:t>design</a:t>
-            </a:r>
-            <a:endParaRPr lang="en-US" sz="2800" dirty="0" smtClean="0"/>
+              <a:t> Source Control Manager (SMC) by design</a:t>
+            </a:r>
           </a:p>
           <a:p>
             <a:pPr marL="685800" indent="-685800">
@@ -8719,11 +8702,7 @@
             </a:pPr>
             <a:r>
               <a:rPr lang="en-US" sz="2800" dirty="0" smtClean="0"/>
-              <a:t>Server &amp; </a:t>
-            </a:r>
-            <a:r>
-              <a:rPr lang="en-US" sz="2800" dirty="0" smtClean="0"/>
-              <a:t>Database Dashboard</a:t>
+              <a:t>Server &amp; Database Dashboard</a:t>
             </a:r>
           </a:p>
           <a:p>
@@ -8755,7 +8734,6 @@
               <a:rPr lang="en-US" sz="2800" dirty="0" smtClean="0"/>
               <a:t> Settings</a:t>
             </a:r>
-            <a:endParaRPr lang="en-US" sz="2800" dirty="0" smtClean="0"/>
           </a:p>
           <a:p>
             <a:pPr marL="571500" indent="-571500">
@@ -8902,13 +8880,8 @@
             </a:r>
             <a:r>
               <a:rPr lang="en-US" sz="2000" dirty="0" smtClean="0"/>
-              <a:t> in </a:t>
-            </a:r>
-            <a:r>
-              <a:rPr lang="en-US" sz="2000" dirty="0" smtClean="0"/>
-              <a:t>Preview </a:t>
-            </a:r>
-            <a:endParaRPr lang="en-US" sz="2000" dirty="0" smtClean="0"/>
+              <a:t> in Preview </a:t>
+            </a:r>
           </a:p>
           <a:p>
             <a:pPr marL="1147527" lvl="1" indent="-571500">
@@ -8955,11 +8928,7 @@
           <a:p>
             <a:r>
               <a:rPr lang="en-US" dirty="0" smtClean="0"/>
-              <a:t>Dashboard &amp; </a:t>
-            </a:r>
-            <a:r>
-              <a:rPr lang="en-US" dirty="0" smtClean="0"/>
-              <a:t>Insights</a:t>
+              <a:t>Dashboard &amp; Insights</a:t>
             </a:r>
             <a:endParaRPr lang="en-US" dirty="0"/>
           </a:p>
@@ -9289,13 +9258,13 @@
   <p:clrMapOvr>
     <a:masterClrMapping/>
   </p:clrMapOvr>
-  <mc:AlternateContent xmlns:mc="http://schemas.openxmlformats.org/markup-compatibility/2006">
-    <mc:Choice xmlns:p14="http://schemas.microsoft.com/office/powerpoint/2010/main" Requires="p14">
+  <mc:AlternateContent xmlns:mc="http://schemas.openxmlformats.org/markup-compatibility/2006" xmlns:p14="http://schemas.microsoft.com/office/powerpoint/2010/main">
+    <mc:Choice Requires="p14">
       <p:transition spd="med" p14:dur="700">
         <p:fade/>
       </p:transition>
     </mc:Choice>
-    <mc:Fallback>
+    <mc:Fallback xmlns="">
       <p:transition spd="med">
         <p:fade/>
       </p:transition>
@@ -10134,6 +10103,30 @@
           <a:chExt cx="0" cy="0"/>
         </a:xfrm>
       </p:grpSpPr>
+      <p:pic>
+        <p:nvPicPr>
+          <p:cNvPr id="2" name="Picture 1"/>
+          <p:cNvPicPr>
+            <a:picLocks noChangeAspect="1"/>
+          </p:cNvPicPr>
+          <p:nvPr/>
+        </p:nvPicPr>
+        <p:blipFill>
+          <a:blip r:embed="rId2"/>
+          <a:stretch>
+            <a:fillRect/>
+          </a:stretch>
+        </p:blipFill>
+        <p:spPr>
+          <a:xfrm>
+            <a:off x="5801583" y="1439813"/>
+            <a:ext cx="5172236" cy="3763955"/>
+          </a:xfrm>
+          <a:prstGeom prst="rect">
+            <a:avLst/>
+          </a:prstGeom>
+        </p:spPr>
+      </p:pic>
       <p:sp>
         <p:nvSpPr>
           <p:cNvPr id="18" name="Title 17"/>
@@ -10249,30 +10242,6 @@
           </a:p>
         </p:txBody>
       </p:sp>
-      <p:pic>
-        <p:nvPicPr>
-          <p:cNvPr id="4" name="Picture 3"/>
-          <p:cNvPicPr>
-            <a:picLocks noChangeAspect="1"/>
-          </p:cNvPicPr>
-          <p:nvPr/>
-        </p:nvPicPr>
-        <p:blipFill>
-          <a:blip r:embed="rId2"/>
-          <a:stretch>
-            <a:fillRect/>
-          </a:stretch>
-        </p:blipFill>
-        <p:spPr>
-          <a:xfrm>
-            <a:off x="5670982" y="1439813"/>
-            <a:ext cx="5490056" cy="3932212"/>
-          </a:xfrm>
-          <a:prstGeom prst="rect">
-            <a:avLst/>
-          </a:prstGeom>
-        </p:spPr>
-      </p:pic>
       <p:sp>
         <p:nvSpPr>
           <p:cNvPr id="3" name="Right Arrow 2"/>
@@ -10281,7 +10250,7 @@
         </p:nvSpPr>
         <p:spPr>
           <a:xfrm>
-            <a:off x="3300152" y="4657131"/>
+            <a:off x="3300152" y="4590627"/>
             <a:ext cx="2219498" cy="613139"/>
           </a:xfrm>
           <a:prstGeom prst="rightArrow">
@@ -10330,8 +10299,8 @@
         </p:nvSpPr>
         <p:spPr>
           <a:xfrm>
-            <a:off x="5761038" y="4779818"/>
-            <a:ext cx="5253326" cy="423949"/>
+            <a:off x="5877098" y="4638497"/>
+            <a:ext cx="5004262" cy="423949"/>
           </a:xfrm>
           <a:prstGeom prst="rect">
             <a:avLst/>
@@ -10353,7 +10322,7 @@
           </a:fontRef>
         </p:style>
         <p:txBody>
-          <a:bodyPr lIns="0" tIns="0" rIns="0" bIns="0" rtlCol="0" anchor="ctr">
+          <a:bodyPr wrap="square" lIns="0" tIns="0" rIns="0" bIns="0" rtlCol="0" anchor="ctr">
             <a:spAutoFit/>
           </a:bodyPr>
           <a:lstStyle/>
@@ -11172,11 +11141,7 @@
             </a:r>
             <a:r>
               <a:rPr lang="en-US" dirty="0" smtClean="0"/>
-              <a:t> </a:t>
-            </a:r>
-            <a:r>
-              <a:rPr lang="en-US" dirty="0" smtClean="0"/>
-              <a:t>rese </a:t>
+              <a:t> rese </a:t>
             </a:r>
             <a:r>
               <a:rPr lang="en-US" dirty="0" err="1" smtClean="0"/>
@@ -11208,11 +11173,7 @@
             </a:r>
             <a:r>
               <a:rPr lang="en-US" dirty="0" smtClean="0"/>
-              <a:t> </a:t>
-            </a:r>
-            <a:r>
-              <a:rPr lang="en-US" dirty="0" smtClean="0"/>
-              <a:t>di Extensibility</a:t>
+              <a:t> di Extensibility</a:t>
             </a:r>
             <a:endParaRPr lang="en-US" dirty="0"/>
           </a:p>
@@ -12902,33 +12863,12 @@
             </a:endParaRPr>
           </a:p>
           <a:p>
-            <a:r>
-              <a:rPr lang="en-US" altLang="en-US" sz="1900" dirty="0" smtClean="0">
-                <a:solidFill>
-                  <a:srgbClr val="293338"/>
-                </a:solidFill>
-                <a:latin typeface="inherit"/>
-              </a:rPr>
-              <a:t>	ERRATA CORRIGE: </a:t>
-            </a:r>
-            <a:r>
-              <a:rPr lang="en-US" altLang="en-US" sz="1900" dirty="0" err="1" smtClean="0">
-                <a:solidFill>
-                  <a:srgbClr val="293338"/>
-                </a:solidFill>
-                <a:latin typeface="inherit"/>
-              </a:rPr>
-              <a:t>Genenal</a:t>
-            </a:r>
-            <a:r>
-              <a:rPr lang="en-US" altLang="en-US" sz="1900" dirty="0" smtClean="0">
-                <a:solidFill>
-                  <a:srgbClr val="293338"/>
-                </a:solidFill>
-                <a:latin typeface="inherit"/>
-              </a:rPr>
-              <a:t> availability != Cross Platform </a:t>
-            </a:r>
+            <a:endParaRPr lang="en-US" altLang="en-US" sz="1900" dirty="0" smtClean="0">
+              <a:solidFill>
+                <a:srgbClr val="293338"/>
+              </a:solidFill>
+              <a:latin typeface="inherit"/>
+            </a:endParaRPr>
           </a:p>
           <a:p>
             <a:endParaRPr lang="en-US" altLang="en-US" sz="1900" dirty="0">
